--- a/bpdmo_greedy.pptx
+++ b/bpdmo_greedy.pptx
@@ -5,10 +5,10 @@
     <p:sldMasterId id="2147483648" r:id="rId4"/>
   </p:sldMasterIdLst>
   <p:notesMasterIdLst>
-    <p:notesMasterId r:id="rId20"/>
+    <p:notesMasterId r:id="rId21"/>
   </p:notesMasterIdLst>
   <p:handoutMasterIdLst>
-    <p:handoutMasterId r:id="rId21"/>
+    <p:handoutMasterId r:id="rId22"/>
   </p:handoutMasterIdLst>
   <p:sldIdLst>
     <p:sldId id="256" r:id="rId5"/>
@@ -16,22 +16,23 @@
     <p:sldId id="273" r:id="rId7"/>
     <p:sldId id="274" r:id="rId8"/>
     <p:sldId id="260" r:id="rId9"/>
-    <p:sldId id="266" r:id="rId10"/>
-    <p:sldId id="265" r:id="rId11"/>
-    <p:sldId id="267" r:id="rId12"/>
-    <p:sldId id="264" r:id="rId13"/>
-    <p:sldId id="268" r:id="rId14"/>
-    <p:sldId id="269" r:id="rId15"/>
-    <p:sldId id="270" r:id="rId16"/>
-    <p:sldId id="271" r:id="rId17"/>
-    <p:sldId id="272" r:id="rId18"/>
-    <p:sldId id="261" r:id="rId19"/>
+    <p:sldId id="265" r:id="rId10"/>
+    <p:sldId id="276" r:id="rId11"/>
+    <p:sldId id="275" r:id="rId12"/>
+    <p:sldId id="267" r:id="rId13"/>
+    <p:sldId id="264" r:id="rId14"/>
+    <p:sldId id="268" r:id="rId15"/>
+    <p:sldId id="269" r:id="rId16"/>
+    <p:sldId id="270" r:id="rId17"/>
+    <p:sldId id="271" r:id="rId18"/>
+    <p:sldId id="272" r:id="rId19"/>
+    <p:sldId id="261" r:id="rId20"/>
   </p:sldIdLst>
   <p:sldSz cx="12192000" cy="6858000"/>
   <p:notesSz cx="6858000" cy="9144000"/>
   <p:defaultTextStyle>
     <a:defPPr rtl="0">
-      <a:defRPr lang="es-es"/>
+      <a:defRPr lang="es-ES"/>
     </a:defPPr>
     <a:lvl1pPr marL="0" algn="l" defTabSz="914400" rtl="0" eaLnBrk="1" latinLnBrk="0" hangingPunct="1">
       <a:defRPr sz="1800" kern="1200">
@@ -148,14 +149,14 @@
 
 <file path=ppt/commentAuthors.xml><?xml version="1.0" encoding="utf-8"?>
 <p:cmAuthorLst xmlns:a="http://schemas.openxmlformats.org/drawingml/2006/main" xmlns:r="http://schemas.openxmlformats.org/officeDocument/2006/relationships" xmlns:p="http://schemas.openxmlformats.org/presentationml/2006/main">
-  <p:cmAuthor id="2" name="Author" initials="A" lastIdx="0" clrIdx="1"/>
+  <p:cmAuthor id="3" name="Autor" initials="A" lastIdx="0" clrIdx="2"/>
 </p:cmAuthorLst>
 </file>
 
 <file path=ppt/charts/chart1.xml><?xml version="1.0" encoding="utf-8"?>
-<c:chartSpace xmlns:c="http://schemas.openxmlformats.org/drawingml/2006/chart" xmlns:a="http://schemas.openxmlformats.org/drawingml/2006/main" xmlns:r="http://schemas.openxmlformats.org/officeDocument/2006/relationships" xmlns:c16r2="http://schemas.microsoft.com/office/drawing/2015/06/chart">
+<c:chartSpace xmlns:c="http://schemas.openxmlformats.org/drawingml/2006/chart" xmlns:a="http://schemas.openxmlformats.org/drawingml/2006/main" xmlns:r="http://schemas.openxmlformats.org/officeDocument/2006/relationships">
   <c:date1904 val="0"/>
-  <c:lang val="en-US"/>
+  <c:lang val="es-ES"/>
   <c:roundedCorners val="0"/>
   <mc:AlternateContent xmlns:mc="http://schemas.openxmlformats.org/markup-compatibility/2006">
     <mc:Choice xmlns:c14="http://schemas.microsoft.com/office/drawing/2007/8/2/chart" Requires="c14">
@@ -302,6 +303,7 @@
           </a:p>
         </c:rich>
       </c:tx>
+      <c:layout/>
       <c:overlay val="0"/>
       <c:spPr>
         <a:noFill/>
@@ -331,7 +333,7 @@
               <a:cs typeface="+mj-cs"/>
             </a:defRPr>
           </a:pPr>
-          <a:endParaRPr lang="es-US"/>
+          <a:endParaRPr lang="es-ES"/>
         </a:p>
       </c:txPr>
     </c:title>
@@ -497,7 +499,7 @@
             </c:numRef>
           </c:val>
           <c:smooth val="0"/>
-          <c:extLst>
+          <c:extLst xmlns:c16r2="http://schemas.microsoft.com/office/drawing/2015/06/chart">
             <c:ext xmlns:c16="http://schemas.microsoft.com/office/drawing/2014/chart" uri="{C3380CC4-5D6E-409C-BE32-E72D297353CC}">
               <c16:uniqueId val="{00000000-C895-4E6F-A3CB-D7305545BA81}"/>
             </c:ext>
@@ -659,7 +661,7 @@
             </c:numRef>
           </c:val>
           <c:smooth val="0"/>
-          <c:extLst>
+          <c:extLst xmlns:c16r2="http://schemas.microsoft.com/office/drawing/2015/06/chart">
             <c:ext xmlns:c16="http://schemas.microsoft.com/office/drawing/2014/chart" uri="{C3380CC4-5D6E-409C-BE32-E72D297353CC}">
               <c16:uniqueId val="{00000001-C895-4E6F-A3CB-D7305545BA81}"/>
             </c:ext>
@@ -674,11 +676,11 @@
           <c:showBubbleSize val="0"/>
         </c:dLbls>
         <c:smooth val="0"/>
-        <c:axId val="204785280"/>
-        <c:axId val="204785672"/>
+        <c:axId val="215455320"/>
+        <c:axId val="215456888"/>
       </c:lineChart>
       <c:catAx>
-        <c:axId val="204785280"/>
+        <c:axId val="215455320"/>
         <c:scaling>
           <c:orientation val="minMax"/>
         </c:scaling>
@@ -716,10 +718,10 @@
                 <a:cs typeface="+mn-cs"/>
               </a:defRPr>
             </a:pPr>
-            <a:endParaRPr lang="es-US"/>
+            <a:endParaRPr lang="es-ES"/>
           </a:p>
         </c:txPr>
-        <c:crossAx val="204785672"/>
+        <c:crossAx val="215456888"/>
         <c:crosses val="autoZero"/>
         <c:auto val="1"/>
         <c:lblAlgn val="ctr"/>
@@ -727,7 +729,7 @@
         <c:noMultiLvlLbl val="0"/>
       </c:catAx>
       <c:valAx>
-        <c:axId val="204785672"/>
+        <c:axId val="215456888"/>
         <c:scaling>
           <c:orientation val="minMax"/>
         </c:scaling>
@@ -777,10 +779,10 @@
                 <a:cs typeface="+mn-cs"/>
               </a:defRPr>
             </a:pPr>
-            <a:endParaRPr lang="es-US"/>
+            <a:endParaRPr lang="es-ES"/>
           </a:p>
         </c:txPr>
-        <c:crossAx val="204785280"/>
+        <c:crossAx val="215455320"/>
         <c:crosses val="autoZero"/>
         <c:crossBetween val="between"/>
       </c:valAx>
@@ -833,7 +835,7 @@
               <a:cs typeface="+mn-cs"/>
             </a:defRPr>
           </a:pPr>
-          <a:endParaRPr lang="es-US"/>
+          <a:endParaRPr lang="es-ES"/>
         </a:p>
       </c:txPr>
     </c:legend>
@@ -855,7 +857,7 @@
       <a:pPr>
         <a:defRPr/>
       </a:pPr>
-      <a:endParaRPr lang="es-US"/>
+      <a:endParaRPr lang="es-ES"/>
     </a:p>
   </c:txPr>
   <c:externalData r:id="rId3">
@@ -865,9 +867,9 @@
 </file>
 
 <file path=ppt/charts/chart2.xml><?xml version="1.0" encoding="utf-8"?>
-<c:chartSpace xmlns:c="http://schemas.openxmlformats.org/drawingml/2006/chart" xmlns:a="http://schemas.openxmlformats.org/drawingml/2006/main" xmlns:r="http://schemas.openxmlformats.org/officeDocument/2006/relationships" xmlns:c16r2="http://schemas.microsoft.com/office/drawing/2015/06/chart">
+<c:chartSpace xmlns:c="http://schemas.openxmlformats.org/drawingml/2006/chart" xmlns:a="http://schemas.openxmlformats.org/drawingml/2006/main" xmlns:r="http://schemas.openxmlformats.org/officeDocument/2006/relationships">
   <c:date1904 val="0"/>
-  <c:lang val="en-US"/>
+  <c:lang val="es-ES"/>
   <c:roundedCorners val="0"/>
   <mc:AlternateContent xmlns:mc="http://schemas.openxmlformats.org/markup-compatibility/2006">
     <mc:Choice xmlns:c14="http://schemas.microsoft.com/office/drawing/2007/8/2/chart" Requires="c14">
@@ -1021,7 +1023,7 @@
               <a:cs typeface="+mn-cs"/>
             </a:defRPr>
           </a:pPr>
-          <a:endParaRPr lang="es-US"/>
+          <a:endParaRPr lang="es-ES"/>
         </a:p>
       </c:txPr>
     </c:title>
@@ -1187,7 +1189,7 @@
             </c:numRef>
           </c:val>
           <c:smooth val="0"/>
-          <c:extLst>
+          <c:extLst xmlns:c16r2="http://schemas.microsoft.com/office/drawing/2015/06/chart">
             <c:ext xmlns:c16="http://schemas.microsoft.com/office/drawing/2014/chart" uri="{C3380CC4-5D6E-409C-BE32-E72D297353CC}">
               <c16:uniqueId val="{00000000-27B1-42E1-BA84-46D552EDC603}"/>
             </c:ext>
@@ -1349,7 +1351,7 @@
             </c:numRef>
           </c:val>
           <c:smooth val="0"/>
-          <c:extLst>
+          <c:extLst xmlns:c16r2="http://schemas.microsoft.com/office/drawing/2015/06/chart">
             <c:ext xmlns:c16="http://schemas.microsoft.com/office/drawing/2014/chart" uri="{C3380CC4-5D6E-409C-BE32-E72D297353CC}">
               <c16:uniqueId val="{00000001-27B1-42E1-BA84-46D552EDC603}"/>
             </c:ext>
@@ -1364,11 +1366,11 @@
           <c:showBubbleSize val="0"/>
         </c:dLbls>
         <c:smooth val="0"/>
-        <c:axId val="205660144"/>
-        <c:axId val="205656616"/>
+        <c:axId val="216389488"/>
+        <c:axId val="216390272"/>
       </c:lineChart>
       <c:catAx>
-        <c:axId val="205660144"/>
+        <c:axId val="216389488"/>
         <c:scaling>
           <c:orientation val="minMax"/>
         </c:scaling>
@@ -1406,10 +1408,10 @@
                 <a:cs typeface="+mn-cs"/>
               </a:defRPr>
             </a:pPr>
-            <a:endParaRPr lang="es-US"/>
+            <a:endParaRPr lang="es-ES"/>
           </a:p>
         </c:txPr>
-        <c:crossAx val="205656616"/>
+        <c:crossAx val="216390272"/>
         <c:crosses val="autoZero"/>
         <c:auto val="1"/>
         <c:lblAlgn val="ctr"/>
@@ -1417,7 +1419,7 @@
         <c:noMultiLvlLbl val="0"/>
       </c:catAx>
       <c:valAx>
-        <c:axId val="205656616"/>
+        <c:axId val="216390272"/>
         <c:scaling>
           <c:orientation val="minMax"/>
         </c:scaling>
@@ -1469,10 +1471,10 @@
                 <a:cs typeface="+mn-cs"/>
               </a:defRPr>
             </a:pPr>
-            <a:endParaRPr lang="es-US"/>
+            <a:endParaRPr lang="es-ES"/>
           </a:p>
         </c:txPr>
-        <c:crossAx val="205660144"/>
+        <c:crossAx val="216389488"/>
         <c:crosses val="autoZero"/>
         <c:crossBetween val="between"/>
       </c:valAx>
@@ -1509,7 +1511,7 @@
                 <a:cs typeface="+mn-cs"/>
               </a:defRPr>
             </a:pPr>
-            <a:endParaRPr lang="es-US"/>
+            <a:endParaRPr lang="es-ES"/>
           </a:p>
         </c:txPr>
       </c:legendEntry>
@@ -1540,7 +1542,7 @@
               <a:cs typeface="+mn-cs"/>
             </a:defRPr>
           </a:pPr>
-          <a:endParaRPr lang="es-US"/>
+          <a:endParaRPr lang="es-ES"/>
         </a:p>
       </c:txPr>
     </c:legend>
@@ -1562,7 +1564,7 @@
       <a:pPr>
         <a:defRPr/>
       </a:pPr>
-      <a:endParaRPr lang="es-US"/>
+      <a:endParaRPr lang="es-ES"/>
     </a:p>
   </c:txPr>
   <c:externalData r:id="rId3">
@@ -1572,9 +1574,9 @@
 </file>
 
 <file path=ppt/charts/chart3.xml><?xml version="1.0" encoding="utf-8"?>
-<c:chartSpace xmlns:c="http://schemas.openxmlformats.org/drawingml/2006/chart" xmlns:a="http://schemas.openxmlformats.org/drawingml/2006/main" xmlns:r="http://schemas.openxmlformats.org/officeDocument/2006/relationships" xmlns:c16r2="http://schemas.microsoft.com/office/drawing/2015/06/chart">
+<c:chartSpace xmlns:c="http://schemas.openxmlformats.org/drawingml/2006/chart" xmlns:a="http://schemas.openxmlformats.org/drawingml/2006/main" xmlns:r="http://schemas.openxmlformats.org/officeDocument/2006/relationships">
   <c:date1904 val="0"/>
-  <c:lang val="en-US"/>
+  <c:lang val="es-ES"/>
   <c:roundedCorners val="0"/>
   <mc:AlternateContent xmlns:mc="http://schemas.openxmlformats.org/markup-compatibility/2006">
     <mc:Choice xmlns:c14="http://schemas.microsoft.com/office/drawing/2007/8/2/chart" Requires="c14">
@@ -1752,7 +1754,7 @@
               <a:cs typeface="+mn-cs"/>
             </a:defRPr>
           </a:pPr>
-          <a:endParaRPr lang="es-US"/>
+          <a:endParaRPr lang="es-ES"/>
         </a:p>
       </c:txPr>
     </c:title>
@@ -1918,7 +1920,7 @@
             </c:numRef>
           </c:val>
           <c:smooth val="0"/>
-          <c:extLst>
+          <c:extLst xmlns:c16r2="http://schemas.microsoft.com/office/drawing/2015/06/chart">
             <c:ext xmlns:c16="http://schemas.microsoft.com/office/drawing/2014/chart" uri="{C3380CC4-5D6E-409C-BE32-E72D297353CC}">
               <c16:uniqueId val="{00000000-E3E7-4E8F-BB0E-C7E42BED69FB}"/>
             </c:ext>
@@ -2080,7 +2082,7 @@
             </c:numRef>
           </c:val>
           <c:smooth val="0"/>
-          <c:extLst>
+          <c:extLst xmlns:c16r2="http://schemas.microsoft.com/office/drawing/2015/06/chart">
             <c:ext xmlns:c16="http://schemas.microsoft.com/office/drawing/2014/chart" uri="{C3380CC4-5D6E-409C-BE32-E72D297353CC}">
               <c16:uniqueId val="{00000001-E3E7-4E8F-BB0E-C7E42BED69FB}"/>
             </c:ext>
@@ -2095,11 +2097,11 @@
           <c:showBubbleSize val="0"/>
         </c:dLbls>
         <c:smooth val="0"/>
-        <c:axId val="204788416"/>
-        <c:axId val="204784888"/>
+        <c:axId val="216388312"/>
+        <c:axId val="216388704"/>
       </c:lineChart>
       <c:catAx>
-        <c:axId val="204788416"/>
+        <c:axId val="216388312"/>
         <c:scaling>
           <c:orientation val="minMax"/>
         </c:scaling>
@@ -2140,10 +2142,10 @@
                 <a:cs typeface="+mn-cs"/>
               </a:defRPr>
             </a:pPr>
-            <a:endParaRPr lang="es-US"/>
+            <a:endParaRPr lang="es-ES"/>
           </a:p>
         </c:txPr>
-        <c:crossAx val="204784888"/>
+        <c:crossAx val="216388704"/>
         <c:crosses val="autoZero"/>
         <c:auto val="1"/>
         <c:lblAlgn val="ctr"/>
@@ -2151,7 +2153,7 @@
         <c:noMultiLvlLbl val="0"/>
       </c:catAx>
       <c:valAx>
-        <c:axId val="204784888"/>
+        <c:axId val="216388704"/>
         <c:scaling>
           <c:orientation val="minMax"/>
         </c:scaling>
@@ -2201,10 +2203,10 @@
                 <a:cs typeface="+mn-cs"/>
               </a:defRPr>
             </a:pPr>
-            <a:endParaRPr lang="es-US"/>
+            <a:endParaRPr lang="es-ES"/>
           </a:p>
         </c:txPr>
-        <c:crossAx val="204788416"/>
+        <c:crossAx val="216388312"/>
         <c:crosses val="autoZero"/>
         <c:crossBetween val="between"/>
       </c:valAx>
@@ -2247,7 +2249,7 @@
               <a:cs typeface="+mn-cs"/>
             </a:defRPr>
           </a:pPr>
-          <a:endParaRPr lang="es-US"/>
+          <a:endParaRPr lang="es-ES"/>
         </a:p>
       </c:txPr>
     </c:legend>
@@ -2269,7 +2271,7 @@
       <a:pPr>
         <a:defRPr/>
       </a:pPr>
-      <a:endParaRPr lang="es-US"/>
+      <a:endParaRPr lang="es-ES"/>
     </a:p>
   </c:txPr>
   <c:externalData r:id="rId3">
@@ -2279,9 +2281,9 @@
 </file>
 
 <file path=ppt/charts/chart4.xml><?xml version="1.0" encoding="utf-8"?>
-<c:chartSpace xmlns:c="http://schemas.openxmlformats.org/drawingml/2006/chart" xmlns:a="http://schemas.openxmlformats.org/drawingml/2006/main" xmlns:r="http://schemas.openxmlformats.org/officeDocument/2006/relationships" xmlns:c16r2="http://schemas.microsoft.com/office/drawing/2015/06/chart">
+<c:chartSpace xmlns:c="http://schemas.openxmlformats.org/drawingml/2006/chart" xmlns:a="http://schemas.openxmlformats.org/drawingml/2006/main" xmlns:r="http://schemas.openxmlformats.org/officeDocument/2006/relationships">
   <c:date1904 val="0"/>
-  <c:lang val="en-US"/>
+  <c:lang val="es-ES"/>
   <c:roundedCorners val="0"/>
   <mc:AlternateContent xmlns:mc="http://schemas.openxmlformats.org/markup-compatibility/2006">
     <mc:Choice xmlns:c14="http://schemas.microsoft.com/office/drawing/2007/8/2/chart" Requires="c14">
@@ -2429,7 +2431,7 @@
               <a:cs typeface="+mj-cs"/>
             </a:defRPr>
           </a:pPr>
-          <a:endParaRPr lang="es-US"/>
+          <a:endParaRPr lang="es-ES"/>
         </a:p>
       </c:txPr>
     </c:title>
@@ -2595,7 +2597,7 @@
             </c:numRef>
           </c:val>
           <c:smooth val="0"/>
-          <c:extLst>
+          <c:extLst xmlns:c16r2="http://schemas.microsoft.com/office/drawing/2015/06/chart">
             <c:ext xmlns:c16="http://schemas.microsoft.com/office/drawing/2014/chart" uri="{C3380CC4-5D6E-409C-BE32-E72D297353CC}">
               <c16:uniqueId val="{00000000-C612-4C88-85C4-868FEE20D905}"/>
             </c:ext>
@@ -2757,7 +2759,7 @@
             </c:numRef>
           </c:val>
           <c:smooth val="0"/>
-          <c:extLst>
+          <c:extLst xmlns:c16r2="http://schemas.microsoft.com/office/drawing/2015/06/chart">
             <c:ext xmlns:c16="http://schemas.microsoft.com/office/drawing/2014/chart" uri="{C3380CC4-5D6E-409C-BE32-E72D297353CC}">
               <c16:uniqueId val="{00000001-C612-4C88-85C4-868FEE20D905}"/>
             </c:ext>
@@ -2772,11 +2774,11 @@
           <c:showBubbleSize val="0"/>
         </c:dLbls>
         <c:smooth val="0"/>
-        <c:axId val="204784496"/>
-        <c:axId val="204789984"/>
+        <c:axId val="216389096"/>
+        <c:axId val="216391448"/>
       </c:lineChart>
       <c:catAx>
-        <c:axId val="204784496"/>
+        <c:axId val="216389096"/>
         <c:scaling>
           <c:orientation val="minMax"/>
         </c:scaling>
@@ -2817,10 +2819,10 @@
                 <a:cs typeface="+mn-cs"/>
               </a:defRPr>
             </a:pPr>
-            <a:endParaRPr lang="es-US"/>
+            <a:endParaRPr lang="es-ES"/>
           </a:p>
         </c:txPr>
-        <c:crossAx val="204789984"/>
+        <c:crossAx val="216391448"/>
         <c:crosses val="autoZero"/>
         <c:auto val="1"/>
         <c:lblAlgn val="ctr"/>
@@ -2828,7 +2830,7 @@
         <c:noMultiLvlLbl val="0"/>
       </c:catAx>
       <c:valAx>
-        <c:axId val="204789984"/>
+        <c:axId val="216391448"/>
         <c:scaling>
           <c:orientation val="minMax"/>
         </c:scaling>
@@ -2878,10 +2880,10 @@
                 <a:cs typeface="+mn-cs"/>
               </a:defRPr>
             </a:pPr>
-            <a:endParaRPr lang="es-US"/>
+            <a:endParaRPr lang="es-ES"/>
           </a:p>
         </c:txPr>
-        <c:crossAx val="204784496"/>
+        <c:crossAx val="216389096"/>
         <c:crosses val="autoZero"/>
         <c:crossBetween val="between"/>
       </c:valAx>
@@ -2928,7 +2930,7 @@
               <a:cs typeface="+mn-cs"/>
             </a:defRPr>
           </a:pPr>
-          <a:endParaRPr lang="es-US"/>
+          <a:endParaRPr lang="es-ES"/>
         </a:p>
       </c:txPr>
     </c:legend>
@@ -2950,7 +2952,7 @@
       <a:pPr>
         <a:defRPr/>
       </a:pPr>
-      <a:endParaRPr lang="es-US"/>
+      <a:endParaRPr lang="es-ES"/>
     </a:p>
   </c:txPr>
   <c:externalData r:id="rId3">
@@ -2960,9 +2962,9 @@
 </file>
 
 <file path=ppt/charts/chart5.xml><?xml version="1.0" encoding="utf-8"?>
-<c:chartSpace xmlns:c="http://schemas.openxmlformats.org/drawingml/2006/chart" xmlns:a="http://schemas.openxmlformats.org/drawingml/2006/main" xmlns:r="http://schemas.openxmlformats.org/officeDocument/2006/relationships" xmlns:c16r2="http://schemas.microsoft.com/office/drawing/2015/06/chart">
+<c:chartSpace xmlns:c="http://schemas.openxmlformats.org/drawingml/2006/chart" xmlns:a="http://schemas.openxmlformats.org/drawingml/2006/main" xmlns:r="http://schemas.openxmlformats.org/officeDocument/2006/relationships">
   <c:date1904 val="0"/>
-  <c:lang val="en-US"/>
+  <c:lang val="es-ES"/>
   <c:roundedCorners val="0"/>
   <mc:AlternateContent xmlns:mc="http://schemas.openxmlformats.org/markup-compatibility/2006">
     <mc:Choice xmlns:c14="http://schemas.microsoft.com/office/drawing/2007/8/2/chart" Requires="c14">
@@ -3132,7 +3134,7 @@
               <a:cs typeface="+mj-cs"/>
             </a:defRPr>
           </a:pPr>
-          <a:endParaRPr lang="es-US"/>
+          <a:endParaRPr lang="es-ES"/>
         </a:p>
       </c:txPr>
     </c:title>
@@ -3298,7 +3300,7 @@
             </c:numRef>
           </c:val>
           <c:smooth val="0"/>
-          <c:extLst>
+          <c:extLst xmlns:c16r2="http://schemas.microsoft.com/office/drawing/2015/06/chart">
             <c:ext xmlns:c16="http://schemas.microsoft.com/office/drawing/2014/chart" uri="{C3380CC4-5D6E-409C-BE32-E72D297353CC}">
               <c16:uniqueId val="{00000000-3102-49D7-9F3F-490FD1CABF74}"/>
             </c:ext>
@@ -3460,7 +3462,7 @@
             </c:numRef>
           </c:val>
           <c:smooth val="0"/>
-          <c:extLst>
+          <c:extLst xmlns:c16r2="http://schemas.microsoft.com/office/drawing/2015/06/chart">
             <c:ext xmlns:c16="http://schemas.microsoft.com/office/drawing/2014/chart" uri="{C3380CC4-5D6E-409C-BE32-E72D297353CC}">
               <c16:uniqueId val="{00000001-3102-49D7-9F3F-490FD1CABF74}"/>
             </c:ext>
@@ -3475,11 +3477,11 @@
           <c:showBubbleSize val="0"/>
         </c:dLbls>
         <c:smooth val="0"/>
-        <c:axId val="204786848"/>
-        <c:axId val="204787240"/>
+        <c:axId val="216391056"/>
+        <c:axId val="216386744"/>
       </c:lineChart>
       <c:catAx>
-        <c:axId val="204786848"/>
+        <c:axId val="216391056"/>
         <c:scaling>
           <c:orientation val="minMax"/>
         </c:scaling>
@@ -3521,10 +3523,10 @@
                 <a:cs typeface="+mn-cs"/>
               </a:defRPr>
             </a:pPr>
-            <a:endParaRPr lang="es-US"/>
+            <a:endParaRPr lang="es-ES"/>
           </a:p>
         </c:txPr>
-        <c:crossAx val="204787240"/>
+        <c:crossAx val="216386744"/>
         <c:crosses val="autoZero"/>
         <c:auto val="1"/>
         <c:lblAlgn val="ctr"/>
@@ -3532,7 +3534,7 @@
         <c:noMultiLvlLbl val="0"/>
       </c:catAx>
       <c:valAx>
-        <c:axId val="204787240"/>
+        <c:axId val="216386744"/>
         <c:scaling>
           <c:orientation val="minMax"/>
         </c:scaling>
@@ -3582,10 +3584,10 @@
                 <a:cs typeface="+mn-cs"/>
               </a:defRPr>
             </a:pPr>
-            <a:endParaRPr lang="es-US"/>
+            <a:endParaRPr lang="es-ES"/>
           </a:p>
         </c:txPr>
-        <c:crossAx val="204786848"/>
+        <c:crossAx val="216391056"/>
         <c:crosses val="autoZero"/>
         <c:crossBetween val="between"/>
       </c:valAx>
@@ -3626,7 +3628,7 @@
               <a:cs typeface="+mn-cs"/>
             </a:defRPr>
           </a:pPr>
-          <a:endParaRPr lang="es-US"/>
+          <a:endParaRPr lang="es-ES"/>
         </a:p>
       </c:txPr>
     </c:legend>
@@ -3648,7 +3650,7 @@
       <a:pPr>
         <a:defRPr/>
       </a:pPr>
-      <a:endParaRPr lang="es-US"/>
+      <a:endParaRPr lang="es-ES"/>
     </a:p>
   </c:txPr>
   <c:externalData r:id="rId3">
@@ -3658,9 +3660,9 @@
 </file>
 
 <file path=ppt/charts/chart6.xml><?xml version="1.0" encoding="utf-8"?>
-<c:chartSpace xmlns:c="http://schemas.openxmlformats.org/drawingml/2006/chart" xmlns:a="http://schemas.openxmlformats.org/drawingml/2006/main" xmlns:r="http://schemas.openxmlformats.org/officeDocument/2006/relationships" xmlns:c16r2="http://schemas.microsoft.com/office/drawing/2015/06/chart">
+<c:chartSpace xmlns:c="http://schemas.openxmlformats.org/drawingml/2006/chart" xmlns:a="http://schemas.openxmlformats.org/drawingml/2006/main" xmlns:r="http://schemas.openxmlformats.org/officeDocument/2006/relationships">
   <c:date1904 val="0"/>
-  <c:lang val="en-US"/>
+  <c:lang val="es-ES"/>
   <c:roundedCorners val="0"/>
   <mc:AlternateContent xmlns:mc="http://schemas.openxmlformats.org/markup-compatibility/2006">
     <mc:Choice xmlns:c14="http://schemas.microsoft.com/office/drawing/2007/8/2/chart" Requires="c14">
@@ -3723,7 +3725,7 @@
               <a:cs typeface="+mj-cs"/>
             </a:defRPr>
           </a:pPr>
-          <a:endParaRPr lang="es-US"/>
+          <a:endParaRPr lang="es-ES"/>
         </a:p>
       </c:txPr>
     </c:title>
@@ -3889,7 +3891,7 @@
             </c:numRef>
           </c:val>
           <c:smooth val="0"/>
-          <c:extLst>
+          <c:extLst xmlns:c16r2="http://schemas.microsoft.com/office/drawing/2015/06/chart">
             <c:ext xmlns:c16="http://schemas.microsoft.com/office/drawing/2014/chart" uri="{C3380CC4-5D6E-409C-BE32-E72D297353CC}">
               <c16:uniqueId val="{00000000-FFD7-4955-B0A6-D9C622E4AA54}"/>
             </c:ext>
@@ -4051,7 +4053,7 @@
             </c:numRef>
           </c:val>
           <c:smooth val="0"/>
-          <c:extLst>
+          <c:extLst xmlns:c16r2="http://schemas.microsoft.com/office/drawing/2015/06/chart">
             <c:ext xmlns:c16="http://schemas.microsoft.com/office/drawing/2014/chart" uri="{C3380CC4-5D6E-409C-BE32-E72D297353CC}">
               <c16:uniqueId val="{00000001-FFD7-4955-B0A6-D9C622E4AA54}"/>
             </c:ext>
@@ -4066,11 +4068,11 @@
           <c:showBubbleSize val="0"/>
         </c:dLbls>
         <c:smooth val="0"/>
-        <c:axId val="204789592"/>
-        <c:axId val="204787632"/>
+        <c:axId val="216392232"/>
+        <c:axId val="216392624"/>
       </c:lineChart>
       <c:catAx>
-        <c:axId val="204789592"/>
+        <c:axId val="216392232"/>
         <c:scaling>
           <c:orientation val="minMax"/>
         </c:scaling>
@@ -4111,10 +4113,10 @@
                 <a:cs typeface="+mn-cs"/>
               </a:defRPr>
             </a:pPr>
-            <a:endParaRPr lang="es-US"/>
+            <a:endParaRPr lang="es-ES"/>
           </a:p>
         </c:txPr>
-        <c:crossAx val="204787632"/>
+        <c:crossAx val="216392624"/>
         <c:crosses val="autoZero"/>
         <c:auto val="1"/>
         <c:lblAlgn val="ctr"/>
@@ -4122,7 +4124,7 @@
         <c:noMultiLvlLbl val="0"/>
       </c:catAx>
       <c:valAx>
-        <c:axId val="204787632"/>
+        <c:axId val="216392624"/>
         <c:scaling>
           <c:orientation val="minMax"/>
         </c:scaling>
@@ -4174,10 +4176,10 @@
                 <a:cs typeface="+mn-cs"/>
               </a:defRPr>
             </a:pPr>
-            <a:endParaRPr lang="es-US"/>
+            <a:endParaRPr lang="es-ES"/>
           </a:p>
         </c:txPr>
-        <c:crossAx val="204789592"/>
+        <c:crossAx val="216392232"/>
         <c:crosses val="autoZero"/>
         <c:crossBetween val="between"/>
       </c:valAx>
@@ -4223,7 +4225,7 @@
               <a:cs typeface="+mn-cs"/>
             </a:defRPr>
           </a:pPr>
-          <a:endParaRPr lang="es-US"/>
+          <a:endParaRPr lang="es-ES"/>
         </a:p>
       </c:txPr>
     </c:legend>
@@ -4245,7 +4247,7 @@
       <a:pPr>
         <a:defRPr/>
       </a:pPr>
-      <a:endParaRPr lang="es-US"/>
+      <a:endParaRPr lang="es-ES"/>
     </a:p>
   </c:txPr>
   <c:externalData r:id="rId3">
@@ -8516,6 +8518,13 @@
         </dgm:presLayoutVars>
       </dgm:prSet>
       <dgm:spPr/>
+      <dgm:t>
+        <a:bodyPr/>
+        <a:lstStyle/>
+        <a:p>
+          <a:endParaRPr lang="es-ES"/>
+        </a:p>
+      </dgm:t>
     </dgm:pt>
     <dgm:pt modelId="{3B23570A-ECC9-4DF8-BCB4-0465C69CBB88}" type="pres">
       <dgm:prSet presAssocID="{B4F1B46E-22B2-4721-950C-8704487586DC}" presName="posSpace" presStyleCnt="0"/>
@@ -8534,7 +8543,7 @@
       <dgm:spPr/>
     </dgm:pt>
     <dgm:pt modelId="{6B08AC4B-4CEC-41E5-AE19-47A4E2720563}" type="pres">
-      <dgm:prSet presAssocID="{B4F1B46E-22B2-4721-950C-8704487586DC}" presName="firstChild" presStyleLbl="bgAccFollowNode1" presStyleIdx="0" presStyleCnt="4" custScaleX="116431" custScaleY="92541" custLinFactNeighborX="-1082" custLinFactNeighborY="-98178"/>
+      <dgm:prSet presAssocID="{B4F1B46E-22B2-4721-950C-8704487586DC}" presName="firstChild" presStyleLbl="bgAccFollowNode1" presStyleIdx="0" presStyleCnt="4" custScaleX="116431" custScaleY="92541" custLinFactY="-7408" custLinFactNeighborX="-1082" custLinFactNeighborY="-100000"/>
       <dgm:spPr>
         <a:solidFill>
           <a:schemeClr val="bg1">
@@ -8559,6 +8568,13 @@
     <dgm:pt modelId="{FC7ED273-8CFD-43C2-9C05-44FADF3E0637}" type="pres">
       <dgm:prSet presAssocID="{B4F1B46E-22B2-4721-950C-8704487586DC}" presName="circle" presStyleLbl="node1" presStyleIdx="0" presStyleCnt="4" custLinFactY="-60782" custLinFactNeighborX="-993" custLinFactNeighborY="-100000"/>
       <dgm:spPr/>
+      <dgm:t>
+        <a:bodyPr/>
+        <a:lstStyle/>
+        <a:p>
+          <a:endParaRPr lang="es-ES"/>
+        </a:p>
+      </dgm:t>
     </dgm:pt>
     <dgm:pt modelId="{13C564B0-C27E-4ABA-AFDA-59E145B256BA}" type="pres">
       <dgm:prSet presAssocID="{A7E2530A-34E2-4E9F-BC78-8920BA140C41}" presName="transSpace" presStyleCnt="0"/>
@@ -8606,6 +8622,13 @@
     <dgm:pt modelId="{FD776C1E-557E-4553-9447-49B69EEC7907}" type="pres">
       <dgm:prSet presAssocID="{F2881FB1-6580-4F21-A283-BFAA6F91D5D2}" presName="circle" presStyleLbl="node1" presStyleIdx="1" presStyleCnt="4" custLinFactY="-57978" custLinFactNeighborX="-52702" custLinFactNeighborY="-100000"/>
       <dgm:spPr/>
+      <dgm:t>
+        <a:bodyPr/>
+        <a:lstStyle/>
+        <a:p>
+          <a:endParaRPr lang="es-ES"/>
+        </a:p>
+      </dgm:t>
     </dgm:pt>
     <dgm:pt modelId="{FC2522F1-14BB-4B37-B60E-2E8A7E8A6C30}" type="pres">
       <dgm:prSet presAssocID="{A5ABDC17-7AB5-4F0E-992A-F9343F5D74EB}" presName="transSpace" presStyleCnt="0"/>
@@ -8653,6 +8676,13 @@
     <dgm:pt modelId="{89E6DA6E-7A23-44BD-8A99-378091FF741D}" type="pres">
       <dgm:prSet presAssocID="{6352CA33-6755-44BE-808F-400DA4CF80A7}" presName="circle" presStyleLbl="node1" presStyleIdx="2" presStyleCnt="4" custLinFactY="-53969" custLinFactNeighborX="-84607" custLinFactNeighborY="-100000"/>
       <dgm:spPr/>
+      <dgm:t>
+        <a:bodyPr/>
+        <a:lstStyle/>
+        <a:p>
+          <a:endParaRPr lang="es-ES"/>
+        </a:p>
+      </dgm:t>
     </dgm:pt>
     <dgm:pt modelId="{E966790E-26B5-4EB8-981F-1094BF4B7611}" type="pres">
       <dgm:prSet presAssocID="{AAB4CF73-4B9B-4AA0-9074-16C2D2AE00A1}" presName="transSpace" presStyleCnt="0"/>
@@ -8700,18 +8730,25 @@
     <dgm:pt modelId="{7453D9C8-CD6E-4AA4-8A19-7F6F667528F0}" type="pres">
       <dgm:prSet presAssocID="{7FCE83D9-631B-4420-BBFC-CA0AFA59F747}" presName="circle" presStyleLbl="node1" presStyleIdx="3" presStyleCnt="4" custLinFactY="-56851" custLinFactNeighborX="-74497" custLinFactNeighborY="-100000"/>
       <dgm:spPr/>
+      <dgm:t>
+        <a:bodyPr/>
+        <a:lstStyle/>
+        <a:p>
+          <a:endParaRPr lang="es-ES"/>
+        </a:p>
+      </dgm:t>
     </dgm:pt>
   </dgm:ptLst>
   <dgm:cxnLst>
+    <dgm:cxn modelId="{4A31D641-1B5D-46D3-B685-0C4DC6EFE71B}" srcId="{00C18FBF-3FF5-4C16-97CF-AF03740D7AB6}" destId="{F2881FB1-6580-4F21-A283-BFAA6F91D5D2}" srcOrd="1" destOrd="0" parTransId="{2D960FDD-BADA-480D-9043-497C56588AD3}" sibTransId="{A5ABDC17-7AB5-4F0E-992A-F9343F5D74EB}"/>
+    <dgm:cxn modelId="{2DF4FDC6-9998-45E2-B49B-7BDDAE43878E}" type="presOf" srcId="{B4F1B46E-22B2-4721-950C-8704487586DC}" destId="{FC7ED273-8CFD-43C2-9C05-44FADF3E0637}" srcOrd="0" destOrd="0" presId="urn:microsoft.com/office/officeart/2005/8/layout/hList9"/>
+    <dgm:cxn modelId="{E572418E-4340-4448-940D-253A2FA3B9B3}" srcId="{00C18FBF-3FF5-4C16-97CF-AF03740D7AB6}" destId="{7FCE83D9-631B-4420-BBFC-CA0AFA59F747}" srcOrd="3" destOrd="0" parTransId="{C61EC981-13FA-4710-B079-D35692EEB764}" sibTransId="{1B48A0DE-4031-4D45-86A1-94CDAF68824A}"/>
+    <dgm:cxn modelId="{B2647B56-8947-4632-AB4A-42CBB9B48494}" type="presOf" srcId="{7FCE83D9-631B-4420-BBFC-CA0AFA59F747}" destId="{7453D9C8-CD6E-4AA4-8A19-7F6F667528F0}" srcOrd="0" destOrd="0" presId="urn:microsoft.com/office/officeart/2005/8/layout/hList9"/>
+    <dgm:cxn modelId="{7F3B5912-CE3A-4F69-B6A0-82162798FA63}" type="presOf" srcId="{00C18FBF-3FF5-4C16-97CF-AF03740D7AB6}" destId="{0DC7A063-583D-4B0F-88B2-BD54F95D95AF}" srcOrd="0" destOrd="0" presId="urn:microsoft.com/office/officeart/2005/8/layout/hList9"/>
+    <dgm:cxn modelId="{82BAE5DD-3A79-4870-9019-1254385E0650}" srcId="{00C18FBF-3FF5-4C16-97CF-AF03740D7AB6}" destId="{6352CA33-6755-44BE-808F-400DA4CF80A7}" srcOrd="2" destOrd="0" parTransId="{AEB59203-63BA-4A96-BADC-40BAEBD9AA40}" sibTransId="{AAB4CF73-4B9B-4AA0-9074-16C2D2AE00A1}"/>
     <dgm:cxn modelId="{20AF3F0D-FCCC-4AE8-8B10-DDA56D69A389}" type="presOf" srcId="{6352CA33-6755-44BE-808F-400DA4CF80A7}" destId="{89E6DA6E-7A23-44BD-8A99-378091FF741D}" srcOrd="0" destOrd="0" presId="urn:microsoft.com/office/officeart/2005/8/layout/hList9"/>
-    <dgm:cxn modelId="{7F3B5912-CE3A-4F69-B6A0-82162798FA63}" type="presOf" srcId="{00C18FBF-3FF5-4C16-97CF-AF03740D7AB6}" destId="{0DC7A063-583D-4B0F-88B2-BD54F95D95AF}" srcOrd="0" destOrd="0" presId="urn:microsoft.com/office/officeart/2005/8/layout/hList9"/>
-    <dgm:cxn modelId="{4A31D641-1B5D-46D3-B685-0C4DC6EFE71B}" srcId="{00C18FBF-3FF5-4C16-97CF-AF03740D7AB6}" destId="{F2881FB1-6580-4F21-A283-BFAA6F91D5D2}" srcOrd="1" destOrd="0" parTransId="{2D960FDD-BADA-480D-9043-497C56588AD3}" sibTransId="{A5ABDC17-7AB5-4F0E-992A-F9343F5D74EB}"/>
-    <dgm:cxn modelId="{B2647B56-8947-4632-AB4A-42CBB9B48494}" type="presOf" srcId="{7FCE83D9-631B-4420-BBFC-CA0AFA59F747}" destId="{7453D9C8-CD6E-4AA4-8A19-7F6F667528F0}" srcOrd="0" destOrd="0" presId="urn:microsoft.com/office/officeart/2005/8/layout/hList9"/>
-    <dgm:cxn modelId="{E572418E-4340-4448-940D-253A2FA3B9B3}" srcId="{00C18FBF-3FF5-4C16-97CF-AF03740D7AB6}" destId="{7FCE83D9-631B-4420-BBFC-CA0AFA59F747}" srcOrd="3" destOrd="0" parTransId="{C61EC981-13FA-4710-B079-D35692EEB764}" sibTransId="{1B48A0DE-4031-4D45-86A1-94CDAF68824A}"/>
+    <dgm:cxn modelId="{77F620CE-FC2D-42CF-890C-6A28A43BA06E}" type="presOf" srcId="{F2881FB1-6580-4F21-A283-BFAA6F91D5D2}" destId="{FD776C1E-557E-4553-9447-49B69EEC7907}" srcOrd="0" destOrd="0" presId="urn:microsoft.com/office/officeart/2005/8/layout/hList9"/>
     <dgm:cxn modelId="{2C8317B2-2EBB-4589-86EA-C77B3B6E81AA}" srcId="{00C18FBF-3FF5-4C16-97CF-AF03740D7AB6}" destId="{B4F1B46E-22B2-4721-950C-8704487586DC}" srcOrd="0" destOrd="0" parTransId="{E8A66543-CC4D-4785-A93E-5B125E09F826}" sibTransId="{A7E2530A-34E2-4E9F-BC78-8920BA140C41}"/>
-    <dgm:cxn modelId="{2DF4FDC6-9998-45E2-B49B-7BDDAE43878E}" type="presOf" srcId="{B4F1B46E-22B2-4721-950C-8704487586DC}" destId="{FC7ED273-8CFD-43C2-9C05-44FADF3E0637}" srcOrd="0" destOrd="0" presId="urn:microsoft.com/office/officeart/2005/8/layout/hList9"/>
-    <dgm:cxn modelId="{77F620CE-FC2D-42CF-890C-6A28A43BA06E}" type="presOf" srcId="{F2881FB1-6580-4F21-A283-BFAA6F91D5D2}" destId="{FD776C1E-557E-4553-9447-49B69EEC7907}" srcOrd="0" destOrd="0" presId="urn:microsoft.com/office/officeart/2005/8/layout/hList9"/>
-    <dgm:cxn modelId="{82BAE5DD-3A79-4870-9019-1254385E0650}" srcId="{00C18FBF-3FF5-4C16-97CF-AF03740D7AB6}" destId="{6352CA33-6755-44BE-808F-400DA4CF80A7}" srcOrd="2" destOrd="0" parTransId="{AEB59203-63BA-4A96-BADC-40BAEBD9AA40}" sibTransId="{AAB4CF73-4B9B-4AA0-9074-16C2D2AE00A1}"/>
     <dgm:cxn modelId="{E1D1E23B-EC87-45CC-9E87-38B27A23764D}" type="presParOf" srcId="{0DC7A063-583D-4B0F-88B2-BD54F95D95AF}" destId="{3B23570A-ECC9-4DF8-BCB4-0465C69CBB88}" srcOrd="0" destOrd="0" presId="urn:microsoft.com/office/officeart/2005/8/layout/hList9"/>
     <dgm:cxn modelId="{82537023-5CD7-4BB7-84CF-DE8196338CF2}" type="presParOf" srcId="{0DC7A063-583D-4B0F-88B2-BD54F95D95AF}" destId="{FC66A233-6BBA-46AF-B2F6-28E379B158E2}" srcOrd="1" destOrd="0" presId="urn:microsoft.com/office/officeart/2005/8/layout/hList9"/>
     <dgm:cxn modelId="{5DFED7C8-2E54-4441-B032-3A4788B2A8D3}" type="presParOf" srcId="{FC66A233-6BBA-46AF-B2F6-28E379B158E2}" destId="{46739A04-1AA3-49C6-8EA7-EB1DE975B900}" srcOrd="0" destOrd="0" presId="urn:microsoft.com/office/officeart/2005/8/layout/hList9"/>
@@ -8775,7 +8812,7 @@
       </dsp:nvSpPr>
       <dsp:spPr>
         <a:xfrm>
-          <a:off x="155869" y="1239115"/>
+          <a:off x="155869" y="1151234"/>
           <a:ext cx="1935105" cy="881104"/>
         </a:xfrm>
         <a:prstGeom prst="rect">
@@ -8896,7 +8933,7 @@
         </a:bodyPr>
         <a:lstStyle/>
         <a:p>
-          <a:pPr marL="0" lvl="0" indent="0" algn="ctr" defTabSz="1866900" rtl="0">
+          <a:pPr lvl="0" algn="ctr" defTabSz="1822450" rtl="0">
             <a:lnSpc>
               <a:spcPct val="90000"/>
             </a:lnSpc>
@@ -8906,10 +8943,9 @@
             <a:spcAft>
               <a:spcPct val="35000"/>
             </a:spcAft>
-            <a:buNone/>
           </a:pPr>
           <a:r>
-            <a:rPr lang="es-ES" sz="4200" kern="1200" noProof="0" dirty="0"/>
+            <a:rPr lang="es-ES" sz="4100" kern="1200" noProof="0" dirty="0"/>
             <a:t>C1</a:t>
           </a:r>
         </a:p>
@@ -9047,7 +9083,7 @@
         </a:bodyPr>
         <a:lstStyle/>
         <a:p>
-          <a:pPr marL="0" lvl="0" indent="0" algn="r" defTabSz="1866900" rtl="0">
+          <a:pPr lvl="0" algn="r" defTabSz="1822450" rtl="0">
             <a:lnSpc>
               <a:spcPct val="90000"/>
             </a:lnSpc>
@@ -9057,10 +9093,9 @@
             <a:spcAft>
               <a:spcPct val="35000"/>
             </a:spcAft>
-            <a:buNone/>
           </a:pPr>
           <a:r>
-            <a:rPr lang="es-ES" sz="4200" kern="1200" noProof="0" dirty="0"/>
+            <a:rPr lang="es-ES" sz="4100" kern="1200" noProof="0" dirty="0"/>
             <a:t>C2</a:t>
           </a:r>
         </a:p>
@@ -9198,7 +9233,7 @@
         </a:bodyPr>
         <a:lstStyle/>
         <a:p>
-          <a:pPr marL="0" lvl="0" indent="0" algn="ctr" defTabSz="1866900" rtl="0">
+          <a:pPr lvl="0" algn="ctr" defTabSz="1822450" rtl="0">
             <a:lnSpc>
               <a:spcPct val="90000"/>
             </a:lnSpc>
@@ -9208,10 +9243,9 @@
             <a:spcAft>
               <a:spcPct val="35000"/>
             </a:spcAft>
-            <a:buNone/>
           </a:pPr>
           <a:r>
-            <a:rPr lang="es-ES" sz="4200" kern="1200" noProof="0" dirty="0"/>
+            <a:rPr lang="es-ES" sz="4100" kern="1200" noProof="0" dirty="0"/>
             <a:t>C3</a:t>
           </a:r>
         </a:p>
@@ -9349,7 +9383,7 @@
         </a:bodyPr>
         <a:lstStyle/>
         <a:p>
-          <a:pPr marL="0" lvl="0" indent="0" algn="ctr" defTabSz="1866900" rtl="0">
+          <a:pPr lvl="0" algn="ctr" defTabSz="1822450" rtl="0">
             <a:lnSpc>
               <a:spcPct val="90000"/>
             </a:lnSpc>
@@ -9359,10 +9393,9 @@
             <a:spcAft>
               <a:spcPct val="35000"/>
             </a:spcAft>
-            <a:buNone/>
           </a:pPr>
           <a:r>
-            <a:rPr lang="es-ES" sz="4200" kern="1200" noProof="0" dirty="0"/>
+            <a:rPr lang="es-ES" sz="4100" kern="1200" noProof="0" dirty="0"/>
             <a:t>C4</a:t>
           </a:r>
         </a:p>
@@ -10849,7 +10882,7 @@
             <a:fld id="{690DC06B-AB08-4449-BBF2-D264D52BB5AA}" type="datetime1">
               <a:rPr lang="es-ES" smtClean="0"/>
               <a:pPr algn="r" rtl="0"/>
-              <a:t>18/01/2019</a:t>
+              <a:t>19/01/2019</a:t>
             </a:fld>
             <a:r>
               <a:rPr lang="es-ES" dirty="0"/>
@@ -10921,7 +10954,7 @@
             <a:fld id="{06834459-7356-44BF-850D-8B30C4FB3B6B}" type="slidenum">
               <a:rPr lang="es-ES" smtClean="0"/>
               <a:pPr algn="r" rtl="0"/>
-              <a:t>‹#›</a:t>
+              <a:t>‹Nº›</a:t>
             </a:fld>
             <a:endParaRPr lang="es-ES" dirty="0"/>
           </a:p>
@@ -11023,7 +11056,7 @@
             <a:fld id="{093B6963-495A-4FE1-8B7F-59E549A2EEB6}" type="datetime1">
               <a:rPr lang="es-ES" smtClean="0"/>
               <a:pPr algn="r"/>
-              <a:t>18/01/2019</a:t>
+              <a:t>19/01/2019</a:t>
             </a:fld>
             <a:endParaRPr lang="es-ES" dirty="0"/>
           </a:p>
@@ -11180,7 +11213,7 @@
             <a:fld id="{0A3C37BE-C303-496D-B5CD-85F2937540FC}" type="slidenum">
               <a:rPr lang="es-ES" smtClean="0"/>
               <a:pPr algn="r"/>
-              <a:t>‹#›</a:t>
+              <a:t>‹Nº›</a:t>
             </a:fld>
             <a:endParaRPr lang="es-ES" dirty="0"/>
           </a:p>
@@ -11451,7 +11484,7 @@
     </p:spTree>
     <p:extLst>
       <p:ext uri="{BB962C8B-B14F-4D97-AF65-F5344CB8AC3E}">
-        <p14:creationId xmlns:p14="http://schemas.microsoft.com/office/powerpoint/2010/main" val="603523150"/>
+        <p14:creationId xmlns:p14="http://schemas.microsoft.com/office/powerpoint/2010/main" val="1512456745"/>
       </p:ext>
     </p:extLst>
   </p:cSld>
@@ -11537,7 +11570,7 @@
     </p:spTree>
     <p:extLst>
       <p:ext uri="{BB962C8B-B14F-4D97-AF65-F5344CB8AC3E}">
-        <p14:creationId xmlns:p14="http://schemas.microsoft.com/office/powerpoint/2010/main" val="1827162193"/>
+        <p14:creationId xmlns:p14="http://schemas.microsoft.com/office/powerpoint/2010/main" val="603523150"/>
       </p:ext>
     </p:extLst>
   </p:cSld>
@@ -11623,7 +11656,7 @@
     </p:spTree>
     <p:extLst>
       <p:ext uri="{BB962C8B-B14F-4D97-AF65-F5344CB8AC3E}">
-        <p14:creationId xmlns:p14="http://schemas.microsoft.com/office/powerpoint/2010/main" val="3273203933"/>
+        <p14:creationId xmlns:p14="http://schemas.microsoft.com/office/powerpoint/2010/main" val="1827162193"/>
       </p:ext>
     </p:extLst>
   </p:cSld>
@@ -11709,7 +11742,7 @@
     </p:spTree>
     <p:extLst>
       <p:ext uri="{BB962C8B-B14F-4D97-AF65-F5344CB8AC3E}">
-        <p14:creationId xmlns:p14="http://schemas.microsoft.com/office/powerpoint/2010/main" val="114538081"/>
+        <p14:creationId xmlns:p14="http://schemas.microsoft.com/office/powerpoint/2010/main" val="3273203933"/>
       </p:ext>
     </p:extLst>
   </p:cSld>
@@ -11795,6 +11828,92 @@
     </p:spTree>
     <p:extLst>
       <p:ext uri="{BB962C8B-B14F-4D97-AF65-F5344CB8AC3E}">
+        <p14:creationId xmlns:p14="http://schemas.microsoft.com/office/powerpoint/2010/main" val="114538081"/>
+      </p:ext>
+    </p:extLst>
+  </p:cSld>
+  <p:clrMapOvr>
+    <a:masterClrMapping/>
+  </p:clrMapOvr>
+</p:notes>
+</file>
+
+<file path=ppt/notesSlides/notesSlide15.xml><?xml version="1.0" encoding="utf-8"?>
+<p:notes xmlns:a="http://schemas.openxmlformats.org/drawingml/2006/main" xmlns:r="http://schemas.openxmlformats.org/officeDocument/2006/relationships" xmlns:p="http://schemas.openxmlformats.org/presentationml/2006/main">
+  <p:cSld>
+    <p:spTree>
+      <p:nvGrpSpPr>
+        <p:cNvPr id="1" name=""/>
+        <p:cNvGrpSpPr/>
+        <p:nvPr/>
+      </p:nvGrpSpPr>
+      <p:grpSpPr>
+        <a:xfrm>
+          <a:off x="0" y="0"/>
+          <a:ext cx="0" cy="0"/>
+          <a:chOff x="0" y="0"/>
+          <a:chExt cx="0" cy="0"/>
+        </a:xfrm>
+      </p:grpSpPr>
+      <p:sp>
+        <p:nvSpPr>
+          <p:cNvPr id="2" name="Marcador de imagen de diapositiva 1"/>
+          <p:cNvSpPr>
+            <a:spLocks noGrp="1" noRot="1" noChangeAspect="1"/>
+          </p:cNvSpPr>
+          <p:nvPr>
+            <p:ph type="sldImg"/>
+          </p:nvPr>
+        </p:nvSpPr>
+        <p:spPr/>
+      </p:sp>
+      <p:sp>
+        <p:nvSpPr>
+          <p:cNvPr id="3" name="Marcador de notas 2"/>
+          <p:cNvSpPr>
+            <a:spLocks noGrp="1"/>
+          </p:cNvSpPr>
+          <p:nvPr>
+            <p:ph type="body" idx="1"/>
+          </p:nvPr>
+        </p:nvSpPr>
+        <p:spPr/>
+        <p:txBody>
+          <a:bodyPr/>
+          <a:lstStyle/>
+          <a:p>
+            <a:endParaRPr lang="es-ES" dirty="0"/>
+          </a:p>
+        </p:txBody>
+      </p:sp>
+      <p:sp>
+        <p:nvSpPr>
+          <p:cNvPr id="4" name="Marcador de número de diapositiva 3"/>
+          <p:cNvSpPr>
+            <a:spLocks noGrp="1"/>
+          </p:cNvSpPr>
+          <p:nvPr>
+            <p:ph type="sldNum" sz="quarter" idx="10"/>
+          </p:nvPr>
+        </p:nvSpPr>
+        <p:spPr/>
+        <p:txBody>
+          <a:bodyPr/>
+          <a:lstStyle/>
+          <a:p>
+            <a:pPr algn="r"/>
+            <a:fld id="{0A3C37BE-C303-496D-B5CD-85F2937540FC}" type="slidenum">
+              <a:rPr lang="es-ES" smtClean="0"/>
+              <a:pPr algn="r"/>
+              <a:t>15</a:t>
+            </a:fld>
+            <a:endParaRPr lang="es-ES" dirty="0"/>
+          </a:p>
+        </p:txBody>
+      </p:sp>
+    </p:spTree>
+    <p:extLst>
+      <p:ext uri="{BB962C8B-B14F-4D97-AF65-F5344CB8AC3E}">
         <p14:creationId xmlns:p14="http://schemas.microsoft.com/office/powerpoint/2010/main" val="2954173246"/>
       </p:ext>
     </p:extLst>
@@ -11805,7 +11924,7 @@
 </p:notes>
 </file>
 
-<file path=ppt/notesSlides/notesSlide15.xml><?xml version="1.0" encoding="utf-8"?>
+<file path=ppt/notesSlides/notesSlide16.xml><?xml version="1.0" encoding="utf-8"?>
 <p:notes xmlns:a="http://schemas.openxmlformats.org/drawingml/2006/main" xmlns:r="http://schemas.openxmlformats.org/officeDocument/2006/relationships" xmlns:p="http://schemas.openxmlformats.org/presentationml/2006/main">
   <p:cSld>
     <p:spTree>
@@ -11872,7 +11991,7 @@
             <a:fld id="{0A3C37BE-C303-496D-B5CD-85F2937540FC}" type="slidenum">
               <a:rPr lang="es-ES" smtClean="0"/>
               <a:pPr algn="r"/>
-              <a:t>15</a:t>
+              <a:t>16</a:t>
             </a:fld>
             <a:endParaRPr lang="es-ES" dirty="0"/>
           </a:p>
@@ -12311,7 +12430,7 @@
     </p:spTree>
     <p:extLst>
       <p:ext uri="{BB962C8B-B14F-4D97-AF65-F5344CB8AC3E}">
-        <p14:creationId xmlns:p14="http://schemas.microsoft.com/office/powerpoint/2010/main" val="3288747977"/>
+        <p14:creationId xmlns:p14="http://schemas.microsoft.com/office/powerpoint/2010/main" val="4121237809"/>
       </p:ext>
     </p:extLst>
   </p:cSld>
@@ -12397,7 +12516,7 @@
     </p:spTree>
     <p:extLst>
       <p:ext uri="{BB962C8B-B14F-4D97-AF65-F5344CB8AC3E}">
-        <p14:creationId xmlns:p14="http://schemas.microsoft.com/office/powerpoint/2010/main" val="4121237809"/>
+        <p14:creationId xmlns:p14="http://schemas.microsoft.com/office/powerpoint/2010/main" val="439239299"/>
       </p:ext>
     </p:extLst>
   </p:cSld>
@@ -12451,7 +12570,7 @@
           <a:bodyPr/>
           <a:lstStyle/>
           <a:p>
-            <a:endParaRPr lang="es-ES" dirty="0"/>
+            <a:endParaRPr lang="es-ES"/>
           </a:p>
         </p:txBody>
       </p:sp>
@@ -12483,7 +12602,7 @@
     </p:spTree>
     <p:extLst>
       <p:ext uri="{BB962C8B-B14F-4D97-AF65-F5344CB8AC3E}">
-        <p14:creationId xmlns:p14="http://schemas.microsoft.com/office/powerpoint/2010/main" val="3174767325"/>
+        <p14:creationId xmlns:p14="http://schemas.microsoft.com/office/powerpoint/2010/main" val="3045815904"/>
       </p:ext>
     </p:extLst>
   </p:cSld>
@@ -12569,7 +12688,7 @@
     </p:spTree>
     <p:extLst>
       <p:ext uri="{BB962C8B-B14F-4D97-AF65-F5344CB8AC3E}">
-        <p14:creationId xmlns:p14="http://schemas.microsoft.com/office/powerpoint/2010/main" val="1512456745"/>
+        <p14:creationId xmlns:p14="http://schemas.microsoft.com/office/powerpoint/2010/main" val="3174767325"/>
       </p:ext>
     </p:extLst>
   </p:cSld>
@@ -12810,7 +12929,7 @@
             <a:fld id="{934A2FF8-4559-4149-8B79-D85ED6F0B853}" type="datetime1">
               <a:rPr lang="es-ES" smtClean="0"/>
               <a:pPr/>
-              <a:t>18/01/2019</a:t>
+              <a:t>19/01/2019</a:t>
             </a:fld>
             <a:r>
               <a:rPr lang="es-ES" dirty="0"/>
@@ -12858,7 +12977,7 @@
             <a:fld id="{0FF54DE5-C571-48E8-A5BC-B369434E2F44}" type="slidenum">
               <a:rPr lang="es-ES" smtClean="0"/>
               <a:pPr algn="r"/>
-              <a:t>‹#›</a:t>
+              <a:t>‹Nº›</a:t>
             </a:fld>
             <a:endParaRPr lang="es-ES" dirty="0"/>
           </a:p>
@@ -13139,7 +13258,7 @@
             <a:fld id="{99FE88BC-BA9C-41DB-8175-8FC1D1B95355}" type="datetime1">
               <a:rPr lang="es-ES" smtClean="0"/>
               <a:pPr/>
-              <a:t>18/01/2019</a:t>
+              <a:t>19/01/2019</a:t>
             </a:fld>
             <a:r>
               <a:rPr lang="es-ES" dirty="0"/>
@@ -13187,7 +13306,7 @@
             <a:fld id="{0FF54DE5-C571-48E8-A5BC-B369434E2F44}" type="slidenum">
               <a:rPr lang="es-ES" smtClean="0"/>
               <a:pPr algn="r"/>
-              <a:t>‹#›</a:t>
+              <a:t>‹Nº›</a:t>
             </a:fld>
             <a:endParaRPr lang="es-ES" dirty="0"/>
           </a:p>
@@ -13333,7 +13452,7 @@
             <a:fld id="{7776A268-E945-41BF-9F85-D7A3B8400346}" type="datetime1">
               <a:rPr lang="es-ES" smtClean="0"/>
               <a:pPr/>
-              <a:t>18/01/2019</a:t>
+              <a:t>19/01/2019</a:t>
             </a:fld>
             <a:endParaRPr lang="es-ES" dirty="0"/>
           </a:p>
@@ -13378,7 +13497,7 @@
             <a:fld id="{0FF54DE5-C571-48E8-A5BC-B369434E2F44}" type="slidenum">
               <a:rPr lang="es-ES" smtClean="0"/>
               <a:pPr algn="r"/>
-              <a:t>‹#›</a:t>
+              <a:t>‹Nº›</a:t>
             </a:fld>
             <a:endParaRPr lang="es-ES" dirty="0"/>
           </a:p>
@@ -13534,7 +13653,7 @@
             <a:fld id="{CEC05348-D021-422A-8D9F-89EEB8C0F442}" type="datetime1">
               <a:rPr lang="es-ES" smtClean="0"/>
               <a:pPr/>
-              <a:t>18/01/2019</a:t>
+              <a:t>19/01/2019</a:t>
             </a:fld>
             <a:endParaRPr lang="es-ES" dirty="0"/>
           </a:p>
@@ -13579,7 +13698,7 @@
             <a:fld id="{0FF54DE5-C571-48E8-A5BC-B369434E2F44}" type="slidenum">
               <a:rPr lang="es-ES" smtClean="0"/>
               <a:pPr algn="r"/>
-              <a:t>‹#›</a:t>
+              <a:t>‹Nº›</a:t>
             </a:fld>
             <a:endParaRPr lang="es-ES" dirty="0"/>
           </a:p>
@@ -13812,7 +13931,7 @@
             <a:fld id="{D74F43DC-6EDA-4D74-8B4D-EE036F982A34}" type="datetime1">
               <a:rPr lang="es-ES" smtClean="0"/>
               <a:pPr/>
-              <a:t>18/01/2019</a:t>
+              <a:t>19/01/2019</a:t>
             </a:fld>
             <a:endParaRPr lang="es-ES" dirty="0"/>
           </a:p>
@@ -13857,7 +13976,7 @@
             <a:fld id="{0FF54DE5-C571-48E8-A5BC-B369434E2F44}" type="slidenum">
               <a:rPr lang="es-ES" smtClean="0"/>
               <a:pPr algn="r"/>
-              <a:t>‹#›</a:t>
+              <a:t>‹Nº›</a:t>
             </a:fld>
             <a:endParaRPr lang="es-ES" dirty="0"/>
           </a:p>
@@ -14885,7 +15004,7 @@
             <a:fld id="{2385DCDB-4A77-4170-9E07-5F1D7C0A0A5B}" type="datetime1">
               <a:rPr lang="es-ES" smtClean="0"/>
               <a:pPr/>
-              <a:t>18/01/2019</a:t>
+              <a:t>19/01/2019</a:t>
             </a:fld>
             <a:endParaRPr lang="es-ES" dirty="0"/>
           </a:p>
@@ -14930,7 +15049,7 @@
             <a:fld id="{0FF54DE5-C571-48E8-A5BC-B369434E2F44}" type="slidenum">
               <a:rPr lang="es-ES" smtClean="0"/>
               <a:pPr algn="r"/>
-              <a:t>‹#›</a:t>
+              <a:t>‹Nº›</a:t>
             </a:fld>
             <a:endParaRPr lang="es-ES" dirty="0"/>
           </a:p>
@@ -15204,7 +15323,7 @@
             <a:fld id="{B3C6D8C4-ADF9-42A1-9ABC-C61A9E9D2D08}" type="datetime1">
               <a:rPr lang="es-ES" smtClean="0"/>
               <a:pPr/>
-              <a:t>18/01/2019</a:t>
+              <a:t>19/01/2019</a:t>
             </a:fld>
             <a:endParaRPr lang="es-ES" dirty="0"/>
           </a:p>
@@ -15249,7 +15368,7 @@
             <a:fld id="{0FF54DE5-C571-48E8-A5BC-B369434E2F44}" type="slidenum">
               <a:rPr lang="es-ES" smtClean="0"/>
               <a:pPr algn="r"/>
-              <a:t>‹#›</a:t>
+              <a:t>‹Nº›</a:t>
             </a:fld>
             <a:endParaRPr lang="es-ES" dirty="0"/>
           </a:p>
@@ -15593,7 +15712,7 @@
             <a:fld id="{5B79CF11-FD05-4F88-8EC3-5D4F176B79FC}" type="datetime1">
               <a:rPr lang="es-ES" smtClean="0"/>
               <a:pPr/>
-              <a:t>18/01/2019</a:t>
+              <a:t>19/01/2019</a:t>
             </a:fld>
             <a:endParaRPr lang="es-ES" dirty="0"/>
           </a:p>
@@ -15638,7 +15757,7 @@
             <a:fld id="{0FF54DE5-C571-48E8-A5BC-B369434E2F44}" type="slidenum">
               <a:rPr lang="es-ES" smtClean="0"/>
               <a:pPr algn="r"/>
-              <a:t>‹#›</a:t>
+              <a:t>‹Nº›</a:t>
             </a:fld>
             <a:endParaRPr lang="es-ES" dirty="0"/>
           </a:p>
@@ -15732,7 +15851,7 @@
             <a:fld id="{FEAFC309-1B63-44A4-A9FC-29FA1501E26B}" type="datetime1">
               <a:rPr lang="es-ES" smtClean="0"/>
               <a:pPr/>
-              <a:t>18/01/2019</a:t>
+              <a:t>19/01/2019</a:t>
             </a:fld>
             <a:endParaRPr lang="es-ES" dirty="0"/>
           </a:p>
@@ -15777,7 +15896,7 @@
             <a:fld id="{0FF54DE5-C571-48E8-A5BC-B369434E2F44}" type="slidenum">
               <a:rPr lang="es-ES" smtClean="0"/>
               <a:pPr algn="r"/>
-              <a:t>‹#›</a:t>
+              <a:t>‹Nº›</a:t>
             </a:fld>
             <a:endParaRPr lang="es-ES" dirty="0"/>
           </a:p>
@@ -15843,7 +15962,7 @@
             <a:fld id="{87850802-155D-414A-A9FD-662B6F0E4656}" type="datetime1">
               <a:rPr lang="es-ES" smtClean="0"/>
               <a:pPr/>
-              <a:t>18/01/2019</a:t>
+              <a:t>19/01/2019</a:t>
             </a:fld>
             <a:r>
               <a:rPr lang="es-ES" dirty="0"/>
@@ -15891,7 +16010,7 @@
             <a:fld id="{0FF54DE5-C571-48E8-A5BC-B369434E2F44}" type="slidenum">
               <a:rPr lang="es-ES" smtClean="0"/>
               <a:pPr algn="r"/>
-              <a:t>‹#›</a:t>
+              <a:t>‹Nº›</a:t>
             </a:fld>
             <a:endParaRPr lang="es-ES" dirty="0"/>
           </a:p>
@@ -16146,7 +16265,7 @@
             <a:fld id="{5146D9C0-42AF-411F-B87E-5CF0AD6A3E2D}" type="datetime1">
               <a:rPr lang="es-ES" smtClean="0"/>
               <a:pPr/>
-              <a:t>18/01/2019</a:t>
+              <a:t>19/01/2019</a:t>
             </a:fld>
             <a:endParaRPr lang="es-ES" dirty="0"/>
           </a:p>
@@ -16191,7 +16310,7 @@
             <a:fld id="{0FF54DE5-C571-48E8-A5BC-B369434E2F44}" type="slidenum">
               <a:rPr lang="es-ES" smtClean="0"/>
               <a:pPr algn="r"/>
-              <a:t>‹#›</a:t>
+              <a:t>‹Nº›</a:t>
             </a:fld>
             <a:endParaRPr lang="es-ES" dirty="0"/>
           </a:p>
@@ -16403,7 +16522,7 @@
             <a:fld id="{EB0EBC17-0101-4DBA-89EA-55E7A4727CA3}" type="datetime1">
               <a:rPr lang="es-ES" noProof="0" smtClean="0"/>
               <a:pPr/>
-              <a:t>18/01/2019</a:t>
+              <a:t>19/01/2019</a:t>
             </a:fld>
             <a:endParaRPr lang="es-ES" noProof="0" dirty="0"/>
           </a:p>
@@ -16486,7 +16605,7 @@
             <a:fld id="{0FF54DE5-C571-48E8-A5BC-B369434E2F44}" type="slidenum">
               <a:rPr lang="es-ES" noProof="0" smtClean="0"/>
               <a:pPr algn="r"/>
-              <a:t>‹#›</a:t>
+              <a:t>‹Nº›</a:t>
             </a:fld>
             <a:endParaRPr lang="es-ES" noProof="0" dirty="0"/>
           </a:p>
@@ -17000,7 +17119,7 @@
           <p:cNvPr id="8" name="Picture Placeholder 7">
             <a:extLst>
               <a:ext uri="{FF2B5EF4-FFF2-40B4-BE49-F238E27FC236}">
-                <a16:creationId xmlns:a16="http://schemas.microsoft.com/office/drawing/2014/main" id="{59D3FB41-A110-499A-B291-BBBB8318935F}"/>
+                <a16:creationId xmlns="" xmlns:a16="http://schemas.microsoft.com/office/drawing/2014/main" id="{59D3FB41-A110-499A-B291-BBBB8318935F}"/>
               </a:ext>
             </a:extLst>
           </p:cNvPr>
@@ -17070,10 +17189,89 @@
       </p:grpSpPr>
       <p:graphicFrame>
         <p:nvGraphicFramePr>
+          <p:cNvPr id="6" name="Gráfico 1">
+            <a:extLst>
+              <a:ext uri="{FF2B5EF4-FFF2-40B4-BE49-F238E27FC236}">
+                <a16:creationId xmlns="" xmlns:a16="http://schemas.microsoft.com/office/drawing/2014/main" id="{00000000-0008-0000-0100-000002000000}"/>
+              </a:ext>
+            </a:extLst>
+          </p:cNvPr>
+          <p:cNvGraphicFramePr>
+            <a:graphicFrameLocks/>
+          </p:cNvGraphicFramePr>
+          <p:nvPr>
+            <p:extLst>
+              <p:ext uri="{D42A27DB-BD31-4B8C-83A1-F6EECF244321}">
+                <p14:modId xmlns:p14="http://schemas.microsoft.com/office/powerpoint/2010/main" val="4261295714"/>
+              </p:ext>
+            </p:extLst>
+          </p:nvPr>
+        </p:nvGraphicFramePr>
+        <p:xfrm>
+          <a:off x="528638" y="185738"/>
+          <a:ext cx="11258549" cy="6429375"/>
+        </p:xfrm>
+        <a:graphic>
+          <a:graphicData uri="http://schemas.openxmlformats.org/drawingml/2006/chart">
+            <c:chart xmlns:c="http://schemas.openxmlformats.org/drawingml/2006/chart" xmlns:r="http://schemas.openxmlformats.org/officeDocument/2006/relationships" r:id="rId3"/>
+          </a:graphicData>
+        </a:graphic>
+      </p:graphicFrame>
+    </p:spTree>
+    <p:extLst>
+      <p:ext uri="{BB962C8B-B14F-4D97-AF65-F5344CB8AC3E}">
+        <p14:creationId xmlns:p14="http://schemas.microsoft.com/office/powerpoint/2010/main" val="1800380133"/>
+      </p:ext>
+    </p:extLst>
+  </p:cSld>
+  <p:clrMapOvr>
+    <a:masterClrMapping/>
+  </p:clrMapOvr>
+  <mc:AlternateContent xmlns:mc="http://schemas.openxmlformats.org/markup-compatibility/2006" xmlns:p14="http://schemas.microsoft.com/office/powerpoint/2010/main">
+    <mc:Choice Requires="p14">
+      <p:transition spd="med" p14:dur="700">
+        <p:fade/>
+      </p:transition>
+    </mc:Choice>
+    <mc:Fallback xmlns="">
+      <p:transition spd="med">
+        <p:fade/>
+      </p:transition>
+    </mc:Fallback>
+  </mc:AlternateContent>
+  <p:timing>
+    <p:tnLst>
+      <p:par>
+        <p:cTn id="1" dur="indefinite" restart="never" nodeType="tmRoot"/>
+      </p:par>
+    </p:tnLst>
+  </p:timing>
+</p:sld>
+</file>
+
+<file path=ppt/slides/slide11.xml><?xml version="1.0" encoding="utf-8"?>
+<p:sld xmlns:a="http://schemas.openxmlformats.org/drawingml/2006/main" xmlns:r="http://schemas.openxmlformats.org/officeDocument/2006/relationships" xmlns:p="http://schemas.openxmlformats.org/presentationml/2006/main">
+  <p:cSld>
+    <p:spTree>
+      <p:nvGrpSpPr>
+        <p:cNvPr id="1" name=""/>
+        <p:cNvGrpSpPr/>
+        <p:nvPr/>
+      </p:nvGrpSpPr>
+      <p:grpSpPr>
+        <a:xfrm>
+          <a:off x="0" y="0"/>
+          <a:ext cx="0" cy="0"/>
+          <a:chOff x="0" y="0"/>
+          <a:chExt cx="0" cy="0"/>
+        </a:xfrm>
+      </p:grpSpPr>
+      <p:graphicFrame>
+        <p:nvGraphicFramePr>
           <p:cNvPr id="5" name="Gráfico 2">
             <a:extLst>
               <a:ext uri="{FF2B5EF4-FFF2-40B4-BE49-F238E27FC236}">
-                <a16:creationId xmlns:a16="http://schemas.microsoft.com/office/drawing/2014/main" id="{00000000-0008-0000-0100-000003000000}"/>
+                <a16:creationId xmlns="" xmlns:a16="http://schemas.microsoft.com/office/drawing/2014/main" id="{00000000-0008-0000-0100-000003000000}"/>
               </a:ext>
             </a:extLst>
           </p:cNvPr>
@@ -17123,7 +17321,7 @@
 </p:sld>
 </file>
 
-<file path=ppt/slides/slide11.xml><?xml version="1.0" encoding="utf-8"?>
+<file path=ppt/slides/slide12.xml><?xml version="1.0" encoding="utf-8"?>
 <p:sld xmlns:a="http://schemas.openxmlformats.org/drawingml/2006/main" xmlns:r="http://schemas.openxmlformats.org/officeDocument/2006/relationships" xmlns:p="http://schemas.openxmlformats.org/presentationml/2006/main">
   <p:cSld>
     <p:spTree>
@@ -17145,7 +17343,7 @@
           <p:cNvPr id="5" name="Gráfico 2">
             <a:extLst>
               <a:ext uri="{FF2B5EF4-FFF2-40B4-BE49-F238E27FC236}">
-                <a16:creationId xmlns:a16="http://schemas.microsoft.com/office/drawing/2014/main" id="{00000000-0008-0000-0200-000003000000}"/>
+                <a16:creationId xmlns="" xmlns:a16="http://schemas.microsoft.com/office/drawing/2014/main" id="{00000000-0008-0000-0200-000003000000}"/>
               </a:ext>
             </a:extLst>
           </p:cNvPr>
@@ -17195,7 +17393,7 @@
 </p:sld>
 </file>
 
-<file path=ppt/slides/slide12.xml><?xml version="1.0" encoding="utf-8"?>
+<file path=ppt/slides/slide13.xml><?xml version="1.0" encoding="utf-8"?>
 <p:sld xmlns:a="http://schemas.openxmlformats.org/drawingml/2006/main" xmlns:r="http://schemas.openxmlformats.org/officeDocument/2006/relationships" xmlns:p="http://schemas.openxmlformats.org/presentationml/2006/main">
   <p:cSld>
     <p:spTree>
@@ -17217,7 +17415,7 @@
           <p:cNvPr id="3" name="Gráfico 1">
             <a:extLst>
               <a:ext uri="{FF2B5EF4-FFF2-40B4-BE49-F238E27FC236}">
-                <a16:creationId xmlns:a16="http://schemas.microsoft.com/office/drawing/2014/main" id="{00000000-0008-0000-0200-000002000000}"/>
+                <a16:creationId xmlns="" xmlns:a16="http://schemas.microsoft.com/office/drawing/2014/main" id="{00000000-0008-0000-0200-000002000000}"/>
               </a:ext>
             </a:extLst>
           </p:cNvPr>
@@ -17267,7 +17465,7 @@
 </p:sld>
 </file>
 
-<file path=ppt/slides/slide13.xml><?xml version="1.0" encoding="utf-8"?>
+<file path=ppt/slides/slide14.xml><?xml version="1.0" encoding="utf-8"?>
 <p:sld xmlns:a="http://schemas.openxmlformats.org/drawingml/2006/main" xmlns:r="http://schemas.openxmlformats.org/officeDocument/2006/relationships" xmlns:p="http://schemas.openxmlformats.org/presentationml/2006/main">
   <p:cSld>
     <p:spTree>
@@ -17289,7 +17487,7 @@
           <p:cNvPr id="4" name="Gráfico 3">
             <a:extLst>
               <a:ext uri="{FF2B5EF4-FFF2-40B4-BE49-F238E27FC236}">
-                <a16:creationId xmlns:a16="http://schemas.microsoft.com/office/drawing/2014/main" id="{00000000-0008-0000-0300-000004000000}"/>
+                <a16:creationId xmlns="" xmlns:a16="http://schemas.microsoft.com/office/drawing/2014/main" id="{00000000-0008-0000-0300-000004000000}"/>
               </a:ext>
             </a:extLst>
           </p:cNvPr>
@@ -17339,7 +17537,7 @@
 </p:sld>
 </file>
 
-<file path=ppt/slides/slide14.xml><?xml version="1.0" encoding="utf-8"?>
+<file path=ppt/slides/slide15.xml><?xml version="1.0" encoding="utf-8"?>
 <p:sld xmlns:a="http://schemas.openxmlformats.org/drawingml/2006/main" xmlns:r="http://schemas.openxmlformats.org/officeDocument/2006/relationships" xmlns:p="http://schemas.openxmlformats.org/presentationml/2006/main">
   <p:cSld>
     <p:spTree>
@@ -17361,7 +17559,7 @@
           <p:cNvPr id="3" name="Gráfico 1">
             <a:extLst>
               <a:ext uri="{FF2B5EF4-FFF2-40B4-BE49-F238E27FC236}">
-                <a16:creationId xmlns:a16="http://schemas.microsoft.com/office/drawing/2014/main" id="{00000000-0008-0000-0300-000002000000}"/>
+                <a16:creationId xmlns="" xmlns:a16="http://schemas.microsoft.com/office/drawing/2014/main" id="{00000000-0008-0000-0300-000002000000}"/>
               </a:ext>
             </a:extLst>
           </p:cNvPr>
@@ -17411,7 +17609,7 @@
 </p:sld>
 </file>
 
-<file path=ppt/slides/slide15.xml><?xml version="1.0" encoding="utf-8"?>
+<file path=ppt/slides/slide16.xml><?xml version="1.0" encoding="utf-8"?>
 <p:sld xmlns:a="http://schemas.openxmlformats.org/drawingml/2006/main" xmlns:r="http://schemas.openxmlformats.org/officeDocument/2006/relationships" xmlns:p="http://schemas.openxmlformats.org/presentationml/2006/main">
   <p:cSld>
     <p:spTree>
@@ -17598,7 +17796,7 @@
           <p:cNvPr id="4" name="Picture 3">
             <a:extLst>
               <a:ext uri="{FF2B5EF4-FFF2-40B4-BE49-F238E27FC236}">
-                <a16:creationId xmlns:a16="http://schemas.microsoft.com/office/drawing/2014/main" id="{4AB3E1D5-41C5-4969-A070-2CE3ADBCBB95}"/>
+                <a16:creationId xmlns="" xmlns:a16="http://schemas.microsoft.com/office/drawing/2014/main" id="{4AB3E1D5-41C5-4969-A070-2CE3ADBCBB95}"/>
               </a:ext>
             </a:extLst>
           </p:cNvPr>
@@ -17628,7 +17826,7 @@
           <p:cNvPr id="7" name="Picture 6">
             <a:extLst>
               <a:ext uri="{FF2B5EF4-FFF2-40B4-BE49-F238E27FC236}">
-                <a16:creationId xmlns:a16="http://schemas.microsoft.com/office/drawing/2014/main" id="{8D6F78DF-EF8B-49C7-8CC8-A515732BC408}"/>
+                <a16:creationId xmlns="" xmlns:a16="http://schemas.microsoft.com/office/drawing/2014/main" id="{8D6F78DF-EF8B-49C7-8CC8-A515732BC408}"/>
               </a:ext>
             </a:extLst>
           </p:cNvPr>
@@ -17658,7 +17856,7 @@
           <p:cNvPr id="3" name="Picture 2">
             <a:extLst>
               <a:ext uri="{FF2B5EF4-FFF2-40B4-BE49-F238E27FC236}">
-                <a16:creationId xmlns:a16="http://schemas.microsoft.com/office/drawing/2014/main" id="{B4399C38-6E07-41DC-8DEC-6BF8481CD6F3}"/>
+                <a16:creationId xmlns="" xmlns:a16="http://schemas.microsoft.com/office/drawing/2014/main" id="{B4399C38-6E07-41DC-8DEC-6BF8481CD6F3}"/>
               </a:ext>
             </a:extLst>
           </p:cNvPr>
@@ -17759,7 +17957,7 @@
           <p:cNvPr id="20" name="Picture 19">
             <a:extLst>
               <a:ext uri="{FF2B5EF4-FFF2-40B4-BE49-F238E27FC236}">
-                <a16:creationId xmlns:a16="http://schemas.microsoft.com/office/drawing/2014/main" id="{D999E9B1-B8C2-434C-909B-D3F261A963B5}"/>
+                <a16:creationId xmlns="" xmlns:a16="http://schemas.microsoft.com/office/drawing/2014/main" id="{D999E9B1-B8C2-434C-909B-D3F261A963B5}"/>
               </a:ext>
             </a:extLst>
           </p:cNvPr>
@@ -17789,7 +17987,7 @@
           <p:cNvPr id="22" name="Picture 21">
             <a:extLst>
               <a:ext uri="{FF2B5EF4-FFF2-40B4-BE49-F238E27FC236}">
-                <a16:creationId xmlns:a16="http://schemas.microsoft.com/office/drawing/2014/main" id="{6CA733AA-C9B8-4A5B-BEF1-A5026E9F4235}"/>
+                <a16:creationId xmlns="" xmlns:a16="http://schemas.microsoft.com/office/drawing/2014/main" id="{6CA733AA-C9B8-4A5B-BEF1-A5026E9F4235}"/>
               </a:ext>
             </a:extLst>
           </p:cNvPr>
@@ -17819,7 +18017,7 @@
           <p:cNvPr id="63" name="Picture 62">
             <a:extLst>
               <a:ext uri="{FF2B5EF4-FFF2-40B4-BE49-F238E27FC236}">
-                <a16:creationId xmlns:a16="http://schemas.microsoft.com/office/drawing/2014/main" id="{5B15DD52-47DC-4412-A2E6-A60F6687A2AA}"/>
+                <a16:creationId xmlns="" xmlns:a16="http://schemas.microsoft.com/office/drawing/2014/main" id="{5B15DD52-47DC-4412-A2E6-A60F6687A2AA}"/>
               </a:ext>
             </a:extLst>
           </p:cNvPr>
@@ -17855,7 +18053,7 @@
           <p:cNvPr id="106" name="Picture 105">
             <a:extLst>
               <a:ext uri="{FF2B5EF4-FFF2-40B4-BE49-F238E27FC236}">
-                <a16:creationId xmlns:a16="http://schemas.microsoft.com/office/drawing/2014/main" id="{14F6968E-F8BC-4C9E-8B85-4F59E9B70028}"/>
+                <a16:creationId xmlns="" xmlns:a16="http://schemas.microsoft.com/office/drawing/2014/main" id="{14F6968E-F8BC-4C9E-8B85-4F59E9B70028}"/>
               </a:ext>
             </a:extLst>
           </p:cNvPr>
@@ -17897,7 +18095,7 @@
           <p:cNvPr id="108" name="Picture 107">
             <a:extLst>
               <a:ext uri="{FF2B5EF4-FFF2-40B4-BE49-F238E27FC236}">
-                <a16:creationId xmlns:a16="http://schemas.microsoft.com/office/drawing/2014/main" id="{5460B74B-9C86-49B7-B438-C9D4D7DD6EF4}"/>
+                <a16:creationId xmlns="" xmlns:a16="http://schemas.microsoft.com/office/drawing/2014/main" id="{5460B74B-9C86-49B7-B438-C9D4D7DD6EF4}"/>
               </a:ext>
             </a:extLst>
           </p:cNvPr>
@@ -17939,7 +18137,7 @@
           <p:cNvPr id="126" name="Picture 125">
             <a:extLst>
               <a:ext uri="{FF2B5EF4-FFF2-40B4-BE49-F238E27FC236}">
-                <a16:creationId xmlns:a16="http://schemas.microsoft.com/office/drawing/2014/main" id="{2F2210B8-E2C2-4C34-B1D8-515E754290CB}"/>
+                <a16:creationId xmlns="" xmlns:a16="http://schemas.microsoft.com/office/drawing/2014/main" id="{2F2210B8-E2C2-4C34-B1D8-515E754290CB}"/>
               </a:ext>
             </a:extLst>
           </p:cNvPr>
@@ -17975,7 +18173,7 @@
           <p:cNvPr id="127" name="Callout: Bent Line 126">
             <a:extLst>
               <a:ext uri="{FF2B5EF4-FFF2-40B4-BE49-F238E27FC236}">
-                <a16:creationId xmlns:a16="http://schemas.microsoft.com/office/drawing/2014/main" id="{397CF055-B331-413D-B5BB-07280E8153FD}"/>
+                <a16:creationId xmlns="" xmlns:a16="http://schemas.microsoft.com/office/drawing/2014/main" id="{397CF055-B331-413D-B5BB-07280E8153FD}"/>
               </a:ext>
             </a:extLst>
           </p:cNvPr>
@@ -18018,13 +18216,18 @@
           <a:p>
             <a:pPr algn="ctr"/>
             <a:r>
-              <a:rPr lang="es-US" b="1" dirty="0">
+              <a:rPr lang="es-US" b="1" dirty="0" smtClean="0">
                 <a:solidFill>
                   <a:schemeClr val="tx2"/>
                 </a:solidFill>
               </a:rPr>
-              <a:t>DEMAND</a:t>
-            </a:r>
+              <a:t>ORDERS</a:t>
+            </a:r>
+            <a:endParaRPr lang="es-US" b="1" dirty="0">
+              <a:solidFill>
+                <a:schemeClr val="tx2"/>
+              </a:solidFill>
+            </a:endParaRPr>
           </a:p>
         </p:txBody>
       </p:sp>
@@ -18033,7 +18236,7 @@
           <p:cNvPr id="130" name="Callout: Bent Line 129">
             <a:extLst>
               <a:ext uri="{FF2B5EF4-FFF2-40B4-BE49-F238E27FC236}">
-                <a16:creationId xmlns:a16="http://schemas.microsoft.com/office/drawing/2014/main" id="{96D68CA9-C290-42A1-A7D4-EE0D7EC09841}"/>
+                <a16:creationId xmlns="" xmlns:a16="http://schemas.microsoft.com/office/drawing/2014/main" id="{96D68CA9-C290-42A1-A7D4-EE0D7EC09841}"/>
               </a:ext>
             </a:extLst>
           </p:cNvPr>
@@ -18091,7 +18294,7 @@
           <p:cNvPr id="131" name="Callout: Bent Line 130">
             <a:extLst>
               <a:ext uri="{FF2B5EF4-FFF2-40B4-BE49-F238E27FC236}">
-                <a16:creationId xmlns:a16="http://schemas.microsoft.com/office/drawing/2014/main" id="{A802EC55-C5E1-49FD-A1D8-34D9EAFBC27C}"/>
+                <a16:creationId xmlns="" xmlns:a16="http://schemas.microsoft.com/office/drawing/2014/main" id="{A802EC55-C5E1-49FD-A1D8-34D9EAFBC27C}"/>
               </a:ext>
             </a:extLst>
           </p:cNvPr>
@@ -18153,7 +18356,7 @@
           <p:cNvPr id="133" name="Callout: Bent Line 132">
             <a:extLst>
               <a:ext uri="{FF2B5EF4-FFF2-40B4-BE49-F238E27FC236}">
-                <a16:creationId xmlns:a16="http://schemas.microsoft.com/office/drawing/2014/main" id="{494B9882-814D-47EA-BA74-F87861720779}"/>
+                <a16:creationId xmlns="" xmlns:a16="http://schemas.microsoft.com/office/drawing/2014/main" id="{494B9882-814D-47EA-BA74-F87861720779}"/>
               </a:ext>
             </a:extLst>
           </p:cNvPr>
@@ -18215,7 +18418,7 @@
           <p:cNvPr id="134" name="TextBox 133">
             <a:extLst>
               <a:ext uri="{FF2B5EF4-FFF2-40B4-BE49-F238E27FC236}">
-                <a16:creationId xmlns:a16="http://schemas.microsoft.com/office/drawing/2014/main" id="{D74BA1D6-760F-4BF0-B768-1F8E70ABD577}"/>
+                <a16:creationId xmlns="" xmlns:a16="http://schemas.microsoft.com/office/drawing/2014/main" id="{D74BA1D6-760F-4BF0-B768-1F8E70ABD577}"/>
               </a:ext>
             </a:extLst>
           </p:cNvPr>
@@ -18224,8 +18427,8 @@
         </p:nvSpPr>
         <p:spPr>
           <a:xfrm>
-            <a:off x="5255151" y="5694368"/>
-            <a:ext cx="1274231" cy="369332"/>
+            <a:off x="5195021" y="5694368"/>
+            <a:ext cx="1369529" cy="369332"/>
           </a:xfrm>
           <a:prstGeom prst="rect">
             <a:avLst/>
@@ -18254,7 +18457,7 @@
           <p:cNvPr id="135" name="TextBox 134">
             <a:extLst>
               <a:ext uri="{FF2B5EF4-FFF2-40B4-BE49-F238E27FC236}">
-                <a16:creationId xmlns:a16="http://schemas.microsoft.com/office/drawing/2014/main" id="{75730175-D07F-45EB-8271-B044C4A63E00}"/>
+                <a16:creationId xmlns="" xmlns:a16="http://schemas.microsoft.com/office/drawing/2014/main" id="{75730175-D07F-45EB-8271-B044C4A63E00}"/>
               </a:ext>
             </a:extLst>
           </p:cNvPr>
@@ -18263,8 +18466,8 @@
         </p:nvSpPr>
         <p:spPr>
           <a:xfrm>
-            <a:off x="3745781" y="5680081"/>
-            <a:ext cx="1269134" cy="369332"/>
+            <a:off x="3622431" y="5680081"/>
+            <a:ext cx="1392484" cy="369332"/>
           </a:xfrm>
           <a:prstGeom prst="rect">
             <a:avLst/>
@@ -18293,7 +18496,7 @@
           <p:cNvPr id="137" name="Callout: Bent Line 136">
             <a:extLst>
               <a:ext uri="{FF2B5EF4-FFF2-40B4-BE49-F238E27FC236}">
-                <a16:creationId xmlns:a16="http://schemas.microsoft.com/office/drawing/2014/main" id="{3C9663B5-0E20-499F-9430-0E655D044E15}"/>
+                <a16:creationId xmlns="" xmlns:a16="http://schemas.microsoft.com/office/drawing/2014/main" id="{3C9663B5-0E20-499F-9430-0E655D044E15}"/>
               </a:ext>
             </a:extLst>
           </p:cNvPr>
@@ -18355,7 +18558,7 @@
           <p:cNvPr id="48" name="Picture 47">
             <a:extLst>
               <a:ext uri="{FF2B5EF4-FFF2-40B4-BE49-F238E27FC236}">
-                <a16:creationId xmlns:a16="http://schemas.microsoft.com/office/drawing/2014/main" id="{970396B5-9118-42A9-904D-F72BD292492F}"/>
+                <a16:creationId xmlns="" xmlns:a16="http://schemas.microsoft.com/office/drawing/2014/main" id="{970396B5-9118-42A9-904D-F72BD292492F}"/>
               </a:ext>
             </a:extLst>
           </p:cNvPr>
@@ -18408,6 +18611,13 @@
       </p:transition>
     </mc:Fallback>
   </mc:AlternateContent>
+  <p:timing>
+    <p:tnLst>
+      <p:par>
+        <p:cTn id="1" dur="indefinite" restart="never" nodeType="tmRoot"/>
+      </p:par>
+    </p:tnLst>
+  </p:timing>
 </p:sld>
 </file>
 
@@ -18456,7 +18666,7 @@
           <p:cNvPr id="4" name="Picture 3">
             <a:extLst>
               <a:ext uri="{FF2B5EF4-FFF2-40B4-BE49-F238E27FC236}">
-                <a16:creationId xmlns:a16="http://schemas.microsoft.com/office/drawing/2014/main" id="{09B31EB0-88C9-4158-8CC2-885407DCC438}"/>
+                <a16:creationId xmlns="" xmlns:a16="http://schemas.microsoft.com/office/drawing/2014/main" id="{09B31EB0-88C9-4158-8CC2-885407DCC438}"/>
               </a:ext>
             </a:extLst>
           </p:cNvPr>
@@ -18492,7 +18702,7 @@
           <p:cNvPr id="12" name="Picture 11">
             <a:extLst>
               <a:ext uri="{FF2B5EF4-FFF2-40B4-BE49-F238E27FC236}">
-                <a16:creationId xmlns:a16="http://schemas.microsoft.com/office/drawing/2014/main" id="{8BBCB643-8A26-4D85-A775-0B7A868934BE}"/>
+                <a16:creationId xmlns="" xmlns:a16="http://schemas.microsoft.com/office/drawing/2014/main" id="{8BBCB643-8A26-4D85-A775-0B7A868934BE}"/>
               </a:ext>
             </a:extLst>
           </p:cNvPr>
@@ -18522,7 +18732,7 @@
           <p:cNvPr id="6" name="Speech Bubble: Rectangle with Corners Rounded 5">
             <a:extLst>
               <a:ext uri="{FF2B5EF4-FFF2-40B4-BE49-F238E27FC236}">
-                <a16:creationId xmlns:a16="http://schemas.microsoft.com/office/drawing/2014/main" id="{D5C8FBE0-8128-4C4E-A630-4581C1986965}"/>
+                <a16:creationId xmlns="" xmlns:a16="http://schemas.microsoft.com/office/drawing/2014/main" id="{D5C8FBE0-8128-4C4E-A630-4581C1986965}"/>
               </a:ext>
             </a:extLst>
           </p:cNvPr>
@@ -18573,7 +18783,7 @@
           <p:cNvPr id="13" name="Picture 12">
             <a:extLst>
               <a:ext uri="{FF2B5EF4-FFF2-40B4-BE49-F238E27FC236}">
-                <a16:creationId xmlns:a16="http://schemas.microsoft.com/office/drawing/2014/main" id="{2303C603-5685-42E3-8181-CEB4B850D0FD}"/>
+                <a16:creationId xmlns="" xmlns:a16="http://schemas.microsoft.com/office/drawing/2014/main" id="{2303C603-5685-42E3-8181-CEB4B850D0FD}"/>
               </a:ext>
             </a:extLst>
           </p:cNvPr>
@@ -18603,7 +18813,7 @@
           <p:cNvPr id="17" name="Speech Bubble: Rectangle with Corners Rounded 16">
             <a:extLst>
               <a:ext uri="{FF2B5EF4-FFF2-40B4-BE49-F238E27FC236}">
-                <a16:creationId xmlns:a16="http://schemas.microsoft.com/office/drawing/2014/main" id="{36BFF22C-8B6F-479C-9A8A-785260030205}"/>
+                <a16:creationId xmlns="" xmlns:a16="http://schemas.microsoft.com/office/drawing/2014/main" id="{36BFF22C-8B6F-479C-9A8A-785260030205}"/>
               </a:ext>
             </a:extLst>
           </p:cNvPr>
@@ -18654,7 +18864,7 @@
           <p:cNvPr id="16" name="TextBox 15">
             <a:extLst>
               <a:ext uri="{FF2B5EF4-FFF2-40B4-BE49-F238E27FC236}">
-                <a16:creationId xmlns:a16="http://schemas.microsoft.com/office/drawing/2014/main" id="{EF788542-589B-4D4F-B65A-ED8F88F99952}"/>
+                <a16:creationId xmlns="" xmlns:a16="http://schemas.microsoft.com/office/drawing/2014/main" id="{EF788542-589B-4D4F-B65A-ED8F88F99952}"/>
               </a:ext>
             </a:extLst>
           </p:cNvPr>
@@ -18679,21 +18889,26 @@
           <a:p>
             <a:pPr algn="ctr"/>
             <a:r>
-              <a:rPr lang="en-US" b="1" dirty="0">
+              <a:rPr lang="en-US" b="1" dirty="0" smtClean="0">
                 <a:solidFill>
                   <a:schemeClr val="tx2"/>
                 </a:solidFill>
               </a:rPr>
-              <a:t>SUM OF THE TARIFF FOR RENTING </a:t>
-            </a:r>
-            <a:r>
-              <a:rPr lang="es-US" b="1" dirty="0">
+              <a:t>DEMAND X TARIFF OF </a:t>
+            </a:r>
+            <a:r>
+              <a:rPr lang="es-US" b="1" dirty="0" smtClean="0">
                 <a:solidFill>
                   <a:schemeClr val="tx2"/>
                 </a:solidFill>
               </a:rPr>
-              <a:t>THE SATELLITE</a:t>
-            </a:r>
+              <a:t>SATELLITE IN TIMESLOT</a:t>
+            </a:r>
+            <a:endParaRPr lang="es-US" b="1" dirty="0">
+              <a:solidFill>
+                <a:schemeClr val="tx2"/>
+              </a:solidFill>
+            </a:endParaRPr>
           </a:p>
           <a:p>
             <a:endParaRPr lang="es-US" dirty="0"/>
@@ -18705,7 +18920,7 @@
           <p:cNvPr id="7" name="TextBox 6">
             <a:extLst>
               <a:ext uri="{FF2B5EF4-FFF2-40B4-BE49-F238E27FC236}">
-                <a16:creationId xmlns:a16="http://schemas.microsoft.com/office/drawing/2014/main" id="{7B7DD44E-72F6-4785-B494-655ACE3CCE3D}"/>
+                <a16:creationId xmlns="" xmlns:a16="http://schemas.microsoft.com/office/drawing/2014/main" id="{7B7DD44E-72F6-4785-B494-655ACE3CCE3D}"/>
               </a:ext>
             </a:extLst>
           </p:cNvPr>
@@ -18714,7 +18929,7 @@
         </p:nvSpPr>
         <p:spPr>
           <a:xfrm>
-            <a:off x="8553485" y="1828792"/>
+            <a:off x="8553485" y="1776040"/>
             <a:ext cx="1928810" cy="1200329"/>
           </a:xfrm>
           <a:prstGeom prst="rect">
@@ -18735,7 +18950,15 @@
                   <a:schemeClr val="tx2"/>
                 </a:solidFill>
               </a:rPr>
-              <a:t>FIXED COST OF THE VEHICLES FOR THE DELIVERIES</a:t>
+              <a:t>VEHICLES FIXED COST </a:t>
+            </a:r>
+            <a:r>
+              <a:rPr lang="en-US" b="1" dirty="0" smtClean="0">
+                <a:solidFill>
+                  <a:schemeClr val="tx2"/>
+                </a:solidFill>
+              </a:rPr>
+              <a:t>IN TIMESLOT IF IS USED</a:t>
             </a:r>
             <a:endParaRPr lang="es-US" b="1" dirty="0">
               <a:solidFill>
@@ -18750,7 +18973,7 @@
           <p:cNvPr id="19" name="Speech Bubble: Rectangle with Corners Rounded 18">
             <a:extLst>
               <a:ext uri="{FF2B5EF4-FFF2-40B4-BE49-F238E27FC236}">
-                <a16:creationId xmlns:a16="http://schemas.microsoft.com/office/drawing/2014/main" id="{866C2C8C-0C6C-417B-8EE9-78420CA3542B}"/>
+                <a16:creationId xmlns="" xmlns:a16="http://schemas.microsoft.com/office/drawing/2014/main" id="{866C2C8C-0C6C-417B-8EE9-78420CA3542B}"/>
               </a:ext>
             </a:extLst>
           </p:cNvPr>
@@ -18801,7 +19024,7 @@
           <p:cNvPr id="8" name="TextBox 7">
             <a:extLst>
               <a:ext uri="{FF2B5EF4-FFF2-40B4-BE49-F238E27FC236}">
-                <a16:creationId xmlns:a16="http://schemas.microsoft.com/office/drawing/2014/main" id="{E1997BCC-AC66-4279-A67A-C85CAC10E7F9}"/>
+                <a16:creationId xmlns="" xmlns:a16="http://schemas.microsoft.com/office/drawing/2014/main" id="{E1997BCC-AC66-4279-A67A-C85CAC10E7F9}"/>
               </a:ext>
             </a:extLst>
           </p:cNvPr>
@@ -18810,8 +19033,8 @@
         </p:nvSpPr>
         <p:spPr>
           <a:xfrm>
-            <a:off x="6315079" y="5330057"/>
-            <a:ext cx="1957391" cy="369332"/>
+            <a:off x="6329359" y="5032182"/>
+            <a:ext cx="1957391" cy="923330"/>
           </a:xfrm>
           <a:prstGeom prst="rect">
             <a:avLst/>
@@ -18826,12 +19049,28 @@
           <a:p>
             <a:pPr algn="ctr"/>
             <a:r>
+              <a:rPr lang="en-US" b="1" dirty="0">
+                <a:solidFill>
+                  <a:schemeClr val="tx2"/>
+                </a:solidFill>
+              </a:rPr>
+              <a:t>VEHICLES </a:t>
+            </a:r>
+            <a:r>
+              <a:rPr lang="es-US" b="1" dirty="0" smtClean="0">
+                <a:solidFill>
+                  <a:schemeClr val="tx2"/>
+                </a:solidFill>
+              </a:rPr>
+              <a:t>COST </a:t>
+            </a:r>
+            <a:r>
               <a:rPr lang="es-US" b="1" dirty="0">
                 <a:solidFill>
                   <a:schemeClr val="tx2"/>
                 </a:solidFill>
               </a:rPr>
-              <a:t>COST PER STOP</a:t>
+              <a:t>PER STOP</a:t>
             </a:r>
           </a:p>
         </p:txBody>
@@ -18841,7 +19080,7 @@
           <p:cNvPr id="21" name="Speech Bubble: Rectangle with Corners Rounded 20">
             <a:extLst>
               <a:ext uri="{FF2B5EF4-FFF2-40B4-BE49-F238E27FC236}">
-                <a16:creationId xmlns:a16="http://schemas.microsoft.com/office/drawing/2014/main" id="{DD220F97-C522-4A0A-8410-A47E2F0DEDFF}"/>
+                <a16:creationId xmlns="" xmlns:a16="http://schemas.microsoft.com/office/drawing/2014/main" id="{DD220F97-C522-4A0A-8410-A47E2F0DEDFF}"/>
               </a:ext>
             </a:extLst>
           </p:cNvPr>
@@ -18892,7 +19131,7 @@
           <p:cNvPr id="10" name="TextBox 9">
             <a:extLst>
               <a:ext uri="{FF2B5EF4-FFF2-40B4-BE49-F238E27FC236}">
-                <a16:creationId xmlns:a16="http://schemas.microsoft.com/office/drawing/2014/main" id="{D7B58DCE-D84F-4A36-B35D-3526714DA155}"/>
+                <a16:creationId xmlns="" xmlns:a16="http://schemas.microsoft.com/office/drawing/2014/main" id="{D7B58DCE-D84F-4A36-B35D-3526714DA155}"/>
               </a:ext>
             </a:extLst>
           </p:cNvPr>
@@ -18940,7 +19179,7 @@
           <p:cNvPr id="14" name="Picture 13">
             <a:extLst>
               <a:ext uri="{FF2B5EF4-FFF2-40B4-BE49-F238E27FC236}">
-                <a16:creationId xmlns:a16="http://schemas.microsoft.com/office/drawing/2014/main" id="{DD1FBBBF-5DC7-4566-83B7-11724A262B7D}"/>
+                <a16:creationId xmlns="" xmlns:a16="http://schemas.microsoft.com/office/drawing/2014/main" id="{DD1FBBBF-5DC7-4566-83B7-11724A262B7D}"/>
               </a:ext>
             </a:extLst>
           </p:cNvPr>
@@ -18993,6 +19232,13 @@
       </p:transition>
     </mc:Fallback>
   </mc:AlternateContent>
+  <p:timing>
+    <p:tnLst>
+      <p:par>
+        <p:cTn id="1" dur="indefinite" restart="never" nodeType="tmRoot"/>
+      </p:par>
+    </p:tnLst>
+  </p:timing>
 </p:sld>
 </file>
 
@@ -19054,7 +19300,7 @@
             <p:ph idx="1"/>
             <p:extLst>
               <p:ext uri="{D42A27DB-BD31-4B8C-83A1-F6EECF244321}">
-                <p14:modId xmlns:p14="http://schemas.microsoft.com/office/powerpoint/2010/main" val="3578647948"/>
+                <p14:modId xmlns:p14="http://schemas.microsoft.com/office/powerpoint/2010/main" val="1155055969"/>
               </p:ext>
             </p:extLst>
           </p:nvPr>
@@ -19074,7 +19320,7 @@
           <p:cNvPr id="6" name="Picture 5">
             <a:extLst>
               <a:ext uri="{FF2B5EF4-FFF2-40B4-BE49-F238E27FC236}">
-                <a16:creationId xmlns:a16="http://schemas.microsoft.com/office/drawing/2014/main" id="{782A8D85-5ED8-43C3-BC0F-6BFC4EA00A62}"/>
+                <a16:creationId xmlns="" xmlns:a16="http://schemas.microsoft.com/office/drawing/2014/main" id="{782A8D85-5ED8-43C3-BC0F-6BFC4EA00A62}"/>
               </a:ext>
             </a:extLst>
           </p:cNvPr>
@@ -19110,7 +19356,7 @@
           <p:cNvPr id="10" name="Picture 9">
             <a:extLst>
               <a:ext uri="{FF2B5EF4-FFF2-40B4-BE49-F238E27FC236}">
-                <a16:creationId xmlns:a16="http://schemas.microsoft.com/office/drawing/2014/main" id="{04A40E3F-A2AD-48DC-BF4A-64A485748669}"/>
+                <a16:creationId xmlns="" xmlns:a16="http://schemas.microsoft.com/office/drawing/2014/main" id="{04A40E3F-A2AD-48DC-BF4A-64A485748669}"/>
               </a:ext>
             </a:extLst>
           </p:cNvPr>
@@ -19140,7 +19386,7 @@
           <p:cNvPr id="12" name="Picture 11">
             <a:extLst>
               <a:ext uri="{FF2B5EF4-FFF2-40B4-BE49-F238E27FC236}">
-                <a16:creationId xmlns:a16="http://schemas.microsoft.com/office/drawing/2014/main" id="{D33F12B3-A5FA-4F54-93AB-678A2A0D2DF2}"/>
+                <a16:creationId xmlns="" xmlns:a16="http://schemas.microsoft.com/office/drawing/2014/main" id="{D33F12B3-A5FA-4F54-93AB-678A2A0D2DF2}"/>
               </a:ext>
             </a:extLst>
           </p:cNvPr>
@@ -19172,7 +19418,7 @@
               <p:cNvPr id="13" name="TextBox 12">
                 <a:extLst>
                   <a:ext uri="{FF2B5EF4-FFF2-40B4-BE49-F238E27FC236}">
-                    <a16:creationId xmlns:a16="http://schemas.microsoft.com/office/drawing/2014/main" id="{B4966AAC-C7DE-4EAC-8440-706C54E5BE9B}"/>
+                    <a16:creationId xmlns="" xmlns:a16="http://schemas.microsoft.com/office/drawing/2014/main" id="{B4966AAC-C7DE-4EAC-8440-706C54E5BE9B}"/>
                   </a:ext>
                 </a:extLst>
               </p:cNvPr>
@@ -19446,7 +19692,7 @@
               <p:cNvPr id="15" name="TextBox 14">
                 <a:extLst>
                   <a:ext uri="{FF2B5EF4-FFF2-40B4-BE49-F238E27FC236}">
-                    <a16:creationId xmlns:a16="http://schemas.microsoft.com/office/drawing/2014/main" id="{370A66A4-B008-4BCF-8B8A-688563E19E48}"/>
+                    <a16:creationId xmlns="" xmlns:a16="http://schemas.microsoft.com/office/drawing/2014/main" id="{370A66A4-B008-4BCF-8B8A-688563E19E48}"/>
                   </a:ext>
                 </a:extLst>
               </p:cNvPr>
@@ -19769,7 +20015,7 @@
               <p:cNvPr id="16" name="TextBox 15">
                 <a:extLst>
                   <a:ext uri="{FF2B5EF4-FFF2-40B4-BE49-F238E27FC236}">
-                    <a16:creationId xmlns:a16="http://schemas.microsoft.com/office/drawing/2014/main" id="{9CA80DB1-7C6A-4B96-8FC5-0D3801EF5660}"/>
+                    <a16:creationId xmlns="" xmlns:a16="http://schemas.microsoft.com/office/drawing/2014/main" id="{9CA80DB1-7C6A-4B96-8FC5-0D3801EF5660}"/>
                   </a:ext>
                 </a:extLst>
               </p:cNvPr>
@@ -20013,7 +20259,7 @@
               <p:cNvPr id="17" name="TextBox 16">
                 <a:extLst>
                   <a:ext uri="{FF2B5EF4-FFF2-40B4-BE49-F238E27FC236}">
-                    <a16:creationId xmlns:a16="http://schemas.microsoft.com/office/drawing/2014/main" id="{5ED90BD9-546E-4CD3-93BE-10D2833E41BC}"/>
+                    <a16:creationId xmlns="" xmlns:a16="http://schemas.microsoft.com/office/drawing/2014/main" id="{5ED90BD9-546E-4CD3-93BE-10D2833E41BC}"/>
                   </a:ext>
                 </a:extLst>
               </p:cNvPr>
@@ -20257,7 +20503,7 @@
           <p:cNvPr id="19" name="Rectangle 18">
             <a:extLst>
               <a:ext uri="{FF2B5EF4-FFF2-40B4-BE49-F238E27FC236}">
-                <a16:creationId xmlns:a16="http://schemas.microsoft.com/office/drawing/2014/main" id="{B44EA830-46C1-44BE-A602-6A44AB9FC00D}"/>
+                <a16:creationId xmlns="" xmlns:a16="http://schemas.microsoft.com/office/drawing/2014/main" id="{B44EA830-46C1-44BE-A602-6A44AB9FC00D}"/>
               </a:ext>
             </a:extLst>
           </p:cNvPr>
@@ -20320,7 +20566,7 @@
               <p:cNvPr id="18" name="TextBox 17">
                 <a:extLst>
                   <a:ext uri="{FF2B5EF4-FFF2-40B4-BE49-F238E27FC236}">
-                    <a16:creationId xmlns:a16="http://schemas.microsoft.com/office/drawing/2014/main" id="{3418578F-786F-400C-954C-DB4CD28CB555}"/>
+                    <a16:creationId xmlns="" xmlns:a16="http://schemas.microsoft.com/office/drawing/2014/main" id="{3418578F-786F-400C-954C-DB4CD28CB555}"/>
                   </a:ext>
                 </a:extLst>
               </p:cNvPr>
@@ -20448,7 +20694,7 @@
           <p:cNvPr id="21" name="Rectangle 20">
             <a:extLst>
               <a:ext uri="{FF2B5EF4-FFF2-40B4-BE49-F238E27FC236}">
-                <a16:creationId xmlns:a16="http://schemas.microsoft.com/office/drawing/2014/main" id="{351BAECD-40B7-4D81-A0AE-E80772DDED46}"/>
+                <a16:creationId xmlns="" xmlns:a16="http://schemas.microsoft.com/office/drawing/2014/main" id="{351BAECD-40B7-4D81-A0AE-E80772DDED46}"/>
               </a:ext>
             </a:extLst>
           </p:cNvPr>
@@ -20509,7 +20755,7 @@
           <p:cNvPr id="22" name="Rectangle 21">
             <a:extLst>
               <a:ext uri="{FF2B5EF4-FFF2-40B4-BE49-F238E27FC236}">
-                <a16:creationId xmlns:a16="http://schemas.microsoft.com/office/drawing/2014/main" id="{B8926D9D-C051-41E4-BB0E-A3D001131A4D}"/>
+                <a16:creationId xmlns="" xmlns:a16="http://schemas.microsoft.com/office/drawing/2014/main" id="{B8926D9D-C051-41E4-BB0E-A3D001131A4D}"/>
               </a:ext>
             </a:extLst>
           </p:cNvPr>
@@ -20572,7 +20818,7 @@
               <p:cNvPr id="20" name="TextBox 19">
                 <a:extLst>
                   <a:ext uri="{FF2B5EF4-FFF2-40B4-BE49-F238E27FC236}">
-                    <a16:creationId xmlns:a16="http://schemas.microsoft.com/office/drawing/2014/main" id="{C632BA72-1FAD-4BBB-BE68-45268DED4DF5}"/>
+                    <a16:creationId xmlns="" xmlns:a16="http://schemas.microsoft.com/office/drawing/2014/main" id="{C632BA72-1FAD-4BBB-BE68-45268DED4DF5}"/>
                   </a:ext>
                 </a:extLst>
               </p:cNvPr>
@@ -20736,7 +20982,7 @@
           <p:cNvPr id="24" name="Rectangle 23">
             <a:extLst>
               <a:ext uri="{FF2B5EF4-FFF2-40B4-BE49-F238E27FC236}">
-                <a16:creationId xmlns:a16="http://schemas.microsoft.com/office/drawing/2014/main" id="{EF78FFFB-757F-4F2C-B5BC-8FBCAE428F0A}"/>
+                <a16:creationId xmlns="" xmlns:a16="http://schemas.microsoft.com/office/drawing/2014/main" id="{EF78FFFB-757F-4F2C-B5BC-8FBCAE428F0A}"/>
               </a:ext>
             </a:extLst>
           </p:cNvPr>
@@ -20799,7 +21045,7 @@
               <p:cNvPr id="23" name="TextBox 22">
                 <a:extLst>
                   <a:ext uri="{FF2B5EF4-FFF2-40B4-BE49-F238E27FC236}">
-                    <a16:creationId xmlns:a16="http://schemas.microsoft.com/office/drawing/2014/main" id="{7CBF62CC-10DC-45E3-89A6-5DB457CE75DD}"/>
+                    <a16:creationId xmlns="" xmlns:a16="http://schemas.microsoft.com/office/drawing/2014/main" id="{7CBF62CC-10DC-45E3-89A6-5DB457CE75DD}"/>
                   </a:ext>
                 </a:extLst>
               </p:cNvPr>
@@ -20920,7 +21166,7 @@
               <p:cNvPr id="25" name="TextBox 24">
                 <a:extLst>
                   <a:ext uri="{FF2B5EF4-FFF2-40B4-BE49-F238E27FC236}">
-                    <a16:creationId xmlns:a16="http://schemas.microsoft.com/office/drawing/2014/main" id="{E3EDA271-5D49-48B9-8197-719E2BCA1C06}"/>
+                    <a16:creationId xmlns="" xmlns:a16="http://schemas.microsoft.com/office/drawing/2014/main" id="{E3EDA271-5D49-48B9-8197-719E2BCA1C06}"/>
                   </a:ext>
                 </a:extLst>
               </p:cNvPr>
@@ -21092,6 +21338,13 @@
       </p:transition>
     </mc:Fallback>
   </mc:AlternateContent>
+  <p:timing>
+    <p:tnLst>
+      <p:par>
+        <p:cTn id="1" dur="indefinite" restart="never" nodeType="tmRoot"/>
+      </p:par>
+    </p:tnLst>
+  </p:timing>
 </p:sld>
 </file>
 
@@ -21127,151 +21380,21 @@
           <a:bodyPr rtlCol="0"/>
           <a:lstStyle/>
           <a:p>
-            <a:pPr algn="ctr" rtl="0"/>
-            <a:r>
-              <a:rPr lang="es-ES" dirty="0"/>
-              <a:t>ALGORITHM</a:t>
-            </a:r>
-          </a:p>
-        </p:txBody>
-      </p:sp>
-      <p:sp>
-        <p:nvSpPr>
-          <p:cNvPr id="4" name="Marcador de posición de texto 3"/>
-          <p:cNvSpPr>
-            <a:spLocks noGrp="1"/>
-          </p:cNvSpPr>
-          <p:nvPr>
-            <p:ph type="body" sz="half" idx="2"/>
-          </p:nvPr>
-        </p:nvSpPr>
-        <p:spPr>
-          <a:xfrm>
-            <a:off x="7748599" y="1314452"/>
-            <a:ext cx="3336983" cy="4572001"/>
-          </a:xfrm>
-          <a:solidFill>
-            <a:schemeClr val="bg2"/>
-          </a:solidFill>
-          <a:ln>
-            <a:solidFill>
-              <a:schemeClr val="tx2"/>
-            </a:solidFill>
-          </a:ln>
-          <a:effectLst>
-            <a:outerShdw blurRad="63500" sx="102000" sy="102000" algn="ctr" rotWithShape="0">
-              <a:prstClr val="black">
-                <a:alpha val="40000"/>
-              </a:prstClr>
-            </a:outerShdw>
-          </a:effectLst>
-        </p:spPr>
-        <p:txBody>
-          <a:bodyPr rtlCol="0"/>
-          <a:lstStyle/>
-          <a:p>
             <a:pPr algn="ctr"/>
-            <a:endParaRPr lang="es-US" dirty="0">
-              <a:solidFill>
-                <a:schemeClr val="tx2"/>
-              </a:solidFill>
-            </a:endParaRPr>
-          </a:p>
-          <a:p>
-            <a:pPr algn="ctr"/>
-            <a:endParaRPr lang="es-US" dirty="0">
-              <a:solidFill>
-                <a:schemeClr val="tx2"/>
-              </a:solidFill>
-            </a:endParaRPr>
-          </a:p>
-          <a:p>
-            <a:pPr algn="ctr">
-              <a:spcBef>
-                <a:spcPct val="0"/>
-              </a:spcBef>
-            </a:pPr>
-            <a:endParaRPr lang="es-US" sz="3200" dirty="0">
-              <a:latin typeface="+mj-lt"/>
-              <a:ea typeface="+mj-ea"/>
-              <a:cs typeface="+mj-cs"/>
-            </a:endParaRPr>
-          </a:p>
-          <a:p>
-            <a:pPr algn="ctr">
-              <a:spcBef>
-                <a:spcPct val="0"/>
-              </a:spcBef>
-            </a:pPr>
-            <a:r>
-              <a:rPr lang="es-US" sz="3200" dirty="0">
-                <a:latin typeface="+mj-lt"/>
-                <a:ea typeface="+mj-ea"/>
-                <a:cs typeface="+mj-cs"/>
-              </a:rPr>
-              <a:t>CHOOSE THE BEST CHOICE THAT REACHABLE AT CURRENT STATE</a:t>
-            </a:r>
-          </a:p>
-          <a:p>
-            <a:pPr rtl="0"/>
+            <a:r>
+              <a:rPr lang="es-ES" dirty="0" smtClean="0"/>
+              <a:t>GREEDY SOLUTION DESCRIPTION</a:t>
+            </a:r>
             <a:endParaRPr lang="es-ES" dirty="0"/>
           </a:p>
         </p:txBody>
       </p:sp>
       <p:pic>
         <p:nvPicPr>
-          <p:cNvPr id="21" name="Picture Placeholder 20">
+          <p:cNvPr id="3" name="Picture 2">
             <a:extLst>
               <a:ext uri="{FF2B5EF4-FFF2-40B4-BE49-F238E27FC236}">
-                <a16:creationId xmlns:a16="http://schemas.microsoft.com/office/drawing/2014/main" id="{E507BCE2-9FE4-43A1-9FD1-3D8792CAE149}"/>
-              </a:ext>
-            </a:extLst>
-          </p:cNvPr>
-          <p:cNvPicPr>
-            <a:picLocks noGrp="1" noChangeAspect="1"/>
-          </p:cNvPicPr>
-          <p:nvPr>
-            <p:ph type="pic" idx="1"/>
-          </p:nvPr>
-        </p:nvPicPr>
-        <p:blipFill>
-          <a:blip r:embed="rId3">
-            <a:extLst>
-              <a:ext uri="{28A0092B-C50C-407E-A947-70E740481C1C}">
-                <a14:useLocalDpi xmlns:a14="http://schemas.microsoft.com/office/drawing/2010/main" val="0"/>
-              </a:ext>
-            </a:extLst>
-          </a:blip>
-          <a:srcRect t="2198" b="2198"/>
-          <a:stretch>
-            <a:fillRect/>
-          </a:stretch>
-        </p:blipFill>
-        <p:spPr>
-          <a:xfrm>
-            <a:off x="1097077" y="1328731"/>
-            <a:ext cx="6430912" cy="4572001"/>
-          </a:xfrm>
-          <a:ln>
-            <a:solidFill>
-              <a:schemeClr val="tx2"/>
-            </a:solidFill>
-          </a:ln>
-          <a:effectLst>
-            <a:outerShdw blurRad="63500" sx="102000" sy="102000" algn="ctr" rotWithShape="0">
-              <a:prstClr val="black">
-                <a:alpha val="40000"/>
-              </a:prstClr>
-            </a:outerShdw>
-          </a:effectLst>
-        </p:spPr>
-      </p:pic>
-      <p:pic>
-        <p:nvPicPr>
-          <p:cNvPr id="5" name="Picture 4">
-            <a:extLst>
-              <a:ext uri="{FF2B5EF4-FFF2-40B4-BE49-F238E27FC236}">
-                <a16:creationId xmlns:a16="http://schemas.microsoft.com/office/drawing/2014/main" id="{78AEAAEF-95F9-4CDD-82ED-D59177781327}"/>
+                <a16:creationId xmlns="" xmlns:a16="http://schemas.microsoft.com/office/drawing/2014/main" id="{304C4AEC-90B4-4651-8EA9-586BBBC71D25}"/>
               </a:ext>
             </a:extLst>
           </p:cNvPr>
@@ -21281,14 +21404,14 @@
           <p:nvPr/>
         </p:nvPicPr>
         <p:blipFill>
-          <a:blip r:embed="rId4"/>
+          <a:blip r:embed="rId3"/>
           <a:stretch>
             <a:fillRect/>
           </a:stretch>
         </p:blipFill>
         <p:spPr>
           <a:xfrm>
-            <a:off x="0" y="6386513"/>
+            <a:off x="-76212" y="6335713"/>
             <a:ext cx="12192000" cy="446087"/>
           </a:xfrm>
           <a:prstGeom prst="rect">
@@ -21298,10 +21421,10 @@
       </p:pic>
       <p:pic>
         <p:nvPicPr>
-          <p:cNvPr id="6" name="Picture 5">
+          <p:cNvPr id="4" name="Picture 3">
             <a:extLst>
               <a:ext uri="{FF2B5EF4-FFF2-40B4-BE49-F238E27FC236}">
-                <a16:creationId xmlns:a16="http://schemas.microsoft.com/office/drawing/2014/main" id="{9FC1717F-D818-41B3-9A48-EE1A36A42D60}"/>
+                <a16:creationId xmlns="" xmlns:a16="http://schemas.microsoft.com/office/drawing/2014/main" id="{38E9B1B2-2E5C-4EFA-9637-B588F04E1B79}"/>
               </a:ext>
             </a:extLst>
           </p:cNvPr>
@@ -21311,7 +21434,7 @@
           <p:nvPr/>
         </p:nvPicPr>
         <p:blipFill>
-          <a:blip r:embed="rId4"/>
+          <a:blip r:embed="rId3"/>
           <a:stretch>
             <a:fillRect/>
           </a:stretch>
@@ -21326,10 +21449,674 @@
           </a:prstGeom>
         </p:spPr>
       </p:pic>
+      <p:sp>
+        <p:nvSpPr>
+          <p:cNvPr id="5" name="Marcador de posición de contenido 13"/>
+          <p:cNvSpPr>
+            <a:spLocks noGrp="1"/>
+          </p:cNvSpPr>
+          <p:nvPr>
+            <p:ph idx="1"/>
+          </p:nvPr>
+        </p:nvSpPr>
+        <p:spPr>
+          <a:xfrm>
+            <a:off x="1529862" y="1591408"/>
+            <a:ext cx="9557238" cy="4580792"/>
+          </a:xfrm>
+        </p:spPr>
+        <p:txBody>
+          <a:bodyPr rtlCol="0">
+            <a:normAutofit/>
+          </a:bodyPr>
+          <a:lstStyle/>
+          <a:p>
+            <a:pPr marL="0" indent="0" fontAlgn="base">
+              <a:lnSpc>
+                <a:spcPct val="100000"/>
+              </a:lnSpc>
+              <a:spcBef>
+                <a:spcPct val="0"/>
+              </a:spcBef>
+              <a:spcAft>
+                <a:spcPct val="0"/>
+              </a:spcAft>
+              <a:buNone/>
+            </a:pPr>
+            <a:r>
+              <a:rPr lang="en-US" sz="2800" b="1" dirty="0">
+                <a:solidFill>
+                  <a:schemeClr val="tx2"/>
+                </a:solidFill>
+              </a:rPr>
+              <a:t>L</a:t>
+            </a:r>
+            <a:r>
+              <a:rPr lang="en-US" sz="2800" b="1" dirty="0" smtClean="0">
+                <a:solidFill>
+                  <a:schemeClr val="tx2"/>
+                </a:solidFill>
+              </a:rPr>
+              <a:t>ist</a:t>
+            </a:r>
+            <a:r>
+              <a:rPr lang="en-US" sz="2800" dirty="0" smtClean="0">
+                <a:solidFill>
+                  <a:schemeClr val="tx2"/>
+                </a:solidFill>
+              </a:rPr>
+              <a:t> </a:t>
+            </a:r>
+            <a:r>
+              <a:rPr lang="en-US" sz="2800" dirty="0">
+                <a:solidFill>
+                  <a:schemeClr val="tx2"/>
+                </a:solidFill>
+              </a:rPr>
+              <a:t>Orders</a:t>
+            </a:r>
+            <a:r>
+              <a:rPr lang="en-US" sz="2800" dirty="0" smtClean="0">
+                <a:solidFill>
+                  <a:schemeClr val="tx2"/>
+                </a:solidFill>
+              </a:rPr>
+              <a:t>{ </a:t>
+            </a:r>
+            <a:r>
+              <a:rPr lang="en-US" sz="2800" i="1" dirty="0" smtClean="0">
+                <a:solidFill>
+                  <a:schemeClr val="tx2"/>
+                </a:solidFill>
+              </a:rPr>
+              <a:t>demand</a:t>
+            </a:r>
+            <a:r>
+              <a:rPr lang="en-US" sz="2800" dirty="0" smtClean="0">
+                <a:solidFill>
+                  <a:schemeClr val="tx2"/>
+                </a:solidFill>
+              </a:rPr>
+              <a:t> }</a:t>
+            </a:r>
+            <a:endParaRPr lang="en-US" sz="2800" dirty="0">
+              <a:solidFill>
+                <a:schemeClr val="tx2"/>
+              </a:solidFill>
+            </a:endParaRPr>
+          </a:p>
+          <a:p>
+            <a:pPr marL="0" indent="0" fontAlgn="base">
+              <a:lnSpc>
+                <a:spcPct val="100000"/>
+              </a:lnSpc>
+              <a:spcBef>
+                <a:spcPct val="0"/>
+              </a:spcBef>
+              <a:spcAft>
+                <a:spcPct val="0"/>
+              </a:spcAft>
+              <a:buNone/>
+            </a:pPr>
+            <a:r>
+              <a:rPr lang="en-US" sz="2800" b="1" dirty="0">
+                <a:solidFill>
+                  <a:schemeClr val="tx2"/>
+                </a:solidFill>
+              </a:rPr>
+              <a:t>L</a:t>
+            </a:r>
+            <a:r>
+              <a:rPr lang="en-US" sz="2800" b="1" dirty="0" smtClean="0">
+                <a:solidFill>
+                  <a:schemeClr val="tx2"/>
+                </a:solidFill>
+              </a:rPr>
+              <a:t>ist</a:t>
+            </a:r>
+            <a:r>
+              <a:rPr lang="en-US" sz="2800" dirty="0" smtClean="0">
+                <a:solidFill>
+                  <a:schemeClr val="tx2"/>
+                </a:solidFill>
+              </a:rPr>
+              <a:t> Vehicles{ </a:t>
+            </a:r>
+            <a:r>
+              <a:rPr lang="en-US" sz="2800" dirty="0" err="1" smtClean="0">
+                <a:solidFill>
+                  <a:schemeClr val="tx2"/>
+                </a:solidFill>
+              </a:rPr>
+              <a:t>VType</a:t>
+            </a:r>
+            <a:r>
+              <a:rPr lang="en-US" sz="2800" dirty="0" smtClean="0">
+                <a:solidFill>
+                  <a:schemeClr val="tx2"/>
+                </a:solidFill>
+              </a:rPr>
+              <a:t>{ </a:t>
+            </a:r>
+            <a:r>
+              <a:rPr lang="en-US" sz="2800" i="1" dirty="0" smtClean="0">
+                <a:solidFill>
+                  <a:schemeClr val="tx2"/>
+                </a:solidFill>
+              </a:rPr>
+              <a:t>cost, volume </a:t>
+            </a:r>
+            <a:r>
+              <a:rPr lang="en-US" sz="2800" dirty="0" smtClean="0">
+                <a:solidFill>
+                  <a:schemeClr val="tx2"/>
+                </a:solidFill>
+              </a:rPr>
+              <a:t>}, </a:t>
+            </a:r>
+            <a:r>
+              <a:rPr lang="en-US" sz="2800" b="1" dirty="0" smtClean="0">
+                <a:solidFill>
+                  <a:schemeClr val="tx2"/>
+                </a:solidFill>
+              </a:rPr>
+              <a:t>List</a:t>
+            </a:r>
+            <a:r>
+              <a:rPr lang="en-US" sz="2800" dirty="0" smtClean="0">
+                <a:solidFill>
+                  <a:schemeClr val="tx2"/>
+                </a:solidFill>
+              </a:rPr>
+              <a:t> </a:t>
+            </a:r>
+            <a:r>
+              <a:rPr lang="en-US" sz="2800" dirty="0" err="1" smtClean="0">
+                <a:solidFill>
+                  <a:schemeClr val="tx2"/>
+                </a:solidFill>
+              </a:rPr>
+              <a:t>CostByStop</a:t>
+            </a:r>
+            <a:r>
+              <a:rPr lang="en-US" sz="2800" dirty="0" smtClean="0">
+                <a:solidFill>
+                  <a:schemeClr val="tx2"/>
+                </a:solidFill>
+              </a:rPr>
+              <a:t> }</a:t>
+            </a:r>
+            <a:endParaRPr lang="en-US" sz="2800" dirty="0" smtClean="0">
+              <a:solidFill>
+                <a:schemeClr val="tx2"/>
+              </a:solidFill>
+            </a:endParaRPr>
+          </a:p>
+          <a:p>
+            <a:pPr marL="0" indent="0" fontAlgn="base">
+              <a:lnSpc>
+                <a:spcPct val="100000"/>
+              </a:lnSpc>
+              <a:spcBef>
+                <a:spcPct val="0"/>
+              </a:spcBef>
+              <a:spcAft>
+                <a:spcPct val="0"/>
+              </a:spcAft>
+              <a:buNone/>
+            </a:pPr>
+            <a:r>
+              <a:rPr lang="en-US" sz="2800" b="1" dirty="0">
+                <a:solidFill>
+                  <a:schemeClr val="tx2"/>
+                </a:solidFill>
+              </a:rPr>
+              <a:t>List</a:t>
+            </a:r>
+            <a:r>
+              <a:rPr lang="en-US" sz="2800" dirty="0">
+                <a:solidFill>
+                  <a:schemeClr val="tx2"/>
+                </a:solidFill>
+              </a:rPr>
+              <a:t> </a:t>
+            </a:r>
+            <a:r>
+              <a:rPr lang="en-US" sz="2800" dirty="0" err="1" smtClean="0">
+                <a:solidFill>
+                  <a:schemeClr val="tx2"/>
+                </a:solidFill>
+              </a:rPr>
+              <a:t>SatelliteInTimeSlot</a:t>
+            </a:r>
+            <a:r>
+              <a:rPr lang="en-US" sz="2800" i="1" dirty="0" smtClean="0">
+                <a:solidFill>
+                  <a:schemeClr val="tx2"/>
+                </a:solidFill>
+              </a:rPr>
+              <a:t>{ </a:t>
+            </a:r>
+            <a:r>
+              <a:rPr lang="en-US" sz="2800" i="1" dirty="0" err="1" smtClean="0">
+                <a:solidFill>
+                  <a:schemeClr val="tx2"/>
+                </a:solidFill>
+              </a:rPr>
+              <a:t>tarif</a:t>
+            </a:r>
+            <a:r>
+              <a:rPr lang="en-US" sz="2800" i="1" dirty="0" smtClean="0">
+                <a:solidFill>
+                  <a:schemeClr val="tx2"/>
+                </a:solidFill>
+              </a:rPr>
+              <a:t>, </a:t>
+            </a:r>
+            <a:r>
+              <a:rPr lang="en-US" sz="2800" i="1" dirty="0" smtClean="0">
+                <a:solidFill>
+                  <a:schemeClr val="tx2"/>
+                </a:solidFill>
+              </a:rPr>
+              <a:t>capacity</a:t>
+            </a:r>
+            <a:r>
+              <a:rPr lang="en-US" sz="2800" dirty="0" smtClean="0">
+                <a:solidFill>
+                  <a:schemeClr val="tx2"/>
+                </a:solidFill>
+              </a:rPr>
+              <a:t>}</a:t>
+            </a:r>
+            <a:endParaRPr lang="en-US" sz="2800" dirty="0" smtClean="0">
+              <a:solidFill>
+                <a:schemeClr val="tx2"/>
+              </a:solidFill>
+            </a:endParaRPr>
+          </a:p>
+          <a:p>
+            <a:pPr marL="0" indent="0" fontAlgn="base">
+              <a:lnSpc>
+                <a:spcPct val="100000"/>
+              </a:lnSpc>
+              <a:spcBef>
+                <a:spcPct val="0"/>
+              </a:spcBef>
+              <a:spcAft>
+                <a:spcPct val="0"/>
+              </a:spcAft>
+              <a:buNone/>
+            </a:pPr>
+            <a:r>
+              <a:rPr lang="en-US" sz="2800" b="1" dirty="0" smtClean="0">
+                <a:solidFill>
+                  <a:schemeClr val="tx2"/>
+                </a:solidFill>
+              </a:rPr>
+              <a:t>Integer</a:t>
+            </a:r>
+            <a:r>
+              <a:rPr lang="en-US" sz="2800" dirty="0" smtClean="0">
+                <a:solidFill>
+                  <a:schemeClr val="tx2"/>
+                </a:solidFill>
+              </a:rPr>
+              <a:t> </a:t>
+            </a:r>
+            <a:r>
+              <a:rPr lang="en-US" sz="2800" dirty="0" smtClean="0">
+                <a:solidFill>
+                  <a:schemeClr val="tx2"/>
+                </a:solidFill>
+              </a:rPr>
+              <a:t>timeslots</a:t>
+            </a:r>
+          </a:p>
+          <a:p>
+            <a:pPr marL="0" indent="0" fontAlgn="base">
+              <a:lnSpc>
+                <a:spcPct val="100000"/>
+              </a:lnSpc>
+              <a:spcBef>
+                <a:spcPct val="0"/>
+              </a:spcBef>
+              <a:spcAft>
+                <a:spcPct val="0"/>
+              </a:spcAft>
+              <a:buNone/>
+            </a:pPr>
+            <a:r>
+              <a:rPr lang="en-US" sz="2800" b="1" dirty="0">
+                <a:solidFill>
+                  <a:schemeClr val="tx2"/>
+                </a:solidFill>
+              </a:rPr>
+              <a:t>Integer</a:t>
+            </a:r>
+            <a:r>
+              <a:rPr lang="en-US" sz="2800" dirty="0" smtClean="0">
+                <a:solidFill>
+                  <a:schemeClr val="tx2"/>
+                </a:solidFill>
+              </a:rPr>
+              <a:t> </a:t>
+            </a:r>
+            <a:r>
+              <a:rPr lang="es-ES" sz="2800" dirty="0" err="1">
+                <a:solidFill>
+                  <a:schemeClr val="tx2"/>
+                </a:solidFill>
+              </a:rPr>
+              <a:t>expressCost</a:t>
+            </a:r>
+            <a:endParaRPr lang="en-US" sz="2800" dirty="0" smtClean="0">
+              <a:solidFill>
+                <a:schemeClr val="tx2"/>
+              </a:solidFill>
+            </a:endParaRPr>
+          </a:p>
+          <a:p>
+            <a:pPr marL="0" indent="0" fontAlgn="base">
+              <a:lnSpc>
+                <a:spcPct val="100000"/>
+              </a:lnSpc>
+              <a:spcBef>
+                <a:spcPct val="0"/>
+              </a:spcBef>
+              <a:spcAft>
+                <a:spcPct val="0"/>
+              </a:spcAft>
+              <a:buNone/>
+            </a:pPr>
+            <a:endParaRPr lang="en-US" sz="2800" dirty="0" smtClean="0">
+              <a:solidFill>
+                <a:schemeClr val="tx2"/>
+              </a:solidFill>
+            </a:endParaRPr>
+          </a:p>
+          <a:p>
+            <a:pPr marL="0" indent="0" fontAlgn="base">
+              <a:lnSpc>
+                <a:spcPct val="100000"/>
+              </a:lnSpc>
+              <a:spcBef>
+                <a:spcPct val="0"/>
+              </a:spcBef>
+              <a:spcAft>
+                <a:spcPct val="0"/>
+              </a:spcAft>
+              <a:buNone/>
+            </a:pPr>
+            <a:endParaRPr lang="en-US" sz="2800" b="1" dirty="0" smtClean="0">
+              <a:solidFill>
+                <a:schemeClr val="tx2"/>
+              </a:solidFill>
+            </a:endParaRPr>
+          </a:p>
+          <a:p>
+            <a:pPr marL="0" indent="0" fontAlgn="base">
+              <a:lnSpc>
+                <a:spcPct val="100000"/>
+              </a:lnSpc>
+              <a:spcBef>
+                <a:spcPct val="0"/>
+              </a:spcBef>
+              <a:spcAft>
+                <a:spcPct val="0"/>
+              </a:spcAft>
+              <a:buNone/>
+            </a:pPr>
+            <a:r>
+              <a:rPr lang="en-US" sz="2800" b="1" dirty="0" smtClean="0">
+                <a:solidFill>
+                  <a:schemeClr val="tx2"/>
+                </a:solidFill>
+              </a:rPr>
+              <a:t>Integer</a:t>
+            </a:r>
+            <a:r>
+              <a:rPr lang="en-US" sz="2800" dirty="0" smtClean="0">
+                <a:solidFill>
+                  <a:schemeClr val="tx2"/>
+                </a:solidFill>
+              </a:rPr>
+              <a:t> </a:t>
+            </a:r>
+            <a:r>
+              <a:rPr lang="en-US" sz="2800" dirty="0" err="1" smtClean="0">
+                <a:solidFill>
+                  <a:schemeClr val="tx2"/>
+                </a:solidFill>
+              </a:rPr>
+              <a:t>resultMin</a:t>
+            </a:r>
+            <a:r>
+              <a:rPr lang="en-US" sz="2800" dirty="0" smtClean="0">
+                <a:solidFill>
+                  <a:schemeClr val="tx2"/>
+                </a:solidFill>
+              </a:rPr>
+              <a:t> = 0</a:t>
+            </a:r>
+            <a:endParaRPr lang="en-US" sz="2800" dirty="0">
+              <a:solidFill>
+                <a:schemeClr val="tx2"/>
+              </a:solidFill>
+            </a:endParaRPr>
+          </a:p>
+          <a:p>
+            <a:pPr marL="0" indent="0" fontAlgn="base">
+              <a:lnSpc>
+                <a:spcPct val="100000"/>
+              </a:lnSpc>
+              <a:spcBef>
+                <a:spcPct val="0"/>
+              </a:spcBef>
+              <a:spcAft>
+                <a:spcPct val="0"/>
+              </a:spcAft>
+              <a:buNone/>
+            </a:pPr>
+            <a:endParaRPr lang="en-US" sz="2800" dirty="0" smtClean="0">
+              <a:solidFill>
+                <a:schemeClr val="tx2"/>
+              </a:solidFill>
+            </a:endParaRPr>
+          </a:p>
+          <a:p>
+            <a:pPr marL="0" indent="0" fontAlgn="base">
+              <a:lnSpc>
+                <a:spcPct val="100000"/>
+              </a:lnSpc>
+              <a:spcBef>
+                <a:spcPct val="0"/>
+              </a:spcBef>
+              <a:spcAft>
+                <a:spcPct val="0"/>
+              </a:spcAft>
+              <a:buNone/>
+            </a:pPr>
+            <a:endParaRPr lang="en-US" sz="1800" b="1" dirty="0" smtClean="0">
+              <a:solidFill>
+                <a:schemeClr val="tx2"/>
+              </a:solidFill>
+            </a:endParaRPr>
+          </a:p>
+          <a:p>
+            <a:pPr marL="0" indent="0" fontAlgn="base">
+              <a:lnSpc>
+                <a:spcPct val="100000"/>
+              </a:lnSpc>
+              <a:spcBef>
+                <a:spcPct val="0"/>
+              </a:spcBef>
+              <a:spcAft>
+                <a:spcPct val="0"/>
+              </a:spcAft>
+              <a:buNone/>
+            </a:pPr>
+            <a:endParaRPr lang="en-US" sz="1800" b="1" dirty="0" smtClean="0">
+              <a:solidFill>
+                <a:schemeClr val="tx2"/>
+              </a:solidFill>
+            </a:endParaRPr>
+          </a:p>
+          <a:p>
+            <a:pPr marL="0" indent="0" fontAlgn="base">
+              <a:lnSpc>
+                <a:spcPct val="100000"/>
+              </a:lnSpc>
+              <a:spcBef>
+                <a:spcPct val="0"/>
+              </a:spcBef>
+              <a:spcAft>
+                <a:spcPct val="0"/>
+              </a:spcAft>
+              <a:buNone/>
+            </a:pPr>
+            <a:endParaRPr lang="en-US" sz="1800" dirty="0">
+              <a:solidFill>
+                <a:schemeClr val="tx2"/>
+              </a:solidFill>
+            </a:endParaRPr>
+          </a:p>
+          <a:p>
+            <a:pPr marL="0" indent="0" fontAlgn="base">
+              <a:lnSpc>
+                <a:spcPct val="100000"/>
+              </a:lnSpc>
+              <a:spcBef>
+                <a:spcPct val="0"/>
+              </a:spcBef>
+              <a:spcAft>
+                <a:spcPct val="0"/>
+              </a:spcAft>
+              <a:buNone/>
+            </a:pPr>
+            <a:endParaRPr lang="en-US" sz="1800" dirty="0" smtClean="0">
+              <a:solidFill>
+                <a:schemeClr val="tx2"/>
+              </a:solidFill>
+            </a:endParaRPr>
+          </a:p>
+          <a:p>
+            <a:pPr marL="0" indent="0" fontAlgn="base">
+              <a:lnSpc>
+                <a:spcPct val="100000"/>
+              </a:lnSpc>
+              <a:spcBef>
+                <a:spcPct val="0"/>
+              </a:spcBef>
+              <a:spcAft>
+                <a:spcPct val="0"/>
+              </a:spcAft>
+              <a:buNone/>
+            </a:pPr>
+            <a:endParaRPr lang="en-US" sz="1800" dirty="0">
+              <a:solidFill>
+                <a:schemeClr val="tx2"/>
+              </a:solidFill>
+            </a:endParaRPr>
+          </a:p>
+          <a:p>
+            <a:pPr marL="0" indent="0">
+              <a:lnSpc>
+                <a:spcPct val="100000"/>
+              </a:lnSpc>
+              <a:buNone/>
+            </a:pPr>
+            <a:endParaRPr lang="es-US" kern="0" dirty="0" smtClean="0">
+              <a:solidFill>
+                <a:schemeClr val="tx1">
+                  <a:lumMod val="65000"/>
+                  <a:lumOff val="35000"/>
+                </a:schemeClr>
+              </a:solidFill>
+            </a:endParaRPr>
+          </a:p>
+          <a:p>
+            <a:pPr marL="0" indent="0">
+              <a:lnSpc>
+                <a:spcPct val="100000"/>
+              </a:lnSpc>
+              <a:buNone/>
+            </a:pPr>
+            <a:endParaRPr lang="es-US" kern="0" dirty="0" smtClean="0">
+              <a:solidFill>
+                <a:schemeClr val="tx1">
+                  <a:lumMod val="65000"/>
+                  <a:lumOff val="35000"/>
+                </a:schemeClr>
+              </a:solidFill>
+            </a:endParaRPr>
+          </a:p>
+        </p:txBody>
+      </p:sp>
+      <p:sp>
+        <p:nvSpPr>
+          <p:cNvPr id="6" name="CuadroTexto 5"/>
+          <p:cNvSpPr txBox="1"/>
+          <p:nvPr/>
+        </p:nvSpPr>
+        <p:spPr>
+          <a:xfrm>
+            <a:off x="565642" y="1720956"/>
+            <a:ext cx="803030" cy="369332"/>
+          </a:xfrm>
+          <a:prstGeom prst="rect">
+            <a:avLst/>
+          </a:prstGeom>
+          <a:noFill/>
+        </p:spPr>
+        <p:txBody>
+          <a:bodyPr wrap="square" rtlCol="0">
+            <a:spAutoFit/>
+          </a:bodyPr>
+          <a:lstStyle/>
+          <a:p>
+            <a:r>
+              <a:rPr lang="en-US" dirty="0" smtClean="0"/>
+              <a:t>Input:</a:t>
+            </a:r>
+            <a:endParaRPr lang="es-ES" dirty="0"/>
+          </a:p>
+        </p:txBody>
+      </p:sp>
+      <p:sp>
+        <p:nvSpPr>
+          <p:cNvPr id="7" name="CuadroTexto 6"/>
+          <p:cNvSpPr txBox="1"/>
+          <p:nvPr/>
+        </p:nvSpPr>
+        <p:spPr>
+          <a:xfrm>
+            <a:off x="398854" y="4671563"/>
+            <a:ext cx="969818" cy="369332"/>
+          </a:xfrm>
+          <a:prstGeom prst="rect">
+            <a:avLst/>
+          </a:prstGeom>
+          <a:noFill/>
+        </p:spPr>
+        <p:txBody>
+          <a:bodyPr wrap="square" rtlCol="0">
+            <a:spAutoFit/>
+          </a:bodyPr>
+          <a:lstStyle/>
+          <a:p>
+            <a:r>
+              <a:rPr lang="en-US" dirty="0" smtClean="0"/>
+              <a:t>Output:</a:t>
+            </a:r>
+            <a:endParaRPr lang="es-ES" dirty="0"/>
+          </a:p>
+        </p:txBody>
+      </p:sp>
     </p:spTree>
     <p:extLst>
       <p:ext uri="{BB962C8B-B14F-4D97-AF65-F5344CB8AC3E}">
-        <p14:creationId xmlns:p14="http://schemas.microsoft.com/office/powerpoint/2010/main" val="3683544629"/>
+        <p14:creationId xmlns:p14="http://schemas.microsoft.com/office/powerpoint/2010/main" val="3197023440"/>
       </p:ext>
     </p:extLst>
   </p:cSld>
@@ -21348,6 +22135,13 @@
       </p:transition>
     </mc:Fallback>
   </mc:AlternateContent>
+  <p:timing>
+    <p:tnLst>
+      <p:par>
+        <p:cTn id="1" dur="indefinite" restart="never" nodeType="tmRoot"/>
+      </p:par>
+    </p:tnLst>
+  </p:timing>
 </p:sld>
 </file>
 
@@ -21383,11 +22177,16 @@
           <a:bodyPr rtlCol="0"/>
           <a:lstStyle/>
           <a:p>
-            <a:pPr algn="ctr" rtl="0"/>
+            <a:pPr algn="ctr"/>
             <a:r>
               <a:rPr lang="es-ES" dirty="0"/>
-              <a:t>SOLUTION</a:t>
-            </a:r>
+              <a:t>GREEDY </a:t>
+            </a:r>
+            <a:r>
+              <a:rPr lang="es-ES" dirty="0" smtClean="0"/>
+              <a:t>SOLUTION DESCRIPTION</a:t>
+            </a:r>
+            <a:endParaRPr lang="es-ES" dirty="0"/>
           </a:p>
         </p:txBody>
       </p:sp>
@@ -21396,7 +22195,7 @@
           <p:cNvPr id="3" name="Picture 2">
             <a:extLst>
               <a:ext uri="{FF2B5EF4-FFF2-40B4-BE49-F238E27FC236}">
-                <a16:creationId xmlns:a16="http://schemas.microsoft.com/office/drawing/2014/main" id="{304C4AEC-90B4-4651-8EA9-586BBBC71D25}"/>
+                <a16:creationId xmlns="" xmlns:a16="http://schemas.microsoft.com/office/drawing/2014/main" id="{304C4AEC-90B4-4651-8EA9-586BBBC71D25}"/>
               </a:ext>
             </a:extLst>
           </p:cNvPr>
@@ -21426,7 +22225,7 @@
           <p:cNvPr id="4" name="Picture 3">
             <a:extLst>
               <a:ext uri="{FF2B5EF4-FFF2-40B4-BE49-F238E27FC236}">
-                <a16:creationId xmlns:a16="http://schemas.microsoft.com/office/drawing/2014/main" id="{38E9B1B2-2E5C-4EFA-9637-B588F04E1B79}"/>
+                <a16:creationId xmlns="" xmlns:a16="http://schemas.microsoft.com/office/drawing/2014/main" id="{38E9B1B2-2E5C-4EFA-9637-B588F04E1B79}"/>
               </a:ext>
             </a:extLst>
           </p:cNvPr>
@@ -21451,10 +22250,2630 @@
           </a:prstGeom>
         </p:spPr>
       </p:pic>
+      <p:sp>
+        <p:nvSpPr>
+          <p:cNvPr id="5" name="Marcador de posición de contenido 13"/>
+          <p:cNvSpPr>
+            <a:spLocks noGrp="1"/>
+          </p:cNvSpPr>
+          <p:nvPr>
+            <p:ph idx="1"/>
+          </p:nvPr>
+        </p:nvSpPr>
+        <p:spPr>
+          <a:xfrm>
+            <a:off x="1104900" y="1468315"/>
+            <a:ext cx="9982200" cy="4703885"/>
+          </a:xfrm>
+        </p:spPr>
+        <p:txBody>
+          <a:bodyPr rtlCol="0">
+            <a:normAutofit/>
+          </a:bodyPr>
+          <a:lstStyle/>
+          <a:p>
+            <a:pPr marL="0" indent="0" fontAlgn="base">
+              <a:lnSpc>
+                <a:spcPct val="100000"/>
+              </a:lnSpc>
+              <a:spcBef>
+                <a:spcPct val="0"/>
+              </a:spcBef>
+              <a:spcAft>
+                <a:spcPct val="0"/>
+              </a:spcAft>
+              <a:buNone/>
+            </a:pPr>
+            <a:r>
+              <a:rPr lang="en-US" b="1" dirty="0" smtClean="0">
+                <a:solidFill>
+                  <a:schemeClr val="tx2"/>
+                </a:solidFill>
+              </a:rPr>
+              <a:t>Begin</a:t>
+            </a:r>
+            <a:endParaRPr lang="en-US" b="1" dirty="0" smtClean="0">
+              <a:solidFill>
+                <a:schemeClr val="tx2"/>
+              </a:solidFill>
+            </a:endParaRPr>
+          </a:p>
+          <a:p>
+            <a:pPr marL="0" indent="0" fontAlgn="base">
+              <a:lnSpc>
+                <a:spcPct val="100000"/>
+              </a:lnSpc>
+              <a:spcBef>
+                <a:spcPct val="0"/>
+              </a:spcBef>
+              <a:spcAft>
+                <a:spcPct val="0"/>
+              </a:spcAft>
+              <a:buNone/>
+            </a:pPr>
+            <a:r>
+              <a:rPr lang="en-US" b="1" dirty="0">
+                <a:solidFill>
+                  <a:schemeClr val="tx2"/>
+                </a:solidFill>
+              </a:rPr>
+              <a:t>order</a:t>
+            </a:r>
+            <a:r>
+              <a:rPr lang="en-US" dirty="0">
+                <a:solidFill>
+                  <a:schemeClr val="tx2"/>
+                </a:solidFill>
+              </a:rPr>
+              <a:t> </a:t>
+            </a:r>
+            <a:r>
+              <a:rPr lang="en-US" dirty="0" smtClean="0">
+                <a:solidFill>
+                  <a:schemeClr val="tx2"/>
+                </a:solidFill>
+              </a:rPr>
+              <a:t>Orders </a:t>
+            </a:r>
+            <a:r>
+              <a:rPr lang="en-US" b="1" dirty="0" smtClean="0">
+                <a:solidFill>
+                  <a:schemeClr val="tx2"/>
+                </a:solidFill>
+              </a:rPr>
+              <a:t>List</a:t>
+            </a:r>
+            <a:r>
+              <a:rPr lang="en-US" dirty="0" smtClean="0">
+                <a:solidFill>
+                  <a:schemeClr val="tx2"/>
+                </a:solidFill>
+              </a:rPr>
+              <a:t> </a:t>
+            </a:r>
+            <a:r>
+              <a:rPr lang="en-US" dirty="0" smtClean="0">
+                <a:solidFill>
+                  <a:schemeClr val="tx2"/>
+                </a:solidFill>
+              </a:rPr>
+              <a:t>by </a:t>
+            </a:r>
+            <a:r>
+              <a:rPr lang="en-US" dirty="0">
+                <a:solidFill>
+                  <a:schemeClr val="tx2"/>
+                </a:solidFill>
+              </a:rPr>
+              <a:t>demand </a:t>
+            </a:r>
+            <a:r>
+              <a:rPr lang="en-US" b="1" dirty="0">
+                <a:solidFill>
+                  <a:schemeClr val="tx2"/>
+                </a:solidFill>
+              </a:rPr>
+              <a:t>DESC</a:t>
+            </a:r>
+          </a:p>
+          <a:p>
+            <a:pPr marL="0" indent="0" fontAlgn="base">
+              <a:lnSpc>
+                <a:spcPct val="100000"/>
+              </a:lnSpc>
+              <a:spcBef>
+                <a:spcPct val="0"/>
+              </a:spcBef>
+              <a:spcAft>
+                <a:spcPct val="0"/>
+              </a:spcAft>
+              <a:buNone/>
+            </a:pPr>
+            <a:endParaRPr lang="en-US" b="1" dirty="0">
+              <a:solidFill>
+                <a:schemeClr val="tx2"/>
+              </a:solidFill>
+            </a:endParaRPr>
+          </a:p>
+          <a:p>
+            <a:pPr marL="0" indent="0" fontAlgn="base">
+              <a:lnSpc>
+                <a:spcPct val="100000"/>
+              </a:lnSpc>
+              <a:spcBef>
+                <a:spcPct val="0"/>
+              </a:spcBef>
+              <a:spcAft>
+                <a:spcPct val="0"/>
+              </a:spcAft>
+              <a:buNone/>
+            </a:pPr>
+            <a:r>
+              <a:rPr lang="en-US" b="1" dirty="0">
+                <a:solidFill>
+                  <a:schemeClr val="tx2"/>
+                </a:solidFill>
+              </a:rPr>
+              <a:t>c</a:t>
+            </a:r>
+            <a:r>
+              <a:rPr lang="en-US" b="1" dirty="0" smtClean="0">
+                <a:solidFill>
+                  <a:schemeClr val="tx2"/>
+                </a:solidFill>
+              </a:rPr>
+              <a:t>reate List</a:t>
+            </a:r>
+            <a:r>
+              <a:rPr lang="en-US" dirty="0" smtClean="0">
+                <a:solidFill>
+                  <a:schemeClr val="tx2"/>
+                </a:solidFill>
+              </a:rPr>
+              <a:t> </a:t>
+            </a:r>
+            <a:r>
+              <a:rPr lang="en-US" dirty="0" err="1" smtClean="0">
+                <a:solidFill>
+                  <a:schemeClr val="tx2"/>
+                </a:solidFill>
+              </a:rPr>
+              <a:t>timeSlotOrdered</a:t>
+            </a:r>
+            <a:r>
+              <a:rPr lang="en-US" dirty="0" smtClean="0">
+                <a:solidFill>
+                  <a:schemeClr val="tx2"/>
+                </a:solidFill>
+              </a:rPr>
+              <a:t>{time, value}</a:t>
+            </a:r>
+            <a:r>
+              <a:rPr lang="en-US" dirty="0" smtClean="0">
+                <a:solidFill>
+                  <a:schemeClr val="tx2"/>
+                </a:solidFill>
+              </a:rPr>
+              <a:t>:</a:t>
+            </a:r>
+            <a:r>
+              <a:rPr lang="en-US" dirty="0" smtClean="0">
+                <a:solidFill>
+                  <a:schemeClr val="tx2"/>
+                </a:solidFill>
+              </a:rPr>
+              <a:t> </a:t>
+            </a:r>
+            <a:r>
+              <a:rPr lang="en-US" dirty="0" smtClean="0">
+                <a:solidFill>
+                  <a:schemeClr val="tx2"/>
+                </a:solidFill>
+              </a:rPr>
+              <a:t>ordered </a:t>
+            </a:r>
+            <a:r>
+              <a:rPr lang="en-US" b="1" dirty="0" smtClean="0">
+                <a:solidFill>
+                  <a:schemeClr val="tx2"/>
+                </a:solidFill>
+              </a:rPr>
+              <a:t>ASC</a:t>
+            </a:r>
+            <a:r>
+              <a:rPr lang="en-US" dirty="0" smtClean="0">
+                <a:solidFill>
+                  <a:schemeClr val="tx2"/>
+                </a:solidFill>
+              </a:rPr>
+              <a:t> </a:t>
+            </a:r>
+            <a:r>
+              <a:rPr lang="en-US" dirty="0" smtClean="0">
+                <a:solidFill>
+                  <a:schemeClr val="tx2"/>
+                </a:solidFill>
+              </a:rPr>
+              <a:t>by sum </a:t>
+            </a:r>
+            <a:r>
+              <a:rPr lang="en-US" dirty="0">
+                <a:solidFill>
+                  <a:schemeClr val="tx2"/>
+                </a:solidFill>
+              </a:rPr>
+              <a:t>of cost by stop of the </a:t>
+            </a:r>
+            <a:r>
+              <a:rPr lang="en-US" dirty="0" smtClean="0">
+                <a:solidFill>
+                  <a:schemeClr val="tx2"/>
+                </a:solidFill>
+              </a:rPr>
+              <a:t>vehicles group by </a:t>
+            </a:r>
+            <a:r>
+              <a:rPr lang="en-US" dirty="0" err="1" smtClean="0">
+                <a:solidFill>
+                  <a:schemeClr val="tx2"/>
+                </a:solidFill>
+              </a:rPr>
+              <a:t>TimeSlot</a:t>
+            </a:r>
+            <a:endParaRPr lang="en-US" dirty="0" smtClean="0">
+              <a:solidFill>
+                <a:schemeClr val="tx2"/>
+              </a:solidFill>
+            </a:endParaRPr>
+          </a:p>
+          <a:p>
+            <a:pPr marL="0" indent="0" fontAlgn="base">
+              <a:lnSpc>
+                <a:spcPct val="100000"/>
+              </a:lnSpc>
+              <a:spcBef>
+                <a:spcPct val="0"/>
+              </a:spcBef>
+              <a:spcAft>
+                <a:spcPct val="0"/>
+              </a:spcAft>
+              <a:buNone/>
+            </a:pPr>
+            <a:endParaRPr lang="en-US" b="1" dirty="0" smtClean="0">
+              <a:solidFill>
+                <a:schemeClr val="tx2"/>
+              </a:solidFill>
+            </a:endParaRPr>
+          </a:p>
+          <a:p>
+            <a:pPr marL="0" indent="0" fontAlgn="base">
+              <a:lnSpc>
+                <a:spcPct val="100000"/>
+              </a:lnSpc>
+              <a:spcBef>
+                <a:spcPct val="0"/>
+              </a:spcBef>
+              <a:spcAft>
+                <a:spcPct val="0"/>
+              </a:spcAft>
+              <a:buNone/>
+            </a:pPr>
+            <a:r>
+              <a:rPr lang="en-US" b="1" dirty="0">
+                <a:solidFill>
+                  <a:schemeClr val="tx2"/>
+                </a:solidFill>
+              </a:rPr>
+              <a:t>order</a:t>
+            </a:r>
+            <a:r>
+              <a:rPr lang="en-US" dirty="0">
+                <a:solidFill>
+                  <a:schemeClr val="tx2"/>
+                </a:solidFill>
+              </a:rPr>
+              <a:t> Vehicles </a:t>
+            </a:r>
+            <a:r>
+              <a:rPr lang="en-US" dirty="0" smtClean="0">
+                <a:solidFill>
+                  <a:schemeClr val="tx2"/>
+                </a:solidFill>
+              </a:rPr>
+              <a:t>by{</a:t>
+            </a:r>
+            <a:endParaRPr lang="en-US" dirty="0" smtClean="0">
+              <a:solidFill>
+                <a:schemeClr val="tx2"/>
+              </a:solidFill>
+            </a:endParaRPr>
+          </a:p>
+          <a:p>
+            <a:pPr marL="0" indent="0" fontAlgn="base">
+              <a:lnSpc>
+                <a:spcPct val="100000"/>
+              </a:lnSpc>
+              <a:spcBef>
+                <a:spcPct val="0"/>
+              </a:spcBef>
+              <a:spcAft>
+                <a:spcPct val="0"/>
+              </a:spcAft>
+              <a:buNone/>
+            </a:pPr>
+            <a:r>
+              <a:rPr lang="en-US" dirty="0" err="1" smtClean="0">
+                <a:solidFill>
+                  <a:schemeClr val="tx2"/>
+                </a:solidFill>
+              </a:rPr>
+              <a:t>CostByStop</a:t>
+            </a:r>
+            <a:r>
+              <a:rPr lang="en-US" dirty="0" smtClean="0">
+                <a:solidFill>
+                  <a:schemeClr val="tx2"/>
+                </a:solidFill>
+              </a:rPr>
+              <a:t>(</a:t>
+            </a:r>
+            <a:r>
+              <a:rPr lang="en-US" dirty="0" err="1" smtClean="0">
+                <a:solidFill>
+                  <a:schemeClr val="tx2"/>
+                </a:solidFill>
+              </a:rPr>
+              <a:t>timeSlotOrdered</a:t>
+            </a:r>
+            <a:r>
+              <a:rPr lang="en-US" dirty="0" smtClean="0">
+                <a:solidFill>
+                  <a:schemeClr val="tx2"/>
+                </a:solidFill>
+              </a:rPr>
+              <a:t>(0)) </a:t>
+            </a:r>
+            <a:r>
+              <a:rPr lang="en-US" b="1" dirty="0" smtClean="0">
+                <a:solidFill>
+                  <a:schemeClr val="tx2"/>
+                </a:solidFill>
+              </a:rPr>
+              <a:t>ASC</a:t>
+            </a:r>
+          </a:p>
+          <a:p>
+            <a:pPr marL="0" indent="0" fontAlgn="base">
+              <a:lnSpc>
+                <a:spcPct val="100000"/>
+              </a:lnSpc>
+              <a:spcBef>
+                <a:spcPct val="0"/>
+              </a:spcBef>
+              <a:spcAft>
+                <a:spcPct val="0"/>
+              </a:spcAft>
+              <a:buNone/>
+            </a:pPr>
+            <a:r>
+              <a:rPr lang="en-US" dirty="0" err="1" smtClean="0">
+                <a:solidFill>
+                  <a:schemeClr val="tx2"/>
+                </a:solidFill>
+              </a:rPr>
+              <a:t>VehicleType.</a:t>
+            </a:r>
+            <a:r>
+              <a:rPr lang="en-US" i="1" dirty="0" err="1" smtClean="0">
+                <a:solidFill>
+                  <a:schemeClr val="tx2"/>
+                </a:solidFill>
+              </a:rPr>
+              <a:t>volume</a:t>
+            </a:r>
+            <a:r>
+              <a:rPr lang="en-US" i="1" dirty="0" smtClean="0">
+                <a:solidFill>
+                  <a:schemeClr val="tx2"/>
+                </a:solidFill>
+              </a:rPr>
+              <a:t> / </a:t>
+            </a:r>
+            <a:r>
+              <a:rPr lang="en-US" dirty="0" err="1" smtClean="0">
+                <a:solidFill>
+                  <a:schemeClr val="tx2"/>
+                </a:solidFill>
+              </a:rPr>
+              <a:t>VehicleType.</a:t>
+            </a:r>
+            <a:r>
+              <a:rPr lang="en-US" i="1" dirty="0" err="1" smtClean="0">
+                <a:solidFill>
+                  <a:schemeClr val="tx2"/>
+                </a:solidFill>
+              </a:rPr>
+              <a:t>cost</a:t>
+            </a:r>
+            <a:r>
+              <a:rPr lang="en-US" b="1" dirty="0" smtClean="0">
+                <a:solidFill>
+                  <a:schemeClr val="tx2"/>
+                </a:solidFill>
+              </a:rPr>
+              <a:t> DESC</a:t>
+            </a:r>
+            <a:endParaRPr lang="en-US" b="1" dirty="0" smtClean="0">
+              <a:solidFill>
+                <a:schemeClr val="tx2"/>
+              </a:solidFill>
+            </a:endParaRPr>
+          </a:p>
+          <a:p>
+            <a:pPr marL="0" indent="0" fontAlgn="base">
+              <a:lnSpc>
+                <a:spcPct val="100000"/>
+              </a:lnSpc>
+              <a:spcBef>
+                <a:spcPct val="0"/>
+              </a:spcBef>
+              <a:spcAft>
+                <a:spcPct val="0"/>
+              </a:spcAft>
+              <a:buNone/>
+            </a:pPr>
+            <a:r>
+              <a:rPr lang="en-US" dirty="0" err="1" smtClean="0">
+                <a:solidFill>
+                  <a:schemeClr val="tx2"/>
+                </a:solidFill>
+              </a:rPr>
+              <a:t>CostByStop</a:t>
+            </a:r>
+            <a:r>
+              <a:rPr lang="en-US" dirty="0" smtClean="0">
+                <a:solidFill>
+                  <a:schemeClr val="tx2"/>
+                </a:solidFill>
+              </a:rPr>
+              <a:t>(</a:t>
+            </a:r>
+            <a:r>
+              <a:rPr lang="en-US" dirty="0" err="1" smtClean="0">
+                <a:solidFill>
+                  <a:schemeClr val="tx2"/>
+                </a:solidFill>
+              </a:rPr>
+              <a:t>timeSlotOrdered</a:t>
+            </a:r>
+            <a:r>
+              <a:rPr lang="en-US" dirty="0">
+                <a:solidFill>
+                  <a:schemeClr val="tx2"/>
+                </a:solidFill>
+              </a:rPr>
+              <a:t>(1.. timeslots)) </a:t>
+            </a:r>
+            <a:r>
+              <a:rPr lang="en-US" b="1" dirty="0">
+                <a:solidFill>
+                  <a:schemeClr val="tx2"/>
+                </a:solidFill>
+              </a:rPr>
+              <a:t>ASC</a:t>
+            </a:r>
+          </a:p>
+          <a:p>
+            <a:pPr marL="0" indent="0" fontAlgn="base">
+              <a:lnSpc>
+                <a:spcPct val="100000"/>
+              </a:lnSpc>
+              <a:spcBef>
+                <a:spcPct val="0"/>
+              </a:spcBef>
+              <a:spcAft>
+                <a:spcPct val="0"/>
+              </a:spcAft>
+              <a:buNone/>
+            </a:pPr>
+            <a:r>
+              <a:rPr lang="en-US" dirty="0">
+                <a:solidFill>
+                  <a:schemeClr val="tx2"/>
+                </a:solidFill>
+              </a:rPr>
+              <a:t>}</a:t>
+            </a:r>
+          </a:p>
+          <a:p>
+            <a:pPr marL="0" indent="0" fontAlgn="base">
+              <a:lnSpc>
+                <a:spcPct val="100000"/>
+              </a:lnSpc>
+              <a:spcBef>
+                <a:spcPct val="0"/>
+              </a:spcBef>
+              <a:spcAft>
+                <a:spcPct val="0"/>
+              </a:spcAft>
+              <a:buNone/>
+            </a:pPr>
+            <a:endParaRPr lang="en-US" b="1" dirty="0" smtClean="0">
+              <a:solidFill>
+                <a:schemeClr val="tx2"/>
+              </a:solidFill>
+            </a:endParaRPr>
+          </a:p>
+          <a:p>
+            <a:pPr marL="0" indent="0" fontAlgn="base">
+              <a:lnSpc>
+                <a:spcPct val="100000"/>
+              </a:lnSpc>
+              <a:spcBef>
+                <a:spcPct val="0"/>
+              </a:spcBef>
+              <a:spcAft>
+                <a:spcPct val="0"/>
+              </a:spcAft>
+              <a:buNone/>
+            </a:pPr>
+            <a:r>
+              <a:rPr lang="en-US" b="1" dirty="0">
+                <a:solidFill>
+                  <a:schemeClr val="tx2"/>
+                </a:solidFill>
+              </a:rPr>
+              <a:t>List</a:t>
+            </a:r>
+            <a:r>
+              <a:rPr lang="en-US" dirty="0">
+                <a:solidFill>
+                  <a:schemeClr val="tx2"/>
+                </a:solidFill>
+              </a:rPr>
+              <a:t> </a:t>
+            </a:r>
+            <a:r>
+              <a:rPr lang="en-US" dirty="0" err="1">
+                <a:solidFill>
+                  <a:schemeClr val="tx2"/>
+                </a:solidFill>
+              </a:rPr>
+              <a:t>demandInTimeSlot</a:t>
+            </a:r>
+            <a:r>
+              <a:rPr lang="en-US" dirty="0">
+                <a:solidFill>
+                  <a:schemeClr val="tx2"/>
+                </a:solidFill>
+              </a:rPr>
+              <a:t>   //for controller the constrain 2, satellite capacity by timeslot</a:t>
+            </a:r>
+          </a:p>
+          <a:p>
+            <a:pPr marL="0" indent="0" fontAlgn="base">
+              <a:lnSpc>
+                <a:spcPct val="100000"/>
+              </a:lnSpc>
+              <a:spcBef>
+                <a:spcPct val="0"/>
+              </a:spcBef>
+              <a:spcAft>
+                <a:spcPct val="0"/>
+              </a:spcAft>
+              <a:buNone/>
+            </a:pPr>
+            <a:r>
+              <a:rPr lang="en-US" b="1" dirty="0">
+                <a:solidFill>
+                  <a:schemeClr val="tx2"/>
+                </a:solidFill>
+              </a:rPr>
+              <a:t>List</a:t>
+            </a:r>
+            <a:r>
+              <a:rPr lang="en-US" dirty="0">
+                <a:solidFill>
+                  <a:schemeClr val="tx2"/>
+                </a:solidFill>
+              </a:rPr>
+              <a:t> </a:t>
+            </a:r>
+            <a:r>
+              <a:rPr lang="en-US" dirty="0" err="1">
+                <a:solidFill>
+                  <a:schemeClr val="tx2"/>
+                </a:solidFill>
+              </a:rPr>
+              <a:t>List</a:t>
+            </a:r>
+            <a:r>
+              <a:rPr lang="en-US" dirty="0">
+                <a:solidFill>
+                  <a:schemeClr val="tx2"/>
+                </a:solidFill>
+              </a:rPr>
+              <a:t> </a:t>
+            </a:r>
+            <a:r>
+              <a:rPr lang="en-US" dirty="0" err="1">
+                <a:solidFill>
+                  <a:schemeClr val="tx2"/>
+                </a:solidFill>
+              </a:rPr>
+              <a:t>usedCapacityVehicleInTime</a:t>
+            </a:r>
+            <a:r>
+              <a:rPr lang="en-US" dirty="0">
+                <a:solidFill>
+                  <a:schemeClr val="tx2"/>
+                </a:solidFill>
+              </a:rPr>
+              <a:t>   //for the constrain 3, vehicle capacity by timeslot</a:t>
+            </a:r>
+          </a:p>
+          <a:p>
+            <a:pPr marL="0" indent="0" fontAlgn="base">
+              <a:lnSpc>
+                <a:spcPct val="100000"/>
+              </a:lnSpc>
+              <a:spcBef>
+                <a:spcPct val="0"/>
+              </a:spcBef>
+              <a:spcAft>
+                <a:spcPct val="0"/>
+              </a:spcAft>
+              <a:buNone/>
+            </a:pPr>
+            <a:endParaRPr lang="en-US" sz="1800" dirty="0">
+              <a:solidFill>
+                <a:schemeClr val="tx2"/>
+              </a:solidFill>
+            </a:endParaRPr>
+          </a:p>
+          <a:p>
+            <a:pPr marL="0" indent="0" fontAlgn="base">
+              <a:lnSpc>
+                <a:spcPct val="100000"/>
+              </a:lnSpc>
+              <a:spcBef>
+                <a:spcPct val="0"/>
+              </a:spcBef>
+              <a:spcAft>
+                <a:spcPct val="0"/>
+              </a:spcAft>
+              <a:buNone/>
+            </a:pPr>
+            <a:endParaRPr lang="en-US" sz="1800" dirty="0" smtClean="0">
+              <a:solidFill>
+                <a:schemeClr val="tx2"/>
+              </a:solidFill>
+            </a:endParaRPr>
+          </a:p>
+          <a:p>
+            <a:pPr marL="0" indent="0" fontAlgn="base">
+              <a:lnSpc>
+                <a:spcPct val="100000"/>
+              </a:lnSpc>
+              <a:spcBef>
+                <a:spcPct val="0"/>
+              </a:spcBef>
+              <a:spcAft>
+                <a:spcPct val="0"/>
+              </a:spcAft>
+              <a:buNone/>
+            </a:pPr>
+            <a:endParaRPr lang="en-US" sz="1800" dirty="0">
+              <a:solidFill>
+                <a:schemeClr val="tx2"/>
+              </a:solidFill>
+            </a:endParaRPr>
+          </a:p>
+          <a:p>
+            <a:pPr marL="0" indent="0">
+              <a:lnSpc>
+                <a:spcPct val="100000"/>
+              </a:lnSpc>
+              <a:buNone/>
+            </a:pPr>
+            <a:endParaRPr lang="es-US" kern="0" dirty="0" smtClean="0">
+              <a:solidFill>
+                <a:schemeClr val="tx1">
+                  <a:lumMod val="65000"/>
+                  <a:lumOff val="35000"/>
+                </a:schemeClr>
+              </a:solidFill>
+            </a:endParaRPr>
+          </a:p>
+          <a:p>
+            <a:pPr marL="0" indent="0">
+              <a:lnSpc>
+                <a:spcPct val="100000"/>
+              </a:lnSpc>
+              <a:buNone/>
+            </a:pPr>
+            <a:endParaRPr lang="es-US" kern="0" dirty="0" smtClean="0">
+              <a:solidFill>
+                <a:schemeClr val="tx1">
+                  <a:lumMod val="65000"/>
+                  <a:lumOff val="35000"/>
+                </a:schemeClr>
+              </a:solidFill>
+            </a:endParaRPr>
+          </a:p>
+        </p:txBody>
+      </p:sp>
     </p:spTree>
     <p:extLst>
       <p:ext uri="{BB962C8B-B14F-4D97-AF65-F5344CB8AC3E}">
-        <p14:creationId xmlns:p14="http://schemas.microsoft.com/office/powerpoint/2010/main" val="3197023440"/>
+        <p14:creationId xmlns:p14="http://schemas.microsoft.com/office/powerpoint/2010/main" val="2969385224"/>
+      </p:ext>
+    </p:extLst>
+  </p:cSld>
+  <p:clrMapOvr>
+    <a:masterClrMapping/>
+  </p:clrMapOvr>
+  <mc:AlternateContent xmlns:mc="http://schemas.openxmlformats.org/markup-compatibility/2006">
+    <mc:Choice xmlns:p14="http://schemas.microsoft.com/office/powerpoint/2010/main" Requires="p14">
+      <p:transition spd="med" p14:dur="700">
+        <p:fade/>
+      </p:transition>
+    </mc:Choice>
+    <mc:Fallback>
+      <p:transition spd="med">
+        <p:fade/>
+      </p:transition>
+    </mc:Fallback>
+  </mc:AlternateContent>
+  <p:timing>
+    <p:tnLst>
+      <p:par>
+        <p:cTn id="1" dur="indefinite" restart="never" nodeType="tmRoot"/>
+      </p:par>
+    </p:tnLst>
+  </p:timing>
+</p:sld>
+</file>
+
+<file path=ppt/slides/slide8.xml><?xml version="1.0" encoding="utf-8"?>
+<p:sld xmlns:a="http://schemas.openxmlformats.org/drawingml/2006/main" xmlns:r="http://schemas.openxmlformats.org/officeDocument/2006/relationships" xmlns:p="http://schemas.openxmlformats.org/presentationml/2006/main">
+  <p:cSld>
+    <p:spTree>
+      <p:nvGrpSpPr>
+        <p:cNvPr id="1" name=""/>
+        <p:cNvGrpSpPr/>
+        <p:nvPr/>
+      </p:nvGrpSpPr>
+      <p:grpSpPr>
+        <a:xfrm>
+          <a:off x="0" y="0"/>
+          <a:ext cx="0" cy="0"/>
+          <a:chOff x="0" y="0"/>
+          <a:chExt cx="0" cy="0"/>
+        </a:xfrm>
+      </p:grpSpPr>
+      <p:sp>
+        <p:nvSpPr>
+          <p:cNvPr id="2" name="Título 1"/>
+          <p:cNvSpPr>
+            <a:spLocks noGrp="1"/>
+          </p:cNvSpPr>
+          <p:nvPr>
+            <p:ph type="title"/>
+          </p:nvPr>
+        </p:nvSpPr>
+        <p:spPr/>
+        <p:txBody>
+          <a:bodyPr rtlCol="0"/>
+          <a:lstStyle/>
+          <a:p>
+            <a:pPr algn="ctr"/>
+            <a:r>
+              <a:rPr lang="es-ES" dirty="0"/>
+              <a:t>GREEDY </a:t>
+            </a:r>
+            <a:r>
+              <a:rPr lang="es-ES" dirty="0" smtClean="0"/>
+              <a:t>SOLUTION </a:t>
+            </a:r>
+            <a:r>
+              <a:rPr lang="es-ES" dirty="0"/>
+              <a:t>DESCRIPTION</a:t>
+            </a:r>
+            <a:endParaRPr lang="es-ES" dirty="0"/>
+          </a:p>
+        </p:txBody>
+      </p:sp>
+      <p:pic>
+        <p:nvPicPr>
+          <p:cNvPr id="3" name="Picture 2">
+            <a:extLst>
+              <a:ext uri="{FF2B5EF4-FFF2-40B4-BE49-F238E27FC236}">
+                <a16:creationId xmlns="" xmlns:a16="http://schemas.microsoft.com/office/drawing/2014/main" id="{304C4AEC-90B4-4651-8EA9-586BBBC71D25}"/>
+              </a:ext>
+            </a:extLst>
+          </p:cNvPr>
+          <p:cNvPicPr>
+            <a:picLocks noChangeAspect="1"/>
+          </p:cNvPicPr>
+          <p:nvPr/>
+        </p:nvPicPr>
+        <p:blipFill>
+          <a:blip r:embed="rId3"/>
+          <a:stretch>
+            <a:fillRect/>
+          </a:stretch>
+        </p:blipFill>
+        <p:spPr>
+          <a:xfrm>
+            <a:off x="-76212" y="6335713"/>
+            <a:ext cx="12192000" cy="446087"/>
+          </a:xfrm>
+          <a:prstGeom prst="rect">
+            <a:avLst/>
+          </a:prstGeom>
+        </p:spPr>
+      </p:pic>
+      <p:pic>
+        <p:nvPicPr>
+          <p:cNvPr id="4" name="Picture 3">
+            <a:extLst>
+              <a:ext uri="{FF2B5EF4-FFF2-40B4-BE49-F238E27FC236}">
+                <a16:creationId xmlns="" xmlns:a16="http://schemas.microsoft.com/office/drawing/2014/main" id="{38E9B1B2-2E5C-4EFA-9637-B588F04E1B79}"/>
+              </a:ext>
+            </a:extLst>
+          </p:cNvPr>
+          <p:cNvPicPr>
+            <a:picLocks noChangeAspect="1"/>
+          </p:cNvPicPr>
+          <p:nvPr/>
+        </p:nvPicPr>
+        <p:blipFill>
+          <a:blip r:embed="rId3"/>
+          <a:stretch>
+            <a:fillRect/>
+          </a:stretch>
+        </p:blipFill>
+        <p:spPr>
+          <a:xfrm rot="10800000">
+            <a:off x="-759" y="0"/>
+            <a:ext cx="12192000" cy="446087"/>
+          </a:xfrm>
+          <a:prstGeom prst="rect">
+            <a:avLst/>
+          </a:prstGeom>
+        </p:spPr>
+      </p:pic>
+      <p:sp>
+        <p:nvSpPr>
+          <p:cNvPr id="9" name="Marcador de posición de contenido 13"/>
+          <p:cNvSpPr>
+            <a:spLocks noGrp="1"/>
+          </p:cNvSpPr>
+          <p:nvPr>
+            <p:ph idx="1"/>
+          </p:nvPr>
+        </p:nvSpPr>
+        <p:spPr>
+          <a:xfrm>
+            <a:off x="1104900" y="1485899"/>
+            <a:ext cx="9982200" cy="4849813"/>
+          </a:xfrm>
+        </p:spPr>
+        <p:txBody>
+          <a:bodyPr rtlCol="0">
+            <a:normAutofit fontScale="92500" lnSpcReduction="10000"/>
+          </a:bodyPr>
+          <a:lstStyle/>
+          <a:p>
+            <a:pPr marL="0" indent="0" fontAlgn="base">
+              <a:lnSpc>
+                <a:spcPct val="100000"/>
+              </a:lnSpc>
+              <a:spcBef>
+                <a:spcPct val="0"/>
+              </a:spcBef>
+              <a:spcAft>
+                <a:spcPct val="0"/>
+              </a:spcAft>
+              <a:buNone/>
+            </a:pPr>
+            <a:r>
+              <a:rPr lang="es-ES" sz="1700" b="1" dirty="0" err="1" smtClean="0">
+                <a:solidFill>
+                  <a:schemeClr val="tx2"/>
+                </a:solidFill>
+              </a:rPr>
+              <a:t>for</a:t>
+            </a:r>
+            <a:r>
+              <a:rPr lang="es-ES" sz="1700" b="1" dirty="0" smtClean="0">
+                <a:solidFill>
+                  <a:schemeClr val="tx2"/>
+                </a:solidFill>
+              </a:rPr>
+              <a:t> </a:t>
+            </a:r>
+            <a:r>
+              <a:rPr lang="es-ES" sz="1700" b="1" dirty="0" err="1" smtClean="0">
+                <a:solidFill>
+                  <a:schemeClr val="tx2"/>
+                </a:solidFill>
+              </a:rPr>
+              <a:t>each</a:t>
+            </a:r>
+            <a:r>
+              <a:rPr lang="es-ES" sz="1700" dirty="0" smtClean="0">
+                <a:solidFill>
+                  <a:schemeClr val="tx2"/>
+                </a:solidFill>
+              </a:rPr>
+              <a:t> </a:t>
+            </a:r>
+            <a:r>
+              <a:rPr lang="es-ES" sz="1700" dirty="0" err="1" smtClean="0">
+                <a:solidFill>
+                  <a:schemeClr val="tx2"/>
+                </a:solidFill>
+              </a:rPr>
+              <a:t>index</a:t>
+            </a:r>
+            <a:r>
+              <a:rPr lang="es-ES" sz="1700" dirty="0" smtClean="0">
+                <a:solidFill>
+                  <a:schemeClr val="tx2"/>
+                </a:solidFill>
+              </a:rPr>
+              <a:t> i, </a:t>
+            </a:r>
+            <a:r>
+              <a:rPr lang="es-ES" sz="1700" dirty="0" err="1" smtClean="0">
+                <a:solidFill>
+                  <a:schemeClr val="tx2"/>
+                </a:solidFill>
+              </a:rPr>
+              <a:t>object</a:t>
+            </a:r>
+            <a:r>
+              <a:rPr lang="es-ES" sz="1700" dirty="0" smtClean="0">
+                <a:solidFill>
+                  <a:schemeClr val="tx2"/>
+                </a:solidFill>
+              </a:rPr>
+              <a:t> </a:t>
+            </a:r>
+            <a:r>
+              <a:rPr lang="es-ES" sz="1700" dirty="0" err="1" smtClean="0">
+                <a:solidFill>
+                  <a:schemeClr val="tx2"/>
+                </a:solidFill>
+              </a:rPr>
+              <a:t>order</a:t>
+            </a:r>
+            <a:r>
+              <a:rPr lang="es-ES" sz="1700" dirty="0" smtClean="0">
+                <a:solidFill>
+                  <a:schemeClr val="tx2"/>
+                </a:solidFill>
+              </a:rPr>
+              <a:t> : </a:t>
+            </a:r>
+            <a:r>
+              <a:rPr lang="es-ES" sz="1700" dirty="0" err="1" smtClean="0">
+                <a:solidFill>
+                  <a:schemeClr val="tx2"/>
+                </a:solidFill>
+              </a:rPr>
+              <a:t>orders</a:t>
+            </a:r>
+            <a:r>
+              <a:rPr lang="es-ES" sz="1700" b="1" dirty="0" smtClean="0">
+                <a:solidFill>
+                  <a:schemeClr val="tx2"/>
+                </a:solidFill>
+              </a:rPr>
+              <a:t> do</a:t>
+            </a:r>
+          </a:p>
+          <a:p>
+            <a:pPr marL="0" indent="0" fontAlgn="base">
+              <a:lnSpc>
+                <a:spcPct val="100000"/>
+              </a:lnSpc>
+              <a:spcBef>
+                <a:spcPct val="0"/>
+              </a:spcBef>
+              <a:spcAft>
+                <a:spcPct val="0"/>
+              </a:spcAft>
+              <a:buNone/>
+            </a:pPr>
+            <a:r>
+              <a:rPr lang="en-US" sz="1700" b="1" dirty="0">
+                <a:solidFill>
+                  <a:schemeClr val="tx2"/>
+                </a:solidFill>
+              </a:rPr>
+              <a:t> </a:t>
+            </a:r>
+            <a:r>
+              <a:rPr lang="en-US" sz="1700" b="1" dirty="0" smtClean="0">
+                <a:solidFill>
+                  <a:schemeClr val="tx2"/>
+                </a:solidFill>
+              </a:rPr>
+              <a:t>  </a:t>
+            </a:r>
+            <a:r>
+              <a:rPr lang="en-US" sz="1700" b="1" dirty="0" err="1" smtClean="0">
+                <a:solidFill>
+                  <a:schemeClr val="tx2"/>
+                </a:solidFill>
+              </a:rPr>
+              <a:t>bool</a:t>
+            </a:r>
+            <a:r>
+              <a:rPr lang="en-US" sz="1700" b="1" dirty="0" smtClean="0">
+                <a:solidFill>
+                  <a:schemeClr val="tx2"/>
+                </a:solidFill>
+              </a:rPr>
+              <a:t> </a:t>
+            </a:r>
+            <a:r>
+              <a:rPr lang="en-US" sz="1700" dirty="0" err="1" smtClean="0">
+                <a:solidFill>
+                  <a:schemeClr val="tx2"/>
+                </a:solidFill>
+              </a:rPr>
+              <a:t>orderIsSatisfied</a:t>
+            </a:r>
+            <a:r>
+              <a:rPr lang="en-US" sz="1700" dirty="0" smtClean="0">
+                <a:solidFill>
+                  <a:schemeClr val="tx2"/>
+                </a:solidFill>
+              </a:rPr>
+              <a:t> </a:t>
+            </a:r>
+            <a:r>
+              <a:rPr lang="en-US" sz="1700" dirty="0">
+                <a:solidFill>
+                  <a:schemeClr val="tx2"/>
+                </a:solidFill>
+              </a:rPr>
+              <a:t>= </a:t>
+            </a:r>
+            <a:r>
+              <a:rPr lang="en-US" sz="1700" dirty="0" smtClean="0">
+                <a:solidFill>
+                  <a:schemeClr val="tx2"/>
+                </a:solidFill>
+              </a:rPr>
+              <a:t>false</a:t>
+            </a:r>
+            <a:endParaRPr lang="es-ES" sz="1700" b="1" dirty="0">
+              <a:solidFill>
+                <a:schemeClr val="tx2"/>
+              </a:solidFill>
+            </a:endParaRPr>
+          </a:p>
+          <a:p>
+            <a:pPr marL="0" indent="0" fontAlgn="base">
+              <a:lnSpc>
+                <a:spcPct val="100000"/>
+              </a:lnSpc>
+              <a:spcBef>
+                <a:spcPct val="0"/>
+              </a:spcBef>
+              <a:spcAft>
+                <a:spcPct val="0"/>
+              </a:spcAft>
+              <a:buNone/>
+            </a:pPr>
+            <a:r>
+              <a:rPr lang="es-ES" sz="1700" b="1" dirty="0" smtClean="0">
+                <a:solidFill>
+                  <a:schemeClr val="tx2"/>
+                </a:solidFill>
+              </a:rPr>
+              <a:t>   </a:t>
+            </a:r>
+            <a:r>
+              <a:rPr lang="es-ES" sz="1700" b="1" dirty="0" err="1" smtClean="0">
+                <a:solidFill>
+                  <a:schemeClr val="tx2"/>
+                </a:solidFill>
+              </a:rPr>
+              <a:t>for</a:t>
+            </a:r>
+            <a:r>
+              <a:rPr lang="es-ES" sz="1700" b="1" dirty="0" smtClean="0">
+                <a:solidFill>
+                  <a:schemeClr val="tx2"/>
+                </a:solidFill>
+              </a:rPr>
+              <a:t> </a:t>
+            </a:r>
+            <a:r>
+              <a:rPr lang="es-ES" sz="1700" b="1" dirty="0" err="1">
+                <a:solidFill>
+                  <a:schemeClr val="tx2"/>
+                </a:solidFill>
+              </a:rPr>
+              <a:t>each</a:t>
+            </a:r>
+            <a:r>
+              <a:rPr lang="es-ES" sz="1700" dirty="0">
+                <a:solidFill>
+                  <a:schemeClr val="tx2"/>
+                </a:solidFill>
+              </a:rPr>
+              <a:t> </a:t>
+            </a:r>
+            <a:r>
+              <a:rPr lang="es-ES" sz="1700" dirty="0" err="1">
+                <a:solidFill>
+                  <a:schemeClr val="tx2"/>
+                </a:solidFill>
+              </a:rPr>
+              <a:t>object</a:t>
+            </a:r>
+            <a:r>
+              <a:rPr lang="es-ES" sz="1700" dirty="0">
+                <a:solidFill>
+                  <a:schemeClr val="tx2"/>
+                </a:solidFill>
+              </a:rPr>
+              <a:t> t </a:t>
+            </a:r>
+            <a:r>
+              <a:rPr lang="es-ES" sz="1700" dirty="0" smtClean="0">
+                <a:solidFill>
+                  <a:schemeClr val="tx2"/>
+                </a:solidFill>
+              </a:rPr>
+              <a:t>: </a:t>
+            </a:r>
+            <a:r>
+              <a:rPr lang="en-US" sz="1700" dirty="0" err="1" smtClean="0">
+                <a:solidFill>
+                  <a:schemeClr val="tx2"/>
+                </a:solidFill>
+              </a:rPr>
+              <a:t>t</a:t>
+            </a:r>
+            <a:r>
+              <a:rPr lang="en-US" sz="1700" dirty="0" err="1" smtClean="0">
+                <a:solidFill>
+                  <a:schemeClr val="tx2"/>
+                </a:solidFill>
+              </a:rPr>
+              <a:t>imeSlotOrdered</a:t>
+            </a:r>
+            <a:r>
+              <a:rPr lang="en-US" sz="1700" dirty="0" smtClean="0">
+                <a:solidFill>
+                  <a:schemeClr val="tx2"/>
+                </a:solidFill>
+              </a:rPr>
+              <a:t> </a:t>
+            </a:r>
+            <a:r>
+              <a:rPr lang="es-ES" sz="1700" b="1" dirty="0" smtClean="0">
+                <a:solidFill>
+                  <a:schemeClr val="tx2"/>
+                </a:solidFill>
+              </a:rPr>
+              <a:t>do</a:t>
+            </a:r>
+          </a:p>
+          <a:p>
+            <a:pPr marL="0" indent="0" fontAlgn="base">
+              <a:lnSpc>
+                <a:spcPct val="100000"/>
+              </a:lnSpc>
+              <a:spcBef>
+                <a:spcPct val="0"/>
+              </a:spcBef>
+              <a:spcAft>
+                <a:spcPct val="0"/>
+              </a:spcAft>
+              <a:buNone/>
+            </a:pPr>
+            <a:r>
+              <a:rPr lang="en-US" sz="1700" dirty="0" smtClean="0">
+                <a:solidFill>
+                  <a:schemeClr val="tx2"/>
+                </a:solidFill>
+              </a:rPr>
+              <a:t>        Integer </a:t>
+            </a:r>
+            <a:r>
+              <a:rPr lang="en-US" sz="1700" dirty="0">
+                <a:solidFill>
+                  <a:schemeClr val="tx2"/>
+                </a:solidFill>
+              </a:rPr>
+              <a:t>h </a:t>
+            </a:r>
+            <a:r>
+              <a:rPr lang="en-US" sz="1700" dirty="0" smtClean="0">
+                <a:solidFill>
+                  <a:schemeClr val="tx2"/>
+                </a:solidFill>
+              </a:rPr>
+              <a:t>= </a:t>
+            </a:r>
+            <a:r>
+              <a:rPr lang="en-US" sz="1700" dirty="0" err="1" smtClean="0">
+                <a:solidFill>
+                  <a:schemeClr val="tx2"/>
+                </a:solidFill>
+              </a:rPr>
+              <a:t>t.time</a:t>
+            </a:r>
+            <a:endParaRPr lang="es-ES" sz="1700" dirty="0">
+              <a:solidFill>
+                <a:schemeClr val="tx2"/>
+              </a:solidFill>
+            </a:endParaRPr>
+          </a:p>
+          <a:p>
+            <a:pPr marL="0" indent="0" fontAlgn="base">
+              <a:lnSpc>
+                <a:spcPct val="100000"/>
+              </a:lnSpc>
+              <a:spcBef>
+                <a:spcPct val="0"/>
+              </a:spcBef>
+              <a:spcAft>
+                <a:spcPct val="0"/>
+              </a:spcAft>
+              <a:buNone/>
+            </a:pPr>
+            <a:r>
+              <a:rPr lang="en-US" sz="1700" b="1" dirty="0" smtClean="0">
+                <a:solidFill>
+                  <a:schemeClr val="tx2"/>
+                </a:solidFill>
+              </a:rPr>
+              <a:t>       </a:t>
+            </a:r>
+            <a:r>
+              <a:rPr lang="en-US" sz="1700" dirty="0" smtClean="0">
+                <a:solidFill>
+                  <a:schemeClr val="tx2"/>
+                </a:solidFill>
+              </a:rPr>
+              <a:t> </a:t>
+            </a:r>
+            <a:r>
+              <a:rPr lang="en-US" sz="1700" b="1" dirty="0" smtClean="0">
+                <a:solidFill>
+                  <a:schemeClr val="tx2"/>
+                </a:solidFill>
+              </a:rPr>
+              <a:t>if</a:t>
+            </a:r>
+            <a:r>
+              <a:rPr lang="en-US" sz="1700" dirty="0" smtClean="0">
+                <a:solidFill>
+                  <a:schemeClr val="tx2"/>
+                </a:solidFill>
+              </a:rPr>
+              <a:t> </a:t>
+            </a:r>
+            <a:r>
+              <a:rPr lang="en-US" sz="1700" dirty="0" smtClean="0">
+                <a:solidFill>
+                  <a:schemeClr val="tx2"/>
+                </a:solidFill>
+              </a:rPr>
+              <a:t>( </a:t>
+            </a:r>
+            <a:r>
+              <a:rPr lang="en-US" sz="1700" dirty="0" err="1" smtClean="0">
+                <a:solidFill>
+                  <a:schemeClr val="tx2"/>
+                </a:solidFill>
+              </a:rPr>
+              <a:t>demandInTimeSlot</a:t>
+            </a:r>
+            <a:r>
+              <a:rPr lang="en-US" sz="1700" dirty="0" smtClean="0">
+                <a:solidFill>
+                  <a:schemeClr val="tx2"/>
+                </a:solidFill>
+              </a:rPr>
+              <a:t>(h</a:t>
+            </a:r>
+            <a:r>
+              <a:rPr lang="en-US" sz="1700" dirty="0" smtClean="0">
+                <a:solidFill>
+                  <a:schemeClr val="tx2"/>
+                </a:solidFill>
+              </a:rPr>
+              <a:t>)) + order(</a:t>
+            </a:r>
+            <a:r>
+              <a:rPr lang="en-US" sz="1700" dirty="0" err="1" smtClean="0">
+                <a:solidFill>
+                  <a:schemeClr val="tx2"/>
+                </a:solidFill>
+              </a:rPr>
+              <a:t>i</a:t>
+            </a:r>
+            <a:r>
+              <a:rPr lang="en-US" sz="1700" dirty="0" smtClean="0">
+                <a:solidFill>
+                  <a:schemeClr val="tx2"/>
+                </a:solidFill>
+              </a:rPr>
+              <a:t>) </a:t>
+            </a:r>
+            <a:r>
+              <a:rPr lang="en-US" sz="1700" dirty="0" smtClean="0">
+                <a:solidFill>
+                  <a:schemeClr val="tx2"/>
+                </a:solidFill>
+              </a:rPr>
+              <a:t>&lt; = </a:t>
+            </a:r>
+            <a:r>
+              <a:rPr lang="en-US" sz="1700" dirty="0" err="1" smtClean="0">
+                <a:solidFill>
+                  <a:schemeClr val="tx2"/>
+                </a:solidFill>
+              </a:rPr>
+              <a:t>SatelliteInTimeSlot</a:t>
+            </a:r>
+            <a:r>
+              <a:rPr lang="en-US" sz="1700" dirty="0" smtClean="0">
+                <a:solidFill>
+                  <a:schemeClr val="tx2"/>
+                </a:solidFill>
+              </a:rPr>
+              <a:t>(h).capacity )</a:t>
+            </a:r>
+            <a:endParaRPr lang="es-ES" sz="1700" dirty="0">
+              <a:solidFill>
+                <a:schemeClr val="tx2"/>
+              </a:solidFill>
+            </a:endParaRPr>
+          </a:p>
+          <a:p>
+            <a:pPr marL="0" indent="0" fontAlgn="base">
+              <a:lnSpc>
+                <a:spcPct val="100000"/>
+              </a:lnSpc>
+              <a:spcBef>
+                <a:spcPct val="0"/>
+              </a:spcBef>
+              <a:spcAft>
+                <a:spcPct val="0"/>
+              </a:spcAft>
+              <a:buNone/>
+            </a:pPr>
+            <a:r>
+              <a:rPr lang="es-ES" sz="1700" b="1" dirty="0" smtClean="0">
+                <a:solidFill>
+                  <a:schemeClr val="tx2"/>
+                </a:solidFill>
+              </a:rPr>
+              <a:t>      </a:t>
+            </a:r>
+            <a:r>
+              <a:rPr lang="es-ES" sz="1700" b="1" dirty="0" smtClean="0">
+                <a:solidFill>
+                  <a:schemeClr val="tx2"/>
+                </a:solidFill>
+              </a:rPr>
+              <a:t>  </a:t>
+            </a:r>
+            <a:r>
+              <a:rPr lang="es-ES" sz="1700" b="1" dirty="0" err="1" smtClean="0">
+                <a:solidFill>
+                  <a:schemeClr val="tx2"/>
+                </a:solidFill>
+              </a:rPr>
+              <a:t>for</a:t>
+            </a:r>
+            <a:r>
+              <a:rPr lang="es-ES" sz="1700" b="1" dirty="0" smtClean="0">
+                <a:solidFill>
+                  <a:schemeClr val="tx2"/>
+                </a:solidFill>
+              </a:rPr>
+              <a:t> </a:t>
+            </a:r>
+            <a:r>
+              <a:rPr lang="es-ES" sz="1700" b="1" dirty="0" err="1">
+                <a:solidFill>
+                  <a:schemeClr val="tx2"/>
+                </a:solidFill>
+              </a:rPr>
+              <a:t>each</a:t>
+            </a:r>
+            <a:r>
+              <a:rPr lang="es-ES" sz="1700" b="1" dirty="0">
+                <a:solidFill>
+                  <a:schemeClr val="tx2"/>
+                </a:solidFill>
+              </a:rPr>
+              <a:t> </a:t>
+            </a:r>
+            <a:r>
+              <a:rPr lang="es-ES" sz="1700" dirty="0" err="1">
+                <a:solidFill>
+                  <a:schemeClr val="tx2"/>
+                </a:solidFill>
+              </a:rPr>
+              <a:t>index</a:t>
+            </a:r>
+            <a:r>
+              <a:rPr lang="es-ES" sz="1700" b="1" dirty="0" smtClean="0">
+                <a:solidFill>
+                  <a:schemeClr val="tx2"/>
+                </a:solidFill>
+              </a:rPr>
+              <a:t> </a:t>
+            </a:r>
+            <a:r>
+              <a:rPr lang="es-ES" sz="1700" dirty="0" smtClean="0">
+                <a:solidFill>
+                  <a:schemeClr val="tx2"/>
+                </a:solidFill>
+              </a:rPr>
+              <a:t>k, </a:t>
+            </a:r>
+            <a:r>
+              <a:rPr lang="es-ES" sz="1700" dirty="0" err="1" smtClean="0">
+                <a:solidFill>
+                  <a:schemeClr val="tx2"/>
+                </a:solidFill>
+              </a:rPr>
+              <a:t>object</a:t>
+            </a:r>
+            <a:r>
+              <a:rPr lang="es-ES" sz="1700" dirty="0" smtClean="0">
+                <a:solidFill>
+                  <a:schemeClr val="tx2"/>
+                </a:solidFill>
+              </a:rPr>
+              <a:t> </a:t>
+            </a:r>
+            <a:r>
+              <a:rPr lang="es-ES" sz="1700" dirty="0" err="1" smtClean="0">
+                <a:solidFill>
+                  <a:schemeClr val="tx2"/>
+                </a:solidFill>
+              </a:rPr>
+              <a:t>vehicle</a:t>
+            </a:r>
+            <a:r>
+              <a:rPr lang="es-ES" sz="1700" dirty="0" smtClean="0">
+                <a:solidFill>
+                  <a:schemeClr val="tx2"/>
+                </a:solidFill>
+              </a:rPr>
+              <a:t> : </a:t>
+            </a:r>
+            <a:r>
+              <a:rPr lang="es-ES" sz="1700" dirty="0" err="1" smtClean="0">
+                <a:solidFill>
+                  <a:schemeClr val="tx2"/>
+                </a:solidFill>
+              </a:rPr>
+              <a:t>Vehicles</a:t>
+            </a:r>
+            <a:r>
+              <a:rPr lang="es-ES" sz="1700" dirty="0" smtClean="0">
+                <a:solidFill>
+                  <a:schemeClr val="tx2"/>
+                </a:solidFill>
+              </a:rPr>
+              <a:t> </a:t>
+            </a:r>
+            <a:r>
+              <a:rPr lang="es-ES" sz="1700" b="1" dirty="0" smtClean="0">
+                <a:solidFill>
+                  <a:schemeClr val="tx2"/>
+                </a:solidFill>
+              </a:rPr>
+              <a:t>do</a:t>
+            </a:r>
+            <a:endParaRPr lang="es-ES" sz="1700" b="1" dirty="0">
+              <a:solidFill>
+                <a:schemeClr val="tx2"/>
+              </a:solidFill>
+            </a:endParaRPr>
+          </a:p>
+          <a:p>
+            <a:pPr marL="0" indent="0" fontAlgn="base">
+              <a:lnSpc>
+                <a:spcPct val="100000"/>
+              </a:lnSpc>
+              <a:spcBef>
+                <a:spcPct val="0"/>
+              </a:spcBef>
+              <a:spcAft>
+                <a:spcPct val="0"/>
+              </a:spcAft>
+              <a:buNone/>
+            </a:pPr>
+            <a:r>
+              <a:rPr lang="es-ES" sz="1700" b="1" dirty="0">
+                <a:solidFill>
+                  <a:schemeClr val="tx2"/>
+                </a:solidFill>
+              </a:rPr>
+              <a:t>     </a:t>
+            </a:r>
+            <a:r>
+              <a:rPr lang="es-ES" sz="1700" b="1" dirty="0" smtClean="0">
+                <a:solidFill>
+                  <a:schemeClr val="tx2"/>
+                </a:solidFill>
+              </a:rPr>
+              <a:t>   </a:t>
+            </a:r>
+            <a:r>
+              <a:rPr lang="es-ES" sz="1700" b="1" dirty="0">
+                <a:solidFill>
+                  <a:schemeClr val="tx2"/>
+                </a:solidFill>
+              </a:rPr>
+              <a:t>     </a:t>
+            </a:r>
+            <a:r>
+              <a:rPr lang="es-ES" sz="1700" b="1" dirty="0" err="1">
+                <a:solidFill>
+                  <a:schemeClr val="tx2"/>
+                </a:solidFill>
+              </a:rPr>
+              <a:t>if</a:t>
+            </a:r>
+            <a:r>
+              <a:rPr lang="es-ES" sz="1700" b="1" dirty="0">
+                <a:solidFill>
+                  <a:schemeClr val="tx2"/>
+                </a:solidFill>
+              </a:rPr>
+              <a:t> </a:t>
+            </a:r>
+            <a:r>
+              <a:rPr lang="es-ES" sz="1700" dirty="0" smtClean="0">
+                <a:solidFill>
+                  <a:schemeClr val="tx2"/>
+                </a:solidFill>
+              </a:rPr>
+              <a:t>( </a:t>
+            </a:r>
+            <a:r>
+              <a:rPr lang="es-ES" sz="1700" dirty="0" err="1" smtClean="0">
+                <a:solidFill>
+                  <a:schemeClr val="tx2"/>
+                </a:solidFill>
+              </a:rPr>
+              <a:t>usedCapacityVehicleInTime</a:t>
+            </a:r>
+            <a:r>
+              <a:rPr lang="es-ES" sz="1700" dirty="0" smtClean="0">
+                <a:solidFill>
+                  <a:schemeClr val="tx2"/>
+                </a:solidFill>
+              </a:rPr>
+              <a:t>[k</a:t>
+            </a:r>
+            <a:r>
+              <a:rPr lang="es-ES" sz="1700" dirty="0">
+                <a:solidFill>
+                  <a:schemeClr val="tx2"/>
+                </a:solidFill>
+              </a:rPr>
+              <a:t>][h] + </a:t>
+            </a:r>
+            <a:r>
+              <a:rPr lang="es-ES" sz="1700" dirty="0" err="1" smtClean="0">
+                <a:solidFill>
+                  <a:schemeClr val="tx2"/>
+                </a:solidFill>
+              </a:rPr>
+              <a:t>order.demand</a:t>
+            </a:r>
+            <a:r>
+              <a:rPr lang="es-ES" sz="1700" dirty="0" smtClean="0">
+                <a:solidFill>
+                  <a:schemeClr val="tx2"/>
+                </a:solidFill>
+              </a:rPr>
+              <a:t> &lt; = </a:t>
+            </a:r>
+            <a:r>
+              <a:rPr lang="es-ES" sz="1700" dirty="0" err="1" smtClean="0">
+                <a:solidFill>
+                  <a:schemeClr val="tx2"/>
+                </a:solidFill>
+              </a:rPr>
+              <a:t>vehicle.VType.volumen</a:t>
+            </a:r>
+            <a:r>
+              <a:rPr lang="es-ES" sz="1700" dirty="0" smtClean="0">
+                <a:solidFill>
+                  <a:schemeClr val="tx2"/>
+                </a:solidFill>
+              </a:rPr>
+              <a:t> ) </a:t>
+            </a:r>
+            <a:r>
+              <a:rPr lang="es-ES" sz="1700" b="1" dirty="0" err="1" smtClean="0">
+                <a:solidFill>
+                  <a:schemeClr val="tx2"/>
+                </a:solidFill>
+              </a:rPr>
+              <a:t>beging</a:t>
+            </a:r>
+            <a:endParaRPr lang="es-ES" sz="1700" b="1" dirty="0">
+              <a:solidFill>
+                <a:schemeClr val="tx2"/>
+              </a:solidFill>
+            </a:endParaRPr>
+          </a:p>
+          <a:p>
+            <a:pPr marL="0" indent="0" fontAlgn="base">
+              <a:lnSpc>
+                <a:spcPct val="100000"/>
+              </a:lnSpc>
+              <a:spcBef>
+                <a:spcPct val="0"/>
+              </a:spcBef>
+              <a:spcAft>
+                <a:spcPct val="0"/>
+              </a:spcAft>
+              <a:buNone/>
+            </a:pPr>
+            <a:r>
+              <a:rPr lang="en-US" sz="1700" dirty="0">
+                <a:solidFill>
+                  <a:schemeClr val="tx2"/>
+                </a:solidFill>
+              </a:rPr>
+              <a:t> </a:t>
+            </a:r>
+            <a:r>
+              <a:rPr lang="en-US" sz="1700" dirty="0" smtClean="0">
+                <a:solidFill>
+                  <a:schemeClr val="tx2"/>
+                </a:solidFill>
+              </a:rPr>
+              <a:t>                </a:t>
+            </a:r>
+            <a:r>
+              <a:rPr lang="en-US" sz="1700" dirty="0" err="1" smtClean="0">
+                <a:solidFill>
+                  <a:schemeClr val="tx2"/>
+                </a:solidFill>
+              </a:rPr>
+              <a:t>resultMin</a:t>
+            </a:r>
+            <a:r>
+              <a:rPr lang="en-US" sz="1700" dirty="0" smtClean="0">
+                <a:solidFill>
+                  <a:schemeClr val="tx2"/>
+                </a:solidFill>
+              </a:rPr>
+              <a:t> += </a:t>
+            </a:r>
+            <a:r>
+              <a:rPr lang="en-US" sz="1700" dirty="0" err="1" smtClean="0">
+                <a:solidFill>
+                  <a:schemeClr val="tx2"/>
+                </a:solidFill>
+              </a:rPr>
+              <a:t>order.demand</a:t>
+            </a:r>
+            <a:r>
+              <a:rPr lang="en-US" sz="1700" dirty="0" smtClean="0">
+                <a:solidFill>
+                  <a:schemeClr val="tx2"/>
+                </a:solidFill>
+              </a:rPr>
+              <a:t> </a:t>
+            </a:r>
+            <a:r>
+              <a:rPr lang="en-US" sz="1700" dirty="0">
+                <a:solidFill>
+                  <a:schemeClr val="tx2"/>
+                </a:solidFill>
+              </a:rPr>
+              <a:t>* </a:t>
+            </a:r>
+            <a:r>
+              <a:rPr lang="en-US" sz="1700" dirty="0" err="1" smtClean="0">
+                <a:solidFill>
+                  <a:schemeClr val="tx2"/>
+                </a:solidFill>
+              </a:rPr>
+              <a:t>SatelliteInTimeSlot</a:t>
+            </a:r>
+            <a:r>
+              <a:rPr lang="en-US" sz="1700" dirty="0" smtClean="0">
+                <a:solidFill>
+                  <a:schemeClr val="tx2"/>
+                </a:solidFill>
+              </a:rPr>
+              <a:t>(h).</a:t>
+            </a:r>
+            <a:r>
+              <a:rPr lang="en-US" sz="1700" dirty="0" err="1" smtClean="0">
+                <a:solidFill>
+                  <a:schemeClr val="tx2"/>
+                </a:solidFill>
+              </a:rPr>
+              <a:t>tarif</a:t>
+            </a:r>
+            <a:endParaRPr lang="en-US" sz="1700" dirty="0" smtClean="0">
+              <a:solidFill>
+                <a:schemeClr val="tx2"/>
+              </a:solidFill>
+            </a:endParaRPr>
+          </a:p>
+          <a:p>
+            <a:pPr marL="0" indent="0" fontAlgn="base">
+              <a:lnSpc>
+                <a:spcPct val="100000"/>
+              </a:lnSpc>
+              <a:spcBef>
+                <a:spcPct val="0"/>
+              </a:spcBef>
+              <a:spcAft>
+                <a:spcPct val="0"/>
+              </a:spcAft>
+              <a:buNone/>
+            </a:pPr>
+            <a:r>
+              <a:rPr lang="en-US" sz="1700" dirty="0">
+                <a:solidFill>
+                  <a:schemeClr val="tx2"/>
+                </a:solidFill>
+              </a:rPr>
+              <a:t> </a:t>
+            </a:r>
+            <a:r>
+              <a:rPr lang="en-US" sz="1700" dirty="0" smtClean="0">
+                <a:solidFill>
+                  <a:schemeClr val="tx2"/>
+                </a:solidFill>
+              </a:rPr>
+              <a:t>                </a:t>
+            </a:r>
+            <a:r>
+              <a:rPr lang="en-US" sz="1700" dirty="0" err="1" smtClean="0">
+                <a:solidFill>
+                  <a:schemeClr val="tx2"/>
+                </a:solidFill>
+              </a:rPr>
+              <a:t>resultMin</a:t>
+            </a:r>
+            <a:r>
+              <a:rPr lang="en-US" sz="1700" dirty="0" smtClean="0">
+                <a:solidFill>
+                  <a:schemeClr val="tx2"/>
+                </a:solidFill>
+              </a:rPr>
+              <a:t> += </a:t>
+            </a:r>
+            <a:r>
+              <a:rPr lang="es-ES" sz="1700" dirty="0" err="1">
+                <a:solidFill>
+                  <a:schemeClr val="tx2"/>
+                </a:solidFill>
+              </a:rPr>
+              <a:t>vehicle</a:t>
+            </a:r>
+            <a:r>
+              <a:rPr lang="en-US" sz="1700" dirty="0" smtClean="0">
+                <a:solidFill>
+                  <a:schemeClr val="tx2"/>
+                </a:solidFill>
+              </a:rPr>
+              <a:t>.</a:t>
+            </a:r>
+            <a:r>
+              <a:rPr lang="en-US" sz="1700" dirty="0" err="1" smtClean="0">
+                <a:solidFill>
+                  <a:schemeClr val="tx2"/>
+                </a:solidFill>
+              </a:rPr>
+              <a:t>CostByStop</a:t>
+            </a:r>
+            <a:r>
+              <a:rPr lang="en-US" sz="1700" dirty="0" smtClean="0">
+                <a:solidFill>
+                  <a:schemeClr val="tx2"/>
+                </a:solidFill>
+              </a:rPr>
+              <a:t>(h)</a:t>
+            </a:r>
+            <a:endParaRPr lang="es-ES" sz="1700" dirty="0">
+              <a:solidFill>
+                <a:schemeClr val="tx2"/>
+              </a:solidFill>
+            </a:endParaRPr>
+          </a:p>
+          <a:p>
+            <a:pPr marL="0" indent="0" fontAlgn="base">
+              <a:lnSpc>
+                <a:spcPct val="100000"/>
+              </a:lnSpc>
+              <a:spcBef>
+                <a:spcPct val="0"/>
+              </a:spcBef>
+              <a:spcAft>
+                <a:spcPct val="0"/>
+              </a:spcAft>
+              <a:buNone/>
+            </a:pPr>
+            <a:r>
+              <a:rPr lang="en-US" sz="1700" dirty="0" smtClean="0">
+                <a:solidFill>
+                  <a:schemeClr val="tx2"/>
+                </a:solidFill>
+              </a:rPr>
+              <a:t>                 </a:t>
+            </a:r>
+            <a:r>
+              <a:rPr lang="en-US" sz="1700" b="1" dirty="0">
+                <a:solidFill>
+                  <a:schemeClr val="tx2"/>
+                </a:solidFill>
+              </a:rPr>
+              <a:t>if</a:t>
+            </a:r>
+            <a:r>
+              <a:rPr lang="en-US" sz="1700" dirty="0" smtClean="0">
+                <a:solidFill>
+                  <a:schemeClr val="tx2"/>
+                </a:solidFill>
+              </a:rPr>
+              <a:t> ( </a:t>
+            </a:r>
+            <a:r>
+              <a:rPr lang="en-US" sz="1700" dirty="0" err="1" smtClean="0">
+                <a:solidFill>
+                  <a:schemeClr val="tx2"/>
+                </a:solidFill>
+              </a:rPr>
+              <a:t>usedCapacityVehicleInTime</a:t>
+            </a:r>
+            <a:r>
+              <a:rPr lang="en-US" sz="1700" dirty="0" smtClean="0">
+                <a:solidFill>
+                  <a:schemeClr val="tx2"/>
+                </a:solidFill>
+              </a:rPr>
+              <a:t>[k</a:t>
+            </a:r>
+            <a:r>
+              <a:rPr lang="en-US" sz="1700" dirty="0">
+                <a:solidFill>
+                  <a:schemeClr val="tx2"/>
+                </a:solidFill>
+              </a:rPr>
+              <a:t>][h] == </a:t>
+            </a:r>
+            <a:r>
+              <a:rPr lang="en-US" sz="1700" dirty="0" smtClean="0">
+                <a:solidFill>
+                  <a:schemeClr val="tx2"/>
+                </a:solidFill>
+              </a:rPr>
+              <a:t>0 )      //</a:t>
+            </a:r>
+            <a:r>
+              <a:rPr lang="en-US" sz="1700" dirty="0">
+                <a:solidFill>
+                  <a:schemeClr val="tx2"/>
+                </a:solidFill>
+              </a:rPr>
+              <a:t>First use of the vehicle </a:t>
+            </a:r>
+            <a:r>
+              <a:rPr lang="en-US" sz="1700" dirty="0" smtClean="0">
+                <a:solidFill>
+                  <a:schemeClr val="tx2"/>
+                </a:solidFill>
+              </a:rPr>
+              <a:t>k in the </a:t>
+            </a:r>
+            <a:r>
+              <a:rPr lang="en-US" sz="1700" dirty="0" err="1" smtClean="0">
+                <a:solidFill>
+                  <a:schemeClr val="tx2"/>
+                </a:solidFill>
+              </a:rPr>
+              <a:t>TimeSlot</a:t>
+            </a:r>
+            <a:r>
+              <a:rPr lang="en-US" sz="1700" dirty="0" smtClean="0">
+                <a:solidFill>
+                  <a:schemeClr val="tx2"/>
+                </a:solidFill>
+              </a:rPr>
+              <a:t> h</a:t>
+            </a:r>
+            <a:endParaRPr lang="en-US" sz="1700" dirty="0">
+              <a:solidFill>
+                <a:schemeClr val="tx2"/>
+              </a:solidFill>
+            </a:endParaRPr>
+          </a:p>
+          <a:p>
+            <a:pPr marL="0" indent="0" fontAlgn="base">
+              <a:lnSpc>
+                <a:spcPct val="100000"/>
+              </a:lnSpc>
+              <a:spcBef>
+                <a:spcPct val="0"/>
+              </a:spcBef>
+              <a:spcAft>
+                <a:spcPct val="0"/>
+              </a:spcAft>
+              <a:buNone/>
+            </a:pPr>
+            <a:r>
+              <a:rPr lang="en-US" sz="1700" dirty="0">
+                <a:solidFill>
+                  <a:schemeClr val="tx2"/>
+                </a:solidFill>
+              </a:rPr>
+              <a:t> </a:t>
+            </a:r>
+            <a:r>
+              <a:rPr lang="en-US" sz="1700" dirty="0" smtClean="0">
+                <a:solidFill>
+                  <a:schemeClr val="tx2"/>
+                </a:solidFill>
+              </a:rPr>
+              <a:t>                   </a:t>
+            </a:r>
+            <a:r>
+              <a:rPr lang="en-US" sz="1700" dirty="0" err="1" smtClean="0">
+                <a:solidFill>
+                  <a:schemeClr val="tx2"/>
+                </a:solidFill>
+              </a:rPr>
+              <a:t>resultMin</a:t>
+            </a:r>
+            <a:r>
+              <a:rPr lang="en-US" sz="1700" dirty="0" smtClean="0">
+                <a:solidFill>
+                  <a:schemeClr val="tx2"/>
+                </a:solidFill>
+              </a:rPr>
+              <a:t> += </a:t>
+            </a:r>
+            <a:r>
+              <a:rPr lang="es-ES" sz="1700" dirty="0" err="1">
+                <a:solidFill>
+                  <a:schemeClr val="tx2"/>
+                </a:solidFill>
+              </a:rPr>
+              <a:t>vehicle</a:t>
+            </a:r>
+            <a:r>
+              <a:rPr lang="en-US" sz="1700" dirty="0" smtClean="0">
+                <a:solidFill>
+                  <a:schemeClr val="tx2"/>
+                </a:solidFill>
+              </a:rPr>
+              <a:t>.</a:t>
+            </a:r>
+            <a:r>
+              <a:rPr lang="en-US" sz="1700" dirty="0" err="1" smtClean="0">
+                <a:solidFill>
+                  <a:schemeClr val="tx2"/>
+                </a:solidFill>
+              </a:rPr>
+              <a:t>VType.</a:t>
+            </a:r>
+            <a:r>
+              <a:rPr lang="en-US" sz="1700" i="1" dirty="0" err="1" smtClean="0">
+                <a:solidFill>
+                  <a:schemeClr val="tx2"/>
+                </a:solidFill>
+              </a:rPr>
+              <a:t>cost</a:t>
+            </a:r>
+            <a:endParaRPr lang="en-US" sz="1700" dirty="0">
+              <a:solidFill>
+                <a:schemeClr val="tx2"/>
+              </a:solidFill>
+            </a:endParaRPr>
+          </a:p>
+          <a:p>
+            <a:pPr marL="0" indent="0" fontAlgn="base">
+              <a:lnSpc>
+                <a:spcPct val="100000"/>
+              </a:lnSpc>
+              <a:spcBef>
+                <a:spcPct val="0"/>
+              </a:spcBef>
+              <a:spcAft>
+                <a:spcPct val="0"/>
+              </a:spcAft>
+              <a:buNone/>
+            </a:pPr>
+            <a:r>
+              <a:rPr lang="en-US" sz="1700" dirty="0">
+                <a:solidFill>
+                  <a:schemeClr val="tx2"/>
+                </a:solidFill>
+              </a:rPr>
+              <a:t>                            </a:t>
+            </a:r>
+            <a:endParaRPr lang="en-US" sz="1700" dirty="0">
+              <a:solidFill>
+                <a:schemeClr val="tx2"/>
+              </a:solidFill>
+            </a:endParaRPr>
+          </a:p>
+          <a:p>
+            <a:pPr marL="0" indent="0" fontAlgn="base">
+              <a:lnSpc>
+                <a:spcPct val="100000"/>
+              </a:lnSpc>
+              <a:spcBef>
+                <a:spcPct val="0"/>
+              </a:spcBef>
+              <a:spcAft>
+                <a:spcPct val="0"/>
+              </a:spcAft>
+              <a:buNone/>
+            </a:pPr>
+            <a:r>
+              <a:rPr lang="en-US" sz="1700" dirty="0" smtClean="0">
+                <a:solidFill>
+                  <a:schemeClr val="tx2"/>
+                </a:solidFill>
+              </a:rPr>
+              <a:t>                    </a:t>
+            </a:r>
+            <a:r>
+              <a:rPr lang="en-US" sz="1700" dirty="0" err="1" smtClean="0">
+                <a:solidFill>
+                  <a:schemeClr val="tx2"/>
+                </a:solidFill>
+              </a:rPr>
+              <a:t>usedCapacityVehicleInTime</a:t>
+            </a:r>
+            <a:r>
+              <a:rPr lang="en-US" sz="1700" dirty="0" smtClean="0">
+                <a:solidFill>
+                  <a:schemeClr val="tx2"/>
+                </a:solidFill>
+              </a:rPr>
+              <a:t>[k</a:t>
+            </a:r>
+            <a:r>
+              <a:rPr lang="en-US" sz="1700" dirty="0">
+                <a:solidFill>
+                  <a:schemeClr val="tx2"/>
+                </a:solidFill>
+              </a:rPr>
+              <a:t>][h] += </a:t>
+            </a:r>
+            <a:r>
+              <a:rPr lang="en-US" sz="1700" dirty="0" err="1" smtClean="0">
+                <a:solidFill>
+                  <a:schemeClr val="tx2"/>
+                </a:solidFill>
+              </a:rPr>
+              <a:t>order.demand</a:t>
+            </a:r>
+            <a:r>
+              <a:rPr lang="en-US" sz="1700" dirty="0" smtClean="0">
+                <a:solidFill>
+                  <a:schemeClr val="tx2"/>
+                </a:solidFill>
+              </a:rPr>
+              <a:t> </a:t>
+            </a:r>
+          </a:p>
+          <a:p>
+            <a:pPr marL="0" indent="0" fontAlgn="base">
+              <a:lnSpc>
+                <a:spcPct val="100000"/>
+              </a:lnSpc>
+              <a:spcBef>
+                <a:spcPct val="0"/>
+              </a:spcBef>
+              <a:spcAft>
+                <a:spcPct val="0"/>
+              </a:spcAft>
+              <a:buNone/>
+            </a:pPr>
+            <a:r>
+              <a:rPr lang="en-US" sz="1700" dirty="0" smtClean="0">
+                <a:solidFill>
+                  <a:schemeClr val="tx2"/>
+                </a:solidFill>
+              </a:rPr>
+              <a:t>                    </a:t>
+            </a:r>
+            <a:r>
+              <a:rPr lang="en-US" sz="1700" dirty="0" err="1" smtClean="0">
+                <a:solidFill>
+                  <a:schemeClr val="tx2"/>
+                </a:solidFill>
+              </a:rPr>
+              <a:t>demandInTime</a:t>
+            </a:r>
+            <a:r>
+              <a:rPr lang="en-US" sz="1700" dirty="0" smtClean="0">
+                <a:solidFill>
+                  <a:schemeClr val="tx2"/>
+                </a:solidFill>
+              </a:rPr>
+              <a:t>[h</a:t>
+            </a:r>
+            <a:r>
+              <a:rPr lang="en-US" sz="1700" dirty="0">
+                <a:solidFill>
+                  <a:schemeClr val="tx2"/>
+                </a:solidFill>
+              </a:rPr>
+              <a:t>] += </a:t>
+            </a:r>
+            <a:r>
+              <a:rPr lang="en-US" sz="1700" dirty="0" err="1">
+                <a:solidFill>
+                  <a:schemeClr val="tx2"/>
+                </a:solidFill>
+              </a:rPr>
+              <a:t>order.demand</a:t>
+            </a:r>
+            <a:endParaRPr lang="en-US" sz="1700" dirty="0">
+              <a:solidFill>
+                <a:schemeClr val="tx2"/>
+              </a:solidFill>
+            </a:endParaRPr>
+          </a:p>
+          <a:p>
+            <a:pPr marL="0" indent="0" fontAlgn="base">
+              <a:lnSpc>
+                <a:spcPct val="100000"/>
+              </a:lnSpc>
+              <a:spcBef>
+                <a:spcPct val="0"/>
+              </a:spcBef>
+              <a:spcAft>
+                <a:spcPct val="0"/>
+              </a:spcAft>
+              <a:buNone/>
+            </a:pPr>
+            <a:r>
+              <a:rPr lang="en-US" sz="1700" dirty="0" smtClean="0">
+                <a:solidFill>
+                  <a:schemeClr val="tx2"/>
+                </a:solidFill>
+              </a:rPr>
+              <a:t>                    </a:t>
+            </a:r>
+            <a:r>
+              <a:rPr lang="en-US" sz="1700" dirty="0" err="1" smtClean="0">
+                <a:solidFill>
+                  <a:schemeClr val="tx2"/>
+                </a:solidFill>
+              </a:rPr>
+              <a:t>orderIsSatisfied</a:t>
+            </a:r>
+            <a:r>
+              <a:rPr lang="en-US" sz="1700" dirty="0" smtClean="0">
+                <a:solidFill>
+                  <a:schemeClr val="tx2"/>
+                </a:solidFill>
+              </a:rPr>
+              <a:t> </a:t>
+            </a:r>
+            <a:r>
+              <a:rPr lang="en-US" sz="1700" dirty="0">
+                <a:solidFill>
+                  <a:schemeClr val="tx2"/>
+                </a:solidFill>
+              </a:rPr>
+              <a:t>= </a:t>
+            </a:r>
+            <a:r>
+              <a:rPr lang="en-US" sz="1700" dirty="0" smtClean="0">
+                <a:solidFill>
+                  <a:schemeClr val="tx2"/>
+                </a:solidFill>
+              </a:rPr>
+              <a:t>true</a:t>
+            </a:r>
+            <a:endParaRPr lang="es-ES" sz="1700" b="1" dirty="0">
+              <a:solidFill>
+                <a:schemeClr val="tx2"/>
+              </a:solidFill>
+            </a:endParaRPr>
+          </a:p>
+          <a:p>
+            <a:pPr marL="0" indent="0" fontAlgn="base">
+              <a:lnSpc>
+                <a:spcPct val="100000"/>
+              </a:lnSpc>
+              <a:spcBef>
+                <a:spcPct val="0"/>
+              </a:spcBef>
+              <a:spcAft>
+                <a:spcPct val="0"/>
+              </a:spcAft>
+              <a:buNone/>
+            </a:pPr>
+            <a:r>
+              <a:rPr lang="es-ES" sz="1700" b="1" dirty="0">
+                <a:solidFill>
+                  <a:schemeClr val="tx2"/>
+                </a:solidFill>
+              </a:rPr>
+              <a:t>           </a:t>
+            </a:r>
+            <a:r>
+              <a:rPr lang="es-ES" sz="1700" b="1" dirty="0" smtClean="0">
+                <a:solidFill>
+                  <a:schemeClr val="tx2"/>
+                </a:solidFill>
+              </a:rPr>
+              <a:t>  </a:t>
+            </a:r>
+            <a:r>
+              <a:rPr lang="es-ES" sz="1700" b="1" dirty="0" err="1" smtClean="0">
+                <a:solidFill>
+                  <a:schemeClr val="tx2"/>
+                </a:solidFill>
+              </a:rPr>
+              <a:t>end</a:t>
+            </a:r>
+            <a:r>
+              <a:rPr lang="es-ES" sz="1700" b="1" dirty="0" smtClean="0">
+                <a:solidFill>
+                  <a:schemeClr val="tx2"/>
+                </a:solidFill>
+              </a:rPr>
+              <a:t> </a:t>
+            </a:r>
+            <a:r>
+              <a:rPr lang="es-ES" sz="1700" b="1" dirty="0" err="1" smtClean="0">
+                <a:solidFill>
+                  <a:schemeClr val="tx2"/>
+                </a:solidFill>
+              </a:rPr>
+              <a:t>if</a:t>
+            </a:r>
+            <a:r>
+              <a:rPr lang="es-ES" sz="1700" b="1" dirty="0" smtClean="0">
+                <a:solidFill>
+                  <a:schemeClr val="tx2"/>
+                </a:solidFill>
+              </a:rPr>
+              <a:t>  </a:t>
+            </a:r>
+            <a:r>
+              <a:rPr lang="es-ES" sz="1700" b="1" dirty="0">
+                <a:solidFill>
+                  <a:schemeClr val="tx2"/>
+                </a:solidFill>
+              </a:rPr>
+              <a:t/>
+            </a:r>
+            <a:br>
+              <a:rPr lang="es-ES" sz="1700" b="1" dirty="0">
+                <a:solidFill>
+                  <a:schemeClr val="tx2"/>
+                </a:solidFill>
+              </a:rPr>
+            </a:br>
+            <a:r>
+              <a:rPr lang="es-ES" sz="1700" b="1" dirty="0">
+                <a:solidFill>
+                  <a:schemeClr val="tx2"/>
+                </a:solidFill>
+              </a:rPr>
+              <a:t>  </a:t>
+            </a:r>
+            <a:r>
+              <a:rPr lang="es-ES" sz="1700" b="1" dirty="0" smtClean="0">
+                <a:solidFill>
+                  <a:schemeClr val="tx2"/>
+                </a:solidFill>
+              </a:rPr>
+              <a:t>   </a:t>
+            </a:r>
+            <a:r>
+              <a:rPr lang="es-ES" sz="1700" b="1" dirty="0" smtClean="0">
+                <a:solidFill>
+                  <a:schemeClr val="tx2"/>
+                </a:solidFill>
+              </a:rPr>
+              <a:t>   </a:t>
+            </a:r>
+            <a:r>
+              <a:rPr lang="es-ES" sz="1700" b="1" dirty="0" err="1" smtClean="0">
+                <a:solidFill>
+                  <a:schemeClr val="tx2"/>
+                </a:solidFill>
+              </a:rPr>
+              <a:t>end</a:t>
+            </a:r>
+            <a:r>
+              <a:rPr lang="es-ES" sz="1700" b="1" dirty="0" smtClean="0">
+                <a:solidFill>
+                  <a:schemeClr val="tx2"/>
+                </a:solidFill>
+              </a:rPr>
+              <a:t> </a:t>
+            </a:r>
+            <a:r>
+              <a:rPr lang="es-ES" sz="1700" b="1" dirty="0" err="1" smtClean="0">
+                <a:solidFill>
+                  <a:schemeClr val="tx2"/>
+                </a:solidFill>
+              </a:rPr>
+              <a:t>for</a:t>
+            </a:r>
+            <a:r>
+              <a:rPr lang="es-ES" sz="1700" b="1" dirty="0">
+                <a:solidFill>
+                  <a:schemeClr val="tx2"/>
+                </a:solidFill>
+              </a:rPr>
+              <a:t/>
+            </a:r>
+            <a:br>
+              <a:rPr lang="es-ES" sz="1700" b="1" dirty="0">
+                <a:solidFill>
+                  <a:schemeClr val="tx2"/>
+                </a:solidFill>
+              </a:rPr>
+            </a:br>
+            <a:r>
+              <a:rPr lang="es-ES" sz="1700" b="1" dirty="0" smtClean="0">
+                <a:solidFill>
+                  <a:schemeClr val="tx2"/>
+                </a:solidFill>
+              </a:rPr>
+              <a:t>   </a:t>
+            </a:r>
+            <a:r>
+              <a:rPr lang="es-ES" sz="1700" b="1" dirty="0" err="1" smtClean="0">
+                <a:solidFill>
+                  <a:schemeClr val="tx2"/>
+                </a:solidFill>
+              </a:rPr>
+              <a:t>end</a:t>
+            </a:r>
+            <a:r>
+              <a:rPr lang="es-ES" sz="1700" b="1" dirty="0" smtClean="0">
+                <a:solidFill>
+                  <a:schemeClr val="tx2"/>
+                </a:solidFill>
+              </a:rPr>
+              <a:t> </a:t>
+            </a:r>
+            <a:r>
+              <a:rPr lang="es-ES" sz="1700" b="1" dirty="0" err="1" smtClean="0">
+                <a:solidFill>
+                  <a:schemeClr val="tx2"/>
+                </a:solidFill>
+              </a:rPr>
+              <a:t>for</a:t>
+            </a:r>
+            <a:endParaRPr lang="es-ES" sz="1700" b="1" dirty="0" smtClean="0">
+              <a:solidFill>
+                <a:schemeClr val="tx2"/>
+              </a:solidFill>
+            </a:endParaRPr>
+          </a:p>
+          <a:p>
+            <a:pPr marL="0" indent="0" fontAlgn="base">
+              <a:lnSpc>
+                <a:spcPct val="100000"/>
+              </a:lnSpc>
+              <a:spcBef>
+                <a:spcPct val="0"/>
+              </a:spcBef>
+              <a:spcAft>
+                <a:spcPct val="0"/>
+              </a:spcAft>
+              <a:buNone/>
+            </a:pPr>
+            <a:r>
+              <a:rPr lang="es-ES" sz="1700" b="1" dirty="0">
+                <a:solidFill>
+                  <a:schemeClr val="tx2"/>
+                </a:solidFill>
+              </a:rPr>
+              <a:t> </a:t>
+            </a:r>
+            <a:r>
+              <a:rPr lang="es-ES" sz="1700" b="1" dirty="0" smtClean="0">
+                <a:solidFill>
+                  <a:schemeClr val="tx2"/>
+                </a:solidFill>
+              </a:rPr>
+              <a:t>  </a:t>
+            </a:r>
+            <a:r>
+              <a:rPr lang="en-US" sz="1700" dirty="0">
+                <a:solidFill>
+                  <a:schemeClr val="tx2"/>
+                </a:solidFill>
+              </a:rPr>
+              <a:t> </a:t>
+            </a:r>
+            <a:r>
+              <a:rPr lang="en-US" sz="1700" dirty="0" smtClean="0">
+                <a:solidFill>
+                  <a:schemeClr val="tx2"/>
+                </a:solidFill>
+              </a:rPr>
+              <a:t>  </a:t>
+            </a:r>
+            <a:r>
+              <a:rPr lang="en-US" sz="1700" b="1" dirty="0" smtClean="0">
+                <a:solidFill>
+                  <a:schemeClr val="tx2"/>
+                </a:solidFill>
+              </a:rPr>
+              <a:t>if</a:t>
+            </a:r>
+            <a:r>
+              <a:rPr lang="en-US" sz="1700" dirty="0" smtClean="0">
+                <a:solidFill>
+                  <a:schemeClr val="tx2"/>
+                </a:solidFill>
+              </a:rPr>
+              <a:t> (</a:t>
+            </a:r>
+            <a:r>
+              <a:rPr lang="en-US" sz="1700" dirty="0" err="1">
+                <a:solidFill>
+                  <a:schemeClr val="tx2"/>
+                </a:solidFill>
+              </a:rPr>
+              <a:t>orderIsSatisfied</a:t>
+            </a:r>
+            <a:r>
+              <a:rPr lang="en-US" sz="1700" dirty="0">
+                <a:solidFill>
+                  <a:schemeClr val="tx2"/>
+                </a:solidFill>
+              </a:rPr>
+              <a:t> </a:t>
+            </a:r>
+            <a:r>
+              <a:rPr lang="en-US" sz="1700" dirty="0" smtClean="0">
+                <a:solidFill>
+                  <a:schemeClr val="tx2"/>
+                </a:solidFill>
+              </a:rPr>
+              <a:t>== false) </a:t>
+            </a:r>
+          </a:p>
+          <a:p>
+            <a:pPr marL="0" indent="0" fontAlgn="base">
+              <a:lnSpc>
+                <a:spcPct val="100000"/>
+              </a:lnSpc>
+              <a:spcBef>
+                <a:spcPct val="0"/>
+              </a:spcBef>
+              <a:spcAft>
+                <a:spcPct val="0"/>
+              </a:spcAft>
+              <a:buNone/>
+            </a:pPr>
+            <a:r>
+              <a:rPr lang="en-US" sz="1700" b="1" dirty="0">
+                <a:solidFill>
+                  <a:schemeClr val="tx2"/>
+                </a:solidFill>
+              </a:rPr>
+              <a:t> </a:t>
+            </a:r>
+            <a:r>
+              <a:rPr lang="en-US" sz="1700" b="1" dirty="0" smtClean="0">
+                <a:solidFill>
+                  <a:schemeClr val="tx2"/>
+                </a:solidFill>
+              </a:rPr>
+              <a:t>     </a:t>
+            </a:r>
+            <a:r>
+              <a:rPr lang="en-US" sz="1700" dirty="0" err="1" smtClean="0">
+                <a:solidFill>
+                  <a:schemeClr val="tx2"/>
+                </a:solidFill>
+              </a:rPr>
+              <a:t>resultMin</a:t>
+            </a:r>
+            <a:r>
+              <a:rPr lang="en-US" sz="1700" dirty="0" smtClean="0">
+                <a:solidFill>
+                  <a:schemeClr val="tx2"/>
+                </a:solidFill>
+              </a:rPr>
+              <a:t> </a:t>
+            </a:r>
+            <a:r>
+              <a:rPr lang="en-US" sz="1700" dirty="0">
+                <a:solidFill>
+                  <a:schemeClr val="tx2"/>
+                </a:solidFill>
+              </a:rPr>
+              <a:t>+= </a:t>
+            </a:r>
+            <a:r>
+              <a:rPr lang="es-ES" sz="1700" dirty="0" err="1" smtClean="0">
+                <a:solidFill>
+                  <a:schemeClr val="tx2"/>
+                </a:solidFill>
+              </a:rPr>
+              <a:t>expressCost</a:t>
+            </a:r>
+            <a:r>
+              <a:rPr lang="es-ES" sz="1700" b="1" dirty="0">
+                <a:solidFill>
+                  <a:schemeClr val="tx2"/>
+                </a:solidFill>
+              </a:rPr>
+              <a:t/>
+            </a:r>
+            <a:br>
+              <a:rPr lang="es-ES" sz="1700" b="1" dirty="0">
+                <a:solidFill>
+                  <a:schemeClr val="tx2"/>
+                </a:solidFill>
+              </a:rPr>
+            </a:br>
+            <a:r>
+              <a:rPr lang="es-ES" sz="1700" b="1" dirty="0" err="1" smtClean="0">
+                <a:solidFill>
+                  <a:schemeClr val="tx2"/>
+                </a:solidFill>
+              </a:rPr>
+              <a:t>end</a:t>
+            </a:r>
+            <a:r>
+              <a:rPr lang="es-ES" sz="1700" b="1" dirty="0" smtClean="0">
+                <a:solidFill>
+                  <a:schemeClr val="tx2"/>
+                </a:solidFill>
+              </a:rPr>
+              <a:t> </a:t>
+            </a:r>
+            <a:r>
+              <a:rPr lang="es-ES" sz="1700" b="1" dirty="0" err="1" smtClean="0">
+                <a:solidFill>
+                  <a:schemeClr val="tx2"/>
+                </a:solidFill>
+              </a:rPr>
+              <a:t>for</a:t>
+            </a:r>
+            <a:endParaRPr lang="es-ES" sz="1700" b="1" dirty="0">
+              <a:solidFill>
+                <a:schemeClr val="tx2"/>
+              </a:solidFill>
+            </a:endParaRPr>
+          </a:p>
+        </p:txBody>
+      </p:sp>
+    </p:spTree>
+    <p:extLst>
+      <p:ext uri="{BB962C8B-B14F-4D97-AF65-F5344CB8AC3E}">
+        <p14:creationId xmlns:p14="http://schemas.microsoft.com/office/powerpoint/2010/main" val="2384216500"/>
       </p:ext>
     </p:extLst>
   </p:cSld>
@@ -21473,10 +24892,17 @@
       </p:transition>
     </mc:Fallback>
   </mc:AlternateContent>
+  <p:timing>
+    <p:tnLst>
+      <p:par>
+        <p:cTn id="1" dur="indefinite" restart="never" nodeType="tmRoot"/>
+      </p:par>
+    </p:tnLst>
+  </p:timing>
 </p:sld>
 </file>
 
-<file path=ppt/slides/slide8.xml><?xml version="1.0" encoding="utf-8"?>
+<file path=ppt/slides/slide9.xml><?xml version="1.0" encoding="utf-8"?>
 <p:sld xmlns:a="http://schemas.openxmlformats.org/drawingml/2006/main" xmlns:r="http://schemas.openxmlformats.org/officeDocument/2006/relationships" xmlns:p="http://schemas.openxmlformats.org/presentationml/2006/main">
   <p:cSld>
     <p:spTree>
@@ -21498,7 +24924,7 @@
           <p:cNvPr id="4" name="Table 3">
             <a:extLst>
               <a:ext uri="{FF2B5EF4-FFF2-40B4-BE49-F238E27FC236}">
-                <a16:creationId xmlns:a16="http://schemas.microsoft.com/office/drawing/2014/main" id="{16CA9473-8F0D-4C48-BB9A-8EE40BF50D92}"/>
+                <a16:creationId xmlns="" xmlns:a16="http://schemas.microsoft.com/office/drawing/2014/main" id="{16CA9473-8F0D-4C48-BB9A-8EE40BF50D92}"/>
               </a:ext>
             </a:extLst>
           </p:cNvPr>
@@ -21515,7 +24941,7 @@
         </p:nvGraphicFramePr>
         <p:xfrm>
           <a:off x="-3" y="3"/>
-          <a:ext cx="12192003" cy="6857997"/>
+          <a:ext cx="12192003" cy="7371565"/>
         </p:xfrm>
         <a:graphic>
           <a:graphicData uri="http://schemas.openxmlformats.org/drawingml/2006/table">
@@ -21527,63 +24953,63 @@
                 <a:gridCol w="1000125">
                   <a:extLst>
                     <a:ext uri="{9D8B030D-6E8A-4147-A177-3AD203B41FA5}">
-                      <a16:colId xmlns:a16="http://schemas.microsoft.com/office/drawing/2014/main" val="34760263"/>
+                      <a16:colId xmlns="" xmlns:a16="http://schemas.microsoft.com/office/drawing/2014/main" val="34760263"/>
                     </a:ext>
                   </a:extLst>
                 </a:gridCol>
                 <a:gridCol w="1042988">
                   <a:extLst>
                     <a:ext uri="{9D8B030D-6E8A-4147-A177-3AD203B41FA5}">
-                      <a16:colId xmlns:a16="http://schemas.microsoft.com/office/drawing/2014/main" val="3812687379"/>
+                      <a16:colId xmlns="" xmlns:a16="http://schemas.microsoft.com/office/drawing/2014/main" val="3812687379"/>
                     </a:ext>
                   </a:extLst>
                 </a:gridCol>
                 <a:gridCol w="1600200">
                   <a:extLst>
                     <a:ext uri="{9D8B030D-6E8A-4147-A177-3AD203B41FA5}">
-                      <a16:colId xmlns:a16="http://schemas.microsoft.com/office/drawing/2014/main" val="1933821378"/>
+                      <a16:colId xmlns="" xmlns:a16="http://schemas.microsoft.com/office/drawing/2014/main" val="1933821378"/>
                     </a:ext>
                   </a:extLst>
                 </a:gridCol>
                 <a:gridCol w="1943100">
                   <a:extLst>
                     <a:ext uri="{9D8B030D-6E8A-4147-A177-3AD203B41FA5}">
-                      <a16:colId xmlns:a16="http://schemas.microsoft.com/office/drawing/2014/main" val="875010954"/>
+                      <a16:colId xmlns="" xmlns:a16="http://schemas.microsoft.com/office/drawing/2014/main" val="875010954"/>
                     </a:ext>
                   </a:extLst>
                 </a:gridCol>
                 <a:gridCol w="728662">
                   <a:extLst>
                     <a:ext uri="{9D8B030D-6E8A-4147-A177-3AD203B41FA5}">
-                      <a16:colId xmlns:a16="http://schemas.microsoft.com/office/drawing/2014/main" val="1078558424"/>
+                      <a16:colId xmlns="" xmlns:a16="http://schemas.microsoft.com/office/drawing/2014/main" val="1078558424"/>
                     </a:ext>
                   </a:extLst>
                 </a:gridCol>
                 <a:gridCol w="1114428">
                   <a:extLst>
                     <a:ext uri="{9D8B030D-6E8A-4147-A177-3AD203B41FA5}">
-                      <a16:colId xmlns:a16="http://schemas.microsoft.com/office/drawing/2014/main" val="112756927"/>
+                      <a16:colId xmlns="" xmlns:a16="http://schemas.microsoft.com/office/drawing/2014/main" val="112756927"/>
                     </a:ext>
                   </a:extLst>
                 </a:gridCol>
                 <a:gridCol w="1685925">
                   <a:extLst>
                     <a:ext uri="{9D8B030D-6E8A-4147-A177-3AD203B41FA5}">
-                      <a16:colId xmlns:a16="http://schemas.microsoft.com/office/drawing/2014/main" val="4050224548"/>
+                      <a16:colId xmlns="" xmlns:a16="http://schemas.microsoft.com/office/drawing/2014/main" val="4050224548"/>
                     </a:ext>
                   </a:extLst>
                 </a:gridCol>
                 <a:gridCol w="1443038">
                   <a:extLst>
                     <a:ext uri="{9D8B030D-6E8A-4147-A177-3AD203B41FA5}">
-                      <a16:colId xmlns:a16="http://schemas.microsoft.com/office/drawing/2014/main" val="1071222725"/>
+                      <a16:colId xmlns="" xmlns:a16="http://schemas.microsoft.com/office/drawing/2014/main" val="1071222725"/>
                     </a:ext>
                   </a:extLst>
                 </a:gridCol>
                 <a:gridCol w="1633537">
                   <a:extLst>
                     <a:ext uri="{9D8B030D-6E8A-4147-A177-3AD203B41FA5}">
-                      <a16:colId xmlns:a16="http://schemas.microsoft.com/office/drawing/2014/main" val="4215464752"/>
+                      <a16:colId xmlns="" xmlns:a16="http://schemas.microsoft.com/office/drawing/2014/main" val="4215464752"/>
                     </a:ext>
                   </a:extLst>
                 </a:gridCol>
@@ -21787,7 +25213,7 @@
                 </a:tc>
                 <a:extLst>
                   <a:ext uri="{0D108BD9-81ED-4DB2-BD59-A6C34878D82A}">
-                    <a16:rowId xmlns:a16="http://schemas.microsoft.com/office/drawing/2014/main" val="1745891069"/>
+                    <a16:rowId xmlns="" xmlns:a16="http://schemas.microsoft.com/office/drawing/2014/main" val="1745891069"/>
                   </a:ext>
                 </a:extLst>
               </a:tr>
@@ -22035,7 +25461,7 @@
                 </a:tc>
                 <a:extLst>
                   <a:ext uri="{0D108BD9-81ED-4DB2-BD59-A6C34878D82A}">
-                    <a16:rowId xmlns:a16="http://schemas.microsoft.com/office/drawing/2014/main" val="3307466219"/>
+                    <a16:rowId xmlns="" xmlns:a16="http://schemas.microsoft.com/office/drawing/2014/main" val="3307466219"/>
                   </a:ext>
                 </a:extLst>
               </a:tr>
@@ -22245,7 +25671,7 @@
                 </a:tc>
                 <a:extLst>
                   <a:ext uri="{0D108BD9-81ED-4DB2-BD59-A6C34878D82A}">
-                    <a16:rowId xmlns:a16="http://schemas.microsoft.com/office/drawing/2014/main" val="2430767203"/>
+                    <a16:rowId xmlns="" xmlns:a16="http://schemas.microsoft.com/office/drawing/2014/main" val="2430767203"/>
                   </a:ext>
                 </a:extLst>
               </a:tr>
@@ -22473,7 +25899,7 @@
                 </a:tc>
                 <a:extLst>
                   <a:ext uri="{0D108BD9-81ED-4DB2-BD59-A6C34878D82A}">
-                    <a16:rowId xmlns:a16="http://schemas.microsoft.com/office/drawing/2014/main" val="460563303"/>
+                    <a16:rowId xmlns="" xmlns:a16="http://schemas.microsoft.com/office/drawing/2014/main" val="460563303"/>
                   </a:ext>
                 </a:extLst>
               </a:tr>
@@ -22701,7 +26127,7 @@
                 </a:tc>
                 <a:extLst>
                   <a:ext uri="{0D108BD9-81ED-4DB2-BD59-A6C34878D82A}">
-                    <a16:rowId xmlns:a16="http://schemas.microsoft.com/office/drawing/2014/main" val="3260662345"/>
+                    <a16:rowId xmlns="" xmlns:a16="http://schemas.microsoft.com/office/drawing/2014/main" val="3260662345"/>
                   </a:ext>
                 </a:extLst>
               </a:tr>
@@ -22924,7 +26350,7 @@
                 </a:tc>
                 <a:extLst>
                   <a:ext uri="{0D108BD9-81ED-4DB2-BD59-A6C34878D82A}">
-                    <a16:rowId xmlns:a16="http://schemas.microsoft.com/office/drawing/2014/main" val="3181831911"/>
+                    <a16:rowId xmlns="" xmlns:a16="http://schemas.microsoft.com/office/drawing/2014/main" val="3181831911"/>
                   </a:ext>
                 </a:extLst>
               </a:tr>
@@ -23147,7 +26573,7 @@
                 </a:tc>
                 <a:extLst>
                   <a:ext uri="{0D108BD9-81ED-4DB2-BD59-A6C34878D82A}">
-                    <a16:rowId xmlns:a16="http://schemas.microsoft.com/office/drawing/2014/main" val="1027403434"/>
+                    <a16:rowId xmlns="" xmlns:a16="http://schemas.microsoft.com/office/drawing/2014/main" val="1027403434"/>
                   </a:ext>
                 </a:extLst>
               </a:tr>
@@ -23381,7 +26807,7 @@
                 </a:tc>
                 <a:extLst>
                   <a:ext uri="{0D108BD9-81ED-4DB2-BD59-A6C34878D82A}">
-                    <a16:rowId xmlns:a16="http://schemas.microsoft.com/office/drawing/2014/main" val="2611242976"/>
+                    <a16:rowId xmlns="" xmlns:a16="http://schemas.microsoft.com/office/drawing/2014/main" val="2611242976"/>
                   </a:ext>
                 </a:extLst>
               </a:tr>
@@ -23717,7 +27143,7 @@
                 </a:tc>
                 <a:extLst>
                   <a:ext uri="{0D108BD9-81ED-4DB2-BD59-A6C34878D82A}">
-                    <a16:rowId xmlns:a16="http://schemas.microsoft.com/office/drawing/2014/main" val="1376843330"/>
+                    <a16:rowId xmlns="" xmlns:a16="http://schemas.microsoft.com/office/drawing/2014/main" val="1376843330"/>
                   </a:ext>
                 </a:extLst>
               </a:tr>
@@ -23940,7 +27366,7 @@
                 </a:tc>
                 <a:extLst>
                   <a:ext uri="{0D108BD9-81ED-4DB2-BD59-A6C34878D82A}">
-                    <a16:rowId xmlns:a16="http://schemas.microsoft.com/office/drawing/2014/main" val="1592789948"/>
+                    <a16:rowId xmlns="" xmlns:a16="http://schemas.microsoft.com/office/drawing/2014/main" val="1592789948"/>
                   </a:ext>
                 </a:extLst>
               </a:tr>
@@ -23970,78 +27396,13 @@
       </p:transition>
     </mc:Fallback>
   </mc:AlternateContent>
-</p:sld>
-</file>
-
-<file path=ppt/slides/slide9.xml><?xml version="1.0" encoding="utf-8"?>
-<p:sld xmlns:a="http://schemas.openxmlformats.org/drawingml/2006/main" xmlns:r="http://schemas.openxmlformats.org/officeDocument/2006/relationships" xmlns:p="http://schemas.openxmlformats.org/presentationml/2006/main">
-  <p:cSld>
-    <p:spTree>
-      <p:nvGrpSpPr>
-        <p:cNvPr id="1" name=""/>
-        <p:cNvGrpSpPr/>
-        <p:nvPr/>
-      </p:nvGrpSpPr>
-      <p:grpSpPr>
-        <a:xfrm>
-          <a:off x="0" y="0"/>
-          <a:ext cx="0" cy="0"/>
-          <a:chOff x="0" y="0"/>
-          <a:chExt cx="0" cy="0"/>
-        </a:xfrm>
-      </p:grpSpPr>
-      <p:graphicFrame>
-        <p:nvGraphicFramePr>
-          <p:cNvPr id="6" name="Gráfico 1">
-            <a:extLst>
-              <a:ext uri="{FF2B5EF4-FFF2-40B4-BE49-F238E27FC236}">
-                <a16:creationId xmlns:a16="http://schemas.microsoft.com/office/drawing/2014/main" id="{00000000-0008-0000-0100-000002000000}"/>
-              </a:ext>
-            </a:extLst>
-          </p:cNvPr>
-          <p:cNvGraphicFramePr>
-            <a:graphicFrameLocks/>
-          </p:cNvGraphicFramePr>
-          <p:nvPr>
-            <p:extLst>
-              <p:ext uri="{D42A27DB-BD31-4B8C-83A1-F6EECF244321}">
-                <p14:modId xmlns:p14="http://schemas.microsoft.com/office/powerpoint/2010/main" val="4261295714"/>
-              </p:ext>
-            </p:extLst>
-          </p:nvPr>
-        </p:nvGraphicFramePr>
-        <p:xfrm>
-          <a:off x="528638" y="185738"/>
-          <a:ext cx="11258549" cy="6429375"/>
-        </p:xfrm>
-        <a:graphic>
-          <a:graphicData uri="http://schemas.openxmlformats.org/drawingml/2006/chart">
-            <c:chart xmlns:c="http://schemas.openxmlformats.org/drawingml/2006/chart" xmlns:r="http://schemas.openxmlformats.org/officeDocument/2006/relationships" r:id="rId3"/>
-          </a:graphicData>
-        </a:graphic>
-      </p:graphicFrame>
-    </p:spTree>
-    <p:extLst>
-      <p:ext uri="{BB962C8B-B14F-4D97-AF65-F5344CB8AC3E}">
-        <p14:creationId xmlns:p14="http://schemas.microsoft.com/office/powerpoint/2010/main" val="1800380133"/>
-      </p:ext>
-    </p:extLst>
-  </p:cSld>
-  <p:clrMapOvr>
-    <a:masterClrMapping/>
-  </p:clrMapOvr>
-  <mc:AlternateContent xmlns:mc="http://schemas.openxmlformats.org/markup-compatibility/2006" xmlns:p14="http://schemas.microsoft.com/office/powerpoint/2010/main">
-    <mc:Choice Requires="p14">
-      <p:transition spd="med" p14:dur="700">
-        <p:fade/>
-      </p:transition>
-    </mc:Choice>
-    <mc:Fallback xmlns="">
-      <p:transition spd="med">
-        <p:fade/>
-      </p:transition>
-    </mc:Fallback>
-  </mc:AlternateContent>
+  <p:timing>
+    <p:tnLst>
+      <p:par>
+        <p:cTn id="1" dur="indefinite" restart="never" nodeType="tmRoot"/>
+      </p:par>
+    </p:tnLst>
+  </p:timing>
 </p:sld>
 </file>
 

--- a/bpdmo_greedy.pptx
+++ b/bpdmo_greedy.pptx
@@ -303,7 +303,6 @@
           </a:p>
         </c:rich>
       </c:tx>
-      <c:layout/>
       <c:overlay val="0"/>
       <c:spPr>
         <a:noFill/>
@@ -676,11 +675,11 @@
           <c:showBubbleSize val="0"/>
         </c:dLbls>
         <c:smooth val="0"/>
-        <c:axId val="215455320"/>
-        <c:axId val="215456888"/>
+        <c:axId val="223174936"/>
+        <c:axId val="223173760"/>
       </c:lineChart>
       <c:catAx>
-        <c:axId val="215455320"/>
+        <c:axId val="223174936"/>
         <c:scaling>
           <c:orientation val="minMax"/>
         </c:scaling>
@@ -721,7 +720,7 @@
             <a:endParaRPr lang="es-ES"/>
           </a:p>
         </c:txPr>
-        <c:crossAx val="215456888"/>
+        <c:crossAx val="223173760"/>
         <c:crosses val="autoZero"/>
         <c:auto val="1"/>
         <c:lblAlgn val="ctr"/>
@@ -729,7 +728,7 @@
         <c:noMultiLvlLbl val="0"/>
       </c:catAx>
       <c:valAx>
-        <c:axId val="215456888"/>
+        <c:axId val="223173760"/>
         <c:scaling>
           <c:orientation val="minMax"/>
         </c:scaling>
@@ -782,7 +781,7 @@
             <a:endParaRPr lang="es-ES"/>
           </a:p>
         </c:txPr>
-        <c:crossAx val="215455320"/>
+        <c:crossAx val="223174936"/>
         <c:crosses val="autoZero"/>
         <c:crossBetween val="between"/>
       </c:valAx>
@@ -1366,11 +1365,11 @@
           <c:showBubbleSize val="0"/>
         </c:dLbls>
         <c:smooth val="0"/>
-        <c:axId val="216389488"/>
-        <c:axId val="216390272"/>
+        <c:axId val="223175328"/>
+        <c:axId val="224014272"/>
       </c:lineChart>
       <c:catAx>
-        <c:axId val="216389488"/>
+        <c:axId val="223175328"/>
         <c:scaling>
           <c:orientation val="minMax"/>
         </c:scaling>
@@ -1411,7 +1410,7 @@
             <a:endParaRPr lang="es-ES"/>
           </a:p>
         </c:txPr>
-        <c:crossAx val="216390272"/>
+        <c:crossAx val="224014272"/>
         <c:crosses val="autoZero"/>
         <c:auto val="1"/>
         <c:lblAlgn val="ctr"/>
@@ -1419,7 +1418,7 @@
         <c:noMultiLvlLbl val="0"/>
       </c:catAx>
       <c:valAx>
-        <c:axId val="216390272"/>
+        <c:axId val="224014272"/>
         <c:scaling>
           <c:orientation val="minMax"/>
         </c:scaling>
@@ -1474,7 +1473,7 @@
             <a:endParaRPr lang="es-ES"/>
           </a:p>
         </c:txPr>
-        <c:crossAx val="216389488"/>
+        <c:crossAx val="223175328"/>
         <c:crosses val="autoZero"/>
         <c:crossBetween val="between"/>
       </c:valAx>
@@ -2097,11 +2096,11 @@
           <c:showBubbleSize val="0"/>
         </c:dLbls>
         <c:smooth val="0"/>
-        <c:axId val="216388312"/>
-        <c:axId val="216388704"/>
+        <c:axId val="224013488"/>
+        <c:axId val="224015448"/>
       </c:lineChart>
       <c:catAx>
-        <c:axId val="216388312"/>
+        <c:axId val="224013488"/>
         <c:scaling>
           <c:orientation val="minMax"/>
         </c:scaling>
@@ -2145,7 +2144,7 @@
             <a:endParaRPr lang="es-ES"/>
           </a:p>
         </c:txPr>
-        <c:crossAx val="216388704"/>
+        <c:crossAx val="224015448"/>
         <c:crosses val="autoZero"/>
         <c:auto val="1"/>
         <c:lblAlgn val="ctr"/>
@@ -2153,7 +2152,7 @@
         <c:noMultiLvlLbl val="0"/>
       </c:catAx>
       <c:valAx>
-        <c:axId val="216388704"/>
+        <c:axId val="224015448"/>
         <c:scaling>
           <c:orientation val="minMax"/>
         </c:scaling>
@@ -2206,7 +2205,7 @@
             <a:endParaRPr lang="es-ES"/>
           </a:p>
         </c:txPr>
-        <c:crossAx val="216388312"/>
+        <c:crossAx val="224013488"/>
         <c:crosses val="autoZero"/>
         <c:crossBetween val="between"/>
       </c:valAx>
@@ -2774,11 +2773,11 @@
           <c:showBubbleSize val="0"/>
         </c:dLbls>
         <c:smooth val="0"/>
-        <c:axId val="216389096"/>
-        <c:axId val="216391448"/>
+        <c:axId val="224017408"/>
+        <c:axId val="224017800"/>
       </c:lineChart>
       <c:catAx>
-        <c:axId val="216389096"/>
+        <c:axId val="224017408"/>
         <c:scaling>
           <c:orientation val="minMax"/>
         </c:scaling>
@@ -2822,7 +2821,7 @@
             <a:endParaRPr lang="es-ES"/>
           </a:p>
         </c:txPr>
-        <c:crossAx val="216391448"/>
+        <c:crossAx val="224017800"/>
         <c:crosses val="autoZero"/>
         <c:auto val="1"/>
         <c:lblAlgn val="ctr"/>
@@ -2830,7 +2829,7 @@
         <c:noMultiLvlLbl val="0"/>
       </c:catAx>
       <c:valAx>
-        <c:axId val="216391448"/>
+        <c:axId val="224017800"/>
         <c:scaling>
           <c:orientation val="minMax"/>
         </c:scaling>
@@ -2883,7 +2882,7 @@
             <a:endParaRPr lang="es-ES"/>
           </a:p>
         </c:txPr>
-        <c:crossAx val="216389096"/>
+        <c:crossAx val="224017408"/>
         <c:crosses val="autoZero"/>
         <c:crossBetween val="between"/>
       </c:valAx>
@@ -3477,11 +3476,11 @@
           <c:showBubbleSize val="0"/>
         </c:dLbls>
         <c:smooth val="0"/>
-        <c:axId val="216391056"/>
-        <c:axId val="216386744"/>
+        <c:axId val="224018584"/>
+        <c:axId val="224011920"/>
       </c:lineChart>
       <c:catAx>
-        <c:axId val="216391056"/>
+        <c:axId val="224018584"/>
         <c:scaling>
           <c:orientation val="minMax"/>
         </c:scaling>
@@ -3526,7 +3525,7 @@
             <a:endParaRPr lang="es-ES"/>
           </a:p>
         </c:txPr>
-        <c:crossAx val="216386744"/>
+        <c:crossAx val="224011920"/>
         <c:crosses val="autoZero"/>
         <c:auto val="1"/>
         <c:lblAlgn val="ctr"/>
@@ -3534,7 +3533,7 @@
         <c:noMultiLvlLbl val="0"/>
       </c:catAx>
       <c:valAx>
-        <c:axId val="216386744"/>
+        <c:axId val="224011920"/>
         <c:scaling>
           <c:orientation val="minMax"/>
         </c:scaling>
@@ -3587,7 +3586,7 @@
             <a:endParaRPr lang="es-ES"/>
           </a:p>
         </c:txPr>
-        <c:crossAx val="216391056"/>
+        <c:crossAx val="224018584"/>
         <c:crosses val="autoZero"/>
         <c:crossBetween val="between"/>
       </c:valAx>
@@ -4068,11 +4067,11 @@
           <c:showBubbleSize val="0"/>
         </c:dLbls>
         <c:smooth val="0"/>
-        <c:axId val="216392232"/>
-        <c:axId val="216392624"/>
+        <c:axId val="224018976"/>
+        <c:axId val="224016624"/>
       </c:lineChart>
       <c:catAx>
-        <c:axId val="216392232"/>
+        <c:axId val="224018976"/>
         <c:scaling>
           <c:orientation val="minMax"/>
         </c:scaling>
@@ -4116,7 +4115,7 @@
             <a:endParaRPr lang="es-ES"/>
           </a:p>
         </c:txPr>
-        <c:crossAx val="216392624"/>
+        <c:crossAx val="224016624"/>
         <c:crosses val="autoZero"/>
         <c:auto val="1"/>
         <c:lblAlgn val="ctr"/>
@@ -4124,7 +4123,7 @@
         <c:noMultiLvlLbl val="0"/>
       </c:catAx>
       <c:valAx>
-        <c:axId val="216392624"/>
+        <c:axId val="224016624"/>
         <c:scaling>
           <c:orientation val="minMax"/>
         </c:scaling>
@@ -4179,7 +4178,7 @@
             <a:endParaRPr lang="es-ES"/>
           </a:p>
         </c:txPr>
-        <c:crossAx val="216392232"/>
+        <c:crossAx val="224018976"/>
         <c:crosses val="autoZero"/>
         <c:crossBetween val="between"/>
       </c:valAx>
@@ -10882,7 +10881,7 @@
             <a:fld id="{690DC06B-AB08-4449-BBF2-D264D52BB5AA}" type="datetime1">
               <a:rPr lang="es-ES" smtClean="0"/>
               <a:pPr algn="r" rtl="0"/>
-              <a:t>19/01/2019</a:t>
+              <a:t>20/01/2019</a:t>
             </a:fld>
             <a:r>
               <a:rPr lang="es-ES" dirty="0"/>
@@ -11056,7 +11055,7 @@
             <a:fld id="{093B6963-495A-4FE1-8B7F-59E549A2EEB6}" type="datetime1">
               <a:rPr lang="es-ES" smtClean="0"/>
               <a:pPr algn="r"/>
-              <a:t>19/01/2019</a:t>
+              <a:t>20/01/2019</a:t>
             </a:fld>
             <a:endParaRPr lang="es-ES" dirty="0"/>
           </a:p>
@@ -12929,7 +12928,7 @@
             <a:fld id="{934A2FF8-4559-4149-8B79-D85ED6F0B853}" type="datetime1">
               <a:rPr lang="es-ES" smtClean="0"/>
               <a:pPr/>
-              <a:t>19/01/2019</a:t>
+              <a:t>20/01/2019</a:t>
             </a:fld>
             <a:r>
               <a:rPr lang="es-ES" dirty="0"/>
@@ -13258,7 +13257,7 @@
             <a:fld id="{99FE88BC-BA9C-41DB-8175-8FC1D1B95355}" type="datetime1">
               <a:rPr lang="es-ES" smtClean="0"/>
               <a:pPr/>
-              <a:t>19/01/2019</a:t>
+              <a:t>20/01/2019</a:t>
             </a:fld>
             <a:r>
               <a:rPr lang="es-ES" dirty="0"/>
@@ -13452,7 +13451,7 @@
             <a:fld id="{7776A268-E945-41BF-9F85-D7A3B8400346}" type="datetime1">
               <a:rPr lang="es-ES" smtClean="0"/>
               <a:pPr/>
-              <a:t>19/01/2019</a:t>
+              <a:t>20/01/2019</a:t>
             </a:fld>
             <a:endParaRPr lang="es-ES" dirty="0"/>
           </a:p>
@@ -13653,7 +13652,7 @@
             <a:fld id="{CEC05348-D021-422A-8D9F-89EEB8C0F442}" type="datetime1">
               <a:rPr lang="es-ES" smtClean="0"/>
               <a:pPr/>
-              <a:t>19/01/2019</a:t>
+              <a:t>20/01/2019</a:t>
             </a:fld>
             <a:endParaRPr lang="es-ES" dirty="0"/>
           </a:p>
@@ -13931,7 +13930,7 @@
             <a:fld id="{D74F43DC-6EDA-4D74-8B4D-EE036F982A34}" type="datetime1">
               <a:rPr lang="es-ES" smtClean="0"/>
               <a:pPr/>
-              <a:t>19/01/2019</a:t>
+              <a:t>20/01/2019</a:t>
             </a:fld>
             <a:endParaRPr lang="es-ES" dirty="0"/>
           </a:p>
@@ -15004,7 +15003,7 @@
             <a:fld id="{2385DCDB-4A77-4170-9E07-5F1D7C0A0A5B}" type="datetime1">
               <a:rPr lang="es-ES" smtClean="0"/>
               <a:pPr/>
-              <a:t>19/01/2019</a:t>
+              <a:t>20/01/2019</a:t>
             </a:fld>
             <a:endParaRPr lang="es-ES" dirty="0"/>
           </a:p>
@@ -15323,7 +15322,7 @@
             <a:fld id="{B3C6D8C4-ADF9-42A1-9ABC-C61A9E9D2D08}" type="datetime1">
               <a:rPr lang="es-ES" smtClean="0"/>
               <a:pPr/>
-              <a:t>19/01/2019</a:t>
+              <a:t>20/01/2019</a:t>
             </a:fld>
             <a:endParaRPr lang="es-ES" dirty="0"/>
           </a:p>
@@ -15712,7 +15711,7 @@
             <a:fld id="{5B79CF11-FD05-4F88-8EC3-5D4F176B79FC}" type="datetime1">
               <a:rPr lang="es-ES" smtClean="0"/>
               <a:pPr/>
-              <a:t>19/01/2019</a:t>
+              <a:t>20/01/2019</a:t>
             </a:fld>
             <a:endParaRPr lang="es-ES" dirty="0"/>
           </a:p>
@@ -15851,7 +15850,7 @@
             <a:fld id="{FEAFC309-1B63-44A4-A9FC-29FA1501E26B}" type="datetime1">
               <a:rPr lang="es-ES" smtClean="0"/>
               <a:pPr/>
-              <a:t>19/01/2019</a:t>
+              <a:t>20/01/2019</a:t>
             </a:fld>
             <a:endParaRPr lang="es-ES" dirty="0"/>
           </a:p>
@@ -15962,7 +15961,7 @@
             <a:fld id="{87850802-155D-414A-A9FD-662B6F0E4656}" type="datetime1">
               <a:rPr lang="es-ES" smtClean="0"/>
               <a:pPr/>
-              <a:t>19/01/2019</a:t>
+              <a:t>20/01/2019</a:t>
             </a:fld>
             <a:r>
               <a:rPr lang="es-ES" dirty="0"/>
@@ -16265,7 +16264,7 @@
             <a:fld id="{5146D9C0-42AF-411F-B87E-5CF0AD6A3E2D}" type="datetime1">
               <a:rPr lang="es-ES" smtClean="0"/>
               <a:pPr/>
-              <a:t>19/01/2019</a:t>
+              <a:t>20/01/2019</a:t>
             </a:fld>
             <a:endParaRPr lang="es-ES" dirty="0"/>
           </a:p>
@@ -16522,7 +16521,7 @@
             <a:fld id="{EB0EBC17-0101-4DBA-89EA-55E7A4727CA3}" type="datetime1">
               <a:rPr lang="es-ES" noProof="0" smtClean="0"/>
               <a:pPr/>
-              <a:t>19/01/2019</a:t>
+              <a:t>20/01/2019</a:t>
             </a:fld>
             <a:endParaRPr lang="es-ES" noProof="0" dirty="0"/>
           </a:p>
@@ -17119,7 +17118,7 @@
           <p:cNvPr id="8" name="Picture Placeholder 7">
             <a:extLst>
               <a:ext uri="{FF2B5EF4-FFF2-40B4-BE49-F238E27FC236}">
-                <a16:creationId xmlns="" xmlns:a16="http://schemas.microsoft.com/office/drawing/2014/main" id="{59D3FB41-A110-499A-B291-BBBB8318935F}"/>
+                <a16:creationId xmlns:a16="http://schemas.microsoft.com/office/drawing/2014/main" xmlns="" id="{59D3FB41-A110-499A-B291-BBBB8318935F}"/>
               </a:ext>
             </a:extLst>
           </p:cNvPr>
@@ -17192,7 +17191,7 @@
           <p:cNvPr id="6" name="Gráfico 1">
             <a:extLst>
               <a:ext uri="{FF2B5EF4-FFF2-40B4-BE49-F238E27FC236}">
-                <a16:creationId xmlns="" xmlns:a16="http://schemas.microsoft.com/office/drawing/2014/main" id="{00000000-0008-0000-0100-000002000000}"/>
+                <a16:creationId xmlns:a16="http://schemas.microsoft.com/office/drawing/2014/main" xmlns="" id="{00000000-0008-0000-0100-000002000000}"/>
               </a:ext>
             </a:extLst>
           </p:cNvPr>
@@ -17271,7 +17270,7 @@
           <p:cNvPr id="5" name="Gráfico 2">
             <a:extLst>
               <a:ext uri="{FF2B5EF4-FFF2-40B4-BE49-F238E27FC236}">
-                <a16:creationId xmlns="" xmlns:a16="http://schemas.microsoft.com/office/drawing/2014/main" id="{00000000-0008-0000-0100-000003000000}"/>
+                <a16:creationId xmlns:a16="http://schemas.microsoft.com/office/drawing/2014/main" xmlns="" id="{00000000-0008-0000-0100-000003000000}"/>
               </a:ext>
             </a:extLst>
           </p:cNvPr>
@@ -17343,7 +17342,7 @@
           <p:cNvPr id="5" name="Gráfico 2">
             <a:extLst>
               <a:ext uri="{FF2B5EF4-FFF2-40B4-BE49-F238E27FC236}">
-                <a16:creationId xmlns="" xmlns:a16="http://schemas.microsoft.com/office/drawing/2014/main" id="{00000000-0008-0000-0200-000003000000}"/>
+                <a16:creationId xmlns:a16="http://schemas.microsoft.com/office/drawing/2014/main" xmlns="" id="{00000000-0008-0000-0200-000003000000}"/>
               </a:ext>
             </a:extLst>
           </p:cNvPr>
@@ -17415,7 +17414,7 @@
           <p:cNvPr id="3" name="Gráfico 1">
             <a:extLst>
               <a:ext uri="{FF2B5EF4-FFF2-40B4-BE49-F238E27FC236}">
-                <a16:creationId xmlns="" xmlns:a16="http://schemas.microsoft.com/office/drawing/2014/main" id="{00000000-0008-0000-0200-000002000000}"/>
+                <a16:creationId xmlns:a16="http://schemas.microsoft.com/office/drawing/2014/main" xmlns="" id="{00000000-0008-0000-0200-000002000000}"/>
               </a:ext>
             </a:extLst>
           </p:cNvPr>
@@ -17487,7 +17486,7 @@
           <p:cNvPr id="4" name="Gráfico 3">
             <a:extLst>
               <a:ext uri="{FF2B5EF4-FFF2-40B4-BE49-F238E27FC236}">
-                <a16:creationId xmlns="" xmlns:a16="http://schemas.microsoft.com/office/drawing/2014/main" id="{00000000-0008-0000-0300-000004000000}"/>
+                <a16:creationId xmlns:a16="http://schemas.microsoft.com/office/drawing/2014/main" xmlns="" id="{00000000-0008-0000-0300-000004000000}"/>
               </a:ext>
             </a:extLst>
           </p:cNvPr>
@@ -17559,7 +17558,7 @@
           <p:cNvPr id="3" name="Gráfico 1">
             <a:extLst>
               <a:ext uri="{FF2B5EF4-FFF2-40B4-BE49-F238E27FC236}">
-                <a16:creationId xmlns="" xmlns:a16="http://schemas.microsoft.com/office/drawing/2014/main" id="{00000000-0008-0000-0300-000002000000}"/>
+                <a16:creationId xmlns:a16="http://schemas.microsoft.com/office/drawing/2014/main" xmlns="" id="{00000000-0008-0000-0300-000002000000}"/>
               </a:ext>
             </a:extLst>
           </p:cNvPr>
@@ -17796,7 +17795,7 @@
           <p:cNvPr id="4" name="Picture 3">
             <a:extLst>
               <a:ext uri="{FF2B5EF4-FFF2-40B4-BE49-F238E27FC236}">
-                <a16:creationId xmlns="" xmlns:a16="http://schemas.microsoft.com/office/drawing/2014/main" id="{4AB3E1D5-41C5-4969-A070-2CE3ADBCBB95}"/>
+                <a16:creationId xmlns:a16="http://schemas.microsoft.com/office/drawing/2014/main" xmlns="" id="{4AB3E1D5-41C5-4969-A070-2CE3ADBCBB95}"/>
               </a:ext>
             </a:extLst>
           </p:cNvPr>
@@ -17826,7 +17825,7 @@
           <p:cNvPr id="7" name="Picture 6">
             <a:extLst>
               <a:ext uri="{FF2B5EF4-FFF2-40B4-BE49-F238E27FC236}">
-                <a16:creationId xmlns="" xmlns:a16="http://schemas.microsoft.com/office/drawing/2014/main" id="{8D6F78DF-EF8B-49C7-8CC8-A515732BC408}"/>
+                <a16:creationId xmlns:a16="http://schemas.microsoft.com/office/drawing/2014/main" xmlns="" id="{8D6F78DF-EF8B-49C7-8CC8-A515732BC408}"/>
               </a:ext>
             </a:extLst>
           </p:cNvPr>
@@ -17856,7 +17855,7 @@
           <p:cNvPr id="3" name="Picture 2">
             <a:extLst>
               <a:ext uri="{FF2B5EF4-FFF2-40B4-BE49-F238E27FC236}">
-                <a16:creationId xmlns="" xmlns:a16="http://schemas.microsoft.com/office/drawing/2014/main" id="{B4399C38-6E07-41DC-8DEC-6BF8481CD6F3}"/>
+                <a16:creationId xmlns:a16="http://schemas.microsoft.com/office/drawing/2014/main" xmlns="" id="{B4399C38-6E07-41DC-8DEC-6BF8481CD6F3}"/>
               </a:ext>
             </a:extLst>
           </p:cNvPr>
@@ -17957,7 +17956,7 @@
           <p:cNvPr id="20" name="Picture 19">
             <a:extLst>
               <a:ext uri="{FF2B5EF4-FFF2-40B4-BE49-F238E27FC236}">
-                <a16:creationId xmlns="" xmlns:a16="http://schemas.microsoft.com/office/drawing/2014/main" id="{D999E9B1-B8C2-434C-909B-D3F261A963B5}"/>
+                <a16:creationId xmlns:a16="http://schemas.microsoft.com/office/drawing/2014/main" xmlns="" id="{D999E9B1-B8C2-434C-909B-D3F261A963B5}"/>
               </a:ext>
             </a:extLst>
           </p:cNvPr>
@@ -17987,7 +17986,7 @@
           <p:cNvPr id="22" name="Picture 21">
             <a:extLst>
               <a:ext uri="{FF2B5EF4-FFF2-40B4-BE49-F238E27FC236}">
-                <a16:creationId xmlns="" xmlns:a16="http://schemas.microsoft.com/office/drawing/2014/main" id="{6CA733AA-C9B8-4A5B-BEF1-A5026E9F4235}"/>
+                <a16:creationId xmlns:a16="http://schemas.microsoft.com/office/drawing/2014/main" xmlns="" id="{6CA733AA-C9B8-4A5B-BEF1-A5026E9F4235}"/>
               </a:ext>
             </a:extLst>
           </p:cNvPr>
@@ -18017,7 +18016,7 @@
           <p:cNvPr id="63" name="Picture 62">
             <a:extLst>
               <a:ext uri="{FF2B5EF4-FFF2-40B4-BE49-F238E27FC236}">
-                <a16:creationId xmlns="" xmlns:a16="http://schemas.microsoft.com/office/drawing/2014/main" id="{5B15DD52-47DC-4412-A2E6-A60F6687A2AA}"/>
+                <a16:creationId xmlns:a16="http://schemas.microsoft.com/office/drawing/2014/main" xmlns="" id="{5B15DD52-47DC-4412-A2E6-A60F6687A2AA}"/>
               </a:ext>
             </a:extLst>
           </p:cNvPr>
@@ -18053,7 +18052,7 @@
           <p:cNvPr id="106" name="Picture 105">
             <a:extLst>
               <a:ext uri="{FF2B5EF4-FFF2-40B4-BE49-F238E27FC236}">
-                <a16:creationId xmlns="" xmlns:a16="http://schemas.microsoft.com/office/drawing/2014/main" id="{14F6968E-F8BC-4C9E-8B85-4F59E9B70028}"/>
+                <a16:creationId xmlns:a16="http://schemas.microsoft.com/office/drawing/2014/main" xmlns="" id="{14F6968E-F8BC-4C9E-8B85-4F59E9B70028}"/>
               </a:ext>
             </a:extLst>
           </p:cNvPr>
@@ -18095,7 +18094,7 @@
           <p:cNvPr id="108" name="Picture 107">
             <a:extLst>
               <a:ext uri="{FF2B5EF4-FFF2-40B4-BE49-F238E27FC236}">
-                <a16:creationId xmlns="" xmlns:a16="http://schemas.microsoft.com/office/drawing/2014/main" id="{5460B74B-9C86-49B7-B438-C9D4D7DD6EF4}"/>
+                <a16:creationId xmlns:a16="http://schemas.microsoft.com/office/drawing/2014/main" xmlns="" id="{5460B74B-9C86-49B7-B438-C9D4D7DD6EF4}"/>
               </a:ext>
             </a:extLst>
           </p:cNvPr>
@@ -18137,7 +18136,7 @@
           <p:cNvPr id="126" name="Picture 125">
             <a:extLst>
               <a:ext uri="{FF2B5EF4-FFF2-40B4-BE49-F238E27FC236}">
-                <a16:creationId xmlns="" xmlns:a16="http://schemas.microsoft.com/office/drawing/2014/main" id="{2F2210B8-E2C2-4C34-B1D8-515E754290CB}"/>
+                <a16:creationId xmlns:a16="http://schemas.microsoft.com/office/drawing/2014/main" xmlns="" id="{2F2210B8-E2C2-4C34-B1D8-515E754290CB}"/>
               </a:ext>
             </a:extLst>
           </p:cNvPr>
@@ -18173,7 +18172,7 @@
           <p:cNvPr id="127" name="Callout: Bent Line 126">
             <a:extLst>
               <a:ext uri="{FF2B5EF4-FFF2-40B4-BE49-F238E27FC236}">
-                <a16:creationId xmlns="" xmlns:a16="http://schemas.microsoft.com/office/drawing/2014/main" id="{397CF055-B331-413D-B5BB-07280E8153FD}"/>
+                <a16:creationId xmlns:a16="http://schemas.microsoft.com/office/drawing/2014/main" xmlns="" id="{397CF055-B331-413D-B5BB-07280E8153FD}"/>
               </a:ext>
             </a:extLst>
           </p:cNvPr>
@@ -18236,7 +18235,7 @@
           <p:cNvPr id="130" name="Callout: Bent Line 129">
             <a:extLst>
               <a:ext uri="{FF2B5EF4-FFF2-40B4-BE49-F238E27FC236}">
-                <a16:creationId xmlns="" xmlns:a16="http://schemas.microsoft.com/office/drawing/2014/main" id="{96D68CA9-C290-42A1-A7D4-EE0D7EC09841}"/>
+                <a16:creationId xmlns:a16="http://schemas.microsoft.com/office/drawing/2014/main" xmlns="" id="{96D68CA9-C290-42A1-A7D4-EE0D7EC09841}"/>
               </a:ext>
             </a:extLst>
           </p:cNvPr>
@@ -18294,7 +18293,7 @@
           <p:cNvPr id="131" name="Callout: Bent Line 130">
             <a:extLst>
               <a:ext uri="{FF2B5EF4-FFF2-40B4-BE49-F238E27FC236}">
-                <a16:creationId xmlns="" xmlns:a16="http://schemas.microsoft.com/office/drawing/2014/main" id="{A802EC55-C5E1-49FD-A1D8-34D9EAFBC27C}"/>
+                <a16:creationId xmlns:a16="http://schemas.microsoft.com/office/drawing/2014/main" xmlns="" id="{A802EC55-C5E1-49FD-A1D8-34D9EAFBC27C}"/>
               </a:ext>
             </a:extLst>
           </p:cNvPr>
@@ -18356,7 +18355,7 @@
           <p:cNvPr id="133" name="Callout: Bent Line 132">
             <a:extLst>
               <a:ext uri="{FF2B5EF4-FFF2-40B4-BE49-F238E27FC236}">
-                <a16:creationId xmlns="" xmlns:a16="http://schemas.microsoft.com/office/drawing/2014/main" id="{494B9882-814D-47EA-BA74-F87861720779}"/>
+                <a16:creationId xmlns:a16="http://schemas.microsoft.com/office/drawing/2014/main" xmlns="" id="{494B9882-814D-47EA-BA74-F87861720779}"/>
               </a:ext>
             </a:extLst>
           </p:cNvPr>
@@ -18418,7 +18417,7 @@
           <p:cNvPr id="134" name="TextBox 133">
             <a:extLst>
               <a:ext uri="{FF2B5EF4-FFF2-40B4-BE49-F238E27FC236}">
-                <a16:creationId xmlns="" xmlns:a16="http://schemas.microsoft.com/office/drawing/2014/main" id="{D74BA1D6-760F-4BF0-B768-1F8E70ABD577}"/>
+                <a16:creationId xmlns:a16="http://schemas.microsoft.com/office/drawing/2014/main" xmlns="" id="{D74BA1D6-760F-4BF0-B768-1F8E70ABD577}"/>
               </a:ext>
             </a:extLst>
           </p:cNvPr>
@@ -18457,7 +18456,7 @@
           <p:cNvPr id="135" name="TextBox 134">
             <a:extLst>
               <a:ext uri="{FF2B5EF4-FFF2-40B4-BE49-F238E27FC236}">
-                <a16:creationId xmlns="" xmlns:a16="http://schemas.microsoft.com/office/drawing/2014/main" id="{75730175-D07F-45EB-8271-B044C4A63E00}"/>
+                <a16:creationId xmlns:a16="http://schemas.microsoft.com/office/drawing/2014/main" xmlns="" id="{75730175-D07F-45EB-8271-B044C4A63E00}"/>
               </a:ext>
             </a:extLst>
           </p:cNvPr>
@@ -18496,7 +18495,7 @@
           <p:cNvPr id="137" name="Callout: Bent Line 136">
             <a:extLst>
               <a:ext uri="{FF2B5EF4-FFF2-40B4-BE49-F238E27FC236}">
-                <a16:creationId xmlns="" xmlns:a16="http://schemas.microsoft.com/office/drawing/2014/main" id="{3C9663B5-0E20-499F-9430-0E655D044E15}"/>
+                <a16:creationId xmlns:a16="http://schemas.microsoft.com/office/drawing/2014/main" xmlns="" id="{3C9663B5-0E20-499F-9430-0E655D044E15}"/>
               </a:ext>
             </a:extLst>
           </p:cNvPr>
@@ -18558,7 +18557,7 @@
           <p:cNvPr id="48" name="Picture 47">
             <a:extLst>
               <a:ext uri="{FF2B5EF4-FFF2-40B4-BE49-F238E27FC236}">
-                <a16:creationId xmlns="" xmlns:a16="http://schemas.microsoft.com/office/drawing/2014/main" id="{970396B5-9118-42A9-904D-F72BD292492F}"/>
+                <a16:creationId xmlns:a16="http://schemas.microsoft.com/office/drawing/2014/main" xmlns="" id="{970396B5-9118-42A9-904D-F72BD292492F}"/>
               </a:ext>
             </a:extLst>
           </p:cNvPr>
@@ -18666,7 +18665,7 @@
           <p:cNvPr id="4" name="Picture 3">
             <a:extLst>
               <a:ext uri="{FF2B5EF4-FFF2-40B4-BE49-F238E27FC236}">
-                <a16:creationId xmlns="" xmlns:a16="http://schemas.microsoft.com/office/drawing/2014/main" id="{09B31EB0-88C9-4158-8CC2-885407DCC438}"/>
+                <a16:creationId xmlns:a16="http://schemas.microsoft.com/office/drawing/2014/main" xmlns="" id="{09B31EB0-88C9-4158-8CC2-885407DCC438}"/>
               </a:ext>
             </a:extLst>
           </p:cNvPr>
@@ -18702,7 +18701,7 @@
           <p:cNvPr id="12" name="Picture 11">
             <a:extLst>
               <a:ext uri="{FF2B5EF4-FFF2-40B4-BE49-F238E27FC236}">
-                <a16:creationId xmlns="" xmlns:a16="http://schemas.microsoft.com/office/drawing/2014/main" id="{8BBCB643-8A26-4D85-A775-0B7A868934BE}"/>
+                <a16:creationId xmlns:a16="http://schemas.microsoft.com/office/drawing/2014/main" xmlns="" id="{8BBCB643-8A26-4D85-A775-0B7A868934BE}"/>
               </a:ext>
             </a:extLst>
           </p:cNvPr>
@@ -18732,7 +18731,7 @@
           <p:cNvPr id="6" name="Speech Bubble: Rectangle with Corners Rounded 5">
             <a:extLst>
               <a:ext uri="{FF2B5EF4-FFF2-40B4-BE49-F238E27FC236}">
-                <a16:creationId xmlns="" xmlns:a16="http://schemas.microsoft.com/office/drawing/2014/main" id="{D5C8FBE0-8128-4C4E-A630-4581C1986965}"/>
+                <a16:creationId xmlns:a16="http://schemas.microsoft.com/office/drawing/2014/main" xmlns="" id="{D5C8FBE0-8128-4C4E-A630-4581C1986965}"/>
               </a:ext>
             </a:extLst>
           </p:cNvPr>
@@ -18783,7 +18782,7 @@
           <p:cNvPr id="13" name="Picture 12">
             <a:extLst>
               <a:ext uri="{FF2B5EF4-FFF2-40B4-BE49-F238E27FC236}">
-                <a16:creationId xmlns="" xmlns:a16="http://schemas.microsoft.com/office/drawing/2014/main" id="{2303C603-5685-42E3-8181-CEB4B850D0FD}"/>
+                <a16:creationId xmlns:a16="http://schemas.microsoft.com/office/drawing/2014/main" xmlns="" id="{2303C603-5685-42E3-8181-CEB4B850D0FD}"/>
               </a:ext>
             </a:extLst>
           </p:cNvPr>
@@ -18813,7 +18812,7 @@
           <p:cNvPr id="17" name="Speech Bubble: Rectangle with Corners Rounded 16">
             <a:extLst>
               <a:ext uri="{FF2B5EF4-FFF2-40B4-BE49-F238E27FC236}">
-                <a16:creationId xmlns="" xmlns:a16="http://schemas.microsoft.com/office/drawing/2014/main" id="{36BFF22C-8B6F-479C-9A8A-785260030205}"/>
+                <a16:creationId xmlns:a16="http://schemas.microsoft.com/office/drawing/2014/main" xmlns="" id="{36BFF22C-8B6F-479C-9A8A-785260030205}"/>
               </a:ext>
             </a:extLst>
           </p:cNvPr>
@@ -18864,7 +18863,7 @@
           <p:cNvPr id="16" name="TextBox 15">
             <a:extLst>
               <a:ext uri="{FF2B5EF4-FFF2-40B4-BE49-F238E27FC236}">
-                <a16:creationId xmlns="" xmlns:a16="http://schemas.microsoft.com/office/drawing/2014/main" id="{EF788542-589B-4D4F-B65A-ED8F88F99952}"/>
+                <a16:creationId xmlns:a16="http://schemas.microsoft.com/office/drawing/2014/main" xmlns="" id="{EF788542-589B-4D4F-B65A-ED8F88F99952}"/>
               </a:ext>
             </a:extLst>
           </p:cNvPr>
@@ -18920,7 +18919,7 @@
           <p:cNvPr id="7" name="TextBox 6">
             <a:extLst>
               <a:ext uri="{FF2B5EF4-FFF2-40B4-BE49-F238E27FC236}">
-                <a16:creationId xmlns="" xmlns:a16="http://schemas.microsoft.com/office/drawing/2014/main" id="{7B7DD44E-72F6-4785-B494-655ACE3CCE3D}"/>
+                <a16:creationId xmlns:a16="http://schemas.microsoft.com/office/drawing/2014/main" xmlns="" id="{7B7DD44E-72F6-4785-B494-655ACE3CCE3D}"/>
               </a:ext>
             </a:extLst>
           </p:cNvPr>
@@ -18973,7 +18972,7 @@
           <p:cNvPr id="19" name="Speech Bubble: Rectangle with Corners Rounded 18">
             <a:extLst>
               <a:ext uri="{FF2B5EF4-FFF2-40B4-BE49-F238E27FC236}">
-                <a16:creationId xmlns="" xmlns:a16="http://schemas.microsoft.com/office/drawing/2014/main" id="{866C2C8C-0C6C-417B-8EE9-78420CA3542B}"/>
+                <a16:creationId xmlns:a16="http://schemas.microsoft.com/office/drawing/2014/main" xmlns="" id="{866C2C8C-0C6C-417B-8EE9-78420CA3542B}"/>
               </a:ext>
             </a:extLst>
           </p:cNvPr>
@@ -19024,7 +19023,7 @@
           <p:cNvPr id="8" name="TextBox 7">
             <a:extLst>
               <a:ext uri="{FF2B5EF4-FFF2-40B4-BE49-F238E27FC236}">
-                <a16:creationId xmlns="" xmlns:a16="http://schemas.microsoft.com/office/drawing/2014/main" id="{E1997BCC-AC66-4279-A67A-C85CAC10E7F9}"/>
+                <a16:creationId xmlns:a16="http://schemas.microsoft.com/office/drawing/2014/main" xmlns="" id="{E1997BCC-AC66-4279-A67A-C85CAC10E7F9}"/>
               </a:ext>
             </a:extLst>
           </p:cNvPr>
@@ -19080,7 +19079,7 @@
           <p:cNvPr id="21" name="Speech Bubble: Rectangle with Corners Rounded 20">
             <a:extLst>
               <a:ext uri="{FF2B5EF4-FFF2-40B4-BE49-F238E27FC236}">
-                <a16:creationId xmlns="" xmlns:a16="http://schemas.microsoft.com/office/drawing/2014/main" id="{DD220F97-C522-4A0A-8410-A47E2F0DEDFF}"/>
+                <a16:creationId xmlns:a16="http://schemas.microsoft.com/office/drawing/2014/main" xmlns="" id="{DD220F97-C522-4A0A-8410-A47E2F0DEDFF}"/>
               </a:ext>
             </a:extLst>
           </p:cNvPr>
@@ -19131,7 +19130,7 @@
           <p:cNvPr id="10" name="TextBox 9">
             <a:extLst>
               <a:ext uri="{FF2B5EF4-FFF2-40B4-BE49-F238E27FC236}">
-                <a16:creationId xmlns="" xmlns:a16="http://schemas.microsoft.com/office/drawing/2014/main" id="{D7B58DCE-D84F-4A36-B35D-3526714DA155}"/>
+                <a16:creationId xmlns:a16="http://schemas.microsoft.com/office/drawing/2014/main" xmlns="" id="{D7B58DCE-D84F-4A36-B35D-3526714DA155}"/>
               </a:ext>
             </a:extLst>
           </p:cNvPr>
@@ -19179,7 +19178,7 @@
           <p:cNvPr id="14" name="Picture 13">
             <a:extLst>
               <a:ext uri="{FF2B5EF4-FFF2-40B4-BE49-F238E27FC236}">
-                <a16:creationId xmlns="" xmlns:a16="http://schemas.microsoft.com/office/drawing/2014/main" id="{DD1FBBBF-5DC7-4566-83B7-11724A262B7D}"/>
+                <a16:creationId xmlns:a16="http://schemas.microsoft.com/office/drawing/2014/main" xmlns="" id="{DD1FBBBF-5DC7-4566-83B7-11724A262B7D}"/>
               </a:ext>
             </a:extLst>
           </p:cNvPr>
@@ -19320,7 +19319,7 @@
           <p:cNvPr id="6" name="Picture 5">
             <a:extLst>
               <a:ext uri="{FF2B5EF4-FFF2-40B4-BE49-F238E27FC236}">
-                <a16:creationId xmlns="" xmlns:a16="http://schemas.microsoft.com/office/drawing/2014/main" id="{782A8D85-5ED8-43C3-BC0F-6BFC4EA00A62}"/>
+                <a16:creationId xmlns:a16="http://schemas.microsoft.com/office/drawing/2014/main" xmlns="" id="{782A8D85-5ED8-43C3-BC0F-6BFC4EA00A62}"/>
               </a:ext>
             </a:extLst>
           </p:cNvPr>
@@ -19356,7 +19355,7 @@
           <p:cNvPr id="10" name="Picture 9">
             <a:extLst>
               <a:ext uri="{FF2B5EF4-FFF2-40B4-BE49-F238E27FC236}">
-                <a16:creationId xmlns="" xmlns:a16="http://schemas.microsoft.com/office/drawing/2014/main" id="{04A40E3F-A2AD-48DC-BF4A-64A485748669}"/>
+                <a16:creationId xmlns:a16="http://schemas.microsoft.com/office/drawing/2014/main" xmlns="" id="{04A40E3F-A2AD-48DC-BF4A-64A485748669}"/>
               </a:ext>
             </a:extLst>
           </p:cNvPr>
@@ -19386,7 +19385,7 @@
           <p:cNvPr id="12" name="Picture 11">
             <a:extLst>
               <a:ext uri="{FF2B5EF4-FFF2-40B4-BE49-F238E27FC236}">
-                <a16:creationId xmlns="" xmlns:a16="http://schemas.microsoft.com/office/drawing/2014/main" id="{D33F12B3-A5FA-4F54-93AB-678A2A0D2DF2}"/>
+                <a16:creationId xmlns:a16="http://schemas.microsoft.com/office/drawing/2014/main" xmlns="" id="{D33F12B3-A5FA-4F54-93AB-678A2A0D2DF2}"/>
               </a:ext>
             </a:extLst>
           </p:cNvPr>
@@ -19418,7 +19417,7 @@
               <p:cNvPr id="13" name="TextBox 12">
                 <a:extLst>
                   <a:ext uri="{FF2B5EF4-FFF2-40B4-BE49-F238E27FC236}">
-                    <a16:creationId xmlns="" xmlns:a16="http://schemas.microsoft.com/office/drawing/2014/main" id="{B4966AAC-C7DE-4EAC-8440-706C54E5BE9B}"/>
+                    <a16:creationId xmlns:a16="http://schemas.microsoft.com/office/drawing/2014/main" xmlns="" id="{B4966AAC-C7DE-4EAC-8440-706C54E5BE9B}"/>
                   </a:ext>
                 </a:extLst>
               </p:cNvPr>
@@ -19692,7 +19691,7 @@
               <p:cNvPr id="15" name="TextBox 14">
                 <a:extLst>
                   <a:ext uri="{FF2B5EF4-FFF2-40B4-BE49-F238E27FC236}">
-                    <a16:creationId xmlns="" xmlns:a16="http://schemas.microsoft.com/office/drawing/2014/main" id="{370A66A4-B008-4BCF-8B8A-688563E19E48}"/>
+                    <a16:creationId xmlns:a16="http://schemas.microsoft.com/office/drawing/2014/main" xmlns="" id="{370A66A4-B008-4BCF-8B8A-688563E19E48}"/>
                   </a:ext>
                 </a:extLst>
               </p:cNvPr>
@@ -20015,7 +20014,7 @@
               <p:cNvPr id="16" name="TextBox 15">
                 <a:extLst>
                   <a:ext uri="{FF2B5EF4-FFF2-40B4-BE49-F238E27FC236}">
-                    <a16:creationId xmlns="" xmlns:a16="http://schemas.microsoft.com/office/drawing/2014/main" id="{9CA80DB1-7C6A-4B96-8FC5-0D3801EF5660}"/>
+                    <a16:creationId xmlns:a16="http://schemas.microsoft.com/office/drawing/2014/main" xmlns="" id="{9CA80DB1-7C6A-4B96-8FC5-0D3801EF5660}"/>
                   </a:ext>
                 </a:extLst>
               </p:cNvPr>
@@ -20259,7 +20258,7 @@
               <p:cNvPr id="17" name="TextBox 16">
                 <a:extLst>
                   <a:ext uri="{FF2B5EF4-FFF2-40B4-BE49-F238E27FC236}">
-                    <a16:creationId xmlns="" xmlns:a16="http://schemas.microsoft.com/office/drawing/2014/main" id="{5ED90BD9-546E-4CD3-93BE-10D2833E41BC}"/>
+                    <a16:creationId xmlns:a16="http://schemas.microsoft.com/office/drawing/2014/main" xmlns="" id="{5ED90BD9-546E-4CD3-93BE-10D2833E41BC}"/>
                   </a:ext>
                 </a:extLst>
               </p:cNvPr>
@@ -20503,7 +20502,7 @@
           <p:cNvPr id="19" name="Rectangle 18">
             <a:extLst>
               <a:ext uri="{FF2B5EF4-FFF2-40B4-BE49-F238E27FC236}">
-                <a16:creationId xmlns="" xmlns:a16="http://schemas.microsoft.com/office/drawing/2014/main" id="{B44EA830-46C1-44BE-A602-6A44AB9FC00D}"/>
+                <a16:creationId xmlns:a16="http://schemas.microsoft.com/office/drawing/2014/main" xmlns="" id="{B44EA830-46C1-44BE-A602-6A44AB9FC00D}"/>
               </a:ext>
             </a:extLst>
           </p:cNvPr>
@@ -20566,7 +20565,7 @@
               <p:cNvPr id="18" name="TextBox 17">
                 <a:extLst>
                   <a:ext uri="{FF2B5EF4-FFF2-40B4-BE49-F238E27FC236}">
-                    <a16:creationId xmlns="" xmlns:a16="http://schemas.microsoft.com/office/drawing/2014/main" id="{3418578F-786F-400C-954C-DB4CD28CB555}"/>
+                    <a16:creationId xmlns:a16="http://schemas.microsoft.com/office/drawing/2014/main" xmlns="" id="{3418578F-786F-400C-954C-DB4CD28CB555}"/>
                   </a:ext>
                 </a:extLst>
               </p:cNvPr>
@@ -20694,7 +20693,7 @@
           <p:cNvPr id="21" name="Rectangle 20">
             <a:extLst>
               <a:ext uri="{FF2B5EF4-FFF2-40B4-BE49-F238E27FC236}">
-                <a16:creationId xmlns="" xmlns:a16="http://schemas.microsoft.com/office/drawing/2014/main" id="{351BAECD-40B7-4D81-A0AE-E80772DDED46}"/>
+                <a16:creationId xmlns:a16="http://schemas.microsoft.com/office/drawing/2014/main" xmlns="" id="{351BAECD-40B7-4D81-A0AE-E80772DDED46}"/>
               </a:ext>
             </a:extLst>
           </p:cNvPr>
@@ -20755,7 +20754,7 @@
           <p:cNvPr id="22" name="Rectangle 21">
             <a:extLst>
               <a:ext uri="{FF2B5EF4-FFF2-40B4-BE49-F238E27FC236}">
-                <a16:creationId xmlns="" xmlns:a16="http://schemas.microsoft.com/office/drawing/2014/main" id="{B8926D9D-C051-41E4-BB0E-A3D001131A4D}"/>
+                <a16:creationId xmlns:a16="http://schemas.microsoft.com/office/drawing/2014/main" xmlns="" id="{B8926D9D-C051-41E4-BB0E-A3D001131A4D}"/>
               </a:ext>
             </a:extLst>
           </p:cNvPr>
@@ -20818,7 +20817,7 @@
               <p:cNvPr id="20" name="TextBox 19">
                 <a:extLst>
                   <a:ext uri="{FF2B5EF4-FFF2-40B4-BE49-F238E27FC236}">
-                    <a16:creationId xmlns="" xmlns:a16="http://schemas.microsoft.com/office/drawing/2014/main" id="{C632BA72-1FAD-4BBB-BE68-45268DED4DF5}"/>
+                    <a16:creationId xmlns:a16="http://schemas.microsoft.com/office/drawing/2014/main" xmlns="" id="{C632BA72-1FAD-4BBB-BE68-45268DED4DF5}"/>
                   </a:ext>
                 </a:extLst>
               </p:cNvPr>
@@ -20982,7 +20981,7 @@
           <p:cNvPr id="24" name="Rectangle 23">
             <a:extLst>
               <a:ext uri="{FF2B5EF4-FFF2-40B4-BE49-F238E27FC236}">
-                <a16:creationId xmlns="" xmlns:a16="http://schemas.microsoft.com/office/drawing/2014/main" id="{EF78FFFB-757F-4F2C-B5BC-8FBCAE428F0A}"/>
+                <a16:creationId xmlns:a16="http://schemas.microsoft.com/office/drawing/2014/main" xmlns="" id="{EF78FFFB-757F-4F2C-B5BC-8FBCAE428F0A}"/>
               </a:ext>
             </a:extLst>
           </p:cNvPr>
@@ -21045,7 +21044,7 @@
               <p:cNvPr id="23" name="TextBox 22">
                 <a:extLst>
                   <a:ext uri="{FF2B5EF4-FFF2-40B4-BE49-F238E27FC236}">
-                    <a16:creationId xmlns="" xmlns:a16="http://schemas.microsoft.com/office/drawing/2014/main" id="{7CBF62CC-10DC-45E3-89A6-5DB457CE75DD}"/>
+                    <a16:creationId xmlns:a16="http://schemas.microsoft.com/office/drawing/2014/main" xmlns="" id="{7CBF62CC-10DC-45E3-89A6-5DB457CE75DD}"/>
                   </a:ext>
                 </a:extLst>
               </p:cNvPr>
@@ -21166,7 +21165,7 @@
               <p:cNvPr id="25" name="TextBox 24">
                 <a:extLst>
                   <a:ext uri="{FF2B5EF4-FFF2-40B4-BE49-F238E27FC236}">
-                    <a16:creationId xmlns="" xmlns:a16="http://schemas.microsoft.com/office/drawing/2014/main" id="{E3EDA271-5D49-48B9-8197-719E2BCA1C06}"/>
+                    <a16:creationId xmlns:a16="http://schemas.microsoft.com/office/drawing/2014/main" xmlns="" id="{E3EDA271-5D49-48B9-8197-719E2BCA1C06}"/>
                   </a:ext>
                 </a:extLst>
               </p:cNvPr>
@@ -21394,7 +21393,7 @@
           <p:cNvPr id="3" name="Picture 2">
             <a:extLst>
               <a:ext uri="{FF2B5EF4-FFF2-40B4-BE49-F238E27FC236}">
-                <a16:creationId xmlns="" xmlns:a16="http://schemas.microsoft.com/office/drawing/2014/main" id="{304C4AEC-90B4-4651-8EA9-586BBBC71D25}"/>
+                <a16:creationId xmlns:a16="http://schemas.microsoft.com/office/drawing/2014/main" xmlns="" id="{304C4AEC-90B4-4651-8EA9-586BBBC71D25}"/>
               </a:ext>
             </a:extLst>
           </p:cNvPr>
@@ -21424,7 +21423,7 @@
           <p:cNvPr id="4" name="Picture 3">
             <a:extLst>
               <a:ext uri="{FF2B5EF4-FFF2-40B4-BE49-F238E27FC236}">
-                <a16:creationId xmlns="" xmlns:a16="http://schemas.microsoft.com/office/drawing/2014/main" id="{38E9B1B2-2E5C-4EFA-9637-B588F04E1B79}"/>
+                <a16:creationId xmlns:a16="http://schemas.microsoft.com/office/drawing/2014/main" xmlns="" id="{38E9B1B2-2E5C-4EFA-9637-B588F04E1B79}"/>
               </a:ext>
             </a:extLst>
           </p:cNvPr>
@@ -21646,11 +21645,6 @@
               </a:rPr>
               <a:t> }</a:t>
             </a:r>
-            <a:endParaRPr lang="en-US" sz="2800" dirty="0" smtClean="0">
-              <a:solidFill>
-                <a:schemeClr val="tx2"/>
-              </a:solidFill>
-            </a:endParaRPr>
           </a:p>
           <a:p>
             <a:pPr marL="0" indent="0" fontAlgn="base">
@@ -21711,29 +21705,16 @@
                   <a:schemeClr val="tx2"/>
                 </a:solidFill>
               </a:rPr>
-              <a:t>, </a:t>
-            </a:r>
-            <a:r>
-              <a:rPr lang="en-US" sz="2800" i="1" dirty="0" smtClean="0">
+              <a:t>, capacity</a:t>
+            </a:r>
+            <a:r>
+              <a:rPr lang="en-US" sz="2800" dirty="0" smtClean="0">
                 <a:solidFill>
                   <a:schemeClr val="tx2"/>
                 </a:solidFill>
               </a:rPr>
-              <a:t>capacity</a:t>
-            </a:r>
-            <a:r>
-              <a:rPr lang="en-US" sz="2800" dirty="0" smtClean="0">
-                <a:solidFill>
-                  <a:schemeClr val="tx2"/>
-                </a:solidFill>
-              </a:rPr>
               <a:t>}</a:t>
             </a:r>
-            <a:endParaRPr lang="en-US" sz="2800" dirty="0" smtClean="0">
-              <a:solidFill>
-                <a:schemeClr val="tx2"/>
-              </a:solidFill>
-            </a:endParaRPr>
           </a:p>
           <a:p>
             <a:pPr marL="0" indent="0" fontAlgn="base">
@@ -21762,15 +21743,7 @@
                   <a:schemeClr val="tx2"/>
                 </a:solidFill>
               </a:rPr>
-              <a:t> </a:t>
-            </a:r>
-            <a:r>
-              <a:rPr lang="en-US" sz="2800" dirty="0" smtClean="0">
-                <a:solidFill>
-                  <a:schemeClr val="tx2"/>
-                </a:solidFill>
-              </a:rPr>
-              <a:t>timeslots</a:t>
+              <a:t> timeslots</a:t>
             </a:r>
           </a:p>
           <a:p>
@@ -22195,7 +22168,7 @@
           <p:cNvPr id="3" name="Picture 2">
             <a:extLst>
               <a:ext uri="{FF2B5EF4-FFF2-40B4-BE49-F238E27FC236}">
-                <a16:creationId xmlns="" xmlns:a16="http://schemas.microsoft.com/office/drawing/2014/main" id="{304C4AEC-90B4-4651-8EA9-586BBBC71D25}"/>
+                <a16:creationId xmlns:a16="http://schemas.microsoft.com/office/drawing/2014/main" xmlns="" id="{304C4AEC-90B4-4651-8EA9-586BBBC71D25}"/>
               </a:ext>
             </a:extLst>
           </p:cNvPr>
@@ -22225,7 +22198,7 @@
           <p:cNvPr id="4" name="Picture 3">
             <a:extLst>
               <a:ext uri="{FF2B5EF4-FFF2-40B4-BE49-F238E27FC236}">
-                <a16:creationId xmlns="" xmlns:a16="http://schemas.microsoft.com/office/drawing/2014/main" id="{38E9B1B2-2E5C-4EFA-9637-B588F04E1B79}"/>
+                <a16:creationId xmlns:a16="http://schemas.microsoft.com/office/drawing/2014/main" xmlns="" id="{38E9B1B2-2E5C-4EFA-9637-B588F04E1B79}"/>
               </a:ext>
             </a:extLst>
           </p:cNvPr>
@@ -22292,11 +22265,6 @@
               </a:rPr>
               <a:t>Begin</a:t>
             </a:r>
-            <a:endParaRPr lang="en-US" b="1" dirty="0" smtClean="0">
-              <a:solidFill>
-                <a:schemeClr val="tx2"/>
-              </a:solidFill>
-            </a:endParaRPr>
           </a:p>
           <a:p>
             <a:pPr marL="0" indent="0" fontAlgn="base">
@@ -22349,15 +22317,7 @@
                   <a:schemeClr val="tx2"/>
                 </a:solidFill>
               </a:rPr>
-              <a:t> </a:t>
-            </a:r>
-            <a:r>
-              <a:rPr lang="en-US" dirty="0" smtClean="0">
-                <a:solidFill>
-                  <a:schemeClr val="tx2"/>
-                </a:solidFill>
-              </a:rPr>
-              <a:t>by </a:t>
+              <a:t> by </a:t>
             </a:r>
             <a:r>
               <a:rPr lang="en-US" dirty="0">
@@ -22446,7 +22406,15 @@
                   <a:schemeClr val="tx2"/>
                 </a:solidFill>
               </a:rPr>
-              <a:t>{time, value}</a:t>
+              <a:t>{time, value}: ordered </a:t>
+            </a:r>
+            <a:r>
+              <a:rPr lang="en-US" b="1" dirty="0" smtClean="0">
+                <a:solidFill>
+                  <a:schemeClr val="tx2"/>
+                </a:solidFill>
+              </a:rPr>
+              <a:t>ASC</a:t>
             </a:r>
             <a:r>
               <a:rPr lang="en-US" dirty="0" smtClean="0">
@@ -22454,47 +22422,7 @@
                   <a:schemeClr val="tx2"/>
                 </a:solidFill>
               </a:rPr>
-              <a:t>:</a:t>
-            </a:r>
-            <a:r>
-              <a:rPr lang="en-US" dirty="0" smtClean="0">
-                <a:solidFill>
-                  <a:schemeClr val="tx2"/>
-                </a:solidFill>
-              </a:rPr>
-              <a:t> </a:t>
-            </a:r>
-            <a:r>
-              <a:rPr lang="en-US" dirty="0" smtClean="0">
-                <a:solidFill>
-                  <a:schemeClr val="tx2"/>
-                </a:solidFill>
-              </a:rPr>
-              <a:t>ordered </a:t>
-            </a:r>
-            <a:r>
-              <a:rPr lang="en-US" b="1" dirty="0" smtClean="0">
-                <a:solidFill>
-                  <a:schemeClr val="tx2"/>
-                </a:solidFill>
-              </a:rPr>
-              <a:t>ASC</a:t>
-            </a:r>
-            <a:r>
-              <a:rPr lang="en-US" dirty="0" smtClean="0">
-                <a:solidFill>
-                  <a:schemeClr val="tx2"/>
-                </a:solidFill>
-              </a:rPr>
-              <a:t> </a:t>
-            </a:r>
-            <a:r>
-              <a:rPr lang="en-US" dirty="0" smtClean="0">
-                <a:solidFill>
-                  <a:schemeClr val="tx2"/>
-                </a:solidFill>
-              </a:rPr>
-              <a:t>by sum </a:t>
+              <a:t> by sum </a:t>
             </a:r>
             <a:r>
               <a:rPr lang="en-US" dirty="0">
@@ -22582,11 +22510,6 @@
               </a:rPr>
               <a:t>by{</a:t>
             </a:r>
-            <a:endParaRPr lang="en-US" dirty="0" smtClean="0">
-              <a:solidFill>
-                <a:schemeClr val="tx2"/>
-              </a:solidFill>
-            </a:endParaRPr>
           </a:p>
           <a:p>
             <a:pPr marL="0" indent="0" fontAlgn="base">
@@ -22703,11 +22626,6 @@
               </a:rPr>
               <a:t> DESC</a:t>
             </a:r>
-            <a:endParaRPr lang="en-US" b="1" dirty="0" smtClean="0">
-              <a:solidFill>
-                <a:schemeClr val="tx2"/>
-              </a:solidFill>
-            </a:endParaRPr>
           </a:p>
           <a:p>
             <a:pPr marL="0" indent="0" fontAlgn="base">
@@ -22847,7 +22765,23 @@
                   <a:schemeClr val="tx2"/>
                 </a:solidFill>
               </a:rPr>
-              <a:t>   //for controller the constrain 2, satellite capacity by timeslot</a:t>
+              <a:t>   //for controller the constrain </a:t>
+            </a:r>
+            <a:r>
+              <a:rPr lang="en-US" dirty="0" smtClean="0">
+                <a:solidFill>
+                  <a:schemeClr val="tx2"/>
+                </a:solidFill>
+              </a:rPr>
+              <a:t>1, </a:t>
+            </a:r>
+            <a:r>
+              <a:rPr lang="en-US" dirty="0">
+                <a:solidFill>
+                  <a:schemeClr val="tx2"/>
+                </a:solidFill>
+              </a:rPr>
+              <a:t>satellite capacity by timeslot</a:t>
             </a:r>
           </a:p>
           <a:p>
@@ -22909,7 +22843,23 @@
                   <a:schemeClr val="tx2"/>
                 </a:solidFill>
               </a:rPr>
-              <a:t>   //for the constrain 3, vehicle capacity by timeslot</a:t>
+              <a:t>   //for the constrain </a:t>
+            </a:r>
+            <a:r>
+              <a:rPr lang="en-US" dirty="0" smtClean="0">
+                <a:solidFill>
+                  <a:schemeClr val="tx2"/>
+                </a:solidFill>
+              </a:rPr>
+              <a:t>2, </a:t>
+            </a:r>
+            <a:r>
+              <a:rPr lang="en-US" dirty="0">
+                <a:solidFill>
+                  <a:schemeClr val="tx2"/>
+                </a:solidFill>
+              </a:rPr>
+              <a:t>vehicle capacity by timeslot</a:t>
             </a:r>
           </a:p>
           <a:p>
@@ -23013,13 +22963,13 @@
   <p:clrMapOvr>
     <a:masterClrMapping/>
   </p:clrMapOvr>
-  <mc:AlternateContent xmlns:mc="http://schemas.openxmlformats.org/markup-compatibility/2006">
-    <mc:Choice xmlns:p14="http://schemas.microsoft.com/office/powerpoint/2010/main" Requires="p14">
+  <mc:AlternateContent xmlns:mc="http://schemas.openxmlformats.org/markup-compatibility/2006" xmlns:p14="http://schemas.microsoft.com/office/powerpoint/2010/main">
+    <mc:Choice Requires="p14">
       <p:transition spd="med" p14:dur="700">
         <p:fade/>
       </p:transition>
     </mc:Choice>
-    <mc:Fallback>
+    <mc:Fallback xmlns="">
       <p:transition spd="med">
         <p:fade/>
       </p:transition>
@@ -23080,7 +23030,6 @@
               <a:rPr lang="es-ES" dirty="0"/>
               <a:t>DESCRIPTION</a:t>
             </a:r>
-            <a:endParaRPr lang="es-ES" dirty="0"/>
           </a:p>
         </p:txBody>
       </p:sp>
@@ -23089,7 +23038,7 @@
           <p:cNvPr id="3" name="Picture 2">
             <a:extLst>
               <a:ext uri="{FF2B5EF4-FFF2-40B4-BE49-F238E27FC236}">
-                <a16:creationId xmlns="" xmlns:a16="http://schemas.microsoft.com/office/drawing/2014/main" id="{304C4AEC-90B4-4651-8EA9-586BBBC71D25}"/>
+                <a16:creationId xmlns:a16="http://schemas.microsoft.com/office/drawing/2014/main" xmlns="" id="{304C4AEC-90B4-4651-8EA9-586BBBC71D25}"/>
               </a:ext>
             </a:extLst>
           </p:cNvPr>
@@ -23119,7 +23068,7 @@
           <p:cNvPr id="4" name="Picture 3">
             <a:extLst>
               <a:ext uri="{FF2B5EF4-FFF2-40B4-BE49-F238E27FC236}">
-                <a16:creationId xmlns="" xmlns:a16="http://schemas.microsoft.com/office/drawing/2014/main" id="{38E9B1B2-2E5C-4EFA-9637-B588F04E1B79}"/>
+                <a16:creationId xmlns:a16="http://schemas.microsoft.com/office/drawing/2014/main" xmlns="" id="{38E9B1B2-2E5C-4EFA-9637-B588F04E1B79}"/>
               </a:ext>
             </a:extLst>
           </p:cNvPr>
@@ -23441,15 +23390,7 @@
                   <a:schemeClr val="tx2"/>
                 </a:solidFill>
               </a:rPr>
-              <a:t>t</a:t>
-            </a:r>
-            <a:r>
-              <a:rPr lang="en-US" sz="1700" dirty="0" err="1" smtClean="0">
-                <a:solidFill>
-                  <a:schemeClr val="tx2"/>
-                </a:solidFill>
-              </a:rPr>
-              <a:t>imeSlotOrdered</a:t>
+              <a:t>timeSlotOrdered</a:t>
             </a:r>
             <a:r>
               <a:rPr lang="en-US" sz="1700" dirty="0" smtClean="0">
@@ -23562,7 +23503,15 @@
                   <a:schemeClr val="tx2"/>
                 </a:solidFill>
               </a:rPr>
-              <a:t> </a:t>
+              <a:t> ( </a:t>
+            </a:r>
+            <a:r>
+              <a:rPr lang="en-US" sz="1700" dirty="0" err="1" smtClean="0">
+                <a:solidFill>
+                  <a:schemeClr val="tx2"/>
+                </a:solidFill>
+              </a:rPr>
+              <a:t>demandInTimeSlot</a:t>
             </a:r>
             <a:r>
               <a:rPr lang="en-US" sz="1700" dirty="0" smtClean="0">
@@ -23570,7 +23519,7 @@
                   <a:schemeClr val="tx2"/>
                 </a:solidFill>
               </a:rPr>
-              <a:t>( </a:t>
+              <a:t>(h)) + order(</a:t>
             </a:r>
             <a:r>
               <a:rPr lang="en-US" sz="1700" dirty="0" err="1" smtClean="0">
@@ -23578,7 +23527,7 @@
                   <a:schemeClr val="tx2"/>
                 </a:solidFill>
               </a:rPr>
-              <a:t>demandInTimeSlot</a:t>
+              <a:t>i</a:t>
             </a:r>
             <a:r>
               <a:rPr lang="en-US" sz="1700" dirty="0" smtClean="0">
@@ -23586,39 +23535,7 @@
                   <a:schemeClr val="tx2"/>
                 </a:solidFill>
               </a:rPr>
-              <a:t>(h</a:t>
-            </a:r>
-            <a:r>
-              <a:rPr lang="en-US" sz="1700" dirty="0" smtClean="0">
-                <a:solidFill>
-                  <a:schemeClr val="tx2"/>
-                </a:solidFill>
-              </a:rPr>
-              <a:t>)) + order(</a:t>
-            </a:r>
-            <a:r>
-              <a:rPr lang="en-US" sz="1700" dirty="0" err="1" smtClean="0">
-                <a:solidFill>
-                  <a:schemeClr val="tx2"/>
-                </a:solidFill>
-              </a:rPr>
-              <a:t>i</a:t>
-            </a:r>
-            <a:r>
-              <a:rPr lang="en-US" sz="1700" dirty="0" smtClean="0">
-                <a:solidFill>
-                  <a:schemeClr val="tx2"/>
-                </a:solidFill>
-              </a:rPr>
-              <a:t>) </a:t>
-            </a:r>
-            <a:r>
-              <a:rPr lang="en-US" sz="1700" dirty="0" smtClean="0">
-                <a:solidFill>
-                  <a:schemeClr val="tx2"/>
-                </a:solidFill>
-              </a:rPr>
-              <a:t>&lt; = </a:t>
+              <a:t>) &lt; = </a:t>
             </a:r>
             <a:r>
               <a:rPr lang="en-US" sz="1700" dirty="0" err="1" smtClean="0">
@@ -23661,15 +23578,7 @@
                   <a:schemeClr val="tx2"/>
                 </a:solidFill>
               </a:rPr>
-              <a:t>      </a:t>
-            </a:r>
-            <a:r>
-              <a:rPr lang="es-ES" sz="1700" b="1" dirty="0" smtClean="0">
-                <a:solidFill>
-                  <a:schemeClr val="tx2"/>
-                </a:solidFill>
-              </a:rPr>
-              <a:t>  </a:t>
+              <a:t>        </a:t>
             </a:r>
             <a:r>
               <a:rPr lang="es-ES" sz="1700" b="1" dirty="0" err="1" smtClean="0">
@@ -24313,6 +24222,122 @@
               </a:rPr>
               <a:t>                            </a:t>
             </a:r>
+          </a:p>
+          <a:p>
+            <a:pPr marL="0" indent="0" fontAlgn="base">
+              <a:lnSpc>
+                <a:spcPct val="100000"/>
+              </a:lnSpc>
+              <a:spcBef>
+                <a:spcPct val="0"/>
+              </a:spcBef>
+              <a:spcAft>
+                <a:spcPct val="0"/>
+              </a:spcAft>
+              <a:buNone/>
+            </a:pPr>
+            <a:r>
+              <a:rPr lang="en-US" sz="1700" dirty="0" smtClean="0">
+                <a:solidFill>
+                  <a:schemeClr val="tx2"/>
+                </a:solidFill>
+              </a:rPr>
+              <a:t>                    </a:t>
+            </a:r>
+            <a:r>
+              <a:rPr lang="en-US" sz="1700" dirty="0" err="1" smtClean="0">
+                <a:solidFill>
+                  <a:schemeClr val="tx2"/>
+                </a:solidFill>
+              </a:rPr>
+              <a:t>usedCapacityVehicleInTime</a:t>
+            </a:r>
+            <a:r>
+              <a:rPr lang="en-US" sz="1700" dirty="0" smtClean="0">
+                <a:solidFill>
+                  <a:schemeClr val="tx2"/>
+                </a:solidFill>
+              </a:rPr>
+              <a:t>[k</a:t>
+            </a:r>
+            <a:r>
+              <a:rPr lang="en-US" sz="1700" dirty="0">
+                <a:solidFill>
+                  <a:schemeClr val="tx2"/>
+                </a:solidFill>
+              </a:rPr>
+              <a:t>][h] += </a:t>
+            </a:r>
+            <a:r>
+              <a:rPr lang="en-US" sz="1700" dirty="0" err="1" smtClean="0">
+                <a:solidFill>
+                  <a:schemeClr val="tx2"/>
+                </a:solidFill>
+              </a:rPr>
+              <a:t>order.demand</a:t>
+            </a:r>
+            <a:r>
+              <a:rPr lang="en-US" sz="1700" dirty="0" smtClean="0">
+                <a:solidFill>
+                  <a:schemeClr val="tx2"/>
+                </a:solidFill>
+              </a:rPr>
+              <a:t> </a:t>
+            </a:r>
+          </a:p>
+          <a:p>
+            <a:pPr marL="0" indent="0" fontAlgn="base">
+              <a:lnSpc>
+                <a:spcPct val="100000"/>
+              </a:lnSpc>
+              <a:spcBef>
+                <a:spcPct val="0"/>
+              </a:spcBef>
+              <a:spcAft>
+                <a:spcPct val="0"/>
+              </a:spcAft>
+              <a:buNone/>
+            </a:pPr>
+            <a:r>
+              <a:rPr lang="en-US" sz="1700" dirty="0" smtClean="0">
+                <a:solidFill>
+                  <a:schemeClr val="tx2"/>
+                </a:solidFill>
+              </a:rPr>
+              <a:t>                    </a:t>
+            </a:r>
+            <a:r>
+              <a:rPr lang="en-US" sz="1700" dirty="0" err="1" smtClean="0">
+                <a:solidFill>
+                  <a:schemeClr val="tx2"/>
+                </a:solidFill>
+              </a:rPr>
+              <a:t>demandInTime</a:t>
+            </a:r>
+            <a:r>
+              <a:rPr lang="en-US" sz="1700" dirty="0" smtClean="0">
+                <a:solidFill>
+                  <a:schemeClr val="tx2"/>
+                </a:solidFill>
+              </a:rPr>
+              <a:t>[h</a:t>
+            </a:r>
+            <a:r>
+              <a:rPr lang="en-US" sz="1700" dirty="0">
+                <a:solidFill>
+                  <a:schemeClr val="tx2"/>
+                </a:solidFill>
+              </a:rPr>
+              <a:t>] += </a:t>
+            </a:r>
+            <a:r>
+              <a:rPr lang="en-US" sz="1700" dirty="0" err="1">
+                <a:solidFill>
+                  <a:schemeClr val="tx2"/>
+                </a:solidFill>
+              </a:rPr>
+              <a:t>order.demand</a:t>
+            </a:r>
             <a:endParaRPr lang="en-US" sz="1700" dirty="0">
               <a:solidFill>
                 <a:schemeClr val="tx2"/>
@@ -24346,127 +24371,6 @@
                   <a:schemeClr val="tx2"/>
                 </a:solidFill>
               </a:rPr>
-              <a:t>usedCapacityVehicleInTime</a:t>
-            </a:r>
-            <a:r>
-              <a:rPr lang="en-US" sz="1700" dirty="0" smtClean="0">
-                <a:solidFill>
-                  <a:schemeClr val="tx2"/>
-                </a:solidFill>
-              </a:rPr>
-              <a:t>[k</a:t>
-            </a:r>
-            <a:r>
-              <a:rPr lang="en-US" sz="1700" dirty="0">
-                <a:solidFill>
-                  <a:schemeClr val="tx2"/>
-                </a:solidFill>
-              </a:rPr>
-              <a:t>][h] += </a:t>
-            </a:r>
-            <a:r>
-              <a:rPr lang="en-US" sz="1700" dirty="0" err="1" smtClean="0">
-                <a:solidFill>
-                  <a:schemeClr val="tx2"/>
-                </a:solidFill>
-              </a:rPr>
-              <a:t>order.demand</a:t>
-            </a:r>
-            <a:r>
-              <a:rPr lang="en-US" sz="1700" dirty="0" smtClean="0">
-                <a:solidFill>
-                  <a:schemeClr val="tx2"/>
-                </a:solidFill>
-              </a:rPr>
-              <a:t> </a:t>
-            </a:r>
-          </a:p>
-          <a:p>
-            <a:pPr marL="0" indent="0" fontAlgn="base">
-              <a:lnSpc>
-                <a:spcPct val="100000"/>
-              </a:lnSpc>
-              <a:spcBef>
-                <a:spcPct val="0"/>
-              </a:spcBef>
-              <a:spcAft>
-                <a:spcPct val="0"/>
-              </a:spcAft>
-              <a:buNone/>
-            </a:pPr>
-            <a:r>
-              <a:rPr lang="en-US" sz="1700" dirty="0" smtClean="0">
-                <a:solidFill>
-                  <a:schemeClr val="tx2"/>
-                </a:solidFill>
-              </a:rPr>
-              <a:t>                    </a:t>
-            </a:r>
-            <a:r>
-              <a:rPr lang="en-US" sz="1700" dirty="0" err="1" smtClean="0">
-                <a:solidFill>
-                  <a:schemeClr val="tx2"/>
-                </a:solidFill>
-              </a:rPr>
-              <a:t>demandInTime</a:t>
-            </a:r>
-            <a:r>
-              <a:rPr lang="en-US" sz="1700" dirty="0" smtClean="0">
-                <a:solidFill>
-                  <a:schemeClr val="tx2"/>
-                </a:solidFill>
-              </a:rPr>
-              <a:t>[h</a:t>
-            </a:r>
-            <a:r>
-              <a:rPr lang="en-US" sz="1700" dirty="0">
-                <a:solidFill>
-                  <a:schemeClr val="tx2"/>
-                </a:solidFill>
-              </a:rPr>
-              <a:t>] += </a:t>
-            </a:r>
-            <a:r>
-              <a:rPr lang="en-US" sz="1700" dirty="0" err="1">
-                <a:solidFill>
-                  <a:schemeClr val="tx2"/>
-                </a:solidFill>
-              </a:rPr>
-              <a:t>order.demand</a:t>
-            </a:r>
-            <a:endParaRPr lang="en-US" sz="1700" dirty="0">
-              <a:solidFill>
-                <a:schemeClr val="tx2"/>
-              </a:solidFill>
-            </a:endParaRPr>
-          </a:p>
-          <a:p>
-            <a:pPr marL="0" indent="0" fontAlgn="base">
-              <a:lnSpc>
-                <a:spcPct val="100000"/>
-              </a:lnSpc>
-              <a:spcBef>
-                <a:spcPct val="0"/>
-              </a:spcBef>
-              <a:spcAft>
-                <a:spcPct val="0"/>
-              </a:spcAft>
-              <a:buNone/>
-            </a:pPr>
-            <a:r>
-              <a:rPr lang="en-US" sz="1700" dirty="0" smtClean="0">
-                <a:solidFill>
-                  <a:schemeClr val="tx2"/>
-                </a:solidFill>
-              </a:rPr>
-              <a:t>                    </a:t>
-            </a:r>
-            <a:r>
-              <a:rPr lang="en-US" sz="1700" dirty="0" err="1" smtClean="0">
-                <a:solidFill>
-                  <a:schemeClr val="tx2"/>
-                </a:solidFill>
-              </a:rPr>
               <a:t>orderIsSatisfied</a:t>
             </a:r>
             <a:r>
@@ -24589,15 +24493,7 @@
                   <a:schemeClr val="tx2"/>
                 </a:solidFill>
               </a:rPr>
-              <a:t>   </a:t>
-            </a:r>
-            <a:r>
-              <a:rPr lang="es-ES" sz="1700" b="1" dirty="0" smtClean="0">
-                <a:solidFill>
-                  <a:schemeClr val="tx2"/>
-                </a:solidFill>
-              </a:rPr>
-              <a:t>   </a:t>
+              <a:t>      </a:t>
             </a:r>
             <a:r>
               <a:rPr lang="es-ES" sz="1700" b="1" dirty="0" err="1" smtClean="0">
@@ -24924,7 +24820,7 @@
           <p:cNvPr id="4" name="Table 3">
             <a:extLst>
               <a:ext uri="{FF2B5EF4-FFF2-40B4-BE49-F238E27FC236}">
-                <a16:creationId xmlns="" xmlns:a16="http://schemas.microsoft.com/office/drawing/2014/main" id="{16CA9473-8F0D-4C48-BB9A-8EE40BF50D92}"/>
+                <a16:creationId xmlns:a16="http://schemas.microsoft.com/office/drawing/2014/main" xmlns="" id="{16CA9473-8F0D-4C48-BB9A-8EE40BF50D92}"/>
               </a:ext>
             </a:extLst>
           </p:cNvPr>
@@ -24953,63 +24849,63 @@
                 <a:gridCol w="1000125">
                   <a:extLst>
                     <a:ext uri="{9D8B030D-6E8A-4147-A177-3AD203B41FA5}">
-                      <a16:colId xmlns="" xmlns:a16="http://schemas.microsoft.com/office/drawing/2014/main" val="34760263"/>
+                      <a16:colId xmlns:a16="http://schemas.microsoft.com/office/drawing/2014/main" xmlns="" val="34760263"/>
                     </a:ext>
                   </a:extLst>
                 </a:gridCol>
                 <a:gridCol w="1042988">
                   <a:extLst>
                     <a:ext uri="{9D8B030D-6E8A-4147-A177-3AD203B41FA5}">
-                      <a16:colId xmlns="" xmlns:a16="http://schemas.microsoft.com/office/drawing/2014/main" val="3812687379"/>
+                      <a16:colId xmlns:a16="http://schemas.microsoft.com/office/drawing/2014/main" xmlns="" val="3812687379"/>
                     </a:ext>
                   </a:extLst>
                 </a:gridCol>
                 <a:gridCol w="1600200">
                   <a:extLst>
                     <a:ext uri="{9D8B030D-6E8A-4147-A177-3AD203B41FA5}">
-                      <a16:colId xmlns="" xmlns:a16="http://schemas.microsoft.com/office/drawing/2014/main" val="1933821378"/>
+                      <a16:colId xmlns:a16="http://schemas.microsoft.com/office/drawing/2014/main" xmlns="" val="1933821378"/>
                     </a:ext>
                   </a:extLst>
                 </a:gridCol>
                 <a:gridCol w="1943100">
                   <a:extLst>
                     <a:ext uri="{9D8B030D-6E8A-4147-A177-3AD203B41FA5}">
-                      <a16:colId xmlns="" xmlns:a16="http://schemas.microsoft.com/office/drawing/2014/main" val="875010954"/>
+                      <a16:colId xmlns:a16="http://schemas.microsoft.com/office/drawing/2014/main" xmlns="" val="875010954"/>
                     </a:ext>
                   </a:extLst>
                 </a:gridCol>
                 <a:gridCol w="728662">
                   <a:extLst>
                     <a:ext uri="{9D8B030D-6E8A-4147-A177-3AD203B41FA5}">
-                      <a16:colId xmlns="" xmlns:a16="http://schemas.microsoft.com/office/drawing/2014/main" val="1078558424"/>
+                      <a16:colId xmlns:a16="http://schemas.microsoft.com/office/drawing/2014/main" xmlns="" val="1078558424"/>
                     </a:ext>
                   </a:extLst>
                 </a:gridCol>
                 <a:gridCol w="1114428">
                   <a:extLst>
                     <a:ext uri="{9D8B030D-6E8A-4147-A177-3AD203B41FA5}">
-                      <a16:colId xmlns="" xmlns:a16="http://schemas.microsoft.com/office/drawing/2014/main" val="112756927"/>
+                      <a16:colId xmlns:a16="http://schemas.microsoft.com/office/drawing/2014/main" xmlns="" val="112756927"/>
                     </a:ext>
                   </a:extLst>
                 </a:gridCol>
                 <a:gridCol w="1685925">
                   <a:extLst>
                     <a:ext uri="{9D8B030D-6E8A-4147-A177-3AD203B41FA5}">
-                      <a16:colId xmlns="" xmlns:a16="http://schemas.microsoft.com/office/drawing/2014/main" val="4050224548"/>
+                      <a16:colId xmlns:a16="http://schemas.microsoft.com/office/drawing/2014/main" xmlns="" val="4050224548"/>
                     </a:ext>
                   </a:extLst>
                 </a:gridCol>
                 <a:gridCol w="1443038">
                   <a:extLst>
                     <a:ext uri="{9D8B030D-6E8A-4147-A177-3AD203B41FA5}">
-                      <a16:colId xmlns="" xmlns:a16="http://schemas.microsoft.com/office/drawing/2014/main" val="1071222725"/>
+                      <a16:colId xmlns:a16="http://schemas.microsoft.com/office/drawing/2014/main" xmlns="" val="1071222725"/>
                     </a:ext>
                   </a:extLst>
                 </a:gridCol>
                 <a:gridCol w="1633537">
                   <a:extLst>
                     <a:ext uri="{9D8B030D-6E8A-4147-A177-3AD203B41FA5}">
-                      <a16:colId xmlns="" xmlns:a16="http://schemas.microsoft.com/office/drawing/2014/main" val="4215464752"/>
+                      <a16:colId xmlns:a16="http://schemas.microsoft.com/office/drawing/2014/main" xmlns="" val="4215464752"/>
                     </a:ext>
                   </a:extLst>
                 </a:gridCol>
@@ -25213,7 +25109,7 @@
                 </a:tc>
                 <a:extLst>
                   <a:ext uri="{0D108BD9-81ED-4DB2-BD59-A6C34878D82A}">
-                    <a16:rowId xmlns="" xmlns:a16="http://schemas.microsoft.com/office/drawing/2014/main" val="1745891069"/>
+                    <a16:rowId xmlns:a16="http://schemas.microsoft.com/office/drawing/2014/main" xmlns="" val="1745891069"/>
                   </a:ext>
                 </a:extLst>
               </a:tr>
@@ -25461,7 +25357,7 @@
                 </a:tc>
                 <a:extLst>
                   <a:ext uri="{0D108BD9-81ED-4DB2-BD59-A6C34878D82A}">
-                    <a16:rowId xmlns="" xmlns:a16="http://schemas.microsoft.com/office/drawing/2014/main" val="3307466219"/>
+                    <a16:rowId xmlns:a16="http://schemas.microsoft.com/office/drawing/2014/main" xmlns="" val="3307466219"/>
                   </a:ext>
                 </a:extLst>
               </a:tr>
@@ -25671,7 +25567,7 @@
                 </a:tc>
                 <a:extLst>
                   <a:ext uri="{0D108BD9-81ED-4DB2-BD59-A6C34878D82A}">
-                    <a16:rowId xmlns="" xmlns:a16="http://schemas.microsoft.com/office/drawing/2014/main" val="2430767203"/>
+                    <a16:rowId xmlns:a16="http://schemas.microsoft.com/office/drawing/2014/main" xmlns="" val="2430767203"/>
                   </a:ext>
                 </a:extLst>
               </a:tr>
@@ -25899,7 +25795,7 @@
                 </a:tc>
                 <a:extLst>
                   <a:ext uri="{0D108BD9-81ED-4DB2-BD59-A6C34878D82A}">
-                    <a16:rowId xmlns="" xmlns:a16="http://schemas.microsoft.com/office/drawing/2014/main" val="460563303"/>
+                    <a16:rowId xmlns:a16="http://schemas.microsoft.com/office/drawing/2014/main" xmlns="" val="460563303"/>
                   </a:ext>
                 </a:extLst>
               </a:tr>
@@ -26127,7 +26023,7 @@
                 </a:tc>
                 <a:extLst>
                   <a:ext uri="{0D108BD9-81ED-4DB2-BD59-A6C34878D82A}">
-                    <a16:rowId xmlns="" xmlns:a16="http://schemas.microsoft.com/office/drawing/2014/main" val="3260662345"/>
+                    <a16:rowId xmlns:a16="http://schemas.microsoft.com/office/drawing/2014/main" xmlns="" val="3260662345"/>
                   </a:ext>
                 </a:extLst>
               </a:tr>
@@ -26350,7 +26246,7 @@
                 </a:tc>
                 <a:extLst>
                   <a:ext uri="{0D108BD9-81ED-4DB2-BD59-A6C34878D82A}">
-                    <a16:rowId xmlns="" xmlns:a16="http://schemas.microsoft.com/office/drawing/2014/main" val="3181831911"/>
+                    <a16:rowId xmlns:a16="http://schemas.microsoft.com/office/drawing/2014/main" xmlns="" val="3181831911"/>
                   </a:ext>
                 </a:extLst>
               </a:tr>
@@ -26573,7 +26469,7 @@
                 </a:tc>
                 <a:extLst>
                   <a:ext uri="{0D108BD9-81ED-4DB2-BD59-A6C34878D82A}">
-                    <a16:rowId xmlns="" xmlns:a16="http://schemas.microsoft.com/office/drawing/2014/main" val="1027403434"/>
+                    <a16:rowId xmlns:a16="http://schemas.microsoft.com/office/drawing/2014/main" xmlns="" val="1027403434"/>
                   </a:ext>
                 </a:extLst>
               </a:tr>
@@ -26807,7 +26703,7 @@
                 </a:tc>
                 <a:extLst>
                   <a:ext uri="{0D108BD9-81ED-4DB2-BD59-A6C34878D82A}">
-                    <a16:rowId xmlns="" xmlns:a16="http://schemas.microsoft.com/office/drawing/2014/main" val="2611242976"/>
+                    <a16:rowId xmlns:a16="http://schemas.microsoft.com/office/drawing/2014/main" xmlns="" val="2611242976"/>
                   </a:ext>
                 </a:extLst>
               </a:tr>
@@ -27143,7 +27039,7 @@
                 </a:tc>
                 <a:extLst>
                   <a:ext uri="{0D108BD9-81ED-4DB2-BD59-A6C34878D82A}">
-                    <a16:rowId xmlns="" xmlns:a16="http://schemas.microsoft.com/office/drawing/2014/main" val="1376843330"/>
+                    <a16:rowId xmlns:a16="http://schemas.microsoft.com/office/drawing/2014/main" xmlns="" val="1376843330"/>
                   </a:ext>
                 </a:extLst>
               </a:tr>
@@ -27366,7 +27262,7 @@
                 </a:tc>
                 <a:extLst>
                   <a:ext uri="{0D108BD9-81ED-4DB2-BD59-A6C34878D82A}">
-                    <a16:rowId xmlns="" xmlns:a16="http://schemas.microsoft.com/office/drawing/2014/main" val="1592789948"/>
+                    <a16:rowId xmlns:a16="http://schemas.microsoft.com/office/drawing/2014/main" xmlns="" val="1592789948"/>
                   </a:ext>
                 </a:extLst>
               </a:tr>
@@ -28154,6 +28050,132 @@
 </file>
 
 <file path=customXml/item1.xml><?xml version="1.0" encoding="utf-8"?>
+<p:properties xmlns:p="http://schemas.microsoft.com/office/2006/metadata/properties" xmlns:xsi="http://www.w3.org/2001/XMLSchema-instance" xmlns:pc="http://schemas.microsoft.com/office/infopath/2007/PartnerControls">
+  <documentManagement>
+    <APDescription xmlns="4873beb7-5857-4685-be1f-d57550cc96cc" xsi:nil="true"/>
+    <AssetExpire xmlns="4873beb7-5857-4685-be1f-d57550cc96cc">2029-01-01T08:00:00+00:00</AssetExpire>
+    <CampaignTagsTaxHTField0 xmlns="4873beb7-5857-4685-be1f-d57550cc96cc">
+      <Terms xmlns="http://schemas.microsoft.com/office/infopath/2007/PartnerControls"/>
+    </CampaignTagsTaxHTField0>
+    <IntlLangReviewDate xmlns="4873beb7-5857-4685-be1f-d57550cc96cc" xsi:nil="true"/>
+    <TPFriendlyName xmlns="4873beb7-5857-4685-be1f-d57550cc96cc" xsi:nil="true"/>
+    <IntlLangReview xmlns="4873beb7-5857-4685-be1f-d57550cc96cc">false</IntlLangReview>
+    <LocLastLocAttemptVersionLookup xmlns="4873beb7-5857-4685-be1f-d57550cc96cc">855024</LocLastLocAttemptVersionLookup>
+    <PolicheckWords xmlns="4873beb7-5857-4685-be1f-d57550cc96cc" xsi:nil="true"/>
+    <SubmitterId xmlns="4873beb7-5857-4685-be1f-d57550cc96cc" xsi:nil="true"/>
+    <AcquiredFrom xmlns="4873beb7-5857-4685-be1f-d57550cc96cc">Internal MS</AcquiredFrom>
+    <EditorialStatus xmlns="4873beb7-5857-4685-be1f-d57550cc96cc">Complete</EditorialStatus>
+    <Markets xmlns="4873beb7-5857-4685-be1f-d57550cc96cc"/>
+    <OriginAsset xmlns="4873beb7-5857-4685-be1f-d57550cc96cc" xsi:nil="true"/>
+    <AssetStart xmlns="4873beb7-5857-4685-be1f-d57550cc96cc">2012-08-31T08:50:00+00:00</AssetStart>
+    <FriendlyTitle xmlns="4873beb7-5857-4685-be1f-d57550cc96cc" xsi:nil="true"/>
+    <MarketSpecific xmlns="4873beb7-5857-4685-be1f-d57550cc96cc">false</MarketSpecific>
+    <TPNamespace xmlns="4873beb7-5857-4685-be1f-d57550cc96cc" xsi:nil="true"/>
+    <PublishStatusLookup xmlns="4873beb7-5857-4685-be1f-d57550cc96cc">
+      <Value>1616423</Value>
+    </PublishStatusLookup>
+    <APAuthor xmlns="4873beb7-5857-4685-be1f-d57550cc96cc">
+      <UserInfo>
+        <DisplayName>REDMOND\kristaa</DisplayName>
+        <AccountId>136</AccountId>
+        <AccountType/>
+      </UserInfo>
+    </APAuthor>
+    <TPCommandLine xmlns="4873beb7-5857-4685-be1f-d57550cc96cc" xsi:nil="true"/>
+    <IntlLangReviewer xmlns="4873beb7-5857-4685-be1f-d57550cc96cc" xsi:nil="true"/>
+    <OpenTemplate xmlns="4873beb7-5857-4685-be1f-d57550cc96cc">true</OpenTemplate>
+    <CSXSubmissionDate xmlns="4873beb7-5857-4685-be1f-d57550cc96cc" xsi:nil="true"/>
+    <TaxCatchAll xmlns="4873beb7-5857-4685-be1f-d57550cc96cc"/>
+    <Manager xmlns="4873beb7-5857-4685-be1f-d57550cc96cc" xsi:nil="true"/>
+    <NumericId xmlns="4873beb7-5857-4685-be1f-d57550cc96cc" xsi:nil="true"/>
+    <ParentAssetId xmlns="4873beb7-5857-4685-be1f-d57550cc96cc" xsi:nil="true"/>
+    <OriginalSourceMarket xmlns="4873beb7-5857-4685-be1f-d57550cc96cc" xsi:nil="true"/>
+    <ApprovalStatus xmlns="4873beb7-5857-4685-be1f-d57550cc96cc">InProgress</ApprovalStatus>
+    <TPComponent xmlns="4873beb7-5857-4685-be1f-d57550cc96cc" xsi:nil="true"/>
+    <EditorialTags xmlns="4873beb7-5857-4685-be1f-d57550cc96cc" xsi:nil="true"/>
+    <TPExecutable xmlns="4873beb7-5857-4685-be1f-d57550cc96cc" xsi:nil="true"/>
+    <TPLaunchHelpLink xmlns="4873beb7-5857-4685-be1f-d57550cc96cc" xsi:nil="true"/>
+    <LocComments xmlns="4873beb7-5857-4685-be1f-d57550cc96cc" xsi:nil="true"/>
+    <LocRecommendedHandoff xmlns="4873beb7-5857-4685-be1f-d57550cc96cc" xsi:nil="true"/>
+    <SourceTitle xmlns="4873beb7-5857-4685-be1f-d57550cc96cc" xsi:nil="true"/>
+    <CSXUpdate xmlns="4873beb7-5857-4685-be1f-d57550cc96cc">false</CSXUpdate>
+    <IntlLocPriority xmlns="4873beb7-5857-4685-be1f-d57550cc96cc" xsi:nil="true"/>
+    <UAProjectedTotalWords xmlns="4873beb7-5857-4685-be1f-d57550cc96cc" xsi:nil="true"/>
+    <AssetType xmlns="4873beb7-5857-4685-be1f-d57550cc96cc">TP</AssetType>
+    <MachineTranslated xmlns="4873beb7-5857-4685-be1f-d57550cc96cc">false</MachineTranslated>
+    <OutputCachingOn xmlns="4873beb7-5857-4685-be1f-d57550cc96cc">false</OutputCachingOn>
+    <TemplateStatus xmlns="4873beb7-5857-4685-be1f-d57550cc96cc">Complete</TemplateStatus>
+    <IsSearchable xmlns="4873beb7-5857-4685-be1f-d57550cc96cc">true</IsSearchable>
+    <ContentItem xmlns="4873beb7-5857-4685-be1f-d57550cc96cc" xsi:nil="true"/>
+    <HandoffToMSDN xmlns="4873beb7-5857-4685-be1f-d57550cc96cc" xsi:nil="true"/>
+    <ShowIn xmlns="4873beb7-5857-4685-be1f-d57550cc96cc">Show everywhere</ShowIn>
+    <ThumbnailAssetId xmlns="4873beb7-5857-4685-be1f-d57550cc96cc" xsi:nil="true"/>
+    <UALocComments xmlns="4873beb7-5857-4685-be1f-d57550cc96cc" xsi:nil="true"/>
+    <UALocRecommendation xmlns="4873beb7-5857-4685-be1f-d57550cc96cc">Localize</UALocRecommendation>
+    <LastModifiedDateTime xmlns="4873beb7-5857-4685-be1f-d57550cc96cc" xsi:nil="true"/>
+    <LegacyData xmlns="4873beb7-5857-4685-be1f-d57550cc96cc" xsi:nil="true"/>
+    <LocManualTestRequired xmlns="4873beb7-5857-4685-be1f-d57550cc96cc">false</LocManualTestRequired>
+    <LocMarketGroupTiers2 xmlns="4873beb7-5857-4685-be1f-d57550cc96cc" xsi:nil="true"/>
+    <ClipArtFilename xmlns="4873beb7-5857-4685-be1f-d57550cc96cc" xsi:nil="true"/>
+    <TPApplication xmlns="4873beb7-5857-4685-be1f-d57550cc96cc" xsi:nil="true"/>
+    <CSXHash xmlns="4873beb7-5857-4685-be1f-d57550cc96cc" xsi:nil="true"/>
+    <DirectSourceMarket xmlns="4873beb7-5857-4685-be1f-d57550cc96cc" xsi:nil="true"/>
+    <PrimaryImageGen xmlns="4873beb7-5857-4685-be1f-d57550cc96cc">true</PrimaryImageGen>
+    <PlannedPubDate xmlns="4873beb7-5857-4685-be1f-d57550cc96cc" xsi:nil="true"/>
+    <CSXSubmissionMarket xmlns="4873beb7-5857-4685-be1f-d57550cc96cc" xsi:nil="true"/>
+    <Downloads xmlns="4873beb7-5857-4685-be1f-d57550cc96cc">0</Downloads>
+    <ArtSampleDocs xmlns="4873beb7-5857-4685-be1f-d57550cc96cc" xsi:nil="true"/>
+    <TrustLevel xmlns="4873beb7-5857-4685-be1f-d57550cc96cc">1 Microsoft Managed Content</TrustLevel>
+    <BlockPublish xmlns="4873beb7-5857-4685-be1f-d57550cc96cc">false</BlockPublish>
+    <TPLaunchHelpLinkType xmlns="4873beb7-5857-4685-be1f-d57550cc96cc">Template</TPLaunchHelpLinkType>
+    <LocalizationTagsTaxHTField0 xmlns="4873beb7-5857-4685-be1f-d57550cc96cc">
+      <Terms xmlns="http://schemas.microsoft.com/office/infopath/2007/PartnerControls"/>
+    </LocalizationTagsTaxHTField0>
+    <BusinessGroup xmlns="4873beb7-5857-4685-be1f-d57550cc96cc" xsi:nil="true"/>
+    <Providers xmlns="4873beb7-5857-4685-be1f-d57550cc96cc" xsi:nil="true"/>
+    <TemplateTemplateType xmlns="4873beb7-5857-4685-be1f-d57550cc96cc">PowerPoint Presentation Template</TemplateTemplateType>
+    <TimesCloned xmlns="4873beb7-5857-4685-be1f-d57550cc96cc" xsi:nil="true"/>
+    <TPAppVersion xmlns="4873beb7-5857-4685-be1f-d57550cc96cc" xsi:nil="true"/>
+    <VoteCount xmlns="4873beb7-5857-4685-be1f-d57550cc96cc" xsi:nil="true"/>
+    <AverageRating xmlns="4873beb7-5857-4685-be1f-d57550cc96cc" xsi:nil="true"/>
+    <FeatureTagsTaxHTField0 xmlns="4873beb7-5857-4685-be1f-d57550cc96cc">
+      <Terms xmlns="http://schemas.microsoft.com/office/infopath/2007/PartnerControls"/>
+    </FeatureTagsTaxHTField0>
+    <Provider xmlns="4873beb7-5857-4685-be1f-d57550cc96cc" xsi:nil="true"/>
+    <UACurrentWords xmlns="4873beb7-5857-4685-be1f-d57550cc96cc" xsi:nil="true"/>
+    <AssetId xmlns="4873beb7-5857-4685-be1f-d57550cc96cc">TP103431361</AssetId>
+    <TPClientViewer xmlns="4873beb7-5857-4685-be1f-d57550cc96cc" xsi:nil="true"/>
+    <DSATActionTaken xmlns="4873beb7-5857-4685-be1f-d57550cc96cc" xsi:nil="true"/>
+    <APEditor xmlns="4873beb7-5857-4685-be1f-d57550cc96cc">
+      <UserInfo>
+        <DisplayName/>
+        <AccountId xsi:nil="true"/>
+        <AccountType/>
+      </UserInfo>
+    </APEditor>
+    <TPInstallLocation xmlns="4873beb7-5857-4685-be1f-d57550cc96cc" xsi:nil="true"/>
+    <OOCacheId xmlns="4873beb7-5857-4685-be1f-d57550cc96cc" xsi:nil="true"/>
+    <IsDeleted xmlns="4873beb7-5857-4685-be1f-d57550cc96cc">false</IsDeleted>
+    <PublishTargets xmlns="4873beb7-5857-4685-be1f-d57550cc96cc">OfficeOnlineVNext</PublishTargets>
+    <ApprovalLog xmlns="4873beb7-5857-4685-be1f-d57550cc96cc" xsi:nil="true"/>
+    <BugNumber xmlns="4873beb7-5857-4685-be1f-d57550cc96cc" xsi:nil="true"/>
+    <CrawlForDependencies xmlns="4873beb7-5857-4685-be1f-d57550cc96cc">false</CrawlForDependencies>
+    <InternalTagsTaxHTField0 xmlns="4873beb7-5857-4685-be1f-d57550cc96cc">
+      <Terms xmlns="http://schemas.microsoft.com/office/infopath/2007/PartnerControls"/>
+    </InternalTagsTaxHTField0>
+    <LastHandOff xmlns="4873beb7-5857-4685-be1f-d57550cc96cc" xsi:nil="true"/>
+    <Milestone xmlns="4873beb7-5857-4685-be1f-d57550cc96cc" xsi:nil="true"/>
+    <OriginalRelease xmlns="4873beb7-5857-4685-be1f-d57550cc96cc">15</OriginalRelease>
+    <RecommendationsModifier xmlns="4873beb7-5857-4685-be1f-d57550cc96cc" xsi:nil="true"/>
+    <ScenarioTagsTaxHTField0 xmlns="4873beb7-5857-4685-be1f-d57550cc96cc">
+      <Terms xmlns="http://schemas.microsoft.com/office/infopath/2007/PartnerControls"/>
+    </ScenarioTagsTaxHTField0>
+    <UANotes xmlns="4873beb7-5857-4685-be1f-d57550cc96cc" xsi:nil="true"/>
+  </documentManagement>
+</p:properties>
+</file>
+
+<file path=customXml/item2.xml><?xml version="1.0" encoding="utf-8"?>
 <ct:contentTypeSchema xmlns:ct="http://schemas.microsoft.com/office/2006/metadata/contentType" xmlns:ma="http://schemas.microsoft.com/office/2006/metadata/properties/metaAttributes" ct:_="" ma:_="" ma:contentTypeName="TemplateFile" ma:contentTypeID="0x0101006EDDDB5EE6D98C44930B742096920B300400F5B6D36B3EF94B4E9A635CDF2A18F5B8" ma:contentTypeVersion="72" ma:contentTypeDescription="Create a new document." ma:contentTypeScope="" ma:versionID="a23e56308344d904b51738559c3d67c9">
   <xsd:schema xmlns:xsd="http://www.w3.org/2001/XMLSchema" xmlns:xs="http://www.w3.org/2001/XMLSchema" xmlns:p="http://schemas.microsoft.com/office/2006/metadata/properties" xmlns:ns2="4873beb7-5857-4685-be1f-d57550cc96cc" targetNamespace="http://schemas.microsoft.com/office/2006/metadata/properties" ma:root="true" ma:fieldsID="cd0908cc4600e77bf5da051303e00c8d" ns2:_="">
     <xsd:import namespace="4873beb7-5857-4685-be1f-d57550cc96cc"/>
@@ -29193,132 +29215,6 @@
 </ct:contentTypeSchema>
 </file>
 
-<file path=customXml/item2.xml><?xml version="1.0" encoding="utf-8"?>
-<p:properties xmlns:p="http://schemas.microsoft.com/office/2006/metadata/properties" xmlns:xsi="http://www.w3.org/2001/XMLSchema-instance" xmlns:pc="http://schemas.microsoft.com/office/infopath/2007/PartnerControls">
-  <documentManagement>
-    <APDescription xmlns="4873beb7-5857-4685-be1f-d57550cc96cc" xsi:nil="true"/>
-    <AssetExpire xmlns="4873beb7-5857-4685-be1f-d57550cc96cc">2029-01-01T08:00:00+00:00</AssetExpire>
-    <CampaignTagsTaxHTField0 xmlns="4873beb7-5857-4685-be1f-d57550cc96cc">
-      <Terms xmlns="http://schemas.microsoft.com/office/infopath/2007/PartnerControls"/>
-    </CampaignTagsTaxHTField0>
-    <IntlLangReviewDate xmlns="4873beb7-5857-4685-be1f-d57550cc96cc" xsi:nil="true"/>
-    <TPFriendlyName xmlns="4873beb7-5857-4685-be1f-d57550cc96cc" xsi:nil="true"/>
-    <IntlLangReview xmlns="4873beb7-5857-4685-be1f-d57550cc96cc">false</IntlLangReview>
-    <LocLastLocAttemptVersionLookup xmlns="4873beb7-5857-4685-be1f-d57550cc96cc">855024</LocLastLocAttemptVersionLookup>
-    <PolicheckWords xmlns="4873beb7-5857-4685-be1f-d57550cc96cc" xsi:nil="true"/>
-    <SubmitterId xmlns="4873beb7-5857-4685-be1f-d57550cc96cc" xsi:nil="true"/>
-    <AcquiredFrom xmlns="4873beb7-5857-4685-be1f-d57550cc96cc">Internal MS</AcquiredFrom>
-    <EditorialStatus xmlns="4873beb7-5857-4685-be1f-d57550cc96cc">Complete</EditorialStatus>
-    <Markets xmlns="4873beb7-5857-4685-be1f-d57550cc96cc"/>
-    <OriginAsset xmlns="4873beb7-5857-4685-be1f-d57550cc96cc" xsi:nil="true"/>
-    <AssetStart xmlns="4873beb7-5857-4685-be1f-d57550cc96cc">2012-08-31T08:50:00+00:00</AssetStart>
-    <FriendlyTitle xmlns="4873beb7-5857-4685-be1f-d57550cc96cc" xsi:nil="true"/>
-    <MarketSpecific xmlns="4873beb7-5857-4685-be1f-d57550cc96cc">false</MarketSpecific>
-    <TPNamespace xmlns="4873beb7-5857-4685-be1f-d57550cc96cc" xsi:nil="true"/>
-    <PublishStatusLookup xmlns="4873beb7-5857-4685-be1f-d57550cc96cc">
-      <Value>1616423</Value>
-    </PublishStatusLookup>
-    <APAuthor xmlns="4873beb7-5857-4685-be1f-d57550cc96cc">
-      <UserInfo>
-        <DisplayName>REDMOND\kristaa</DisplayName>
-        <AccountId>136</AccountId>
-        <AccountType/>
-      </UserInfo>
-    </APAuthor>
-    <TPCommandLine xmlns="4873beb7-5857-4685-be1f-d57550cc96cc" xsi:nil="true"/>
-    <IntlLangReviewer xmlns="4873beb7-5857-4685-be1f-d57550cc96cc" xsi:nil="true"/>
-    <OpenTemplate xmlns="4873beb7-5857-4685-be1f-d57550cc96cc">true</OpenTemplate>
-    <CSXSubmissionDate xmlns="4873beb7-5857-4685-be1f-d57550cc96cc" xsi:nil="true"/>
-    <TaxCatchAll xmlns="4873beb7-5857-4685-be1f-d57550cc96cc"/>
-    <Manager xmlns="4873beb7-5857-4685-be1f-d57550cc96cc" xsi:nil="true"/>
-    <NumericId xmlns="4873beb7-5857-4685-be1f-d57550cc96cc" xsi:nil="true"/>
-    <ParentAssetId xmlns="4873beb7-5857-4685-be1f-d57550cc96cc" xsi:nil="true"/>
-    <OriginalSourceMarket xmlns="4873beb7-5857-4685-be1f-d57550cc96cc" xsi:nil="true"/>
-    <ApprovalStatus xmlns="4873beb7-5857-4685-be1f-d57550cc96cc">InProgress</ApprovalStatus>
-    <TPComponent xmlns="4873beb7-5857-4685-be1f-d57550cc96cc" xsi:nil="true"/>
-    <EditorialTags xmlns="4873beb7-5857-4685-be1f-d57550cc96cc" xsi:nil="true"/>
-    <TPExecutable xmlns="4873beb7-5857-4685-be1f-d57550cc96cc" xsi:nil="true"/>
-    <TPLaunchHelpLink xmlns="4873beb7-5857-4685-be1f-d57550cc96cc" xsi:nil="true"/>
-    <LocComments xmlns="4873beb7-5857-4685-be1f-d57550cc96cc" xsi:nil="true"/>
-    <LocRecommendedHandoff xmlns="4873beb7-5857-4685-be1f-d57550cc96cc" xsi:nil="true"/>
-    <SourceTitle xmlns="4873beb7-5857-4685-be1f-d57550cc96cc" xsi:nil="true"/>
-    <CSXUpdate xmlns="4873beb7-5857-4685-be1f-d57550cc96cc">false</CSXUpdate>
-    <IntlLocPriority xmlns="4873beb7-5857-4685-be1f-d57550cc96cc" xsi:nil="true"/>
-    <UAProjectedTotalWords xmlns="4873beb7-5857-4685-be1f-d57550cc96cc" xsi:nil="true"/>
-    <AssetType xmlns="4873beb7-5857-4685-be1f-d57550cc96cc">TP</AssetType>
-    <MachineTranslated xmlns="4873beb7-5857-4685-be1f-d57550cc96cc">false</MachineTranslated>
-    <OutputCachingOn xmlns="4873beb7-5857-4685-be1f-d57550cc96cc">false</OutputCachingOn>
-    <TemplateStatus xmlns="4873beb7-5857-4685-be1f-d57550cc96cc">Complete</TemplateStatus>
-    <IsSearchable xmlns="4873beb7-5857-4685-be1f-d57550cc96cc">true</IsSearchable>
-    <ContentItem xmlns="4873beb7-5857-4685-be1f-d57550cc96cc" xsi:nil="true"/>
-    <HandoffToMSDN xmlns="4873beb7-5857-4685-be1f-d57550cc96cc" xsi:nil="true"/>
-    <ShowIn xmlns="4873beb7-5857-4685-be1f-d57550cc96cc">Show everywhere</ShowIn>
-    <ThumbnailAssetId xmlns="4873beb7-5857-4685-be1f-d57550cc96cc" xsi:nil="true"/>
-    <UALocComments xmlns="4873beb7-5857-4685-be1f-d57550cc96cc" xsi:nil="true"/>
-    <UALocRecommendation xmlns="4873beb7-5857-4685-be1f-d57550cc96cc">Localize</UALocRecommendation>
-    <LastModifiedDateTime xmlns="4873beb7-5857-4685-be1f-d57550cc96cc" xsi:nil="true"/>
-    <LegacyData xmlns="4873beb7-5857-4685-be1f-d57550cc96cc" xsi:nil="true"/>
-    <LocManualTestRequired xmlns="4873beb7-5857-4685-be1f-d57550cc96cc">false</LocManualTestRequired>
-    <LocMarketGroupTiers2 xmlns="4873beb7-5857-4685-be1f-d57550cc96cc" xsi:nil="true"/>
-    <ClipArtFilename xmlns="4873beb7-5857-4685-be1f-d57550cc96cc" xsi:nil="true"/>
-    <TPApplication xmlns="4873beb7-5857-4685-be1f-d57550cc96cc" xsi:nil="true"/>
-    <CSXHash xmlns="4873beb7-5857-4685-be1f-d57550cc96cc" xsi:nil="true"/>
-    <DirectSourceMarket xmlns="4873beb7-5857-4685-be1f-d57550cc96cc" xsi:nil="true"/>
-    <PrimaryImageGen xmlns="4873beb7-5857-4685-be1f-d57550cc96cc">true</PrimaryImageGen>
-    <PlannedPubDate xmlns="4873beb7-5857-4685-be1f-d57550cc96cc" xsi:nil="true"/>
-    <CSXSubmissionMarket xmlns="4873beb7-5857-4685-be1f-d57550cc96cc" xsi:nil="true"/>
-    <Downloads xmlns="4873beb7-5857-4685-be1f-d57550cc96cc">0</Downloads>
-    <ArtSampleDocs xmlns="4873beb7-5857-4685-be1f-d57550cc96cc" xsi:nil="true"/>
-    <TrustLevel xmlns="4873beb7-5857-4685-be1f-d57550cc96cc">1 Microsoft Managed Content</TrustLevel>
-    <BlockPublish xmlns="4873beb7-5857-4685-be1f-d57550cc96cc">false</BlockPublish>
-    <TPLaunchHelpLinkType xmlns="4873beb7-5857-4685-be1f-d57550cc96cc">Template</TPLaunchHelpLinkType>
-    <LocalizationTagsTaxHTField0 xmlns="4873beb7-5857-4685-be1f-d57550cc96cc">
-      <Terms xmlns="http://schemas.microsoft.com/office/infopath/2007/PartnerControls"/>
-    </LocalizationTagsTaxHTField0>
-    <BusinessGroup xmlns="4873beb7-5857-4685-be1f-d57550cc96cc" xsi:nil="true"/>
-    <Providers xmlns="4873beb7-5857-4685-be1f-d57550cc96cc" xsi:nil="true"/>
-    <TemplateTemplateType xmlns="4873beb7-5857-4685-be1f-d57550cc96cc">PowerPoint Presentation Template</TemplateTemplateType>
-    <TimesCloned xmlns="4873beb7-5857-4685-be1f-d57550cc96cc" xsi:nil="true"/>
-    <TPAppVersion xmlns="4873beb7-5857-4685-be1f-d57550cc96cc" xsi:nil="true"/>
-    <VoteCount xmlns="4873beb7-5857-4685-be1f-d57550cc96cc" xsi:nil="true"/>
-    <AverageRating xmlns="4873beb7-5857-4685-be1f-d57550cc96cc" xsi:nil="true"/>
-    <FeatureTagsTaxHTField0 xmlns="4873beb7-5857-4685-be1f-d57550cc96cc">
-      <Terms xmlns="http://schemas.microsoft.com/office/infopath/2007/PartnerControls"/>
-    </FeatureTagsTaxHTField0>
-    <Provider xmlns="4873beb7-5857-4685-be1f-d57550cc96cc" xsi:nil="true"/>
-    <UACurrentWords xmlns="4873beb7-5857-4685-be1f-d57550cc96cc" xsi:nil="true"/>
-    <AssetId xmlns="4873beb7-5857-4685-be1f-d57550cc96cc">TP103431361</AssetId>
-    <TPClientViewer xmlns="4873beb7-5857-4685-be1f-d57550cc96cc" xsi:nil="true"/>
-    <DSATActionTaken xmlns="4873beb7-5857-4685-be1f-d57550cc96cc" xsi:nil="true"/>
-    <APEditor xmlns="4873beb7-5857-4685-be1f-d57550cc96cc">
-      <UserInfo>
-        <DisplayName/>
-        <AccountId xsi:nil="true"/>
-        <AccountType/>
-      </UserInfo>
-    </APEditor>
-    <TPInstallLocation xmlns="4873beb7-5857-4685-be1f-d57550cc96cc" xsi:nil="true"/>
-    <OOCacheId xmlns="4873beb7-5857-4685-be1f-d57550cc96cc" xsi:nil="true"/>
-    <IsDeleted xmlns="4873beb7-5857-4685-be1f-d57550cc96cc">false</IsDeleted>
-    <PublishTargets xmlns="4873beb7-5857-4685-be1f-d57550cc96cc">OfficeOnlineVNext</PublishTargets>
-    <ApprovalLog xmlns="4873beb7-5857-4685-be1f-d57550cc96cc" xsi:nil="true"/>
-    <BugNumber xmlns="4873beb7-5857-4685-be1f-d57550cc96cc" xsi:nil="true"/>
-    <CrawlForDependencies xmlns="4873beb7-5857-4685-be1f-d57550cc96cc">false</CrawlForDependencies>
-    <InternalTagsTaxHTField0 xmlns="4873beb7-5857-4685-be1f-d57550cc96cc">
-      <Terms xmlns="http://schemas.microsoft.com/office/infopath/2007/PartnerControls"/>
-    </InternalTagsTaxHTField0>
-    <LastHandOff xmlns="4873beb7-5857-4685-be1f-d57550cc96cc" xsi:nil="true"/>
-    <Milestone xmlns="4873beb7-5857-4685-be1f-d57550cc96cc" xsi:nil="true"/>
-    <OriginalRelease xmlns="4873beb7-5857-4685-be1f-d57550cc96cc">15</OriginalRelease>
-    <RecommendationsModifier xmlns="4873beb7-5857-4685-be1f-d57550cc96cc" xsi:nil="true"/>
-    <ScenarioTagsTaxHTField0 xmlns="4873beb7-5857-4685-be1f-d57550cc96cc">
-      <Terms xmlns="http://schemas.microsoft.com/office/infopath/2007/PartnerControls"/>
-    </ScenarioTagsTaxHTField0>
-    <UANotes xmlns="4873beb7-5857-4685-be1f-d57550cc96cc" xsi:nil="true"/>
-  </documentManagement>
-</p:properties>
-</file>
-
 <file path=customXml/item3.xml><?xml version="1.0" encoding="utf-8"?>
 <?mso-contentType ?>
 <FormTemplates xmlns="http://schemas.microsoft.com/sharepoint/v3/contenttype/forms">
@@ -29329,6 +29225,22 @@
 </file>
 
 <file path=customXml/itemProps1.xml><?xml version="1.0" encoding="utf-8"?>
+<ds:datastoreItem xmlns:ds="http://schemas.openxmlformats.org/officeDocument/2006/customXml" ds:itemID="{8CDDBB83-77C1-4099-A0AA-289882E745E2}">
+  <ds:schemaRefs>
+    <ds:schemaRef ds:uri="http://schemas.microsoft.com/office/2006/metadata/properties"/>
+    <ds:schemaRef ds:uri="http://schemas.microsoft.com/office/2006/documentManagement/types"/>
+    <ds:schemaRef ds:uri="http://purl.org/dc/elements/1.1/"/>
+    <ds:schemaRef ds:uri="http://schemas.openxmlformats.org/package/2006/metadata/core-properties"/>
+    <ds:schemaRef ds:uri="4873beb7-5857-4685-be1f-d57550cc96cc"/>
+    <ds:schemaRef ds:uri="http://schemas.microsoft.com/office/infopath/2007/PartnerControls"/>
+    <ds:schemaRef ds:uri="http://purl.org/dc/dcmitype/"/>
+    <ds:schemaRef ds:uri="http://purl.org/dc/terms/"/>
+    <ds:schemaRef ds:uri="http://www.w3.org/XML/1998/namespace"/>
+  </ds:schemaRefs>
+</ds:datastoreItem>
+</file>
+
+<file path=customXml/itemProps2.xml><?xml version="1.0" encoding="utf-8"?>
 <ds:datastoreItem xmlns:ds="http://schemas.openxmlformats.org/officeDocument/2006/customXml" ds:itemID="{28C8B9CA-0273-4370-889A-FC05DA5C2FA5}">
   <ds:schemaRefs>
     <ds:schemaRef ds:uri="http://schemas.microsoft.com/office/2006/metadata/contentType"/>
@@ -29346,22 +29258,6 @@
 </ds:datastoreItem>
 </file>
 
-<file path=customXml/itemProps2.xml><?xml version="1.0" encoding="utf-8"?>
-<ds:datastoreItem xmlns:ds="http://schemas.openxmlformats.org/officeDocument/2006/customXml" ds:itemID="{8CDDBB83-77C1-4099-A0AA-289882E745E2}">
-  <ds:schemaRefs>
-    <ds:schemaRef ds:uri="http://schemas.microsoft.com/office/2006/metadata/properties"/>
-    <ds:schemaRef ds:uri="http://schemas.microsoft.com/office/2006/documentManagement/types"/>
-    <ds:schemaRef ds:uri="http://purl.org/dc/elements/1.1/"/>
-    <ds:schemaRef ds:uri="http://schemas.openxmlformats.org/package/2006/metadata/core-properties"/>
-    <ds:schemaRef ds:uri="4873beb7-5857-4685-be1f-d57550cc96cc"/>
-    <ds:schemaRef ds:uri="http://schemas.microsoft.com/office/infopath/2007/PartnerControls"/>
-    <ds:schemaRef ds:uri="http://purl.org/dc/dcmitype/"/>
-    <ds:schemaRef ds:uri="http://purl.org/dc/terms/"/>
-    <ds:schemaRef ds:uri="http://www.w3.org/XML/1998/namespace"/>
-  </ds:schemaRefs>
-</ds:datastoreItem>
-</file>
-
 <file path=customXml/itemProps3.xml><?xml version="1.0" encoding="utf-8"?>
 <ds:datastoreItem xmlns:ds="http://schemas.openxmlformats.org/officeDocument/2006/customXml" ds:itemID="{561E720F-F05D-4536-9C34-0CFCED65D3B7}">
   <ds:schemaRefs>

--- a/bpdmo_greedy.pptx
+++ b/bpdmo_greedy.pptx
@@ -21,12 +21,12 @@
     <p:sldId id="275" r:id="rId12"/>
     <p:sldId id="277" r:id="rId13"/>
     <p:sldId id="267" r:id="rId14"/>
-    <p:sldId id="264" r:id="rId15"/>
-    <p:sldId id="268" r:id="rId16"/>
-    <p:sldId id="269" r:id="rId17"/>
-    <p:sldId id="270" r:id="rId18"/>
-    <p:sldId id="271" r:id="rId19"/>
-    <p:sldId id="272" r:id="rId20"/>
+    <p:sldId id="278" r:id="rId15"/>
+    <p:sldId id="279" r:id="rId16"/>
+    <p:sldId id="280" r:id="rId17"/>
+    <p:sldId id="281" r:id="rId18"/>
+    <p:sldId id="282" r:id="rId19"/>
+    <p:sldId id="283" r:id="rId20"/>
     <p:sldId id="261" r:id="rId21"/>
   </p:sldIdLst>
   <p:sldSz cx="12192000" cy="6858000"/>
@@ -167,718 +167,7 @@
       <c:style val="2"/>
     </mc:Fallback>
   </mc:AlternateContent>
-  <c:chart>
-    <c:title>
-      <c:tx>
-        <c:rich>
-          <a:bodyPr rot="0" spcFirstLastPara="1" vertOverflow="ellipsis" vert="horz" wrap="square" anchor="ctr" anchorCtr="1"/>
-          <a:lstStyle/>
-          <a:p>
-            <a:pPr algn="ctr" defTabSz="914400" rtl="0" eaLnBrk="1" latinLnBrk="0" hangingPunct="1">
-              <a:lnSpc>
-                <a:spcPct val="90000"/>
-              </a:lnSpc>
-              <a:spcBef>
-                <a:spcPct val="0"/>
-              </a:spcBef>
-              <a:buNone/>
-              <a:defRPr lang="es-ES" sz="3200" b="0" i="0" u="none" strike="noStrike" kern="1200" spc="0" baseline="0">
-                <a:solidFill>
-                  <a:schemeClr val="tx1"/>
-                </a:solidFill>
-                <a:latin typeface="+mj-lt"/>
-                <a:ea typeface="+mj-ea"/>
-                <a:cs typeface="+mj-cs"/>
-              </a:defRPr>
-            </a:pPr>
-            <a:r>
-              <a:rPr lang="es-ES" sz="3200" kern="1200" dirty="0" err="1">
-                <a:solidFill>
-                  <a:schemeClr val="tx1"/>
-                </a:solidFill>
-                <a:latin typeface="+mj-lt"/>
-                <a:ea typeface="+mj-ea"/>
-                <a:cs typeface="+mj-cs"/>
-              </a:rPr>
-              <a:t>Graphic</a:t>
-            </a:r>
-            <a:r>
-              <a:rPr lang="es-ES" sz="3200" kern="1200" dirty="0">
-                <a:solidFill>
-                  <a:schemeClr val="tx1"/>
-                </a:solidFill>
-                <a:latin typeface="+mj-lt"/>
-                <a:ea typeface="+mj-ea"/>
-                <a:cs typeface="+mj-cs"/>
-              </a:rPr>
-              <a:t>: </a:t>
-            </a:r>
-            <a:r>
-              <a:rPr lang="es-ES" sz="3200" kern="1200" dirty="0" err="1">
-                <a:solidFill>
-                  <a:schemeClr val="tx1"/>
-                </a:solidFill>
-                <a:latin typeface="+mj-lt"/>
-                <a:ea typeface="+mj-ea"/>
-                <a:cs typeface="+mj-cs"/>
-              </a:rPr>
-              <a:t>Variation</a:t>
-            </a:r>
-            <a:r>
-              <a:rPr lang="es-ES" sz="3200" kern="1200" dirty="0">
-                <a:solidFill>
-                  <a:schemeClr val="tx1"/>
-                </a:solidFill>
-                <a:latin typeface="+mj-lt"/>
-                <a:ea typeface="+mj-ea"/>
-                <a:cs typeface="+mj-cs"/>
-              </a:rPr>
-              <a:t> OF and </a:t>
-            </a:r>
-            <a:r>
-              <a:rPr lang="es-ES" sz="3200" kern="1200" dirty="0" err="1">
-                <a:solidFill>
-                  <a:schemeClr val="tx1"/>
-                </a:solidFill>
-                <a:latin typeface="+mj-lt"/>
-                <a:ea typeface="+mj-ea"/>
-                <a:cs typeface="+mj-cs"/>
-              </a:rPr>
-              <a:t>Our</a:t>
-            </a:r>
-            <a:r>
-              <a:rPr lang="es-ES" sz="3200" kern="1200" dirty="0">
-                <a:solidFill>
-                  <a:schemeClr val="tx1"/>
-                </a:solidFill>
-                <a:latin typeface="+mj-lt"/>
-                <a:ea typeface="+mj-ea"/>
-                <a:cs typeface="+mj-cs"/>
-              </a:rPr>
-              <a:t> </a:t>
-            </a:r>
-            <a:r>
-              <a:rPr lang="es-ES" sz="3200" kern="1200" dirty="0" err="1">
-                <a:solidFill>
-                  <a:schemeClr val="tx1"/>
-                </a:solidFill>
-                <a:latin typeface="+mj-lt"/>
-                <a:ea typeface="+mj-ea"/>
-                <a:cs typeface="+mj-cs"/>
-              </a:rPr>
-              <a:t>Cost</a:t>
-            </a:r>
-            <a:r>
-              <a:rPr lang="es-ES" sz="3200" kern="1200" dirty="0">
-                <a:solidFill>
-                  <a:schemeClr val="tx1"/>
-                </a:solidFill>
-                <a:latin typeface="+mj-lt"/>
-                <a:ea typeface="+mj-ea"/>
-                <a:cs typeface="+mj-cs"/>
-              </a:rPr>
-              <a:t> (200 </a:t>
-            </a:r>
-            <a:r>
-              <a:rPr lang="es-ES" sz="3200" kern="1200" dirty="0" err="1">
-                <a:solidFill>
-                  <a:schemeClr val="tx1"/>
-                </a:solidFill>
-                <a:latin typeface="+mj-lt"/>
-                <a:ea typeface="+mj-ea"/>
-                <a:cs typeface="+mj-cs"/>
-              </a:rPr>
-              <a:t>orders</a:t>
-            </a:r>
-            <a:r>
-              <a:rPr lang="es-ES" sz="3200" kern="1200" dirty="0">
-                <a:solidFill>
-                  <a:schemeClr val="tx1"/>
-                </a:solidFill>
-                <a:latin typeface="+mj-lt"/>
-                <a:ea typeface="+mj-ea"/>
-                <a:cs typeface="+mj-cs"/>
-              </a:rPr>
-              <a:t>)</a:t>
-            </a:r>
-          </a:p>
-        </c:rich>
-      </c:tx>
-      <c:overlay val="0"/>
-      <c:spPr>
-        <a:noFill/>
-        <a:ln>
-          <a:noFill/>
-        </a:ln>
-        <a:effectLst/>
-      </c:spPr>
-      <c:txPr>
-        <a:bodyPr rot="0" spcFirstLastPara="1" vertOverflow="ellipsis" vert="horz" wrap="square" anchor="ctr" anchorCtr="1"/>
-        <a:lstStyle/>
-        <a:p>
-          <a:pPr algn="ctr" defTabSz="914400" rtl="0" eaLnBrk="1" latinLnBrk="0" hangingPunct="1">
-            <a:lnSpc>
-              <a:spcPct val="90000"/>
-            </a:lnSpc>
-            <a:spcBef>
-              <a:spcPct val="0"/>
-            </a:spcBef>
-            <a:buNone/>
-            <a:defRPr lang="es-ES" sz="3200" b="0" i="0" u="none" strike="noStrike" kern="1200" spc="0" baseline="0">
-              <a:solidFill>
-                <a:schemeClr val="tx1"/>
-              </a:solidFill>
-              <a:latin typeface="+mj-lt"/>
-              <a:ea typeface="+mj-ea"/>
-              <a:cs typeface="+mj-cs"/>
-            </a:defRPr>
-          </a:pPr>
-          <a:endParaRPr lang="es-ES"/>
-        </a:p>
-      </c:txPr>
-    </c:title>
-    <c:autoTitleDeleted val="0"/>
-    <c:plotArea>
-      <c:layout/>
-      <c:lineChart>
-        <c:grouping val="standard"/>
-        <c:varyColors val="0"/>
-        <c:ser>
-          <c:idx val="0"/>
-          <c:order val="0"/>
-          <c:tx>
-            <c:strRef>
-              <c:f>'200'!$B$1</c:f>
-              <c:strCache>
-                <c:ptCount val="1"/>
-                <c:pt idx="0">
-                  <c:v>OF</c:v>
-                </c:pt>
-              </c:strCache>
-            </c:strRef>
-          </c:tx>
-          <c:spPr>
-            <a:ln w="28575" cap="rnd">
-              <a:solidFill>
-                <a:srgbClr val="92D050"/>
-              </a:solidFill>
-              <a:round/>
-            </a:ln>
-            <a:effectLst/>
-          </c:spPr>
-          <c:marker>
-            <c:symbol val="none"/>
-          </c:marker>
-          <c:val>
-            <c:numRef>
-              <c:f>'200'!$B$2:$B$41</c:f>
-              <c:numCache>
-                <c:formatCode>General</c:formatCode>
-                <c:ptCount val="40"/>
-                <c:pt idx="0">
-                  <c:v>19874</c:v>
-                </c:pt>
-                <c:pt idx="1">
-                  <c:v>19812</c:v>
-                </c:pt>
-                <c:pt idx="2">
-                  <c:v>19873</c:v>
-                </c:pt>
-                <c:pt idx="3">
-                  <c:v>19154</c:v>
-                </c:pt>
-                <c:pt idx="4">
-                  <c:v>19451</c:v>
-                </c:pt>
-                <c:pt idx="5">
-                  <c:v>19891</c:v>
-                </c:pt>
-                <c:pt idx="6">
-                  <c:v>19179</c:v>
-                </c:pt>
-                <c:pt idx="7">
-                  <c:v>19350</c:v>
-                </c:pt>
-                <c:pt idx="8">
-                  <c:v>19156</c:v>
-                </c:pt>
-                <c:pt idx="9">
-                  <c:v>19781</c:v>
-                </c:pt>
-                <c:pt idx="10">
-                  <c:v>19044</c:v>
-                </c:pt>
-                <c:pt idx="11">
-                  <c:v>19262</c:v>
-                </c:pt>
-                <c:pt idx="12">
-                  <c:v>19711</c:v>
-                </c:pt>
-                <c:pt idx="13">
-                  <c:v>18835</c:v>
-                </c:pt>
-                <c:pt idx="14">
-                  <c:v>18980</c:v>
-                </c:pt>
-                <c:pt idx="15">
-                  <c:v>19126</c:v>
-                </c:pt>
-                <c:pt idx="16">
-                  <c:v>19276</c:v>
-                </c:pt>
-                <c:pt idx="17">
-                  <c:v>19053</c:v>
-                </c:pt>
-                <c:pt idx="18">
-                  <c:v>18920</c:v>
-                </c:pt>
-                <c:pt idx="19">
-                  <c:v>18758</c:v>
-                </c:pt>
-                <c:pt idx="20">
-                  <c:v>23159</c:v>
-                </c:pt>
-                <c:pt idx="21">
-                  <c:v>23298</c:v>
-                </c:pt>
-                <c:pt idx="22">
-                  <c:v>23185</c:v>
-                </c:pt>
-                <c:pt idx="23">
-                  <c:v>22932</c:v>
-                </c:pt>
-                <c:pt idx="24">
-                  <c:v>22924</c:v>
-                </c:pt>
-                <c:pt idx="25">
-                  <c:v>23034</c:v>
-                </c:pt>
-                <c:pt idx="26">
-                  <c:v>22826</c:v>
-                </c:pt>
-                <c:pt idx="27">
-                  <c:v>23322</c:v>
-                </c:pt>
-                <c:pt idx="28">
-                  <c:v>22952</c:v>
-                </c:pt>
-                <c:pt idx="29">
-                  <c:v>23027</c:v>
-                </c:pt>
-                <c:pt idx="30">
-                  <c:v>22842</c:v>
-                </c:pt>
-                <c:pt idx="31">
-                  <c:v>22510</c:v>
-                </c:pt>
-                <c:pt idx="32">
-                  <c:v>22947</c:v>
-                </c:pt>
-                <c:pt idx="33">
-                  <c:v>22201</c:v>
-                </c:pt>
-                <c:pt idx="34">
-                  <c:v>23248</c:v>
-                </c:pt>
-                <c:pt idx="35">
-                  <c:v>22745</c:v>
-                </c:pt>
-                <c:pt idx="36">
-                  <c:v>22975</c:v>
-                </c:pt>
-                <c:pt idx="37">
-                  <c:v>22470</c:v>
-                </c:pt>
-                <c:pt idx="38">
-                  <c:v>23059</c:v>
-                </c:pt>
-                <c:pt idx="39">
-                  <c:v>22503</c:v>
-                </c:pt>
-              </c:numCache>
-            </c:numRef>
-          </c:val>
-          <c:smooth val="0"/>
-          <c:extLst xmlns:c16r2="http://schemas.microsoft.com/office/drawing/2015/06/chart">
-            <c:ext xmlns:c16="http://schemas.microsoft.com/office/drawing/2014/chart" uri="{C3380CC4-5D6E-409C-BE32-E72D297353CC}">
-              <c16:uniqueId val="{00000000-C895-4E6F-A3CB-D7305545BA81}"/>
-            </c:ext>
-          </c:extLst>
-        </c:ser>
-        <c:ser>
-          <c:idx val="1"/>
-          <c:order val="1"/>
-          <c:tx>
-            <c:strRef>
-              <c:f>'200'!$F$1</c:f>
-              <c:strCache>
-                <c:ptCount val="1"/>
-                <c:pt idx="0">
-                  <c:v>Our Cost</c:v>
-                </c:pt>
-              </c:strCache>
-            </c:strRef>
-          </c:tx>
-          <c:spPr>
-            <a:ln w="28575" cap="rnd">
-              <a:solidFill>
-                <a:srgbClr val="0070C0"/>
-              </a:solidFill>
-              <a:round/>
-            </a:ln>
-            <a:effectLst/>
-          </c:spPr>
-          <c:marker>
-            <c:symbol val="none"/>
-          </c:marker>
-          <c:val>
-            <c:numRef>
-              <c:f>'200'!$F$2:$F$41</c:f>
-              <c:numCache>
-                <c:formatCode>General</c:formatCode>
-                <c:ptCount val="40"/>
-                <c:pt idx="0">
-                  <c:v>19896</c:v>
-                </c:pt>
-                <c:pt idx="1">
-                  <c:v>19854</c:v>
-                </c:pt>
-                <c:pt idx="2">
-                  <c:v>19931</c:v>
-                </c:pt>
-                <c:pt idx="3">
-                  <c:v>19194</c:v>
-                </c:pt>
-                <c:pt idx="4">
-                  <c:v>19495</c:v>
-                </c:pt>
-                <c:pt idx="5">
-                  <c:v>19945</c:v>
-                </c:pt>
-                <c:pt idx="6">
-                  <c:v>19215</c:v>
-                </c:pt>
-                <c:pt idx="7">
-                  <c:v>19390</c:v>
-                </c:pt>
-                <c:pt idx="8">
-                  <c:v>19208</c:v>
-                </c:pt>
-                <c:pt idx="9">
-                  <c:v>19833</c:v>
-                </c:pt>
-                <c:pt idx="10">
-                  <c:v>19404</c:v>
-                </c:pt>
-                <c:pt idx="11">
-                  <c:v>19572</c:v>
-                </c:pt>
-                <c:pt idx="12">
-                  <c:v>20071</c:v>
-                </c:pt>
-                <c:pt idx="13">
-                  <c:v>19215</c:v>
-                </c:pt>
-                <c:pt idx="14">
-                  <c:v>19320</c:v>
-                </c:pt>
-                <c:pt idx="15">
-                  <c:v>19474</c:v>
-                </c:pt>
-                <c:pt idx="16">
-                  <c:v>19586</c:v>
-                </c:pt>
-                <c:pt idx="17">
-                  <c:v>19397</c:v>
-                </c:pt>
-                <c:pt idx="18">
-                  <c:v>19264</c:v>
-                </c:pt>
-                <c:pt idx="19">
-                  <c:v>19138</c:v>
-                </c:pt>
-                <c:pt idx="20">
-                  <c:v>23257</c:v>
-                </c:pt>
-                <c:pt idx="21">
-                  <c:v>23390</c:v>
-                </c:pt>
-                <c:pt idx="22">
-                  <c:v>23299</c:v>
-                </c:pt>
-                <c:pt idx="23">
-                  <c:v>23040</c:v>
-                </c:pt>
-                <c:pt idx="24">
-                  <c:v>23012</c:v>
-                </c:pt>
-                <c:pt idx="25">
-                  <c:v>23152</c:v>
-                </c:pt>
-                <c:pt idx="26">
-                  <c:v>22914</c:v>
-                </c:pt>
-                <c:pt idx="27">
-                  <c:v>23418</c:v>
-                </c:pt>
-                <c:pt idx="28">
-                  <c:v>23054</c:v>
-                </c:pt>
-                <c:pt idx="29">
-                  <c:v>23117</c:v>
-                </c:pt>
-                <c:pt idx="30">
-                  <c:v>23292</c:v>
-                </c:pt>
-                <c:pt idx="31">
-                  <c:v>23012</c:v>
-                </c:pt>
-                <c:pt idx="32">
-                  <c:v>23397</c:v>
-                </c:pt>
-                <c:pt idx="33">
-                  <c:v>22639</c:v>
-                </c:pt>
-                <c:pt idx="34">
-                  <c:v>23770</c:v>
-                </c:pt>
-                <c:pt idx="35">
-                  <c:v>23215</c:v>
-                </c:pt>
-                <c:pt idx="36">
-                  <c:v>23425</c:v>
-                </c:pt>
-                <c:pt idx="37">
-                  <c:v>22970</c:v>
-                </c:pt>
-                <c:pt idx="38">
-                  <c:v>23509</c:v>
-                </c:pt>
-                <c:pt idx="39">
-                  <c:v>22991</c:v>
-                </c:pt>
-              </c:numCache>
-            </c:numRef>
-          </c:val>
-          <c:smooth val="0"/>
-          <c:extLst xmlns:c16r2="http://schemas.microsoft.com/office/drawing/2015/06/chart">
-            <c:ext xmlns:c16="http://schemas.microsoft.com/office/drawing/2014/chart" uri="{C3380CC4-5D6E-409C-BE32-E72D297353CC}">
-              <c16:uniqueId val="{00000001-C895-4E6F-A3CB-D7305545BA81}"/>
-            </c:ext>
-          </c:extLst>
-        </c:ser>
-        <c:dLbls>
-          <c:showLegendKey val="0"/>
-          <c:showVal val="0"/>
-          <c:showCatName val="0"/>
-          <c:showSerName val="0"/>
-          <c:showPercent val="0"/>
-          <c:showBubbleSize val="0"/>
-        </c:dLbls>
-        <c:smooth val="0"/>
-        <c:axId val="327466120"/>
-        <c:axId val="327466512"/>
-      </c:lineChart>
-      <c:catAx>
-        <c:axId val="327466120"/>
-        <c:scaling>
-          <c:orientation val="minMax"/>
-        </c:scaling>
-        <c:delete val="0"/>
-        <c:axPos val="b"/>
-        <c:majorTickMark val="none"/>
-        <c:minorTickMark val="none"/>
-        <c:tickLblPos val="nextTo"/>
-        <c:spPr>
-          <a:noFill/>
-          <a:ln w="9525" cap="flat" cmpd="sng" algn="ctr">
-            <a:solidFill>
-              <a:srgbClr val="92D050"/>
-            </a:solidFill>
-            <a:round/>
-          </a:ln>
-          <a:effectLst/>
-        </c:spPr>
-        <c:txPr>
-          <a:bodyPr rot="-60000000" spcFirstLastPara="1" vertOverflow="ellipsis" vert="horz" wrap="square" anchor="ctr" anchorCtr="1"/>
-          <a:lstStyle/>
-          <a:p>
-            <a:pPr>
-              <a:defRPr sz="1197" b="0" i="0" u="none" strike="noStrike" kern="1200" baseline="0">
-                <a:ln>
-                  <a:solidFill>
-                    <a:schemeClr val="tx2"/>
-                  </a:solidFill>
-                </a:ln>
-                <a:solidFill>
-                  <a:schemeClr val="tx2"/>
-                </a:solidFill>
-                <a:latin typeface="+mn-lt"/>
-                <a:ea typeface="+mn-ea"/>
-                <a:cs typeface="+mn-cs"/>
-              </a:defRPr>
-            </a:pPr>
-            <a:endParaRPr lang="es-ES"/>
-          </a:p>
-        </c:txPr>
-        <c:crossAx val="327466512"/>
-        <c:crosses val="autoZero"/>
-        <c:auto val="1"/>
-        <c:lblAlgn val="ctr"/>
-        <c:lblOffset val="100"/>
-        <c:noMultiLvlLbl val="0"/>
-      </c:catAx>
-      <c:valAx>
-        <c:axId val="327466512"/>
-        <c:scaling>
-          <c:orientation val="minMax"/>
-        </c:scaling>
-        <c:delete val="0"/>
-        <c:axPos val="l"/>
-        <c:majorGridlines>
-          <c:spPr>
-            <a:ln w="9525" cap="flat" cmpd="sng" algn="ctr">
-              <a:solidFill>
-                <a:schemeClr val="tx1">
-                  <a:lumMod val="15000"/>
-                  <a:lumOff val="85000"/>
-                </a:schemeClr>
-              </a:solidFill>
-              <a:round/>
-            </a:ln>
-            <a:effectLst/>
-          </c:spPr>
-        </c:majorGridlines>
-        <c:numFmt formatCode="General" sourceLinked="1"/>
-        <c:majorTickMark val="none"/>
-        <c:minorTickMark val="none"/>
-        <c:tickLblPos val="nextTo"/>
-        <c:spPr>
-          <a:noFill/>
-          <a:ln>
-            <a:noFill/>
-          </a:ln>
-          <a:effectLst/>
-        </c:spPr>
-        <c:txPr>
-          <a:bodyPr rot="-60000000" spcFirstLastPara="1" vertOverflow="ellipsis" vert="horz" wrap="square" anchor="ctr" anchorCtr="1"/>
-          <a:lstStyle/>
-          <a:p>
-            <a:pPr>
-              <a:defRPr sz="1197" b="0" i="0" u="none" strike="noStrike" kern="1200" baseline="0">
-                <a:ln>
-                  <a:solidFill>
-                    <a:schemeClr val="tx2"/>
-                  </a:solidFill>
-                </a:ln>
-                <a:solidFill>
-                  <a:schemeClr val="tx2"/>
-                </a:solidFill>
-                <a:latin typeface="+mn-lt"/>
-                <a:ea typeface="+mn-ea"/>
-                <a:cs typeface="+mn-cs"/>
-              </a:defRPr>
-            </a:pPr>
-            <a:endParaRPr lang="es-ES"/>
-          </a:p>
-        </c:txPr>
-        <c:crossAx val="327466120"/>
-        <c:crosses val="autoZero"/>
-        <c:crossBetween val="between"/>
-      </c:valAx>
-      <c:spPr>
-        <a:noFill/>
-        <a:ln>
-          <a:noFill/>
-        </a:ln>
-        <a:effectLst/>
-      </c:spPr>
-    </c:plotArea>
-    <c:legend>
-      <c:legendPos val="b"/>
-      <c:layout>
-        <c:manualLayout>
-          <c:xMode val="edge"/>
-          <c:yMode val="edge"/>
-          <c:x val="0.37546294820051856"/>
-          <c:y val="0.94263895851969814"/>
-          <c:w val="0.15657541660119789"/>
-          <c:h val="4.260289686011471E-2"/>
-        </c:manualLayout>
-      </c:layout>
-      <c:overlay val="0"/>
-      <c:spPr>
-        <a:noFill/>
-        <a:ln>
-          <a:solidFill>
-            <a:schemeClr val="tx2"/>
-          </a:solidFill>
-        </a:ln>
-        <a:effectLst/>
-      </c:spPr>
-      <c:txPr>
-        <a:bodyPr rot="0" spcFirstLastPara="1" vertOverflow="ellipsis" vert="horz" wrap="square" anchor="ctr" anchorCtr="1"/>
-        <a:lstStyle/>
-        <a:p>
-          <a:pPr>
-            <a:defRPr sz="1197" b="0" i="0" u="none" strike="noStrike" kern="1200" baseline="0">
-              <a:ln>
-                <a:solidFill>
-                  <a:schemeClr val="tx2"/>
-                </a:solidFill>
-              </a:ln>
-              <a:solidFill>
-                <a:schemeClr val="tx2"/>
-              </a:solidFill>
-              <a:latin typeface="+mn-lt"/>
-              <a:ea typeface="+mn-ea"/>
-              <a:cs typeface="+mn-cs"/>
-            </a:defRPr>
-          </a:pPr>
-          <a:endParaRPr lang="es-ES"/>
-        </a:p>
-      </c:txPr>
-    </c:legend>
-    <c:plotVisOnly val="1"/>
-    <c:dispBlanksAs val="gap"/>
-    <c:showDLblsOverMax val="0"/>
-  </c:chart>
-  <c:spPr>
-    <a:noFill/>
-    <a:ln>
-      <a:noFill/>
-    </a:ln>
-    <a:effectLst/>
-  </c:spPr>
-  <c:txPr>
-    <a:bodyPr/>
-    <a:lstStyle/>
-    <a:p>
-      <a:pPr>
-        <a:defRPr/>
-      </a:pPr>
-      <a:endParaRPr lang="es-ES"/>
-    </a:p>
-  </c:txPr>
-  <c:externalData r:id="rId3">
-    <c:autoUpdate val="0"/>
-  </c:externalData>
-</c:chartSpace>
-</file>
-
-<file path=ppt/charts/chart2.xml><?xml version="1.0" encoding="utf-8"?>
-<c:chartSpace xmlns:c="http://schemas.openxmlformats.org/drawingml/2006/chart" xmlns:a="http://schemas.openxmlformats.org/drawingml/2006/main" xmlns:r="http://schemas.openxmlformats.org/officeDocument/2006/relationships">
-  <c:date1904 val="0"/>
-  <c:lang val="es-ES"/>
-  <c:roundedCorners val="0"/>
-  <mc:AlternateContent xmlns:mc="http://schemas.openxmlformats.org/markup-compatibility/2006">
-    <mc:Choice xmlns:c14="http://schemas.microsoft.com/office/drawing/2007/8/2/chart" Requires="c14">
-      <c14:style val="102"/>
-    </mc:Choice>
-    <mc:Fallback>
-      <c:style val="2"/>
-    </mc:Fallback>
-  </mc:AlternateContent>
+  <c:clrMapOvr bg1="lt1" tx1="dk1" bg2="lt2" tx2="dk2" accent1="accent1" accent2="accent2" accent3="accent3" accent4="accent4" accent5="accent5" accent6="accent6" hlink="hlink" folHlink="folHlink"/>
   <c:chart>
     <c:title>
       <c:tx>
@@ -887,7 +176,7 @@
           <a:lstStyle/>
           <a:p>
             <a:pPr>
-              <a:defRPr sz="1400" b="0" i="0" u="none" strike="noStrike" kern="1200" spc="0" baseline="0">
+              <a:defRPr sz="2800" b="0" i="0" u="none" strike="noStrike" kern="1200" spc="0" baseline="0">
                 <a:solidFill>
                   <a:schemeClr val="tx1">
                     <a:lumMod val="65000"/>
@@ -900,104 +189,18 @@
               </a:defRPr>
             </a:pPr>
             <a:r>
-              <a:rPr lang="es-ES" sz="3200" b="0" i="0" u="none" strike="noStrike" kern="1200" spc="0" baseline="0" dirty="0" err="1">
-                <a:solidFill>
-                  <a:schemeClr val="tx1"/>
-                </a:solidFill>
-                <a:latin typeface="+mj-lt"/>
-                <a:ea typeface="+mj-ea"/>
-                <a:cs typeface="+mj-cs"/>
-              </a:rPr>
-              <a:t>Graphic</a:t>
-            </a:r>
-            <a:r>
-              <a:rPr lang="es-ES" sz="3200" b="0" i="0" u="none" strike="noStrike" kern="1200" spc="0" baseline="0" dirty="0">
-                <a:solidFill>
-                  <a:schemeClr val="tx1"/>
-                </a:solidFill>
-                <a:latin typeface="+mj-lt"/>
-                <a:ea typeface="+mj-ea"/>
-                <a:cs typeface="+mj-cs"/>
-              </a:rPr>
-              <a:t>: </a:t>
-            </a:r>
-            <a:r>
-              <a:rPr lang="es-ES" sz="3200" b="0" i="0" u="none" strike="noStrike" kern="1200" spc="0" baseline="0" dirty="0" err="1">
-                <a:solidFill>
-                  <a:schemeClr val="tx1"/>
-                </a:solidFill>
-                <a:latin typeface="+mj-lt"/>
-                <a:ea typeface="+mj-ea"/>
-                <a:cs typeface="+mj-cs"/>
-              </a:rPr>
-              <a:t>Variation</a:t>
-            </a:r>
-            <a:r>
-              <a:rPr lang="es-ES" sz="3200" b="0" i="0" u="none" strike="noStrike" kern="1200" spc="0" baseline="0" dirty="0">
-                <a:solidFill>
-                  <a:schemeClr val="tx1"/>
-                </a:solidFill>
-                <a:latin typeface="+mj-lt"/>
-                <a:ea typeface="+mj-ea"/>
-                <a:cs typeface="+mj-cs"/>
-              </a:rPr>
-              <a:t> TIME and </a:t>
-            </a:r>
-            <a:r>
-              <a:rPr lang="es-ES" sz="3200" b="0" i="0" u="none" strike="noStrike" kern="1200" spc="0" baseline="0" dirty="0" err="1">
-                <a:solidFill>
-                  <a:schemeClr val="tx1"/>
-                </a:solidFill>
-                <a:latin typeface="+mj-lt"/>
-                <a:ea typeface="+mj-ea"/>
-                <a:cs typeface="+mj-cs"/>
-              </a:rPr>
-              <a:t>Our</a:t>
-            </a:r>
-            <a:r>
-              <a:rPr lang="es-ES" sz="3200" b="0" i="0" u="none" strike="noStrike" kern="1200" spc="0" baseline="0" dirty="0">
-                <a:solidFill>
-                  <a:schemeClr val="tx1"/>
-                </a:solidFill>
-                <a:latin typeface="+mj-lt"/>
-                <a:ea typeface="+mj-ea"/>
-                <a:cs typeface="+mj-cs"/>
-              </a:rPr>
-              <a:t> Time (200 </a:t>
-            </a:r>
-            <a:r>
-              <a:rPr lang="es-ES" sz="3200" b="0" i="0" u="none" strike="noStrike" kern="1200" spc="0" baseline="0" dirty="0" err="1">
-                <a:solidFill>
-                  <a:schemeClr val="tx1"/>
-                </a:solidFill>
-                <a:latin typeface="+mj-lt"/>
-                <a:ea typeface="+mj-ea"/>
-                <a:cs typeface="+mj-cs"/>
-              </a:rPr>
-              <a:t>orders</a:t>
-            </a:r>
-            <a:r>
-              <a:rPr lang="es-ES" sz="3200" b="0" i="0" u="none" strike="noStrike" kern="1200" spc="0" baseline="0" dirty="0">
-                <a:solidFill>
-                  <a:schemeClr val="tx1"/>
-                </a:solidFill>
-                <a:latin typeface="+mj-lt"/>
-                <a:ea typeface="+mj-ea"/>
-                <a:cs typeface="+mj-cs"/>
-              </a:rPr>
-              <a:t>)</a:t>
-            </a:r>
+              <a:rPr lang="es-ES" sz="2800" b="0" i="0" baseline="0">
+                <a:effectLst/>
+              </a:rPr>
+              <a:t>Graphic: Variation OF and Our Cost (200 orders)</a:t>
+            </a:r>
+            <a:endParaRPr lang="es-ES" sz="2800">
+              <a:effectLst/>
+            </a:endParaRPr>
           </a:p>
         </c:rich>
       </c:tx>
-      <c:layout>
-        <c:manualLayout>
-          <c:xMode val="edge"/>
-          <c:yMode val="edge"/>
-          <c:x val="0.1081383315526776"/>
-          <c:y val="1.1851851851851851E-2"/>
-        </c:manualLayout>
-      </c:layout>
+      <c:layout/>
       <c:overlay val="0"/>
       <c:spPr>
         <a:noFill/>
@@ -1011,7 +214,7 @@
         <a:lstStyle/>
         <a:p>
           <a:pPr>
-            <a:defRPr sz="1400" b="0" i="0" u="none" strike="noStrike" kern="1200" spc="0" baseline="0">
+            <a:defRPr sz="2800" b="0" i="0" u="none" strike="noStrike" kern="1200" spc="0" baseline="0">
               <a:solidFill>
                 <a:schemeClr val="tx1">
                   <a:lumMod val="65000"/>
@@ -1029,7 +232,17 @@
     </c:title>
     <c:autoTitleDeleted val="0"/>
     <c:plotArea>
-      <c:layout/>
+      <c:layout>
+        <c:manualLayout>
+          <c:layoutTarget val="inner"/>
+          <c:xMode val="edge"/>
+          <c:yMode val="edge"/>
+          <c:x val="3.9217847769028868E-2"/>
+          <c:y val="0.1166204432779236"/>
+          <c:w val="0.94932381889763784"/>
+          <c:h val="0.79805847185768441"/>
+        </c:manualLayout>
+      </c:layout>
       <c:lineChart>
         <c:grouping val="standard"/>
         <c:varyColors val="0"/>
@@ -1038,11 +251,11 @@
           <c:order val="0"/>
           <c:tx>
             <c:strRef>
-              <c:f>'200'!$A$1</c:f>
+              <c:f>'200'!$B$1</c:f>
               <c:strCache>
                 <c:ptCount val="1"/>
                 <c:pt idx="0">
-                  <c:v>TIME</c:v>
+                  <c:v>OF</c:v>
                 </c:pt>
               </c:strCache>
             </c:strRef>
@@ -1050,7 +263,7 @@
           <c:spPr>
             <a:ln w="28575" cap="rnd">
               <a:solidFill>
-                <a:srgbClr val="92D050"/>
+                <a:schemeClr val="accent1"/>
               </a:solidFill>
               <a:round/>
             </a:ln>
@@ -1061,150 +274,145 @@
           </c:marker>
           <c:val>
             <c:numRef>
-              <c:f>'200'!$A$2:$A$41</c:f>
+              <c:f>'200'!$B$2:$B$41</c:f>
               <c:numCache>
-                <c:formatCode>#,##0</c:formatCode>
+                <c:formatCode>General</c:formatCode>
                 <c:ptCount val="40"/>
                 <c:pt idx="0">
-                  <c:v>2382</c:v>
+                  <c:v>19874</c:v>
                 </c:pt>
                 <c:pt idx="1">
-                  <c:v>2908</c:v>
+                  <c:v>19812</c:v>
                 </c:pt>
                 <c:pt idx="2">
-                  <c:v>9733</c:v>
+                  <c:v>19873</c:v>
                 </c:pt>
                 <c:pt idx="3">
-                  <c:v>3151</c:v>
+                  <c:v>19154</c:v>
                 </c:pt>
                 <c:pt idx="4">
-                  <c:v>7335</c:v>
+                  <c:v>19451</c:v>
                 </c:pt>
                 <c:pt idx="5">
-                  <c:v>3002</c:v>
+                  <c:v>19891</c:v>
                 </c:pt>
                 <c:pt idx="6">
-                  <c:v>7886</c:v>
+                  <c:v>19179</c:v>
                 </c:pt>
                 <c:pt idx="7">
-                  <c:v>6477</c:v>
+                  <c:v>19350</c:v>
                 </c:pt>
                 <c:pt idx="8">
-                  <c:v>14147</c:v>
-                </c:pt>
-                <c:pt idx="9" formatCode="General">
-                  <c:v>0</c:v>
+                  <c:v>19156</c:v>
+                </c:pt>
+                <c:pt idx="9">
+                  <c:v>19781</c:v>
                 </c:pt>
                 <c:pt idx="10">
-                  <c:v>7304</c:v>
+                  <c:v>19044</c:v>
                 </c:pt>
                 <c:pt idx="11">
-                  <c:v>57306</c:v>
+                  <c:v>19262</c:v>
                 </c:pt>
                 <c:pt idx="12">
-                  <c:v>13886</c:v>
+                  <c:v>19711</c:v>
                 </c:pt>
                 <c:pt idx="13">
-                  <c:v>6049</c:v>
+                  <c:v>18835</c:v>
                 </c:pt>
                 <c:pt idx="14">
-                  <c:v>8795</c:v>
+                  <c:v>18980</c:v>
                 </c:pt>
                 <c:pt idx="15">
-                  <c:v>6713</c:v>
+                  <c:v>19126</c:v>
                 </c:pt>
                 <c:pt idx="16">
-                  <c:v>20402</c:v>
+                  <c:v>19276</c:v>
                 </c:pt>
                 <c:pt idx="17">
-                  <c:v>8111</c:v>
+                  <c:v>19053</c:v>
                 </c:pt>
                 <c:pt idx="18">
-                  <c:v>18295</c:v>
+                  <c:v>18920</c:v>
                 </c:pt>
                 <c:pt idx="19">
-                  <c:v>7277</c:v>
-                </c:pt>
-                <c:pt idx="20" formatCode="General">
-                  <c:v>0</c:v>
+                  <c:v>18758</c:v>
+                </c:pt>
+                <c:pt idx="20">
+                  <c:v>23159</c:v>
                 </c:pt>
                 <c:pt idx="21">
-                  <c:v>5365</c:v>
+                  <c:v>23298</c:v>
                 </c:pt>
                 <c:pt idx="22">
-                  <c:v>64377</c:v>
+                  <c:v>23185</c:v>
                 </c:pt>
                 <c:pt idx="23">
-                  <c:v>4618</c:v>
-                </c:pt>
-                <c:pt idx="24" formatCode="General">
-                  <c:v>0</c:v>
+                  <c:v>22932</c:v>
+                </c:pt>
+                <c:pt idx="24">
+                  <c:v>22924</c:v>
                 </c:pt>
                 <c:pt idx="25">
-                  <c:v>22373</c:v>
+                  <c:v>23034</c:v>
                 </c:pt>
                 <c:pt idx="26">
-                  <c:v>18476</c:v>
+                  <c:v>22826</c:v>
                 </c:pt>
                 <c:pt idx="27">
-                  <c:v>22724</c:v>
+                  <c:v>23322</c:v>
                 </c:pt>
                 <c:pt idx="28">
-                  <c:v>5832</c:v>
+                  <c:v>22952</c:v>
                 </c:pt>
                 <c:pt idx="29">
-                  <c:v>6507</c:v>
+                  <c:v>23027</c:v>
                 </c:pt>
                 <c:pt idx="30">
-                  <c:v>21941</c:v>
+                  <c:v>22842</c:v>
                 </c:pt>
                 <c:pt idx="31">
-                  <c:v>15461</c:v>
+                  <c:v>22510</c:v>
                 </c:pt>
                 <c:pt idx="32">
-                  <c:v>12694</c:v>
+                  <c:v>22947</c:v>
                 </c:pt>
                 <c:pt idx="33">
-                  <c:v>12793</c:v>
-                </c:pt>
-                <c:pt idx="34" formatCode="General">
-                  <c:v>0</c:v>
+                  <c:v>22201</c:v>
+                </c:pt>
+                <c:pt idx="34">
+                  <c:v>23248</c:v>
                 </c:pt>
                 <c:pt idx="35">
-                  <c:v>180077</c:v>
+                  <c:v>22745</c:v>
                 </c:pt>
                 <c:pt idx="36">
-                  <c:v>12617</c:v>
+                  <c:v>22975</c:v>
                 </c:pt>
                 <c:pt idx="37">
-                  <c:v>17449</c:v>
+                  <c:v>22470</c:v>
                 </c:pt>
                 <c:pt idx="38">
-                  <c:v>24581</c:v>
+                  <c:v>23059</c:v>
                 </c:pt>
                 <c:pt idx="39">
-                  <c:v>10109</c:v>
+                  <c:v>22503</c:v>
                 </c:pt>
               </c:numCache>
             </c:numRef>
           </c:val>
           <c:smooth val="0"/>
-          <c:extLst xmlns:c16r2="http://schemas.microsoft.com/office/drawing/2015/06/chart">
-            <c:ext xmlns:c16="http://schemas.microsoft.com/office/drawing/2014/chart" uri="{C3380CC4-5D6E-409C-BE32-E72D297353CC}">
-              <c16:uniqueId val="{00000000-27B1-42E1-BA84-46D552EDC603}"/>
-            </c:ext>
-          </c:extLst>
         </c:ser>
         <c:ser>
           <c:idx val="1"/>
           <c:order val="1"/>
           <c:tx>
             <c:strRef>
-              <c:f>'200'!$H$1</c:f>
+              <c:f>'200'!$F$1</c:f>
               <c:strCache>
                 <c:ptCount val="1"/>
                 <c:pt idx="0">
-                  <c:v>Our Time (miliseconds)</c:v>
+                  <c:v>Our Cost</c:v>
                 </c:pt>
               </c:strCache>
             </c:strRef>
@@ -1212,7 +420,7 @@
           <c:spPr>
             <a:ln w="28575" cap="rnd">
               <a:solidFill>
-                <a:srgbClr val="0070C0"/>
+                <a:schemeClr val="accent2"/>
               </a:solidFill>
               <a:round/>
             </a:ln>
@@ -1223,139 +431,134 @@
           </c:marker>
           <c:val>
             <c:numRef>
-              <c:f>'200'!$H$2:$H$41</c:f>
+              <c:f>'200'!$F$2:$F$41</c:f>
               <c:numCache>
                 <c:formatCode>General</c:formatCode>
                 <c:ptCount val="40"/>
                 <c:pt idx="0">
-                  <c:v>0</c:v>
+                  <c:v>19896</c:v>
                 </c:pt>
                 <c:pt idx="1">
-                  <c:v>0</c:v>
+                  <c:v>19854</c:v>
                 </c:pt>
                 <c:pt idx="2">
-                  <c:v>0</c:v>
+                  <c:v>19931</c:v>
                 </c:pt>
                 <c:pt idx="3">
-                  <c:v>0</c:v>
+                  <c:v>19194</c:v>
                 </c:pt>
                 <c:pt idx="4">
-                  <c:v>0</c:v>
+                  <c:v>19495</c:v>
                 </c:pt>
                 <c:pt idx="5">
-                  <c:v>0</c:v>
+                  <c:v>19945</c:v>
                 </c:pt>
                 <c:pt idx="6">
-                  <c:v>0</c:v>
+                  <c:v>19215</c:v>
                 </c:pt>
                 <c:pt idx="7">
-                  <c:v>0</c:v>
+                  <c:v>19390</c:v>
                 </c:pt>
                 <c:pt idx="8">
-                  <c:v>1</c:v>
+                  <c:v>19208</c:v>
                 </c:pt>
                 <c:pt idx="9">
-                  <c:v>0</c:v>
+                  <c:v>19833</c:v>
                 </c:pt>
                 <c:pt idx="10">
-                  <c:v>1</c:v>
+                  <c:v>19144</c:v>
                 </c:pt>
                 <c:pt idx="11">
-                  <c:v>0</c:v>
+                  <c:v>19312</c:v>
                 </c:pt>
                 <c:pt idx="12">
-                  <c:v>1</c:v>
+                  <c:v>19711</c:v>
                 </c:pt>
                 <c:pt idx="13">
-                  <c:v>1</c:v>
+                  <c:v>18835</c:v>
                 </c:pt>
                 <c:pt idx="14">
-                  <c:v>0</c:v>
+                  <c:v>19060</c:v>
                 </c:pt>
                 <c:pt idx="15">
-                  <c:v>0</c:v>
+                  <c:v>19214</c:v>
                 </c:pt>
                 <c:pt idx="16">
-                  <c:v>0</c:v>
+                  <c:v>19326</c:v>
                 </c:pt>
                 <c:pt idx="17">
-                  <c:v>1</c:v>
+                  <c:v>19137</c:v>
                 </c:pt>
                 <c:pt idx="18">
-                  <c:v>0</c:v>
+                  <c:v>19004</c:v>
                 </c:pt>
                 <c:pt idx="19">
-                  <c:v>0</c:v>
+                  <c:v>18758</c:v>
                 </c:pt>
                 <c:pt idx="20">
-                  <c:v>0</c:v>
+                  <c:v>23257</c:v>
                 </c:pt>
                 <c:pt idx="21">
-                  <c:v>0</c:v>
+                  <c:v>23390</c:v>
                 </c:pt>
                 <c:pt idx="22">
-                  <c:v>0</c:v>
+                  <c:v>23299</c:v>
                 </c:pt>
                 <c:pt idx="23">
-                  <c:v>0</c:v>
+                  <c:v>23040</c:v>
                 </c:pt>
                 <c:pt idx="24">
-                  <c:v>0</c:v>
+                  <c:v>23012</c:v>
                 </c:pt>
                 <c:pt idx="25">
-                  <c:v>0</c:v>
+                  <c:v>23152</c:v>
                 </c:pt>
                 <c:pt idx="26">
-                  <c:v>1</c:v>
+                  <c:v>22914</c:v>
                 </c:pt>
                 <c:pt idx="27">
-                  <c:v>1</c:v>
+                  <c:v>23418</c:v>
                 </c:pt>
                 <c:pt idx="28">
-                  <c:v>0</c:v>
+                  <c:v>23054</c:v>
                 </c:pt>
                 <c:pt idx="29">
-                  <c:v>0</c:v>
+                  <c:v>23117</c:v>
                 </c:pt>
                 <c:pt idx="30">
-                  <c:v>0</c:v>
+                  <c:v>22892</c:v>
                 </c:pt>
                 <c:pt idx="31">
-                  <c:v>0</c:v>
+                  <c:v>22612</c:v>
                 </c:pt>
                 <c:pt idx="32">
-                  <c:v>0</c:v>
+                  <c:v>22997</c:v>
                 </c:pt>
                 <c:pt idx="33">
-                  <c:v>0</c:v>
+                  <c:v>22219</c:v>
                 </c:pt>
                 <c:pt idx="34">
-                  <c:v>0</c:v>
+                  <c:v>23270</c:v>
                 </c:pt>
                 <c:pt idx="35">
-                  <c:v>0</c:v>
+                  <c:v>22815</c:v>
                 </c:pt>
                 <c:pt idx="36">
-                  <c:v>1</c:v>
+                  <c:v>23025</c:v>
                 </c:pt>
                 <c:pt idx="37">
-                  <c:v>0</c:v>
+                  <c:v>22570</c:v>
                 </c:pt>
                 <c:pt idx="38">
-                  <c:v>0</c:v>
+                  <c:v>23109</c:v>
                 </c:pt>
                 <c:pt idx="39">
-                  <c:v>0</c:v>
+                  <c:v>22591</c:v>
                 </c:pt>
               </c:numCache>
             </c:numRef>
           </c:val>
           <c:smooth val="0"/>
-          <c:extLst xmlns:c16r2="http://schemas.microsoft.com/office/drawing/2015/06/chart">
-            <c:ext xmlns:c16="http://schemas.microsoft.com/office/drawing/2014/chart" uri="{C3380CC4-5D6E-409C-BE32-E72D297353CC}">
-              <c16:uniqueId val="{00000001-27B1-42E1-BA84-46D552EDC603}"/>
-            </c:ext>
-          </c:extLst>
         </c:ser>
         <c:dLbls>
           <c:showLegendKey val="0"/>
@@ -1366,742 +569,11 @@
           <c:showBubbleSize val="0"/>
         </c:dLbls>
         <c:smooth val="0"/>
-        <c:axId val="328455344"/>
-        <c:axId val="328456128"/>
+        <c:axId val="489374624"/>
+        <c:axId val="489377760"/>
       </c:lineChart>
       <c:catAx>
-        <c:axId val="328455344"/>
-        <c:scaling>
-          <c:orientation val="minMax"/>
-        </c:scaling>
-        <c:delete val="0"/>
-        <c:axPos val="b"/>
-        <c:majorTickMark val="none"/>
-        <c:minorTickMark val="none"/>
-        <c:tickLblPos val="nextTo"/>
-        <c:spPr>
-          <a:noFill/>
-          <a:ln w="9525" cap="flat" cmpd="sng" algn="ctr">
-            <a:solidFill>
-              <a:schemeClr val="tx1"/>
-            </a:solidFill>
-            <a:round/>
-          </a:ln>
-          <a:effectLst/>
-        </c:spPr>
-        <c:txPr>
-          <a:bodyPr rot="-60000000" spcFirstLastPara="1" vertOverflow="ellipsis" vert="horz" wrap="square" anchor="ctr" anchorCtr="1"/>
-          <a:lstStyle/>
-          <a:p>
-            <a:pPr>
-              <a:defRPr sz="900" b="0" i="0" u="none" strike="noStrike" kern="1200" baseline="0">
-                <a:ln>
-                  <a:solidFill>
-                    <a:schemeClr val="tx2"/>
-                  </a:solidFill>
-                </a:ln>
-                <a:solidFill>
-                  <a:schemeClr val="tx2"/>
-                </a:solidFill>
-                <a:latin typeface="+mn-lt"/>
-                <a:ea typeface="+mn-ea"/>
-                <a:cs typeface="+mn-cs"/>
-              </a:defRPr>
-            </a:pPr>
-            <a:endParaRPr lang="es-ES"/>
-          </a:p>
-        </c:txPr>
-        <c:crossAx val="328456128"/>
-        <c:crosses val="autoZero"/>
-        <c:auto val="1"/>
-        <c:lblAlgn val="ctr"/>
-        <c:lblOffset val="100"/>
-        <c:noMultiLvlLbl val="0"/>
-      </c:catAx>
-      <c:valAx>
-        <c:axId val="328456128"/>
-        <c:scaling>
-          <c:orientation val="minMax"/>
-        </c:scaling>
-        <c:delete val="0"/>
-        <c:axPos val="l"/>
-        <c:majorGridlines>
-          <c:spPr>
-            <a:ln w="9525" cap="flat" cmpd="sng" algn="ctr">
-              <a:solidFill>
-                <a:schemeClr val="tx1">
-                  <a:lumMod val="15000"/>
-                  <a:lumOff val="85000"/>
-                </a:schemeClr>
-              </a:solidFill>
-              <a:round/>
-            </a:ln>
-            <a:effectLst/>
-          </c:spPr>
-        </c:majorGridlines>
-        <c:numFmt formatCode="#,##0" sourceLinked="1"/>
-        <c:majorTickMark val="none"/>
-        <c:minorTickMark val="none"/>
-        <c:tickLblPos val="nextTo"/>
-        <c:spPr>
-          <a:noFill/>
-          <a:ln>
-            <a:solidFill>
-              <a:schemeClr val="tx1"/>
-            </a:solidFill>
-          </a:ln>
-          <a:effectLst/>
-        </c:spPr>
-        <c:txPr>
-          <a:bodyPr rot="-60000000" spcFirstLastPara="1" vertOverflow="ellipsis" vert="horz" wrap="square" anchor="ctr" anchorCtr="1"/>
-          <a:lstStyle/>
-          <a:p>
-            <a:pPr>
-              <a:defRPr sz="900" b="0" i="0" u="none" strike="noStrike" kern="1200" baseline="0">
-                <a:ln>
-                  <a:solidFill>
-                    <a:schemeClr val="tx2"/>
-                  </a:solidFill>
-                </a:ln>
-                <a:solidFill>
-                  <a:schemeClr val="tx2"/>
-                </a:solidFill>
-                <a:latin typeface="+mn-lt"/>
-                <a:ea typeface="+mn-ea"/>
-                <a:cs typeface="+mn-cs"/>
-              </a:defRPr>
-            </a:pPr>
-            <a:endParaRPr lang="es-ES"/>
-          </a:p>
-        </c:txPr>
-        <c:crossAx val="328455344"/>
-        <c:crosses val="autoZero"/>
-        <c:crossBetween val="between"/>
-      </c:valAx>
-      <c:spPr>
-        <a:noFill/>
-        <a:ln>
-          <a:noFill/>
-        </a:ln>
-        <a:effectLst/>
-      </c:spPr>
-    </c:plotArea>
-    <c:legend>
-      <c:legendPos val="b"/>
-      <c:legendEntry>
-        <c:idx val="1"/>
-        <c:txPr>
-          <a:bodyPr rot="0" spcFirstLastPara="1" vertOverflow="ellipsis" vert="horz" wrap="square" anchor="ctr" anchorCtr="1"/>
-          <a:lstStyle/>
-          <a:p>
-            <a:pPr>
-              <a:defRPr sz="900" b="0" i="0" u="none" strike="noStrike" kern="1200" baseline="0">
-                <a:ln>
-                  <a:solidFill>
-                    <a:schemeClr val="tx2">
-                      <a:alpha val="83000"/>
-                    </a:schemeClr>
-                  </a:solidFill>
-                </a:ln>
-                <a:solidFill>
-                  <a:schemeClr val="tx2"/>
-                </a:solidFill>
-                <a:latin typeface="+mn-lt"/>
-                <a:ea typeface="+mn-ea"/>
-                <a:cs typeface="+mn-cs"/>
-              </a:defRPr>
-            </a:pPr>
-            <a:endParaRPr lang="es-ES"/>
-          </a:p>
-        </c:txPr>
-      </c:legendEntry>
-      <c:overlay val="0"/>
-      <c:spPr>
-        <a:noFill/>
-        <a:ln>
-          <a:noFill/>
-        </a:ln>
-        <a:effectLst/>
-      </c:spPr>
-      <c:txPr>
-        <a:bodyPr rot="0" spcFirstLastPara="1" vertOverflow="ellipsis" vert="horz" wrap="square" anchor="ctr" anchorCtr="1"/>
-        <a:lstStyle/>
-        <a:p>
-          <a:pPr>
-            <a:defRPr sz="900" b="0" i="0" u="none" strike="noStrike" kern="1200" baseline="0">
-              <a:ln>
-                <a:solidFill>
-                  <a:schemeClr val="tx2"/>
-                </a:solidFill>
-              </a:ln>
-              <a:solidFill>
-                <a:schemeClr val="tx2"/>
-              </a:solidFill>
-              <a:latin typeface="+mn-lt"/>
-              <a:ea typeface="+mn-ea"/>
-              <a:cs typeface="+mn-cs"/>
-            </a:defRPr>
-          </a:pPr>
-          <a:endParaRPr lang="es-ES"/>
-        </a:p>
-      </c:txPr>
-    </c:legend>
-    <c:plotVisOnly val="1"/>
-    <c:dispBlanksAs val="gap"/>
-    <c:showDLblsOverMax val="0"/>
-  </c:chart>
-  <c:spPr>
-    <a:noFill/>
-    <a:ln>
-      <a:noFill/>
-    </a:ln>
-    <a:effectLst/>
-  </c:spPr>
-  <c:txPr>
-    <a:bodyPr/>
-    <a:lstStyle/>
-    <a:p>
-      <a:pPr>
-        <a:defRPr/>
-      </a:pPr>
-      <a:endParaRPr lang="es-ES"/>
-    </a:p>
-  </c:txPr>
-  <c:externalData r:id="rId3">
-    <c:autoUpdate val="0"/>
-  </c:externalData>
-</c:chartSpace>
-</file>
-
-<file path=ppt/charts/chart3.xml><?xml version="1.0" encoding="utf-8"?>
-<c:chartSpace xmlns:c="http://schemas.openxmlformats.org/drawingml/2006/chart" xmlns:a="http://schemas.openxmlformats.org/drawingml/2006/main" xmlns:r="http://schemas.openxmlformats.org/officeDocument/2006/relationships">
-  <c:date1904 val="0"/>
-  <c:lang val="es-ES"/>
-  <c:roundedCorners val="0"/>
-  <mc:AlternateContent xmlns:mc="http://schemas.openxmlformats.org/markup-compatibility/2006">
-    <mc:Choice xmlns:c14="http://schemas.microsoft.com/office/drawing/2007/8/2/chart" Requires="c14">
-      <c14:style val="102"/>
-    </mc:Choice>
-    <mc:Fallback>
-      <c:style val="2"/>
-    </mc:Fallback>
-  </mc:AlternateContent>
-  <c:chart>
-    <c:title>
-      <c:tx>
-        <c:rich>
-          <a:bodyPr rot="0" spcFirstLastPara="1" vertOverflow="ellipsis" vert="horz" wrap="square" anchor="ctr" anchorCtr="1"/>
-          <a:lstStyle/>
-          <a:p>
-            <a:pPr>
-              <a:defRPr sz="1400" b="0" i="0" u="none" strike="noStrike" kern="1200" spc="0" baseline="0">
-                <a:solidFill>
-                  <a:schemeClr val="tx1">
-                    <a:lumMod val="65000"/>
-                    <a:lumOff val="35000"/>
-                  </a:schemeClr>
-                </a:solidFill>
-                <a:latin typeface="+mn-lt"/>
-                <a:ea typeface="+mn-ea"/>
-                <a:cs typeface="+mn-cs"/>
-              </a:defRPr>
-            </a:pPr>
-            <a:r>
-              <a:rPr lang="es-ES" sz="3200" b="0" i="0" u="none" strike="noStrike" kern="1200" spc="0" baseline="0" dirty="0" err="1">
-                <a:solidFill>
-                  <a:schemeClr val="tx1"/>
-                </a:solidFill>
-                <a:latin typeface="+mj-lt"/>
-                <a:ea typeface="+mj-ea"/>
-                <a:cs typeface="+mj-cs"/>
-              </a:rPr>
-              <a:t>Graphic</a:t>
-            </a:r>
-            <a:r>
-              <a:rPr lang="es-ES" sz="3200" b="0" i="0" u="none" strike="noStrike" kern="1200" spc="0" baseline="0" dirty="0">
-                <a:solidFill>
-                  <a:schemeClr val="tx1"/>
-                </a:solidFill>
-                <a:latin typeface="+mj-lt"/>
-                <a:ea typeface="+mj-ea"/>
-                <a:cs typeface="+mj-cs"/>
-              </a:rPr>
-              <a:t>: </a:t>
-            </a:r>
-            <a:r>
-              <a:rPr lang="es-ES" sz="3200" b="0" i="0" u="none" strike="noStrike" kern="1200" spc="0" baseline="0" dirty="0" err="1">
-                <a:solidFill>
-                  <a:schemeClr val="tx1"/>
-                </a:solidFill>
-                <a:latin typeface="+mj-lt"/>
-                <a:ea typeface="+mj-ea"/>
-                <a:cs typeface="+mj-cs"/>
-              </a:rPr>
-              <a:t>Variation</a:t>
-            </a:r>
-            <a:r>
-              <a:rPr lang="es-ES" sz="1800" b="0" i="0" baseline="0" dirty="0">
-                <a:effectLst/>
-              </a:rPr>
-              <a:t> </a:t>
-            </a:r>
-            <a:r>
-              <a:rPr lang="es-ES" sz="3200" b="0" i="0" u="none" strike="noStrike" kern="1200" spc="0" baseline="0" dirty="0">
-                <a:solidFill>
-                  <a:schemeClr val="tx1"/>
-                </a:solidFill>
-                <a:latin typeface="+mj-lt"/>
-                <a:ea typeface="+mj-ea"/>
-                <a:cs typeface="+mj-cs"/>
-              </a:rPr>
-              <a:t>OF and </a:t>
-            </a:r>
-            <a:r>
-              <a:rPr lang="es-ES" sz="3200" b="0" i="0" u="none" strike="noStrike" kern="1200" spc="0" baseline="0" dirty="0" err="1">
-                <a:solidFill>
-                  <a:schemeClr val="tx1"/>
-                </a:solidFill>
-                <a:latin typeface="+mj-lt"/>
-                <a:ea typeface="+mj-ea"/>
-                <a:cs typeface="+mj-cs"/>
-              </a:rPr>
-              <a:t>Our</a:t>
-            </a:r>
-            <a:r>
-              <a:rPr lang="es-ES" sz="3200" b="0" i="0" u="none" strike="noStrike" kern="1200" spc="0" baseline="0" dirty="0">
-                <a:solidFill>
-                  <a:schemeClr val="tx1"/>
-                </a:solidFill>
-                <a:latin typeface="+mj-lt"/>
-                <a:ea typeface="+mj-ea"/>
-                <a:cs typeface="+mj-cs"/>
-              </a:rPr>
-              <a:t> </a:t>
-            </a:r>
-            <a:r>
-              <a:rPr lang="es-ES" sz="3200" b="0" i="0" u="none" strike="noStrike" kern="1200" spc="0" baseline="0" dirty="0" err="1">
-                <a:solidFill>
-                  <a:schemeClr val="tx1"/>
-                </a:solidFill>
-                <a:latin typeface="+mj-lt"/>
-                <a:ea typeface="+mj-ea"/>
-                <a:cs typeface="+mj-cs"/>
-              </a:rPr>
-              <a:t>Cost</a:t>
-            </a:r>
-            <a:r>
-              <a:rPr lang="es-ES" sz="3200" b="0" i="0" u="none" strike="noStrike" kern="1200" spc="0" baseline="0" dirty="0">
-                <a:solidFill>
-                  <a:schemeClr val="tx1"/>
-                </a:solidFill>
-                <a:latin typeface="+mj-lt"/>
-                <a:ea typeface="+mj-ea"/>
-                <a:cs typeface="+mj-cs"/>
-              </a:rPr>
-              <a:t> (500</a:t>
-            </a:r>
-            <a:r>
-              <a:rPr lang="es-ES" sz="1800" b="0" i="0" baseline="0" dirty="0">
-                <a:effectLst/>
-              </a:rPr>
-              <a:t> </a:t>
-            </a:r>
-            <a:r>
-              <a:rPr lang="es-ES" sz="3200" b="0" i="0" u="none" strike="noStrike" kern="1200" spc="0" baseline="0" dirty="0" err="1">
-                <a:solidFill>
-                  <a:schemeClr val="tx1"/>
-                </a:solidFill>
-                <a:latin typeface="+mj-lt"/>
-                <a:ea typeface="+mj-ea"/>
-                <a:cs typeface="+mj-cs"/>
-              </a:rPr>
-              <a:t>orders</a:t>
-            </a:r>
-            <a:r>
-              <a:rPr lang="es-ES" sz="1800" b="0" i="0" baseline="0" dirty="0">
-                <a:effectLst/>
-              </a:rPr>
-              <a:t>)</a:t>
-            </a:r>
-            <a:endParaRPr lang="es-ES" dirty="0">
-              <a:effectLst/>
-            </a:endParaRPr>
-          </a:p>
-        </c:rich>
-      </c:tx>
-      <c:overlay val="0"/>
-      <c:spPr>
-        <a:noFill/>
-        <a:ln>
-          <a:noFill/>
-        </a:ln>
-        <a:effectLst/>
-      </c:spPr>
-      <c:txPr>
-        <a:bodyPr rot="0" spcFirstLastPara="1" vertOverflow="ellipsis" vert="horz" wrap="square" anchor="ctr" anchorCtr="1"/>
-        <a:lstStyle/>
-        <a:p>
-          <a:pPr>
-            <a:defRPr sz="1400" b="0" i="0" u="none" strike="noStrike" kern="1200" spc="0" baseline="0">
-              <a:solidFill>
-                <a:schemeClr val="tx1">
-                  <a:lumMod val="65000"/>
-                  <a:lumOff val="35000"/>
-                </a:schemeClr>
-              </a:solidFill>
-              <a:latin typeface="+mn-lt"/>
-              <a:ea typeface="+mn-ea"/>
-              <a:cs typeface="+mn-cs"/>
-            </a:defRPr>
-          </a:pPr>
-          <a:endParaRPr lang="es-ES"/>
-        </a:p>
-      </c:txPr>
-    </c:title>
-    <c:autoTitleDeleted val="0"/>
-    <c:plotArea>
-      <c:layout/>
-      <c:lineChart>
-        <c:grouping val="standard"/>
-        <c:varyColors val="0"/>
-        <c:ser>
-          <c:idx val="0"/>
-          <c:order val="0"/>
-          <c:tx>
-            <c:strRef>
-              <c:f>'500'!$B$1</c:f>
-              <c:strCache>
-                <c:ptCount val="1"/>
-                <c:pt idx="0">
-                  <c:v>OF</c:v>
-                </c:pt>
-              </c:strCache>
-            </c:strRef>
-          </c:tx>
-          <c:spPr>
-            <a:ln w="28575" cap="rnd">
-              <a:solidFill>
-                <a:srgbClr val="92D050"/>
-              </a:solidFill>
-              <a:round/>
-            </a:ln>
-            <a:effectLst/>
-          </c:spPr>
-          <c:marker>
-            <c:symbol val="none"/>
-          </c:marker>
-          <c:val>
-            <c:numRef>
-              <c:f>'500'!$B$2:$B$41</c:f>
-              <c:numCache>
-                <c:formatCode>General</c:formatCode>
-                <c:ptCount val="40"/>
-                <c:pt idx="0">
-                  <c:v>49410</c:v>
-                </c:pt>
-                <c:pt idx="1">
-                  <c:v>48341</c:v>
-                </c:pt>
-                <c:pt idx="2">
-                  <c:v>48940</c:v>
-                </c:pt>
-                <c:pt idx="3">
-                  <c:v>48121</c:v>
-                </c:pt>
-                <c:pt idx="4">
-                  <c:v>48162</c:v>
-                </c:pt>
-                <c:pt idx="5">
-                  <c:v>48681</c:v>
-                </c:pt>
-                <c:pt idx="6">
-                  <c:v>48680</c:v>
-                </c:pt>
-                <c:pt idx="7">
-                  <c:v>47882</c:v>
-                </c:pt>
-                <c:pt idx="8">
-                  <c:v>48178</c:v>
-                </c:pt>
-                <c:pt idx="9">
-                  <c:v>47732</c:v>
-                </c:pt>
-                <c:pt idx="10">
-                  <c:v>46274</c:v>
-                </c:pt>
-                <c:pt idx="11">
-                  <c:v>47499</c:v>
-                </c:pt>
-                <c:pt idx="12">
-                  <c:v>47180</c:v>
-                </c:pt>
-                <c:pt idx="13">
-                  <c:v>48636</c:v>
-                </c:pt>
-                <c:pt idx="14">
-                  <c:v>48375</c:v>
-                </c:pt>
-                <c:pt idx="15">
-                  <c:v>47927</c:v>
-                </c:pt>
-                <c:pt idx="16">
-                  <c:v>47920</c:v>
-                </c:pt>
-                <c:pt idx="17">
-                  <c:v>48111</c:v>
-                </c:pt>
-                <c:pt idx="18">
-                  <c:v>47128</c:v>
-                </c:pt>
-                <c:pt idx="19">
-                  <c:v>47474</c:v>
-                </c:pt>
-                <c:pt idx="20">
-                  <c:v>57732</c:v>
-                </c:pt>
-                <c:pt idx="21">
-                  <c:v>57821</c:v>
-                </c:pt>
-                <c:pt idx="22">
-                  <c:v>58040</c:v>
-                </c:pt>
-                <c:pt idx="23">
-                  <c:v>58515</c:v>
-                </c:pt>
-                <c:pt idx="24">
-                  <c:v>58216</c:v>
-                </c:pt>
-                <c:pt idx="25">
-                  <c:v>57665</c:v>
-                </c:pt>
-                <c:pt idx="26">
-                  <c:v>57600</c:v>
-                </c:pt>
-                <c:pt idx="27">
-                  <c:v>58262</c:v>
-                </c:pt>
-                <c:pt idx="28">
-                  <c:v>58021</c:v>
-                </c:pt>
-                <c:pt idx="29">
-                  <c:v>58385</c:v>
-                </c:pt>
-                <c:pt idx="30">
-                  <c:v>57526</c:v>
-                </c:pt>
-                <c:pt idx="31">
-                  <c:v>57462</c:v>
-                </c:pt>
-                <c:pt idx="32">
-                  <c:v>56768</c:v>
-                </c:pt>
-                <c:pt idx="33">
-                  <c:v>56718</c:v>
-                </c:pt>
-                <c:pt idx="34">
-                  <c:v>56968</c:v>
-                </c:pt>
-                <c:pt idx="35">
-                  <c:v>57084</c:v>
-                </c:pt>
-                <c:pt idx="36">
-                  <c:v>56557</c:v>
-                </c:pt>
-                <c:pt idx="37">
-                  <c:v>57023</c:v>
-                </c:pt>
-                <c:pt idx="38">
-                  <c:v>57756</c:v>
-                </c:pt>
-                <c:pt idx="39">
-                  <c:v>56263</c:v>
-                </c:pt>
-              </c:numCache>
-            </c:numRef>
-          </c:val>
-          <c:smooth val="0"/>
-          <c:extLst xmlns:c16r2="http://schemas.microsoft.com/office/drawing/2015/06/chart">
-            <c:ext xmlns:c16="http://schemas.microsoft.com/office/drawing/2014/chart" uri="{C3380CC4-5D6E-409C-BE32-E72D297353CC}">
-              <c16:uniqueId val="{00000000-E3E7-4E8F-BB0E-C7E42BED69FB}"/>
-            </c:ext>
-          </c:extLst>
-        </c:ser>
-        <c:ser>
-          <c:idx val="1"/>
-          <c:order val="1"/>
-          <c:tx>
-            <c:strRef>
-              <c:f>'500'!$F$1</c:f>
-              <c:strCache>
-                <c:ptCount val="1"/>
-                <c:pt idx="0">
-                  <c:v>Our Cost</c:v>
-                </c:pt>
-              </c:strCache>
-            </c:strRef>
-          </c:tx>
-          <c:spPr>
-            <a:ln w="28575" cap="rnd">
-              <a:solidFill>
-                <a:srgbClr val="0070C0"/>
-              </a:solidFill>
-              <a:round/>
-            </a:ln>
-            <a:effectLst/>
-          </c:spPr>
-          <c:marker>
-            <c:symbol val="none"/>
-          </c:marker>
-          <c:val>
-            <c:numRef>
-              <c:f>'500'!$F$2:$F$41</c:f>
-              <c:numCache>
-                <c:formatCode>General</c:formatCode>
-                <c:ptCount val="40"/>
-                <c:pt idx="0">
-                  <c:v>49556</c:v>
-                </c:pt>
-                <c:pt idx="1">
-                  <c:v>48411</c:v>
-                </c:pt>
-                <c:pt idx="2">
-                  <c:v>49092</c:v>
-                </c:pt>
-                <c:pt idx="3">
-                  <c:v>48201</c:v>
-                </c:pt>
-                <c:pt idx="4">
-                  <c:v>48264</c:v>
-                </c:pt>
-                <c:pt idx="5">
-                  <c:v>48805</c:v>
-                </c:pt>
-                <c:pt idx="6">
-                  <c:v>48784</c:v>
-                </c:pt>
-                <c:pt idx="7">
-                  <c:v>47998</c:v>
-                </c:pt>
-                <c:pt idx="8">
-                  <c:v>48278</c:v>
-                </c:pt>
-                <c:pt idx="9">
-                  <c:v>47758</c:v>
-                </c:pt>
-                <c:pt idx="10">
-                  <c:v>47156</c:v>
-                </c:pt>
-                <c:pt idx="11">
-                  <c:v>48369</c:v>
-                </c:pt>
-                <c:pt idx="12">
-                  <c:v>48040</c:v>
-                </c:pt>
-                <c:pt idx="13">
-                  <c:v>49556</c:v>
-                </c:pt>
-                <c:pt idx="14">
-                  <c:v>49225</c:v>
-                </c:pt>
-                <c:pt idx="15">
-                  <c:v>48847</c:v>
-                </c:pt>
-                <c:pt idx="16">
-                  <c:v>48840</c:v>
-                </c:pt>
-                <c:pt idx="17">
-                  <c:v>48987</c:v>
-                </c:pt>
-                <c:pt idx="18">
-                  <c:v>47998</c:v>
-                </c:pt>
-                <c:pt idx="19">
-                  <c:v>48320</c:v>
-                </c:pt>
-                <c:pt idx="20">
-                  <c:v>57808</c:v>
-                </c:pt>
-                <c:pt idx="21">
-                  <c:v>57997</c:v>
-                </c:pt>
-                <c:pt idx="22">
-                  <c:v>58046</c:v>
-                </c:pt>
-                <c:pt idx="23">
-                  <c:v>58559</c:v>
-                </c:pt>
-                <c:pt idx="24">
-                  <c:v>58384</c:v>
-                </c:pt>
-                <c:pt idx="25">
-                  <c:v>57773</c:v>
-                </c:pt>
-                <c:pt idx="26">
-                  <c:v>57724</c:v>
-                </c:pt>
-                <c:pt idx="27">
-                  <c:v>58370</c:v>
-                </c:pt>
-                <c:pt idx="28">
-                  <c:v>58067</c:v>
-                </c:pt>
-                <c:pt idx="29">
-                  <c:v>58573</c:v>
-                </c:pt>
-                <c:pt idx="30">
-                  <c:v>58580</c:v>
-                </c:pt>
-                <c:pt idx="31">
-                  <c:v>58384</c:v>
-                </c:pt>
-                <c:pt idx="32">
-                  <c:v>57864</c:v>
-                </c:pt>
-                <c:pt idx="33">
-                  <c:v>57766</c:v>
-                </c:pt>
-                <c:pt idx="34">
-                  <c:v>58060</c:v>
-                </c:pt>
-                <c:pt idx="35">
-                  <c:v>58144</c:v>
-                </c:pt>
-                <c:pt idx="36">
-                  <c:v>57647</c:v>
-                </c:pt>
-                <c:pt idx="37">
-                  <c:v>58053</c:v>
-                </c:pt>
-                <c:pt idx="38">
-                  <c:v>58776</c:v>
-                </c:pt>
-                <c:pt idx="39">
-                  <c:v>57183</c:v>
-                </c:pt>
-              </c:numCache>
-            </c:numRef>
-          </c:val>
-          <c:smooth val="0"/>
-          <c:extLst xmlns:c16r2="http://schemas.microsoft.com/office/drawing/2015/06/chart">
-            <c:ext xmlns:c16="http://schemas.microsoft.com/office/drawing/2014/chart" uri="{C3380CC4-5D6E-409C-BE32-E72D297353CC}">
-              <c16:uniqueId val="{00000001-E3E7-4E8F-BB0E-C7E42BED69FB}"/>
-            </c:ext>
-          </c:extLst>
-        </c:ser>
-        <c:dLbls>
-          <c:showLegendKey val="0"/>
-          <c:showVal val="0"/>
-          <c:showCatName val="0"/>
-          <c:showSerName val="0"/>
-          <c:showPercent val="0"/>
-          <c:showBubbleSize val="0"/>
-        </c:dLbls>
-        <c:smooth val="0"/>
-        <c:axId val="328453776"/>
-        <c:axId val="328456912"/>
-      </c:lineChart>
-      <c:catAx>
-        <c:axId val="328453776"/>
+        <c:axId val="489374624"/>
         <c:scaling>
           <c:orientation val="minMax"/>
         </c:scaling>
@@ -2131,11 +603,14 @@
               <a:defRPr sz="900" b="0" i="0" u="none" strike="noStrike" kern="1200" baseline="0">
                 <a:ln>
                   <a:solidFill>
-                    <a:schemeClr val="tx2"/>
+                    <a:srgbClr val="000000"/>
                   </a:solidFill>
                 </a:ln>
                 <a:solidFill>
-                  <a:schemeClr val="tx2"/>
+                  <a:schemeClr val="tx1">
+                    <a:lumMod val="65000"/>
+                    <a:lumOff val="35000"/>
+                  </a:schemeClr>
                 </a:solidFill>
                 <a:latin typeface="+mn-lt"/>
                 <a:ea typeface="+mn-ea"/>
@@ -2145,7 +620,7 @@
             <a:endParaRPr lang="es-ES"/>
           </a:p>
         </c:txPr>
-        <c:crossAx val="328456912"/>
+        <c:crossAx val="489377760"/>
         <c:crosses val="autoZero"/>
         <c:auto val="1"/>
         <c:lblAlgn val="ctr"/>
@@ -2153,7 +628,7 @@
         <c:noMultiLvlLbl val="0"/>
       </c:catAx>
       <c:valAx>
-        <c:axId val="328456912"/>
+        <c:axId val="489377760"/>
         <c:scaling>
           <c:orientation val="minMax"/>
         </c:scaling>
@@ -2192,11 +667,14 @@
               <a:defRPr sz="900" b="0" i="0" u="none" strike="noStrike" kern="1200" baseline="0">
                 <a:ln>
                   <a:solidFill>
-                    <a:schemeClr val="tx2"/>
+                    <a:srgbClr val="000000"/>
                   </a:solidFill>
                 </a:ln>
                 <a:solidFill>
-                  <a:schemeClr val="tx2"/>
+                  <a:schemeClr val="tx1">
+                    <a:lumMod val="65000"/>
+                    <a:lumOff val="35000"/>
+                  </a:schemeClr>
                 </a:solidFill>
                 <a:latin typeface="+mn-lt"/>
                 <a:ea typeface="+mn-ea"/>
@@ -2206,7 +684,7 @@
             <a:endParaRPr lang="es-ES"/>
           </a:p>
         </c:txPr>
-        <c:crossAx val="328453776"/>
+        <c:crossAx val="489374624"/>
         <c:crosses val="autoZero"/>
         <c:crossBetween val="between"/>
       </c:valAx>
@@ -2220,13 +698,12 @@
     </c:plotArea>
     <c:legend>
       <c:legendPos val="b"/>
+      <c:layout/>
       <c:overlay val="0"/>
       <c:spPr>
         <a:noFill/>
         <a:ln>
-          <a:solidFill>
-            <a:schemeClr val="tx2"/>
-          </a:solidFill>
+          <a:noFill/>
         </a:ln>
         <a:effectLst/>
       </c:spPr>
@@ -2236,13 +713,16 @@
         <a:p>
           <a:pPr>
             <a:defRPr sz="900" b="0" i="0" u="none" strike="noStrike" kern="1200" baseline="0">
-              <a:ln>
-                <a:solidFill>
-                  <a:schemeClr val="tx2"/>
+              <a:ln w="12700">
+                <a:solidFill>
+                  <a:srgbClr val="000000"/>
                 </a:solidFill>
               </a:ln>
               <a:solidFill>
-                <a:schemeClr val="tx2"/>
+                <a:schemeClr val="tx1">
+                  <a:lumMod val="65000"/>
+                  <a:lumOff val="35000"/>
+                </a:schemeClr>
               </a:solidFill>
               <a:latin typeface="+mn-lt"/>
               <a:ea typeface="+mn-ea"/>
@@ -2274,13 +754,13 @@
       <a:endParaRPr lang="es-ES"/>
     </a:p>
   </c:txPr>
-  <c:externalData r:id="rId3">
+  <c:externalData r:id="rId4">
     <c:autoUpdate val="0"/>
   </c:externalData>
 </c:chartSpace>
 </file>
 
-<file path=ppt/charts/chart4.xml><?xml version="1.0" encoding="utf-8"?>
+<file path=ppt/charts/chart2.xml><?xml version="1.0" encoding="utf-8"?>
 <c:chartSpace xmlns:c="http://schemas.openxmlformats.org/drawingml/2006/chart" xmlns:a="http://schemas.openxmlformats.org/drawingml/2006/main" xmlns:r="http://schemas.openxmlformats.org/officeDocument/2006/relationships">
   <c:date1904 val="0"/>
   <c:lang val="es-ES"/>
@@ -2293,6 +773,7 @@
       <c:style val="2"/>
     </mc:Fallback>
   </mc:AlternateContent>
+  <c:clrMapOvr bg1="lt1" tx1="dk1" bg2="lt2" tx2="dk2" accent1="accent1" accent2="accent2" accent3="accent3" accent4="accent4" accent5="accent5" accent6="accent6" hlink="hlink" folHlink="folHlink"/>
   <c:chart>
     <c:title>
       <c:tx>
@@ -2301,114 +782,31 @@
           <a:lstStyle/>
           <a:p>
             <a:pPr>
-              <a:defRPr lang="es-ES" sz="3200" b="0" i="0" u="none" strike="noStrike" kern="1200" spc="0" baseline="0">
-                <a:solidFill>
-                  <a:schemeClr val="tx1"/>
-                </a:solidFill>
-                <a:latin typeface="+mj-lt"/>
-                <a:ea typeface="+mj-ea"/>
-                <a:cs typeface="+mj-cs"/>
+              <a:defRPr sz="2800" b="0" i="0" u="none" strike="noStrike" kern="1200" spc="0" baseline="0">
+                <a:solidFill>
+                  <a:schemeClr val="tx1">
+                    <a:lumMod val="65000"/>
+                    <a:lumOff val="35000"/>
+                  </a:schemeClr>
+                </a:solidFill>
+                <a:latin typeface="+mn-lt"/>
+                <a:ea typeface="+mn-ea"/>
+                <a:cs typeface="+mn-cs"/>
               </a:defRPr>
             </a:pPr>
             <a:r>
-              <a:rPr lang="es-ES" sz="3200" b="0" i="0" u="none" strike="noStrike" kern="1200" spc="0" baseline="0" dirty="0" err="1">
-                <a:solidFill>
-                  <a:schemeClr val="tx1"/>
-                </a:solidFill>
-                <a:latin typeface="+mj-lt"/>
-                <a:ea typeface="+mj-ea"/>
-                <a:cs typeface="+mj-cs"/>
-              </a:rPr>
-              <a:t>Graphic</a:t>
-            </a:r>
-            <a:r>
-              <a:rPr lang="es-ES" sz="3200" b="0" i="0" u="none" strike="noStrike" kern="1200" spc="0" baseline="0" dirty="0">
-                <a:solidFill>
-                  <a:schemeClr val="tx1"/>
-                </a:solidFill>
-                <a:latin typeface="+mj-lt"/>
-                <a:ea typeface="+mj-ea"/>
-                <a:cs typeface="+mj-cs"/>
-              </a:rPr>
-              <a:t>: </a:t>
-            </a:r>
-            <a:r>
-              <a:rPr lang="es-ES" sz="3200" b="0" i="0" u="none" strike="noStrike" kern="1200" spc="0" baseline="0" dirty="0" err="1">
-                <a:solidFill>
-                  <a:schemeClr val="tx1"/>
-                </a:solidFill>
-                <a:latin typeface="+mj-lt"/>
-                <a:ea typeface="+mj-ea"/>
-                <a:cs typeface="+mj-cs"/>
-              </a:rPr>
-              <a:t>Variation</a:t>
-            </a:r>
-            <a:r>
-              <a:rPr lang="es-ES" sz="3200" b="0" i="0" u="none" strike="noStrike" kern="1200" spc="0" baseline="0" dirty="0">
-                <a:solidFill>
-                  <a:schemeClr val="tx1"/>
-                </a:solidFill>
-                <a:latin typeface="+mj-lt"/>
-                <a:ea typeface="+mj-ea"/>
-                <a:cs typeface="+mj-cs"/>
-              </a:rPr>
-              <a:t> TIME and </a:t>
-            </a:r>
-            <a:r>
-              <a:rPr lang="es-ES" sz="3200" b="0" i="0" u="none" strike="noStrike" kern="1200" spc="0" baseline="0" dirty="0" err="1">
-                <a:solidFill>
-                  <a:schemeClr val="tx1"/>
-                </a:solidFill>
-                <a:latin typeface="+mj-lt"/>
-                <a:ea typeface="+mj-ea"/>
-                <a:cs typeface="+mj-cs"/>
-              </a:rPr>
-              <a:t>Our</a:t>
-            </a:r>
-            <a:r>
-              <a:rPr lang="es-ES" sz="3200" b="0" i="0" u="none" strike="noStrike" kern="1200" spc="0" baseline="0" dirty="0">
-                <a:solidFill>
-                  <a:schemeClr val="tx1"/>
-                </a:solidFill>
-                <a:latin typeface="+mj-lt"/>
-                <a:ea typeface="+mj-ea"/>
-                <a:cs typeface="+mj-cs"/>
-              </a:rPr>
-              <a:t> Time (500 </a:t>
-            </a:r>
-            <a:r>
-              <a:rPr lang="es-ES" sz="3200" b="0" i="0" u="none" strike="noStrike" kern="1200" spc="0" baseline="0" dirty="0" err="1">
-                <a:solidFill>
-                  <a:schemeClr val="tx1"/>
-                </a:solidFill>
-                <a:latin typeface="+mj-lt"/>
-                <a:ea typeface="+mj-ea"/>
-                <a:cs typeface="+mj-cs"/>
-              </a:rPr>
-              <a:t>orders</a:t>
-            </a:r>
-            <a:r>
-              <a:rPr lang="es-ES" sz="3200" b="0" i="0" u="none" strike="noStrike" kern="1200" spc="0" baseline="0" dirty="0">
-                <a:solidFill>
-                  <a:schemeClr val="tx1"/>
-                </a:solidFill>
-                <a:latin typeface="+mj-lt"/>
-                <a:ea typeface="+mj-ea"/>
-                <a:cs typeface="+mj-cs"/>
-              </a:rPr>
-              <a:t>)</a:t>
-            </a:r>
+              <a:rPr lang="es-ES" sz="2800" b="0" i="0" baseline="0">
+                <a:effectLst/>
+              </a:rPr>
+              <a:t>Graphic: Variation Time and Our Time (200 orders)</a:t>
+            </a:r>
+            <a:endParaRPr lang="es-ES" sz="2800">
+              <a:effectLst/>
+            </a:endParaRPr>
           </a:p>
         </c:rich>
       </c:tx>
-      <c:layout>
-        <c:manualLayout>
-          <c:xMode val="edge"/>
-          <c:yMode val="edge"/>
-          <c:x val="0.1053061903847385"/>
-          <c:y val="1.195814648729447E-2"/>
-        </c:manualLayout>
-      </c:layout>
+      <c:layout/>
       <c:overlay val="0"/>
       <c:spPr>
         <a:noFill/>
@@ -2422,13 +820,16 @@
         <a:lstStyle/>
         <a:p>
           <a:pPr>
-            <a:defRPr lang="es-ES" sz="3200" b="0" i="0" u="none" strike="noStrike" kern="1200" spc="0" baseline="0">
+            <a:defRPr sz="2800" b="0" i="0" u="none" strike="noStrike" kern="1200" spc="0" baseline="0">
               <a:solidFill>
-                <a:schemeClr val="tx1"/>
+                <a:schemeClr val="tx1">
+                  <a:lumMod val="65000"/>
+                  <a:lumOff val="35000"/>
+                </a:schemeClr>
               </a:solidFill>
-              <a:latin typeface="+mj-lt"/>
-              <a:ea typeface="+mj-ea"/>
-              <a:cs typeface="+mj-cs"/>
+              <a:latin typeface="+mn-lt"/>
+              <a:ea typeface="+mn-ea"/>
+              <a:cs typeface="+mn-cs"/>
             </a:defRPr>
           </a:pPr>
           <a:endParaRPr lang="es-ES"/>
@@ -2437,7 +838,17 @@
     </c:title>
     <c:autoTitleDeleted val="0"/>
     <c:plotArea>
-      <c:layout/>
+      <c:layout>
+        <c:manualLayout>
+          <c:layoutTarget val="inner"/>
+          <c:xMode val="edge"/>
+          <c:yMode val="edge"/>
+          <c:x val="5.1753330724010373E-2"/>
+          <c:y val="0.16157797242728419"/>
+          <c:w val="0.93240846264830934"/>
+          <c:h val="0.74077004957713621"/>
+        </c:manualLayout>
+      </c:layout>
       <c:lineChart>
         <c:grouping val="standard"/>
         <c:varyColors val="0"/>
@@ -2446,7 +857,7 @@
           <c:order val="0"/>
           <c:tx>
             <c:strRef>
-              <c:f>'500'!$A$1</c:f>
+              <c:f>'200'!$A$1</c:f>
               <c:strCache>
                 <c:ptCount val="1"/>
                 <c:pt idx="0">
@@ -2458,7 +869,7 @@
           <c:spPr>
             <a:ln w="28575" cap="rnd">
               <a:solidFill>
-                <a:srgbClr val="92D050"/>
+                <a:schemeClr val="accent1"/>
               </a:solidFill>
               <a:round/>
             </a:ln>
@@ -2469,146 +880,141 @@
           </c:marker>
           <c:val>
             <c:numRef>
-              <c:f>'500'!$A$2:$A$41</c:f>
+              <c:f>'200'!$A$2:$A$41</c:f>
               <c:numCache>
                 <c:formatCode>#,##0</c:formatCode>
                 <c:ptCount val="40"/>
                 <c:pt idx="0">
-                  <c:v>46522</c:v>
+                  <c:v>2382</c:v>
                 </c:pt>
                 <c:pt idx="1">
-                  <c:v>180173</c:v>
+                  <c:v>2908</c:v>
                 </c:pt>
                 <c:pt idx="2">
-                  <c:v>180112</c:v>
+                  <c:v>9733</c:v>
                 </c:pt>
                 <c:pt idx="3">
-                  <c:v>180126</c:v>
+                  <c:v>3151</c:v>
                 </c:pt>
                 <c:pt idx="4">
-                  <c:v>180129</c:v>
+                  <c:v>7335</c:v>
                 </c:pt>
                 <c:pt idx="5">
-                  <c:v>59136</c:v>
+                  <c:v>3002</c:v>
                 </c:pt>
                 <c:pt idx="6">
-                  <c:v>58486</c:v>
+                  <c:v>7886</c:v>
                 </c:pt>
                 <c:pt idx="7">
-                  <c:v>180123</c:v>
+                  <c:v>6477</c:v>
                 </c:pt>
                 <c:pt idx="8">
-                  <c:v>34267</c:v>
-                </c:pt>
-                <c:pt idx="9">
-                  <c:v>180118</c:v>
+                  <c:v>14147</c:v>
+                </c:pt>
+                <c:pt idx="9" formatCode="General">
+                  <c:v>0</c:v>
                 </c:pt>
                 <c:pt idx="10">
-                  <c:v>146109</c:v>
+                  <c:v>7304</c:v>
                 </c:pt>
                 <c:pt idx="11">
-                  <c:v>151784</c:v>
+                  <c:v>57306</c:v>
                 </c:pt>
                 <c:pt idx="12">
-                  <c:v>180182</c:v>
+                  <c:v>13886</c:v>
                 </c:pt>
                 <c:pt idx="13">
-                  <c:v>180209</c:v>
+                  <c:v>6049</c:v>
                 </c:pt>
                 <c:pt idx="14">
-                  <c:v>180889</c:v>
+                  <c:v>8795</c:v>
                 </c:pt>
                 <c:pt idx="15">
-                  <c:v>139649</c:v>
-                </c:pt>
-                <c:pt idx="16" formatCode="General">
+                  <c:v>6713</c:v>
+                </c:pt>
+                <c:pt idx="16">
+                  <c:v>20402</c:v>
+                </c:pt>
+                <c:pt idx="17">
+                  <c:v>8111</c:v>
+                </c:pt>
+                <c:pt idx="18">
+                  <c:v>18295</c:v>
+                </c:pt>
+                <c:pt idx="19">
+                  <c:v>7277</c:v>
+                </c:pt>
+                <c:pt idx="20" formatCode="General">
                   <c:v>0</c:v>
                 </c:pt>
-                <c:pt idx="17">
-                  <c:v>180174</c:v>
-                </c:pt>
-                <c:pt idx="18">
-                  <c:v>180154</c:v>
-                </c:pt>
-                <c:pt idx="19">
-                  <c:v>180163</c:v>
-                </c:pt>
-                <c:pt idx="20">
-                  <c:v>180145</c:v>
-                </c:pt>
                 <c:pt idx="21">
-                  <c:v>180124</c:v>
+                  <c:v>5365</c:v>
                 </c:pt>
                 <c:pt idx="22">
-                  <c:v>180226</c:v>
+                  <c:v>64377</c:v>
                 </c:pt>
                 <c:pt idx="23">
-                  <c:v>180155</c:v>
-                </c:pt>
-                <c:pt idx="24">
-                  <c:v>180087</c:v>
+                  <c:v>4618</c:v>
+                </c:pt>
+                <c:pt idx="24" formatCode="General">
+                  <c:v>0</c:v>
                 </c:pt>
                 <c:pt idx="25">
-                  <c:v>180133</c:v>
-                </c:pt>
-                <c:pt idx="26" formatCode="General">
+                  <c:v>22373</c:v>
+                </c:pt>
+                <c:pt idx="26">
+                  <c:v>18476</c:v>
+                </c:pt>
+                <c:pt idx="27">
+                  <c:v>22724</c:v>
+                </c:pt>
+                <c:pt idx="28">
+                  <c:v>5832</c:v>
+                </c:pt>
+                <c:pt idx="29">
+                  <c:v>6507</c:v>
+                </c:pt>
+                <c:pt idx="30">
+                  <c:v>21941</c:v>
+                </c:pt>
+                <c:pt idx="31">
+                  <c:v>15461</c:v>
+                </c:pt>
+                <c:pt idx="32">
+                  <c:v>12694</c:v>
+                </c:pt>
+                <c:pt idx="33">
+                  <c:v>12793</c:v>
+                </c:pt>
+                <c:pt idx="34" formatCode="General">
                   <c:v>0</c:v>
                 </c:pt>
-                <c:pt idx="27">
-                  <c:v>180145</c:v>
-                </c:pt>
-                <c:pt idx="28">
-                  <c:v>180163</c:v>
-                </c:pt>
-                <c:pt idx="29">
-                  <c:v>180192</c:v>
-                </c:pt>
-                <c:pt idx="30">
-                  <c:v>185105</c:v>
-                </c:pt>
-                <c:pt idx="31">
-                  <c:v>180343</c:v>
-                </c:pt>
-                <c:pt idx="32">
-                  <c:v>180224</c:v>
-                </c:pt>
-                <c:pt idx="33">
-                  <c:v>180256</c:v>
-                </c:pt>
-                <c:pt idx="34">
-                  <c:v>180227</c:v>
-                </c:pt>
                 <c:pt idx="35">
-                  <c:v>180226</c:v>
+                  <c:v>180077</c:v>
                 </c:pt>
                 <c:pt idx="36">
-                  <c:v>180262</c:v>
+                  <c:v>12617</c:v>
                 </c:pt>
                 <c:pt idx="37">
-                  <c:v>180237</c:v>
+                  <c:v>17449</c:v>
                 </c:pt>
                 <c:pt idx="38">
-                  <c:v>180388</c:v>
+                  <c:v>24581</c:v>
                 </c:pt>
                 <c:pt idx="39">
-                  <c:v>180323</c:v>
+                  <c:v>10109</c:v>
                 </c:pt>
               </c:numCache>
             </c:numRef>
           </c:val>
           <c:smooth val="0"/>
-          <c:extLst xmlns:c16r2="http://schemas.microsoft.com/office/drawing/2015/06/chart">
-            <c:ext xmlns:c16="http://schemas.microsoft.com/office/drawing/2014/chart" uri="{C3380CC4-5D6E-409C-BE32-E72D297353CC}">
-              <c16:uniqueId val="{00000000-C612-4C88-85C4-868FEE20D905}"/>
-            </c:ext>
-          </c:extLst>
         </c:ser>
         <c:ser>
           <c:idx val="1"/>
           <c:order val="1"/>
           <c:tx>
             <c:strRef>
-              <c:f>'500'!$H$1</c:f>
+              <c:f>'200'!$H$1</c:f>
               <c:strCache>
                 <c:ptCount val="1"/>
                 <c:pt idx="0">
@@ -2620,7 +1026,7 @@
           <c:spPr>
             <a:ln w="28575" cap="rnd">
               <a:solidFill>
-                <a:srgbClr val="0070C0"/>
+                <a:schemeClr val="accent2"/>
               </a:solidFill>
               <a:round/>
             </a:ln>
@@ -2631,7 +1037,7 @@
           </c:marker>
           <c:val>
             <c:numRef>
-              <c:f>'500'!$H$2:$H$41</c:f>
+              <c:f>'200'!$H$2:$H$41</c:f>
               <c:numCache>
                 <c:formatCode>General</c:formatCode>
                 <c:ptCount val="40"/>
@@ -2639,19 +1045,19 @@
                   <c:v>0</c:v>
                 </c:pt>
                 <c:pt idx="1">
-                  <c:v>0</c:v>
+                  <c:v>1</c:v>
                 </c:pt>
                 <c:pt idx="2">
                   <c:v>1</c:v>
                 </c:pt>
                 <c:pt idx="3">
+                  <c:v>1</c:v>
+                </c:pt>
+                <c:pt idx="4">
                   <c:v>0</c:v>
                 </c:pt>
-                <c:pt idx="4">
-                  <c:v>1</c:v>
-                </c:pt>
                 <c:pt idx="5">
-                  <c:v>3</c:v>
+                  <c:v>0</c:v>
                 </c:pt>
                 <c:pt idx="6">
                   <c:v>1</c:v>
@@ -2666,34 +1072,34 @@
                   <c:v>0</c:v>
                 </c:pt>
                 <c:pt idx="10">
-                  <c:v>0</c:v>
+                  <c:v>1</c:v>
                 </c:pt>
                 <c:pt idx="11">
-                  <c:v>0</c:v>
+                  <c:v>1</c:v>
                 </c:pt>
                 <c:pt idx="12">
-                  <c:v>0</c:v>
+                  <c:v>1</c:v>
                 </c:pt>
                 <c:pt idx="13">
                   <c:v>0</c:v>
                 </c:pt>
                 <c:pt idx="14">
-                  <c:v>0</c:v>
+                  <c:v>1</c:v>
                 </c:pt>
                 <c:pt idx="15">
                   <c:v>1</c:v>
                 </c:pt>
                 <c:pt idx="16">
-                  <c:v>0</c:v>
+                  <c:v>1</c:v>
                 </c:pt>
                 <c:pt idx="17">
-                  <c:v>0</c:v>
+                  <c:v>1</c:v>
                 </c:pt>
                 <c:pt idx="18">
                   <c:v>1</c:v>
                 </c:pt>
                 <c:pt idx="19">
-                  <c:v>0</c:v>
+                  <c:v>1</c:v>
                 </c:pt>
                 <c:pt idx="20">
                   <c:v>0</c:v>
@@ -2702,68 +1108,63 @@
                   <c:v>0</c:v>
                 </c:pt>
                 <c:pt idx="22">
+                  <c:v>0</c:v>
+                </c:pt>
+                <c:pt idx="23">
                   <c:v>1</c:v>
                 </c:pt>
-                <c:pt idx="23">
+                <c:pt idx="24">
+                  <c:v>1</c:v>
+                </c:pt>
+                <c:pt idx="25">
                   <c:v>0</c:v>
-                </c:pt>
-                <c:pt idx="24">
-                  <c:v>0</c:v>
-                </c:pt>
-                <c:pt idx="25">
-                  <c:v>1</c:v>
                 </c:pt>
                 <c:pt idx="26">
                   <c:v>0</c:v>
                 </c:pt>
                 <c:pt idx="27">
-                  <c:v>0</c:v>
+                  <c:v>1</c:v>
                 </c:pt>
                 <c:pt idx="28">
-                  <c:v>0</c:v>
+                  <c:v>1</c:v>
                 </c:pt>
                 <c:pt idx="29">
                   <c:v>0</c:v>
                 </c:pt>
                 <c:pt idx="30">
+                  <c:v>0</c:v>
+                </c:pt>
+                <c:pt idx="31">
                   <c:v>1</c:v>
                 </c:pt>
-                <c:pt idx="31">
-                  <c:v>0</c:v>
-                </c:pt>
                 <c:pt idx="32">
-                  <c:v>0</c:v>
+                  <c:v>1</c:v>
                 </c:pt>
                 <c:pt idx="33">
-                  <c:v>0</c:v>
+                  <c:v>1</c:v>
                 </c:pt>
                 <c:pt idx="34">
-                  <c:v>0</c:v>
+                  <c:v>1</c:v>
                 </c:pt>
                 <c:pt idx="35">
-                  <c:v>0</c:v>
+                  <c:v>1</c:v>
                 </c:pt>
                 <c:pt idx="36">
                   <c:v>0</c:v>
                 </c:pt>
                 <c:pt idx="37">
+                  <c:v>0</c:v>
+                </c:pt>
+                <c:pt idx="38">
                   <c:v>1</c:v>
                 </c:pt>
-                <c:pt idx="38">
-                  <c:v>0</c:v>
-                </c:pt>
                 <c:pt idx="39">
-                  <c:v>0</c:v>
+                  <c:v>1</c:v>
                 </c:pt>
               </c:numCache>
             </c:numRef>
           </c:val>
           <c:smooth val="0"/>
-          <c:extLst xmlns:c16r2="http://schemas.microsoft.com/office/drawing/2015/06/chart">
-            <c:ext xmlns:c16="http://schemas.microsoft.com/office/drawing/2014/chart" uri="{C3380CC4-5D6E-409C-BE32-E72D297353CC}">
-              <c16:uniqueId val="{00000001-C612-4C88-85C4-868FEE20D905}"/>
-            </c:ext>
-          </c:extLst>
         </c:ser>
         <c:dLbls>
           <c:showLegendKey val="0"/>
@@ -2774,11 +1175,11 @@
           <c:showBubbleSize val="0"/>
         </c:dLbls>
         <c:smooth val="0"/>
-        <c:axId val="328456520"/>
-        <c:axId val="328450640"/>
+        <c:axId val="489378152"/>
+        <c:axId val="463935792"/>
       </c:lineChart>
       <c:catAx>
-        <c:axId val="328456520"/>
+        <c:axId val="489378152"/>
         <c:scaling>
           <c:orientation val="minMax"/>
         </c:scaling>
@@ -2808,11 +1209,14 @@
               <a:defRPr sz="900" b="0" i="0" u="none" strike="noStrike" kern="1200" baseline="0">
                 <a:ln>
                   <a:solidFill>
-                    <a:schemeClr val="tx2"/>
+                    <a:srgbClr val="000000"/>
                   </a:solidFill>
                 </a:ln>
                 <a:solidFill>
-                  <a:schemeClr val="tx2"/>
+                  <a:schemeClr val="tx1">
+                    <a:lumMod val="65000"/>
+                    <a:lumOff val="35000"/>
+                  </a:schemeClr>
                 </a:solidFill>
                 <a:latin typeface="+mn-lt"/>
                 <a:ea typeface="+mn-ea"/>
@@ -2822,7 +1226,7 @@
             <a:endParaRPr lang="es-ES"/>
           </a:p>
         </c:txPr>
-        <c:crossAx val="328450640"/>
+        <c:crossAx val="463935792"/>
         <c:crosses val="autoZero"/>
         <c:auto val="1"/>
         <c:lblAlgn val="ctr"/>
@@ -2830,7 +1234,7 @@
         <c:noMultiLvlLbl val="0"/>
       </c:catAx>
       <c:valAx>
-        <c:axId val="328450640"/>
+        <c:axId val="463935792"/>
         <c:scaling>
           <c:orientation val="minMax"/>
         </c:scaling>
@@ -2869,11 +1273,14 @@
               <a:defRPr sz="900" b="0" i="0" u="none" strike="noStrike" kern="1200" baseline="0">
                 <a:ln>
                   <a:solidFill>
-                    <a:schemeClr val="tx2"/>
+                    <a:srgbClr val="000000"/>
                   </a:solidFill>
                 </a:ln>
                 <a:solidFill>
-                  <a:schemeClr val="tx2"/>
+                  <a:schemeClr val="tx1">
+                    <a:lumMod val="65000"/>
+                    <a:lumOff val="35000"/>
+                  </a:schemeClr>
                 </a:solidFill>
                 <a:latin typeface="+mn-lt"/>
                 <a:ea typeface="+mn-ea"/>
@@ -2883,24 +1290,21 @@
             <a:endParaRPr lang="es-ES"/>
           </a:p>
         </c:txPr>
-        <c:crossAx val="328456520"/>
+        <c:crossAx val="489378152"/>
         <c:crosses val="autoZero"/>
         <c:crossBetween val="between"/>
       </c:valAx>
       <c:spPr>
         <a:noFill/>
         <a:ln>
-          <a:solidFill>
-            <a:schemeClr val="tx2">
-              <a:alpha val="57000"/>
-            </a:schemeClr>
-          </a:solidFill>
+          <a:noFill/>
         </a:ln>
         <a:effectLst/>
       </c:spPr>
     </c:plotArea>
     <c:legend>
       <c:legendPos val="b"/>
+      <c:layout/>
       <c:overlay val="0"/>
       <c:spPr>
         <a:noFill/>
@@ -2915,15 +1319,16 @@
         <a:p>
           <a:pPr>
             <a:defRPr sz="900" b="0" i="0" u="none" strike="noStrike" kern="1200" baseline="0">
-              <a:ln>
-                <a:solidFill>
-                  <a:schemeClr val="tx2">
-                    <a:alpha val="77000"/>
-                  </a:schemeClr>
+              <a:ln w="12700">
+                <a:solidFill>
+                  <a:srgbClr val="000000"/>
                 </a:solidFill>
               </a:ln>
               <a:solidFill>
-                <a:schemeClr val="tx2"/>
+                <a:schemeClr val="tx1">
+                  <a:lumMod val="65000"/>
+                  <a:lumOff val="35000"/>
+                </a:schemeClr>
               </a:solidFill>
               <a:latin typeface="+mn-lt"/>
               <a:ea typeface="+mn-ea"/>
@@ -2955,13 +1360,13 @@
       <a:endParaRPr lang="es-ES"/>
     </a:p>
   </c:txPr>
-  <c:externalData r:id="rId3">
+  <c:externalData r:id="rId4">
     <c:autoUpdate val="0"/>
   </c:externalData>
 </c:chartSpace>
 </file>
 
-<file path=ppt/charts/chart5.xml><?xml version="1.0" encoding="utf-8"?>
+<file path=ppt/charts/chart3.xml><?xml version="1.0" encoding="utf-8"?>
 <c:chartSpace xmlns:c="http://schemas.openxmlformats.org/drawingml/2006/chart" xmlns:a="http://schemas.openxmlformats.org/drawingml/2006/main" xmlns:r="http://schemas.openxmlformats.org/officeDocument/2006/relationships">
   <c:date1904 val="0"/>
   <c:lang val="es-ES"/>
@@ -2974,6 +1379,7 @@
       <c:style val="2"/>
     </mc:Fallback>
   </mc:AlternateContent>
+  <c:clrMapOvr bg1="lt1" tx1="dk1" bg2="lt2" tx2="dk2" accent1="accent1" accent2="accent2" accent3="accent3" accent4="accent4" accent5="accent5" accent6="accent6" hlink="hlink" folHlink="folHlink"/>
   <c:chart>
     <c:title>
       <c:tx>
@@ -2982,136 +1388,85 @@
           <a:lstStyle/>
           <a:p>
             <a:pPr>
-              <a:defRPr lang="es-ES" sz="3200" b="0" i="0" u="none" strike="noStrike" kern="1200" spc="0" baseline="0">
-                <a:solidFill>
-                  <a:schemeClr val="tx1"/>
-                </a:solidFill>
-                <a:latin typeface="+mj-lt"/>
-                <a:ea typeface="+mj-ea"/>
-                <a:cs typeface="+mj-cs"/>
+              <a:defRPr sz="2800" b="0" i="0" u="none" strike="noStrike" kern="1200" spc="0" baseline="0">
+                <a:solidFill>
+                  <a:schemeClr val="tx1">
+                    <a:lumMod val="65000"/>
+                    <a:lumOff val="35000"/>
+                  </a:schemeClr>
+                </a:solidFill>
+                <a:latin typeface="+mn-lt"/>
+                <a:ea typeface="+mn-ea"/>
+                <a:cs typeface="+mn-cs"/>
               </a:defRPr>
             </a:pPr>
             <a:r>
-              <a:rPr lang="es-ES" sz="3200" b="0" i="0" u="none" strike="noStrike" kern="1200" spc="0" baseline="0" dirty="0" err="1">
-                <a:solidFill>
-                  <a:schemeClr val="tx1"/>
-                </a:solidFill>
-                <a:latin typeface="+mj-lt"/>
-                <a:ea typeface="+mj-ea"/>
-                <a:cs typeface="+mj-cs"/>
+              <a:rPr lang="es-ES" sz="2800" b="0" i="0" baseline="0" dirty="0" err="1">
+                <a:effectLst/>
               </a:rPr>
               <a:t>Graphic</a:t>
             </a:r>
             <a:r>
-              <a:rPr lang="es-ES" sz="3200" b="0" i="0" u="none" strike="noStrike" kern="1200" spc="0" baseline="0" dirty="0">
-                <a:solidFill>
-                  <a:schemeClr val="tx1"/>
-                </a:solidFill>
-                <a:latin typeface="+mj-lt"/>
-                <a:ea typeface="+mj-ea"/>
-                <a:cs typeface="+mj-cs"/>
+              <a:rPr lang="es-ES" sz="2800" b="0" i="0" baseline="0" dirty="0">
+                <a:effectLst/>
               </a:rPr>
               <a:t>: </a:t>
             </a:r>
             <a:r>
-              <a:rPr lang="es-ES" sz="3200" b="0" i="0" u="none" strike="noStrike" kern="1200" spc="0" baseline="0" dirty="0" err="1">
-                <a:solidFill>
-                  <a:schemeClr val="tx1"/>
-                </a:solidFill>
-                <a:latin typeface="+mj-lt"/>
-                <a:ea typeface="+mj-ea"/>
-                <a:cs typeface="+mj-cs"/>
+              <a:rPr lang="es-ES" sz="2800" b="0" i="0" baseline="0" dirty="0" err="1">
+                <a:effectLst/>
               </a:rPr>
               <a:t>Variation</a:t>
             </a:r>
             <a:r>
-              <a:rPr lang="es-ES" sz="3200" b="0" i="0" u="none" strike="noStrike" kern="1200" spc="0" baseline="0" dirty="0">
-                <a:solidFill>
-                  <a:schemeClr val="tx1"/>
-                </a:solidFill>
-                <a:latin typeface="+mj-lt"/>
-                <a:ea typeface="+mj-ea"/>
-                <a:cs typeface="+mj-cs"/>
+              <a:rPr lang="es-ES" sz="2800" b="0" i="0" baseline="0" dirty="0">
+                <a:effectLst/>
               </a:rPr>
               <a:t> OF and </a:t>
             </a:r>
             <a:r>
-              <a:rPr lang="es-ES" sz="3200" b="0" i="0" u="none" strike="noStrike" kern="1200" spc="0" baseline="0" dirty="0" err="1">
-                <a:solidFill>
-                  <a:schemeClr val="tx1"/>
-                </a:solidFill>
-                <a:latin typeface="+mj-lt"/>
-                <a:ea typeface="+mj-ea"/>
-                <a:cs typeface="+mj-cs"/>
+              <a:rPr lang="es-ES" sz="2800" b="0" i="0" baseline="0" dirty="0" err="1">
+                <a:effectLst/>
               </a:rPr>
               <a:t>Our</a:t>
             </a:r>
             <a:r>
-              <a:rPr lang="es-ES" sz="3200" b="0" i="0" u="none" strike="noStrike" kern="1200" spc="0" baseline="0" dirty="0">
-                <a:solidFill>
-                  <a:schemeClr val="tx1"/>
-                </a:solidFill>
-                <a:latin typeface="+mj-lt"/>
-                <a:ea typeface="+mj-ea"/>
-                <a:cs typeface="+mj-cs"/>
+              <a:rPr lang="es-ES" sz="2800" b="0" i="0" baseline="0" dirty="0">
+                <a:effectLst/>
               </a:rPr>
               <a:t> </a:t>
             </a:r>
             <a:r>
-              <a:rPr lang="es-ES" sz="3200" b="0" i="0" u="none" strike="noStrike" kern="1200" spc="0" baseline="0" dirty="0" err="1">
-                <a:solidFill>
-                  <a:schemeClr val="tx1"/>
-                </a:solidFill>
-                <a:latin typeface="+mj-lt"/>
-                <a:ea typeface="+mj-ea"/>
-                <a:cs typeface="+mj-cs"/>
+              <a:rPr lang="es-ES" sz="2800" b="0" i="0" baseline="0" dirty="0" err="1">
+                <a:effectLst/>
               </a:rPr>
               <a:t>Cost</a:t>
             </a:r>
             <a:r>
-              <a:rPr lang="es-ES" sz="3200" b="0" i="0" u="none" strike="noStrike" kern="1200" spc="0" baseline="0" dirty="0">
-                <a:solidFill>
-                  <a:schemeClr val="tx1"/>
-                </a:solidFill>
-                <a:latin typeface="+mj-lt"/>
-                <a:ea typeface="+mj-ea"/>
-                <a:cs typeface="+mj-cs"/>
-              </a:rPr>
-              <a:t> (1000 </a:t>
-            </a:r>
-            <a:r>
-              <a:rPr lang="es-ES" sz="3200" b="0" i="0" u="none" strike="noStrike" kern="1200" spc="0" baseline="0" dirty="0" err="1">
-                <a:solidFill>
-                  <a:schemeClr val="tx1"/>
-                </a:solidFill>
-                <a:latin typeface="+mj-lt"/>
-                <a:ea typeface="+mj-ea"/>
-                <a:cs typeface="+mj-cs"/>
+              <a:rPr lang="es-ES" sz="2800" b="0" i="0" baseline="0" dirty="0">
+                <a:effectLst/>
+              </a:rPr>
+              <a:t> (500 </a:t>
+            </a:r>
+            <a:r>
+              <a:rPr lang="es-ES" sz="2800" b="0" i="0" baseline="0" dirty="0" err="1">
+                <a:effectLst/>
               </a:rPr>
               <a:t>orders</a:t>
             </a:r>
             <a:r>
-              <a:rPr lang="es-ES" sz="3200" b="0" i="0" u="none" strike="noStrike" kern="1200" spc="0" baseline="0" dirty="0">
-                <a:solidFill>
-                  <a:schemeClr val="tx1"/>
-                </a:solidFill>
-                <a:latin typeface="+mj-lt"/>
-                <a:ea typeface="+mj-ea"/>
-                <a:cs typeface="+mj-cs"/>
+              <a:rPr lang="es-ES" sz="2800" b="0" i="0" baseline="0" dirty="0">
+                <a:effectLst/>
               </a:rPr>
               <a:t>)</a:t>
             </a:r>
+            <a:endParaRPr lang="es-ES" sz="2800" dirty="0">
+              <a:effectLst/>
+            </a:endParaRPr>
           </a:p>
         </c:rich>
       </c:tx>
-      <c:layout>
-        <c:manualLayout>
-          <c:xMode val="edge"/>
-          <c:yMode val="edge"/>
-          <c:x val="0.10895282825572582"/>
-          <c:y val="1.2110202845897668E-2"/>
-        </c:manualLayout>
-      </c:layout>
+      <c:layout/>
       <c:overlay val="0"/>
       <c:spPr>
         <a:noFill/>
@@ -3125,13 +1480,16 @@
         <a:lstStyle/>
         <a:p>
           <a:pPr>
-            <a:defRPr lang="es-ES" sz="3200" b="0" i="0" u="none" strike="noStrike" kern="1200" spc="0" baseline="0">
+            <a:defRPr sz="2800" b="0" i="0" u="none" strike="noStrike" kern="1200" spc="0" baseline="0">
               <a:solidFill>
-                <a:schemeClr val="tx1"/>
+                <a:schemeClr val="tx1">
+                  <a:lumMod val="65000"/>
+                  <a:lumOff val="35000"/>
+                </a:schemeClr>
               </a:solidFill>
-              <a:latin typeface="+mj-lt"/>
-              <a:ea typeface="+mj-ea"/>
-              <a:cs typeface="+mj-cs"/>
+              <a:latin typeface="+mn-lt"/>
+              <a:ea typeface="+mn-ea"/>
+              <a:cs typeface="+mn-cs"/>
             </a:defRPr>
           </a:pPr>
           <a:endParaRPr lang="es-ES"/>
@@ -3140,7 +1498,17 @@
     </c:title>
     <c:autoTitleDeleted val="0"/>
     <c:plotArea>
-      <c:layout/>
+      <c:layout>
+        <c:manualLayout>
+          <c:layoutTarget val="inner"/>
+          <c:xMode val="edge"/>
+          <c:yMode val="edge"/>
+          <c:x val="3.9217847769028868E-2"/>
+          <c:y val="0.13884266550014585"/>
+          <c:w val="0.94932381889763784"/>
+          <c:h val="0.77583624963546205"/>
+        </c:manualLayout>
+      </c:layout>
       <c:lineChart>
         <c:grouping val="standard"/>
         <c:varyColors val="0"/>
@@ -3149,7 +1517,7 @@
           <c:order val="0"/>
           <c:tx>
             <c:strRef>
-              <c:f>'1000'!$B$1</c:f>
+              <c:f>'500'!$B$1</c:f>
               <c:strCache>
                 <c:ptCount val="1"/>
                 <c:pt idx="0">
@@ -3161,7 +1529,7 @@
           <c:spPr>
             <a:ln w="28575" cap="rnd">
               <a:solidFill>
-                <a:srgbClr val="92D050"/>
+                <a:schemeClr val="accent1"/>
               </a:solidFill>
               <a:round/>
             </a:ln>
@@ -3172,146 +1540,141 @@
           </c:marker>
           <c:val>
             <c:numRef>
-              <c:f>'1000'!$B$2:$B$41</c:f>
+              <c:f>'500'!$B$2:$B$41</c:f>
               <c:numCache>
                 <c:formatCode>General</c:formatCode>
                 <c:ptCount val="40"/>
                 <c:pt idx="0">
-                  <c:v>96971</c:v>
+                  <c:v>49410</c:v>
                 </c:pt>
                 <c:pt idx="1">
-                  <c:v>97127</c:v>
+                  <c:v>48341</c:v>
                 </c:pt>
                 <c:pt idx="2">
-                  <c:v>98424</c:v>
+                  <c:v>48940</c:v>
                 </c:pt>
                 <c:pt idx="3">
-                  <c:v>97283</c:v>
+                  <c:v>48121</c:v>
                 </c:pt>
                 <c:pt idx="4">
-                  <c:v>95663</c:v>
+                  <c:v>48162</c:v>
                 </c:pt>
                 <c:pt idx="5">
-                  <c:v>94163</c:v>
+                  <c:v>48681</c:v>
                 </c:pt>
                 <c:pt idx="6">
-                  <c:v>97934</c:v>
+                  <c:v>48680</c:v>
                 </c:pt>
                 <c:pt idx="7">
-                  <c:v>97923</c:v>
+                  <c:v>47882</c:v>
                 </c:pt>
                 <c:pt idx="8">
-                  <c:v>96515</c:v>
+                  <c:v>48178</c:v>
                 </c:pt>
                 <c:pt idx="9">
-                  <c:v>97907</c:v>
+                  <c:v>47732</c:v>
                 </c:pt>
                 <c:pt idx="10">
-                  <c:v>95126</c:v>
+                  <c:v>46274</c:v>
                 </c:pt>
                 <c:pt idx="11">
-                  <c:v>95674</c:v>
+                  <c:v>47499</c:v>
                 </c:pt>
                 <c:pt idx="12">
-                  <c:v>95631</c:v>
+                  <c:v>47180</c:v>
                 </c:pt>
                 <c:pt idx="13">
-                  <c:v>95651</c:v>
+                  <c:v>48636</c:v>
                 </c:pt>
                 <c:pt idx="14">
-                  <c:v>94970</c:v>
+                  <c:v>48375</c:v>
                 </c:pt>
                 <c:pt idx="15">
-                  <c:v>96283</c:v>
+                  <c:v>47927</c:v>
                 </c:pt>
                 <c:pt idx="16">
-                  <c:v>95243</c:v>
+                  <c:v>47920</c:v>
                 </c:pt>
                 <c:pt idx="17">
-                  <c:v>94761</c:v>
+                  <c:v>48111</c:v>
                 </c:pt>
                 <c:pt idx="18">
-                  <c:v>94227</c:v>
+                  <c:v>47128</c:v>
                 </c:pt>
                 <c:pt idx="19">
-                  <c:v>95617</c:v>
+                  <c:v>47474</c:v>
                 </c:pt>
                 <c:pt idx="20">
-                  <c:v>117360</c:v>
+                  <c:v>57732</c:v>
                 </c:pt>
                 <c:pt idx="21">
-                  <c:v>116253</c:v>
+                  <c:v>57821</c:v>
                 </c:pt>
                 <c:pt idx="22">
-                  <c:v>115303</c:v>
+                  <c:v>58040</c:v>
                 </c:pt>
                 <c:pt idx="23">
-                  <c:v>116268</c:v>
+                  <c:v>58515</c:v>
                 </c:pt>
                 <c:pt idx="24">
-                  <c:v>116679</c:v>
+                  <c:v>58216</c:v>
                 </c:pt>
                 <c:pt idx="25">
-                  <c:v>117088</c:v>
+                  <c:v>57665</c:v>
                 </c:pt>
                 <c:pt idx="26">
-                  <c:v>116432</c:v>
+                  <c:v>57600</c:v>
                 </c:pt>
                 <c:pt idx="27">
-                  <c:v>116083</c:v>
+                  <c:v>58262</c:v>
                 </c:pt>
                 <c:pt idx="28">
-                  <c:v>116161</c:v>
+                  <c:v>58021</c:v>
                 </c:pt>
                 <c:pt idx="29">
-                  <c:v>115244</c:v>
+                  <c:v>58385</c:v>
                 </c:pt>
                 <c:pt idx="30">
-                  <c:v>123066</c:v>
+                  <c:v>57526</c:v>
                 </c:pt>
                 <c:pt idx="31">
-                  <c:v>122735</c:v>
+                  <c:v>57462</c:v>
                 </c:pt>
                 <c:pt idx="32">
-                  <c:v>118211</c:v>
+                  <c:v>56768</c:v>
                 </c:pt>
                 <c:pt idx="33">
-                  <c:v>124552</c:v>
+                  <c:v>56718</c:v>
                 </c:pt>
                 <c:pt idx="34">
-                  <c:v>121477</c:v>
+                  <c:v>56968</c:v>
                 </c:pt>
                 <c:pt idx="35">
-                  <c:v>122483</c:v>
+                  <c:v>57084</c:v>
                 </c:pt>
                 <c:pt idx="36">
-                  <c:v>121277</c:v>
+                  <c:v>56557</c:v>
                 </c:pt>
                 <c:pt idx="37">
-                  <c:v>114892</c:v>
+                  <c:v>57023</c:v>
                 </c:pt>
                 <c:pt idx="38">
-                  <c:v>125324</c:v>
+                  <c:v>57756</c:v>
                 </c:pt>
                 <c:pt idx="39">
-                  <c:v>114502</c:v>
+                  <c:v>56263</c:v>
                 </c:pt>
               </c:numCache>
             </c:numRef>
           </c:val>
           <c:smooth val="0"/>
-          <c:extLst xmlns:c16r2="http://schemas.microsoft.com/office/drawing/2015/06/chart">
-            <c:ext xmlns:c16="http://schemas.microsoft.com/office/drawing/2014/chart" uri="{C3380CC4-5D6E-409C-BE32-E72D297353CC}">
-              <c16:uniqueId val="{00000000-3102-49D7-9F3F-490FD1CABF74}"/>
-            </c:ext>
-          </c:extLst>
         </c:ser>
         <c:ser>
           <c:idx val="1"/>
           <c:order val="1"/>
           <c:tx>
             <c:strRef>
-              <c:f>'1000'!$F$1</c:f>
+              <c:f>'500'!$F$1</c:f>
               <c:strCache>
                 <c:ptCount val="1"/>
                 <c:pt idx="0">
@@ -3323,7 +1686,7 @@
           <c:spPr>
             <a:ln w="28575" cap="rnd">
               <a:solidFill>
-                <a:srgbClr val="0070C0"/>
+                <a:schemeClr val="accent2"/>
               </a:solidFill>
               <a:round/>
             </a:ln>
@@ -3334,139 +1697,134 @@
           </c:marker>
           <c:val>
             <c:numRef>
-              <c:f>'1000'!$F$2:$F$41</c:f>
+              <c:f>'500'!$F$2:$F$41</c:f>
               <c:numCache>
                 <c:formatCode>General</c:formatCode>
                 <c:ptCount val="40"/>
                 <c:pt idx="0">
-                  <c:v>96997</c:v>
+                  <c:v>49556</c:v>
                 </c:pt>
                 <c:pt idx="1">
-                  <c:v>97081</c:v>
+                  <c:v>48411</c:v>
                 </c:pt>
                 <c:pt idx="2">
-                  <c:v>98394</c:v>
+                  <c:v>49092</c:v>
                 </c:pt>
                 <c:pt idx="3">
-                  <c:v>97123</c:v>
+                  <c:v>48201</c:v>
                 </c:pt>
                 <c:pt idx="4">
-                  <c:v>95791</c:v>
+                  <c:v>48264</c:v>
                 </c:pt>
                 <c:pt idx="5">
-                  <c:v>94261</c:v>
+                  <c:v>48805</c:v>
                 </c:pt>
                 <c:pt idx="6">
-                  <c:v>97972</c:v>
+                  <c:v>48784</c:v>
                 </c:pt>
                 <c:pt idx="7">
-                  <c:v>97937</c:v>
+                  <c:v>47998</c:v>
                 </c:pt>
                 <c:pt idx="8">
-                  <c:v>96591</c:v>
+                  <c:v>48278</c:v>
                 </c:pt>
                 <c:pt idx="9">
-                  <c:v>97881</c:v>
+                  <c:v>47758</c:v>
                 </c:pt>
                 <c:pt idx="10">
-                  <c:v>96696</c:v>
+                  <c:v>46296</c:v>
                 </c:pt>
                 <c:pt idx="11">
-                  <c:v>96934</c:v>
+                  <c:v>47529</c:v>
                 </c:pt>
                 <c:pt idx="12">
-                  <c:v>97011</c:v>
+                  <c:v>47200</c:v>
                 </c:pt>
                 <c:pt idx="13">
-                  <c:v>97151</c:v>
+                  <c:v>48636</c:v>
                 </c:pt>
                 <c:pt idx="14">
-                  <c:v>96570</c:v>
+                  <c:v>48405</c:v>
                 </c:pt>
                 <c:pt idx="15">
-                  <c:v>97643</c:v>
+                  <c:v>48027</c:v>
                 </c:pt>
                 <c:pt idx="16">
-                  <c:v>96857</c:v>
+                  <c:v>48020</c:v>
                 </c:pt>
                 <c:pt idx="17">
-                  <c:v>96281</c:v>
+                  <c:v>48167</c:v>
                 </c:pt>
                 <c:pt idx="18">
-                  <c:v>95735</c:v>
+                  <c:v>47158</c:v>
                 </c:pt>
                 <c:pt idx="19">
-                  <c:v>96997</c:v>
+                  <c:v>47480</c:v>
                 </c:pt>
                 <c:pt idx="20">
-                  <c:v>117356</c:v>
+                  <c:v>57808</c:v>
                 </c:pt>
                 <c:pt idx="21">
-                  <c:v>116183</c:v>
+                  <c:v>57997</c:v>
                 </c:pt>
                 <c:pt idx="22">
-                  <c:v>115397</c:v>
+                  <c:v>58046</c:v>
                 </c:pt>
                 <c:pt idx="23">
-                  <c:v>116302</c:v>
+                  <c:v>58559</c:v>
                 </c:pt>
                 <c:pt idx="24">
-                  <c:v>116745</c:v>
+                  <c:v>58384</c:v>
                 </c:pt>
                 <c:pt idx="25">
-                  <c:v>116022</c:v>
+                  <c:v>57773</c:v>
                 </c:pt>
                 <c:pt idx="26">
-                  <c:v>116358</c:v>
+                  <c:v>57724</c:v>
                 </c:pt>
                 <c:pt idx="27">
-                  <c:v>116113</c:v>
+                  <c:v>58370</c:v>
                 </c:pt>
                 <c:pt idx="28">
-                  <c:v>116043</c:v>
+                  <c:v>58067</c:v>
                 </c:pt>
                 <c:pt idx="29">
-                  <c:v>115334</c:v>
+                  <c:v>58573</c:v>
                 </c:pt>
                 <c:pt idx="30">
-                  <c:v>116148</c:v>
+                  <c:v>57520</c:v>
                 </c:pt>
                 <c:pt idx="31">
-                  <c:v>115509</c:v>
+                  <c:v>57324</c:v>
                 </c:pt>
                 <c:pt idx="32">
-                  <c:v>116015</c:v>
+                  <c:v>56784</c:v>
                 </c:pt>
                 <c:pt idx="33">
-                  <c:v>116892</c:v>
+                  <c:v>56686</c:v>
                 </c:pt>
                 <c:pt idx="34">
-                  <c:v>114583</c:v>
+                  <c:v>56980</c:v>
                 </c:pt>
                 <c:pt idx="35">
-                  <c:v>115861</c:v>
+                  <c:v>57064</c:v>
                 </c:pt>
                 <c:pt idx="36">
-                  <c:v>116225</c:v>
+                  <c:v>56567</c:v>
                 </c:pt>
                 <c:pt idx="37">
-                  <c:v>116190</c:v>
+                  <c:v>56973</c:v>
                 </c:pt>
                 <c:pt idx="38">
-                  <c:v>117314</c:v>
+                  <c:v>57716</c:v>
                 </c:pt>
                 <c:pt idx="39">
-                  <c:v>116344</c:v>
+                  <c:v>56203</c:v>
                 </c:pt>
               </c:numCache>
             </c:numRef>
           </c:val>
           <c:smooth val="0"/>
-          <c:extLst xmlns:c16r2="http://schemas.microsoft.com/office/drawing/2015/06/chart">
-            <c:ext xmlns:c16="http://schemas.microsoft.com/office/drawing/2014/chart" uri="{C3380CC4-5D6E-409C-BE32-E72D297353CC}">
-              <c16:uniqueId val="{00000001-3102-49D7-9F3F-490FD1CABF74}"/>
-            </c:ext>
-          </c:extLst>
         </c:ser>
         <c:dLbls>
           <c:showLegendKey val="0"/>
@@ -3477,17 +1835,622 @@
           <c:showBubbleSize val="0"/>
         </c:dLbls>
         <c:smooth val="0"/>
-        <c:axId val="328454952"/>
-        <c:axId val="328449464"/>
+        <c:axId val="463937360"/>
+        <c:axId val="463939712"/>
       </c:lineChart>
       <c:catAx>
-        <c:axId val="328454952"/>
+        <c:axId val="463937360"/>
         <c:scaling>
           <c:orientation val="minMax"/>
         </c:scaling>
         <c:delete val="0"/>
         <c:axPos val="b"/>
+        <c:majorTickMark val="none"/>
+        <c:minorTickMark val="none"/>
+        <c:tickLblPos val="nextTo"/>
+        <c:spPr>
+          <a:noFill/>
+          <a:ln w="9525" cap="flat" cmpd="sng" algn="ctr">
+            <a:solidFill>
+              <a:schemeClr val="tx1">
+                <a:lumMod val="15000"/>
+                <a:lumOff val="85000"/>
+              </a:schemeClr>
+            </a:solidFill>
+            <a:round/>
+          </a:ln>
+          <a:effectLst/>
+        </c:spPr>
+        <c:txPr>
+          <a:bodyPr rot="-60000000" spcFirstLastPara="1" vertOverflow="ellipsis" vert="horz" wrap="square" anchor="ctr" anchorCtr="1"/>
+          <a:lstStyle/>
+          <a:p>
+            <a:pPr algn="ctr">
+              <a:defRPr lang="es-ES" sz="900" b="0" i="0" u="none" strike="noStrike" kern="1200" baseline="0">
+                <a:ln w="12700">
+                  <a:solidFill>
+                    <a:srgbClr val="000000"/>
+                  </a:solidFill>
+                </a:ln>
+                <a:solidFill>
+                  <a:schemeClr val="tx1">
+                    <a:lumMod val="65000"/>
+                    <a:lumOff val="35000"/>
+                  </a:schemeClr>
+                </a:solidFill>
+                <a:latin typeface="+mn-lt"/>
+                <a:ea typeface="+mn-ea"/>
+                <a:cs typeface="+mn-cs"/>
+              </a:defRPr>
+            </a:pPr>
+            <a:endParaRPr lang="es-ES"/>
+          </a:p>
+        </c:txPr>
+        <c:crossAx val="463939712"/>
+        <c:crosses val="autoZero"/>
+        <c:auto val="1"/>
+        <c:lblAlgn val="ctr"/>
+        <c:lblOffset val="100"/>
+        <c:noMultiLvlLbl val="0"/>
+      </c:catAx>
+      <c:valAx>
+        <c:axId val="463939712"/>
+        <c:scaling>
+          <c:orientation val="minMax"/>
+        </c:scaling>
+        <c:delete val="0"/>
+        <c:axPos val="l"/>
+        <c:majorGridlines>
+          <c:spPr>
+            <a:ln w="9525" cap="flat" cmpd="sng" algn="ctr">
+              <a:solidFill>
+                <a:schemeClr val="tx1">
+                  <a:lumMod val="15000"/>
+                  <a:lumOff val="85000"/>
+                </a:schemeClr>
+              </a:solidFill>
+              <a:round/>
+            </a:ln>
+            <a:effectLst/>
+          </c:spPr>
+        </c:majorGridlines>
         <c:numFmt formatCode="General" sourceLinked="1"/>
+        <c:majorTickMark val="none"/>
+        <c:minorTickMark val="none"/>
+        <c:tickLblPos val="nextTo"/>
+        <c:spPr>
+          <a:noFill/>
+          <a:ln>
+            <a:noFill/>
+          </a:ln>
+          <a:effectLst/>
+        </c:spPr>
+        <c:txPr>
+          <a:bodyPr rot="-60000000" spcFirstLastPara="1" vertOverflow="ellipsis" vert="horz" wrap="square" anchor="ctr" anchorCtr="1"/>
+          <a:lstStyle/>
+          <a:p>
+            <a:pPr>
+              <a:defRPr lang="es-ES" sz="900" b="0" i="0" u="none" strike="noStrike" kern="1200" baseline="0">
+                <a:ln w="12700">
+                  <a:solidFill>
+                    <a:srgbClr val="000000"/>
+                  </a:solidFill>
+                </a:ln>
+                <a:solidFill>
+                  <a:schemeClr val="tx1">
+                    <a:lumMod val="65000"/>
+                    <a:lumOff val="35000"/>
+                  </a:schemeClr>
+                </a:solidFill>
+                <a:latin typeface="+mn-lt"/>
+                <a:ea typeface="+mn-ea"/>
+                <a:cs typeface="+mn-cs"/>
+              </a:defRPr>
+            </a:pPr>
+            <a:endParaRPr lang="es-ES"/>
+          </a:p>
+        </c:txPr>
+        <c:crossAx val="463937360"/>
+        <c:crosses val="autoZero"/>
+        <c:crossBetween val="between"/>
+      </c:valAx>
+      <c:spPr>
+        <a:noFill/>
+        <a:ln>
+          <a:noFill/>
+        </a:ln>
+        <a:effectLst/>
+      </c:spPr>
+    </c:plotArea>
+    <c:legend>
+      <c:legendPos val="b"/>
+      <c:layout/>
+      <c:overlay val="0"/>
+      <c:spPr>
+        <a:noFill/>
+        <a:ln>
+          <a:noFill/>
+        </a:ln>
+        <a:effectLst/>
+      </c:spPr>
+      <c:txPr>
+        <a:bodyPr rot="0" spcFirstLastPara="1" vertOverflow="ellipsis" vert="horz" wrap="square" anchor="ctr" anchorCtr="1"/>
+        <a:lstStyle/>
+        <a:p>
+          <a:pPr>
+            <a:defRPr lang="es-ES" sz="900" b="0" i="0" u="none" strike="noStrike" kern="1200" baseline="0">
+              <a:ln w="12700">
+                <a:solidFill>
+                  <a:srgbClr val="000000"/>
+                </a:solidFill>
+              </a:ln>
+              <a:solidFill>
+                <a:schemeClr val="tx1">
+                  <a:lumMod val="65000"/>
+                  <a:lumOff val="35000"/>
+                </a:schemeClr>
+              </a:solidFill>
+              <a:latin typeface="+mn-lt"/>
+              <a:ea typeface="+mn-ea"/>
+              <a:cs typeface="+mn-cs"/>
+            </a:defRPr>
+          </a:pPr>
+          <a:endParaRPr lang="es-ES"/>
+        </a:p>
+      </c:txPr>
+    </c:legend>
+    <c:plotVisOnly val="1"/>
+    <c:dispBlanksAs val="gap"/>
+    <c:showDLblsOverMax val="0"/>
+  </c:chart>
+  <c:spPr>
+    <a:noFill/>
+    <a:ln>
+      <a:noFill/>
+    </a:ln>
+    <a:effectLst/>
+  </c:spPr>
+  <c:txPr>
+    <a:bodyPr/>
+    <a:lstStyle/>
+    <a:p>
+      <a:pPr>
+        <a:defRPr/>
+      </a:pPr>
+      <a:endParaRPr lang="es-ES"/>
+    </a:p>
+  </c:txPr>
+  <c:externalData r:id="rId4">
+    <c:autoUpdate val="0"/>
+  </c:externalData>
+</c:chartSpace>
+</file>
+
+<file path=ppt/charts/chart4.xml><?xml version="1.0" encoding="utf-8"?>
+<c:chartSpace xmlns:c="http://schemas.openxmlformats.org/drawingml/2006/chart" xmlns:a="http://schemas.openxmlformats.org/drawingml/2006/main" xmlns:r="http://schemas.openxmlformats.org/officeDocument/2006/relationships">
+  <c:date1904 val="0"/>
+  <c:lang val="es-ES"/>
+  <c:roundedCorners val="0"/>
+  <mc:AlternateContent xmlns:mc="http://schemas.openxmlformats.org/markup-compatibility/2006">
+    <mc:Choice xmlns:c14="http://schemas.microsoft.com/office/drawing/2007/8/2/chart" Requires="c14">
+      <c14:style val="102"/>
+    </mc:Choice>
+    <mc:Fallback>
+      <c:style val="2"/>
+    </mc:Fallback>
+  </mc:AlternateContent>
+  <c:clrMapOvr bg1="lt1" tx1="dk1" bg2="lt2" tx2="dk2" accent1="accent1" accent2="accent2" accent3="accent3" accent4="accent4" accent5="accent5" accent6="accent6" hlink="hlink" folHlink="folHlink"/>
+  <c:chart>
+    <c:title>
+      <c:tx>
+        <c:rich>
+          <a:bodyPr rot="0" spcFirstLastPara="1" vertOverflow="ellipsis" vert="horz" wrap="square" anchor="ctr" anchorCtr="1"/>
+          <a:lstStyle/>
+          <a:p>
+            <a:pPr>
+              <a:defRPr sz="2800" b="0" i="0" u="none" strike="noStrike" kern="1200" spc="0" baseline="0">
+                <a:solidFill>
+                  <a:schemeClr val="tx1">
+                    <a:lumMod val="65000"/>
+                    <a:lumOff val="35000"/>
+                  </a:schemeClr>
+                </a:solidFill>
+                <a:latin typeface="+mn-lt"/>
+                <a:ea typeface="+mn-ea"/>
+                <a:cs typeface="+mn-cs"/>
+              </a:defRPr>
+            </a:pPr>
+            <a:r>
+              <a:rPr lang="es-ES" sz="2800" b="0" i="0" baseline="0">
+                <a:effectLst/>
+              </a:rPr>
+              <a:t>Graphic: Variation Time and Our Time (500 orders)</a:t>
+            </a:r>
+            <a:endParaRPr lang="es-ES" sz="2800">
+              <a:effectLst/>
+            </a:endParaRPr>
+          </a:p>
+        </c:rich>
+      </c:tx>
+      <c:layout/>
+      <c:overlay val="0"/>
+      <c:spPr>
+        <a:noFill/>
+        <a:ln>
+          <a:noFill/>
+        </a:ln>
+        <a:effectLst/>
+      </c:spPr>
+      <c:txPr>
+        <a:bodyPr rot="0" spcFirstLastPara="1" vertOverflow="ellipsis" vert="horz" wrap="square" anchor="ctr" anchorCtr="1"/>
+        <a:lstStyle/>
+        <a:p>
+          <a:pPr>
+            <a:defRPr sz="2800" b="0" i="0" u="none" strike="noStrike" kern="1200" spc="0" baseline="0">
+              <a:solidFill>
+                <a:schemeClr val="tx1">
+                  <a:lumMod val="65000"/>
+                  <a:lumOff val="35000"/>
+                </a:schemeClr>
+              </a:solidFill>
+              <a:latin typeface="+mn-lt"/>
+              <a:ea typeface="+mn-ea"/>
+              <a:cs typeface="+mn-cs"/>
+            </a:defRPr>
+          </a:pPr>
+          <a:endParaRPr lang="es-ES"/>
+        </a:p>
+      </c:txPr>
+    </c:title>
+    <c:autoTitleDeleted val="0"/>
+    <c:plotArea>
+      <c:layout>
+        <c:manualLayout>
+          <c:layoutTarget val="inner"/>
+          <c:xMode val="edge"/>
+          <c:yMode val="edge"/>
+          <c:x val="4.6332431102362202E-2"/>
+          <c:y val="0.1166204432779236"/>
+          <c:w val="0.94220923556430447"/>
+          <c:h val="0.78509550889472135"/>
+        </c:manualLayout>
+      </c:layout>
+      <c:lineChart>
+        <c:grouping val="standard"/>
+        <c:varyColors val="0"/>
+        <c:ser>
+          <c:idx val="0"/>
+          <c:order val="0"/>
+          <c:tx>
+            <c:strRef>
+              <c:f>'500'!$A$1</c:f>
+              <c:strCache>
+                <c:ptCount val="1"/>
+                <c:pt idx="0">
+                  <c:v>TIME</c:v>
+                </c:pt>
+              </c:strCache>
+            </c:strRef>
+          </c:tx>
+          <c:spPr>
+            <a:ln w="28575" cap="rnd">
+              <a:solidFill>
+                <a:schemeClr val="accent1"/>
+              </a:solidFill>
+              <a:round/>
+            </a:ln>
+            <a:effectLst/>
+          </c:spPr>
+          <c:marker>
+            <c:symbol val="none"/>
+          </c:marker>
+          <c:val>
+            <c:numRef>
+              <c:f>'500'!$A$2:$A$41</c:f>
+              <c:numCache>
+                <c:formatCode>#,##0</c:formatCode>
+                <c:ptCount val="40"/>
+                <c:pt idx="0">
+                  <c:v>46522</c:v>
+                </c:pt>
+                <c:pt idx="1">
+                  <c:v>180173</c:v>
+                </c:pt>
+                <c:pt idx="2">
+                  <c:v>180112</c:v>
+                </c:pt>
+                <c:pt idx="3">
+                  <c:v>180126</c:v>
+                </c:pt>
+                <c:pt idx="4">
+                  <c:v>180129</c:v>
+                </c:pt>
+                <c:pt idx="5">
+                  <c:v>59136</c:v>
+                </c:pt>
+                <c:pt idx="6">
+                  <c:v>58486</c:v>
+                </c:pt>
+                <c:pt idx="7">
+                  <c:v>180123</c:v>
+                </c:pt>
+                <c:pt idx="8">
+                  <c:v>34267</c:v>
+                </c:pt>
+                <c:pt idx="9">
+                  <c:v>180118</c:v>
+                </c:pt>
+                <c:pt idx="10">
+                  <c:v>146109</c:v>
+                </c:pt>
+                <c:pt idx="11">
+                  <c:v>151784</c:v>
+                </c:pt>
+                <c:pt idx="12">
+                  <c:v>180182</c:v>
+                </c:pt>
+                <c:pt idx="13">
+                  <c:v>180209</c:v>
+                </c:pt>
+                <c:pt idx="14">
+                  <c:v>180889</c:v>
+                </c:pt>
+                <c:pt idx="15">
+                  <c:v>139649</c:v>
+                </c:pt>
+                <c:pt idx="16" formatCode="General">
+                  <c:v>0</c:v>
+                </c:pt>
+                <c:pt idx="17">
+                  <c:v>180174</c:v>
+                </c:pt>
+                <c:pt idx="18">
+                  <c:v>180154</c:v>
+                </c:pt>
+                <c:pt idx="19">
+                  <c:v>180163</c:v>
+                </c:pt>
+                <c:pt idx="20">
+                  <c:v>180145</c:v>
+                </c:pt>
+                <c:pt idx="21">
+                  <c:v>180124</c:v>
+                </c:pt>
+                <c:pt idx="22">
+                  <c:v>180226</c:v>
+                </c:pt>
+                <c:pt idx="23">
+                  <c:v>180155</c:v>
+                </c:pt>
+                <c:pt idx="24">
+                  <c:v>180087</c:v>
+                </c:pt>
+                <c:pt idx="25">
+                  <c:v>180133</c:v>
+                </c:pt>
+                <c:pt idx="26" formatCode="General">
+                  <c:v>0</c:v>
+                </c:pt>
+                <c:pt idx="27">
+                  <c:v>180145</c:v>
+                </c:pt>
+                <c:pt idx="28">
+                  <c:v>180163</c:v>
+                </c:pt>
+                <c:pt idx="29">
+                  <c:v>180192</c:v>
+                </c:pt>
+                <c:pt idx="30">
+                  <c:v>185105</c:v>
+                </c:pt>
+                <c:pt idx="31">
+                  <c:v>180343</c:v>
+                </c:pt>
+                <c:pt idx="32">
+                  <c:v>180224</c:v>
+                </c:pt>
+                <c:pt idx="33">
+                  <c:v>180256</c:v>
+                </c:pt>
+                <c:pt idx="34">
+                  <c:v>180227</c:v>
+                </c:pt>
+                <c:pt idx="35">
+                  <c:v>180226</c:v>
+                </c:pt>
+                <c:pt idx="36">
+                  <c:v>180262</c:v>
+                </c:pt>
+                <c:pt idx="37">
+                  <c:v>180237</c:v>
+                </c:pt>
+                <c:pt idx="38">
+                  <c:v>180388</c:v>
+                </c:pt>
+                <c:pt idx="39">
+                  <c:v>180323</c:v>
+                </c:pt>
+              </c:numCache>
+            </c:numRef>
+          </c:val>
+          <c:smooth val="0"/>
+        </c:ser>
+        <c:ser>
+          <c:idx val="1"/>
+          <c:order val="1"/>
+          <c:tx>
+            <c:strRef>
+              <c:f>'500'!$H$1</c:f>
+              <c:strCache>
+                <c:ptCount val="1"/>
+                <c:pt idx="0">
+                  <c:v>Our Time (miliseconds)</c:v>
+                </c:pt>
+              </c:strCache>
+            </c:strRef>
+          </c:tx>
+          <c:spPr>
+            <a:ln w="28575" cap="rnd">
+              <a:solidFill>
+                <a:schemeClr val="accent2"/>
+              </a:solidFill>
+              <a:round/>
+            </a:ln>
+            <a:effectLst/>
+          </c:spPr>
+          <c:marker>
+            <c:symbol val="none"/>
+          </c:marker>
+          <c:val>
+            <c:numRef>
+              <c:f>'500'!$H$2:$H$41</c:f>
+              <c:numCache>
+                <c:formatCode>General</c:formatCode>
+                <c:ptCount val="40"/>
+                <c:pt idx="0">
+                  <c:v>1</c:v>
+                </c:pt>
+                <c:pt idx="1">
+                  <c:v>1</c:v>
+                </c:pt>
+                <c:pt idx="2">
+                  <c:v>1</c:v>
+                </c:pt>
+                <c:pt idx="3">
+                  <c:v>1</c:v>
+                </c:pt>
+                <c:pt idx="4">
+                  <c:v>2</c:v>
+                </c:pt>
+                <c:pt idx="5">
+                  <c:v>1</c:v>
+                </c:pt>
+                <c:pt idx="6">
+                  <c:v>1</c:v>
+                </c:pt>
+                <c:pt idx="7">
+                  <c:v>1</c:v>
+                </c:pt>
+                <c:pt idx="8">
+                  <c:v>2</c:v>
+                </c:pt>
+                <c:pt idx="9">
+                  <c:v>1</c:v>
+                </c:pt>
+                <c:pt idx="10">
+                  <c:v>1</c:v>
+                </c:pt>
+                <c:pt idx="11">
+                  <c:v>2</c:v>
+                </c:pt>
+                <c:pt idx="12">
+                  <c:v>2</c:v>
+                </c:pt>
+                <c:pt idx="13">
+                  <c:v>2</c:v>
+                </c:pt>
+                <c:pt idx="14">
+                  <c:v>2</c:v>
+                </c:pt>
+                <c:pt idx="15">
+                  <c:v>1</c:v>
+                </c:pt>
+                <c:pt idx="16">
+                  <c:v>1</c:v>
+                </c:pt>
+                <c:pt idx="17">
+                  <c:v>0</c:v>
+                </c:pt>
+                <c:pt idx="18">
+                  <c:v>2</c:v>
+                </c:pt>
+                <c:pt idx="19">
+                  <c:v>1</c:v>
+                </c:pt>
+                <c:pt idx="20">
+                  <c:v>1</c:v>
+                </c:pt>
+                <c:pt idx="21">
+                  <c:v>1</c:v>
+                </c:pt>
+                <c:pt idx="22">
+                  <c:v>1</c:v>
+                </c:pt>
+                <c:pt idx="23">
+                  <c:v>1</c:v>
+                </c:pt>
+                <c:pt idx="24">
+                  <c:v>1</c:v>
+                </c:pt>
+                <c:pt idx="25">
+                  <c:v>1</c:v>
+                </c:pt>
+                <c:pt idx="26">
+                  <c:v>0</c:v>
+                </c:pt>
+                <c:pt idx="27">
+                  <c:v>1</c:v>
+                </c:pt>
+                <c:pt idx="28">
+                  <c:v>1</c:v>
+                </c:pt>
+                <c:pt idx="29">
+                  <c:v>1</c:v>
+                </c:pt>
+                <c:pt idx="30">
+                  <c:v>1</c:v>
+                </c:pt>
+                <c:pt idx="31">
+                  <c:v>2</c:v>
+                </c:pt>
+                <c:pt idx="32">
+                  <c:v>1</c:v>
+                </c:pt>
+                <c:pt idx="33">
+                  <c:v>2</c:v>
+                </c:pt>
+                <c:pt idx="34">
+                  <c:v>0</c:v>
+                </c:pt>
+                <c:pt idx="35">
+                  <c:v>2</c:v>
+                </c:pt>
+                <c:pt idx="36">
+                  <c:v>1</c:v>
+                </c:pt>
+                <c:pt idx="37">
+                  <c:v>1</c:v>
+                </c:pt>
+                <c:pt idx="38">
+                  <c:v>0</c:v>
+                </c:pt>
+                <c:pt idx="39">
+                  <c:v>1</c:v>
+                </c:pt>
+              </c:numCache>
+            </c:numRef>
+          </c:val>
+          <c:smooth val="0"/>
+        </c:ser>
+        <c:dLbls>
+          <c:showLegendKey val="0"/>
+          <c:showVal val="0"/>
+          <c:showCatName val="0"/>
+          <c:showSerName val="0"/>
+          <c:showPercent val="0"/>
+          <c:showBubbleSize val="0"/>
+        </c:dLbls>
+        <c:smooth val="0"/>
+        <c:axId val="490751312"/>
+        <c:axId val="490741904"/>
+      </c:lineChart>
+      <c:catAx>
+        <c:axId val="490751312"/>
+        <c:scaling>
+          <c:orientation val="minMax"/>
+        </c:scaling>
+        <c:delete val="0"/>
+        <c:axPos val="b"/>
         <c:majorTickMark val="none"/>
         <c:minorTickMark val="none"/>
         <c:tickLblPos val="nextTo"/>
@@ -3512,11 +2475,14 @@
               <a:defRPr sz="900" b="0" i="0" u="none" strike="noStrike" kern="1200" baseline="0">
                 <a:ln>
                   <a:solidFill>
-                    <a:schemeClr val="tx2"/>
+                    <a:srgbClr val="000000"/>
                   </a:solidFill>
                 </a:ln>
                 <a:solidFill>
-                  <a:schemeClr val="tx2"/>
+                  <a:schemeClr val="tx1">
+                    <a:lumMod val="65000"/>
+                    <a:lumOff val="35000"/>
+                  </a:schemeClr>
                 </a:solidFill>
                 <a:latin typeface="+mn-lt"/>
                 <a:ea typeface="+mn-ea"/>
@@ -3526,7 +2492,7 @@
             <a:endParaRPr lang="es-ES"/>
           </a:p>
         </c:txPr>
-        <c:crossAx val="328449464"/>
+        <c:crossAx val="490741904"/>
         <c:crosses val="autoZero"/>
         <c:auto val="1"/>
         <c:lblAlgn val="ctr"/>
@@ -3534,7 +2500,613 @@
         <c:noMultiLvlLbl val="0"/>
       </c:catAx>
       <c:valAx>
-        <c:axId val="328449464"/>
+        <c:axId val="490741904"/>
+        <c:scaling>
+          <c:orientation val="minMax"/>
+        </c:scaling>
+        <c:delete val="0"/>
+        <c:axPos val="l"/>
+        <c:majorGridlines>
+          <c:spPr>
+            <a:ln w="9525" cap="flat" cmpd="sng" algn="ctr">
+              <a:solidFill>
+                <a:schemeClr val="tx1">
+                  <a:lumMod val="15000"/>
+                  <a:lumOff val="85000"/>
+                </a:schemeClr>
+              </a:solidFill>
+              <a:round/>
+            </a:ln>
+            <a:effectLst/>
+          </c:spPr>
+        </c:majorGridlines>
+        <c:numFmt formatCode="#,##0" sourceLinked="1"/>
+        <c:majorTickMark val="none"/>
+        <c:minorTickMark val="none"/>
+        <c:tickLblPos val="nextTo"/>
+        <c:spPr>
+          <a:noFill/>
+          <a:ln>
+            <a:noFill/>
+          </a:ln>
+          <a:effectLst/>
+        </c:spPr>
+        <c:txPr>
+          <a:bodyPr rot="-60000000" spcFirstLastPara="1" vertOverflow="ellipsis" vert="horz" wrap="square" anchor="ctr" anchorCtr="1"/>
+          <a:lstStyle/>
+          <a:p>
+            <a:pPr>
+              <a:defRPr sz="900" b="0" i="0" u="none" strike="noStrike" kern="1200" baseline="0">
+                <a:ln>
+                  <a:solidFill>
+                    <a:srgbClr val="000000"/>
+                  </a:solidFill>
+                </a:ln>
+                <a:solidFill>
+                  <a:schemeClr val="tx1">
+                    <a:lumMod val="65000"/>
+                    <a:lumOff val="35000"/>
+                  </a:schemeClr>
+                </a:solidFill>
+                <a:latin typeface="+mn-lt"/>
+                <a:ea typeface="+mn-ea"/>
+                <a:cs typeface="+mn-cs"/>
+              </a:defRPr>
+            </a:pPr>
+            <a:endParaRPr lang="es-ES"/>
+          </a:p>
+        </c:txPr>
+        <c:crossAx val="490751312"/>
+        <c:crosses val="autoZero"/>
+        <c:crossBetween val="between"/>
+      </c:valAx>
+      <c:spPr>
+        <a:noFill/>
+        <a:ln>
+          <a:noFill/>
+        </a:ln>
+        <a:effectLst/>
+      </c:spPr>
+    </c:plotArea>
+    <c:legend>
+      <c:legendPos val="b"/>
+      <c:layout/>
+      <c:overlay val="0"/>
+      <c:spPr>
+        <a:noFill/>
+        <a:ln>
+          <a:noFill/>
+        </a:ln>
+        <a:effectLst/>
+      </c:spPr>
+      <c:txPr>
+        <a:bodyPr rot="0" spcFirstLastPara="1" vertOverflow="ellipsis" vert="horz" wrap="square" anchor="ctr" anchorCtr="1"/>
+        <a:lstStyle/>
+        <a:p>
+          <a:pPr>
+            <a:defRPr sz="900" b="0" i="0" u="none" strike="noStrike" kern="1200" baseline="0">
+              <a:ln w="12700">
+                <a:solidFill>
+                  <a:srgbClr val="000000"/>
+                </a:solidFill>
+              </a:ln>
+              <a:solidFill>
+                <a:schemeClr val="tx1">
+                  <a:lumMod val="65000"/>
+                  <a:lumOff val="35000"/>
+                </a:schemeClr>
+              </a:solidFill>
+              <a:latin typeface="+mn-lt"/>
+              <a:ea typeface="+mn-ea"/>
+              <a:cs typeface="+mn-cs"/>
+            </a:defRPr>
+          </a:pPr>
+          <a:endParaRPr lang="es-ES"/>
+        </a:p>
+      </c:txPr>
+    </c:legend>
+    <c:plotVisOnly val="1"/>
+    <c:dispBlanksAs val="gap"/>
+    <c:showDLblsOverMax val="0"/>
+  </c:chart>
+  <c:spPr>
+    <a:noFill/>
+    <a:ln>
+      <a:noFill/>
+    </a:ln>
+    <a:effectLst/>
+  </c:spPr>
+  <c:txPr>
+    <a:bodyPr/>
+    <a:lstStyle/>
+    <a:p>
+      <a:pPr>
+        <a:defRPr/>
+      </a:pPr>
+      <a:endParaRPr lang="es-ES"/>
+    </a:p>
+  </c:txPr>
+  <c:externalData r:id="rId4">
+    <c:autoUpdate val="0"/>
+  </c:externalData>
+</c:chartSpace>
+</file>
+
+<file path=ppt/charts/chart5.xml><?xml version="1.0" encoding="utf-8"?>
+<c:chartSpace xmlns:c="http://schemas.openxmlformats.org/drawingml/2006/chart" xmlns:a="http://schemas.openxmlformats.org/drawingml/2006/main" xmlns:r="http://schemas.openxmlformats.org/officeDocument/2006/relationships">
+  <c:date1904 val="0"/>
+  <c:lang val="es-ES"/>
+  <c:roundedCorners val="0"/>
+  <mc:AlternateContent xmlns:mc="http://schemas.openxmlformats.org/markup-compatibility/2006">
+    <mc:Choice xmlns:c14="http://schemas.microsoft.com/office/drawing/2007/8/2/chart" Requires="c14">
+      <c14:style val="102"/>
+    </mc:Choice>
+    <mc:Fallback>
+      <c:style val="2"/>
+    </mc:Fallback>
+  </mc:AlternateContent>
+  <c:clrMapOvr bg1="lt1" tx1="dk1" bg2="lt2" tx2="dk2" accent1="accent1" accent2="accent2" accent3="accent3" accent4="accent4" accent5="accent5" accent6="accent6" hlink="hlink" folHlink="folHlink"/>
+  <c:chart>
+    <c:title>
+      <c:tx>
+        <c:rich>
+          <a:bodyPr rot="0" spcFirstLastPara="1" vertOverflow="ellipsis" vert="horz" wrap="square" anchor="ctr" anchorCtr="1"/>
+          <a:lstStyle/>
+          <a:p>
+            <a:pPr>
+              <a:defRPr sz="2800" b="0" i="0" u="none" strike="noStrike" kern="1200" spc="0" baseline="0">
+                <a:solidFill>
+                  <a:schemeClr val="tx1">
+                    <a:lumMod val="65000"/>
+                    <a:lumOff val="35000"/>
+                  </a:schemeClr>
+                </a:solidFill>
+                <a:latin typeface="+mn-lt"/>
+                <a:ea typeface="+mn-ea"/>
+                <a:cs typeface="+mn-cs"/>
+              </a:defRPr>
+            </a:pPr>
+            <a:r>
+              <a:rPr lang="es-ES" sz="2800" b="0" i="0" baseline="0">
+                <a:effectLst/>
+              </a:rPr>
+              <a:t>Graphic: Variation OF and Our Cost (1000 orders)</a:t>
+            </a:r>
+            <a:endParaRPr lang="es-ES" sz="2800">
+              <a:effectLst/>
+            </a:endParaRPr>
+          </a:p>
+        </c:rich>
+      </c:tx>
+      <c:layout/>
+      <c:overlay val="0"/>
+      <c:spPr>
+        <a:noFill/>
+        <a:ln>
+          <a:noFill/>
+        </a:ln>
+        <a:effectLst/>
+      </c:spPr>
+      <c:txPr>
+        <a:bodyPr rot="0" spcFirstLastPara="1" vertOverflow="ellipsis" vert="horz" wrap="square" anchor="ctr" anchorCtr="1"/>
+        <a:lstStyle/>
+        <a:p>
+          <a:pPr>
+            <a:defRPr sz="2800" b="0" i="0" u="none" strike="noStrike" kern="1200" spc="0" baseline="0">
+              <a:solidFill>
+                <a:schemeClr val="tx1">
+                  <a:lumMod val="65000"/>
+                  <a:lumOff val="35000"/>
+                </a:schemeClr>
+              </a:solidFill>
+              <a:latin typeface="+mn-lt"/>
+              <a:ea typeface="+mn-ea"/>
+              <a:cs typeface="+mn-cs"/>
+            </a:defRPr>
+          </a:pPr>
+          <a:endParaRPr lang="es-ES"/>
+        </a:p>
+      </c:txPr>
+    </c:title>
+    <c:autoTitleDeleted val="0"/>
+    <c:plotArea>
+      <c:layout>
+        <c:manualLayout>
+          <c:layoutTarget val="inner"/>
+          <c:xMode val="edge"/>
+          <c:yMode val="edge"/>
+          <c:x val="4.3967847769028873E-2"/>
+          <c:y val="0.12402785068533102"/>
+          <c:w val="0.94457381889763781"/>
+          <c:h val="0.77398439778361039"/>
+        </c:manualLayout>
+      </c:layout>
+      <c:lineChart>
+        <c:grouping val="standard"/>
+        <c:varyColors val="0"/>
+        <c:ser>
+          <c:idx val="0"/>
+          <c:order val="0"/>
+          <c:tx>
+            <c:strRef>
+              <c:f>'1000'!$B$1</c:f>
+              <c:strCache>
+                <c:ptCount val="1"/>
+                <c:pt idx="0">
+                  <c:v>OF</c:v>
+                </c:pt>
+              </c:strCache>
+            </c:strRef>
+          </c:tx>
+          <c:spPr>
+            <a:ln w="28575" cap="rnd">
+              <a:solidFill>
+                <a:schemeClr val="accent1"/>
+              </a:solidFill>
+              <a:round/>
+            </a:ln>
+            <a:effectLst/>
+          </c:spPr>
+          <c:marker>
+            <c:symbol val="none"/>
+          </c:marker>
+          <c:val>
+            <c:numRef>
+              <c:f>'1000'!$B$2:$B$41</c:f>
+              <c:numCache>
+                <c:formatCode>General</c:formatCode>
+                <c:ptCount val="40"/>
+                <c:pt idx="0">
+                  <c:v>96971</c:v>
+                </c:pt>
+                <c:pt idx="1">
+                  <c:v>97127</c:v>
+                </c:pt>
+                <c:pt idx="2">
+                  <c:v>98424</c:v>
+                </c:pt>
+                <c:pt idx="3">
+                  <c:v>97283</c:v>
+                </c:pt>
+                <c:pt idx="4">
+                  <c:v>95663</c:v>
+                </c:pt>
+                <c:pt idx="5">
+                  <c:v>94163</c:v>
+                </c:pt>
+                <c:pt idx="6">
+                  <c:v>97934</c:v>
+                </c:pt>
+                <c:pt idx="7">
+                  <c:v>97923</c:v>
+                </c:pt>
+                <c:pt idx="8">
+                  <c:v>96515</c:v>
+                </c:pt>
+                <c:pt idx="9">
+                  <c:v>97907</c:v>
+                </c:pt>
+                <c:pt idx="10">
+                  <c:v>95126</c:v>
+                </c:pt>
+                <c:pt idx="11">
+                  <c:v>95674</c:v>
+                </c:pt>
+                <c:pt idx="12">
+                  <c:v>95631</c:v>
+                </c:pt>
+                <c:pt idx="13">
+                  <c:v>95651</c:v>
+                </c:pt>
+                <c:pt idx="14">
+                  <c:v>94970</c:v>
+                </c:pt>
+                <c:pt idx="15">
+                  <c:v>96283</c:v>
+                </c:pt>
+                <c:pt idx="16">
+                  <c:v>95243</c:v>
+                </c:pt>
+                <c:pt idx="17">
+                  <c:v>94761</c:v>
+                </c:pt>
+                <c:pt idx="18">
+                  <c:v>94227</c:v>
+                </c:pt>
+                <c:pt idx="19">
+                  <c:v>95617</c:v>
+                </c:pt>
+                <c:pt idx="20">
+                  <c:v>117360</c:v>
+                </c:pt>
+                <c:pt idx="21">
+                  <c:v>116253</c:v>
+                </c:pt>
+                <c:pt idx="22">
+                  <c:v>115303</c:v>
+                </c:pt>
+                <c:pt idx="23">
+                  <c:v>116268</c:v>
+                </c:pt>
+                <c:pt idx="24">
+                  <c:v>116679</c:v>
+                </c:pt>
+                <c:pt idx="25">
+                  <c:v>117088</c:v>
+                </c:pt>
+                <c:pt idx="26">
+                  <c:v>116432</c:v>
+                </c:pt>
+                <c:pt idx="27">
+                  <c:v>116083</c:v>
+                </c:pt>
+                <c:pt idx="28">
+                  <c:v>116161</c:v>
+                </c:pt>
+                <c:pt idx="29">
+                  <c:v>115244</c:v>
+                </c:pt>
+                <c:pt idx="30">
+                  <c:v>123066</c:v>
+                </c:pt>
+                <c:pt idx="31">
+                  <c:v>122735</c:v>
+                </c:pt>
+                <c:pt idx="32">
+                  <c:v>118211</c:v>
+                </c:pt>
+                <c:pt idx="33">
+                  <c:v>124552</c:v>
+                </c:pt>
+                <c:pt idx="34">
+                  <c:v>121477</c:v>
+                </c:pt>
+                <c:pt idx="35">
+                  <c:v>122483</c:v>
+                </c:pt>
+                <c:pt idx="36">
+                  <c:v>121277</c:v>
+                </c:pt>
+                <c:pt idx="37">
+                  <c:v>114892</c:v>
+                </c:pt>
+                <c:pt idx="38">
+                  <c:v>125324</c:v>
+                </c:pt>
+                <c:pt idx="39">
+                  <c:v>114502</c:v>
+                </c:pt>
+              </c:numCache>
+            </c:numRef>
+          </c:val>
+          <c:smooth val="0"/>
+        </c:ser>
+        <c:ser>
+          <c:idx val="1"/>
+          <c:order val="1"/>
+          <c:tx>
+            <c:strRef>
+              <c:f>'1000'!$F$1</c:f>
+              <c:strCache>
+                <c:ptCount val="1"/>
+                <c:pt idx="0">
+                  <c:v>Our Cost</c:v>
+                </c:pt>
+              </c:strCache>
+            </c:strRef>
+          </c:tx>
+          <c:spPr>
+            <a:ln w="28575" cap="rnd">
+              <a:solidFill>
+                <a:schemeClr val="accent2"/>
+              </a:solidFill>
+              <a:round/>
+            </a:ln>
+            <a:effectLst/>
+          </c:spPr>
+          <c:marker>
+            <c:symbol val="none"/>
+          </c:marker>
+          <c:val>
+            <c:numRef>
+              <c:f>'1000'!$F$2:$F$41</c:f>
+              <c:numCache>
+                <c:formatCode>General</c:formatCode>
+                <c:ptCount val="40"/>
+                <c:pt idx="0">
+                  <c:v>96997</c:v>
+                </c:pt>
+                <c:pt idx="1">
+                  <c:v>97081</c:v>
+                </c:pt>
+                <c:pt idx="2">
+                  <c:v>98394</c:v>
+                </c:pt>
+                <c:pt idx="3">
+                  <c:v>97123</c:v>
+                </c:pt>
+                <c:pt idx="4">
+                  <c:v>95791</c:v>
+                </c:pt>
+                <c:pt idx="5">
+                  <c:v>94261</c:v>
+                </c:pt>
+                <c:pt idx="6">
+                  <c:v>97972</c:v>
+                </c:pt>
+                <c:pt idx="7">
+                  <c:v>97937</c:v>
+                </c:pt>
+                <c:pt idx="8">
+                  <c:v>96591</c:v>
+                </c:pt>
+                <c:pt idx="9">
+                  <c:v>97881</c:v>
+                </c:pt>
+                <c:pt idx="10">
+                  <c:v>95016</c:v>
+                </c:pt>
+                <c:pt idx="11">
+                  <c:v>95254</c:v>
+                </c:pt>
+                <c:pt idx="12">
+                  <c:v>95331</c:v>
+                </c:pt>
+                <c:pt idx="13">
+                  <c:v>95471</c:v>
+                </c:pt>
+                <c:pt idx="14">
+                  <c:v>94890</c:v>
+                </c:pt>
+                <c:pt idx="15">
+                  <c:v>95983</c:v>
+                </c:pt>
+                <c:pt idx="16">
+                  <c:v>95177</c:v>
+                </c:pt>
+                <c:pt idx="17">
+                  <c:v>94701</c:v>
+                </c:pt>
+                <c:pt idx="18">
+                  <c:v>94035</c:v>
+                </c:pt>
+                <c:pt idx="19">
+                  <c:v>95317</c:v>
+                </c:pt>
+                <c:pt idx="20">
+                  <c:v>117356</c:v>
+                </c:pt>
+                <c:pt idx="21">
+                  <c:v>116183</c:v>
+                </c:pt>
+                <c:pt idx="22">
+                  <c:v>115397</c:v>
+                </c:pt>
+                <c:pt idx="23">
+                  <c:v>116302</c:v>
+                </c:pt>
+                <c:pt idx="24">
+                  <c:v>116745</c:v>
+                </c:pt>
+                <c:pt idx="25">
+                  <c:v>116022</c:v>
+                </c:pt>
+                <c:pt idx="26">
+                  <c:v>116358</c:v>
+                </c:pt>
+                <c:pt idx="27">
+                  <c:v>116113</c:v>
+                </c:pt>
+                <c:pt idx="28">
+                  <c:v>116043</c:v>
+                </c:pt>
+                <c:pt idx="29">
+                  <c:v>115334</c:v>
+                </c:pt>
+                <c:pt idx="30">
+                  <c:v>113988</c:v>
+                </c:pt>
+                <c:pt idx="31">
+                  <c:v>113449</c:v>
+                </c:pt>
+                <c:pt idx="32">
+                  <c:v>113855</c:v>
+                </c:pt>
+                <c:pt idx="33">
+                  <c:v>114752</c:v>
+                </c:pt>
+                <c:pt idx="34">
+                  <c:v>112503</c:v>
+                </c:pt>
+                <c:pt idx="35">
+                  <c:v>113701</c:v>
+                </c:pt>
+                <c:pt idx="36">
+                  <c:v>114065</c:v>
+                </c:pt>
+                <c:pt idx="37">
+                  <c:v>114030</c:v>
+                </c:pt>
+                <c:pt idx="38">
+                  <c:v>115074</c:v>
+                </c:pt>
+                <c:pt idx="39">
+                  <c:v>114184</c:v>
+                </c:pt>
+              </c:numCache>
+            </c:numRef>
+          </c:val>
+          <c:smooth val="0"/>
+        </c:ser>
+        <c:dLbls>
+          <c:showLegendKey val="0"/>
+          <c:showVal val="0"/>
+          <c:showCatName val="0"/>
+          <c:showSerName val="0"/>
+          <c:showPercent val="0"/>
+          <c:showBubbleSize val="0"/>
+        </c:dLbls>
+        <c:smooth val="0"/>
+        <c:axId val="490755624"/>
+        <c:axId val="464730064"/>
+      </c:lineChart>
+      <c:catAx>
+        <c:axId val="490755624"/>
+        <c:scaling>
+          <c:orientation val="minMax"/>
+        </c:scaling>
+        <c:delete val="0"/>
+        <c:axPos val="b"/>
+        <c:majorTickMark val="none"/>
+        <c:minorTickMark val="none"/>
+        <c:tickLblPos val="nextTo"/>
+        <c:spPr>
+          <a:noFill/>
+          <a:ln w="9525" cap="flat" cmpd="sng" algn="ctr">
+            <a:solidFill>
+              <a:schemeClr val="tx1">
+                <a:lumMod val="15000"/>
+                <a:lumOff val="85000"/>
+              </a:schemeClr>
+            </a:solidFill>
+            <a:round/>
+          </a:ln>
+          <a:effectLst/>
+        </c:spPr>
+        <c:txPr>
+          <a:bodyPr rot="-60000000" spcFirstLastPara="1" vertOverflow="ellipsis" vert="horz" wrap="square" anchor="ctr" anchorCtr="1"/>
+          <a:lstStyle/>
+          <a:p>
+            <a:pPr>
+              <a:defRPr sz="900" b="0" i="0" u="none" strike="noStrike" kern="1200" baseline="0">
+                <a:ln>
+                  <a:solidFill>
+                    <a:srgbClr val="000000"/>
+                  </a:solidFill>
+                </a:ln>
+                <a:solidFill>
+                  <a:schemeClr val="tx1">
+                    <a:lumMod val="65000"/>
+                    <a:lumOff val="35000"/>
+                  </a:schemeClr>
+                </a:solidFill>
+                <a:latin typeface="+mn-lt"/>
+                <a:ea typeface="+mn-ea"/>
+                <a:cs typeface="+mn-cs"/>
+              </a:defRPr>
+            </a:pPr>
+            <a:endParaRPr lang="es-ES"/>
+          </a:p>
+        </c:txPr>
+        <c:crossAx val="464730064"/>
+        <c:crosses val="autoZero"/>
+        <c:auto val="1"/>
+        <c:lblAlgn val="ctr"/>
+        <c:lblOffset val="100"/>
+        <c:noMultiLvlLbl val="0"/>
+      </c:catAx>
+      <c:valAx>
+        <c:axId val="464730064"/>
         <c:scaling>
           <c:orientation val="minMax"/>
         </c:scaling>
@@ -3573,11 +3145,14 @@
               <a:defRPr sz="900" b="0" i="0" u="none" strike="noStrike" kern="1200" baseline="0">
                 <a:ln>
                   <a:solidFill>
-                    <a:schemeClr val="tx2"/>
+                    <a:srgbClr val="000000"/>
                   </a:solidFill>
                 </a:ln>
                 <a:solidFill>
-                  <a:schemeClr val="tx2"/>
+                  <a:schemeClr val="tx1">
+                    <a:lumMod val="65000"/>
+                    <a:lumOff val="35000"/>
+                  </a:schemeClr>
                 </a:solidFill>
                 <a:latin typeface="+mn-lt"/>
                 <a:ea typeface="+mn-ea"/>
@@ -3587,7 +3162,7 @@
             <a:endParaRPr lang="es-ES"/>
           </a:p>
         </c:txPr>
-        <c:crossAx val="328454952"/>
+        <c:crossAx val="490755624"/>
         <c:crosses val="autoZero"/>
         <c:crossBetween val="between"/>
       </c:valAx>
@@ -3601,6 +3176,7 @@
     </c:plotArea>
     <c:legend>
       <c:legendPos val="b"/>
+      <c:layout/>
       <c:overlay val="0"/>
       <c:spPr>
         <a:noFill/>
@@ -3615,13 +3191,16 @@
         <a:p>
           <a:pPr>
             <a:defRPr sz="900" b="0" i="0" u="none" strike="noStrike" kern="1200" baseline="0">
-              <a:ln>
-                <a:solidFill>
-                  <a:schemeClr val="tx2"/>
+              <a:ln w="12700">
+                <a:solidFill>
+                  <a:srgbClr val="000000"/>
                 </a:solidFill>
               </a:ln>
               <a:solidFill>
-                <a:schemeClr val="tx2"/>
+                <a:schemeClr val="tx1">
+                  <a:lumMod val="65000"/>
+                  <a:lumOff val="35000"/>
+                </a:schemeClr>
               </a:solidFill>
               <a:latin typeface="+mn-lt"/>
               <a:ea typeface="+mn-ea"/>
@@ -3653,7 +3232,7 @@
       <a:endParaRPr lang="es-ES"/>
     </a:p>
   </c:txPr>
-  <c:externalData r:id="rId3">
+  <c:externalData r:id="rId4">
     <c:autoUpdate val="0"/>
   </c:externalData>
 </c:chartSpace>
@@ -3672,6 +3251,7 @@
       <c:style val="2"/>
     </mc:Fallback>
   </mc:AlternateContent>
+  <c:clrMapOvr bg1="lt1" tx1="dk1" bg2="lt2" tx2="dk2" accent1="accent1" accent2="accent2" accent3="accent3" accent4="accent4" accent5="accent5" accent6="accent6" hlink="hlink" folHlink="folHlink"/>
   <c:chart>
     <c:title>
       <c:tx>
@@ -3679,30 +3259,32 @@
           <a:bodyPr rot="0" spcFirstLastPara="1" vertOverflow="ellipsis" vert="horz" wrap="square" anchor="ctr" anchorCtr="1"/>
           <a:lstStyle/>
           <a:p>
-            <a:pPr algn="ctr" rtl="0">
-              <a:defRPr lang="es-ES" sz="3200" b="0" i="0" u="none" strike="noStrike" kern="1200" spc="0" baseline="0">
-                <a:solidFill>
-                  <a:schemeClr val="tx1"/>
-                </a:solidFill>
-                <a:latin typeface="+mj-lt"/>
-                <a:ea typeface="+mj-ea"/>
-                <a:cs typeface="+mj-cs"/>
+            <a:pPr>
+              <a:defRPr sz="2800" b="0" i="0" u="none" strike="noStrike" kern="1200" spc="0" baseline="0">
+                <a:solidFill>
+                  <a:schemeClr val="tx1">
+                    <a:lumMod val="65000"/>
+                    <a:lumOff val="35000"/>
+                  </a:schemeClr>
+                </a:solidFill>
+                <a:latin typeface="+mn-lt"/>
+                <a:ea typeface="+mn-ea"/>
+                <a:cs typeface="+mn-cs"/>
               </a:defRPr>
             </a:pPr>
             <a:r>
-              <a:rPr lang="es-ES" sz="3200" b="0" i="0" u="none" strike="noStrike" kern="1200" spc="0" baseline="0">
-                <a:solidFill>
-                  <a:schemeClr val="tx1"/>
-                </a:solidFill>
-                <a:latin typeface="+mj-lt"/>
-                <a:ea typeface="+mj-ea"/>
-                <a:cs typeface="+mj-cs"/>
-              </a:rPr>
-              <a:t>Graphic: Variation TIME and Our Time (1000 orders)</a:t>
-            </a:r>
+              <a:rPr lang="es-ES" sz="2800" b="0" i="0" baseline="0">
+                <a:effectLst/>
+              </a:rPr>
+              <a:t>Graphic: Variation Time and Our Time (1000 orders)</a:t>
+            </a:r>
+            <a:endParaRPr lang="es-ES" sz="2800">
+              <a:effectLst/>
+            </a:endParaRPr>
           </a:p>
         </c:rich>
       </c:tx>
+      <c:layout/>
       <c:overlay val="0"/>
       <c:spPr>
         <a:noFill/>
@@ -3715,14 +3297,17 @@
         <a:bodyPr rot="0" spcFirstLastPara="1" vertOverflow="ellipsis" vert="horz" wrap="square" anchor="ctr" anchorCtr="1"/>
         <a:lstStyle/>
         <a:p>
-          <a:pPr algn="ctr" rtl="0">
-            <a:defRPr lang="es-ES" sz="3200" b="0" i="0" u="none" strike="noStrike" kern="1200" spc="0" baseline="0">
+          <a:pPr>
+            <a:defRPr sz="2800" b="0" i="0" u="none" strike="noStrike" kern="1200" spc="0" baseline="0">
               <a:solidFill>
-                <a:schemeClr val="tx1"/>
+                <a:schemeClr val="tx1">
+                  <a:lumMod val="65000"/>
+                  <a:lumOff val="35000"/>
+                </a:schemeClr>
               </a:solidFill>
-              <a:latin typeface="+mj-lt"/>
-              <a:ea typeface="+mj-ea"/>
-              <a:cs typeface="+mj-cs"/>
+              <a:latin typeface="+mn-lt"/>
+              <a:ea typeface="+mn-ea"/>
+              <a:cs typeface="+mn-cs"/>
             </a:defRPr>
           </a:pPr>
           <a:endParaRPr lang="es-ES"/>
@@ -3731,7 +3316,17 @@
     </c:title>
     <c:autoTitleDeleted val="0"/>
     <c:plotArea>
-      <c:layout/>
+      <c:layout>
+        <c:manualLayout>
+          <c:layoutTarget val="inner"/>
+          <c:xMode val="edge"/>
+          <c:yMode val="edge"/>
+          <c:x val="4.6332431102362202E-2"/>
+          <c:y val="0.12773155438903472"/>
+          <c:w val="0.94220923556430447"/>
+          <c:h val="0.76657699037620297"/>
+        </c:manualLayout>
+      </c:layout>
       <c:lineChart>
         <c:grouping val="standard"/>
         <c:varyColors val="0"/>
@@ -3752,7 +3347,7 @@
           <c:spPr>
             <a:ln w="28575" cap="rnd">
               <a:solidFill>
-                <a:srgbClr val="92D050"/>
+                <a:schemeClr val="accent1"/>
               </a:solidFill>
               <a:round/>
             </a:ln>
@@ -3891,11 +3486,6 @@
             </c:numRef>
           </c:val>
           <c:smooth val="0"/>
-          <c:extLst xmlns:c16r2="http://schemas.microsoft.com/office/drawing/2015/06/chart">
-            <c:ext xmlns:c16="http://schemas.microsoft.com/office/drawing/2014/chart" uri="{C3380CC4-5D6E-409C-BE32-E72D297353CC}">
-              <c16:uniqueId val="{00000000-FFD7-4955-B0A6-D9C622E4AA54}"/>
-            </c:ext>
-          </c:extLst>
         </c:ser>
         <c:ser>
           <c:idx val="1"/>
@@ -3914,7 +3504,7 @@
           <c:spPr>
             <a:ln w="28575" cap="rnd">
               <a:solidFill>
-                <a:srgbClr val="0070C0"/>
+                <a:schemeClr val="accent2"/>
               </a:solidFill>
               <a:round/>
             </a:ln>
@@ -3930,134 +3520,129 @@
                 <c:formatCode>General</c:formatCode>
                 <c:ptCount val="40"/>
                 <c:pt idx="0">
+                  <c:v>19</c:v>
+                </c:pt>
+                <c:pt idx="1">
+                  <c:v>26</c:v>
+                </c:pt>
+                <c:pt idx="2">
+                  <c:v>7</c:v>
+                </c:pt>
+                <c:pt idx="3">
                   <c:v>9</c:v>
                 </c:pt>
-                <c:pt idx="1">
+                <c:pt idx="4">
+                  <c:v>6</c:v>
+                </c:pt>
+                <c:pt idx="5">
+                  <c:v>7</c:v>
+                </c:pt>
+                <c:pt idx="6">
                   <c:v>5</c:v>
                 </c:pt>
-                <c:pt idx="2">
-                  <c:v>2</c:v>
-                </c:pt>
-                <c:pt idx="3">
-                  <c:v>2</c:v>
-                </c:pt>
-                <c:pt idx="4">
-                  <c:v>2</c:v>
-                </c:pt>
-                <c:pt idx="5">
-                  <c:v>1</c:v>
-                </c:pt>
-                <c:pt idx="6">
+                <c:pt idx="7">
+                  <c:v>5</c:v>
+                </c:pt>
+                <c:pt idx="8">
                   <c:v>6</c:v>
                 </c:pt>
-                <c:pt idx="7">
-                  <c:v>1</c:v>
-                </c:pt>
-                <c:pt idx="8">
-                  <c:v>0</c:v>
-                </c:pt>
                 <c:pt idx="9">
-                  <c:v>1</c:v>
+                  <c:v>15</c:v>
                 </c:pt>
                 <c:pt idx="10">
-                  <c:v>1</c:v>
+                  <c:v>4</c:v>
                 </c:pt>
                 <c:pt idx="11">
-                  <c:v>1</c:v>
+                  <c:v>5</c:v>
                 </c:pt>
                 <c:pt idx="12">
-                  <c:v>1</c:v>
+                  <c:v>10</c:v>
                 </c:pt>
                 <c:pt idx="13">
-                  <c:v>1</c:v>
+                  <c:v>10</c:v>
                 </c:pt>
                 <c:pt idx="14">
-                  <c:v>1</c:v>
+                  <c:v>4</c:v>
                 </c:pt>
                 <c:pt idx="15">
-                  <c:v>2</c:v>
+                  <c:v>5</c:v>
                 </c:pt>
                 <c:pt idx="16">
-                  <c:v>1</c:v>
+                  <c:v>3</c:v>
                 </c:pt>
                 <c:pt idx="17">
-                  <c:v>1</c:v>
+                  <c:v>10</c:v>
                 </c:pt>
                 <c:pt idx="18">
-                  <c:v>1</c:v>
+                  <c:v>5</c:v>
                 </c:pt>
                 <c:pt idx="19">
-                  <c:v>2</c:v>
+                  <c:v>6</c:v>
                 </c:pt>
                 <c:pt idx="20">
-                  <c:v>1</c:v>
+                  <c:v>7</c:v>
                 </c:pt>
                 <c:pt idx="21">
-                  <c:v>1</c:v>
+                  <c:v>6</c:v>
                 </c:pt>
                 <c:pt idx="22">
-                  <c:v>0</c:v>
+                  <c:v>5</c:v>
                 </c:pt>
                 <c:pt idx="23">
-                  <c:v>1</c:v>
+                  <c:v>12</c:v>
                 </c:pt>
                 <c:pt idx="24">
-                  <c:v>0</c:v>
+                  <c:v>14</c:v>
                 </c:pt>
                 <c:pt idx="25">
-                  <c:v>0</c:v>
+                  <c:v>14</c:v>
                 </c:pt>
                 <c:pt idx="26">
-                  <c:v>1</c:v>
+                  <c:v>14</c:v>
                 </c:pt>
                 <c:pt idx="27">
-                  <c:v>1</c:v>
+                  <c:v>16</c:v>
                 </c:pt>
                 <c:pt idx="28">
-                  <c:v>1</c:v>
+                  <c:v>5</c:v>
                 </c:pt>
                 <c:pt idx="29">
-                  <c:v>2</c:v>
+                  <c:v>5</c:v>
                 </c:pt>
                 <c:pt idx="30">
-                  <c:v>0</c:v>
+                  <c:v>5</c:v>
                 </c:pt>
                 <c:pt idx="31">
-                  <c:v>2</c:v>
+                  <c:v>4</c:v>
                 </c:pt>
                 <c:pt idx="32">
-                  <c:v>1</c:v>
+                  <c:v>4</c:v>
                 </c:pt>
                 <c:pt idx="33">
-                  <c:v>1</c:v>
+                  <c:v>4</c:v>
                 </c:pt>
                 <c:pt idx="34">
-                  <c:v>0</c:v>
+                  <c:v>4</c:v>
                 </c:pt>
                 <c:pt idx="35">
-                  <c:v>1</c:v>
+                  <c:v>4</c:v>
                 </c:pt>
                 <c:pt idx="36">
-                  <c:v>1</c:v>
+                  <c:v>4</c:v>
                 </c:pt>
                 <c:pt idx="37">
-                  <c:v>1</c:v>
+                  <c:v>4</c:v>
                 </c:pt>
                 <c:pt idx="38">
-                  <c:v>1</c:v>
+                  <c:v>10</c:v>
                 </c:pt>
                 <c:pt idx="39">
-                  <c:v>1</c:v>
+                  <c:v>12</c:v>
                 </c:pt>
               </c:numCache>
             </c:numRef>
           </c:val>
           <c:smooth val="0"/>
-          <c:extLst xmlns:c16r2="http://schemas.microsoft.com/office/drawing/2015/06/chart">
-            <c:ext xmlns:c16="http://schemas.microsoft.com/office/drawing/2014/chart" uri="{C3380CC4-5D6E-409C-BE32-E72D297353CC}">
-              <c16:uniqueId val="{00000001-FFD7-4955-B0A6-D9C622E4AA54}"/>
-            </c:ext>
-          </c:extLst>
         </c:ser>
         <c:dLbls>
           <c:showLegendKey val="0"/>
@@ -4068,11 +3653,11 @@
           <c:showBubbleSize val="0"/>
         </c:dLbls>
         <c:smooth val="0"/>
-        <c:axId val="328450248"/>
-        <c:axId val="328451032"/>
+        <c:axId val="464733200"/>
+        <c:axId val="464734376"/>
       </c:lineChart>
       <c:catAx>
-        <c:axId val="328450248"/>
+        <c:axId val="464733200"/>
         <c:scaling>
           <c:orientation val="minMax"/>
         </c:scaling>
@@ -4102,11 +3687,14 @@
               <a:defRPr sz="900" b="0" i="0" u="none" strike="noStrike" kern="1200" baseline="0">
                 <a:ln>
                   <a:solidFill>
-                    <a:schemeClr val="tx2"/>
+                    <a:srgbClr val="000000"/>
                   </a:solidFill>
                 </a:ln>
                 <a:solidFill>
-                  <a:schemeClr val="tx2"/>
+                  <a:schemeClr val="tx1">
+                    <a:lumMod val="65000"/>
+                    <a:lumOff val="35000"/>
+                  </a:schemeClr>
                 </a:solidFill>
                 <a:latin typeface="+mn-lt"/>
                 <a:ea typeface="+mn-ea"/>
@@ -4116,7 +3704,7 @@
             <a:endParaRPr lang="es-ES"/>
           </a:p>
         </c:txPr>
-        <c:crossAx val="328451032"/>
+        <c:crossAx val="464734376"/>
         <c:crosses val="autoZero"/>
         <c:auto val="1"/>
         <c:lblAlgn val="ctr"/>
@@ -4124,7 +3712,7 @@
         <c:noMultiLvlLbl val="0"/>
       </c:catAx>
       <c:valAx>
-        <c:axId val="328451032"/>
+        <c:axId val="464734376"/>
         <c:scaling>
           <c:orientation val="minMax"/>
         </c:scaling>
@@ -4163,12 +3751,13 @@
               <a:defRPr sz="900" b="0" i="0" u="none" strike="noStrike" kern="1200" baseline="0">
                 <a:ln>
                   <a:solidFill>
-                    <a:schemeClr val="tx2"/>
+                    <a:srgbClr val="000000"/>
                   </a:solidFill>
                 </a:ln>
                 <a:solidFill>
-                  <a:schemeClr val="tx2">
-                    <a:alpha val="0"/>
+                  <a:schemeClr val="tx1">
+                    <a:lumMod val="65000"/>
+                    <a:lumOff val="35000"/>
                   </a:schemeClr>
                 </a:solidFill>
                 <a:latin typeface="+mn-lt"/>
@@ -4179,7 +3768,7 @@
             <a:endParaRPr lang="es-ES"/>
           </a:p>
         </c:txPr>
-        <c:crossAx val="328450248"/>
+        <c:crossAx val="464733200"/>
         <c:crosses val="autoZero"/>
         <c:crossBetween val="between"/>
       </c:valAx>
@@ -4193,6 +3782,7 @@
     </c:plotArea>
     <c:legend>
       <c:legendPos val="b"/>
+      <c:layout/>
       <c:overlay val="0"/>
       <c:spPr>
         <a:noFill/>
@@ -4207,11 +3797,9 @@
         <a:p>
           <a:pPr>
             <a:defRPr sz="900" b="0" i="0" u="none" strike="noStrike" kern="1200" baseline="0">
-              <a:ln>
-                <a:solidFill>
-                  <a:schemeClr val="tx2">
-                    <a:alpha val="75000"/>
-                  </a:schemeClr>
+              <a:ln w="12700">
+                <a:solidFill>
+                  <a:srgbClr val="000000"/>
                 </a:solidFill>
               </a:ln>
               <a:solidFill>
@@ -4250,7 +3838,7 @@
       <a:endParaRPr lang="es-ES"/>
     </a:p>
   </c:txPr>
-  <c:externalData r:id="rId3">
+  <c:externalData r:id="rId4">
     <c:autoUpdate val="0"/>
   </c:externalData>
 </c:chartSpace>
@@ -4508,7 +4096,7 @@
         <a:lumOff val="35000"/>
       </a:schemeClr>
     </cs:fontRef>
-    <cs:defRPr sz="1330" kern="1200"/>
+    <cs:defRPr sz="1000" kern="1200"/>
   </cs:axisTitle>
   <cs:categoryAxis>
     <cs:lnRef idx="0"/>
@@ -4531,7 +4119,7 @@
         <a:round/>
       </a:ln>
     </cs:spPr>
-    <cs:defRPr sz="1197" kern="1200"/>
+    <cs:defRPr sz="900" kern="1200"/>
   </cs:categoryAxis>
   <cs:chartArea mods="allowNoFillOverride allowNoLineOverride">
     <cs:lnRef idx="0"/>
@@ -4554,7 +4142,7 @@
         <a:round/>
       </a:ln>
     </cs:spPr>
-    <cs:defRPr sz="1330" kern="1200"/>
+    <cs:defRPr sz="1000" kern="1200"/>
   </cs:chartArea>
   <cs:dataLabel>
     <cs:lnRef idx="0"/>
@@ -4566,7 +4154,7 @@
         <a:lumOff val="25000"/>
       </a:schemeClr>
     </cs:fontRef>
-    <cs:defRPr sz="1197" kern="1200"/>
+    <cs:defRPr sz="900" kern="1200"/>
   </cs:dataLabel>
   <cs:dataLabelCallout>
     <cs:lnRef idx="0"/>
@@ -4591,7 +4179,7 @@
         </a:solidFill>
       </a:ln>
     </cs:spPr>
-    <cs:defRPr sz="1197" kern="1200"/>
+    <cs:defRPr sz="900" kern="1200"/>
     <cs:bodyPr rot="0" spcFirstLastPara="1" vertOverflow="clip" horzOverflow="clip" vert="horz" wrap="square" lIns="36576" tIns="18288" rIns="36576" bIns="18288" anchor="ctr" anchorCtr="1">
       <a:spAutoFit/>
     </cs:bodyPr>
@@ -4707,7 +4295,7 @@
         <a:round/>
       </a:ln>
     </cs:spPr>
-    <cs:defRPr sz="1197" kern="1200"/>
+    <cs:defRPr sz="900" kern="1200"/>
   </cs:dataTable>
   <cs:downBar>
     <cs:lnRef idx="0"/>
@@ -4871,7 +4459,7 @@
         <a:lumOff val="35000"/>
       </a:schemeClr>
     </cs:fontRef>
-    <cs:defRPr sz="1197" kern="1200"/>
+    <cs:defRPr sz="900" kern="1200"/>
   </cs:legend>
   <cs:plotArea mods="allowNoFillOverride allowNoLineOverride">
     <cs:lnRef idx="0"/>
@@ -4899,7 +4487,7 @@
         <a:lumOff val="35000"/>
       </a:schemeClr>
     </cs:fontRef>
-    <cs:defRPr sz="1197" kern="1200"/>
+    <cs:defRPr sz="900" kern="1200"/>
   </cs:seriesAxis>
   <cs:seriesLine>
     <cs:lnRef idx="0"/>
@@ -4930,7 +4518,7 @@
         <a:lumOff val="35000"/>
       </a:schemeClr>
     </cs:fontRef>
-    <cs:defRPr sz="1862" b="0" kern="1200" spc="0" baseline="0"/>
+    <cs:defRPr sz="1400" b="0" kern="1200" spc="0" baseline="0"/>
   </cs:title>
   <cs:trendline>
     <cs:lnRef idx="0">
@@ -4960,7 +4548,7 @@
         <a:lumOff val="35000"/>
       </a:schemeClr>
     </cs:fontRef>
-    <cs:defRPr sz="1197" kern="1200"/>
+    <cs:defRPr sz="900" kern="1200"/>
   </cs:trendlineLabel>
   <cs:upBar>
     <cs:lnRef idx="0"/>
@@ -4993,7 +4581,7 @@
         <a:lumOff val="35000"/>
       </a:schemeClr>
     </cs:fontRef>
-    <cs:defRPr sz="1197" kern="1200"/>
+    <cs:defRPr sz="900" kern="1200"/>
   </cs:valueAxis>
   <cs:wall>
     <cs:lnRef idx="0"/>
@@ -8805,606 +8393,6 @@
       <dsp:cNvGrpSpPr/>
     </dsp:nvGrpSpPr>
     <dsp:grpSpPr/>
-    <dsp:sp modelId="{6B08AC4B-4CEC-41E5-AE19-47A4E2720563}">
-      <dsp:nvSpPr>
-        <dsp:cNvPr id="0" name=""/>
-        <dsp:cNvSpPr/>
-      </dsp:nvSpPr>
-      <dsp:spPr>
-        <a:xfrm>
-          <a:off x="155869" y="1151234"/>
-          <a:ext cx="1935105" cy="881104"/>
-        </a:xfrm>
-        <a:prstGeom prst="rect">
-          <a:avLst/>
-        </a:prstGeom>
-        <a:solidFill>
-          <a:schemeClr val="bg1">
-            <a:lumMod val="95000"/>
-            <a:alpha val="90000"/>
-          </a:schemeClr>
-        </a:solidFill>
-        <a:ln w="6350" cap="rnd" cmpd="sng" algn="ctr">
-          <a:solidFill>
-            <a:schemeClr val="accent1">
-              <a:alpha val="90000"/>
-              <a:tint val="40000"/>
-              <a:hueOff val="0"/>
-              <a:satOff val="0"/>
-              <a:lumOff val="0"/>
-              <a:alphaOff val="0"/>
-            </a:schemeClr>
-          </a:solidFill>
-          <a:prstDash val="solid"/>
-        </a:ln>
-        <a:effectLst/>
-      </dsp:spPr>
-      <dsp:style>
-        <a:lnRef idx="1">
-          <a:scrgbClr r="0" g="0" b="0"/>
-        </a:lnRef>
-        <a:fillRef idx="1">
-          <a:scrgbClr r="0" g="0" b="0"/>
-        </a:fillRef>
-        <a:effectRef idx="0">
-          <a:scrgbClr r="0" g="0" b="0"/>
-        </a:effectRef>
-        <a:fontRef idx="minor"/>
-      </dsp:style>
-    </dsp:sp>
-    <dsp:sp modelId="{FC7ED273-8CFD-43C2-9C05-44FADF3E0637}">
-      <dsp:nvSpPr>
-        <dsp:cNvPr id="0" name=""/>
-        <dsp:cNvSpPr/>
-      </dsp:nvSpPr>
-      <dsp:spPr>
-        <a:xfrm>
-          <a:off x="-79831" y="227644"/>
-          <a:ext cx="951647" cy="951647"/>
-        </a:xfrm>
-        <a:prstGeom prst="ellipse">
-          <a:avLst/>
-        </a:prstGeom>
-        <a:gradFill rotWithShape="0">
-          <a:gsLst>
-            <a:gs pos="0">
-              <a:schemeClr val="accent1">
-                <a:hueOff val="0"/>
-                <a:satOff val="0"/>
-                <a:lumOff val="0"/>
-                <a:alphaOff val="0"/>
-                <a:shade val="100000"/>
-                <a:satMod val="137000"/>
-              </a:schemeClr>
-            </a:gs>
-            <a:gs pos="71000">
-              <a:schemeClr val="accent1">
-                <a:hueOff val="0"/>
-                <a:satOff val="0"/>
-                <a:lumOff val="0"/>
-                <a:alphaOff val="0"/>
-                <a:shade val="98000"/>
-                <a:satMod val="137000"/>
-              </a:schemeClr>
-            </a:gs>
-            <a:gs pos="100000">
-              <a:schemeClr val="accent1">
-                <a:hueOff val="0"/>
-                <a:satOff val="0"/>
-                <a:lumOff val="0"/>
-                <a:alphaOff val="0"/>
-                <a:shade val="75000"/>
-                <a:satMod val="137000"/>
-              </a:schemeClr>
-            </a:gs>
-          </a:gsLst>
-          <a:path path="rect">
-            <a:fillToRect l="50000" t="50000" r="50000" b="50000"/>
-          </a:path>
-        </a:gradFill>
-        <a:ln>
-          <a:noFill/>
-        </a:ln>
-        <a:effectLst>
-          <a:outerShdw blurRad="39000" dist="25400" dir="5400000" rotWithShape="0">
-            <a:srgbClr val="000000">
-              <a:alpha val="38000"/>
-            </a:srgbClr>
-          </a:outerShdw>
-        </a:effectLst>
-      </dsp:spPr>
-      <dsp:style>
-        <a:lnRef idx="0">
-          <a:scrgbClr r="0" g="0" b="0"/>
-        </a:lnRef>
-        <a:fillRef idx="3">
-          <a:scrgbClr r="0" g="0" b="0"/>
-        </a:fillRef>
-        <a:effectRef idx="2">
-          <a:scrgbClr r="0" g="0" b="0"/>
-        </a:effectRef>
-        <a:fontRef idx="minor">
-          <a:schemeClr val="lt1"/>
-        </a:fontRef>
-      </dsp:style>
-      <dsp:txBody>
-        <a:bodyPr spcFirstLastPara="0" vert="horz" wrap="square" lIns="0" tIns="0" rIns="0" bIns="0" numCol="1" spcCol="1270" rtlCol="0" anchor="ctr" anchorCtr="0">
-          <a:noAutofit/>
-        </a:bodyPr>
-        <a:lstStyle/>
-        <a:p>
-          <a:pPr lvl="0" algn="ctr" defTabSz="1822450" rtl="0">
-            <a:lnSpc>
-              <a:spcPct val="90000"/>
-            </a:lnSpc>
-            <a:spcBef>
-              <a:spcPct val="0"/>
-            </a:spcBef>
-            <a:spcAft>
-              <a:spcPct val="35000"/>
-            </a:spcAft>
-          </a:pPr>
-          <a:r>
-            <a:rPr lang="es-ES" sz="4100" kern="1200" noProof="0" dirty="0"/>
-            <a:t>C1</a:t>
-          </a:r>
-        </a:p>
-      </dsp:txBody>
-      <dsp:txXfrm>
-        <a:off x="59534" y="367009"/>
-        <a:ext cx="672917" cy="672917"/>
-      </dsp:txXfrm>
-    </dsp:sp>
-    <dsp:sp modelId="{F660F4B9-35DB-4256-A868-A35C6DCCF6B2}">
-      <dsp:nvSpPr>
-        <dsp:cNvPr id="0" name=""/>
-        <dsp:cNvSpPr/>
-      </dsp:nvSpPr>
-      <dsp:spPr>
-        <a:xfrm>
-          <a:off x="2655135" y="1130668"/>
-          <a:ext cx="1957708" cy="914333"/>
-        </a:xfrm>
-        <a:prstGeom prst="rect">
-          <a:avLst/>
-        </a:prstGeom>
-        <a:solidFill>
-          <a:schemeClr val="bg1">
-            <a:lumMod val="95000"/>
-            <a:alpha val="90000"/>
-          </a:schemeClr>
-        </a:solidFill>
-        <a:ln w="6350" cap="rnd" cmpd="sng" algn="ctr">
-          <a:solidFill>
-            <a:schemeClr val="accent1">
-              <a:alpha val="90000"/>
-              <a:tint val="40000"/>
-              <a:hueOff val="0"/>
-              <a:satOff val="0"/>
-              <a:lumOff val="0"/>
-              <a:alphaOff val="0"/>
-            </a:schemeClr>
-          </a:solidFill>
-          <a:prstDash val="solid"/>
-        </a:ln>
-        <a:effectLst/>
-      </dsp:spPr>
-      <dsp:style>
-        <a:lnRef idx="1">
-          <a:scrgbClr r="0" g="0" b="0"/>
-        </a:lnRef>
-        <a:fillRef idx="1">
-          <a:scrgbClr r="0" g="0" b="0"/>
-        </a:fillRef>
-        <a:effectRef idx="0">
-          <a:scrgbClr r="0" g="0" b="0"/>
-        </a:effectRef>
-        <a:fontRef idx="minor"/>
-      </dsp:style>
-    </dsp:sp>
-    <dsp:sp modelId="{FD776C1E-557E-4553-9447-49B69EEC7907}">
-      <dsp:nvSpPr>
-        <dsp:cNvPr id="0" name=""/>
-        <dsp:cNvSpPr/>
-      </dsp:nvSpPr>
-      <dsp:spPr>
-        <a:xfrm>
-          <a:off x="2077218" y="254329"/>
-          <a:ext cx="951647" cy="951647"/>
-        </a:xfrm>
-        <a:prstGeom prst="ellipse">
-          <a:avLst/>
-        </a:prstGeom>
-        <a:gradFill rotWithShape="0">
-          <a:gsLst>
-            <a:gs pos="0">
-              <a:schemeClr val="accent1">
-                <a:hueOff val="0"/>
-                <a:satOff val="0"/>
-                <a:lumOff val="0"/>
-                <a:alphaOff val="0"/>
-                <a:shade val="100000"/>
-                <a:satMod val="137000"/>
-              </a:schemeClr>
-            </a:gs>
-            <a:gs pos="71000">
-              <a:schemeClr val="accent1">
-                <a:hueOff val="0"/>
-                <a:satOff val="0"/>
-                <a:lumOff val="0"/>
-                <a:alphaOff val="0"/>
-                <a:shade val="98000"/>
-                <a:satMod val="137000"/>
-              </a:schemeClr>
-            </a:gs>
-            <a:gs pos="100000">
-              <a:schemeClr val="accent1">
-                <a:hueOff val="0"/>
-                <a:satOff val="0"/>
-                <a:lumOff val="0"/>
-                <a:alphaOff val="0"/>
-                <a:shade val="75000"/>
-                <a:satMod val="137000"/>
-              </a:schemeClr>
-            </a:gs>
-          </a:gsLst>
-          <a:path path="rect">
-            <a:fillToRect l="50000" t="50000" r="50000" b="50000"/>
-          </a:path>
-        </a:gradFill>
-        <a:ln>
-          <a:noFill/>
-        </a:ln>
-        <a:effectLst>
-          <a:outerShdw blurRad="39000" dist="25400" dir="5400000" rotWithShape="0">
-            <a:srgbClr val="000000">
-              <a:alpha val="38000"/>
-            </a:srgbClr>
-          </a:outerShdw>
-        </a:effectLst>
-      </dsp:spPr>
-      <dsp:style>
-        <a:lnRef idx="0">
-          <a:scrgbClr r="0" g="0" b="0"/>
-        </a:lnRef>
-        <a:fillRef idx="3">
-          <a:scrgbClr r="0" g="0" b="0"/>
-        </a:fillRef>
-        <a:effectRef idx="2">
-          <a:scrgbClr r="0" g="0" b="0"/>
-        </a:effectRef>
-        <a:fontRef idx="minor">
-          <a:schemeClr val="lt1"/>
-        </a:fontRef>
-      </dsp:style>
-      <dsp:txBody>
-        <a:bodyPr spcFirstLastPara="0" vert="horz" wrap="square" lIns="0" tIns="0" rIns="0" bIns="0" numCol="1" spcCol="1270" rtlCol="0" anchor="ctr" anchorCtr="0">
-          <a:noAutofit/>
-        </a:bodyPr>
-        <a:lstStyle/>
-        <a:p>
-          <a:pPr lvl="0" algn="r" defTabSz="1822450" rtl="0">
-            <a:lnSpc>
-              <a:spcPct val="90000"/>
-            </a:lnSpc>
-            <a:spcBef>
-              <a:spcPct val="0"/>
-            </a:spcBef>
-            <a:spcAft>
-              <a:spcPct val="35000"/>
-            </a:spcAft>
-          </a:pPr>
-          <a:r>
-            <a:rPr lang="es-ES" sz="4100" kern="1200" noProof="0" dirty="0"/>
-            <a:t>C2</a:t>
-          </a:r>
-        </a:p>
-      </dsp:txBody>
-      <dsp:txXfrm>
-        <a:off x="2216583" y="393694"/>
-        <a:ext cx="672917" cy="672917"/>
-      </dsp:txXfrm>
-    </dsp:sp>
-    <dsp:sp modelId="{AD2806AC-6A03-4F05-9F4D-F72EA0E56FBF}">
-      <dsp:nvSpPr>
-        <dsp:cNvPr id="0" name=""/>
-        <dsp:cNvSpPr/>
-      </dsp:nvSpPr>
-      <dsp:spPr>
-        <a:xfrm>
-          <a:off x="5226455" y="1151330"/>
-          <a:ext cx="2010348" cy="882780"/>
-        </a:xfrm>
-        <a:prstGeom prst="rect">
-          <a:avLst/>
-        </a:prstGeom>
-        <a:solidFill>
-          <a:schemeClr val="bg1">
-            <a:lumMod val="95000"/>
-            <a:alpha val="90000"/>
-          </a:schemeClr>
-        </a:solidFill>
-        <a:ln w="6350" cap="rnd" cmpd="sng" algn="ctr">
-          <a:solidFill>
-            <a:schemeClr val="accent1">
-              <a:alpha val="90000"/>
-              <a:tint val="40000"/>
-              <a:hueOff val="0"/>
-              <a:satOff val="0"/>
-              <a:lumOff val="0"/>
-              <a:alphaOff val="0"/>
-            </a:schemeClr>
-          </a:solidFill>
-          <a:prstDash val="solid"/>
-        </a:ln>
-        <a:effectLst/>
-      </dsp:spPr>
-      <dsp:style>
-        <a:lnRef idx="1">
-          <a:scrgbClr r="0" g="0" b="0"/>
-        </a:lnRef>
-        <a:fillRef idx="1">
-          <a:scrgbClr r="0" g="0" b="0"/>
-        </a:fillRef>
-        <a:effectRef idx="0">
-          <a:scrgbClr r="0" g="0" b="0"/>
-        </a:effectRef>
-        <a:fontRef idx="minor"/>
-      </dsp:style>
-    </dsp:sp>
-    <dsp:sp modelId="{89E6DA6E-7A23-44BD-8A99-378091FF741D}">
-      <dsp:nvSpPr>
-        <dsp:cNvPr id="0" name=""/>
-        <dsp:cNvSpPr/>
-      </dsp:nvSpPr>
-      <dsp:spPr>
-        <a:xfrm>
-          <a:off x="4583780" y="292480"/>
-          <a:ext cx="951647" cy="951647"/>
-        </a:xfrm>
-        <a:prstGeom prst="ellipse">
-          <a:avLst/>
-        </a:prstGeom>
-        <a:gradFill rotWithShape="0">
-          <a:gsLst>
-            <a:gs pos="0">
-              <a:schemeClr val="accent1">
-                <a:hueOff val="0"/>
-                <a:satOff val="0"/>
-                <a:lumOff val="0"/>
-                <a:alphaOff val="0"/>
-                <a:shade val="100000"/>
-                <a:satMod val="137000"/>
-              </a:schemeClr>
-            </a:gs>
-            <a:gs pos="71000">
-              <a:schemeClr val="accent1">
-                <a:hueOff val="0"/>
-                <a:satOff val="0"/>
-                <a:lumOff val="0"/>
-                <a:alphaOff val="0"/>
-                <a:shade val="98000"/>
-                <a:satMod val="137000"/>
-              </a:schemeClr>
-            </a:gs>
-            <a:gs pos="100000">
-              <a:schemeClr val="accent1">
-                <a:hueOff val="0"/>
-                <a:satOff val="0"/>
-                <a:lumOff val="0"/>
-                <a:alphaOff val="0"/>
-                <a:shade val="75000"/>
-                <a:satMod val="137000"/>
-              </a:schemeClr>
-            </a:gs>
-          </a:gsLst>
-          <a:path path="rect">
-            <a:fillToRect l="50000" t="50000" r="50000" b="50000"/>
-          </a:path>
-        </a:gradFill>
-        <a:ln>
-          <a:noFill/>
-        </a:ln>
-        <a:effectLst>
-          <a:outerShdw blurRad="39000" dist="25400" dir="5400000" rotWithShape="0">
-            <a:srgbClr val="000000">
-              <a:alpha val="38000"/>
-            </a:srgbClr>
-          </a:outerShdw>
-        </a:effectLst>
-      </dsp:spPr>
-      <dsp:style>
-        <a:lnRef idx="0">
-          <a:scrgbClr r="0" g="0" b="0"/>
-        </a:lnRef>
-        <a:fillRef idx="3">
-          <a:scrgbClr r="0" g="0" b="0"/>
-        </a:fillRef>
-        <a:effectRef idx="2">
-          <a:scrgbClr r="0" g="0" b="0"/>
-        </a:effectRef>
-        <a:fontRef idx="minor">
-          <a:schemeClr val="lt1"/>
-        </a:fontRef>
-      </dsp:style>
-      <dsp:txBody>
-        <a:bodyPr spcFirstLastPara="0" vert="horz" wrap="square" lIns="0" tIns="0" rIns="0" bIns="0" numCol="1" spcCol="1270" rtlCol="0" anchor="ctr" anchorCtr="0">
-          <a:noAutofit/>
-        </a:bodyPr>
-        <a:lstStyle/>
-        <a:p>
-          <a:pPr lvl="0" algn="ctr" defTabSz="1822450" rtl="0">
-            <a:lnSpc>
-              <a:spcPct val="90000"/>
-            </a:lnSpc>
-            <a:spcBef>
-              <a:spcPct val="0"/>
-            </a:spcBef>
-            <a:spcAft>
-              <a:spcPct val="35000"/>
-            </a:spcAft>
-          </a:pPr>
-          <a:r>
-            <a:rPr lang="es-ES" sz="4100" kern="1200" noProof="0" dirty="0"/>
-            <a:t>C3</a:t>
-          </a:r>
-        </a:p>
-      </dsp:txBody>
-      <dsp:txXfrm>
-        <a:off x="4723145" y="431845"/>
-        <a:ext cx="672917" cy="672917"/>
-      </dsp:txXfrm>
-    </dsp:sp>
-    <dsp:sp modelId="{402C2C77-A32C-4D99-9940-12535E1181F2}">
-      <dsp:nvSpPr>
-        <dsp:cNvPr id="0" name=""/>
-        <dsp:cNvSpPr/>
-      </dsp:nvSpPr>
-      <dsp:spPr>
-        <a:xfrm>
-          <a:off x="7872141" y="1083310"/>
-          <a:ext cx="1994894" cy="950800"/>
-        </a:xfrm>
-        <a:prstGeom prst="rect">
-          <a:avLst/>
-        </a:prstGeom>
-        <a:solidFill>
-          <a:schemeClr val="bg1">
-            <a:lumMod val="95000"/>
-            <a:alpha val="90000"/>
-          </a:schemeClr>
-        </a:solidFill>
-        <a:ln w="6350" cap="rnd" cmpd="sng" algn="ctr">
-          <a:solidFill>
-            <a:schemeClr val="accent1">
-              <a:alpha val="90000"/>
-              <a:tint val="40000"/>
-              <a:hueOff val="0"/>
-              <a:satOff val="0"/>
-              <a:lumOff val="0"/>
-              <a:alphaOff val="0"/>
-            </a:schemeClr>
-          </a:solidFill>
-          <a:prstDash val="solid"/>
-        </a:ln>
-        <a:effectLst/>
-      </dsp:spPr>
-      <dsp:style>
-        <a:lnRef idx="1">
-          <a:scrgbClr r="0" g="0" b="0"/>
-        </a:lnRef>
-        <a:fillRef idx="1">
-          <a:scrgbClr r="0" g="0" b="0"/>
-        </a:fillRef>
-        <a:effectRef idx="0">
-          <a:scrgbClr r="0" g="0" b="0"/>
-        </a:effectRef>
-        <a:fontRef idx="minor"/>
-      </dsp:style>
-    </dsp:sp>
-    <dsp:sp modelId="{7453D9C8-CD6E-4AA4-8A19-7F6F667528F0}">
-      <dsp:nvSpPr>
-        <dsp:cNvPr id="0" name=""/>
-        <dsp:cNvSpPr/>
-      </dsp:nvSpPr>
-      <dsp:spPr>
-        <a:xfrm>
-          <a:off x="7107481" y="265054"/>
-          <a:ext cx="951647" cy="951647"/>
-        </a:xfrm>
-        <a:prstGeom prst="ellipse">
-          <a:avLst/>
-        </a:prstGeom>
-        <a:gradFill rotWithShape="0">
-          <a:gsLst>
-            <a:gs pos="0">
-              <a:schemeClr val="accent1">
-                <a:hueOff val="0"/>
-                <a:satOff val="0"/>
-                <a:lumOff val="0"/>
-                <a:alphaOff val="0"/>
-                <a:shade val="100000"/>
-                <a:satMod val="137000"/>
-              </a:schemeClr>
-            </a:gs>
-            <a:gs pos="71000">
-              <a:schemeClr val="accent1">
-                <a:hueOff val="0"/>
-                <a:satOff val="0"/>
-                <a:lumOff val="0"/>
-                <a:alphaOff val="0"/>
-                <a:shade val="98000"/>
-                <a:satMod val="137000"/>
-              </a:schemeClr>
-            </a:gs>
-            <a:gs pos="100000">
-              <a:schemeClr val="accent1">
-                <a:hueOff val="0"/>
-                <a:satOff val="0"/>
-                <a:lumOff val="0"/>
-                <a:alphaOff val="0"/>
-                <a:shade val="75000"/>
-                <a:satMod val="137000"/>
-              </a:schemeClr>
-            </a:gs>
-          </a:gsLst>
-          <a:path path="rect">
-            <a:fillToRect l="50000" t="50000" r="50000" b="50000"/>
-          </a:path>
-        </a:gradFill>
-        <a:ln>
-          <a:noFill/>
-        </a:ln>
-        <a:effectLst>
-          <a:outerShdw blurRad="39000" dist="25400" dir="5400000" rotWithShape="0">
-            <a:srgbClr val="000000">
-              <a:alpha val="38000"/>
-            </a:srgbClr>
-          </a:outerShdw>
-        </a:effectLst>
-      </dsp:spPr>
-      <dsp:style>
-        <a:lnRef idx="0">
-          <a:scrgbClr r="0" g="0" b="0"/>
-        </a:lnRef>
-        <a:fillRef idx="3">
-          <a:scrgbClr r="0" g="0" b="0"/>
-        </a:fillRef>
-        <a:effectRef idx="2">
-          <a:scrgbClr r="0" g="0" b="0"/>
-        </a:effectRef>
-        <a:fontRef idx="minor">
-          <a:schemeClr val="lt1"/>
-        </a:fontRef>
-      </dsp:style>
-      <dsp:txBody>
-        <a:bodyPr spcFirstLastPara="0" vert="horz" wrap="square" lIns="0" tIns="0" rIns="0" bIns="0" numCol="1" spcCol="1270" rtlCol="0" anchor="ctr" anchorCtr="0">
-          <a:noAutofit/>
-        </a:bodyPr>
-        <a:lstStyle/>
-        <a:p>
-          <a:pPr lvl="0" algn="ctr" defTabSz="1822450" rtl="0">
-            <a:lnSpc>
-              <a:spcPct val="90000"/>
-            </a:lnSpc>
-            <a:spcBef>
-              <a:spcPct val="0"/>
-            </a:spcBef>
-            <a:spcAft>
-              <a:spcPct val="35000"/>
-            </a:spcAft>
-          </a:pPr>
-          <a:r>
-            <a:rPr lang="es-ES" sz="4100" kern="1200" noProof="0" dirty="0"/>
-            <a:t>C4</a:t>
-          </a:r>
-        </a:p>
-      </dsp:txBody>
-      <dsp:txXfrm>
-        <a:off x="7246846" y="404419"/>
-        <a:ext cx="672917" cy="672917"/>
-      </dsp:txXfrm>
-    </dsp:sp>
   </dsp:spTree>
 </dsp:drawing>
 </file>
@@ -11559,18 +10547,26 @@
           <a:p>
             <a:pPr algn="r"/>
             <a:fld id="{0A3C37BE-C303-496D-B5CD-85F2937540FC}" type="slidenum">
-              <a:rPr lang="es-ES" smtClean="0"/>
+              <a:rPr lang="es-ES" smtClean="0">
+                <a:solidFill>
+                  <a:srgbClr val="514843"/>
+                </a:solidFill>
+              </a:rPr>
               <a:pPr algn="r"/>
               <a:t>11</a:t>
             </a:fld>
-            <a:endParaRPr lang="es-ES" dirty="0"/>
+            <a:endParaRPr lang="es-ES" dirty="0">
+              <a:solidFill>
+                <a:srgbClr val="514843"/>
+              </a:solidFill>
+            </a:endParaRPr>
           </a:p>
         </p:txBody>
       </p:sp>
     </p:spTree>
     <p:extLst>
       <p:ext uri="{BB962C8B-B14F-4D97-AF65-F5344CB8AC3E}">
-        <p14:creationId xmlns:p14="http://schemas.microsoft.com/office/powerpoint/2010/main" val="1512456745"/>
+        <p14:creationId xmlns:p14="http://schemas.microsoft.com/office/powerpoint/2010/main" val="2670635717"/>
       </p:ext>
     </p:extLst>
   </p:cSld>
@@ -11645,18 +10641,26 @@
           <a:p>
             <a:pPr algn="r"/>
             <a:fld id="{0A3C37BE-C303-496D-B5CD-85F2937540FC}" type="slidenum">
-              <a:rPr lang="es-ES" smtClean="0"/>
+              <a:rPr lang="es-ES" smtClean="0">
+                <a:solidFill>
+                  <a:srgbClr val="514843"/>
+                </a:solidFill>
+              </a:rPr>
               <a:pPr algn="r"/>
               <a:t>12</a:t>
             </a:fld>
-            <a:endParaRPr lang="es-ES" dirty="0"/>
+            <a:endParaRPr lang="es-ES" dirty="0">
+              <a:solidFill>
+                <a:srgbClr val="514843"/>
+              </a:solidFill>
+            </a:endParaRPr>
           </a:p>
         </p:txBody>
       </p:sp>
     </p:spTree>
     <p:extLst>
       <p:ext uri="{BB962C8B-B14F-4D97-AF65-F5344CB8AC3E}">
-        <p14:creationId xmlns:p14="http://schemas.microsoft.com/office/powerpoint/2010/main" val="603523150"/>
+        <p14:creationId xmlns:p14="http://schemas.microsoft.com/office/powerpoint/2010/main" val="3903504834"/>
       </p:ext>
     </p:extLst>
   </p:cSld>
@@ -11731,18 +10735,26 @@
           <a:p>
             <a:pPr algn="r"/>
             <a:fld id="{0A3C37BE-C303-496D-B5CD-85F2937540FC}" type="slidenum">
-              <a:rPr lang="es-ES" smtClean="0"/>
+              <a:rPr lang="es-ES" smtClean="0">
+                <a:solidFill>
+                  <a:srgbClr val="514843"/>
+                </a:solidFill>
+              </a:rPr>
               <a:pPr algn="r"/>
               <a:t>13</a:t>
             </a:fld>
-            <a:endParaRPr lang="es-ES" dirty="0"/>
+            <a:endParaRPr lang="es-ES" dirty="0">
+              <a:solidFill>
+                <a:srgbClr val="514843"/>
+              </a:solidFill>
+            </a:endParaRPr>
           </a:p>
         </p:txBody>
       </p:sp>
     </p:spTree>
     <p:extLst>
       <p:ext uri="{BB962C8B-B14F-4D97-AF65-F5344CB8AC3E}">
-        <p14:creationId xmlns:p14="http://schemas.microsoft.com/office/powerpoint/2010/main" val="1827162193"/>
+        <p14:creationId xmlns:p14="http://schemas.microsoft.com/office/powerpoint/2010/main" val="2197576761"/>
       </p:ext>
     </p:extLst>
   </p:cSld>
@@ -11817,18 +10829,26 @@
           <a:p>
             <a:pPr algn="r"/>
             <a:fld id="{0A3C37BE-C303-496D-B5CD-85F2937540FC}" type="slidenum">
-              <a:rPr lang="es-ES" smtClean="0"/>
+              <a:rPr lang="es-ES" smtClean="0">
+                <a:solidFill>
+                  <a:srgbClr val="514843"/>
+                </a:solidFill>
+              </a:rPr>
               <a:pPr algn="r"/>
               <a:t>14</a:t>
             </a:fld>
-            <a:endParaRPr lang="es-ES" dirty="0"/>
+            <a:endParaRPr lang="es-ES" dirty="0">
+              <a:solidFill>
+                <a:srgbClr val="514843"/>
+              </a:solidFill>
+            </a:endParaRPr>
           </a:p>
         </p:txBody>
       </p:sp>
     </p:spTree>
     <p:extLst>
       <p:ext uri="{BB962C8B-B14F-4D97-AF65-F5344CB8AC3E}">
-        <p14:creationId xmlns:p14="http://schemas.microsoft.com/office/powerpoint/2010/main" val="3273203933"/>
+        <p14:creationId xmlns:p14="http://schemas.microsoft.com/office/powerpoint/2010/main" val="2710797055"/>
       </p:ext>
     </p:extLst>
   </p:cSld>
@@ -11903,18 +10923,26 @@
           <a:p>
             <a:pPr algn="r"/>
             <a:fld id="{0A3C37BE-C303-496D-B5CD-85F2937540FC}" type="slidenum">
-              <a:rPr lang="es-ES" smtClean="0"/>
+              <a:rPr lang="es-ES" smtClean="0">
+                <a:solidFill>
+                  <a:srgbClr val="514843"/>
+                </a:solidFill>
+              </a:rPr>
               <a:pPr algn="r"/>
               <a:t>15</a:t>
             </a:fld>
-            <a:endParaRPr lang="es-ES" dirty="0"/>
+            <a:endParaRPr lang="es-ES" dirty="0">
+              <a:solidFill>
+                <a:srgbClr val="514843"/>
+              </a:solidFill>
+            </a:endParaRPr>
           </a:p>
         </p:txBody>
       </p:sp>
     </p:spTree>
     <p:extLst>
       <p:ext uri="{BB962C8B-B14F-4D97-AF65-F5344CB8AC3E}">
-        <p14:creationId xmlns:p14="http://schemas.microsoft.com/office/powerpoint/2010/main" val="114538081"/>
+        <p14:creationId xmlns:p14="http://schemas.microsoft.com/office/powerpoint/2010/main" val="3293272197"/>
       </p:ext>
     </p:extLst>
   </p:cSld>
@@ -11989,18 +11017,26 @@
           <a:p>
             <a:pPr algn="r"/>
             <a:fld id="{0A3C37BE-C303-496D-B5CD-85F2937540FC}" type="slidenum">
-              <a:rPr lang="es-ES" smtClean="0"/>
+              <a:rPr lang="es-ES" smtClean="0">
+                <a:solidFill>
+                  <a:srgbClr val="514843"/>
+                </a:solidFill>
+              </a:rPr>
               <a:pPr algn="r"/>
               <a:t>16</a:t>
             </a:fld>
-            <a:endParaRPr lang="es-ES" dirty="0"/>
+            <a:endParaRPr lang="es-ES" dirty="0">
+              <a:solidFill>
+                <a:srgbClr val="514843"/>
+              </a:solidFill>
+            </a:endParaRPr>
           </a:p>
         </p:txBody>
       </p:sp>
     </p:spTree>
     <p:extLst>
       <p:ext uri="{BB962C8B-B14F-4D97-AF65-F5344CB8AC3E}">
-        <p14:creationId xmlns:p14="http://schemas.microsoft.com/office/powerpoint/2010/main" val="2954173246"/>
+        <p14:creationId xmlns:p14="http://schemas.microsoft.com/office/powerpoint/2010/main" val="2648899343"/>
       </p:ext>
     </p:extLst>
   </p:cSld>
@@ -17205,7 +16241,7 @@
           <p:cNvPr id="8" name="Picture Placeholder 7">
             <a:extLst>
               <a:ext uri="{FF2B5EF4-FFF2-40B4-BE49-F238E27FC236}">
-                <a16:creationId xmlns="" xmlns:a16="http://schemas.microsoft.com/office/drawing/2014/main" id="{59D3FB41-A110-499A-B291-BBBB8318935F}"/>
+                <a16:creationId xmlns:a16="http://schemas.microsoft.com/office/drawing/2014/main" xmlns="" id="{59D3FB41-A110-499A-B291-BBBB8318935F}"/>
               </a:ext>
             </a:extLst>
           </p:cNvPr>
@@ -17278,7 +16314,7 @@
           <p:cNvPr id="4" name="Table 3">
             <a:extLst>
               <a:ext uri="{FF2B5EF4-FFF2-40B4-BE49-F238E27FC236}">
-                <a16:creationId xmlns="" xmlns:a16="http://schemas.microsoft.com/office/drawing/2014/main" id="{16CA9473-8F0D-4C48-BB9A-8EE40BF50D92}"/>
+                <a16:creationId xmlns:a16="http://schemas.microsoft.com/office/drawing/2014/main" xmlns="" id="{16CA9473-8F0D-4C48-BB9A-8EE40BF50D92}"/>
               </a:ext>
             </a:extLst>
           </p:cNvPr>
@@ -17307,63 +16343,63 @@
                 <a:gridCol w="1000125">
                   <a:extLst>
                     <a:ext uri="{9D8B030D-6E8A-4147-A177-3AD203B41FA5}">
-                      <a16:colId xmlns="" xmlns:a16="http://schemas.microsoft.com/office/drawing/2014/main" val="34760263"/>
+                      <a16:colId xmlns:a16="http://schemas.microsoft.com/office/drawing/2014/main" xmlns="" val="34760263"/>
                     </a:ext>
                   </a:extLst>
                 </a:gridCol>
                 <a:gridCol w="1042988">
                   <a:extLst>
                     <a:ext uri="{9D8B030D-6E8A-4147-A177-3AD203B41FA5}">
-                      <a16:colId xmlns="" xmlns:a16="http://schemas.microsoft.com/office/drawing/2014/main" val="3812687379"/>
+                      <a16:colId xmlns:a16="http://schemas.microsoft.com/office/drawing/2014/main" xmlns="" val="3812687379"/>
                     </a:ext>
                   </a:extLst>
                 </a:gridCol>
                 <a:gridCol w="1600200">
                   <a:extLst>
                     <a:ext uri="{9D8B030D-6E8A-4147-A177-3AD203B41FA5}">
-                      <a16:colId xmlns="" xmlns:a16="http://schemas.microsoft.com/office/drawing/2014/main" val="1933821378"/>
+                      <a16:colId xmlns:a16="http://schemas.microsoft.com/office/drawing/2014/main" xmlns="" val="1933821378"/>
                     </a:ext>
                   </a:extLst>
                 </a:gridCol>
                 <a:gridCol w="1943100">
                   <a:extLst>
                     <a:ext uri="{9D8B030D-6E8A-4147-A177-3AD203B41FA5}">
-                      <a16:colId xmlns="" xmlns:a16="http://schemas.microsoft.com/office/drawing/2014/main" val="875010954"/>
+                      <a16:colId xmlns:a16="http://schemas.microsoft.com/office/drawing/2014/main" xmlns="" val="875010954"/>
                     </a:ext>
                   </a:extLst>
                 </a:gridCol>
                 <a:gridCol w="728662">
                   <a:extLst>
                     <a:ext uri="{9D8B030D-6E8A-4147-A177-3AD203B41FA5}">
-                      <a16:colId xmlns="" xmlns:a16="http://schemas.microsoft.com/office/drawing/2014/main" val="1078558424"/>
+                      <a16:colId xmlns:a16="http://schemas.microsoft.com/office/drawing/2014/main" xmlns="" val="1078558424"/>
                     </a:ext>
                   </a:extLst>
                 </a:gridCol>
                 <a:gridCol w="1114428">
                   <a:extLst>
                     <a:ext uri="{9D8B030D-6E8A-4147-A177-3AD203B41FA5}">
-                      <a16:colId xmlns="" xmlns:a16="http://schemas.microsoft.com/office/drawing/2014/main" val="112756927"/>
+                      <a16:colId xmlns:a16="http://schemas.microsoft.com/office/drawing/2014/main" xmlns="" val="112756927"/>
                     </a:ext>
                   </a:extLst>
                 </a:gridCol>
                 <a:gridCol w="1685925">
                   <a:extLst>
                     <a:ext uri="{9D8B030D-6E8A-4147-A177-3AD203B41FA5}">
-                      <a16:colId xmlns="" xmlns:a16="http://schemas.microsoft.com/office/drawing/2014/main" val="4050224548"/>
+                      <a16:colId xmlns:a16="http://schemas.microsoft.com/office/drawing/2014/main" xmlns="" val="4050224548"/>
                     </a:ext>
                   </a:extLst>
                 </a:gridCol>
                 <a:gridCol w="1443038">
                   <a:extLst>
                     <a:ext uri="{9D8B030D-6E8A-4147-A177-3AD203B41FA5}">
-                      <a16:colId xmlns="" xmlns:a16="http://schemas.microsoft.com/office/drawing/2014/main" val="1071222725"/>
+                      <a16:colId xmlns:a16="http://schemas.microsoft.com/office/drawing/2014/main" xmlns="" val="1071222725"/>
                     </a:ext>
                   </a:extLst>
                 </a:gridCol>
                 <a:gridCol w="1633537">
                   <a:extLst>
                     <a:ext uri="{9D8B030D-6E8A-4147-A177-3AD203B41FA5}">
-                      <a16:colId xmlns="" xmlns:a16="http://schemas.microsoft.com/office/drawing/2014/main" val="4215464752"/>
+                      <a16:colId xmlns:a16="http://schemas.microsoft.com/office/drawing/2014/main" xmlns="" val="4215464752"/>
                     </a:ext>
                   </a:extLst>
                 </a:gridCol>
@@ -17567,7 +16603,7 @@
                 </a:tc>
                 <a:extLst>
                   <a:ext uri="{0D108BD9-81ED-4DB2-BD59-A6C34878D82A}">
-                    <a16:rowId xmlns="" xmlns:a16="http://schemas.microsoft.com/office/drawing/2014/main" val="1745891069"/>
+                    <a16:rowId xmlns:a16="http://schemas.microsoft.com/office/drawing/2014/main" xmlns="" val="1745891069"/>
                   </a:ext>
                 </a:extLst>
               </a:tr>
@@ -17815,7 +16851,7 @@
                 </a:tc>
                 <a:extLst>
                   <a:ext uri="{0D108BD9-81ED-4DB2-BD59-A6C34878D82A}">
-                    <a16:rowId xmlns="" xmlns:a16="http://schemas.microsoft.com/office/drawing/2014/main" val="3307466219"/>
+                    <a16:rowId xmlns:a16="http://schemas.microsoft.com/office/drawing/2014/main" xmlns="" val="3307466219"/>
                   </a:ext>
                 </a:extLst>
               </a:tr>
@@ -18025,7 +17061,7 @@
                 </a:tc>
                 <a:extLst>
                   <a:ext uri="{0D108BD9-81ED-4DB2-BD59-A6C34878D82A}">
-                    <a16:rowId xmlns="" xmlns:a16="http://schemas.microsoft.com/office/drawing/2014/main" val="2430767203"/>
+                    <a16:rowId xmlns:a16="http://schemas.microsoft.com/office/drawing/2014/main" xmlns="" val="2430767203"/>
                   </a:ext>
                 </a:extLst>
               </a:tr>
@@ -18253,7 +17289,7 @@
                 </a:tc>
                 <a:extLst>
                   <a:ext uri="{0D108BD9-81ED-4DB2-BD59-A6C34878D82A}">
-                    <a16:rowId xmlns="" xmlns:a16="http://schemas.microsoft.com/office/drawing/2014/main" val="460563303"/>
+                    <a16:rowId xmlns:a16="http://schemas.microsoft.com/office/drawing/2014/main" xmlns="" val="460563303"/>
                   </a:ext>
                 </a:extLst>
               </a:tr>
@@ -18481,7 +17517,7 @@
                 </a:tc>
                 <a:extLst>
                   <a:ext uri="{0D108BD9-81ED-4DB2-BD59-A6C34878D82A}">
-                    <a16:rowId xmlns="" xmlns:a16="http://schemas.microsoft.com/office/drawing/2014/main" val="3260662345"/>
+                    <a16:rowId xmlns:a16="http://schemas.microsoft.com/office/drawing/2014/main" xmlns="" val="3260662345"/>
                   </a:ext>
                 </a:extLst>
               </a:tr>
@@ -18704,7 +17740,7 @@
                 </a:tc>
                 <a:extLst>
                   <a:ext uri="{0D108BD9-81ED-4DB2-BD59-A6C34878D82A}">
-                    <a16:rowId xmlns="" xmlns:a16="http://schemas.microsoft.com/office/drawing/2014/main" val="3181831911"/>
+                    <a16:rowId xmlns:a16="http://schemas.microsoft.com/office/drawing/2014/main" xmlns="" val="3181831911"/>
                   </a:ext>
                 </a:extLst>
               </a:tr>
@@ -18927,7 +17963,7 @@
                 </a:tc>
                 <a:extLst>
                   <a:ext uri="{0D108BD9-81ED-4DB2-BD59-A6C34878D82A}">
-                    <a16:rowId xmlns="" xmlns:a16="http://schemas.microsoft.com/office/drawing/2014/main" val="1027403434"/>
+                    <a16:rowId xmlns:a16="http://schemas.microsoft.com/office/drawing/2014/main" xmlns="" val="1027403434"/>
                   </a:ext>
                 </a:extLst>
               </a:tr>
@@ -19161,7 +18197,7 @@
                 </a:tc>
                 <a:extLst>
                   <a:ext uri="{0D108BD9-81ED-4DB2-BD59-A6C34878D82A}">
-                    <a16:rowId xmlns="" xmlns:a16="http://schemas.microsoft.com/office/drawing/2014/main" val="2611242976"/>
+                    <a16:rowId xmlns:a16="http://schemas.microsoft.com/office/drawing/2014/main" xmlns="" val="2611242976"/>
                   </a:ext>
                 </a:extLst>
               </a:tr>
@@ -19497,7 +18533,7 @@
                 </a:tc>
                 <a:extLst>
                   <a:ext uri="{0D108BD9-81ED-4DB2-BD59-A6C34878D82A}">
-                    <a16:rowId xmlns="" xmlns:a16="http://schemas.microsoft.com/office/drawing/2014/main" val="1376843330"/>
+                    <a16:rowId xmlns:a16="http://schemas.microsoft.com/office/drawing/2014/main" xmlns="" val="1376843330"/>
                   </a:ext>
                 </a:extLst>
               </a:tr>
@@ -19720,7 +18756,7 @@
                 </a:tc>
                 <a:extLst>
                   <a:ext uri="{0D108BD9-81ED-4DB2-BD59-A6C34878D82A}">
-                    <a16:rowId xmlns="" xmlns:a16="http://schemas.microsoft.com/office/drawing/2014/main" val="1592789948"/>
+                    <a16:rowId xmlns:a16="http://schemas.microsoft.com/office/drawing/2014/main" xmlns="" val="1592789948"/>
                   </a:ext>
                 </a:extLst>
               </a:tr>
@@ -19779,27 +18815,17 @@
       </p:grpSpPr>
       <p:graphicFrame>
         <p:nvGraphicFramePr>
-          <p:cNvPr id="6" name="Gráfico 1">
-            <a:extLst>
-              <a:ext uri="{FF2B5EF4-FFF2-40B4-BE49-F238E27FC236}">
-                <a16:creationId xmlns="" xmlns:a16="http://schemas.microsoft.com/office/drawing/2014/main" id="{00000000-0008-0000-0100-000002000000}"/>
-              </a:ext>
-            </a:extLst>
-          </p:cNvPr>
+          <p:cNvPr id="9" name="Gráfico 8"/>
           <p:cNvGraphicFramePr>
             <a:graphicFrameLocks/>
           </p:cNvGraphicFramePr>
           <p:nvPr>
-            <p:extLst>
-              <p:ext uri="{D42A27DB-BD31-4B8C-83A1-F6EECF244321}">
-                <p14:modId xmlns:p14="http://schemas.microsoft.com/office/powerpoint/2010/main" val="4261295714"/>
-              </p:ext>
-            </p:extLst>
+            <p:extLst/>
           </p:nvPr>
         </p:nvGraphicFramePr>
         <p:xfrm>
-          <a:off x="528638" y="185738"/>
-          <a:ext cx="11258549" cy="6429375"/>
+          <a:off x="0" y="0"/>
+          <a:ext cx="12192000" cy="6858000"/>
         </p:xfrm>
         <a:graphic>
           <a:graphicData uri="http://schemas.openxmlformats.org/drawingml/2006/chart">
@@ -19810,7 +18836,7 @@
     </p:spTree>
     <p:extLst>
       <p:ext uri="{BB962C8B-B14F-4D97-AF65-F5344CB8AC3E}">
-        <p14:creationId xmlns:p14="http://schemas.microsoft.com/office/powerpoint/2010/main" val="1800380133"/>
+        <p14:creationId xmlns:p14="http://schemas.microsoft.com/office/powerpoint/2010/main" val="2766972599"/>
       </p:ext>
     </p:extLst>
   </p:cSld>
@@ -19858,27 +18884,17 @@
       </p:grpSpPr>
       <p:graphicFrame>
         <p:nvGraphicFramePr>
-          <p:cNvPr id="5" name="Gráfico 2">
-            <a:extLst>
-              <a:ext uri="{FF2B5EF4-FFF2-40B4-BE49-F238E27FC236}">
-                <a16:creationId xmlns="" xmlns:a16="http://schemas.microsoft.com/office/drawing/2014/main" id="{00000000-0008-0000-0100-000003000000}"/>
-              </a:ext>
-            </a:extLst>
-          </p:cNvPr>
+          <p:cNvPr id="6" name="Gráfico 5"/>
           <p:cNvGraphicFramePr>
             <a:graphicFrameLocks/>
           </p:cNvGraphicFramePr>
           <p:nvPr>
-            <p:extLst>
-              <p:ext uri="{D42A27DB-BD31-4B8C-83A1-F6EECF244321}">
-                <p14:modId xmlns:p14="http://schemas.microsoft.com/office/powerpoint/2010/main" val="526763151"/>
-              </p:ext>
-            </p:extLst>
+            <p:extLst/>
           </p:nvPr>
         </p:nvGraphicFramePr>
         <p:xfrm>
-          <a:off x="130969" y="185737"/>
-          <a:ext cx="11930062" cy="6486526"/>
+          <a:off x="0" y="0"/>
+          <a:ext cx="12192000" cy="6858000"/>
         </p:xfrm>
         <a:graphic>
           <a:graphicData uri="http://schemas.openxmlformats.org/drawingml/2006/chart">
@@ -19889,7 +18905,7 @@
     </p:spTree>
     <p:extLst>
       <p:ext uri="{BB962C8B-B14F-4D97-AF65-F5344CB8AC3E}">
-        <p14:creationId xmlns:p14="http://schemas.microsoft.com/office/powerpoint/2010/main" val="813827766"/>
+        <p14:creationId xmlns:p14="http://schemas.microsoft.com/office/powerpoint/2010/main" val="1247754840"/>
       </p:ext>
     </p:extLst>
   </p:cSld>
@@ -19908,6 +18924,13 @@
       </p:transition>
     </mc:Fallback>
   </mc:AlternateContent>
+  <p:timing>
+    <p:tnLst>
+      <p:par>
+        <p:cTn id="1" dur="indefinite" restart="never" nodeType="tmRoot"/>
+      </p:par>
+    </p:tnLst>
+  </p:timing>
 </p:sld>
 </file>
 
@@ -19930,27 +18953,17 @@
       </p:grpSpPr>
       <p:graphicFrame>
         <p:nvGraphicFramePr>
-          <p:cNvPr id="5" name="Gráfico 2">
-            <a:extLst>
-              <a:ext uri="{FF2B5EF4-FFF2-40B4-BE49-F238E27FC236}">
-                <a16:creationId xmlns="" xmlns:a16="http://schemas.microsoft.com/office/drawing/2014/main" id="{00000000-0008-0000-0200-000003000000}"/>
-              </a:ext>
-            </a:extLst>
-          </p:cNvPr>
+          <p:cNvPr id="3" name="Gráfico 2"/>
           <p:cNvGraphicFramePr>
             <a:graphicFrameLocks/>
           </p:cNvGraphicFramePr>
           <p:nvPr>
-            <p:extLst>
-              <p:ext uri="{D42A27DB-BD31-4B8C-83A1-F6EECF244321}">
-                <p14:modId xmlns:p14="http://schemas.microsoft.com/office/powerpoint/2010/main" val="3680219779"/>
-              </p:ext>
-            </p:extLst>
+            <p:extLst/>
           </p:nvPr>
         </p:nvGraphicFramePr>
         <p:xfrm>
-          <a:off x="309562" y="207169"/>
-          <a:ext cx="11572875" cy="6443662"/>
+          <a:off x="0" y="0"/>
+          <a:ext cx="12192000" cy="6858000"/>
         </p:xfrm>
         <a:graphic>
           <a:graphicData uri="http://schemas.openxmlformats.org/drawingml/2006/chart">
@@ -19961,7 +18974,7 @@
     </p:spTree>
     <p:extLst>
       <p:ext uri="{BB962C8B-B14F-4D97-AF65-F5344CB8AC3E}">
-        <p14:creationId xmlns:p14="http://schemas.microsoft.com/office/powerpoint/2010/main" val="2550789832"/>
+        <p14:creationId xmlns:p14="http://schemas.microsoft.com/office/powerpoint/2010/main" val="1662901574"/>
       </p:ext>
     </p:extLst>
   </p:cSld>
@@ -19980,6 +18993,13 @@
       </p:transition>
     </mc:Fallback>
   </mc:AlternateContent>
+  <p:timing>
+    <p:tnLst>
+      <p:par>
+        <p:cTn id="1" dur="indefinite" restart="never" nodeType="tmRoot"/>
+      </p:par>
+    </p:tnLst>
+  </p:timing>
 </p:sld>
 </file>
 
@@ -20002,27 +19022,17 @@
       </p:grpSpPr>
       <p:graphicFrame>
         <p:nvGraphicFramePr>
-          <p:cNvPr id="3" name="Gráfico 1">
-            <a:extLst>
-              <a:ext uri="{FF2B5EF4-FFF2-40B4-BE49-F238E27FC236}">
-                <a16:creationId xmlns="" xmlns:a16="http://schemas.microsoft.com/office/drawing/2014/main" id="{00000000-0008-0000-0200-000002000000}"/>
-              </a:ext>
-            </a:extLst>
-          </p:cNvPr>
+          <p:cNvPr id="4" name="Gráfico 3"/>
           <p:cNvGraphicFramePr>
             <a:graphicFrameLocks/>
           </p:cNvGraphicFramePr>
           <p:nvPr>
-            <p:extLst>
-              <p:ext uri="{D42A27DB-BD31-4B8C-83A1-F6EECF244321}">
-                <p14:modId xmlns:p14="http://schemas.microsoft.com/office/powerpoint/2010/main" val="3276473415"/>
-              </p:ext>
-            </p:extLst>
+            <p:extLst/>
           </p:nvPr>
         </p:nvGraphicFramePr>
         <p:xfrm>
-          <a:off x="185738" y="185738"/>
-          <a:ext cx="11715750" cy="6372225"/>
+          <a:off x="0" y="0"/>
+          <a:ext cx="12192000" cy="6858000"/>
         </p:xfrm>
         <a:graphic>
           <a:graphicData uri="http://schemas.openxmlformats.org/drawingml/2006/chart">
@@ -20033,7 +19043,7 @@
     </p:spTree>
     <p:extLst>
       <p:ext uri="{BB962C8B-B14F-4D97-AF65-F5344CB8AC3E}">
-        <p14:creationId xmlns:p14="http://schemas.microsoft.com/office/powerpoint/2010/main" val="982546312"/>
+        <p14:creationId xmlns:p14="http://schemas.microsoft.com/office/powerpoint/2010/main" val="2579391224"/>
       </p:ext>
     </p:extLst>
   </p:cSld>
@@ -20052,6 +19062,13 @@
       </p:transition>
     </mc:Fallback>
   </mc:AlternateContent>
+  <p:timing>
+    <p:tnLst>
+      <p:par>
+        <p:cTn id="1" dur="indefinite" restart="never" nodeType="tmRoot"/>
+      </p:par>
+    </p:tnLst>
+  </p:timing>
 </p:sld>
 </file>
 
@@ -20074,27 +19091,17 @@
       </p:grpSpPr>
       <p:graphicFrame>
         <p:nvGraphicFramePr>
-          <p:cNvPr id="4" name="Gráfico 3">
-            <a:extLst>
-              <a:ext uri="{FF2B5EF4-FFF2-40B4-BE49-F238E27FC236}">
-                <a16:creationId xmlns="" xmlns:a16="http://schemas.microsoft.com/office/drawing/2014/main" id="{00000000-0008-0000-0300-000004000000}"/>
-              </a:ext>
-            </a:extLst>
-          </p:cNvPr>
+          <p:cNvPr id="3" name="Gráfico 2"/>
           <p:cNvGraphicFramePr>
             <a:graphicFrameLocks/>
           </p:cNvGraphicFramePr>
           <p:nvPr>
-            <p:extLst>
-              <p:ext uri="{D42A27DB-BD31-4B8C-83A1-F6EECF244321}">
-                <p14:modId xmlns:p14="http://schemas.microsoft.com/office/powerpoint/2010/main" val="3664213601"/>
-              </p:ext>
-            </p:extLst>
+            <p:extLst/>
           </p:nvPr>
         </p:nvGraphicFramePr>
         <p:xfrm>
-          <a:off x="385763" y="171450"/>
-          <a:ext cx="11415711" cy="6292215"/>
+          <a:off x="0" y="0"/>
+          <a:ext cx="12192000" cy="6858000"/>
         </p:xfrm>
         <a:graphic>
           <a:graphicData uri="http://schemas.openxmlformats.org/drawingml/2006/chart">
@@ -20105,7 +19112,7 @@
     </p:spTree>
     <p:extLst>
       <p:ext uri="{BB962C8B-B14F-4D97-AF65-F5344CB8AC3E}">
-        <p14:creationId xmlns:p14="http://schemas.microsoft.com/office/powerpoint/2010/main" val="3445341725"/>
+        <p14:creationId xmlns:p14="http://schemas.microsoft.com/office/powerpoint/2010/main" val="2692915650"/>
       </p:ext>
     </p:extLst>
   </p:cSld>
@@ -20124,6 +19131,13 @@
       </p:transition>
     </mc:Fallback>
   </mc:AlternateContent>
+  <p:timing>
+    <p:tnLst>
+      <p:par>
+        <p:cTn id="1" dur="indefinite" restart="never" nodeType="tmRoot"/>
+      </p:par>
+    </p:tnLst>
+  </p:timing>
 </p:sld>
 </file>
 
@@ -20146,27 +19160,17 @@
       </p:grpSpPr>
       <p:graphicFrame>
         <p:nvGraphicFramePr>
-          <p:cNvPr id="3" name="Gráfico 1">
-            <a:extLst>
-              <a:ext uri="{FF2B5EF4-FFF2-40B4-BE49-F238E27FC236}">
-                <a16:creationId xmlns="" xmlns:a16="http://schemas.microsoft.com/office/drawing/2014/main" id="{00000000-0008-0000-0300-000002000000}"/>
-              </a:ext>
-            </a:extLst>
-          </p:cNvPr>
+          <p:cNvPr id="4" name="Gráfico 3"/>
           <p:cNvGraphicFramePr>
             <a:graphicFrameLocks/>
           </p:cNvGraphicFramePr>
           <p:nvPr>
-            <p:extLst>
-              <p:ext uri="{D42A27DB-BD31-4B8C-83A1-F6EECF244321}">
-                <p14:modId xmlns:p14="http://schemas.microsoft.com/office/powerpoint/2010/main" val="443704344"/>
-              </p:ext>
-            </p:extLst>
+            <p:extLst/>
           </p:nvPr>
         </p:nvGraphicFramePr>
         <p:xfrm>
-          <a:off x="114301" y="171450"/>
-          <a:ext cx="11944350" cy="6414135"/>
+          <a:off x="0" y="0"/>
+          <a:ext cx="12192000" cy="6858000"/>
         </p:xfrm>
         <a:graphic>
           <a:graphicData uri="http://schemas.openxmlformats.org/drawingml/2006/chart">
@@ -20177,7 +19181,7 @@
     </p:spTree>
     <p:extLst>
       <p:ext uri="{BB962C8B-B14F-4D97-AF65-F5344CB8AC3E}">
-        <p14:creationId xmlns:p14="http://schemas.microsoft.com/office/powerpoint/2010/main" val="660522056"/>
+        <p14:creationId xmlns:p14="http://schemas.microsoft.com/office/powerpoint/2010/main" val="2949973020"/>
       </p:ext>
     </p:extLst>
   </p:cSld>
@@ -20196,6 +19200,13 @@
       </p:transition>
     </mc:Fallback>
   </mc:AlternateContent>
+  <p:timing>
+    <p:tnLst>
+      <p:par>
+        <p:cTn id="1" dur="indefinite" restart="never" nodeType="tmRoot"/>
+      </p:par>
+    </p:tnLst>
+  </p:timing>
 </p:sld>
 </file>
 
@@ -20386,7 +19397,7 @@
           <p:cNvPr id="4" name="Picture 3">
             <a:extLst>
               <a:ext uri="{FF2B5EF4-FFF2-40B4-BE49-F238E27FC236}">
-                <a16:creationId xmlns="" xmlns:a16="http://schemas.microsoft.com/office/drawing/2014/main" id="{4AB3E1D5-41C5-4969-A070-2CE3ADBCBB95}"/>
+                <a16:creationId xmlns:a16="http://schemas.microsoft.com/office/drawing/2014/main" xmlns="" id="{4AB3E1D5-41C5-4969-A070-2CE3ADBCBB95}"/>
               </a:ext>
             </a:extLst>
           </p:cNvPr>
@@ -20416,7 +19427,7 @@
           <p:cNvPr id="7" name="Picture 6">
             <a:extLst>
               <a:ext uri="{FF2B5EF4-FFF2-40B4-BE49-F238E27FC236}">
-                <a16:creationId xmlns="" xmlns:a16="http://schemas.microsoft.com/office/drawing/2014/main" id="{8D6F78DF-EF8B-49C7-8CC8-A515732BC408}"/>
+                <a16:creationId xmlns:a16="http://schemas.microsoft.com/office/drawing/2014/main" xmlns="" id="{8D6F78DF-EF8B-49C7-8CC8-A515732BC408}"/>
               </a:ext>
             </a:extLst>
           </p:cNvPr>
@@ -20446,7 +19457,7 @@
           <p:cNvPr id="3" name="Picture 2">
             <a:extLst>
               <a:ext uri="{FF2B5EF4-FFF2-40B4-BE49-F238E27FC236}">
-                <a16:creationId xmlns="" xmlns:a16="http://schemas.microsoft.com/office/drawing/2014/main" id="{B4399C38-6E07-41DC-8DEC-6BF8481CD6F3}"/>
+                <a16:creationId xmlns:a16="http://schemas.microsoft.com/office/drawing/2014/main" xmlns="" id="{B4399C38-6E07-41DC-8DEC-6BF8481CD6F3}"/>
               </a:ext>
             </a:extLst>
           </p:cNvPr>
@@ -20547,7 +19558,7 @@
           <p:cNvPr id="20" name="Picture 19">
             <a:extLst>
               <a:ext uri="{FF2B5EF4-FFF2-40B4-BE49-F238E27FC236}">
-                <a16:creationId xmlns="" xmlns:a16="http://schemas.microsoft.com/office/drawing/2014/main" id="{D999E9B1-B8C2-434C-909B-D3F261A963B5}"/>
+                <a16:creationId xmlns:a16="http://schemas.microsoft.com/office/drawing/2014/main" xmlns="" id="{D999E9B1-B8C2-434C-909B-D3F261A963B5}"/>
               </a:ext>
             </a:extLst>
           </p:cNvPr>
@@ -20577,7 +19588,7 @@
           <p:cNvPr id="22" name="Picture 21">
             <a:extLst>
               <a:ext uri="{FF2B5EF4-FFF2-40B4-BE49-F238E27FC236}">
-                <a16:creationId xmlns="" xmlns:a16="http://schemas.microsoft.com/office/drawing/2014/main" id="{6CA733AA-C9B8-4A5B-BEF1-A5026E9F4235}"/>
+                <a16:creationId xmlns:a16="http://schemas.microsoft.com/office/drawing/2014/main" xmlns="" id="{6CA733AA-C9B8-4A5B-BEF1-A5026E9F4235}"/>
               </a:ext>
             </a:extLst>
           </p:cNvPr>
@@ -20607,7 +19618,7 @@
           <p:cNvPr id="63" name="Picture 62">
             <a:extLst>
               <a:ext uri="{FF2B5EF4-FFF2-40B4-BE49-F238E27FC236}">
-                <a16:creationId xmlns="" xmlns:a16="http://schemas.microsoft.com/office/drawing/2014/main" id="{5B15DD52-47DC-4412-A2E6-A60F6687A2AA}"/>
+                <a16:creationId xmlns:a16="http://schemas.microsoft.com/office/drawing/2014/main" xmlns="" id="{5B15DD52-47DC-4412-A2E6-A60F6687A2AA}"/>
               </a:ext>
             </a:extLst>
           </p:cNvPr>
@@ -20643,7 +19654,7 @@
           <p:cNvPr id="106" name="Picture 105">
             <a:extLst>
               <a:ext uri="{FF2B5EF4-FFF2-40B4-BE49-F238E27FC236}">
-                <a16:creationId xmlns="" xmlns:a16="http://schemas.microsoft.com/office/drawing/2014/main" id="{14F6968E-F8BC-4C9E-8B85-4F59E9B70028}"/>
+                <a16:creationId xmlns:a16="http://schemas.microsoft.com/office/drawing/2014/main" xmlns="" id="{14F6968E-F8BC-4C9E-8B85-4F59E9B70028}"/>
               </a:ext>
             </a:extLst>
           </p:cNvPr>
@@ -20685,7 +19696,7 @@
           <p:cNvPr id="108" name="Picture 107">
             <a:extLst>
               <a:ext uri="{FF2B5EF4-FFF2-40B4-BE49-F238E27FC236}">
-                <a16:creationId xmlns="" xmlns:a16="http://schemas.microsoft.com/office/drawing/2014/main" id="{5460B74B-9C86-49B7-B438-C9D4D7DD6EF4}"/>
+                <a16:creationId xmlns:a16="http://schemas.microsoft.com/office/drawing/2014/main" xmlns="" id="{5460B74B-9C86-49B7-B438-C9D4D7DD6EF4}"/>
               </a:ext>
             </a:extLst>
           </p:cNvPr>
@@ -20727,7 +19738,7 @@
           <p:cNvPr id="126" name="Picture 125">
             <a:extLst>
               <a:ext uri="{FF2B5EF4-FFF2-40B4-BE49-F238E27FC236}">
-                <a16:creationId xmlns="" xmlns:a16="http://schemas.microsoft.com/office/drawing/2014/main" id="{2F2210B8-E2C2-4C34-B1D8-515E754290CB}"/>
+                <a16:creationId xmlns:a16="http://schemas.microsoft.com/office/drawing/2014/main" xmlns="" id="{2F2210B8-E2C2-4C34-B1D8-515E754290CB}"/>
               </a:ext>
             </a:extLst>
           </p:cNvPr>
@@ -20763,7 +19774,7 @@
           <p:cNvPr id="127" name="Callout: Bent Line 126">
             <a:extLst>
               <a:ext uri="{FF2B5EF4-FFF2-40B4-BE49-F238E27FC236}">
-                <a16:creationId xmlns="" xmlns:a16="http://schemas.microsoft.com/office/drawing/2014/main" id="{397CF055-B331-413D-B5BB-07280E8153FD}"/>
+                <a16:creationId xmlns:a16="http://schemas.microsoft.com/office/drawing/2014/main" xmlns="" id="{397CF055-B331-413D-B5BB-07280E8153FD}"/>
               </a:ext>
             </a:extLst>
           </p:cNvPr>
@@ -20826,7 +19837,7 @@
           <p:cNvPr id="130" name="Callout: Bent Line 129">
             <a:extLst>
               <a:ext uri="{FF2B5EF4-FFF2-40B4-BE49-F238E27FC236}">
-                <a16:creationId xmlns="" xmlns:a16="http://schemas.microsoft.com/office/drawing/2014/main" id="{96D68CA9-C290-42A1-A7D4-EE0D7EC09841}"/>
+                <a16:creationId xmlns:a16="http://schemas.microsoft.com/office/drawing/2014/main" xmlns="" id="{96D68CA9-C290-42A1-A7D4-EE0D7EC09841}"/>
               </a:ext>
             </a:extLst>
           </p:cNvPr>
@@ -20884,7 +19895,7 @@
           <p:cNvPr id="131" name="Callout: Bent Line 130">
             <a:extLst>
               <a:ext uri="{FF2B5EF4-FFF2-40B4-BE49-F238E27FC236}">
-                <a16:creationId xmlns="" xmlns:a16="http://schemas.microsoft.com/office/drawing/2014/main" id="{A802EC55-C5E1-49FD-A1D8-34D9EAFBC27C}"/>
+                <a16:creationId xmlns:a16="http://schemas.microsoft.com/office/drawing/2014/main" xmlns="" id="{A802EC55-C5E1-49FD-A1D8-34D9EAFBC27C}"/>
               </a:ext>
             </a:extLst>
           </p:cNvPr>
@@ -20946,7 +19957,7 @@
           <p:cNvPr id="133" name="Callout: Bent Line 132">
             <a:extLst>
               <a:ext uri="{FF2B5EF4-FFF2-40B4-BE49-F238E27FC236}">
-                <a16:creationId xmlns="" xmlns:a16="http://schemas.microsoft.com/office/drawing/2014/main" id="{494B9882-814D-47EA-BA74-F87861720779}"/>
+                <a16:creationId xmlns:a16="http://schemas.microsoft.com/office/drawing/2014/main" xmlns="" id="{494B9882-814D-47EA-BA74-F87861720779}"/>
               </a:ext>
             </a:extLst>
           </p:cNvPr>
@@ -21008,7 +20019,7 @@
           <p:cNvPr id="134" name="TextBox 133">
             <a:extLst>
               <a:ext uri="{FF2B5EF4-FFF2-40B4-BE49-F238E27FC236}">
-                <a16:creationId xmlns="" xmlns:a16="http://schemas.microsoft.com/office/drawing/2014/main" id="{D74BA1D6-760F-4BF0-B768-1F8E70ABD577}"/>
+                <a16:creationId xmlns:a16="http://schemas.microsoft.com/office/drawing/2014/main" xmlns="" id="{D74BA1D6-760F-4BF0-B768-1F8E70ABD577}"/>
               </a:ext>
             </a:extLst>
           </p:cNvPr>
@@ -21047,7 +20058,7 @@
           <p:cNvPr id="135" name="TextBox 134">
             <a:extLst>
               <a:ext uri="{FF2B5EF4-FFF2-40B4-BE49-F238E27FC236}">
-                <a16:creationId xmlns="" xmlns:a16="http://schemas.microsoft.com/office/drawing/2014/main" id="{75730175-D07F-45EB-8271-B044C4A63E00}"/>
+                <a16:creationId xmlns:a16="http://schemas.microsoft.com/office/drawing/2014/main" xmlns="" id="{75730175-D07F-45EB-8271-B044C4A63E00}"/>
               </a:ext>
             </a:extLst>
           </p:cNvPr>
@@ -21086,7 +20097,7 @@
           <p:cNvPr id="137" name="Callout: Bent Line 136">
             <a:extLst>
               <a:ext uri="{FF2B5EF4-FFF2-40B4-BE49-F238E27FC236}">
-                <a16:creationId xmlns="" xmlns:a16="http://schemas.microsoft.com/office/drawing/2014/main" id="{3C9663B5-0E20-499F-9430-0E655D044E15}"/>
+                <a16:creationId xmlns:a16="http://schemas.microsoft.com/office/drawing/2014/main" xmlns="" id="{3C9663B5-0E20-499F-9430-0E655D044E15}"/>
               </a:ext>
             </a:extLst>
           </p:cNvPr>
@@ -21148,7 +20159,7 @@
           <p:cNvPr id="48" name="Picture 47">
             <a:extLst>
               <a:ext uri="{FF2B5EF4-FFF2-40B4-BE49-F238E27FC236}">
-                <a16:creationId xmlns="" xmlns:a16="http://schemas.microsoft.com/office/drawing/2014/main" id="{970396B5-9118-42A9-904D-F72BD292492F}"/>
+                <a16:creationId xmlns:a16="http://schemas.microsoft.com/office/drawing/2014/main" xmlns="" id="{970396B5-9118-42A9-904D-F72BD292492F}"/>
               </a:ext>
             </a:extLst>
           </p:cNvPr>
@@ -21256,7 +20267,7 @@
           <p:cNvPr id="4" name="Picture 3">
             <a:extLst>
               <a:ext uri="{FF2B5EF4-FFF2-40B4-BE49-F238E27FC236}">
-                <a16:creationId xmlns="" xmlns:a16="http://schemas.microsoft.com/office/drawing/2014/main" id="{09B31EB0-88C9-4158-8CC2-885407DCC438}"/>
+                <a16:creationId xmlns:a16="http://schemas.microsoft.com/office/drawing/2014/main" xmlns="" id="{09B31EB0-88C9-4158-8CC2-885407DCC438}"/>
               </a:ext>
             </a:extLst>
           </p:cNvPr>
@@ -21292,7 +20303,7 @@
           <p:cNvPr id="12" name="Picture 11">
             <a:extLst>
               <a:ext uri="{FF2B5EF4-FFF2-40B4-BE49-F238E27FC236}">
-                <a16:creationId xmlns="" xmlns:a16="http://schemas.microsoft.com/office/drawing/2014/main" id="{8BBCB643-8A26-4D85-A775-0B7A868934BE}"/>
+                <a16:creationId xmlns:a16="http://schemas.microsoft.com/office/drawing/2014/main" xmlns="" id="{8BBCB643-8A26-4D85-A775-0B7A868934BE}"/>
               </a:ext>
             </a:extLst>
           </p:cNvPr>
@@ -21322,7 +20333,7 @@
           <p:cNvPr id="6" name="Speech Bubble: Rectangle with Corners Rounded 5">
             <a:extLst>
               <a:ext uri="{FF2B5EF4-FFF2-40B4-BE49-F238E27FC236}">
-                <a16:creationId xmlns="" xmlns:a16="http://schemas.microsoft.com/office/drawing/2014/main" id="{D5C8FBE0-8128-4C4E-A630-4581C1986965}"/>
+                <a16:creationId xmlns:a16="http://schemas.microsoft.com/office/drawing/2014/main" xmlns="" id="{D5C8FBE0-8128-4C4E-A630-4581C1986965}"/>
               </a:ext>
             </a:extLst>
           </p:cNvPr>
@@ -21373,7 +20384,7 @@
           <p:cNvPr id="13" name="Picture 12">
             <a:extLst>
               <a:ext uri="{FF2B5EF4-FFF2-40B4-BE49-F238E27FC236}">
-                <a16:creationId xmlns="" xmlns:a16="http://schemas.microsoft.com/office/drawing/2014/main" id="{2303C603-5685-42E3-8181-CEB4B850D0FD}"/>
+                <a16:creationId xmlns:a16="http://schemas.microsoft.com/office/drawing/2014/main" xmlns="" id="{2303C603-5685-42E3-8181-CEB4B850D0FD}"/>
               </a:ext>
             </a:extLst>
           </p:cNvPr>
@@ -21403,7 +20414,7 @@
           <p:cNvPr id="17" name="Speech Bubble: Rectangle with Corners Rounded 16">
             <a:extLst>
               <a:ext uri="{FF2B5EF4-FFF2-40B4-BE49-F238E27FC236}">
-                <a16:creationId xmlns="" xmlns:a16="http://schemas.microsoft.com/office/drawing/2014/main" id="{36BFF22C-8B6F-479C-9A8A-785260030205}"/>
+                <a16:creationId xmlns:a16="http://schemas.microsoft.com/office/drawing/2014/main" xmlns="" id="{36BFF22C-8B6F-479C-9A8A-785260030205}"/>
               </a:ext>
             </a:extLst>
           </p:cNvPr>
@@ -21454,7 +20465,7 @@
           <p:cNvPr id="16" name="TextBox 15">
             <a:extLst>
               <a:ext uri="{FF2B5EF4-FFF2-40B4-BE49-F238E27FC236}">
-                <a16:creationId xmlns="" xmlns:a16="http://schemas.microsoft.com/office/drawing/2014/main" id="{EF788542-589B-4D4F-B65A-ED8F88F99952}"/>
+                <a16:creationId xmlns:a16="http://schemas.microsoft.com/office/drawing/2014/main" xmlns="" id="{EF788542-589B-4D4F-B65A-ED8F88F99952}"/>
               </a:ext>
             </a:extLst>
           </p:cNvPr>
@@ -21510,7 +20521,7 @@
           <p:cNvPr id="7" name="TextBox 6">
             <a:extLst>
               <a:ext uri="{FF2B5EF4-FFF2-40B4-BE49-F238E27FC236}">
-                <a16:creationId xmlns="" xmlns:a16="http://schemas.microsoft.com/office/drawing/2014/main" id="{7B7DD44E-72F6-4785-B494-655ACE3CCE3D}"/>
+                <a16:creationId xmlns:a16="http://schemas.microsoft.com/office/drawing/2014/main" xmlns="" id="{7B7DD44E-72F6-4785-B494-655ACE3CCE3D}"/>
               </a:ext>
             </a:extLst>
           </p:cNvPr>
@@ -21563,7 +20574,7 @@
           <p:cNvPr id="19" name="Speech Bubble: Rectangle with Corners Rounded 18">
             <a:extLst>
               <a:ext uri="{FF2B5EF4-FFF2-40B4-BE49-F238E27FC236}">
-                <a16:creationId xmlns="" xmlns:a16="http://schemas.microsoft.com/office/drawing/2014/main" id="{866C2C8C-0C6C-417B-8EE9-78420CA3542B}"/>
+                <a16:creationId xmlns:a16="http://schemas.microsoft.com/office/drawing/2014/main" xmlns="" id="{866C2C8C-0C6C-417B-8EE9-78420CA3542B}"/>
               </a:ext>
             </a:extLst>
           </p:cNvPr>
@@ -21614,7 +20625,7 @@
           <p:cNvPr id="8" name="TextBox 7">
             <a:extLst>
               <a:ext uri="{FF2B5EF4-FFF2-40B4-BE49-F238E27FC236}">
-                <a16:creationId xmlns="" xmlns:a16="http://schemas.microsoft.com/office/drawing/2014/main" id="{E1997BCC-AC66-4279-A67A-C85CAC10E7F9}"/>
+                <a16:creationId xmlns:a16="http://schemas.microsoft.com/office/drawing/2014/main" xmlns="" id="{E1997BCC-AC66-4279-A67A-C85CAC10E7F9}"/>
               </a:ext>
             </a:extLst>
           </p:cNvPr>
@@ -21670,7 +20681,7 @@
           <p:cNvPr id="21" name="Speech Bubble: Rectangle with Corners Rounded 20">
             <a:extLst>
               <a:ext uri="{FF2B5EF4-FFF2-40B4-BE49-F238E27FC236}">
-                <a16:creationId xmlns="" xmlns:a16="http://schemas.microsoft.com/office/drawing/2014/main" id="{DD220F97-C522-4A0A-8410-A47E2F0DEDFF}"/>
+                <a16:creationId xmlns:a16="http://schemas.microsoft.com/office/drawing/2014/main" xmlns="" id="{DD220F97-C522-4A0A-8410-A47E2F0DEDFF}"/>
               </a:ext>
             </a:extLst>
           </p:cNvPr>
@@ -21721,7 +20732,7 @@
           <p:cNvPr id="10" name="TextBox 9">
             <a:extLst>
               <a:ext uri="{FF2B5EF4-FFF2-40B4-BE49-F238E27FC236}">
-                <a16:creationId xmlns="" xmlns:a16="http://schemas.microsoft.com/office/drawing/2014/main" id="{D7B58DCE-D84F-4A36-B35D-3526714DA155}"/>
+                <a16:creationId xmlns:a16="http://schemas.microsoft.com/office/drawing/2014/main" xmlns="" id="{D7B58DCE-D84F-4A36-B35D-3526714DA155}"/>
               </a:ext>
             </a:extLst>
           </p:cNvPr>
@@ -21769,7 +20780,7 @@
           <p:cNvPr id="14" name="Picture 13">
             <a:extLst>
               <a:ext uri="{FF2B5EF4-FFF2-40B4-BE49-F238E27FC236}">
-                <a16:creationId xmlns="" xmlns:a16="http://schemas.microsoft.com/office/drawing/2014/main" id="{DD1FBBBF-5DC7-4566-83B7-11724A262B7D}"/>
+                <a16:creationId xmlns:a16="http://schemas.microsoft.com/office/drawing/2014/main" xmlns="" id="{DD1FBBBF-5DC7-4566-83B7-11724A262B7D}"/>
               </a:ext>
             </a:extLst>
           </p:cNvPr>
@@ -21910,7 +20921,7 @@
           <p:cNvPr id="6" name="Picture 5">
             <a:extLst>
               <a:ext uri="{FF2B5EF4-FFF2-40B4-BE49-F238E27FC236}">
-                <a16:creationId xmlns="" xmlns:a16="http://schemas.microsoft.com/office/drawing/2014/main" id="{782A8D85-5ED8-43C3-BC0F-6BFC4EA00A62}"/>
+                <a16:creationId xmlns:a16="http://schemas.microsoft.com/office/drawing/2014/main" xmlns="" id="{782A8D85-5ED8-43C3-BC0F-6BFC4EA00A62}"/>
               </a:ext>
             </a:extLst>
           </p:cNvPr>
@@ -21946,7 +20957,7 @@
           <p:cNvPr id="10" name="Picture 9">
             <a:extLst>
               <a:ext uri="{FF2B5EF4-FFF2-40B4-BE49-F238E27FC236}">
-                <a16:creationId xmlns="" xmlns:a16="http://schemas.microsoft.com/office/drawing/2014/main" id="{04A40E3F-A2AD-48DC-BF4A-64A485748669}"/>
+                <a16:creationId xmlns:a16="http://schemas.microsoft.com/office/drawing/2014/main" xmlns="" id="{04A40E3F-A2AD-48DC-BF4A-64A485748669}"/>
               </a:ext>
             </a:extLst>
           </p:cNvPr>
@@ -21976,7 +20987,7 @@
           <p:cNvPr id="12" name="Picture 11">
             <a:extLst>
               <a:ext uri="{FF2B5EF4-FFF2-40B4-BE49-F238E27FC236}">
-                <a16:creationId xmlns="" xmlns:a16="http://schemas.microsoft.com/office/drawing/2014/main" id="{D33F12B3-A5FA-4F54-93AB-678A2A0D2DF2}"/>
+                <a16:creationId xmlns:a16="http://schemas.microsoft.com/office/drawing/2014/main" xmlns="" id="{D33F12B3-A5FA-4F54-93AB-678A2A0D2DF2}"/>
               </a:ext>
             </a:extLst>
           </p:cNvPr>
@@ -22008,7 +21019,7 @@
               <p:cNvPr id="13" name="TextBox 12">
                 <a:extLst>
                   <a:ext uri="{FF2B5EF4-FFF2-40B4-BE49-F238E27FC236}">
-                    <a16:creationId xmlns="" xmlns:a16="http://schemas.microsoft.com/office/drawing/2014/main" id="{B4966AAC-C7DE-4EAC-8440-706C54E5BE9B}"/>
+                    <a16:creationId xmlns:a16="http://schemas.microsoft.com/office/drawing/2014/main" xmlns="" id="{B4966AAC-C7DE-4EAC-8440-706C54E5BE9B}"/>
                   </a:ext>
                 </a:extLst>
               </p:cNvPr>
@@ -22282,7 +21293,7 @@
               <p:cNvPr id="15" name="TextBox 14">
                 <a:extLst>
                   <a:ext uri="{FF2B5EF4-FFF2-40B4-BE49-F238E27FC236}">
-                    <a16:creationId xmlns="" xmlns:a16="http://schemas.microsoft.com/office/drawing/2014/main" id="{370A66A4-B008-4BCF-8B8A-688563E19E48}"/>
+                    <a16:creationId xmlns:a16="http://schemas.microsoft.com/office/drawing/2014/main" xmlns="" id="{370A66A4-B008-4BCF-8B8A-688563E19E48}"/>
                   </a:ext>
                 </a:extLst>
               </p:cNvPr>
@@ -22605,7 +21616,7 @@
               <p:cNvPr id="16" name="TextBox 15">
                 <a:extLst>
                   <a:ext uri="{FF2B5EF4-FFF2-40B4-BE49-F238E27FC236}">
-                    <a16:creationId xmlns="" xmlns:a16="http://schemas.microsoft.com/office/drawing/2014/main" id="{9CA80DB1-7C6A-4B96-8FC5-0D3801EF5660}"/>
+                    <a16:creationId xmlns:a16="http://schemas.microsoft.com/office/drawing/2014/main" xmlns="" id="{9CA80DB1-7C6A-4B96-8FC5-0D3801EF5660}"/>
                   </a:ext>
                 </a:extLst>
               </p:cNvPr>
@@ -22849,7 +21860,7 @@
               <p:cNvPr id="17" name="TextBox 16">
                 <a:extLst>
                   <a:ext uri="{FF2B5EF4-FFF2-40B4-BE49-F238E27FC236}">
-                    <a16:creationId xmlns="" xmlns:a16="http://schemas.microsoft.com/office/drawing/2014/main" id="{5ED90BD9-546E-4CD3-93BE-10D2833E41BC}"/>
+                    <a16:creationId xmlns:a16="http://schemas.microsoft.com/office/drawing/2014/main" xmlns="" id="{5ED90BD9-546E-4CD3-93BE-10D2833E41BC}"/>
                   </a:ext>
                 </a:extLst>
               </p:cNvPr>
@@ -23093,7 +22104,7 @@
           <p:cNvPr id="19" name="Rectangle 18">
             <a:extLst>
               <a:ext uri="{FF2B5EF4-FFF2-40B4-BE49-F238E27FC236}">
-                <a16:creationId xmlns="" xmlns:a16="http://schemas.microsoft.com/office/drawing/2014/main" id="{B44EA830-46C1-44BE-A602-6A44AB9FC00D}"/>
+                <a16:creationId xmlns:a16="http://schemas.microsoft.com/office/drawing/2014/main" xmlns="" id="{B44EA830-46C1-44BE-A602-6A44AB9FC00D}"/>
               </a:ext>
             </a:extLst>
           </p:cNvPr>
@@ -23156,7 +22167,7 @@
               <p:cNvPr id="18" name="TextBox 17">
                 <a:extLst>
                   <a:ext uri="{FF2B5EF4-FFF2-40B4-BE49-F238E27FC236}">
-                    <a16:creationId xmlns="" xmlns:a16="http://schemas.microsoft.com/office/drawing/2014/main" id="{3418578F-786F-400C-954C-DB4CD28CB555}"/>
+                    <a16:creationId xmlns:a16="http://schemas.microsoft.com/office/drawing/2014/main" xmlns="" id="{3418578F-786F-400C-954C-DB4CD28CB555}"/>
                   </a:ext>
                 </a:extLst>
               </p:cNvPr>
@@ -23284,7 +22295,7 @@
           <p:cNvPr id="21" name="Rectangle 20">
             <a:extLst>
               <a:ext uri="{FF2B5EF4-FFF2-40B4-BE49-F238E27FC236}">
-                <a16:creationId xmlns="" xmlns:a16="http://schemas.microsoft.com/office/drawing/2014/main" id="{351BAECD-40B7-4D81-A0AE-E80772DDED46}"/>
+                <a16:creationId xmlns:a16="http://schemas.microsoft.com/office/drawing/2014/main" xmlns="" id="{351BAECD-40B7-4D81-A0AE-E80772DDED46}"/>
               </a:ext>
             </a:extLst>
           </p:cNvPr>
@@ -23345,7 +22356,7 @@
           <p:cNvPr id="22" name="Rectangle 21">
             <a:extLst>
               <a:ext uri="{FF2B5EF4-FFF2-40B4-BE49-F238E27FC236}">
-                <a16:creationId xmlns="" xmlns:a16="http://schemas.microsoft.com/office/drawing/2014/main" id="{B8926D9D-C051-41E4-BB0E-A3D001131A4D}"/>
+                <a16:creationId xmlns:a16="http://schemas.microsoft.com/office/drawing/2014/main" xmlns="" id="{B8926D9D-C051-41E4-BB0E-A3D001131A4D}"/>
               </a:ext>
             </a:extLst>
           </p:cNvPr>
@@ -23408,7 +22419,7 @@
               <p:cNvPr id="20" name="TextBox 19">
                 <a:extLst>
                   <a:ext uri="{FF2B5EF4-FFF2-40B4-BE49-F238E27FC236}">
-                    <a16:creationId xmlns="" xmlns:a16="http://schemas.microsoft.com/office/drawing/2014/main" id="{C632BA72-1FAD-4BBB-BE68-45268DED4DF5}"/>
+                    <a16:creationId xmlns:a16="http://schemas.microsoft.com/office/drawing/2014/main" xmlns="" id="{C632BA72-1FAD-4BBB-BE68-45268DED4DF5}"/>
                   </a:ext>
                 </a:extLst>
               </p:cNvPr>
@@ -23572,7 +22583,7 @@
           <p:cNvPr id="24" name="Rectangle 23">
             <a:extLst>
               <a:ext uri="{FF2B5EF4-FFF2-40B4-BE49-F238E27FC236}">
-                <a16:creationId xmlns="" xmlns:a16="http://schemas.microsoft.com/office/drawing/2014/main" id="{EF78FFFB-757F-4F2C-B5BC-8FBCAE428F0A}"/>
+                <a16:creationId xmlns:a16="http://schemas.microsoft.com/office/drawing/2014/main" xmlns="" id="{EF78FFFB-757F-4F2C-B5BC-8FBCAE428F0A}"/>
               </a:ext>
             </a:extLst>
           </p:cNvPr>
@@ -23635,7 +22646,7 @@
               <p:cNvPr id="23" name="TextBox 22">
                 <a:extLst>
                   <a:ext uri="{FF2B5EF4-FFF2-40B4-BE49-F238E27FC236}">
-                    <a16:creationId xmlns="" xmlns:a16="http://schemas.microsoft.com/office/drawing/2014/main" id="{7CBF62CC-10DC-45E3-89A6-5DB457CE75DD}"/>
+                    <a16:creationId xmlns:a16="http://schemas.microsoft.com/office/drawing/2014/main" xmlns="" id="{7CBF62CC-10DC-45E3-89A6-5DB457CE75DD}"/>
                   </a:ext>
                 </a:extLst>
               </p:cNvPr>
@@ -23756,7 +22767,7 @@
               <p:cNvPr id="25" name="TextBox 24">
                 <a:extLst>
                   <a:ext uri="{FF2B5EF4-FFF2-40B4-BE49-F238E27FC236}">
-                    <a16:creationId xmlns="" xmlns:a16="http://schemas.microsoft.com/office/drawing/2014/main" id="{E3EDA271-5D49-48B9-8197-719E2BCA1C06}"/>
+                    <a16:creationId xmlns:a16="http://schemas.microsoft.com/office/drawing/2014/main" xmlns="" id="{E3EDA271-5D49-48B9-8197-719E2BCA1C06}"/>
                   </a:ext>
                 </a:extLst>
               </p:cNvPr>
@@ -23984,7 +22995,7 @@
           <p:cNvPr id="3" name="Picture 2">
             <a:extLst>
               <a:ext uri="{FF2B5EF4-FFF2-40B4-BE49-F238E27FC236}">
-                <a16:creationId xmlns="" xmlns:a16="http://schemas.microsoft.com/office/drawing/2014/main" id="{304C4AEC-90B4-4651-8EA9-586BBBC71D25}"/>
+                <a16:creationId xmlns:a16="http://schemas.microsoft.com/office/drawing/2014/main" xmlns="" id="{304C4AEC-90B4-4651-8EA9-586BBBC71D25}"/>
               </a:ext>
             </a:extLst>
           </p:cNvPr>
@@ -24014,7 +23025,7 @@
           <p:cNvPr id="4" name="Picture 3">
             <a:extLst>
               <a:ext uri="{FF2B5EF4-FFF2-40B4-BE49-F238E27FC236}">
-                <a16:creationId xmlns="" xmlns:a16="http://schemas.microsoft.com/office/drawing/2014/main" id="{38E9B1B2-2E5C-4EFA-9637-B588F04E1B79}"/>
+                <a16:creationId xmlns:a16="http://schemas.microsoft.com/office/drawing/2014/main" xmlns="" id="{38E9B1B2-2E5C-4EFA-9637-B588F04E1B79}"/>
               </a:ext>
             </a:extLst>
           </p:cNvPr>
@@ -24759,7 +23770,7 @@
           <p:cNvPr id="3" name="Picture 2">
             <a:extLst>
               <a:ext uri="{FF2B5EF4-FFF2-40B4-BE49-F238E27FC236}">
-                <a16:creationId xmlns="" xmlns:a16="http://schemas.microsoft.com/office/drawing/2014/main" id="{304C4AEC-90B4-4651-8EA9-586BBBC71D25}"/>
+                <a16:creationId xmlns:a16="http://schemas.microsoft.com/office/drawing/2014/main" xmlns="" id="{304C4AEC-90B4-4651-8EA9-586BBBC71D25}"/>
               </a:ext>
             </a:extLst>
           </p:cNvPr>
@@ -24789,7 +23800,7 @@
           <p:cNvPr id="4" name="Picture 3">
             <a:extLst>
               <a:ext uri="{FF2B5EF4-FFF2-40B4-BE49-F238E27FC236}">
-                <a16:creationId xmlns="" xmlns:a16="http://schemas.microsoft.com/office/drawing/2014/main" id="{38E9B1B2-2E5C-4EFA-9637-B588F04E1B79}"/>
+                <a16:creationId xmlns:a16="http://schemas.microsoft.com/office/drawing/2014/main" xmlns="" id="{38E9B1B2-2E5C-4EFA-9637-B588F04E1B79}"/>
               </a:ext>
             </a:extLst>
           </p:cNvPr>
@@ -25191,15 +24202,7 @@
                   <a:schemeClr val="tx2"/>
                 </a:solidFill>
               </a:rPr>
-              <a:t> </a:t>
-            </a:r>
-            <a:r>
-              <a:rPr lang="en-US" i="1" dirty="0" smtClean="0">
-                <a:solidFill>
-                  <a:schemeClr val="tx2"/>
-                </a:solidFill>
-              </a:rPr>
-              <a:t>/ </a:t>
+              <a:t> / </a:t>
             </a:r>
             <a:r>
               <a:rPr lang="en-US" dirty="0" err="1" smtClean="0">
@@ -25223,15 +24226,7 @@
                   <a:schemeClr val="tx2"/>
                 </a:solidFill>
               </a:rPr>
-              <a:t> </a:t>
-            </a:r>
-            <a:r>
-              <a:rPr lang="en-US" b="1" dirty="0" smtClean="0">
-                <a:solidFill>
-                  <a:schemeClr val="tx2"/>
-                </a:solidFill>
-              </a:rPr>
-              <a:t>DESC</a:t>
+              <a:t> DESC</a:t>
             </a:r>
           </a:p>
           <a:p>
@@ -25669,7 +24664,7 @@
           <p:cNvPr id="3" name="Picture 2">
             <a:extLst>
               <a:ext uri="{FF2B5EF4-FFF2-40B4-BE49-F238E27FC236}">
-                <a16:creationId xmlns="" xmlns:a16="http://schemas.microsoft.com/office/drawing/2014/main" id="{304C4AEC-90B4-4651-8EA9-586BBBC71D25}"/>
+                <a16:creationId xmlns:a16="http://schemas.microsoft.com/office/drawing/2014/main" xmlns="" id="{304C4AEC-90B4-4651-8EA9-586BBBC71D25}"/>
               </a:ext>
             </a:extLst>
           </p:cNvPr>
@@ -25699,7 +24694,7 @@
           <p:cNvPr id="4" name="Picture 3">
             <a:extLst>
               <a:ext uri="{FF2B5EF4-FFF2-40B4-BE49-F238E27FC236}">
-                <a16:creationId xmlns="" xmlns:a16="http://schemas.microsoft.com/office/drawing/2014/main" id="{38E9B1B2-2E5C-4EFA-9637-B588F04E1B79}"/>
+                <a16:creationId xmlns:a16="http://schemas.microsoft.com/office/drawing/2014/main" xmlns="" id="{38E9B1B2-2E5C-4EFA-9637-B588F04E1B79}"/>
               </a:ext>
             </a:extLst>
           </p:cNvPr>
@@ -27482,7 +26477,7 @@
           <p:cNvPr id="3" name="Picture 2">
             <a:extLst>
               <a:ext uri="{FF2B5EF4-FFF2-40B4-BE49-F238E27FC236}">
-                <a16:creationId xmlns="" xmlns:a16="http://schemas.microsoft.com/office/drawing/2014/main" id="{304C4AEC-90B4-4651-8EA9-586BBBC71D25}"/>
+                <a16:creationId xmlns:a16="http://schemas.microsoft.com/office/drawing/2014/main" xmlns="" id="{304C4AEC-90B4-4651-8EA9-586BBBC71D25}"/>
               </a:ext>
             </a:extLst>
           </p:cNvPr>
@@ -27512,7 +26507,7 @@
           <p:cNvPr id="4" name="Picture 3">
             <a:extLst>
               <a:ext uri="{FF2B5EF4-FFF2-40B4-BE49-F238E27FC236}">
-                <a16:creationId xmlns="" xmlns:a16="http://schemas.microsoft.com/office/drawing/2014/main" id="{38E9B1B2-2E5C-4EFA-9637-B588F04E1B79}"/>
+                <a16:creationId xmlns:a16="http://schemas.microsoft.com/office/drawing/2014/main" xmlns="" id="{38E9B1B2-2E5C-4EFA-9637-B588F04E1B79}"/>
               </a:ext>
             </a:extLst>
           </p:cNvPr>
@@ -28033,15 +27028,7 @@
                   <a:schemeClr val="tx2"/>
                 </a:solidFill>
               </a:rPr>
-              <a:t> </a:t>
-            </a:r>
-            <a:r>
-              <a:rPr lang="en-US" sz="3200" dirty="0">
-                <a:solidFill>
-                  <a:schemeClr val="tx2"/>
-                </a:solidFill>
-              </a:rPr>
-              <a:t>and </a:t>
+              <a:t> and </a:t>
             </a:r>
             <a:r>
               <a:rPr lang="en-US" sz="3200" dirty="0" err="1">
@@ -28107,13 +27094,13 @@
   <p:clrMapOvr>
     <a:masterClrMapping/>
   </p:clrMapOvr>
-  <mc:AlternateContent xmlns:mc="http://schemas.openxmlformats.org/markup-compatibility/2006">
-    <mc:Choice xmlns:p14="http://schemas.microsoft.com/office/powerpoint/2010/main" Requires="p14">
+  <mc:AlternateContent xmlns:mc="http://schemas.openxmlformats.org/markup-compatibility/2006" xmlns:p14="http://schemas.microsoft.com/office/powerpoint/2010/main">
+    <mc:Choice Requires="p14">
       <p:transition spd="med" p14:dur="700">
         <p:fade/>
       </p:transition>
     </mc:Choice>
-    <mc:Fallback>
+    <mc:Fallback xmlns="">
       <p:transition spd="med">
         <p:fade/>
       </p:transition>
@@ -28876,13 +27863,1642 @@
 </a:theme>
 </file>
 
+<file path=ppt/theme/themeOverride1.xml><?xml version="1.0" encoding="utf-8"?>
+<a:themeOverride xmlns:a="http://schemas.openxmlformats.org/drawingml/2006/main">
+  <a:clrScheme name="Office">
+    <a:dk1>
+      <a:sysClr val="windowText" lastClr="000000"/>
+    </a:dk1>
+    <a:lt1>
+      <a:sysClr val="window" lastClr="FFFFFF"/>
+    </a:lt1>
+    <a:dk2>
+      <a:srgbClr val="44546A"/>
+    </a:dk2>
+    <a:lt2>
+      <a:srgbClr val="E7E6E6"/>
+    </a:lt2>
+    <a:accent1>
+      <a:srgbClr val="5B9BD5"/>
+    </a:accent1>
+    <a:accent2>
+      <a:srgbClr val="ED7D31"/>
+    </a:accent2>
+    <a:accent3>
+      <a:srgbClr val="A5A5A5"/>
+    </a:accent3>
+    <a:accent4>
+      <a:srgbClr val="FFC000"/>
+    </a:accent4>
+    <a:accent5>
+      <a:srgbClr val="4472C4"/>
+    </a:accent5>
+    <a:accent6>
+      <a:srgbClr val="70AD47"/>
+    </a:accent6>
+    <a:hlink>
+      <a:srgbClr val="0563C1"/>
+    </a:hlink>
+    <a:folHlink>
+      <a:srgbClr val="954F72"/>
+    </a:folHlink>
+  </a:clrScheme>
+  <a:fontScheme name="Office">
+    <a:majorFont>
+      <a:latin typeface="Calibri Light" panose="020F0302020204030204"/>
+      <a:ea typeface=""/>
+      <a:cs typeface=""/>
+      <a:font script="Jpan" typeface="ＭＳ Ｐゴシック"/>
+      <a:font script="Hang" typeface="맑은 고딕"/>
+      <a:font script="Hans" typeface="宋体"/>
+      <a:font script="Hant" typeface="新細明體"/>
+      <a:font script="Arab" typeface="Times New Roman"/>
+      <a:font script="Hebr" typeface="Times New Roman"/>
+      <a:font script="Thai" typeface="Tahoma"/>
+      <a:font script="Ethi" typeface="Nyala"/>
+      <a:font script="Beng" typeface="Vrinda"/>
+      <a:font script="Gujr" typeface="Shruti"/>
+      <a:font script="Khmr" typeface="MoolBoran"/>
+      <a:font script="Knda" typeface="Tunga"/>
+      <a:font script="Guru" typeface="Raavi"/>
+      <a:font script="Cans" typeface="Euphemia"/>
+      <a:font script="Cher" typeface="Plantagenet Cherokee"/>
+      <a:font script="Yiii" typeface="Microsoft Yi Baiti"/>
+      <a:font script="Tibt" typeface="Microsoft Himalaya"/>
+      <a:font script="Thaa" typeface="MV Boli"/>
+      <a:font script="Deva" typeface="Mangal"/>
+      <a:font script="Telu" typeface="Gautami"/>
+      <a:font script="Taml" typeface="Latha"/>
+      <a:font script="Syrc" typeface="Estrangelo Edessa"/>
+      <a:font script="Orya" typeface="Kalinga"/>
+      <a:font script="Mlym" typeface="Kartika"/>
+      <a:font script="Laoo" typeface="DokChampa"/>
+      <a:font script="Sinh" typeface="Iskoola Pota"/>
+      <a:font script="Mong" typeface="Mongolian Baiti"/>
+      <a:font script="Viet" typeface="Times New Roman"/>
+      <a:font script="Uigh" typeface="Microsoft Uighur"/>
+      <a:font script="Geor" typeface="Sylfaen"/>
+    </a:majorFont>
+    <a:minorFont>
+      <a:latin typeface="Calibri" panose="020F0502020204030204"/>
+      <a:ea typeface=""/>
+      <a:cs typeface=""/>
+      <a:font script="Jpan" typeface="ＭＳ Ｐゴシック"/>
+      <a:font script="Hang" typeface="맑은 고딕"/>
+      <a:font script="Hans" typeface="宋体"/>
+      <a:font script="Hant" typeface="新細明體"/>
+      <a:font script="Arab" typeface="Arial"/>
+      <a:font script="Hebr" typeface="Arial"/>
+      <a:font script="Thai" typeface="Tahoma"/>
+      <a:font script="Ethi" typeface="Nyala"/>
+      <a:font script="Beng" typeface="Vrinda"/>
+      <a:font script="Gujr" typeface="Shruti"/>
+      <a:font script="Khmr" typeface="DaunPenh"/>
+      <a:font script="Knda" typeface="Tunga"/>
+      <a:font script="Guru" typeface="Raavi"/>
+      <a:font script="Cans" typeface="Euphemia"/>
+      <a:font script="Cher" typeface="Plantagenet Cherokee"/>
+      <a:font script="Yiii" typeface="Microsoft Yi Baiti"/>
+      <a:font script="Tibt" typeface="Microsoft Himalaya"/>
+      <a:font script="Thaa" typeface="MV Boli"/>
+      <a:font script="Deva" typeface="Mangal"/>
+      <a:font script="Telu" typeface="Gautami"/>
+      <a:font script="Taml" typeface="Latha"/>
+      <a:font script="Syrc" typeface="Estrangelo Edessa"/>
+      <a:font script="Orya" typeface="Kalinga"/>
+      <a:font script="Mlym" typeface="Kartika"/>
+      <a:font script="Laoo" typeface="DokChampa"/>
+      <a:font script="Sinh" typeface="Iskoola Pota"/>
+      <a:font script="Mong" typeface="Mongolian Baiti"/>
+      <a:font script="Viet" typeface="Arial"/>
+      <a:font script="Uigh" typeface="Microsoft Uighur"/>
+      <a:font script="Geor" typeface="Sylfaen"/>
+    </a:minorFont>
+  </a:fontScheme>
+  <a:fmtScheme name="Office">
+    <a:fillStyleLst>
+      <a:solidFill>
+        <a:schemeClr val="phClr"/>
+      </a:solidFill>
+      <a:gradFill rotWithShape="1">
+        <a:gsLst>
+          <a:gs pos="0">
+            <a:schemeClr val="phClr">
+              <a:lumMod val="110000"/>
+              <a:satMod val="105000"/>
+              <a:tint val="67000"/>
+            </a:schemeClr>
+          </a:gs>
+          <a:gs pos="50000">
+            <a:schemeClr val="phClr">
+              <a:lumMod val="105000"/>
+              <a:satMod val="103000"/>
+              <a:tint val="73000"/>
+            </a:schemeClr>
+          </a:gs>
+          <a:gs pos="100000">
+            <a:schemeClr val="phClr">
+              <a:lumMod val="105000"/>
+              <a:satMod val="109000"/>
+              <a:tint val="81000"/>
+            </a:schemeClr>
+          </a:gs>
+        </a:gsLst>
+        <a:lin ang="5400000" scaled="0"/>
+      </a:gradFill>
+      <a:gradFill rotWithShape="1">
+        <a:gsLst>
+          <a:gs pos="0">
+            <a:schemeClr val="phClr">
+              <a:satMod val="103000"/>
+              <a:lumMod val="102000"/>
+              <a:tint val="94000"/>
+            </a:schemeClr>
+          </a:gs>
+          <a:gs pos="50000">
+            <a:schemeClr val="phClr">
+              <a:satMod val="110000"/>
+              <a:lumMod val="100000"/>
+              <a:shade val="100000"/>
+            </a:schemeClr>
+          </a:gs>
+          <a:gs pos="100000">
+            <a:schemeClr val="phClr">
+              <a:lumMod val="99000"/>
+              <a:satMod val="120000"/>
+              <a:shade val="78000"/>
+            </a:schemeClr>
+          </a:gs>
+        </a:gsLst>
+        <a:lin ang="5400000" scaled="0"/>
+      </a:gradFill>
+    </a:fillStyleLst>
+    <a:lnStyleLst>
+      <a:ln w="6350" cap="flat" cmpd="sng" algn="ctr">
+        <a:solidFill>
+          <a:schemeClr val="phClr"/>
+        </a:solidFill>
+        <a:prstDash val="solid"/>
+        <a:miter lim="800000"/>
+      </a:ln>
+      <a:ln w="12700" cap="flat" cmpd="sng" algn="ctr">
+        <a:solidFill>
+          <a:schemeClr val="phClr"/>
+        </a:solidFill>
+        <a:prstDash val="solid"/>
+        <a:miter lim="800000"/>
+      </a:ln>
+      <a:ln w="19050" cap="flat" cmpd="sng" algn="ctr">
+        <a:solidFill>
+          <a:schemeClr val="phClr"/>
+        </a:solidFill>
+        <a:prstDash val="solid"/>
+        <a:miter lim="800000"/>
+      </a:ln>
+    </a:lnStyleLst>
+    <a:effectStyleLst>
+      <a:effectStyle>
+        <a:effectLst/>
+      </a:effectStyle>
+      <a:effectStyle>
+        <a:effectLst/>
+      </a:effectStyle>
+      <a:effectStyle>
+        <a:effectLst>
+          <a:outerShdw blurRad="57150" dist="19050" dir="5400000" algn="ctr" rotWithShape="0">
+            <a:srgbClr val="000000">
+              <a:alpha val="63000"/>
+            </a:srgbClr>
+          </a:outerShdw>
+        </a:effectLst>
+      </a:effectStyle>
+    </a:effectStyleLst>
+    <a:bgFillStyleLst>
+      <a:solidFill>
+        <a:schemeClr val="phClr"/>
+      </a:solidFill>
+      <a:solidFill>
+        <a:schemeClr val="phClr">
+          <a:tint val="95000"/>
+          <a:satMod val="170000"/>
+        </a:schemeClr>
+      </a:solidFill>
+      <a:gradFill rotWithShape="1">
+        <a:gsLst>
+          <a:gs pos="0">
+            <a:schemeClr val="phClr">
+              <a:tint val="93000"/>
+              <a:satMod val="150000"/>
+              <a:shade val="98000"/>
+              <a:lumMod val="102000"/>
+            </a:schemeClr>
+          </a:gs>
+          <a:gs pos="50000">
+            <a:schemeClr val="phClr">
+              <a:tint val="98000"/>
+              <a:satMod val="130000"/>
+              <a:shade val="90000"/>
+              <a:lumMod val="103000"/>
+            </a:schemeClr>
+          </a:gs>
+          <a:gs pos="100000">
+            <a:schemeClr val="phClr">
+              <a:shade val="63000"/>
+              <a:satMod val="120000"/>
+            </a:schemeClr>
+          </a:gs>
+        </a:gsLst>
+        <a:lin ang="5400000" scaled="0"/>
+      </a:gradFill>
+    </a:bgFillStyleLst>
+  </a:fmtScheme>
+</a:themeOverride>
+</file>
+
+<file path=ppt/theme/themeOverride2.xml><?xml version="1.0" encoding="utf-8"?>
+<a:themeOverride xmlns:a="http://schemas.openxmlformats.org/drawingml/2006/main">
+  <a:clrScheme name="Office">
+    <a:dk1>
+      <a:sysClr val="windowText" lastClr="000000"/>
+    </a:dk1>
+    <a:lt1>
+      <a:sysClr val="window" lastClr="FFFFFF"/>
+    </a:lt1>
+    <a:dk2>
+      <a:srgbClr val="44546A"/>
+    </a:dk2>
+    <a:lt2>
+      <a:srgbClr val="E7E6E6"/>
+    </a:lt2>
+    <a:accent1>
+      <a:srgbClr val="5B9BD5"/>
+    </a:accent1>
+    <a:accent2>
+      <a:srgbClr val="ED7D31"/>
+    </a:accent2>
+    <a:accent3>
+      <a:srgbClr val="A5A5A5"/>
+    </a:accent3>
+    <a:accent4>
+      <a:srgbClr val="FFC000"/>
+    </a:accent4>
+    <a:accent5>
+      <a:srgbClr val="4472C4"/>
+    </a:accent5>
+    <a:accent6>
+      <a:srgbClr val="70AD47"/>
+    </a:accent6>
+    <a:hlink>
+      <a:srgbClr val="0563C1"/>
+    </a:hlink>
+    <a:folHlink>
+      <a:srgbClr val="954F72"/>
+    </a:folHlink>
+  </a:clrScheme>
+  <a:fontScheme name="Office">
+    <a:majorFont>
+      <a:latin typeface="Calibri Light" panose="020F0302020204030204"/>
+      <a:ea typeface=""/>
+      <a:cs typeface=""/>
+      <a:font script="Jpan" typeface="ＭＳ Ｐゴシック"/>
+      <a:font script="Hang" typeface="맑은 고딕"/>
+      <a:font script="Hans" typeface="宋体"/>
+      <a:font script="Hant" typeface="新細明體"/>
+      <a:font script="Arab" typeface="Times New Roman"/>
+      <a:font script="Hebr" typeface="Times New Roman"/>
+      <a:font script="Thai" typeface="Tahoma"/>
+      <a:font script="Ethi" typeface="Nyala"/>
+      <a:font script="Beng" typeface="Vrinda"/>
+      <a:font script="Gujr" typeface="Shruti"/>
+      <a:font script="Khmr" typeface="MoolBoran"/>
+      <a:font script="Knda" typeface="Tunga"/>
+      <a:font script="Guru" typeface="Raavi"/>
+      <a:font script="Cans" typeface="Euphemia"/>
+      <a:font script="Cher" typeface="Plantagenet Cherokee"/>
+      <a:font script="Yiii" typeface="Microsoft Yi Baiti"/>
+      <a:font script="Tibt" typeface="Microsoft Himalaya"/>
+      <a:font script="Thaa" typeface="MV Boli"/>
+      <a:font script="Deva" typeface="Mangal"/>
+      <a:font script="Telu" typeface="Gautami"/>
+      <a:font script="Taml" typeface="Latha"/>
+      <a:font script="Syrc" typeface="Estrangelo Edessa"/>
+      <a:font script="Orya" typeface="Kalinga"/>
+      <a:font script="Mlym" typeface="Kartika"/>
+      <a:font script="Laoo" typeface="DokChampa"/>
+      <a:font script="Sinh" typeface="Iskoola Pota"/>
+      <a:font script="Mong" typeface="Mongolian Baiti"/>
+      <a:font script="Viet" typeface="Times New Roman"/>
+      <a:font script="Uigh" typeface="Microsoft Uighur"/>
+      <a:font script="Geor" typeface="Sylfaen"/>
+    </a:majorFont>
+    <a:minorFont>
+      <a:latin typeface="Calibri" panose="020F0502020204030204"/>
+      <a:ea typeface=""/>
+      <a:cs typeface=""/>
+      <a:font script="Jpan" typeface="ＭＳ Ｐゴシック"/>
+      <a:font script="Hang" typeface="맑은 고딕"/>
+      <a:font script="Hans" typeface="宋体"/>
+      <a:font script="Hant" typeface="新細明體"/>
+      <a:font script="Arab" typeface="Arial"/>
+      <a:font script="Hebr" typeface="Arial"/>
+      <a:font script="Thai" typeface="Tahoma"/>
+      <a:font script="Ethi" typeface="Nyala"/>
+      <a:font script="Beng" typeface="Vrinda"/>
+      <a:font script="Gujr" typeface="Shruti"/>
+      <a:font script="Khmr" typeface="DaunPenh"/>
+      <a:font script="Knda" typeface="Tunga"/>
+      <a:font script="Guru" typeface="Raavi"/>
+      <a:font script="Cans" typeface="Euphemia"/>
+      <a:font script="Cher" typeface="Plantagenet Cherokee"/>
+      <a:font script="Yiii" typeface="Microsoft Yi Baiti"/>
+      <a:font script="Tibt" typeface="Microsoft Himalaya"/>
+      <a:font script="Thaa" typeface="MV Boli"/>
+      <a:font script="Deva" typeface="Mangal"/>
+      <a:font script="Telu" typeface="Gautami"/>
+      <a:font script="Taml" typeface="Latha"/>
+      <a:font script="Syrc" typeface="Estrangelo Edessa"/>
+      <a:font script="Orya" typeface="Kalinga"/>
+      <a:font script="Mlym" typeface="Kartika"/>
+      <a:font script="Laoo" typeface="DokChampa"/>
+      <a:font script="Sinh" typeface="Iskoola Pota"/>
+      <a:font script="Mong" typeface="Mongolian Baiti"/>
+      <a:font script="Viet" typeface="Arial"/>
+      <a:font script="Uigh" typeface="Microsoft Uighur"/>
+      <a:font script="Geor" typeface="Sylfaen"/>
+    </a:minorFont>
+  </a:fontScheme>
+  <a:fmtScheme name="Office">
+    <a:fillStyleLst>
+      <a:solidFill>
+        <a:schemeClr val="phClr"/>
+      </a:solidFill>
+      <a:gradFill rotWithShape="1">
+        <a:gsLst>
+          <a:gs pos="0">
+            <a:schemeClr val="phClr">
+              <a:lumMod val="110000"/>
+              <a:satMod val="105000"/>
+              <a:tint val="67000"/>
+            </a:schemeClr>
+          </a:gs>
+          <a:gs pos="50000">
+            <a:schemeClr val="phClr">
+              <a:lumMod val="105000"/>
+              <a:satMod val="103000"/>
+              <a:tint val="73000"/>
+            </a:schemeClr>
+          </a:gs>
+          <a:gs pos="100000">
+            <a:schemeClr val="phClr">
+              <a:lumMod val="105000"/>
+              <a:satMod val="109000"/>
+              <a:tint val="81000"/>
+            </a:schemeClr>
+          </a:gs>
+        </a:gsLst>
+        <a:lin ang="5400000" scaled="0"/>
+      </a:gradFill>
+      <a:gradFill rotWithShape="1">
+        <a:gsLst>
+          <a:gs pos="0">
+            <a:schemeClr val="phClr">
+              <a:satMod val="103000"/>
+              <a:lumMod val="102000"/>
+              <a:tint val="94000"/>
+            </a:schemeClr>
+          </a:gs>
+          <a:gs pos="50000">
+            <a:schemeClr val="phClr">
+              <a:satMod val="110000"/>
+              <a:lumMod val="100000"/>
+              <a:shade val="100000"/>
+            </a:schemeClr>
+          </a:gs>
+          <a:gs pos="100000">
+            <a:schemeClr val="phClr">
+              <a:lumMod val="99000"/>
+              <a:satMod val="120000"/>
+              <a:shade val="78000"/>
+            </a:schemeClr>
+          </a:gs>
+        </a:gsLst>
+        <a:lin ang="5400000" scaled="0"/>
+      </a:gradFill>
+    </a:fillStyleLst>
+    <a:lnStyleLst>
+      <a:ln w="6350" cap="flat" cmpd="sng" algn="ctr">
+        <a:solidFill>
+          <a:schemeClr val="phClr"/>
+        </a:solidFill>
+        <a:prstDash val="solid"/>
+        <a:miter lim="800000"/>
+      </a:ln>
+      <a:ln w="12700" cap="flat" cmpd="sng" algn="ctr">
+        <a:solidFill>
+          <a:schemeClr val="phClr"/>
+        </a:solidFill>
+        <a:prstDash val="solid"/>
+        <a:miter lim="800000"/>
+      </a:ln>
+      <a:ln w="19050" cap="flat" cmpd="sng" algn="ctr">
+        <a:solidFill>
+          <a:schemeClr val="phClr"/>
+        </a:solidFill>
+        <a:prstDash val="solid"/>
+        <a:miter lim="800000"/>
+      </a:ln>
+    </a:lnStyleLst>
+    <a:effectStyleLst>
+      <a:effectStyle>
+        <a:effectLst/>
+      </a:effectStyle>
+      <a:effectStyle>
+        <a:effectLst/>
+      </a:effectStyle>
+      <a:effectStyle>
+        <a:effectLst>
+          <a:outerShdw blurRad="57150" dist="19050" dir="5400000" algn="ctr" rotWithShape="0">
+            <a:srgbClr val="000000">
+              <a:alpha val="63000"/>
+            </a:srgbClr>
+          </a:outerShdw>
+        </a:effectLst>
+      </a:effectStyle>
+    </a:effectStyleLst>
+    <a:bgFillStyleLst>
+      <a:solidFill>
+        <a:schemeClr val="phClr"/>
+      </a:solidFill>
+      <a:solidFill>
+        <a:schemeClr val="phClr">
+          <a:tint val="95000"/>
+          <a:satMod val="170000"/>
+        </a:schemeClr>
+      </a:solidFill>
+      <a:gradFill rotWithShape="1">
+        <a:gsLst>
+          <a:gs pos="0">
+            <a:schemeClr val="phClr">
+              <a:tint val="93000"/>
+              <a:satMod val="150000"/>
+              <a:shade val="98000"/>
+              <a:lumMod val="102000"/>
+            </a:schemeClr>
+          </a:gs>
+          <a:gs pos="50000">
+            <a:schemeClr val="phClr">
+              <a:tint val="98000"/>
+              <a:satMod val="130000"/>
+              <a:shade val="90000"/>
+              <a:lumMod val="103000"/>
+            </a:schemeClr>
+          </a:gs>
+          <a:gs pos="100000">
+            <a:schemeClr val="phClr">
+              <a:shade val="63000"/>
+              <a:satMod val="120000"/>
+            </a:schemeClr>
+          </a:gs>
+        </a:gsLst>
+        <a:lin ang="5400000" scaled="0"/>
+      </a:gradFill>
+    </a:bgFillStyleLst>
+  </a:fmtScheme>
+</a:themeOverride>
+</file>
+
+<file path=ppt/theme/themeOverride3.xml><?xml version="1.0" encoding="utf-8"?>
+<a:themeOverride xmlns:a="http://schemas.openxmlformats.org/drawingml/2006/main">
+  <a:clrScheme name="Office">
+    <a:dk1>
+      <a:sysClr val="windowText" lastClr="000000"/>
+    </a:dk1>
+    <a:lt1>
+      <a:sysClr val="window" lastClr="FFFFFF"/>
+    </a:lt1>
+    <a:dk2>
+      <a:srgbClr val="44546A"/>
+    </a:dk2>
+    <a:lt2>
+      <a:srgbClr val="E7E6E6"/>
+    </a:lt2>
+    <a:accent1>
+      <a:srgbClr val="5B9BD5"/>
+    </a:accent1>
+    <a:accent2>
+      <a:srgbClr val="ED7D31"/>
+    </a:accent2>
+    <a:accent3>
+      <a:srgbClr val="A5A5A5"/>
+    </a:accent3>
+    <a:accent4>
+      <a:srgbClr val="FFC000"/>
+    </a:accent4>
+    <a:accent5>
+      <a:srgbClr val="4472C4"/>
+    </a:accent5>
+    <a:accent6>
+      <a:srgbClr val="70AD47"/>
+    </a:accent6>
+    <a:hlink>
+      <a:srgbClr val="0563C1"/>
+    </a:hlink>
+    <a:folHlink>
+      <a:srgbClr val="954F72"/>
+    </a:folHlink>
+  </a:clrScheme>
+  <a:fontScheme name="Office">
+    <a:majorFont>
+      <a:latin typeface="Calibri Light" panose="020F0302020204030204"/>
+      <a:ea typeface=""/>
+      <a:cs typeface=""/>
+      <a:font script="Jpan" typeface="ＭＳ Ｐゴシック"/>
+      <a:font script="Hang" typeface="맑은 고딕"/>
+      <a:font script="Hans" typeface="宋体"/>
+      <a:font script="Hant" typeface="新細明體"/>
+      <a:font script="Arab" typeface="Times New Roman"/>
+      <a:font script="Hebr" typeface="Times New Roman"/>
+      <a:font script="Thai" typeface="Tahoma"/>
+      <a:font script="Ethi" typeface="Nyala"/>
+      <a:font script="Beng" typeface="Vrinda"/>
+      <a:font script="Gujr" typeface="Shruti"/>
+      <a:font script="Khmr" typeface="MoolBoran"/>
+      <a:font script="Knda" typeface="Tunga"/>
+      <a:font script="Guru" typeface="Raavi"/>
+      <a:font script="Cans" typeface="Euphemia"/>
+      <a:font script="Cher" typeface="Plantagenet Cherokee"/>
+      <a:font script="Yiii" typeface="Microsoft Yi Baiti"/>
+      <a:font script="Tibt" typeface="Microsoft Himalaya"/>
+      <a:font script="Thaa" typeface="MV Boli"/>
+      <a:font script="Deva" typeface="Mangal"/>
+      <a:font script="Telu" typeface="Gautami"/>
+      <a:font script="Taml" typeface="Latha"/>
+      <a:font script="Syrc" typeface="Estrangelo Edessa"/>
+      <a:font script="Orya" typeface="Kalinga"/>
+      <a:font script="Mlym" typeface="Kartika"/>
+      <a:font script="Laoo" typeface="DokChampa"/>
+      <a:font script="Sinh" typeface="Iskoola Pota"/>
+      <a:font script="Mong" typeface="Mongolian Baiti"/>
+      <a:font script="Viet" typeface="Times New Roman"/>
+      <a:font script="Uigh" typeface="Microsoft Uighur"/>
+      <a:font script="Geor" typeface="Sylfaen"/>
+    </a:majorFont>
+    <a:minorFont>
+      <a:latin typeface="Calibri" panose="020F0502020204030204"/>
+      <a:ea typeface=""/>
+      <a:cs typeface=""/>
+      <a:font script="Jpan" typeface="ＭＳ Ｐゴシック"/>
+      <a:font script="Hang" typeface="맑은 고딕"/>
+      <a:font script="Hans" typeface="宋体"/>
+      <a:font script="Hant" typeface="新細明體"/>
+      <a:font script="Arab" typeface="Arial"/>
+      <a:font script="Hebr" typeface="Arial"/>
+      <a:font script="Thai" typeface="Tahoma"/>
+      <a:font script="Ethi" typeface="Nyala"/>
+      <a:font script="Beng" typeface="Vrinda"/>
+      <a:font script="Gujr" typeface="Shruti"/>
+      <a:font script="Khmr" typeface="DaunPenh"/>
+      <a:font script="Knda" typeface="Tunga"/>
+      <a:font script="Guru" typeface="Raavi"/>
+      <a:font script="Cans" typeface="Euphemia"/>
+      <a:font script="Cher" typeface="Plantagenet Cherokee"/>
+      <a:font script="Yiii" typeface="Microsoft Yi Baiti"/>
+      <a:font script="Tibt" typeface="Microsoft Himalaya"/>
+      <a:font script="Thaa" typeface="MV Boli"/>
+      <a:font script="Deva" typeface="Mangal"/>
+      <a:font script="Telu" typeface="Gautami"/>
+      <a:font script="Taml" typeface="Latha"/>
+      <a:font script="Syrc" typeface="Estrangelo Edessa"/>
+      <a:font script="Orya" typeface="Kalinga"/>
+      <a:font script="Mlym" typeface="Kartika"/>
+      <a:font script="Laoo" typeface="DokChampa"/>
+      <a:font script="Sinh" typeface="Iskoola Pota"/>
+      <a:font script="Mong" typeface="Mongolian Baiti"/>
+      <a:font script="Viet" typeface="Arial"/>
+      <a:font script="Uigh" typeface="Microsoft Uighur"/>
+      <a:font script="Geor" typeface="Sylfaen"/>
+    </a:minorFont>
+  </a:fontScheme>
+  <a:fmtScheme name="Office">
+    <a:fillStyleLst>
+      <a:solidFill>
+        <a:schemeClr val="phClr"/>
+      </a:solidFill>
+      <a:gradFill rotWithShape="1">
+        <a:gsLst>
+          <a:gs pos="0">
+            <a:schemeClr val="phClr">
+              <a:lumMod val="110000"/>
+              <a:satMod val="105000"/>
+              <a:tint val="67000"/>
+            </a:schemeClr>
+          </a:gs>
+          <a:gs pos="50000">
+            <a:schemeClr val="phClr">
+              <a:lumMod val="105000"/>
+              <a:satMod val="103000"/>
+              <a:tint val="73000"/>
+            </a:schemeClr>
+          </a:gs>
+          <a:gs pos="100000">
+            <a:schemeClr val="phClr">
+              <a:lumMod val="105000"/>
+              <a:satMod val="109000"/>
+              <a:tint val="81000"/>
+            </a:schemeClr>
+          </a:gs>
+        </a:gsLst>
+        <a:lin ang="5400000" scaled="0"/>
+      </a:gradFill>
+      <a:gradFill rotWithShape="1">
+        <a:gsLst>
+          <a:gs pos="0">
+            <a:schemeClr val="phClr">
+              <a:satMod val="103000"/>
+              <a:lumMod val="102000"/>
+              <a:tint val="94000"/>
+            </a:schemeClr>
+          </a:gs>
+          <a:gs pos="50000">
+            <a:schemeClr val="phClr">
+              <a:satMod val="110000"/>
+              <a:lumMod val="100000"/>
+              <a:shade val="100000"/>
+            </a:schemeClr>
+          </a:gs>
+          <a:gs pos="100000">
+            <a:schemeClr val="phClr">
+              <a:lumMod val="99000"/>
+              <a:satMod val="120000"/>
+              <a:shade val="78000"/>
+            </a:schemeClr>
+          </a:gs>
+        </a:gsLst>
+        <a:lin ang="5400000" scaled="0"/>
+      </a:gradFill>
+    </a:fillStyleLst>
+    <a:lnStyleLst>
+      <a:ln w="6350" cap="flat" cmpd="sng" algn="ctr">
+        <a:solidFill>
+          <a:schemeClr val="phClr"/>
+        </a:solidFill>
+        <a:prstDash val="solid"/>
+        <a:miter lim="800000"/>
+      </a:ln>
+      <a:ln w="12700" cap="flat" cmpd="sng" algn="ctr">
+        <a:solidFill>
+          <a:schemeClr val="phClr"/>
+        </a:solidFill>
+        <a:prstDash val="solid"/>
+        <a:miter lim="800000"/>
+      </a:ln>
+      <a:ln w="19050" cap="flat" cmpd="sng" algn="ctr">
+        <a:solidFill>
+          <a:schemeClr val="phClr"/>
+        </a:solidFill>
+        <a:prstDash val="solid"/>
+        <a:miter lim="800000"/>
+      </a:ln>
+    </a:lnStyleLst>
+    <a:effectStyleLst>
+      <a:effectStyle>
+        <a:effectLst/>
+      </a:effectStyle>
+      <a:effectStyle>
+        <a:effectLst/>
+      </a:effectStyle>
+      <a:effectStyle>
+        <a:effectLst>
+          <a:outerShdw blurRad="57150" dist="19050" dir="5400000" algn="ctr" rotWithShape="0">
+            <a:srgbClr val="000000">
+              <a:alpha val="63000"/>
+            </a:srgbClr>
+          </a:outerShdw>
+        </a:effectLst>
+      </a:effectStyle>
+    </a:effectStyleLst>
+    <a:bgFillStyleLst>
+      <a:solidFill>
+        <a:schemeClr val="phClr"/>
+      </a:solidFill>
+      <a:solidFill>
+        <a:schemeClr val="phClr">
+          <a:tint val="95000"/>
+          <a:satMod val="170000"/>
+        </a:schemeClr>
+      </a:solidFill>
+      <a:gradFill rotWithShape="1">
+        <a:gsLst>
+          <a:gs pos="0">
+            <a:schemeClr val="phClr">
+              <a:tint val="93000"/>
+              <a:satMod val="150000"/>
+              <a:shade val="98000"/>
+              <a:lumMod val="102000"/>
+            </a:schemeClr>
+          </a:gs>
+          <a:gs pos="50000">
+            <a:schemeClr val="phClr">
+              <a:tint val="98000"/>
+              <a:satMod val="130000"/>
+              <a:shade val="90000"/>
+              <a:lumMod val="103000"/>
+            </a:schemeClr>
+          </a:gs>
+          <a:gs pos="100000">
+            <a:schemeClr val="phClr">
+              <a:shade val="63000"/>
+              <a:satMod val="120000"/>
+            </a:schemeClr>
+          </a:gs>
+        </a:gsLst>
+        <a:lin ang="5400000" scaled="0"/>
+      </a:gradFill>
+    </a:bgFillStyleLst>
+  </a:fmtScheme>
+</a:themeOverride>
+</file>
+
+<file path=ppt/theme/themeOverride4.xml><?xml version="1.0" encoding="utf-8"?>
+<a:themeOverride xmlns:a="http://schemas.openxmlformats.org/drawingml/2006/main">
+  <a:clrScheme name="Office">
+    <a:dk1>
+      <a:sysClr val="windowText" lastClr="000000"/>
+    </a:dk1>
+    <a:lt1>
+      <a:sysClr val="window" lastClr="FFFFFF"/>
+    </a:lt1>
+    <a:dk2>
+      <a:srgbClr val="44546A"/>
+    </a:dk2>
+    <a:lt2>
+      <a:srgbClr val="E7E6E6"/>
+    </a:lt2>
+    <a:accent1>
+      <a:srgbClr val="5B9BD5"/>
+    </a:accent1>
+    <a:accent2>
+      <a:srgbClr val="ED7D31"/>
+    </a:accent2>
+    <a:accent3>
+      <a:srgbClr val="A5A5A5"/>
+    </a:accent3>
+    <a:accent4>
+      <a:srgbClr val="FFC000"/>
+    </a:accent4>
+    <a:accent5>
+      <a:srgbClr val="4472C4"/>
+    </a:accent5>
+    <a:accent6>
+      <a:srgbClr val="70AD47"/>
+    </a:accent6>
+    <a:hlink>
+      <a:srgbClr val="0563C1"/>
+    </a:hlink>
+    <a:folHlink>
+      <a:srgbClr val="954F72"/>
+    </a:folHlink>
+  </a:clrScheme>
+  <a:fontScheme name="Office">
+    <a:majorFont>
+      <a:latin typeface="Calibri Light" panose="020F0302020204030204"/>
+      <a:ea typeface=""/>
+      <a:cs typeface=""/>
+      <a:font script="Jpan" typeface="ＭＳ Ｐゴシック"/>
+      <a:font script="Hang" typeface="맑은 고딕"/>
+      <a:font script="Hans" typeface="宋体"/>
+      <a:font script="Hant" typeface="新細明體"/>
+      <a:font script="Arab" typeface="Times New Roman"/>
+      <a:font script="Hebr" typeface="Times New Roman"/>
+      <a:font script="Thai" typeface="Tahoma"/>
+      <a:font script="Ethi" typeface="Nyala"/>
+      <a:font script="Beng" typeface="Vrinda"/>
+      <a:font script="Gujr" typeface="Shruti"/>
+      <a:font script="Khmr" typeface="MoolBoran"/>
+      <a:font script="Knda" typeface="Tunga"/>
+      <a:font script="Guru" typeface="Raavi"/>
+      <a:font script="Cans" typeface="Euphemia"/>
+      <a:font script="Cher" typeface="Plantagenet Cherokee"/>
+      <a:font script="Yiii" typeface="Microsoft Yi Baiti"/>
+      <a:font script="Tibt" typeface="Microsoft Himalaya"/>
+      <a:font script="Thaa" typeface="MV Boli"/>
+      <a:font script="Deva" typeface="Mangal"/>
+      <a:font script="Telu" typeface="Gautami"/>
+      <a:font script="Taml" typeface="Latha"/>
+      <a:font script="Syrc" typeface="Estrangelo Edessa"/>
+      <a:font script="Orya" typeface="Kalinga"/>
+      <a:font script="Mlym" typeface="Kartika"/>
+      <a:font script="Laoo" typeface="DokChampa"/>
+      <a:font script="Sinh" typeface="Iskoola Pota"/>
+      <a:font script="Mong" typeface="Mongolian Baiti"/>
+      <a:font script="Viet" typeface="Times New Roman"/>
+      <a:font script="Uigh" typeface="Microsoft Uighur"/>
+      <a:font script="Geor" typeface="Sylfaen"/>
+    </a:majorFont>
+    <a:minorFont>
+      <a:latin typeface="Calibri" panose="020F0502020204030204"/>
+      <a:ea typeface=""/>
+      <a:cs typeface=""/>
+      <a:font script="Jpan" typeface="ＭＳ Ｐゴシック"/>
+      <a:font script="Hang" typeface="맑은 고딕"/>
+      <a:font script="Hans" typeface="宋体"/>
+      <a:font script="Hant" typeface="新細明體"/>
+      <a:font script="Arab" typeface="Arial"/>
+      <a:font script="Hebr" typeface="Arial"/>
+      <a:font script="Thai" typeface="Tahoma"/>
+      <a:font script="Ethi" typeface="Nyala"/>
+      <a:font script="Beng" typeface="Vrinda"/>
+      <a:font script="Gujr" typeface="Shruti"/>
+      <a:font script="Khmr" typeface="DaunPenh"/>
+      <a:font script="Knda" typeface="Tunga"/>
+      <a:font script="Guru" typeface="Raavi"/>
+      <a:font script="Cans" typeface="Euphemia"/>
+      <a:font script="Cher" typeface="Plantagenet Cherokee"/>
+      <a:font script="Yiii" typeface="Microsoft Yi Baiti"/>
+      <a:font script="Tibt" typeface="Microsoft Himalaya"/>
+      <a:font script="Thaa" typeface="MV Boli"/>
+      <a:font script="Deva" typeface="Mangal"/>
+      <a:font script="Telu" typeface="Gautami"/>
+      <a:font script="Taml" typeface="Latha"/>
+      <a:font script="Syrc" typeface="Estrangelo Edessa"/>
+      <a:font script="Orya" typeface="Kalinga"/>
+      <a:font script="Mlym" typeface="Kartika"/>
+      <a:font script="Laoo" typeface="DokChampa"/>
+      <a:font script="Sinh" typeface="Iskoola Pota"/>
+      <a:font script="Mong" typeface="Mongolian Baiti"/>
+      <a:font script="Viet" typeface="Arial"/>
+      <a:font script="Uigh" typeface="Microsoft Uighur"/>
+      <a:font script="Geor" typeface="Sylfaen"/>
+    </a:minorFont>
+  </a:fontScheme>
+  <a:fmtScheme name="Office">
+    <a:fillStyleLst>
+      <a:solidFill>
+        <a:schemeClr val="phClr"/>
+      </a:solidFill>
+      <a:gradFill rotWithShape="1">
+        <a:gsLst>
+          <a:gs pos="0">
+            <a:schemeClr val="phClr">
+              <a:lumMod val="110000"/>
+              <a:satMod val="105000"/>
+              <a:tint val="67000"/>
+            </a:schemeClr>
+          </a:gs>
+          <a:gs pos="50000">
+            <a:schemeClr val="phClr">
+              <a:lumMod val="105000"/>
+              <a:satMod val="103000"/>
+              <a:tint val="73000"/>
+            </a:schemeClr>
+          </a:gs>
+          <a:gs pos="100000">
+            <a:schemeClr val="phClr">
+              <a:lumMod val="105000"/>
+              <a:satMod val="109000"/>
+              <a:tint val="81000"/>
+            </a:schemeClr>
+          </a:gs>
+        </a:gsLst>
+        <a:lin ang="5400000" scaled="0"/>
+      </a:gradFill>
+      <a:gradFill rotWithShape="1">
+        <a:gsLst>
+          <a:gs pos="0">
+            <a:schemeClr val="phClr">
+              <a:satMod val="103000"/>
+              <a:lumMod val="102000"/>
+              <a:tint val="94000"/>
+            </a:schemeClr>
+          </a:gs>
+          <a:gs pos="50000">
+            <a:schemeClr val="phClr">
+              <a:satMod val="110000"/>
+              <a:lumMod val="100000"/>
+              <a:shade val="100000"/>
+            </a:schemeClr>
+          </a:gs>
+          <a:gs pos="100000">
+            <a:schemeClr val="phClr">
+              <a:lumMod val="99000"/>
+              <a:satMod val="120000"/>
+              <a:shade val="78000"/>
+            </a:schemeClr>
+          </a:gs>
+        </a:gsLst>
+        <a:lin ang="5400000" scaled="0"/>
+      </a:gradFill>
+    </a:fillStyleLst>
+    <a:lnStyleLst>
+      <a:ln w="6350" cap="flat" cmpd="sng" algn="ctr">
+        <a:solidFill>
+          <a:schemeClr val="phClr"/>
+        </a:solidFill>
+        <a:prstDash val="solid"/>
+        <a:miter lim="800000"/>
+      </a:ln>
+      <a:ln w="12700" cap="flat" cmpd="sng" algn="ctr">
+        <a:solidFill>
+          <a:schemeClr val="phClr"/>
+        </a:solidFill>
+        <a:prstDash val="solid"/>
+        <a:miter lim="800000"/>
+      </a:ln>
+      <a:ln w="19050" cap="flat" cmpd="sng" algn="ctr">
+        <a:solidFill>
+          <a:schemeClr val="phClr"/>
+        </a:solidFill>
+        <a:prstDash val="solid"/>
+        <a:miter lim="800000"/>
+      </a:ln>
+    </a:lnStyleLst>
+    <a:effectStyleLst>
+      <a:effectStyle>
+        <a:effectLst/>
+      </a:effectStyle>
+      <a:effectStyle>
+        <a:effectLst/>
+      </a:effectStyle>
+      <a:effectStyle>
+        <a:effectLst>
+          <a:outerShdw blurRad="57150" dist="19050" dir="5400000" algn="ctr" rotWithShape="0">
+            <a:srgbClr val="000000">
+              <a:alpha val="63000"/>
+            </a:srgbClr>
+          </a:outerShdw>
+        </a:effectLst>
+      </a:effectStyle>
+    </a:effectStyleLst>
+    <a:bgFillStyleLst>
+      <a:solidFill>
+        <a:schemeClr val="phClr"/>
+      </a:solidFill>
+      <a:solidFill>
+        <a:schemeClr val="phClr">
+          <a:tint val="95000"/>
+          <a:satMod val="170000"/>
+        </a:schemeClr>
+      </a:solidFill>
+      <a:gradFill rotWithShape="1">
+        <a:gsLst>
+          <a:gs pos="0">
+            <a:schemeClr val="phClr">
+              <a:tint val="93000"/>
+              <a:satMod val="150000"/>
+              <a:shade val="98000"/>
+              <a:lumMod val="102000"/>
+            </a:schemeClr>
+          </a:gs>
+          <a:gs pos="50000">
+            <a:schemeClr val="phClr">
+              <a:tint val="98000"/>
+              <a:satMod val="130000"/>
+              <a:shade val="90000"/>
+              <a:lumMod val="103000"/>
+            </a:schemeClr>
+          </a:gs>
+          <a:gs pos="100000">
+            <a:schemeClr val="phClr">
+              <a:shade val="63000"/>
+              <a:satMod val="120000"/>
+            </a:schemeClr>
+          </a:gs>
+        </a:gsLst>
+        <a:lin ang="5400000" scaled="0"/>
+      </a:gradFill>
+    </a:bgFillStyleLst>
+  </a:fmtScheme>
+</a:themeOverride>
+</file>
+
+<file path=ppt/theme/themeOverride5.xml><?xml version="1.0" encoding="utf-8"?>
+<a:themeOverride xmlns:a="http://schemas.openxmlformats.org/drawingml/2006/main">
+  <a:clrScheme name="Office">
+    <a:dk1>
+      <a:sysClr val="windowText" lastClr="000000"/>
+    </a:dk1>
+    <a:lt1>
+      <a:sysClr val="window" lastClr="FFFFFF"/>
+    </a:lt1>
+    <a:dk2>
+      <a:srgbClr val="44546A"/>
+    </a:dk2>
+    <a:lt2>
+      <a:srgbClr val="E7E6E6"/>
+    </a:lt2>
+    <a:accent1>
+      <a:srgbClr val="5B9BD5"/>
+    </a:accent1>
+    <a:accent2>
+      <a:srgbClr val="ED7D31"/>
+    </a:accent2>
+    <a:accent3>
+      <a:srgbClr val="A5A5A5"/>
+    </a:accent3>
+    <a:accent4>
+      <a:srgbClr val="FFC000"/>
+    </a:accent4>
+    <a:accent5>
+      <a:srgbClr val="4472C4"/>
+    </a:accent5>
+    <a:accent6>
+      <a:srgbClr val="70AD47"/>
+    </a:accent6>
+    <a:hlink>
+      <a:srgbClr val="0563C1"/>
+    </a:hlink>
+    <a:folHlink>
+      <a:srgbClr val="954F72"/>
+    </a:folHlink>
+  </a:clrScheme>
+  <a:fontScheme name="Office">
+    <a:majorFont>
+      <a:latin typeface="Calibri Light" panose="020F0302020204030204"/>
+      <a:ea typeface=""/>
+      <a:cs typeface=""/>
+      <a:font script="Jpan" typeface="ＭＳ Ｐゴシック"/>
+      <a:font script="Hang" typeface="맑은 고딕"/>
+      <a:font script="Hans" typeface="宋体"/>
+      <a:font script="Hant" typeface="新細明體"/>
+      <a:font script="Arab" typeface="Times New Roman"/>
+      <a:font script="Hebr" typeface="Times New Roman"/>
+      <a:font script="Thai" typeface="Tahoma"/>
+      <a:font script="Ethi" typeface="Nyala"/>
+      <a:font script="Beng" typeface="Vrinda"/>
+      <a:font script="Gujr" typeface="Shruti"/>
+      <a:font script="Khmr" typeface="MoolBoran"/>
+      <a:font script="Knda" typeface="Tunga"/>
+      <a:font script="Guru" typeface="Raavi"/>
+      <a:font script="Cans" typeface="Euphemia"/>
+      <a:font script="Cher" typeface="Plantagenet Cherokee"/>
+      <a:font script="Yiii" typeface="Microsoft Yi Baiti"/>
+      <a:font script="Tibt" typeface="Microsoft Himalaya"/>
+      <a:font script="Thaa" typeface="MV Boli"/>
+      <a:font script="Deva" typeface="Mangal"/>
+      <a:font script="Telu" typeface="Gautami"/>
+      <a:font script="Taml" typeface="Latha"/>
+      <a:font script="Syrc" typeface="Estrangelo Edessa"/>
+      <a:font script="Orya" typeface="Kalinga"/>
+      <a:font script="Mlym" typeface="Kartika"/>
+      <a:font script="Laoo" typeface="DokChampa"/>
+      <a:font script="Sinh" typeface="Iskoola Pota"/>
+      <a:font script="Mong" typeface="Mongolian Baiti"/>
+      <a:font script="Viet" typeface="Times New Roman"/>
+      <a:font script="Uigh" typeface="Microsoft Uighur"/>
+      <a:font script="Geor" typeface="Sylfaen"/>
+    </a:majorFont>
+    <a:minorFont>
+      <a:latin typeface="Calibri" panose="020F0502020204030204"/>
+      <a:ea typeface=""/>
+      <a:cs typeface=""/>
+      <a:font script="Jpan" typeface="ＭＳ Ｐゴシック"/>
+      <a:font script="Hang" typeface="맑은 고딕"/>
+      <a:font script="Hans" typeface="宋体"/>
+      <a:font script="Hant" typeface="新細明體"/>
+      <a:font script="Arab" typeface="Arial"/>
+      <a:font script="Hebr" typeface="Arial"/>
+      <a:font script="Thai" typeface="Tahoma"/>
+      <a:font script="Ethi" typeface="Nyala"/>
+      <a:font script="Beng" typeface="Vrinda"/>
+      <a:font script="Gujr" typeface="Shruti"/>
+      <a:font script="Khmr" typeface="DaunPenh"/>
+      <a:font script="Knda" typeface="Tunga"/>
+      <a:font script="Guru" typeface="Raavi"/>
+      <a:font script="Cans" typeface="Euphemia"/>
+      <a:font script="Cher" typeface="Plantagenet Cherokee"/>
+      <a:font script="Yiii" typeface="Microsoft Yi Baiti"/>
+      <a:font script="Tibt" typeface="Microsoft Himalaya"/>
+      <a:font script="Thaa" typeface="MV Boli"/>
+      <a:font script="Deva" typeface="Mangal"/>
+      <a:font script="Telu" typeface="Gautami"/>
+      <a:font script="Taml" typeface="Latha"/>
+      <a:font script="Syrc" typeface="Estrangelo Edessa"/>
+      <a:font script="Orya" typeface="Kalinga"/>
+      <a:font script="Mlym" typeface="Kartika"/>
+      <a:font script="Laoo" typeface="DokChampa"/>
+      <a:font script="Sinh" typeface="Iskoola Pota"/>
+      <a:font script="Mong" typeface="Mongolian Baiti"/>
+      <a:font script="Viet" typeface="Arial"/>
+      <a:font script="Uigh" typeface="Microsoft Uighur"/>
+      <a:font script="Geor" typeface="Sylfaen"/>
+    </a:minorFont>
+  </a:fontScheme>
+  <a:fmtScheme name="Office">
+    <a:fillStyleLst>
+      <a:solidFill>
+        <a:schemeClr val="phClr"/>
+      </a:solidFill>
+      <a:gradFill rotWithShape="1">
+        <a:gsLst>
+          <a:gs pos="0">
+            <a:schemeClr val="phClr">
+              <a:lumMod val="110000"/>
+              <a:satMod val="105000"/>
+              <a:tint val="67000"/>
+            </a:schemeClr>
+          </a:gs>
+          <a:gs pos="50000">
+            <a:schemeClr val="phClr">
+              <a:lumMod val="105000"/>
+              <a:satMod val="103000"/>
+              <a:tint val="73000"/>
+            </a:schemeClr>
+          </a:gs>
+          <a:gs pos="100000">
+            <a:schemeClr val="phClr">
+              <a:lumMod val="105000"/>
+              <a:satMod val="109000"/>
+              <a:tint val="81000"/>
+            </a:schemeClr>
+          </a:gs>
+        </a:gsLst>
+        <a:lin ang="5400000" scaled="0"/>
+      </a:gradFill>
+      <a:gradFill rotWithShape="1">
+        <a:gsLst>
+          <a:gs pos="0">
+            <a:schemeClr val="phClr">
+              <a:satMod val="103000"/>
+              <a:lumMod val="102000"/>
+              <a:tint val="94000"/>
+            </a:schemeClr>
+          </a:gs>
+          <a:gs pos="50000">
+            <a:schemeClr val="phClr">
+              <a:satMod val="110000"/>
+              <a:lumMod val="100000"/>
+              <a:shade val="100000"/>
+            </a:schemeClr>
+          </a:gs>
+          <a:gs pos="100000">
+            <a:schemeClr val="phClr">
+              <a:lumMod val="99000"/>
+              <a:satMod val="120000"/>
+              <a:shade val="78000"/>
+            </a:schemeClr>
+          </a:gs>
+        </a:gsLst>
+        <a:lin ang="5400000" scaled="0"/>
+      </a:gradFill>
+    </a:fillStyleLst>
+    <a:lnStyleLst>
+      <a:ln w="6350" cap="flat" cmpd="sng" algn="ctr">
+        <a:solidFill>
+          <a:schemeClr val="phClr"/>
+        </a:solidFill>
+        <a:prstDash val="solid"/>
+        <a:miter lim="800000"/>
+      </a:ln>
+      <a:ln w="12700" cap="flat" cmpd="sng" algn="ctr">
+        <a:solidFill>
+          <a:schemeClr val="phClr"/>
+        </a:solidFill>
+        <a:prstDash val="solid"/>
+        <a:miter lim="800000"/>
+      </a:ln>
+      <a:ln w="19050" cap="flat" cmpd="sng" algn="ctr">
+        <a:solidFill>
+          <a:schemeClr val="phClr"/>
+        </a:solidFill>
+        <a:prstDash val="solid"/>
+        <a:miter lim="800000"/>
+      </a:ln>
+    </a:lnStyleLst>
+    <a:effectStyleLst>
+      <a:effectStyle>
+        <a:effectLst/>
+      </a:effectStyle>
+      <a:effectStyle>
+        <a:effectLst/>
+      </a:effectStyle>
+      <a:effectStyle>
+        <a:effectLst>
+          <a:outerShdw blurRad="57150" dist="19050" dir="5400000" algn="ctr" rotWithShape="0">
+            <a:srgbClr val="000000">
+              <a:alpha val="63000"/>
+            </a:srgbClr>
+          </a:outerShdw>
+        </a:effectLst>
+      </a:effectStyle>
+    </a:effectStyleLst>
+    <a:bgFillStyleLst>
+      <a:solidFill>
+        <a:schemeClr val="phClr"/>
+      </a:solidFill>
+      <a:solidFill>
+        <a:schemeClr val="phClr">
+          <a:tint val="95000"/>
+          <a:satMod val="170000"/>
+        </a:schemeClr>
+      </a:solidFill>
+      <a:gradFill rotWithShape="1">
+        <a:gsLst>
+          <a:gs pos="0">
+            <a:schemeClr val="phClr">
+              <a:tint val="93000"/>
+              <a:satMod val="150000"/>
+              <a:shade val="98000"/>
+              <a:lumMod val="102000"/>
+            </a:schemeClr>
+          </a:gs>
+          <a:gs pos="50000">
+            <a:schemeClr val="phClr">
+              <a:tint val="98000"/>
+              <a:satMod val="130000"/>
+              <a:shade val="90000"/>
+              <a:lumMod val="103000"/>
+            </a:schemeClr>
+          </a:gs>
+          <a:gs pos="100000">
+            <a:schemeClr val="phClr">
+              <a:shade val="63000"/>
+              <a:satMod val="120000"/>
+            </a:schemeClr>
+          </a:gs>
+        </a:gsLst>
+        <a:lin ang="5400000" scaled="0"/>
+      </a:gradFill>
+    </a:bgFillStyleLst>
+  </a:fmtScheme>
+</a:themeOverride>
+</file>
+
+<file path=ppt/theme/themeOverride6.xml><?xml version="1.0" encoding="utf-8"?>
+<a:themeOverride xmlns:a="http://schemas.openxmlformats.org/drawingml/2006/main">
+  <a:clrScheme name="Office">
+    <a:dk1>
+      <a:sysClr val="windowText" lastClr="000000"/>
+    </a:dk1>
+    <a:lt1>
+      <a:sysClr val="window" lastClr="FFFFFF"/>
+    </a:lt1>
+    <a:dk2>
+      <a:srgbClr val="44546A"/>
+    </a:dk2>
+    <a:lt2>
+      <a:srgbClr val="E7E6E6"/>
+    </a:lt2>
+    <a:accent1>
+      <a:srgbClr val="5B9BD5"/>
+    </a:accent1>
+    <a:accent2>
+      <a:srgbClr val="ED7D31"/>
+    </a:accent2>
+    <a:accent3>
+      <a:srgbClr val="A5A5A5"/>
+    </a:accent3>
+    <a:accent4>
+      <a:srgbClr val="FFC000"/>
+    </a:accent4>
+    <a:accent5>
+      <a:srgbClr val="4472C4"/>
+    </a:accent5>
+    <a:accent6>
+      <a:srgbClr val="70AD47"/>
+    </a:accent6>
+    <a:hlink>
+      <a:srgbClr val="0563C1"/>
+    </a:hlink>
+    <a:folHlink>
+      <a:srgbClr val="954F72"/>
+    </a:folHlink>
+  </a:clrScheme>
+  <a:fontScheme name="Office">
+    <a:majorFont>
+      <a:latin typeface="Calibri Light" panose="020F0302020204030204"/>
+      <a:ea typeface=""/>
+      <a:cs typeface=""/>
+      <a:font script="Jpan" typeface="ＭＳ Ｐゴシック"/>
+      <a:font script="Hang" typeface="맑은 고딕"/>
+      <a:font script="Hans" typeface="宋体"/>
+      <a:font script="Hant" typeface="新細明體"/>
+      <a:font script="Arab" typeface="Times New Roman"/>
+      <a:font script="Hebr" typeface="Times New Roman"/>
+      <a:font script="Thai" typeface="Tahoma"/>
+      <a:font script="Ethi" typeface="Nyala"/>
+      <a:font script="Beng" typeface="Vrinda"/>
+      <a:font script="Gujr" typeface="Shruti"/>
+      <a:font script="Khmr" typeface="MoolBoran"/>
+      <a:font script="Knda" typeface="Tunga"/>
+      <a:font script="Guru" typeface="Raavi"/>
+      <a:font script="Cans" typeface="Euphemia"/>
+      <a:font script="Cher" typeface="Plantagenet Cherokee"/>
+      <a:font script="Yiii" typeface="Microsoft Yi Baiti"/>
+      <a:font script="Tibt" typeface="Microsoft Himalaya"/>
+      <a:font script="Thaa" typeface="MV Boli"/>
+      <a:font script="Deva" typeface="Mangal"/>
+      <a:font script="Telu" typeface="Gautami"/>
+      <a:font script="Taml" typeface="Latha"/>
+      <a:font script="Syrc" typeface="Estrangelo Edessa"/>
+      <a:font script="Orya" typeface="Kalinga"/>
+      <a:font script="Mlym" typeface="Kartika"/>
+      <a:font script="Laoo" typeface="DokChampa"/>
+      <a:font script="Sinh" typeface="Iskoola Pota"/>
+      <a:font script="Mong" typeface="Mongolian Baiti"/>
+      <a:font script="Viet" typeface="Times New Roman"/>
+      <a:font script="Uigh" typeface="Microsoft Uighur"/>
+      <a:font script="Geor" typeface="Sylfaen"/>
+    </a:majorFont>
+    <a:minorFont>
+      <a:latin typeface="Calibri" panose="020F0502020204030204"/>
+      <a:ea typeface=""/>
+      <a:cs typeface=""/>
+      <a:font script="Jpan" typeface="ＭＳ Ｐゴシック"/>
+      <a:font script="Hang" typeface="맑은 고딕"/>
+      <a:font script="Hans" typeface="宋体"/>
+      <a:font script="Hant" typeface="新細明體"/>
+      <a:font script="Arab" typeface="Arial"/>
+      <a:font script="Hebr" typeface="Arial"/>
+      <a:font script="Thai" typeface="Tahoma"/>
+      <a:font script="Ethi" typeface="Nyala"/>
+      <a:font script="Beng" typeface="Vrinda"/>
+      <a:font script="Gujr" typeface="Shruti"/>
+      <a:font script="Khmr" typeface="DaunPenh"/>
+      <a:font script="Knda" typeface="Tunga"/>
+      <a:font script="Guru" typeface="Raavi"/>
+      <a:font script="Cans" typeface="Euphemia"/>
+      <a:font script="Cher" typeface="Plantagenet Cherokee"/>
+      <a:font script="Yiii" typeface="Microsoft Yi Baiti"/>
+      <a:font script="Tibt" typeface="Microsoft Himalaya"/>
+      <a:font script="Thaa" typeface="MV Boli"/>
+      <a:font script="Deva" typeface="Mangal"/>
+      <a:font script="Telu" typeface="Gautami"/>
+      <a:font script="Taml" typeface="Latha"/>
+      <a:font script="Syrc" typeface="Estrangelo Edessa"/>
+      <a:font script="Orya" typeface="Kalinga"/>
+      <a:font script="Mlym" typeface="Kartika"/>
+      <a:font script="Laoo" typeface="DokChampa"/>
+      <a:font script="Sinh" typeface="Iskoola Pota"/>
+      <a:font script="Mong" typeface="Mongolian Baiti"/>
+      <a:font script="Viet" typeface="Arial"/>
+      <a:font script="Uigh" typeface="Microsoft Uighur"/>
+      <a:font script="Geor" typeface="Sylfaen"/>
+    </a:minorFont>
+  </a:fontScheme>
+  <a:fmtScheme name="Office">
+    <a:fillStyleLst>
+      <a:solidFill>
+        <a:schemeClr val="phClr"/>
+      </a:solidFill>
+      <a:gradFill rotWithShape="1">
+        <a:gsLst>
+          <a:gs pos="0">
+            <a:schemeClr val="phClr">
+              <a:lumMod val="110000"/>
+              <a:satMod val="105000"/>
+              <a:tint val="67000"/>
+            </a:schemeClr>
+          </a:gs>
+          <a:gs pos="50000">
+            <a:schemeClr val="phClr">
+              <a:lumMod val="105000"/>
+              <a:satMod val="103000"/>
+              <a:tint val="73000"/>
+            </a:schemeClr>
+          </a:gs>
+          <a:gs pos="100000">
+            <a:schemeClr val="phClr">
+              <a:lumMod val="105000"/>
+              <a:satMod val="109000"/>
+              <a:tint val="81000"/>
+            </a:schemeClr>
+          </a:gs>
+        </a:gsLst>
+        <a:lin ang="5400000" scaled="0"/>
+      </a:gradFill>
+      <a:gradFill rotWithShape="1">
+        <a:gsLst>
+          <a:gs pos="0">
+            <a:schemeClr val="phClr">
+              <a:satMod val="103000"/>
+              <a:lumMod val="102000"/>
+              <a:tint val="94000"/>
+            </a:schemeClr>
+          </a:gs>
+          <a:gs pos="50000">
+            <a:schemeClr val="phClr">
+              <a:satMod val="110000"/>
+              <a:lumMod val="100000"/>
+              <a:shade val="100000"/>
+            </a:schemeClr>
+          </a:gs>
+          <a:gs pos="100000">
+            <a:schemeClr val="phClr">
+              <a:lumMod val="99000"/>
+              <a:satMod val="120000"/>
+              <a:shade val="78000"/>
+            </a:schemeClr>
+          </a:gs>
+        </a:gsLst>
+        <a:lin ang="5400000" scaled="0"/>
+      </a:gradFill>
+    </a:fillStyleLst>
+    <a:lnStyleLst>
+      <a:ln w="6350" cap="flat" cmpd="sng" algn="ctr">
+        <a:solidFill>
+          <a:schemeClr val="phClr"/>
+        </a:solidFill>
+        <a:prstDash val="solid"/>
+        <a:miter lim="800000"/>
+      </a:ln>
+      <a:ln w="12700" cap="flat" cmpd="sng" algn="ctr">
+        <a:solidFill>
+          <a:schemeClr val="phClr"/>
+        </a:solidFill>
+        <a:prstDash val="solid"/>
+        <a:miter lim="800000"/>
+      </a:ln>
+      <a:ln w="19050" cap="flat" cmpd="sng" algn="ctr">
+        <a:solidFill>
+          <a:schemeClr val="phClr"/>
+        </a:solidFill>
+        <a:prstDash val="solid"/>
+        <a:miter lim="800000"/>
+      </a:ln>
+    </a:lnStyleLst>
+    <a:effectStyleLst>
+      <a:effectStyle>
+        <a:effectLst/>
+      </a:effectStyle>
+      <a:effectStyle>
+        <a:effectLst/>
+      </a:effectStyle>
+      <a:effectStyle>
+        <a:effectLst>
+          <a:outerShdw blurRad="57150" dist="19050" dir="5400000" algn="ctr" rotWithShape="0">
+            <a:srgbClr val="000000">
+              <a:alpha val="63000"/>
+            </a:srgbClr>
+          </a:outerShdw>
+        </a:effectLst>
+      </a:effectStyle>
+    </a:effectStyleLst>
+    <a:bgFillStyleLst>
+      <a:solidFill>
+        <a:schemeClr val="phClr"/>
+      </a:solidFill>
+      <a:solidFill>
+        <a:schemeClr val="phClr">
+          <a:tint val="95000"/>
+          <a:satMod val="170000"/>
+        </a:schemeClr>
+      </a:solidFill>
+      <a:gradFill rotWithShape="1">
+        <a:gsLst>
+          <a:gs pos="0">
+            <a:schemeClr val="phClr">
+              <a:tint val="93000"/>
+              <a:satMod val="150000"/>
+              <a:shade val="98000"/>
+              <a:lumMod val="102000"/>
+            </a:schemeClr>
+          </a:gs>
+          <a:gs pos="50000">
+            <a:schemeClr val="phClr">
+              <a:tint val="98000"/>
+              <a:satMod val="130000"/>
+              <a:shade val="90000"/>
+              <a:lumMod val="103000"/>
+            </a:schemeClr>
+          </a:gs>
+          <a:gs pos="100000">
+            <a:schemeClr val="phClr">
+              <a:shade val="63000"/>
+              <a:satMod val="120000"/>
+            </a:schemeClr>
+          </a:gs>
+        </a:gsLst>
+        <a:lin ang="5400000" scaled="0"/>
+      </a:gradFill>
+    </a:bgFillStyleLst>
+  </a:fmtScheme>
+</a:themeOverride>
+</file>
+
 <file path=customXml/item1.xml><?xml version="1.0" encoding="utf-8"?>
-<?mso-contentType ?>
-<FormTemplates xmlns="http://schemas.microsoft.com/sharepoint/v3/contenttype/forms">
-  <Display>DocumentLibraryForm</Display>
-  <Edit>AssetEditForm</Edit>
-  <New>DocumentLibraryForm</New>
-</FormTemplates>
+<p:properties xmlns:p="http://schemas.microsoft.com/office/2006/metadata/properties" xmlns:xsi="http://www.w3.org/2001/XMLSchema-instance" xmlns:pc="http://schemas.microsoft.com/office/infopath/2007/PartnerControls">
+  <documentManagement>
+    <APDescription xmlns="4873beb7-5857-4685-be1f-d57550cc96cc" xsi:nil="true"/>
+    <AssetExpire xmlns="4873beb7-5857-4685-be1f-d57550cc96cc">2029-01-01T08:00:00+00:00</AssetExpire>
+    <CampaignTagsTaxHTField0 xmlns="4873beb7-5857-4685-be1f-d57550cc96cc">
+      <Terms xmlns="http://schemas.microsoft.com/office/infopath/2007/PartnerControls"/>
+    </CampaignTagsTaxHTField0>
+    <IntlLangReviewDate xmlns="4873beb7-5857-4685-be1f-d57550cc96cc" xsi:nil="true"/>
+    <TPFriendlyName xmlns="4873beb7-5857-4685-be1f-d57550cc96cc" xsi:nil="true"/>
+    <IntlLangReview xmlns="4873beb7-5857-4685-be1f-d57550cc96cc">false</IntlLangReview>
+    <LocLastLocAttemptVersionLookup xmlns="4873beb7-5857-4685-be1f-d57550cc96cc">855024</LocLastLocAttemptVersionLookup>
+    <PolicheckWords xmlns="4873beb7-5857-4685-be1f-d57550cc96cc" xsi:nil="true"/>
+    <SubmitterId xmlns="4873beb7-5857-4685-be1f-d57550cc96cc" xsi:nil="true"/>
+    <AcquiredFrom xmlns="4873beb7-5857-4685-be1f-d57550cc96cc">Internal MS</AcquiredFrom>
+    <EditorialStatus xmlns="4873beb7-5857-4685-be1f-d57550cc96cc">Complete</EditorialStatus>
+    <Markets xmlns="4873beb7-5857-4685-be1f-d57550cc96cc"/>
+    <OriginAsset xmlns="4873beb7-5857-4685-be1f-d57550cc96cc" xsi:nil="true"/>
+    <AssetStart xmlns="4873beb7-5857-4685-be1f-d57550cc96cc">2012-08-31T08:50:00+00:00</AssetStart>
+    <FriendlyTitle xmlns="4873beb7-5857-4685-be1f-d57550cc96cc" xsi:nil="true"/>
+    <MarketSpecific xmlns="4873beb7-5857-4685-be1f-d57550cc96cc">false</MarketSpecific>
+    <TPNamespace xmlns="4873beb7-5857-4685-be1f-d57550cc96cc" xsi:nil="true"/>
+    <PublishStatusLookup xmlns="4873beb7-5857-4685-be1f-d57550cc96cc">
+      <Value>1616423</Value>
+    </PublishStatusLookup>
+    <APAuthor xmlns="4873beb7-5857-4685-be1f-d57550cc96cc">
+      <UserInfo>
+        <DisplayName>REDMOND\kristaa</DisplayName>
+        <AccountId>136</AccountId>
+        <AccountType/>
+      </UserInfo>
+    </APAuthor>
+    <TPCommandLine xmlns="4873beb7-5857-4685-be1f-d57550cc96cc" xsi:nil="true"/>
+    <IntlLangReviewer xmlns="4873beb7-5857-4685-be1f-d57550cc96cc" xsi:nil="true"/>
+    <OpenTemplate xmlns="4873beb7-5857-4685-be1f-d57550cc96cc">true</OpenTemplate>
+    <CSXSubmissionDate xmlns="4873beb7-5857-4685-be1f-d57550cc96cc" xsi:nil="true"/>
+    <TaxCatchAll xmlns="4873beb7-5857-4685-be1f-d57550cc96cc"/>
+    <Manager xmlns="4873beb7-5857-4685-be1f-d57550cc96cc" xsi:nil="true"/>
+    <NumericId xmlns="4873beb7-5857-4685-be1f-d57550cc96cc" xsi:nil="true"/>
+    <ParentAssetId xmlns="4873beb7-5857-4685-be1f-d57550cc96cc" xsi:nil="true"/>
+    <OriginalSourceMarket xmlns="4873beb7-5857-4685-be1f-d57550cc96cc" xsi:nil="true"/>
+    <ApprovalStatus xmlns="4873beb7-5857-4685-be1f-d57550cc96cc">InProgress</ApprovalStatus>
+    <TPComponent xmlns="4873beb7-5857-4685-be1f-d57550cc96cc" xsi:nil="true"/>
+    <EditorialTags xmlns="4873beb7-5857-4685-be1f-d57550cc96cc" xsi:nil="true"/>
+    <TPExecutable xmlns="4873beb7-5857-4685-be1f-d57550cc96cc" xsi:nil="true"/>
+    <TPLaunchHelpLink xmlns="4873beb7-5857-4685-be1f-d57550cc96cc" xsi:nil="true"/>
+    <LocComments xmlns="4873beb7-5857-4685-be1f-d57550cc96cc" xsi:nil="true"/>
+    <LocRecommendedHandoff xmlns="4873beb7-5857-4685-be1f-d57550cc96cc" xsi:nil="true"/>
+    <SourceTitle xmlns="4873beb7-5857-4685-be1f-d57550cc96cc" xsi:nil="true"/>
+    <CSXUpdate xmlns="4873beb7-5857-4685-be1f-d57550cc96cc">false</CSXUpdate>
+    <IntlLocPriority xmlns="4873beb7-5857-4685-be1f-d57550cc96cc" xsi:nil="true"/>
+    <UAProjectedTotalWords xmlns="4873beb7-5857-4685-be1f-d57550cc96cc" xsi:nil="true"/>
+    <AssetType xmlns="4873beb7-5857-4685-be1f-d57550cc96cc">TP</AssetType>
+    <MachineTranslated xmlns="4873beb7-5857-4685-be1f-d57550cc96cc">false</MachineTranslated>
+    <OutputCachingOn xmlns="4873beb7-5857-4685-be1f-d57550cc96cc">false</OutputCachingOn>
+    <TemplateStatus xmlns="4873beb7-5857-4685-be1f-d57550cc96cc">Complete</TemplateStatus>
+    <IsSearchable xmlns="4873beb7-5857-4685-be1f-d57550cc96cc">true</IsSearchable>
+    <ContentItem xmlns="4873beb7-5857-4685-be1f-d57550cc96cc" xsi:nil="true"/>
+    <HandoffToMSDN xmlns="4873beb7-5857-4685-be1f-d57550cc96cc" xsi:nil="true"/>
+    <ShowIn xmlns="4873beb7-5857-4685-be1f-d57550cc96cc">Show everywhere</ShowIn>
+    <ThumbnailAssetId xmlns="4873beb7-5857-4685-be1f-d57550cc96cc" xsi:nil="true"/>
+    <UALocComments xmlns="4873beb7-5857-4685-be1f-d57550cc96cc" xsi:nil="true"/>
+    <UALocRecommendation xmlns="4873beb7-5857-4685-be1f-d57550cc96cc">Localize</UALocRecommendation>
+    <LastModifiedDateTime xmlns="4873beb7-5857-4685-be1f-d57550cc96cc" xsi:nil="true"/>
+    <LegacyData xmlns="4873beb7-5857-4685-be1f-d57550cc96cc" xsi:nil="true"/>
+    <LocManualTestRequired xmlns="4873beb7-5857-4685-be1f-d57550cc96cc">false</LocManualTestRequired>
+    <LocMarketGroupTiers2 xmlns="4873beb7-5857-4685-be1f-d57550cc96cc" xsi:nil="true"/>
+    <ClipArtFilename xmlns="4873beb7-5857-4685-be1f-d57550cc96cc" xsi:nil="true"/>
+    <TPApplication xmlns="4873beb7-5857-4685-be1f-d57550cc96cc" xsi:nil="true"/>
+    <CSXHash xmlns="4873beb7-5857-4685-be1f-d57550cc96cc" xsi:nil="true"/>
+    <DirectSourceMarket xmlns="4873beb7-5857-4685-be1f-d57550cc96cc" xsi:nil="true"/>
+    <PrimaryImageGen xmlns="4873beb7-5857-4685-be1f-d57550cc96cc">true</PrimaryImageGen>
+    <PlannedPubDate xmlns="4873beb7-5857-4685-be1f-d57550cc96cc" xsi:nil="true"/>
+    <CSXSubmissionMarket xmlns="4873beb7-5857-4685-be1f-d57550cc96cc" xsi:nil="true"/>
+    <Downloads xmlns="4873beb7-5857-4685-be1f-d57550cc96cc">0</Downloads>
+    <ArtSampleDocs xmlns="4873beb7-5857-4685-be1f-d57550cc96cc" xsi:nil="true"/>
+    <TrustLevel xmlns="4873beb7-5857-4685-be1f-d57550cc96cc">1 Microsoft Managed Content</TrustLevel>
+    <BlockPublish xmlns="4873beb7-5857-4685-be1f-d57550cc96cc">false</BlockPublish>
+    <TPLaunchHelpLinkType xmlns="4873beb7-5857-4685-be1f-d57550cc96cc">Template</TPLaunchHelpLinkType>
+    <LocalizationTagsTaxHTField0 xmlns="4873beb7-5857-4685-be1f-d57550cc96cc">
+      <Terms xmlns="http://schemas.microsoft.com/office/infopath/2007/PartnerControls"/>
+    </LocalizationTagsTaxHTField0>
+    <BusinessGroup xmlns="4873beb7-5857-4685-be1f-d57550cc96cc" xsi:nil="true"/>
+    <Providers xmlns="4873beb7-5857-4685-be1f-d57550cc96cc" xsi:nil="true"/>
+    <TemplateTemplateType xmlns="4873beb7-5857-4685-be1f-d57550cc96cc">PowerPoint Presentation Template</TemplateTemplateType>
+    <TimesCloned xmlns="4873beb7-5857-4685-be1f-d57550cc96cc" xsi:nil="true"/>
+    <TPAppVersion xmlns="4873beb7-5857-4685-be1f-d57550cc96cc" xsi:nil="true"/>
+    <VoteCount xmlns="4873beb7-5857-4685-be1f-d57550cc96cc" xsi:nil="true"/>
+    <AverageRating xmlns="4873beb7-5857-4685-be1f-d57550cc96cc" xsi:nil="true"/>
+    <FeatureTagsTaxHTField0 xmlns="4873beb7-5857-4685-be1f-d57550cc96cc">
+      <Terms xmlns="http://schemas.microsoft.com/office/infopath/2007/PartnerControls"/>
+    </FeatureTagsTaxHTField0>
+    <Provider xmlns="4873beb7-5857-4685-be1f-d57550cc96cc" xsi:nil="true"/>
+    <UACurrentWords xmlns="4873beb7-5857-4685-be1f-d57550cc96cc" xsi:nil="true"/>
+    <AssetId xmlns="4873beb7-5857-4685-be1f-d57550cc96cc">TP103431361</AssetId>
+    <TPClientViewer xmlns="4873beb7-5857-4685-be1f-d57550cc96cc" xsi:nil="true"/>
+    <DSATActionTaken xmlns="4873beb7-5857-4685-be1f-d57550cc96cc" xsi:nil="true"/>
+    <APEditor xmlns="4873beb7-5857-4685-be1f-d57550cc96cc">
+      <UserInfo>
+        <DisplayName/>
+        <AccountId xsi:nil="true"/>
+        <AccountType/>
+      </UserInfo>
+    </APEditor>
+    <TPInstallLocation xmlns="4873beb7-5857-4685-be1f-d57550cc96cc" xsi:nil="true"/>
+    <OOCacheId xmlns="4873beb7-5857-4685-be1f-d57550cc96cc" xsi:nil="true"/>
+    <IsDeleted xmlns="4873beb7-5857-4685-be1f-d57550cc96cc">false</IsDeleted>
+    <PublishTargets xmlns="4873beb7-5857-4685-be1f-d57550cc96cc">OfficeOnlineVNext</PublishTargets>
+    <ApprovalLog xmlns="4873beb7-5857-4685-be1f-d57550cc96cc" xsi:nil="true"/>
+    <BugNumber xmlns="4873beb7-5857-4685-be1f-d57550cc96cc" xsi:nil="true"/>
+    <CrawlForDependencies xmlns="4873beb7-5857-4685-be1f-d57550cc96cc">false</CrawlForDependencies>
+    <InternalTagsTaxHTField0 xmlns="4873beb7-5857-4685-be1f-d57550cc96cc">
+      <Terms xmlns="http://schemas.microsoft.com/office/infopath/2007/PartnerControls"/>
+    </InternalTagsTaxHTField0>
+    <LastHandOff xmlns="4873beb7-5857-4685-be1f-d57550cc96cc" xsi:nil="true"/>
+    <Milestone xmlns="4873beb7-5857-4685-be1f-d57550cc96cc" xsi:nil="true"/>
+    <OriginalRelease xmlns="4873beb7-5857-4685-be1f-d57550cc96cc">15</OriginalRelease>
+    <RecommendationsModifier xmlns="4873beb7-5857-4685-be1f-d57550cc96cc" xsi:nil="true"/>
+    <ScenarioTagsTaxHTField0 xmlns="4873beb7-5857-4685-be1f-d57550cc96cc">
+      <Terms xmlns="http://schemas.microsoft.com/office/infopath/2007/PartnerControls"/>
+    </ScenarioTagsTaxHTField0>
+    <UANotes xmlns="4873beb7-5857-4685-be1f-d57550cc96cc" xsi:nil="true"/>
+  </documentManagement>
+</p:properties>
 </file>
 
 <file path=customXml/item2.xml><?xml version="1.0" encoding="utf-8"?>
@@ -29926,135 +30542,26 @@
 </file>
 
 <file path=customXml/item3.xml><?xml version="1.0" encoding="utf-8"?>
-<p:properties xmlns:p="http://schemas.microsoft.com/office/2006/metadata/properties" xmlns:xsi="http://www.w3.org/2001/XMLSchema-instance" xmlns:pc="http://schemas.microsoft.com/office/infopath/2007/PartnerControls">
-  <documentManagement>
-    <APDescription xmlns="4873beb7-5857-4685-be1f-d57550cc96cc" xsi:nil="true"/>
-    <AssetExpire xmlns="4873beb7-5857-4685-be1f-d57550cc96cc">2029-01-01T08:00:00+00:00</AssetExpire>
-    <CampaignTagsTaxHTField0 xmlns="4873beb7-5857-4685-be1f-d57550cc96cc">
-      <Terms xmlns="http://schemas.microsoft.com/office/infopath/2007/PartnerControls"/>
-    </CampaignTagsTaxHTField0>
-    <IntlLangReviewDate xmlns="4873beb7-5857-4685-be1f-d57550cc96cc" xsi:nil="true"/>
-    <TPFriendlyName xmlns="4873beb7-5857-4685-be1f-d57550cc96cc" xsi:nil="true"/>
-    <IntlLangReview xmlns="4873beb7-5857-4685-be1f-d57550cc96cc">false</IntlLangReview>
-    <LocLastLocAttemptVersionLookup xmlns="4873beb7-5857-4685-be1f-d57550cc96cc">855024</LocLastLocAttemptVersionLookup>
-    <PolicheckWords xmlns="4873beb7-5857-4685-be1f-d57550cc96cc" xsi:nil="true"/>
-    <SubmitterId xmlns="4873beb7-5857-4685-be1f-d57550cc96cc" xsi:nil="true"/>
-    <AcquiredFrom xmlns="4873beb7-5857-4685-be1f-d57550cc96cc">Internal MS</AcquiredFrom>
-    <EditorialStatus xmlns="4873beb7-5857-4685-be1f-d57550cc96cc">Complete</EditorialStatus>
-    <Markets xmlns="4873beb7-5857-4685-be1f-d57550cc96cc"/>
-    <OriginAsset xmlns="4873beb7-5857-4685-be1f-d57550cc96cc" xsi:nil="true"/>
-    <AssetStart xmlns="4873beb7-5857-4685-be1f-d57550cc96cc">2012-08-31T08:50:00+00:00</AssetStart>
-    <FriendlyTitle xmlns="4873beb7-5857-4685-be1f-d57550cc96cc" xsi:nil="true"/>
-    <MarketSpecific xmlns="4873beb7-5857-4685-be1f-d57550cc96cc">false</MarketSpecific>
-    <TPNamespace xmlns="4873beb7-5857-4685-be1f-d57550cc96cc" xsi:nil="true"/>
-    <PublishStatusLookup xmlns="4873beb7-5857-4685-be1f-d57550cc96cc">
-      <Value>1616423</Value>
-    </PublishStatusLookup>
-    <APAuthor xmlns="4873beb7-5857-4685-be1f-d57550cc96cc">
-      <UserInfo>
-        <DisplayName>REDMOND\kristaa</DisplayName>
-        <AccountId>136</AccountId>
-        <AccountType/>
-      </UserInfo>
-    </APAuthor>
-    <TPCommandLine xmlns="4873beb7-5857-4685-be1f-d57550cc96cc" xsi:nil="true"/>
-    <IntlLangReviewer xmlns="4873beb7-5857-4685-be1f-d57550cc96cc" xsi:nil="true"/>
-    <OpenTemplate xmlns="4873beb7-5857-4685-be1f-d57550cc96cc">true</OpenTemplate>
-    <CSXSubmissionDate xmlns="4873beb7-5857-4685-be1f-d57550cc96cc" xsi:nil="true"/>
-    <TaxCatchAll xmlns="4873beb7-5857-4685-be1f-d57550cc96cc"/>
-    <Manager xmlns="4873beb7-5857-4685-be1f-d57550cc96cc" xsi:nil="true"/>
-    <NumericId xmlns="4873beb7-5857-4685-be1f-d57550cc96cc" xsi:nil="true"/>
-    <ParentAssetId xmlns="4873beb7-5857-4685-be1f-d57550cc96cc" xsi:nil="true"/>
-    <OriginalSourceMarket xmlns="4873beb7-5857-4685-be1f-d57550cc96cc" xsi:nil="true"/>
-    <ApprovalStatus xmlns="4873beb7-5857-4685-be1f-d57550cc96cc">InProgress</ApprovalStatus>
-    <TPComponent xmlns="4873beb7-5857-4685-be1f-d57550cc96cc" xsi:nil="true"/>
-    <EditorialTags xmlns="4873beb7-5857-4685-be1f-d57550cc96cc" xsi:nil="true"/>
-    <TPExecutable xmlns="4873beb7-5857-4685-be1f-d57550cc96cc" xsi:nil="true"/>
-    <TPLaunchHelpLink xmlns="4873beb7-5857-4685-be1f-d57550cc96cc" xsi:nil="true"/>
-    <LocComments xmlns="4873beb7-5857-4685-be1f-d57550cc96cc" xsi:nil="true"/>
-    <LocRecommendedHandoff xmlns="4873beb7-5857-4685-be1f-d57550cc96cc" xsi:nil="true"/>
-    <SourceTitle xmlns="4873beb7-5857-4685-be1f-d57550cc96cc" xsi:nil="true"/>
-    <CSXUpdate xmlns="4873beb7-5857-4685-be1f-d57550cc96cc">false</CSXUpdate>
-    <IntlLocPriority xmlns="4873beb7-5857-4685-be1f-d57550cc96cc" xsi:nil="true"/>
-    <UAProjectedTotalWords xmlns="4873beb7-5857-4685-be1f-d57550cc96cc" xsi:nil="true"/>
-    <AssetType xmlns="4873beb7-5857-4685-be1f-d57550cc96cc">TP</AssetType>
-    <MachineTranslated xmlns="4873beb7-5857-4685-be1f-d57550cc96cc">false</MachineTranslated>
-    <OutputCachingOn xmlns="4873beb7-5857-4685-be1f-d57550cc96cc">false</OutputCachingOn>
-    <TemplateStatus xmlns="4873beb7-5857-4685-be1f-d57550cc96cc">Complete</TemplateStatus>
-    <IsSearchable xmlns="4873beb7-5857-4685-be1f-d57550cc96cc">true</IsSearchable>
-    <ContentItem xmlns="4873beb7-5857-4685-be1f-d57550cc96cc" xsi:nil="true"/>
-    <HandoffToMSDN xmlns="4873beb7-5857-4685-be1f-d57550cc96cc" xsi:nil="true"/>
-    <ShowIn xmlns="4873beb7-5857-4685-be1f-d57550cc96cc">Show everywhere</ShowIn>
-    <ThumbnailAssetId xmlns="4873beb7-5857-4685-be1f-d57550cc96cc" xsi:nil="true"/>
-    <UALocComments xmlns="4873beb7-5857-4685-be1f-d57550cc96cc" xsi:nil="true"/>
-    <UALocRecommendation xmlns="4873beb7-5857-4685-be1f-d57550cc96cc">Localize</UALocRecommendation>
-    <LastModifiedDateTime xmlns="4873beb7-5857-4685-be1f-d57550cc96cc" xsi:nil="true"/>
-    <LegacyData xmlns="4873beb7-5857-4685-be1f-d57550cc96cc" xsi:nil="true"/>
-    <LocManualTestRequired xmlns="4873beb7-5857-4685-be1f-d57550cc96cc">false</LocManualTestRequired>
-    <LocMarketGroupTiers2 xmlns="4873beb7-5857-4685-be1f-d57550cc96cc" xsi:nil="true"/>
-    <ClipArtFilename xmlns="4873beb7-5857-4685-be1f-d57550cc96cc" xsi:nil="true"/>
-    <TPApplication xmlns="4873beb7-5857-4685-be1f-d57550cc96cc" xsi:nil="true"/>
-    <CSXHash xmlns="4873beb7-5857-4685-be1f-d57550cc96cc" xsi:nil="true"/>
-    <DirectSourceMarket xmlns="4873beb7-5857-4685-be1f-d57550cc96cc" xsi:nil="true"/>
-    <PrimaryImageGen xmlns="4873beb7-5857-4685-be1f-d57550cc96cc">true</PrimaryImageGen>
-    <PlannedPubDate xmlns="4873beb7-5857-4685-be1f-d57550cc96cc" xsi:nil="true"/>
-    <CSXSubmissionMarket xmlns="4873beb7-5857-4685-be1f-d57550cc96cc" xsi:nil="true"/>
-    <Downloads xmlns="4873beb7-5857-4685-be1f-d57550cc96cc">0</Downloads>
-    <ArtSampleDocs xmlns="4873beb7-5857-4685-be1f-d57550cc96cc" xsi:nil="true"/>
-    <TrustLevel xmlns="4873beb7-5857-4685-be1f-d57550cc96cc">1 Microsoft Managed Content</TrustLevel>
-    <BlockPublish xmlns="4873beb7-5857-4685-be1f-d57550cc96cc">false</BlockPublish>
-    <TPLaunchHelpLinkType xmlns="4873beb7-5857-4685-be1f-d57550cc96cc">Template</TPLaunchHelpLinkType>
-    <LocalizationTagsTaxHTField0 xmlns="4873beb7-5857-4685-be1f-d57550cc96cc">
-      <Terms xmlns="http://schemas.microsoft.com/office/infopath/2007/PartnerControls"/>
-    </LocalizationTagsTaxHTField0>
-    <BusinessGroup xmlns="4873beb7-5857-4685-be1f-d57550cc96cc" xsi:nil="true"/>
-    <Providers xmlns="4873beb7-5857-4685-be1f-d57550cc96cc" xsi:nil="true"/>
-    <TemplateTemplateType xmlns="4873beb7-5857-4685-be1f-d57550cc96cc">PowerPoint Presentation Template</TemplateTemplateType>
-    <TimesCloned xmlns="4873beb7-5857-4685-be1f-d57550cc96cc" xsi:nil="true"/>
-    <TPAppVersion xmlns="4873beb7-5857-4685-be1f-d57550cc96cc" xsi:nil="true"/>
-    <VoteCount xmlns="4873beb7-5857-4685-be1f-d57550cc96cc" xsi:nil="true"/>
-    <AverageRating xmlns="4873beb7-5857-4685-be1f-d57550cc96cc" xsi:nil="true"/>
-    <FeatureTagsTaxHTField0 xmlns="4873beb7-5857-4685-be1f-d57550cc96cc">
-      <Terms xmlns="http://schemas.microsoft.com/office/infopath/2007/PartnerControls"/>
-    </FeatureTagsTaxHTField0>
-    <Provider xmlns="4873beb7-5857-4685-be1f-d57550cc96cc" xsi:nil="true"/>
-    <UACurrentWords xmlns="4873beb7-5857-4685-be1f-d57550cc96cc" xsi:nil="true"/>
-    <AssetId xmlns="4873beb7-5857-4685-be1f-d57550cc96cc">TP103431361</AssetId>
-    <TPClientViewer xmlns="4873beb7-5857-4685-be1f-d57550cc96cc" xsi:nil="true"/>
-    <DSATActionTaken xmlns="4873beb7-5857-4685-be1f-d57550cc96cc" xsi:nil="true"/>
-    <APEditor xmlns="4873beb7-5857-4685-be1f-d57550cc96cc">
-      <UserInfo>
-        <DisplayName/>
-        <AccountId xsi:nil="true"/>
-        <AccountType/>
-      </UserInfo>
-    </APEditor>
-    <TPInstallLocation xmlns="4873beb7-5857-4685-be1f-d57550cc96cc" xsi:nil="true"/>
-    <OOCacheId xmlns="4873beb7-5857-4685-be1f-d57550cc96cc" xsi:nil="true"/>
-    <IsDeleted xmlns="4873beb7-5857-4685-be1f-d57550cc96cc">false</IsDeleted>
-    <PublishTargets xmlns="4873beb7-5857-4685-be1f-d57550cc96cc">OfficeOnlineVNext</PublishTargets>
-    <ApprovalLog xmlns="4873beb7-5857-4685-be1f-d57550cc96cc" xsi:nil="true"/>
-    <BugNumber xmlns="4873beb7-5857-4685-be1f-d57550cc96cc" xsi:nil="true"/>
-    <CrawlForDependencies xmlns="4873beb7-5857-4685-be1f-d57550cc96cc">false</CrawlForDependencies>
-    <InternalTagsTaxHTField0 xmlns="4873beb7-5857-4685-be1f-d57550cc96cc">
-      <Terms xmlns="http://schemas.microsoft.com/office/infopath/2007/PartnerControls"/>
-    </InternalTagsTaxHTField0>
-    <LastHandOff xmlns="4873beb7-5857-4685-be1f-d57550cc96cc" xsi:nil="true"/>
-    <Milestone xmlns="4873beb7-5857-4685-be1f-d57550cc96cc" xsi:nil="true"/>
-    <OriginalRelease xmlns="4873beb7-5857-4685-be1f-d57550cc96cc">15</OriginalRelease>
-    <RecommendationsModifier xmlns="4873beb7-5857-4685-be1f-d57550cc96cc" xsi:nil="true"/>
-    <ScenarioTagsTaxHTField0 xmlns="4873beb7-5857-4685-be1f-d57550cc96cc">
-      <Terms xmlns="http://schemas.microsoft.com/office/infopath/2007/PartnerControls"/>
-    </ScenarioTagsTaxHTField0>
-    <UANotes xmlns="4873beb7-5857-4685-be1f-d57550cc96cc" xsi:nil="true"/>
-  </documentManagement>
-</p:properties>
+<?mso-contentType ?>
+<FormTemplates xmlns="http://schemas.microsoft.com/sharepoint/v3/contenttype/forms">
+  <Display>DocumentLibraryForm</Display>
+  <Edit>AssetEditForm</Edit>
+  <New>DocumentLibraryForm</New>
+</FormTemplates>
 </file>
 
 <file path=customXml/itemProps1.xml><?xml version="1.0" encoding="utf-8"?>
-<ds:datastoreItem xmlns:ds="http://schemas.openxmlformats.org/officeDocument/2006/customXml" ds:itemID="{561E720F-F05D-4536-9C34-0CFCED65D3B7}">
+<ds:datastoreItem xmlns:ds="http://schemas.openxmlformats.org/officeDocument/2006/customXml" ds:itemID="{8CDDBB83-77C1-4099-A0AA-289882E745E2}">
   <ds:schemaRefs>
-    <ds:schemaRef ds:uri="http://schemas.microsoft.com/sharepoint/v3/contenttype/forms"/>
+    <ds:schemaRef ds:uri="http://schemas.microsoft.com/office/2006/metadata/properties"/>
+    <ds:schemaRef ds:uri="http://schemas.microsoft.com/office/2006/documentManagement/types"/>
+    <ds:schemaRef ds:uri="http://purl.org/dc/elements/1.1/"/>
+    <ds:schemaRef ds:uri="http://schemas.openxmlformats.org/package/2006/metadata/core-properties"/>
+    <ds:schemaRef ds:uri="4873beb7-5857-4685-be1f-d57550cc96cc"/>
+    <ds:schemaRef ds:uri="http://schemas.microsoft.com/office/infopath/2007/PartnerControls"/>
+    <ds:schemaRef ds:uri="http://purl.org/dc/dcmitype/"/>
+    <ds:schemaRef ds:uri="http://purl.org/dc/terms/"/>
+    <ds:schemaRef ds:uri="http://www.w3.org/XML/1998/namespace"/>
   </ds:schemaRefs>
 </ds:datastoreItem>
 </file>
@@ -30078,17 +30585,9 @@
 </file>
 
 <file path=customXml/itemProps3.xml><?xml version="1.0" encoding="utf-8"?>
-<ds:datastoreItem xmlns:ds="http://schemas.openxmlformats.org/officeDocument/2006/customXml" ds:itemID="{8CDDBB83-77C1-4099-A0AA-289882E745E2}">
+<ds:datastoreItem xmlns:ds="http://schemas.openxmlformats.org/officeDocument/2006/customXml" ds:itemID="{561E720F-F05D-4536-9C34-0CFCED65D3B7}">
   <ds:schemaRefs>
-    <ds:schemaRef ds:uri="http://schemas.microsoft.com/office/2006/metadata/properties"/>
-    <ds:schemaRef ds:uri="http://schemas.microsoft.com/office/2006/documentManagement/types"/>
-    <ds:schemaRef ds:uri="http://purl.org/dc/elements/1.1/"/>
-    <ds:schemaRef ds:uri="http://schemas.openxmlformats.org/package/2006/metadata/core-properties"/>
-    <ds:schemaRef ds:uri="4873beb7-5857-4685-be1f-d57550cc96cc"/>
-    <ds:schemaRef ds:uri="http://schemas.microsoft.com/office/infopath/2007/PartnerControls"/>
-    <ds:schemaRef ds:uri="http://purl.org/dc/dcmitype/"/>
-    <ds:schemaRef ds:uri="http://purl.org/dc/terms/"/>
-    <ds:schemaRef ds:uri="http://www.w3.org/XML/1998/namespace"/>
+    <ds:schemaRef ds:uri="http://schemas.microsoft.com/sharepoint/v3/contenttype/forms"/>
   </ds:schemaRefs>
 </ds:datastoreItem>
 </file>
--- a/bpdmo_greedy.pptx
+++ b/bpdmo_greedy.pptx
@@ -203,6 +203,7 @@
           </a:p>
         </c:rich>
       </c:tx>
+      <c:layout/>
       <c:overlay val="0"/>
       <c:spPr>
         <a:noFill/>
@@ -571,11 +572,11 @@
           <c:showBubbleSize val="0"/>
         </c:dLbls>
         <c:smooth val="0"/>
-        <c:axId val="356554232"/>
-        <c:axId val="356556584"/>
+        <c:axId val="441534736"/>
+        <c:axId val="441530424"/>
       </c:lineChart>
       <c:catAx>
-        <c:axId val="356554232"/>
+        <c:axId val="441534736"/>
         <c:scaling>
           <c:orientation val="minMax"/>
         </c:scaling>
@@ -622,7 +623,7 @@
             <a:endParaRPr lang="es-ES"/>
           </a:p>
         </c:txPr>
-        <c:crossAx val="356556584"/>
+        <c:crossAx val="441530424"/>
         <c:crosses val="autoZero"/>
         <c:auto val="1"/>
         <c:lblAlgn val="ctr"/>
@@ -630,7 +631,7 @@
         <c:noMultiLvlLbl val="0"/>
       </c:catAx>
       <c:valAx>
-        <c:axId val="356556584"/>
+        <c:axId val="441530424"/>
         <c:scaling>
           <c:orientation val="minMax"/>
         </c:scaling>
@@ -686,7 +687,7 @@
             <a:endParaRPr lang="es-ES"/>
           </a:p>
         </c:txPr>
-        <c:crossAx val="356554232"/>
+        <c:crossAx val="441534736"/>
         <c:crosses val="autoZero"/>
         <c:crossBetween val="between"/>
       </c:valAx>
@@ -700,6 +701,7 @@
     </c:plotArea>
     <c:legend>
       <c:legendPos val="b"/>
+      <c:layout/>
       <c:overlay val="0"/>
       <c:spPr>
         <a:noFill/>
@@ -758,6 +760,7 @@
   <c:externalData r:id="rId4">
     <c:autoUpdate val="0"/>
   </c:externalData>
+  <c:userShapes r:id="rId5"/>
 </c:chartSpace>
 </file>
 
@@ -807,6 +810,7 @@
           </a:p>
         </c:rich>
       </c:tx>
+      <c:layout/>
       <c:overlay val="0"/>
       <c:spPr>
         <a:noFill/>
@@ -1175,11 +1179,11 @@
           <c:showBubbleSize val="0"/>
         </c:dLbls>
         <c:smooth val="0"/>
-        <c:axId val="356565600"/>
-        <c:axId val="469448752"/>
+        <c:axId val="441534344"/>
+        <c:axId val="441531208"/>
       </c:lineChart>
       <c:catAx>
-        <c:axId val="356565600"/>
+        <c:axId val="441534344"/>
         <c:scaling>
           <c:orientation val="minMax"/>
         </c:scaling>
@@ -1226,7 +1230,7 @@
             <a:endParaRPr lang="es-ES"/>
           </a:p>
         </c:txPr>
-        <c:crossAx val="469448752"/>
+        <c:crossAx val="441531208"/>
         <c:crosses val="autoZero"/>
         <c:auto val="1"/>
         <c:lblAlgn val="ctr"/>
@@ -1234,7 +1238,7 @@
         <c:noMultiLvlLbl val="0"/>
       </c:catAx>
       <c:valAx>
-        <c:axId val="469448752"/>
+        <c:axId val="441531208"/>
         <c:scaling>
           <c:orientation val="minMax"/>
         </c:scaling>
@@ -1290,7 +1294,7 @@
             <a:endParaRPr lang="es-ES"/>
           </a:p>
         </c:txPr>
-        <c:crossAx val="356565600"/>
+        <c:crossAx val="441534344"/>
         <c:crosses val="autoZero"/>
         <c:crossBetween val="between"/>
       </c:valAx>
@@ -1304,6 +1308,7 @@
     </c:plotArea>
     <c:legend>
       <c:legendPos val="b"/>
+      <c:layout/>
       <c:overlay val="0"/>
       <c:spPr>
         <a:noFill/>
@@ -1467,6 +1472,7 @@
           </a:p>
         </c:rich>
       </c:tx>
+      <c:layout/>
       <c:overlay val="0"/>
       <c:spPr>
         <a:noFill/>
@@ -1835,11 +1841,11 @@
           <c:showBubbleSize val="0"/>
         </c:dLbls>
         <c:smooth val="0"/>
-        <c:axId val="469445616"/>
-        <c:axId val="469448360"/>
+        <c:axId val="441535128"/>
+        <c:axId val="441036232"/>
       </c:lineChart>
       <c:catAx>
-        <c:axId val="469445616"/>
+        <c:axId val="441535128"/>
         <c:scaling>
           <c:orientation val="minMax"/>
         </c:scaling>
@@ -1886,7 +1892,7 @@
             <a:endParaRPr lang="es-ES"/>
           </a:p>
         </c:txPr>
-        <c:crossAx val="469448360"/>
+        <c:crossAx val="441036232"/>
         <c:crosses val="autoZero"/>
         <c:auto val="1"/>
         <c:lblAlgn val="ctr"/>
@@ -1894,7 +1900,7 @@
         <c:noMultiLvlLbl val="0"/>
       </c:catAx>
       <c:valAx>
-        <c:axId val="469448360"/>
+        <c:axId val="441036232"/>
         <c:scaling>
           <c:orientation val="minMax"/>
         </c:scaling>
@@ -1950,7 +1956,7 @@
             <a:endParaRPr lang="es-ES"/>
           </a:p>
         </c:txPr>
-        <c:crossAx val="469445616"/>
+        <c:crossAx val="441535128"/>
         <c:crosses val="autoZero"/>
         <c:crossBetween val="between"/>
       </c:valAx>
@@ -1964,6 +1970,7 @@
     </c:plotArea>
     <c:legend>
       <c:legendPos val="b"/>
+      <c:layout/>
       <c:overlay val="0"/>
       <c:spPr>
         <a:noFill/>
@@ -2074,6 +2081,7 @@
           </a:p>
         </c:rich>
       </c:tx>
+      <c:layout/>
       <c:overlay val="0"/>
       <c:spPr>
         <a:noFill/>
@@ -2442,11 +2450,11 @@
           <c:showBubbleSize val="0"/>
         </c:dLbls>
         <c:smooth val="0"/>
-        <c:axId val="469449928"/>
-        <c:axId val="469447576"/>
+        <c:axId val="443729512"/>
+        <c:axId val="443730296"/>
       </c:lineChart>
       <c:catAx>
-        <c:axId val="469449928"/>
+        <c:axId val="443729512"/>
         <c:scaling>
           <c:orientation val="minMax"/>
         </c:scaling>
@@ -2493,7 +2501,7 @@
             <a:endParaRPr lang="es-ES"/>
           </a:p>
         </c:txPr>
-        <c:crossAx val="469447576"/>
+        <c:crossAx val="443730296"/>
         <c:crosses val="autoZero"/>
         <c:auto val="1"/>
         <c:lblAlgn val="ctr"/>
@@ -2501,7 +2509,7 @@
         <c:noMultiLvlLbl val="0"/>
       </c:catAx>
       <c:valAx>
-        <c:axId val="469447576"/>
+        <c:axId val="443730296"/>
         <c:scaling>
           <c:orientation val="minMax"/>
         </c:scaling>
@@ -2557,7 +2565,7 @@
             <a:endParaRPr lang="es-ES"/>
           </a:p>
         </c:txPr>
-        <c:crossAx val="469449928"/>
+        <c:crossAx val="443729512"/>
         <c:crosses val="autoZero"/>
         <c:crossBetween val="between"/>
       </c:valAx>
@@ -2571,6 +2579,7 @@
     </c:plotArea>
     <c:legend>
       <c:legendPos val="b"/>
+      <c:layout/>
       <c:overlay val="0"/>
       <c:spPr>
         <a:noFill/>
@@ -2678,6 +2687,7 @@
           </a:p>
         </c:rich>
       </c:tx>
+      <c:layout/>
       <c:overlay val="0"/>
       <c:spPr>
         <a:noFill/>
@@ -3046,11 +3056,11 @@
           <c:showBubbleSize val="0"/>
         </c:dLbls>
         <c:smooth val="0"/>
-        <c:axId val="469447968"/>
-        <c:axId val="469449144"/>
+        <c:axId val="443731080"/>
+        <c:axId val="443733432"/>
       </c:lineChart>
       <c:catAx>
-        <c:axId val="469447968"/>
+        <c:axId val="443731080"/>
         <c:scaling>
           <c:orientation val="minMax"/>
         </c:scaling>
@@ -3097,7 +3107,7 @@
             <a:endParaRPr lang="es-ES"/>
           </a:p>
         </c:txPr>
-        <c:crossAx val="469449144"/>
+        <c:crossAx val="443733432"/>
         <c:crosses val="autoZero"/>
         <c:auto val="1"/>
         <c:lblAlgn val="ctr"/>
@@ -3105,7 +3115,7 @@
         <c:noMultiLvlLbl val="0"/>
       </c:catAx>
       <c:valAx>
-        <c:axId val="469449144"/>
+        <c:axId val="443733432"/>
         <c:scaling>
           <c:orientation val="minMax"/>
         </c:scaling>
@@ -3161,7 +3171,7 @@
             <a:endParaRPr lang="es-ES"/>
           </a:p>
         </c:txPr>
-        <c:crossAx val="469447968"/>
+        <c:crossAx val="443731080"/>
         <c:crosses val="autoZero"/>
         <c:crossBetween val="between"/>
       </c:valAx>
@@ -3175,6 +3185,7 @@
     </c:plotArea>
     <c:legend>
       <c:legendPos val="b"/>
+      <c:layout/>
       <c:overlay val="0"/>
       <c:spPr>
         <a:noFill/>
@@ -3233,7 +3244,6 @@
   <c:externalData r:id="rId4">
     <c:autoUpdate val="0"/>
   </c:externalData>
-  <c:userShapes r:id="rId5"/>
 </c:chartSpace>
 </file>
 
@@ -3283,6 +3293,7 @@
           </a:p>
         </c:rich>
       </c:tx>
+      <c:layout/>
       <c:overlay val="0"/>
       <c:spPr>
         <a:noFill/>
@@ -3651,11 +3662,11 @@
           <c:showBubbleSize val="0"/>
         </c:dLbls>
         <c:smooth val="0"/>
-        <c:axId val="469443264"/>
-        <c:axId val="469447184"/>
+        <c:axId val="443735000"/>
+        <c:axId val="443733040"/>
       </c:lineChart>
       <c:catAx>
-        <c:axId val="469443264"/>
+        <c:axId val="443735000"/>
         <c:scaling>
           <c:orientation val="minMax"/>
         </c:scaling>
@@ -3702,7 +3713,7 @@
             <a:endParaRPr lang="es-ES"/>
           </a:p>
         </c:txPr>
-        <c:crossAx val="469447184"/>
+        <c:crossAx val="443733040"/>
         <c:crosses val="autoZero"/>
         <c:auto val="1"/>
         <c:lblAlgn val="ctr"/>
@@ -3710,7 +3721,7 @@
         <c:noMultiLvlLbl val="0"/>
       </c:catAx>
       <c:valAx>
-        <c:axId val="469447184"/>
+        <c:axId val="443733040"/>
         <c:scaling>
           <c:orientation val="minMax"/>
         </c:scaling>
@@ -3766,7 +3777,7 @@
             <a:endParaRPr lang="es-ES"/>
           </a:p>
         </c:txPr>
-        <c:crossAx val="469443264"/>
+        <c:crossAx val="443735000"/>
         <c:crosses val="autoZero"/>
         <c:crossBetween val="between"/>
       </c:valAx>
@@ -3780,6 +3791,7 @@
     </c:plotArea>
     <c:legend>
       <c:legendPos val="b"/>
+      <c:layout/>
       <c:overlay val="0"/>
       <c:spPr>
         <a:noFill/>
@@ -3887,6 +3899,7 @@
           </a:p>
         </c:rich>
       </c:tx>
+      <c:layout/>
       <c:overlay val="0"/>
       <c:spPr>
         <a:noFill/>
@@ -4735,11 +4748,11 @@
           <c:showBubbleSize val="0"/>
         </c:dLbls>
         <c:smooth val="0"/>
-        <c:axId val="469443656"/>
-        <c:axId val="469444048"/>
+        <c:axId val="443733824"/>
+        <c:axId val="443727944"/>
       </c:lineChart>
       <c:catAx>
-        <c:axId val="469443656"/>
+        <c:axId val="443733824"/>
         <c:scaling>
           <c:orientation val="minMax"/>
         </c:scaling>
@@ -4786,7 +4799,7 @@
             <a:endParaRPr lang="es-ES"/>
           </a:p>
         </c:txPr>
-        <c:crossAx val="469444048"/>
+        <c:crossAx val="443727944"/>
         <c:crosses val="autoZero"/>
         <c:auto val="1"/>
         <c:lblAlgn val="ctr"/>
@@ -4794,7 +4807,7 @@
         <c:noMultiLvlLbl val="0"/>
       </c:catAx>
       <c:valAx>
-        <c:axId val="469444048"/>
+        <c:axId val="443727944"/>
         <c:scaling>
           <c:orientation val="minMax"/>
         </c:scaling>
@@ -4850,7 +4863,7 @@
             <a:endParaRPr lang="es-ES"/>
           </a:p>
         </c:txPr>
-        <c:crossAx val="469443656"/>
+        <c:crossAx val="443733824"/>
         <c:crosses val="autoZero"/>
         <c:crossBetween val="between"/>
       </c:valAx>
@@ -4864,6 +4877,7 @@
     </c:plotArea>
     <c:legend>
       <c:legendPos val="b"/>
+      <c:layout/>
       <c:overlay val="0"/>
       <c:spPr>
         <a:noFill/>
@@ -4971,6 +4985,7 @@
           </a:p>
         </c:rich>
       </c:tx>
+      <c:layout/>
       <c:overlay val="0"/>
       <c:spPr>
         <a:noFill/>
@@ -5822,11 +5837,11 @@
           <c:showBubbleSize val="0"/>
         </c:dLbls>
         <c:smooth val="0"/>
-        <c:axId val="356557368"/>
-        <c:axId val="356557760"/>
+        <c:axId val="443732256"/>
+        <c:axId val="443728336"/>
       </c:lineChart>
       <c:catAx>
-        <c:axId val="356557368"/>
+        <c:axId val="443732256"/>
         <c:scaling>
           <c:orientation val="minMax"/>
         </c:scaling>
@@ -5873,7 +5888,7 @@
             <a:endParaRPr lang="es-ES"/>
           </a:p>
         </c:txPr>
-        <c:crossAx val="356557760"/>
+        <c:crossAx val="443728336"/>
         <c:crosses val="autoZero"/>
         <c:auto val="1"/>
         <c:lblAlgn val="ctr"/>
@@ -5881,7 +5896,7 @@
         <c:noMultiLvlLbl val="0"/>
       </c:catAx>
       <c:valAx>
-        <c:axId val="356557760"/>
+        <c:axId val="443728336"/>
         <c:scaling>
           <c:orientation val="minMax"/>
         </c:scaling>
@@ -5937,7 +5952,7 @@
             <a:endParaRPr lang="es-ES"/>
           </a:p>
         </c:txPr>
-        <c:crossAx val="356557368"/>
+        <c:crossAx val="443732256"/>
         <c:crosses val="autoZero"/>
         <c:crossBetween val="between"/>
       </c:valAx>
@@ -5951,6 +5966,7 @@
     </c:plotArea>
     <c:legend>
       <c:legendPos val="b"/>
+      <c:layout/>
       <c:overlay val="0"/>
       <c:spPr>
         <a:noFill/>
@@ -11673,606 +11689,6 @@
       <dsp:cNvGrpSpPr/>
     </dsp:nvGrpSpPr>
     <dsp:grpSpPr/>
-    <dsp:sp modelId="{6B08AC4B-4CEC-41E5-AE19-47A4E2720563}">
-      <dsp:nvSpPr>
-        <dsp:cNvPr id="0" name=""/>
-        <dsp:cNvSpPr/>
-      </dsp:nvSpPr>
-      <dsp:spPr>
-        <a:xfrm>
-          <a:off x="155869" y="1151234"/>
-          <a:ext cx="1935105" cy="881104"/>
-        </a:xfrm>
-        <a:prstGeom prst="rect">
-          <a:avLst/>
-        </a:prstGeom>
-        <a:solidFill>
-          <a:schemeClr val="bg1">
-            <a:lumMod val="95000"/>
-            <a:alpha val="90000"/>
-          </a:schemeClr>
-        </a:solidFill>
-        <a:ln w="6350" cap="rnd" cmpd="sng" algn="ctr">
-          <a:solidFill>
-            <a:schemeClr val="accent1">
-              <a:alpha val="90000"/>
-              <a:tint val="40000"/>
-              <a:hueOff val="0"/>
-              <a:satOff val="0"/>
-              <a:lumOff val="0"/>
-              <a:alphaOff val="0"/>
-            </a:schemeClr>
-          </a:solidFill>
-          <a:prstDash val="solid"/>
-        </a:ln>
-        <a:effectLst/>
-      </dsp:spPr>
-      <dsp:style>
-        <a:lnRef idx="1">
-          <a:scrgbClr r="0" g="0" b="0"/>
-        </a:lnRef>
-        <a:fillRef idx="1">
-          <a:scrgbClr r="0" g="0" b="0"/>
-        </a:fillRef>
-        <a:effectRef idx="0">
-          <a:scrgbClr r="0" g="0" b="0"/>
-        </a:effectRef>
-        <a:fontRef idx="minor"/>
-      </dsp:style>
-    </dsp:sp>
-    <dsp:sp modelId="{FC7ED273-8CFD-43C2-9C05-44FADF3E0637}">
-      <dsp:nvSpPr>
-        <dsp:cNvPr id="0" name=""/>
-        <dsp:cNvSpPr/>
-      </dsp:nvSpPr>
-      <dsp:spPr>
-        <a:xfrm>
-          <a:off x="-79831" y="227644"/>
-          <a:ext cx="951647" cy="951647"/>
-        </a:xfrm>
-        <a:prstGeom prst="ellipse">
-          <a:avLst/>
-        </a:prstGeom>
-        <a:gradFill rotWithShape="0">
-          <a:gsLst>
-            <a:gs pos="0">
-              <a:schemeClr val="accent1">
-                <a:hueOff val="0"/>
-                <a:satOff val="0"/>
-                <a:lumOff val="0"/>
-                <a:alphaOff val="0"/>
-                <a:shade val="100000"/>
-                <a:satMod val="137000"/>
-              </a:schemeClr>
-            </a:gs>
-            <a:gs pos="71000">
-              <a:schemeClr val="accent1">
-                <a:hueOff val="0"/>
-                <a:satOff val="0"/>
-                <a:lumOff val="0"/>
-                <a:alphaOff val="0"/>
-                <a:shade val="98000"/>
-                <a:satMod val="137000"/>
-              </a:schemeClr>
-            </a:gs>
-            <a:gs pos="100000">
-              <a:schemeClr val="accent1">
-                <a:hueOff val="0"/>
-                <a:satOff val="0"/>
-                <a:lumOff val="0"/>
-                <a:alphaOff val="0"/>
-                <a:shade val="75000"/>
-                <a:satMod val="137000"/>
-              </a:schemeClr>
-            </a:gs>
-          </a:gsLst>
-          <a:path path="rect">
-            <a:fillToRect l="50000" t="50000" r="50000" b="50000"/>
-          </a:path>
-        </a:gradFill>
-        <a:ln>
-          <a:noFill/>
-        </a:ln>
-        <a:effectLst>
-          <a:outerShdw blurRad="39000" dist="25400" dir="5400000" rotWithShape="0">
-            <a:srgbClr val="000000">
-              <a:alpha val="38000"/>
-            </a:srgbClr>
-          </a:outerShdw>
-        </a:effectLst>
-      </dsp:spPr>
-      <dsp:style>
-        <a:lnRef idx="0">
-          <a:scrgbClr r="0" g="0" b="0"/>
-        </a:lnRef>
-        <a:fillRef idx="3">
-          <a:scrgbClr r="0" g="0" b="0"/>
-        </a:fillRef>
-        <a:effectRef idx="2">
-          <a:scrgbClr r="0" g="0" b="0"/>
-        </a:effectRef>
-        <a:fontRef idx="minor">
-          <a:schemeClr val="lt1"/>
-        </a:fontRef>
-      </dsp:style>
-      <dsp:txBody>
-        <a:bodyPr spcFirstLastPara="0" vert="horz" wrap="square" lIns="0" tIns="0" rIns="0" bIns="0" numCol="1" spcCol="1270" rtlCol="0" anchor="ctr" anchorCtr="0">
-          <a:noAutofit/>
-        </a:bodyPr>
-        <a:lstStyle/>
-        <a:p>
-          <a:pPr lvl="0" algn="ctr" defTabSz="1822450" rtl="0">
-            <a:lnSpc>
-              <a:spcPct val="90000"/>
-            </a:lnSpc>
-            <a:spcBef>
-              <a:spcPct val="0"/>
-            </a:spcBef>
-            <a:spcAft>
-              <a:spcPct val="35000"/>
-            </a:spcAft>
-          </a:pPr>
-          <a:r>
-            <a:rPr lang="es-ES" sz="4100" kern="1200" noProof="0" dirty="0"/>
-            <a:t>C1</a:t>
-          </a:r>
-        </a:p>
-      </dsp:txBody>
-      <dsp:txXfrm>
-        <a:off x="59534" y="367009"/>
-        <a:ext cx="672917" cy="672917"/>
-      </dsp:txXfrm>
-    </dsp:sp>
-    <dsp:sp modelId="{F660F4B9-35DB-4256-A868-A35C6DCCF6B2}">
-      <dsp:nvSpPr>
-        <dsp:cNvPr id="0" name=""/>
-        <dsp:cNvSpPr/>
-      </dsp:nvSpPr>
-      <dsp:spPr>
-        <a:xfrm>
-          <a:off x="2655135" y="1130668"/>
-          <a:ext cx="1957708" cy="914333"/>
-        </a:xfrm>
-        <a:prstGeom prst="rect">
-          <a:avLst/>
-        </a:prstGeom>
-        <a:solidFill>
-          <a:schemeClr val="bg1">
-            <a:lumMod val="95000"/>
-            <a:alpha val="90000"/>
-          </a:schemeClr>
-        </a:solidFill>
-        <a:ln w="6350" cap="rnd" cmpd="sng" algn="ctr">
-          <a:solidFill>
-            <a:schemeClr val="accent1">
-              <a:alpha val="90000"/>
-              <a:tint val="40000"/>
-              <a:hueOff val="0"/>
-              <a:satOff val="0"/>
-              <a:lumOff val="0"/>
-              <a:alphaOff val="0"/>
-            </a:schemeClr>
-          </a:solidFill>
-          <a:prstDash val="solid"/>
-        </a:ln>
-        <a:effectLst/>
-      </dsp:spPr>
-      <dsp:style>
-        <a:lnRef idx="1">
-          <a:scrgbClr r="0" g="0" b="0"/>
-        </a:lnRef>
-        <a:fillRef idx="1">
-          <a:scrgbClr r="0" g="0" b="0"/>
-        </a:fillRef>
-        <a:effectRef idx="0">
-          <a:scrgbClr r="0" g="0" b="0"/>
-        </a:effectRef>
-        <a:fontRef idx="minor"/>
-      </dsp:style>
-    </dsp:sp>
-    <dsp:sp modelId="{FD776C1E-557E-4553-9447-49B69EEC7907}">
-      <dsp:nvSpPr>
-        <dsp:cNvPr id="0" name=""/>
-        <dsp:cNvSpPr/>
-      </dsp:nvSpPr>
-      <dsp:spPr>
-        <a:xfrm>
-          <a:off x="2077218" y="254329"/>
-          <a:ext cx="951647" cy="951647"/>
-        </a:xfrm>
-        <a:prstGeom prst="ellipse">
-          <a:avLst/>
-        </a:prstGeom>
-        <a:gradFill rotWithShape="0">
-          <a:gsLst>
-            <a:gs pos="0">
-              <a:schemeClr val="accent1">
-                <a:hueOff val="0"/>
-                <a:satOff val="0"/>
-                <a:lumOff val="0"/>
-                <a:alphaOff val="0"/>
-                <a:shade val="100000"/>
-                <a:satMod val="137000"/>
-              </a:schemeClr>
-            </a:gs>
-            <a:gs pos="71000">
-              <a:schemeClr val="accent1">
-                <a:hueOff val="0"/>
-                <a:satOff val="0"/>
-                <a:lumOff val="0"/>
-                <a:alphaOff val="0"/>
-                <a:shade val="98000"/>
-                <a:satMod val="137000"/>
-              </a:schemeClr>
-            </a:gs>
-            <a:gs pos="100000">
-              <a:schemeClr val="accent1">
-                <a:hueOff val="0"/>
-                <a:satOff val="0"/>
-                <a:lumOff val="0"/>
-                <a:alphaOff val="0"/>
-                <a:shade val="75000"/>
-                <a:satMod val="137000"/>
-              </a:schemeClr>
-            </a:gs>
-          </a:gsLst>
-          <a:path path="rect">
-            <a:fillToRect l="50000" t="50000" r="50000" b="50000"/>
-          </a:path>
-        </a:gradFill>
-        <a:ln>
-          <a:noFill/>
-        </a:ln>
-        <a:effectLst>
-          <a:outerShdw blurRad="39000" dist="25400" dir="5400000" rotWithShape="0">
-            <a:srgbClr val="000000">
-              <a:alpha val="38000"/>
-            </a:srgbClr>
-          </a:outerShdw>
-        </a:effectLst>
-      </dsp:spPr>
-      <dsp:style>
-        <a:lnRef idx="0">
-          <a:scrgbClr r="0" g="0" b="0"/>
-        </a:lnRef>
-        <a:fillRef idx="3">
-          <a:scrgbClr r="0" g="0" b="0"/>
-        </a:fillRef>
-        <a:effectRef idx="2">
-          <a:scrgbClr r="0" g="0" b="0"/>
-        </a:effectRef>
-        <a:fontRef idx="minor">
-          <a:schemeClr val="lt1"/>
-        </a:fontRef>
-      </dsp:style>
-      <dsp:txBody>
-        <a:bodyPr spcFirstLastPara="0" vert="horz" wrap="square" lIns="0" tIns="0" rIns="0" bIns="0" numCol="1" spcCol="1270" rtlCol="0" anchor="ctr" anchorCtr="0">
-          <a:noAutofit/>
-        </a:bodyPr>
-        <a:lstStyle/>
-        <a:p>
-          <a:pPr lvl="0" algn="r" defTabSz="1822450" rtl="0">
-            <a:lnSpc>
-              <a:spcPct val="90000"/>
-            </a:lnSpc>
-            <a:spcBef>
-              <a:spcPct val="0"/>
-            </a:spcBef>
-            <a:spcAft>
-              <a:spcPct val="35000"/>
-            </a:spcAft>
-          </a:pPr>
-          <a:r>
-            <a:rPr lang="es-ES" sz="4100" kern="1200" noProof="0" dirty="0"/>
-            <a:t>C2</a:t>
-          </a:r>
-        </a:p>
-      </dsp:txBody>
-      <dsp:txXfrm>
-        <a:off x="2216583" y="393694"/>
-        <a:ext cx="672917" cy="672917"/>
-      </dsp:txXfrm>
-    </dsp:sp>
-    <dsp:sp modelId="{AD2806AC-6A03-4F05-9F4D-F72EA0E56FBF}">
-      <dsp:nvSpPr>
-        <dsp:cNvPr id="0" name=""/>
-        <dsp:cNvSpPr/>
-      </dsp:nvSpPr>
-      <dsp:spPr>
-        <a:xfrm>
-          <a:off x="5226455" y="1151330"/>
-          <a:ext cx="2010348" cy="882780"/>
-        </a:xfrm>
-        <a:prstGeom prst="rect">
-          <a:avLst/>
-        </a:prstGeom>
-        <a:solidFill>
-          <a:schemeClr val="bg1">
-            <a:lumMod val="95000"/>
-            <a:alpha val="90000"/>
-          </a:schemeClr>
-        </a:solidFill>
-        <a:ln w="6350" cap="rnd" cmpd="sng" algn="ctr">
-          <a:solidFill>
-            <a:schemeClr val="accent1">
-              <a:alpha val="90000"/>
-              <a:tint val="40000"/>
-              <a:hueOff val="0"/>
-              <a:satOff val="0"/>
-              <a:lumOff val="0"/>
-              <a:alphaOff val="0"/>
-            </a:schemeClr>
-          </a:solidFill>
-          <a:prstDash val="solid"/>
-        </a:ln>
-        <a:effectLst/>
-      </dsp:spPr>
-      <dsp:style>
-        <a:lnRef idx="1">
-          <a:scrgbClr r="0" g="0" b="0"/>
-        </a:lnRef>
-        <a:fillRef idx="1">
-          <a:scrgbClr r="0" g="0" b="0"/>
-        </a:fillRef>
-        <a:effectRef idx="0">
-          <a:scrgbClr r="0" g="0" b="0"/>
-        </a:effectRef>
-        <a:fontRef idx="minor"/>
-      </dsp:style>
-    </dsp:sp>
-    <dsp:sp modelId="{89E6DA6E-7A23-44BD-8A99-378091FF741D}">
-      <dsp:nvSpPr>
-        <dsp:cNvPr id="0" name=""/>
-        <dsp:cNvSpPr/>
-      </dsp:nvSpPr>
-      <dsp:spPr>
-        <a:xfrm>
-          <a:off x="4583780" y="292480"/>
-          <a:ext cx="951647" cy="951647"/>
-        </a:xfrm>
-        <a:prstGeom prst="ellipse">
-          <a:avLst/>
-        </a:prstGeom>
-        <a:gradFill rotWithShape="0">
-          <a:gsLst>
-            <a:gs pos="0">
-              <a:schemeClr val="accent1">
-                <a:hueOff val="0"/>
-                <a:satOff val="0"/>
-                <a:lumOff val="0"/>
-                <a:alphaOff val="0"/>
-                <a:shade val="100000"/>
-                <a:satMod val="137000"/>
-              </a:schemeClr>
-            </a:gs>
-            <a:gs pos="71000">
-              <a:schemeClr val="accent1">
-                <a:hueOff val="0"/>
-                <a:satOff val="0"/>
-                <a:lumOff val="0"/>
-                <a:alphaOff val="0"/>
-                <a:shade val="98000"/>
-                <a:satMod val="137000"/>
-              </a:schemeClr>
-            </a:gs>
-            <a:gs pos="100000">
-              <a:schemeClr val="accent1">
-                <a:hueOff val="0"/>
-                <a:satOff val="0"/>
-                <a:lumOff val="0"/>
-                <a:alphaOff val="0"/>
-                <a:shade val="75000"/>
-                <a:satMod val="137000"/>
-              </a:schemeClr>
-            </a:gs>
-          </a:gsLst>
-          <a:path path="rect">
-            <a:fillToRect l="50000" t="50000" r="50000" b="50000"/>
-          </a:path>
-        </a:gradFill>
-        <a:ln>
-          <a:noFill/>
-        </a:ln>
-        <a:effectLst>
-          <a:outerShdw blurRad="39000" dist="25400" dir="5400000" rotWithShape="0">
-            <a:srgbClr val="000000">
-              <a:alpha val="38000"/>
-            </a:srgbClr>
-          </a:outerShdw>
-        </a:effectLst>
-      </dsp:spPr>
-      <dsp:style>
-        <a:lnRef idx="0">
-          <a:scrgbClr r="0" g="0" b="0"/>
-        </a:lnRef>
-        <a:fillRef idx="3">
-          <a:scrgbClr r="0" g="0" b="0"/>
-        </a:fillRef>
-        <a:effectRef idx="2">
-          <a:scrgbClr r="0" g="0" b="0"/>
-        </a:effectRef>
-        <a:fontRef idx="minor">
-          <a:schemeClr val="lt1"/>
-        </a:fontRef>
-      </dsp:style>
-      <dsp:txBody>
-        <a:bodyPr spcFirstLastPara="0" vert="horz" wrap="square" lIns="0" tIns="0" rIns="0" bIns="0" numCol="1" spcCol="1270" rtlCol="0" anchor="ctr" anchorCtr="0">
-          <a:noAutofit/>
-        </a:bodyPr>
-        <a:lstStyle/>
-        <a:p>
-          <a:pPr lvl="0" algn="ctr" defTabSz="1822450" rtl="0">
-            <a:lnSpc>
-              <a:spcPct val="90000"/>
-            </a:lnSpc>
-            <a:spcBef>
-              <a:spcPct val="0"/>
-            </a:spcBef>
-            <a:spcAft>
-              <a:spcPct val="35000"/>
-            </a:spcAft>
-          </a:pPr>
-          <a:r>
-            <a:rPr lang="es-ES" sz="4100" kern="1200" noProof="0" dirty="0"/>
-            <a:t>C3</a:t>
-          </a:r>
-        </a:p>
-      </dsp:txBody>
-      <dsp:txXfrm>
-        <a:off x="4723145" y="431845"/>
-        <a:ext cx="672917" cy="672917"/>
-      </dsp:txXfrm>
-    </dsp:sp>
-    <dsp:sp modelId="{402C2C77-A32C-4D99-9940-12535E1181F2}">
-      <dsp:nvSpPr>
-        <dsp:cNvPr id="0" name=""/>
-        <dsp:cNvSpPr/>
-      </dsp:nvSpPr>
-      <dsp:spPr>
-        <a:xfrm>
-          <a:off x="7872141" y="1083310"/>
-          <a:ext cx="1994894" cy="950800"/>
-        </a:xfrm>
-        <a:prstGeom prst="rect">
-          <a:avLst/>
-        </a:prstGeom>
-        <a:solidFill>
-          <a:schemeClr val="bg1">
-            <a:lumMod val="95000"/>
-            <a:alpha val="90000"/>
-          </a:schemeClr>
-        </a:solidFill>
-        <a:ln w="6350" cap="rnd" cmpd="sng" algn="ctr">
-          <a:solidFill>
-            <a:schemeClr val="accent1">
-              <a:alpha val="90000"/>
-              <a:tint val="40000"/>
-              <a:hueOff val="0"/>
-              <a:satOff val="0"/>
-              <a:lumOff val="0"/>
-              <a:alphaOff val="0"/>
-            </a:schemeClr>
-          </a:solidFill>
-          <a:prstDash val="solid"/>
-        </a:ln>
-        <a:effectLst/>
-      </dsp:spPr>
-      <dsp:style>
-        <a:lnRef idx="1">
-          <a:scrgbClr r="0" g="0" b="0"/>
-        </a:lnRef>
-        <a:fillRef idx="1">
-          <a:scrgbClr r="0" g="0" b="0"/>
-        </a:fillRef>
-        <a:effectRef idx="0">
-          <a:scrgbClr r="0" g="0" b="0"/>
-        </a:effectRef>
-        <a:fontRef idx="minor"/>
-      </dsp:style>
-    </dsp:sp>
-    <dsp:sp modelId="{7453D9C8-CD6E-4AA4-8A19-7F6F667528F0}">
-      <dsp:nvSpPr>
-        <dsp:cNvPr id="0" name=""/>
-        <dsp:cNvSpPr/>
-      </dsp:nvSpPr>
-      <dsp:spPr>
-        <a:xfrm>
-          <a:off x="7107481" y="265054"/>
-          <a:ext cx="951647" cy="951647"/>
-        </a:xfrm>
-        <a:prstGeom prst="ellipse">
-          <a:avLst/>
-        </a:prstGeom>
-        <a:gradFill rotWithShape="0">
-          <a:gsLst>
-            <a:gs pos="0">
-              <a:schemeClr val="accent1">
-                <a:hueOff val="0"/>
-                <a:satOff val="0"/>
-                <a:lumOff val="0"/>
-                <a:alphaOff val="0"/>
-                <a:shade val="100000"/>
-                <a:satMod val="137000"/>
-              </a:schemeClr>
-            </a:gs>
-            <a:gs pos="71000">
-              <a:schemeClr val="accent1">
-                <a:hueOff val="0"/>
-                <a:satOff val="0"/>
-                <a:lumOff val="0"/>
-                <a:alphaOff val="0"/>
-                <a:shade val="98000"/>
-                <a:satMod val="137000"/>
-              </a:schemeClr>
-            </a:gs>
-            <a:gs pos="100000">
-              <a:schemeClr val="accent1">
-                <a:hueOff val="0"/>
-                <a:satOff val="0"/>
-                <a:lumOff val="0"/>
-                <a:alphaOff val="0"/>
-                <a:shade val="75000"/>
-                <a:satMod val="137000"/>
-              </a:schemeClr>
-            </a:gs>
-          </a:gsLst>
-          <a:path path="rect">
-            <a:fillToRect l="50000" t="50000" r="50000" b="50000"/>
-          </a:path>
-        </a:gradFill>
-        <a:ln>
-          <a:noFill/>
-        </a:ln>
-        <a:effectLst>
-          <a:outerShdw blurRad="39000" dist="25400" dir="5400000" rotWithShape="0">
-            <a:srgbClr val="000000">
-              <a:alpha val="38000"/>
-            </a:srgbClr>
-          </a:outerShdw>
-        </a:effectLst>
-      </dsp:spPr>
-      <dsp:style>
-        <a:lnRef idx="0">
-          <a:scrgbClr r="0" g="0" b="0"/>
-        </a:lnRef>
-        <a:fillRef idx="3">
-          <a:scrgbClr r="0" g="0" b="0"/>
-        </a:fillRef>
-        <a:effectRef idx="2">
-          <a:scrgbClr r="0" g="0" b="0"/>
-        </a:effectRef>
-        <a:fontRef idx="minor">
-          <a:schemeClr val="lt1"/>
-        </a:fontRef>
-      </dsp:style>
-      <dsp:txBody>
-        <a:bodyPr spcFirstLastPara="0" vert="horz" wrap="square" lIns="0" tIns="0" rIns="0" bIns="0" numCol="1" spcCol="1270" rtlCol="0" anchor="ctr" anchorCtr="0">
-          <a:noAutofit/>
-        </a:bodyPr>
-        <a:lstStyle/>
-        <a:p>
-          <a:pPr lvl="0" algn="ctr" defTabSz="1822450" rtl="0">
-            <a:lnSpc>
-              <a:spcPct val="90000"/>
-            </a:lnSpc>
-            <a:spcBef>
-              <a:spcPct val="0"/>
-            </a:spcBef>
-            <a:spcAft>
-              <a:spcPct val="35000"/>
-            </a:spcAft>
-          </a:pPr>
-          <a:r>
-            <a:rPr lang="es-ES" sz="4100" kern="1200" noProof="0" dirty="0"/>
-            <a:t>C4</a:t>
-          </a:r>
-        </a:p>
-      </dsp:txBody>
-      <dsp:txXfrm>
-        <a:off x="7246846" y="404419"/>
-        <a:ext cx="672917" cy="672917"/>
-      </dsp:txXfrm>
-    </dsp:sp>
   </dsp:spTree>
 </dsp:drawing>
 </file>
@@ -13669,12 +13085,12 @@
 <c:userShapes xmlns:c="http://schemas.openxmlformats.org/drawingml/2006/chart">
   <cdr:relSizeAnchor xmlns:cdr="http://schemas.openxmlformats.org/drawingml/2006/chartDrawing">
     <cdr:from>
-      <cdr:x>0.61992</cdr:x>
-      <cdr:y>0.27744</cdr:y>
+      <cdr:x>0.61814</cdr:x>
+      <cdr:y>0.23862</cdr:y>
     </cdr:from>
     <cdr:to>
-      <cdr:x>0.99302</cdr:x>
-      <cdr:y>0.9211</cdr:y>
+      <cdr:x>1</cdr:x>
+      <cdr:y>0.91318</cdr:y>
     </cdr:to>
     <cdr:pic>
       <cdr:nvPicPr>
@@ -13697,8 +13113,8 @@
       </cdr:blipFill>
       <cdr:spPr>
         <a:xfrm xmlns:a="http://schemas.openxmlformats.org/drawingml/2006/main">
-          <a:off x="7558056" y="1902689"/>
-          <a:ext cx="4548834" cy="4414227"/>
+          <a:off x="7343795" y="1557352"/>
+          <a:ext cx="4536706" cy="4402457"/>
         </a:xfrm>
         <a:prstGeom xmlns:a="http://schemas.openxmlformats.org/drawingml/2006/main" prst="rect">
           <a:avLst/>
@@ -13708,12 +13124,12 @@
   </cdr:relSizeAnchor>
   <cdr:relSizeAnchor xmlns:cdr="http://schemas.openxmlformats.org/drawingml/2006/chartDrawing">
     <cdr:from>
-      <cdr:x>0.6701</cdr:x>
-      <cdr:y>0.50883</cdr:y>
+      <cdr:x>0.66043</cdr:x>
+      <cdr:y>0.48755</cdr:y>
     </cdr:from>
     <cdr:to>
-      <cdr:x>0.91629</cdr:x>
-      <cdr:y>0.7898</cdr:y>
+      <cdr:x>0.91466</cdr:x>
+      <cdr:y>0.78465</cdr:y>
     </cdr:to>
     <cdr:sp macro="" textlink="">
       <cdr:nvSpPr>
@@ -13722,8 +13138,8 @@
       </cdr:nvSpPr>
       <cdr:spPr>
         <a:xfrm xmlns:a="http://schemas.openxmlformats.org/drawingml/2006/main">
-          <a:off x="8169856" y="3489536"/>
-          <a:ext cx="3001526" cy="1926945"/>
+          <a:off x="7846292" y="3181927"/>
+          <a:ext cx="3020291" cy="1938992"/>
         </a:xfrm>
         <a:prstGeom xmlns:a="http://schemas.openxmlformats.org/drawingml/2006/main" prst="rect">
           <a:avLst/>
@@ -13877,7 +13293,7 @@
               <a:latin typeface="MV Boli" panose="02000500030200090000" pitchFamily="2" charset="0"/>
               <a:cs typeface="MV Boli" panose="02000500030200090000" pitchFamily="2" charset="0"/>
             </a:rPr>
-            <a:t>0,1</a:t>
+            <a:t>0,3</a:t>
           </a:r>
           <a:r>
             <a:rPr lang="es-ES" sz="2400" dirty="0" smtClean="0">
@@ -13992,16 +13408,16 @@
 <c:userShapes xmlns:c="http://schemas.openxmlformats.org/drawingml/2006/chart">
   <cdr:relSizeAnchor xmlns:cdr="http://schemas.openxmlformats.org/drawingml/2006/chartDrawing">
     <cdr:from>
-      <cdr:x>0.6269</cdr:x>
-      <cdr:y>0.27273</cdr:y>
+      <cdr:x>0.62789</cdr:x>
+      <cdr:y>0.29293</cdr:y>
     </cdr:from>
     <cdr:to>
       <cdr:x>1</cdr:x>
-      <cdr:y>0.91639</cdr:y>
+      <cdr:y>0.93487</cdr:y>
     </cdr:to>
     <cdr:pic>
       <cdr:nvPicPr>
-        <cdr:cNvPr id="2" name="Imagen 1"/>
+        <cdr:cNvPr id="4" name="Imagen 3"/>
         <cdr:cNvPicPr>
           <a:picLocks xmlns:a="http://schemas.openxmlformats.org/drawingml/2006/main" noChangeAspect="1"/>
         </cdr:cNvPicPr>
@@ -14020,8 +13436,8 @@
       </cdr:blipFill>
       <cdr:spPr>
         <a:xfrm xmlns:a="http://schemas.openxmlformats.org/drawingml/2006/main">
-          <a:off x="7643166" y="1870362"/>
-          <a:ext cx="4548834" cy="4414227"/>
+          <a:off x="7655294" y="2008909"/>
+          <a:ext cx="4536706" cy="4402457"/>
         </a:xfrm>
         <a:prstGeom xmlns:a="http://schemas.openxmlformats.org/drawingml/2006/main" prst="rect">
           <a:avLst/>
@@ -14031,22 +13447,22 @@
   </cdr:relSizeAnchor>
   <cdr:relSizeAnchor xmlns:cdr="http://schemas.openxmlformats.org/drawingml/2006/chartDrawing">
     <cdr:from>
-      <cdr:x>0.67708</cdr:x>
-      <cdr:y>0.50411</cdr:y>
+      <cdr:x>0.6773</cdr:x>
+      <cdr:y>0.51354</cdr:y>
     </cdr:from>
     <cdr:to>
-      <cdr:x>0.92327</cdr:x>
-      <cdr:y>0.8407</cdr:y>
+      <cdr:x>0.92349</cdr:x>
+      <cdr:y>0.79451</cdr:y>
     </cdr:to>
     <cdr:sp macro="" textlink="">
       <cdr:nvSpPr>
-        <cdr:cNvPr id="3" name="CuadroTexto 3"/>
+        <cdr:cNvPr id="5" name="CuadroTexto 3"/>
         <cdr:cNvSpPr txBox="1"/>
       </cdr:nvSpPr>
       <cdr:spPr>
         <a:xfrm xmlns:a="http://schemas.openxmlformats.org/drawingml/2006/main">
-          <a:off x="8254966" y="3457209"/>
-          <a:ext cx="3001526" cy="2308324"/>
+          <a:off x="8257605" y="3521883"/>
+          <a:ext cx="3001549" cy="1926892"/>
         </a:xfrm>
         <a:prstGeom xmlns:a="http://schemas.openxmlformats.org/drawingml/2006/main" prst="rect">
           <a:avLst/>
@@ -14170,7 +13586,7 @@
               <a:latin typeface="MV Boli" panose="02000500030200090000" pitchFamily="2" charset="0"/>
               <a:cs typeface="MV Boli" panose="02000500030200090000" pitchFamily="2" charset="0"/>
             </a:rPr>
-            <a:t>1,47</a:t>
+            <a:t>0,1</a:t>
           </a:r>
           <a:r>
             <a:rPr lang="es-ES" sz="2400" dirty="0" smtClean="0">
@@ -14198,7 +13614,7 @@
               <a:latin typeface="MV Boli" panose="02000500030200090000" pitchFamily="2" charset="0"/>
               <a:cs typeface="MV Boli" panose="02000500030200090000" pitchFamily="2" charset="0"/>
             </a:rPr>
-            <a:t>better</a:t>
+            <a:t>worst</a:t>
           </a:r>
           <a:r>
             <a:rPr lang="es-ES" sz="2400" dirty="0" smtClean="0">
@@ -28208,7 +27624,7 @@
           <p:nvPr>
             <p:extLst>
               <p:ext uri="{D42A27DB-BD31-4B8C-83A1-F6EECF244321}">
-                <p14:modId xmlns:p14="http://schemas.microsoft.com/office/powerpoint/2010/main" val="2791160574"/>
+                <p14:modId xmlns:p14="http://schemas.microsoft.com/office/powerpoint/2010/main" val="3494848601"/>
               </p:ext>
             </p:extLst>
           </p:nvPr>
@@ -28223,212 +27639,6 @@
           </a:graphicData>
         </a:graphic>
       </p:graphicFrame>
-      <p:pic>
-        <p:nvPicPr>
-          <p:cNvPr id="3" name="Imagen 2"/>
-          <p:cNvPicPr>
-            <a:picLocks noChangeAspect="1"/>
-          </p:cNvPicPr>
-          <p:nvPr/>
-        </p:nvPicPr>
-        <p:blipFill>
-          <a:blip r:embed="rId4">
-            <a:extLst>
-              <a:ext uri="{28A0092B-C50C-407E-A947-70E740481C1C}">
-                <a14:useLocalDpi xmlns:a14="http://schemas.microsoft.com/office/drawing/2010/main" val="0"/>
-              </a:ext>
-            </a:extLst>
-          </a:blip>
-          <a:stretch>
-            <a:fillRect/>
-          </a:stretch>
-        </p:blipFill>
-        <p:spPr>
-          <a:xfrm>
-            <a:off x="7524998" y="1584148"/>
-            <a:ext cx="4577273" cy="4441824"/>
-          </a:xfrm>
-          <a:prstGeom prst="rect">
-            <a:avLst/>
-          </a:prstGeom>
-        </p:spPr>
-      </p:pic>
-      <p:sp>
-        <p:nvSpPr>
-          <p:cNvPr id="4" name="CuadroTexto 3"/>
-          <p:cNvSpPr txBox="1"/>
-          <p:nvPr/>
-        </p:nvSpPr>
-        <p:spPr>
-          <a:xfrm>
-            <a:off x="8146472" y="3186545"/>
-            <a:ext cx="3020291" cy="1938992"/>
-          </a:xfrm>
-          <a:prstGeom prst="rect">
-            <a:avLst/>
-          </a:prstGeom>
-          <a:noFill/>
-        </p:spPr>
-        <p:txBody>
-          <a:bodyPr wrap="square" rtlCol="0">
-            <a:spAutoFit/>
-          </a:bodyPr>
-          <a:lstStyle/>
-          <a:p>
-            <a:r>
-              <a:rPr lang="es-ES" sz="2400" dirty="0" err="1" smtClean="0">
-                <a:latin typeface="MV Boli" panose="02000500030200090000" pitchFamily="2" charset="0"/>
-                <a:cs typeface="MV Boli" panose="02000500030200090000" pitchFamily="2" charset="0"/>
-              </a:rPr>
-              <a:t>Our</a:t>
-            </a:r>
-            <a:r>
-              <a:rPr lang="es-ES" sz="2400" dirty="0" smtClean="0">
-                <a:latin typeface="MV Boli" panose="02000500030200090000" pitchFamily="2" charset="0"/>
-                <a:cs typeface="MV Boli" panose="02000500030200090000" pitchFamily="2" charset="0"/>
-              </a:rPr>
-              <a:t> </a:t>
-            </a:r>
-            <a:r>
-              <a:rPr lang="es-ES" sz="2400" dirty="0" err="1" smtClean="0">
-                <a:latin typeface="MV Boli" panose="02000500030200090000" pitchFamily="2" charset="0"/>
-                <a:cs typeface="MV Boli" panose="02000500030200090000" pitchFamily="2" charset="0"/>
-              </a:rPr>
-              <a:t>solution</a:t>
-            </a:r>
-            <a:r>
-              <a:rPr lang="es-ES" sz="2400" dirty="0" smtClean="0">
-                <a:latin typeface="MV Boli" panose="02000500030200090000" pitchFamily="2" charset="0"/>
-                <a:cs typeface="MV Boli" panose="02000500030200090000" pitchFamily="2" charset="0"/>
-              </a:rPr>
-              <a:t> </a:t>
-            </a:r>
-            <a:r>
-              <a:rPr lang="es-ES" sz="2400" dirty="0" err="1" smtClean="0">
-                <a:latin typeface="MV Boli" panose="02000500030200090000" pitchFamily="2" charset="0"/>
-                <a:cs typeface="MV Boli" panose="02000500030200090000" pitchFamily="2" charset="0"/>
-              </a:rPr>
-              <a:t>is</a:t>
-            </a:r>
-            <a:r>
-              <a:rPr lang="es-ES" sz="2400" dirty="0" smtClean="0">
-                <a:latin typeface="MV Boli" panose="02000500030200090000" pitchFamily="2" charset="0"/>
-                <a:cs typeface="MV Boli" panose="02000500030200090000" pitchFamily="2" charset="0"/>
-              </a:rPr>
-              <a:t> </a:t>
-            </a:r>
-            <a:r>
-              <a:rPr lang="es-ES" sz="2400" b="1" dirty="0" smtClean="0">
-                <a:latin typeface="MV Boli" panose="02000500030200090000" pitchFamily="2" charset="0"/>
-                <a:cs typeface="MV Boli" panose="02000500030200090000" pitchFamily="2" charset="0"/>
-              </a:rPr>
-              <a:t>0,3</a:t>
-            </a:r>
-            <a:r>
-              <a:rPr lang="es-ES" sz="2400" dirty="0" smtClean="0">
-                <a:latin typeface="MV Boli" panose="02000500030200090000" pitchFamily="2" charset="0"/>
-                <a:cs typeface="MV Boli" panose="02000500030200090000" pitchFamily="2" charset="0"/>
-              </a:rPr>
-              <a:t> </a:t>
-            </a:r>
-            <a:r>
-              <a:rPr lang="es-ES" sz="2400" dirty="0" err="1" smtClean="0">
-                <a:latin typeface="MV Boli" panose="02000500030200090000" pitchFamily="2" charset="0"/>
-                <a:cs typeface="MV Boli" panose="02000500030200090000" pitchFamily="2" charset="0"/>
-              </a:rPr>
-              <a:t>percent</a:t>
-            </a:r>
-            <a:r>
-              <a:rPr lang="es-ES" sz="2400" dirty="0" smtClean="0">
-                <a:latin typeface="MV Boli" panose="02000500030200090000" pitchFamily="2" charset="0"/>
-                <a:cs typeface="MV Boli" panose="02000500030200090000" pitchFamily="2" charset="0"/>
-              </a:rPr>
-              <a:t> </a:t>
-            </a:r>
-            <a:r>
-              <a:rPr lang="es-ES" sz="2400" b="1" dirty="0" err="1" smtClean="0">
-                <a:latin typeface="MV Boli" panose="02000500030200090000" pitchFamily="2" charset="0"/>
-                <a:cs typeface="MV Boli" panose="02000500030200090000" pitchFamily="2" charset="0"/>
-              </a:rPr>
-              <a:t>worst</a:t>
-            </a:r>
-            <a:r>
-              <a:rPr lang="es-ES" sz="2400" dirty="0" smtClean="0">
-                <a:latin typeface="MV Boli" panose="02000500030200090000" pitchFamily="2" charset="0"/>
-                <a:cs typeface="MV Boli" panose="02000500030200090000" pitchFamily="2" charset="0"/>
-              </a:rPr>
-              <a:t> in </a:t>
-            </a:r>
-            <a:r>
-              <a:rPr lang="es-ES" sz="2400" dirty="0" err="1" smtClean="0">
-                <a:latin typeface="MV Boli" panose="02000500030200090000" pitchFamily="2" charset="0"/>
-                <a:cs typeface="MV Boli" panose="02000500030200090000" pitchFamily="2" charset="0"/>
-              </a:rPr>
-              <a:t>comparison</a:t>
-            </a:r>
-            <a:r>
-              <a:rPr lang="es-ES" sz="2400" dirty="0" smtClean="0">
-                <a:latin typeface="MV Boli" panose="02000500030200090000" pitchFamily="2" charset="0"/>
-                <a:cs typeface="MV Boli" panose="02000500030200090000" pitchFamily="2" charset="0"/>
-              </a:rPr>
-              <a:t> </a:t>
-            </a:r>
-            <a:r>
-              <a:rPr lang="es-ES" sz="2400" dirty="0" err="1" smtClean="0">
-                <a:latin typeface="MV Boli" panose="02000500030200090000" pitchFamily="2" charset="0"/>
-                <a:cs typeface="MV Boli" panose="02000500030200090000" pitchFamily="2" charset="0"/>
-              </a:rPr>
-              <a:t>with</a:t>
-            </a:r>
-            <a:r>
-              <a:rPr lang="es-ES" sz="2400" dirty="0" smtClean="0">
-                <a:latin typeface="MV Boli" panose="02000500030200090000" pitchFamily="2" charset="0"/>
-                <a:cs typeface="MV Boli" panose="02000500030200090000" pitchFamily="2" charset="0"/>
-              </a:rPr>
-              <a:t> </a:t>
-            </a:r>
-            <a:r>
-              <a:rPr lang="es-ES" sz="2400" dirty="0" err="1" smtClean="0">
-                <a:latin typeface="MV Boli" panose="02000500030200090000" pitchFamily="2" charset="0"/>
-                <a:cs typeface="MV Boli" panose="02000500030200090000" pitchFamily="2" charset="0"/>
-              </a:rPr>
-              <a:t>the</a:t>
-            </a:r>
-            <a:r>
-              <a:rPr lang="es-ES" sz="2400" dirty="0" smtClean="0">
-                <a:latin typeface="MV Boli" panose="02000500030200090000" pitchFamily="2" charset="0"/>
-                <a:cs typeface="MV Boli" panose="02000500030200090000" pitchFamily="2" charset="0"/>
-              </a:rPr>
-              <a:t> </a:t>
-            </a:r>
-            <a:r>
-              <a:rPr lang="es-ES" sz="2400" dirty="0" err="1" smtClean="0">
-                <a:latin typeface="MV Boli" panose="02000500030200090000" pitchFamily="2" charset="0"/>
-                <a:cs typeface="MV Boli" panose="02000500030200090000" pitchFamily="2" charset="0"/>
-              </a:rPr>
-              <a:t>CIPLEX’s</a:t>
-            </a:r>
-            <a:r>
-              <a:rPr lang="es-ES" sz="2400" dirty="0" smtClean="0">
-                <a:latin typeface="MV Boli" panose="02000500030200090000" pitchFamily="2" charset="0"/>
-                <a:cs typeface="MV Boli" panose="02000500030200090000" pitchFamily="2" charset="0"/>
-              </a:rPr>
-              <a:t> </a:t>
-            </a:r>
-            <a:r>
-              <a:rPr lang="es-ES" sz="2400" dirty="0" err="1" smtClean="0">
-                <a:latin typeface="MV Boli" panose="02000500030200090000" pitchFamily="2" charset="0"/>
-                <a:cs typeface="MV Boli" panose="02000500030200090000" pitchFamily="2" charset="0"/>
-              </a:rPr>
-              <a:t>solution</a:t>
-            </a:r>
-            <a:endParaRPr lang="es-ES" sz="2400" dirty="0">
-              <a:latin typeface="MV Boli" panose="02000500030200090000" pitchFamily="2" charset="0"/>
-              <a:cs typeface="MV Boli" panose="02000500030200090000" pitchFamily="2" charset="0"/>
-            </a:endParaRPr>
-          </a:p>
-        </p:txBody>
-      </p:sp>
     </p:spTree>
     <p:extLst>
       <p:ext uri="{BB962C8B-B14F-4D97-AF65-F5344CB8AC3E}">
@@ -28560,7 +27770,7 @@
           <p:nvPr>
             <p:extLst>
               <p:ext uri="{D42A27DB-BD31-4B8C-83A1-F6EECF244321}">
-                <p14:modId xmlns:p14="http://schemas.microsoft.com/office/powerpoint/2010/main" val="3635415287"/>
+                <p14:modId xmlns:p14="http://schemas.microsoft.com/office/powerpoint/2010/main" val="4010118786"/>
               </p:ext>
             </p:extLst>
           </p:nvPr>
@@ -28718,7 +27928,7 @@
           <p:nvPr>
             <p:extLst>
               <p:ext uri="{D42A27DB-BD31-4B8C-83A1-F6EECF244321}">
-                <p14:modId xmlns:p14="http://schemas.microsoft.com/office/powerpoint/2010/main" val="3826704914"/>
+                <p14:modId xmlns:p14="http://schemas.microsoft.com/office/powerpoint/2010/main" val="3157227995"/>
               </p:ext>
             </p:extLst>
           </p:nvPr>
@@ -28733,6 +27943,342 @@
           </a:graphicData>
         </a:graphic>
       </p:graphicFrame>
+      <p:pic>
+        <p:nvPicPr>
+          <p:cNvPr id="4" name="Imagen 3"/>
+          <p:cNvPicPr>
+            <a:picLocks noChangeAspect="1"/>
+          </p:cNvPicPr>
+          <p:nvPr/>
+        </p:nvPicPr>
+        <p:blipFill>
+          <a:blip r:embed="rId4">
+            <a:extLst>
+              <a:ext uri="{28A0092B-C50C-407E-A947-70E740481C1C}">
+                <a14:useLocalDpi xmlns:a14="http://schemas.microsoft.com/office/drawing/2010/main" val="0"/>
+              </a:ext>
+            </a:extLst>
+          </a:blip>
+          <a:stretch>
+            <a:fillRect/>
+          </a:stretch>
+        </p:blipFill>
+        <p:spPr>
+          <a:xfrm>
+            <a:off x="8007926" y="2023842"/>
+            <a:ext cx="4383307" cy="4253597"/>
+          </a:xfrm>
+          <a:prstGeom prst="rect">
+            <a:avLst/>
+          </a:prstGeom>
+        </p:spPr>
+      </p:pic>
+      <p:sp>
+        <p:nvSpPr>
+          <p:cNvPr id="5" name="CuadroTexto 3"/>
+          <p:cNvSpPr txBox="1"/>
+          <p:nvPr/>
+        </p:nvSpPr>
+        <p:spPr>
+          <a:xfrm>
+            <a:off x="8414328" y="3530600"/>
+            <a:ext cx="3215787" cy="1569660"/>
+          </a:xfrm>
+          <a:prstGeom prst="rect">
+            <a:avLst/>
+          </a:prstGeom>
+          <a:noFill/>
+        </p:spPr>
+        <p:txBody>
+          <a:bodyPr wrap="square" rtlCol="0">
+            <a:spAutoFit/>
+          </a:bodyPr>
+          <a:lstStyle>
+            <a:lvl1pPr marL="0" indent="0">
+              <a:defRPr sz="1100">
+                <a:latin typeface="+mn-lt"/>
+                <a:ea typeface="+mn-ea"/>
+                <a:cs typeface="+mn-cs"/>
+              </a:defRPr>
+            </a:lvl1pPr>
+            <a:lvl2pPr marL="457200" indent="0">
+              <a:defRPr sz="1100">
+                <a:latin typeface="+mn-lt"/>
+                <a:ea typeface="+mn-ea"/>
+                <a:cs typeface="+mn-cs"/>
+              </a:defRPr>
+            </a:lvl2pPr>
+            <a:lvl3pPr marL="914400" indent="0">
+              <a:defRPr sz="1100">
+                <a:latin typeface="+mn-lt"/>
+                <a:ea typeface="+mn-ea"/>
+                <a:cs typeface="+mn-cs"/>
+              </a:defRPr>
+            </a:lvl3pPr>
+            <a:lvl4pPr marL="1371600" indent="0">
+              <a:defRPr sz="1100">
+                <a:latin typeface="+mn-lt"/>
+                <a:ea typeface="+mn-ea"/>
+                <a:cs typeface="+mn-cs"/>
+              </a:defRPr>
+            </a:lvl4pPr>
+            <a:lvl5pPr marL="1828800" indent="0">
+              <a:defRPr sz="1100">
+                <a:latin typeface="+mn-lt"/>
+                <a:ea typeface="+mn-ea"/>
+                <a:cs typeface="+mn-cs"/>
+              </a:defRPr>
+            </a:lvl5pPr>
+            <a:lvl6pPr marL="2286000" indent="0">
+              <a:defRPr sz="1100">
+                <a:latin typeface="+mn-lt"/>
+                <a:ea typeface="+mn-ea"/>
+                <a:cs typeface="+mn-cs"/>
+              </a:defRPr>
+            </a:lvl6pPr>
+            <a:lvl7pPr marL="2743200" indent="0">
+              <a:defRPr sz="1100">
+                <a:latin typeface="+mn-lt"/>
+                <a:ea typeface="+mn-ea"/>
+                <a:cs typeface="+mn-cs"/>
+              </a:defRPr>
+            </a:lvl7pPr>
+            <a:lvl8pPr marL="3200400" indent="0">
+              <a:defRPr sz="1100">
+                <a:latin typeface="+mn-lt"/>
+                <a:ea typeface="+mn-ea"/>
+                <a:cs typeface="+mn-cs"/>
+              </a:defRPr>
+            </a:lvl8pPr>
+            <a:lvl9pPr marL="3657600" indent="0">
+              <a:defRPr sz="1100">
+                <a:latin typeface="+mn-lt"/>
+                <a:ea typeface="+mn-ea"/>
+                <a:cs typeface="+mn-cs"/>
+              </a:defRPr>
+            </a:lvl9pPr>
+          </a:lstStyle>
+          <a:p>
+            <a:r>
+              <a:rPr lang="es-ES" sz="2400" dirty="0" err="1" smtClean="0">
+                <a:solidFill>
+                  <a:schemeClr val="tx2"/>
+                </a:solidFill>
+                <a:latin typeface="MV Boli" panose="02000500030200090000" pitchFamily="2" charset="0"/>
+                <a:cs typeface="MV Boli" panose="02000500030200090000" pitchFamily="2" charset="0"/>
+              </a:rPr>
+              <a:t>Our</a:t>
+            </a:r>
+            <a:r>
+              <a:rPr lang="es-ES" sz="2400" dirty="0" smtClean="0">
+                <a:solidFill>
+                  <a:schemeClr val="tx2"/>
+                </a:solidFill>
+                <a:latin typeface="MV Boli" panose="02000500030200090000" pitchFamily="2" charset="0"/>
+                <a:cs typeface="MV Boli" panose="02000500030200090000" pitchFamily="2" charset="0"/>
+              </a:rPr>
+              <a:t> </a:t>
+            </a:r>
+            <a:r>
+              <a:rPr lang="es-ES" sz="2400" dirty="0" err="1" smtClean="0">
+                <a:solidFill>
+                  <a:schemeClr val="tx2"/>
+                </a:solidFill>
+                <a:latin typeface="MV Boli" panose="02000500030200090000" pitchFamily="2" charset="0"/>
+                <a:cs typeface="MV Boli" panose="02000500030200090000" pitchFamily="2" charset="0"/>
+              </a:rPr>
+              <a:t>solution</a:t>
+            </a:r>
+            <a:r>
+              <a:rPr lang="es-ES" sz="2400" dirty="0" smtClean="0">
+                <a:solidFill>
+                  <a:schemeClr val="tx2"/>
+                </a:solidFill>
+                <a:latin typeface="MV Boli" panose="02000500030200090000" pitchFamily="2" charset="0"/>
+                <a:cs typeface="MV Boli" panose="02000500030200090000" pitchFamily="2" charset="0"/>
+              </a:rPr>
+              <a:t> </a:t>
+            </a:r>
+            <a:r>
+              <a:rPr lang="es-ES" sz="2400" dirty="0" err="1" smtClean="0">
+                <a:solidFill>
+                  <a:schemeClr val="tx2"/>
+                </a:solidFill>
+                <a:latin typeface="MV Boli" panose="02000500030200090000" pitchFamily="2" charset="0"/>
+                <a:cs typeface="MV Boli" panose="02000500030200090000" pitchFamily="2" charset="0"/>
+              </a:rPr>
+              <a:t>is</a:t>
+            </a:r>
+            <a:r>
+              <a:rPr lang="es-ES" sz="2400" dirty="0" smtClean="0">
+                <a:solidFill>
+                  <a:schemeClr val="tx2"/>
+                </a:solidFill>
+                <a:latin typeface="MV Boli" panose="02000500030200090000" pitchFamily="2" charset="0"/>
+                <a:cs typeface="MV Boli" panose="02000500030200090000" pitchFamily="2" charset="0"/>
+              </a:rPr>
+              <a:t> </a:t>
+            </a:r>
+            <a:r>
+              <a:rPr lang="es-ES" sz="2400" b="1" dirty="0" smtClean="0">
+                <a:solidFill>
+                  <a:schemeClr val="tx2"/>
+                </a:solidFill>
+                <a:latin typeface="MV Boli" panose="02000500030200090000" pitchFamily="2" charset="0"/>
+                <a:cs typeface="MV Boli" panose="02000500030200090000" pitchFamily="2" charset="0"/>
+              </a:rPr>
+              <a:t>1,47</a:t>
+            </a:r>
+            <a:r>
+              <a:rPr lang="es-ES" sz="2400" dirty="0" smtClean="0">
+                <a:solidFill>
+                  <a:schemeClr val="tx2"/>
+                </a:solidFill>
+                <a:latin typeface="MV Boli" panose="02000500030200090000" pitchFamily="2" charset="0"/>
+                <a:cs typeface="MV Boli" panose="02000500030200090000" pitchFamily="2" charset="0"/>
+              </a:rPr>
+              <a:t> </a:t>
+            </a:r>
+            <a:r>
+              <a:rPr lang="es-ES" sz="2400" dirty="0" err="1" smtClean="0">
+                <a:solidFill>
+                  <a:schemeClr val="tx2"/>
+                </a:solidFill>
+                <a:latin typeface="MV Boli" panose="02000500030200090000" pitchFamily="2" charset="0"/>
+                <a:cs typeface="MV Boli" panose="02000500030200090000" pitchFamily="2" charset="0"/>
+              </a:rPr>
+              <a:t>percent</a:t>
+            </a:r>
+            <a:r>
+              <a:rPr lang="es-ES" sz="2400" dirty="0" smtClean="0">
+                <a:solidFill>
+                  <a:schemeClr val="tx2"/>
+                </a:solidFill>
+                <a:latin typeface="MV Boli" panose="02000500030200090000" pitchFamily="2" charset="0"/>
+                <a:cs typeface="MV Boli" panose="02000500030200090000" pitchFamily="2" charset="0"/>
+              </a:rPr>
+              <a:t> </a:t>
+            </a:r>
+            <a:r>
+              <a:rPr lang="es-ES" sz="2400" b="1" dirty="0" err="1" smtClean="0">
+                <a:solidFill>
+                  <a:schemeClr val="tx2"/>
+                </a:solidFill>
+                <a:latin typeface="MV Boli" panose="02000500030200090000" pitchFamily="2" charset="0"/>
+                <a:cs typeface="MV Boli" panose="02000500030200090000" pitchFamily="2" charset="0"/>
+              </a:rPr>
+              <a:t>better</a:t>
+            </a:r>
+            <a:r>
+              <a:rPr lang="es-ES" sz="2400" dirty="0" smtClean="0">
+                <a:solidFill>
+                  <a:schemeClr val="tx2"/>
+                </a:solidFill>
+                <a:latin typeface="MV Boli" panose="02000500030200090000" pitchFamily="2" charset="0"/>
+                <a:cs typeface="MV Boli" panose="02000500030200090000" pitchFamily="2" charset="0"/>
+              </a:rPr>
+              <a:t> in </a:t>
+            </a:r>
+            <a:r>
+              <a:rPr lang="es-ES" sz="2400" dirty="0" err="1" smtClean="0">
+                <a:solidFill>
+                  <a:schemeClr val="tx2"/>
+                </a:solidFill>
+                <a:latin typeface="MV Boli" panose="02000500030200090000" pitchFamily="2" charset="0"/>
+                <a:cs typeface="MV Boli" panose="02000500030200090000" pitchFamily="2" charset="0"/>
+              </a:rPr>
+              <a:t>comparison</a:t>
+            </a:r>
+            <a:r>
+              <a:rPr lang="es-ES" sz="2400" dirty="0" smtClean="0">
+                <a:solidFill>
+                  <a:schemeClr val="tx2"/>
+                </a:solidFill>
+                <a:latin typeface="MV Boli" panose="02000500030200090000" pitchFamily="2" charset="0"/>
+                <a:cs typeface="MV Boli" panose="02000500030200090000" pitchFamily="2" charset="0"/>
+              </a:rPr>
+              <a:t> </a:t>
+            </a:r>
+            <a:r>
+              <a:rPr lang="es-ES" sz="2400" dirty="0" err="1" smtClean="0">
+                <a:solidFill>
+                  <a:schemeClr val="tx2"/>
+                </a:solidFill>
+                <a:latin typeface="MV Boli" panose="02000500030200090000" pitchFamily="2" charset="0"/>
+                <a:cs typeface="MV Boli" panose="02000500030200090000" pitchFamily="2" charset="0"/>
+              </a:rPr>
+              <a:t>with</a:t>
+            </a:r>
+            <a:r>
+              <a:rPr lang="es-ES" sz="2400" dirty="0" smtClean="0">
+                <a:solidFill>
+                  <a:schemeClr val="tx2"/>
+                </a:solidFill>
+                <a:latin typeface="MV Boli" panose="02000500030200090000" pitchFamily="2" charset="0"/>
+                <a:cs typeface="MV Boli" panose="02000500030200090000" pitchFamily="2" charset="0"/>
+              </a:rPr>
+              <a:t> </a:t>
+            </a:r>
+            <a:r>
+              <a:rPr lang="es-ES" sz="2400" dirty="0" err="1" smtClean="0">
+                <a:solidFill>
+                  <a:schemeClr val="tx2"/>
+                </a:solidFill>
+                <a:latin typeface="MV Boli" panose="02000500030200090000" pitchFamily="2" charset="0"/>
+                <a:cs typeface="MV Boli" panose="02000500030200090000" pitchFamily="2" charset="0"/>
+              </a:rPr>
+              <a:t>the</a:t>
+            </a:r>
+            <a:r>
+              <a:rPr lang="es-ES" sz="2400" dirty="0" smtClean="0">
+                <a:solidFill>
+                  <a:schemeClr val="tx2"/>
+                </a:solidFill>
+                <a:latin typeface="MV Boli" panose="02000500030200090000" pitchFamily="2" charset="0"/>
+                <a:cs typeface="MV Boli" panose="02000500030200090000" pitchFamily="2" charset="0"/>
+              </a:rPr>
+              <a:t> </a:t>
+            </a:r>
+            <a:r>
+              <a:rPr lang="es-ES" sz="2400" dirty="0" err="1" smtClean="0">
+                <a:solidFill>
+                  <a:schemeClr val="tx2"/>
+                </a:solidFill>
+                <a:latin typeface="MV Boli" panose="02000500030200090000" pitchFamily="2" charset="0"/>
+                <a:cs typeface="MV Boli" panose="02000500030200090000" pitchFamily="2" charset="0"/>
+              </a:rPr>
+              <a:t>CIPLEX’s</a:t>
+            </a:r>
+            <a:r>
+              <a:rPr lang="es-ES" sz="2400" dirty="0" smtClean="0">
+                <a:solidFill>
+                  <a:schemeClr val="tx2"/>
+                </a:solidFill>
+                <a:latin typeface="MV Boli" panose="02000500030200090000" pitchFamily="2" charset="0"/>
+                <a:cs typeface="MV Boli" panose="02000500030200090000" pitchFamily="2" charset="0"/>
+              </a:rPr>
+              <a:t> </a:t>
+            </a:r>
+            <a:r>
+              <a:rPr lang="es-ES" sz="2400" dirty="0" err="1" smtClean="0">
+                <a:solidFill>
+                  <a:schemeClr val="tx2"/>
+                </a:solidFill>
+                <a:latin typeface="MV Boli" panose="02000500030200090000" pitchFamily="2" charset="0"/>
+                <a:cs typeface="MV Boli" panose="02000500030200090000" pitchFamily="2" charset="0"/>
+              </a:rPr>
+              <a:t>solution</a:t>
+            </a:r>
+            <a:endParaRPr lang="es-ES" sz="2400" dirty="0">
+              <a:solidFill>
+                <a:schemeClr val="tx2"/>
+              </a:solidFill>
+              <a:latin typeface="MV Boli" panose="02000500030200090000" pitchFamily="2" charset="0"/>
+              <a:cs typeface="MV Boli" panose="02000500030200090000" pitchFamily="2" charset="0"/>
+            </a:endParaRPr>
+          </a:p>
+        </p:txBody>
+      </p:sp>
     </p:spTree>
     <p:extLst>
       <p:ext uri="{BB962C8B-B14F-4D97-AF65-F5344CB8AC3E}">
@@ -28897,14 +28443,14 @@
       </p:graphicFrame>
       <p:pic>
         <p:nvPicPr>
-          <p:cNvPr id="4" name="Imagen 3"/>
+          <p:cNvPr id="2" name="Imagen 1"/>
           <p:cNvPicPr>
             <a:picLocks noChangeAspect="1"/>
           </p:cNvPicPr>
           <p:nvPr/>
         </p:nvPicPr>
         <p:blipFill>
-          <a:blip r:embed="rId4">
+          <a:blip r:embed="rId4" cstate="print">
             <a:extLst>
               <a:ext uri="{28A0092B-C50C-407E-A947-70E740481C1C}">
                 <a14:useLocalDpi xmlns:a14="http://schemas.microsoft.com/office/drawing/2010/main" val="0"/>
@@ -28917,8 +28463,8 @@
         </p:blipFill>
         <p:spPr>
           <a:xfrm>
-            <a:off x="4304145" y="705159"/>
-            <a:ext cx="4177107" cy="4053500"/>
+            <a:off x="4468470" y="622029"/>
+            <a:ext cx="3895709" cy="3780428"/>
           </a:xfrm>
           <a:prstGeom prst="rect">
             <a:avLst/>
@@ -28927,13 +28473,13 @@
       </p:pic>
       <p:sp>
         <p:nvSpPr>
-          <p:cNvPr id="5" name="CuadroTexto 3"/>
+          <p:cNvPr id="6" name="CuadroTexto 3"/>
           <p:cNvSpPr txBox="1"/>
           <p:nvPr/>
         </p:nvSpPr>
         <p:spPr>
           <a:xfrm>
-            <a:off x="4789501" y="2119913"/>
+            <a:off x="4949918" y="1762472"/>
             <a:ext cx="2756244" cy="2308324"/>
           </a:xfrm>
           <a:prstGeom prst="rect">
@@ -29013,6 +28559,9 @@
           <a:p>
             <a:r>
               <a:rPr lang="es-ES" sz="2400" dirty="0" err="1" smtClean="0">
+                <a:solidFill>
+                  <a:schemeClr val="tx2"/>
+                </a:solidFill>
                 <a:latin typeface="MV Boli" panose="02000500030200090000" pitchFamily="2" charset="0"/>
                 <a:cs typeface="MV Boli" panose="02000500030200090000" pitchFamily="2" charset="0"/>
               </a:rPr>
@@ -29020,6 +28569,9 @@
             </a:r>
             <a:r>
               <a:rPr lang="es-ES" sz="2400" dirty="0" smtClean="0">
+                <a:solidFill>
+                  <a:schemeClr val="tx2"/>
+                </a:solidFill>
                 <a:latin typeface="MV Boli" panose="02000500030200090000" pitchFamily="2" charset="0"/>
                 <a:cs typeface="MV Boli" panose="02000500030200090000" pitchFamily="2" charset="0"/>
               </a:rPr>
@@ -29027,6 +28579,9 @@
             </a:r>
             <a:r>
               <a:rPr lang="es-ES" sz="2400" dirty="0" err="1" smtClean="0">
+                <a:solidFill>
+                  <a:schemeClr val="tx2"/>
+                </a:solidFill>
                 <a:latin typeface="MV Boli" panose="02000500030200090000" pitchFamily="2" charset="0"/>
                 <a:cs typeface="MV Boli" panose="02000500030200090000" pitchFamily="2" charset="0"/>
               </a:rPr>
@@ -29034,6 +28589,9 @@
             </a:r>
             <a:r>
               <a:rPr lang="es-ES" sz="2400" dirty="0" smtClean="0">
+                <a:solidFill>
+                  <a:schemeClr val="tx2"/>
+                </a:solidFill>
                 <a:latin typeface="MV Boli" panose="02000500030200090000" pitchFamily="2" charset="0"/>
                 <a:cs typeface="MV Boli" panose="02000500030200090000" pitchFamily="2" charset="0"/>
               </a:rPr>
@@ -29041,6 +28599,9 @@
             </a:r>
             <a:r>
               <a:rPr lang="es-ES" sz="2400" dirty="0" err="1" smtClean="0">
+                <a:solidFill>
+                  <a:schemeClr val="tx2"/>
+                </a:solidFill>
                 <a:latin typeface="MV Boli" panose="02000500030200090000" pitchFamily="2" charset="0"/>
                 <a:cs typeface="MV Boli" panose="02000500030200090000" pitchFamily="2" charset="0"/>
               </a:rPr>
@@ -29048,6 +28609,9 @@
             </a:r>
             <a:r>
               <a:rPr lang="es-ES" sz="2400" dirty="0" smtClean="0">
+                <a:solidFill>
+                  <a:schemeClr val="tx2"/>
+                </a:solidFill>
                 <a:latin typeface="MV Boli" panose="02000500030200090000" pitchFamily="2" charset="0"/>
                 <a:cs typeface="MV Boli" panose="02000500030200090000" pitchFamily="2" charset="0"/>
               </a:rPr>
@@ -29055,6 +28619,9 @@
             </a:r>
             <a:r>
               <a:rPr lang="es-ES" sz="2400" b="1" dirty="0" smtClean="0">
+                <a:solidFill>
+                  <a:schemeClr val="tx2"/>
+                </a:solidFill>
                 <a:latin typeface="MV Boli" panose="02000500030200090000" pitchFamily="2" charset="0"/>
                 <a:cs typeface="MV Boli" panose="02000500030200090000" pitchFamily="2" charset="0"/>
               </a:rPr>
@@ -29062,6 +28629,9 @@
             </a:r>
             <a:r>
               <a:rPr lang="es-ES" sz="2400" dirty="0" smtClean="0">
+                <a:solidFill>
+                  <a:schemeClr val="tx2"/>
+                </a:solidFill>
                 <a:latin typeface="MV Boli" panose="02000500030200090000" pitchFamily="2" charset="0"/>
                 <a:cs typeface="MV Boli" panose="02000500030200090000" pitchFamily="2" charset="0"/>
               </a:rPr>
@@ -29069,6 +28639,9 @@
             </a:r>
             <a:r>
               <a:rPr lang="es-ES" sz="2400" dirty="0" err="1" smtClean="0">
+                <a:solidFill>
+                  <a:schemeClr val="tx2"/>
+                </a:solidFill>
                 <a:latin typeface="MV Boli" panose="02000500030200090000" pitchFamily="2" charset="0"/>
                 <a:cs typeface="MV Boli" panose="02000500030200090000" pitchFamily="2" charset="0"/>
               </a:rPr>
@@ -29076,6 +28649,9 @@
             </a:r>
             <a:r>
               <a:rPr lang="es-ES" sz="2400" dirty="0" smtClean="0">
+                <a:solidFill>
+                  <a:schemeClr val="tx2"/>
+                </a:solidFill>
                 <a:latin typeface="MV Boli" panose="02000500030200090000" pitchFamily="2" charset="0"/>
                 <a:cs typeface="MV Boli" panose="02000500030200090000" pitchFamily="2" charset="0"/>
               </a:rPr>
@@ -29083,6 +28659,9 @@
             </a:r>
             <a:r>
               <a:rPr lang="es-ES" sz="2400" b="1" dirty="0" err="1" smtClean="0">
+                <a:solidFill>
+                  <a:schemeClr val="tx2"/>
+                </a:solidFill>
                 <a:latin typeface="MV Boli" panose="02000500030200090000" pitchFamily="2" charset="0"/>
                 <a:cs typeface="MV Boli" panose="02000500030200090000" pitchFamily="2" charset="0"/>
               </a:rPr>
@@ -29090,6 +28669,9 @@
             </a:r>
             <a:r>
               <a:rPr lang="es-ES" sz="2400" dirty="0" smtClean="0">
+                <a:solidFill>
+                  <a:schemeClr val="tx2"/>
+                </a:solidFill>
                 <a:latin typeface="MV Boli" panose="02000500030200090000" pitchFamily="2" charset="0"/>
                 <a:cs typeface="MV Boli" panose="02000500030200090000" pitchFamily="2" charset="0"/>
               </a:rPr>
@@ -29097,6 +28679,9 @@
             </a:r>
             <a:r>
               <a:rPr lang="es-ES" sz="2400" dirty="0" err="1" smtClean="0">
+                <a:solidFill>
+                  <a:schemeClr val="tx2"/>
+                </a:solidFill>
                 <a:latin typeface="MV Boli" panose="02000500030200090000" pitchFamily="2" charset="0"/>
                 <a:cs typeface="MV Boli" panose="02000500030200090000" pitchFamily="2" charset="0"/>
               </a:rPr>
@@ -29104,6 +28689,9 @@
             </a:r>
             <a:r>
               <a:rPr lang="es-ES" sz="2400" dirty="0" smtClean="0">
+                <a:solidFill>
+                  <a:schemeClr val="tx2"/>
+                </a:solidFill>
                 <a:latin typeface="MV Boli" panose="02000500030200090000" pitchFamily="2" charset="0"/>
                 <a:cs typeface="MV Boli" panose="02000500030200090000" pitchFamily="2" charset="0"/>
               </a:rPr>
@@ -29111,6 +28699,9 @@
             </a:r>
             <a:r>
               <a:rPr lang="es-ES" sz="2400" dirty="0" err="1" smtClean="0">
+                <a:solidFill>
+                  <a:schemeClr val="tx2"/>
+                </a:solidFill>
                 <a:latin typeface="MV Boli" panose="02000500030200090000" pitchFamily="2" charset="0"/>
                 <a:cs typeface="MV Boli" panose="02000500030200090000" pitchFamily="2" charset="0"/>
               </a:rPr>
@@ -29118,6 +28709,9 @@
             </a:r>
             <a:r>
               <a:rPr lang="es-ES" sz="2400" dirty="0" smtClean="0">
+                <a:solidFill>
+                  <a:schemeClr val="tx2"/>
+                </a:solidFill>
                 <a:latin typeface="MV Boli" panose="02000500030200090000" pitchFamily="2" charset="0"/>
                 <a:cs typeface="MV Boli" panose="02000500030200090000" pitchFamily="2" charset="0"/>
               </a:rPr>
@@ -29125,6 +28719,9 @@
             </a:r>
             <a:r>
               <a:rPr lang="es-ES" sz="2400" dirty="0" err="1" smtClean="0">
+                <a:solidFill>
+                  <a:schemeClr val="tx2"/>
+                </a:solidFill>
                 <a:latin typeface="MV Boli" panose="02000500030200090000" pitchFamily="2" charset="0"/>
                 <a:cs typeface="MV Boli" panose="02000500030200090000" pitchFamily="2" charset="0"/>
               </a:rPr>
@@ -29132,6 +28729,9 @@
             </a:r>
             <a:r>
               <a:rPr lang="es-ES" sz="2400" dirty="0" smtClean="0">
+                <a:solidFill>
+                  <a:schemeClr val="tx2"/>
+                </a:solidFill>
                 <a:latin typeface="MV Boli" panose="02000500030200090000" pitchFamily="2" charset="0"/>
                 <a:cs typeface="MV Boli" panose="02000500030200090000" pitchFamily="2" charset="0"/>
               </a:rPr>
@@ -29139,6 +28739,9 @@
             </a:r>
             <a:r>
               <a:rPr lang="es-ES" sz="2400" dirty="0" err="1" smtClean="0">
+                <a:solidFill>
+                  <a:schemeClr val="tx2"/>
+                </a:solidFill>
                 <a:latin typeface="MV Boli" panose="02000500030200090000" pitchFamily="2" charset="0"/>
                 <a:cs typeface="MV Boli" panose="02000500030200090000" pitchFamily="2" charset="0"/>
               </a:rPr>
@@ -29146,6 +28749,9 @@
             </a:r>
             <a:r>
               <a:rPr lang="es-ES" sz="2400" dirty="0" smtClean="0">
+                <a:solidFill>
+                  <a:schemeClr val="tx2"/>
+                </a:solidFill>
                 <a:latin typeface="MV Boli" panose="02000500030200090000" pitchFamily="2" charset="0"/>
                 <a:cs typeface="MV Boli" panose="02000500030200090000" pitchFamily="2" charset="0"/>
               </a:rPr>
@@ -29153,12 +28759,18 @@
             </a:r>
             <a:r>
               <a:rPr lang="es-ES" sz="2400" dirty="0" err="1" smtClean="0">
+                <a:solidFill>
+                  <a:schemeClr val="tx2"/>
+                </a:solidFill>
                 <a:latin typeface="MV Boli" panose="02000500030200090000" pitchFamily="2" charset="0"/>
                 <a:cs typeface="MV Boli" panose="02000500030200090000" pitchFamily="2" charset="0"/>
               </a:rPr>
               <a:t>solution</a:t>
             </a:r>
             <a:endParaRPr lang="es-ES" sz="2400" dirty="0">
+              <a:solidFill>
+                <a:schemeClr val="tx2"/>
+              </a:solidFill>
               <a:latin typeface="MV Boli" panose="02000500030200090000" pitchFamily="2" charset="0"/>
               <a:cs typeface="MV Boli" panose="02000500030200090000" pitchFamily="2" charset="0"/>
             </a:endParaRPr>
@@ -33047,7 +32659,7 @@
                   <a:schemeClr val="tx2"/>
                 </a:solidFill>
               </a:rPr>
-              <a:t>CostByStop</a:t>
+              <a:t>costByStop</a:t>
             </a:r>
             <a:r>
               <a:rPr lang="en-US" sz="2800" dirty="0" smtClean="0">
@@ -33890,7 +33502,7 @@
                   <a:schemeClr val="tx2"/>
                 </a:solidFill>
               </a:rPr>
-              <a:t>CostByStop</a:t>
+              <a:t>costByStop</a:t>
             </a:r>
             <a:r>
               <a:rPr lang="en-US" dirty="0" smtClean="0">
@@ -34006,7 +33618,7 @@
                   <a:schemeClr val="tx2"/>
                 </a:solidFill>
               </a:rPr>
-              <a:t>CostByStop</a:t>
+              <a:t>costByStop</a:t>
             </a:r>
             <a:r>
               <a:rPr lang="en-US" dirty="0" smtClean="0">
@@ -34025,12 +33637,20 @@
               <a:t>timeSlotOrdered</a:t>
             </a:r>
             <a:r>
+              <a:rPr lang="en-US" dirty="0" smtClean="0">
+                <a:solidFill>
+                  <a:schemeClr val="tx2"/>
+                </a:solidFill>
+              </a:rPr>
+              <a:t>(1</a:t>
+            </a:r>
+            <a:r>
               <a:rPr lang="en-US" dirty="0">
                 <a:solidFill>
                   <a:schemeClr val="tx2"/>
                 </a:solidFill>
               </a:rPr>
-              <a:t>(1.. </a:t>
+              <a:t>.. </a:t>
             </a:r>
             <a:r>
               <a:rPr lang="en-US" dirty="0" smtClean="0">
@@ -34230,7 +33850,7 @@
               <a:t>usedCapacityVehicleInTime</a:t>
             </a:r>
             <a:r>
-              <a:rPr lang="en-US">
+              <a:rPr lang="en-US" dirty="0">
                 <a:solidFill>
                   <a:schemeClr val="tx2"/>
                 </a:solidFill>
@@ -34238,20 +33858,12 @@
               <a:t>   </a:t>
             </a:r>
             <a:r>
-              <a:rPr lang="en-US" smtClean="0">
+              <a:rPr lang="en-US" dirty="0" smtClean="0">
                 <a:solidFill>
                   <a:schemeClr val="tx2"/>
                 </a:solidFill>
               </a:rPr>
-              <a:t>//constrain </a:t>
-            </a:r>
-            <a:r>
-              <a:rPr lang="en-US" dirty="0" smtClean="0">
-                <a:solidFill>
-                  <a:schemeClr val="tx2"/>
-                </a:solidFill>
-              </a:rPr>
-              <a:t>2, </a:t>
+              <a:t>//constrain 2, </a:t>
             </a:r>
             <a:r>
               <a:rPr lang="en-US" dirty="0">
@@ -34867,7 +34479,7 @@
                   <a:schemeClr val="tx2"/>
                 </a:solidFill>
               </a:rPr>
-              <a:t>(h)) + order(</a:t>
+              <a:t>(h)) + </a:t>
             </a:r>
             <a:r>
               <a:rPr lang="en-US" sz="1700" dirty="0" err="1" smtClean="0">
@@ -34875,7 +34487,7 @@
                   <a:schemeClr val="tx2"/>
                 </a:solidFill>
               </a:rPr>
-              <a:t>i</a:t>
+              <a:t>order.demand</a:t>
             </a:r>
             <a:r>
               <a:rPr lang="en-US" sz="1700" dirty="0" smtClean="0">
@@ -34883,7 +34495,7 @@
                   <a:schemeClr val="tx2"/>
                 </a:solidFill>
               </a:rPr>
-              <a:t>) &lt; = </a:t>
+              <a:t> &lt; = </a:t>
             </a:r>
             <a:r>
               <a:rPr lang="en-US" sz="1700" dirty="0" err="1" smtClean="0">
@@ -35343,7 +34955,7 @@
                   <a:schemeClr val="tx2"/>
                 </a:solidFill>
               </a:rPr>
-              <a:t>CostByStop</a:t>
+              <a:t>costByStop</a:t>
             </a:r>
             <a:r>
               <a:rPr lang="en-US" sz="1700" dirty="0" smtClean="0">
@@ -36485,7 +36097,7 @@
                   <a:schemeClr val="tx2"/>
                 </a:solidFill>
               </a:rPr>
-              <a:t>CostByStop</a:t>
+              <a:t>costByStop</a:t>
             </a:r>
             <a:r>
               <a:rPr lang="en-US" sz="1800" dirty="0" smtClean="0">
@@ -36509,23 +36121,7 @@
                   <a:schemeClr val="tx2"/>
                 </a:solidFill>
               </a:rPr>
-              <a:t>(0</a:t>
-            </a:r>
-            <a:r>
-              <a:rPr lang="en-US" sz="1800" smtClean="0">
-                <a:solidFill>
-                  <a:schemeClr val="tx2"/>
-                </a:solidFill>
-              </a:rPr>
-              <a:t>.. </a:t>
-            </a:r>
-            <a:r>
-              <a:rPr lang="en-US" sz="1800" smtClean="0">
-                <a:solidFill>
-                  <a:schemeClr val="tx2"/>
-                </a:solidFill>
-              </a:rPr>
-              <a:t>Timeslots-1)) </a:t>
+              <a:t>(0.. Timeslots-1)) </a:t>
             </a:r>
             <a:r>
               <a:rPr lang="en-US" sz="1800" b="1" dirty="0">

--- a/bpdmo_greedy.pptx
+++ b/bpdmo_greedy.pptx
@@ -203,7 +203,6 @@
           </a:p>
         </c:rich>
       </c:tx>
-      <c:layout/>
       <c:overlay val="0"/>
       <c:spPr>
         <a:noFill/>
@@ -572,11 +571,11 @@
           <c:showBubbleSize val="0"/>
         </c:dLbls>
         <c:smooth val="0"/>
-        <c:axId val="441534736"/>
-        <c:axId val="441530424"/>
+        <c:axId val="317276776"/>
+        <c:axId val="317272856"/>
       </c:lineChart>
       <c:catAx>
-        <c:axId val="441534736"/>
+        <c:axId val="317276776"/>
         <c:scaling>
           <c:orientation val="minMax"/>
         </c:scaling>
@@ -623,7 +622,7 @@
             <a:endParaRPr lang="es-ES"/>
           </a:p>
         </c:txPr>
-        <c:crossAx val="441530424"/>
+        <c:crossAx val="317272856"/>
         <c:crosses val="autoZero"/>
         <c:auto val="1"/>
         <c:lblAlgn val="ctr"/>
@@ -631,7 +630,7 @@
         <c:noMultiLvlLbl val="0"/>
       </c:catAx>
       <c:valAx>
-        <c:axId val="441530424"/>
+        <c:axId val="317272856"/>
         <c:scaling>
           <c:orientation val="minMax"/>
         </c:scaling>
@@ -687,7 +686,7 @@
             <a:endParaRPr lang="es-ES"/>
           </a:p>
         </c:txPr>
-        <c:crossAx val="441534736"/>
+        <c:crossAx val="317276776"/>
         <c:crosses val="autoZero"/>
         <c:crossBetween val="between"/>
       </c:valAx>
@@ -701,7 +700,6 @@
     </c:plotArea>
     <c:legend>
       <c:legendPos val="b"/>
-      <c:layout/>
       <c:overlay val="0"/>
       <c:spPr>
         <a:noFill/>
@@ -810,7 +808,6 @@
           </a:p>
         </c:rich>
       </c:tx>
-      <c:layout/>
       <c:overlay val="0"/>
       <c:spPr>
         <a:noFill/>
@@ -1179,11 +1176,11 @@
           <c:showBubbleSize val="0"/>
         </c:dLbls>
         <c:smooth val="0"/>
-        <c:axId val="441534344"/>
-        <c:axId val="441531208"/>
+        <c:axId val="359514464"/>
+        <c:axId val="359512504"/>
       </c:lineChart>
       <c:catAx>
-        <c:axId val="441534344"/>
+        <c:axId val="359514464"/>
         <c:scaling>
           <c:orientation val="minMax"/>
         </c:scaling>
@@ -1230,7 +1227,7 @@
             <a:endParaRPr lang="es-ES"/>
           </a:p>
         </c:txPr>
-        <c:crossAx val="441531208"/>
+        <c:crossAx val="359512504"/>
         <c:crosses val="autoZero"/>
         <c:auto val="1"/>
         <c:lblAlgn val="ctr"/>
@@ -1238,7 +1235,7 @@
         <c:noMultiLvlLbl val="0"/>
       </c:catAx>
       <c:valAx>
-        <c:axId val="441531208"/>
+        <c:axId val="359512504"/>
         <c:scaling>
           <c:orientation val="minMax"/>
         </c:scaling>
@@ -1294,7 +1291,7 @@
             <a:endParaRPr lang="es-ES"/>
           </a:p>
         </c:txPr>
-        <c:crossAx val="441534344"/>
+        <c:crossAx val="359514464"/>
         <c:crosses val="autoZero"/>
         <c:crossBetween val="between"/>
       </c:valAx>
@@ -1308,7 +1305,6 @@
     </c:plotArea>
     <c:legend>
       <c:legendPos val="b"/>
-      <c:layout/>
       <c:overlay val="0"/>
       <c:spPr>
         <a:noFill/>
@@ -1472,7 +1468,6 @@
           </a:p>
         </c:rich>
       </c:tx>
-      <c:layout/>
       <c:overlay val="0"/>
       <c:spPr>
         <a:noFill/>
@@ -1841,11 +1836,11 @@
           <c:showBubbleSize val="0"/>
         </c:dLbls>
         <c:smooth val="0"/>
-        <c:axId val="441535128"/>
-        <c:axId val="441036232"/>
+        <c:axId val="359511328"/>
+        <c:axId val="359513288"/>
       </c:lineChart>
       <c:catAx>
-        <c:axId val="441535128"/>
+        <c:axId val="359511328"/>
         <c:scaling>
           <c:orientation val="minMax"/>
         </c:scaling>
@@ -1892,7 +1887,7 @@
             <a:endParaRPr lang="es-ES"/>
           </a:p>
         </c:txPr>
-        <c:crossAx val="441036232"/>
+        <c:crossAx val="359513288"/>
         <c:crosses val="autoZero"/>
         <c:auto val="1"/>
         <c:lblAlgn val="ctr"/>
@@ -1900,7 +1895,7 @@
         <c:noMultiLvlLbl val="0"/>
       </c:catAx>
       <c:valAx>
-        <c:axId val="441036232"/>
+        <c:axId val="359513288"/>
         <c:scaling>
           <c:orientation val="minMax"/>
         </c:scaling>
@@ -1956,7 +1951,7 @@
             <a:endParaRPr lang="es-ES"/>
           </a:p>
         </c:txPr>
-        <c:crossAx val="441535128"/>
+        <c:crossAx val="359511328"/>
         <c:crosses val="autoZero"/>
         <c:crossBetween val="between"/>
       </c:valAx>
@@ -1970,7 +1965,6 @@
     </c:plotArea>
     <c:legend>
       <c:legendPos val="b"/>
-      <c:layout/>
       <c:overlay val="0"/>
       <c:spPr>
         <a:noFill/>
@@ -2081,7 +2075,6 @@
           </a:p>
         </c:rich>
       </c:tx>
-      <c:layout/>
       <c:overlay val="0"/>
       <c:spPr>
         <a:noFill/>
@@ -2450,11 +2443,11 @@
           <c:showBubbleSize val="0"/>
         </c:dLbls>
         <c:smooth val="0"/>
-        <c:axId val="443729512"/>
-        <c:axId val="443730296"/>
+        <c:axId val="361927888"/>
+        <c:axId val="361925536"/>
       </c:lineChart>
       <c:catAx>
-        <c:axId val="443729512"/>
+        <c:axId val="361927888"/>
         <c:scaling>
           <c:orientation val="minMax"/>
         </c:scaling>
@@ -2501,7 +2494,7 @@
             <a:endParaRPr lang="es-ES"/>
           </a:p>
         </c:txPr>
-        <c:crossAx val="443730296"/>
+        <c:crossAx val="361925536"/>
         <c:crosses val="autoZero"/>
         <c:auto val="1"/>
         <c:lblAlgn val="ctr"/>
@@ -2509,7 +2502,7 @@
         <c:noMultiLvlLbl val="0"/>
       </c:catAx>
       <c:valAx>
-        <c:axId val="443730296"/>
+        <c:axId val="361925536"/>
         <c:scaling>
           <c:orientation val="minMax"/>
         </c:scaling>
@@ -2565,7 +2558,7 @@
             <a:endParaRPr lang="es-ES"/>
           </a:p>
         </c:txPr>
-        <c:crossAx val="443729512"/>
+        <c:crossAx val="361927888"/>
         <c:crosses val="autoZero"/>
         <c:crossBetween val="between"/>
       </c:valAx>
@@ -2579,7 +2572,6 @@
     </c:plotArea>
     <c:legend>
       <c:legendPos val="b"/>
-      <c:layout/>
       <c:overlay val="0"/>
       <c:spPr>
         <a:noFill/>
@@ -2687,7 +2679,6 @@
           </a:p>
         </c:rich>
       </c:tx>
-      <c:layout/>
       <c:overlay val="0"/>
       <c:spPr>
         <a:noFill/>
@@ -3056,11 +3047,11 @@
           <c:showBubbleSize val="0"/>
         </c:dLbls>
         <c:smooth val="0"/>
-        <c:axId val="443731080"/>
-        <c:axId val="443733432"/>
+        <c:axId val="361928280"/>
+        <c:axId val="361931808"/>
       </c:lineChart>
       <c:catAx>
-        <c:axId val="443731080"/>
+        <c:axId val="361928280"/>
         <c:scaling>
           <c:orientation val="minMax"/>
         </c:scaling>
@@ -3107,7 +3098,7 @@
             <a:endParaRPr lang="es-ES"/>
           </a:p>
         </c:txPr>
-        <c:crossAx val="443733432"/>
+        <c:crossAx val="361931808"/>
         <c:crosses val="autoZero"/>
         <c:auto val="1"/>
         <c:lblAlgn val="ctr"/>
@@ -3115,7 +3106,7 @@
         <c:noMultiLvlLbl val="0"/>
       </c:catAx>
       <c:valAx>
-        <c:axId val="443733432"/>
+        <c:axId val="361931808"/>
         <c:scaling>
           <c:orientation val="minMax"/>
         </c:scaling>
@@ -3171,7 +3162,7 @@
             <a:endParaRPr lang="es-ES"/>
           </a:p>
         </c:txPr>
-        <c:crossAx val="443731080"/>
+        <c:crossAx val="361928280"/>
         <c:crosses val="autoZero"/>
         <c:crossBetween val="between"/>
       </c:valAx>
@@ -3185,7 +3176,6 @@
     </c:plotArea>
     <c:legend>
       <c:legendPos val="b"/>
-      <c:layout/>
       <c:overlay val="0"/>
       <c:spPr>
         <a:noFill/>
@@ -3293,7 +3283,6 @@
           </a:p>
         </c:rich>
       </c:tx>
-      <c:layout/>
       <c:overlay val="0"/>
       <c:spPr>
         <a:noFill/>
@@ -3662,11 +3651,11 @@
           <c:showBubbleSize val="0"/>
         </c:dLbls>
         <c:smooth val="0"/>
-        <c:axId val="443735000"/>
-        <c:axId val="443733040"/>
+        <c:axId val="361930632"/>
+        <c:axId val="361932200"/>
       </c:lineChart>
       <c:catAx>
-        <c:axId val="443735000"/>
+        <c:axId val="361930632"/>
         <c:scaling>
           <c:orientation val="minMax"/>
         </c:scaling>
@@ -3713,7 +3702,7 @@
             <a:endParaRPr lang="es-ES"/>
           </a:p>
         </c:txPr>
-        <c:crossAx val="443733040"/>
+        <c:crossAx val="361932200"/>
         <c:crosses val="autoZero"/>
         <c:auto val="1"/>
         <c:lblAlgn val="ctr"/>
@@ -3721,7 +3710,7 @@
         <c:noMultiLvlLbl val="0"/>
       </c:catAx>
       <c:valAx>
-        <c:axId val="443733040"/>
+        <c:axId val="361932200"/>
         <c:scaling>
           <c:orientation val="minMax"/>
         </c:scaling>
@@ -3777,7 +3766,7 @@
             <a:endParaRPr lang="es-ES"/>
           </a:p>
         </c:txPr>
-        <c:crossAx val="443735000"/>
+        <c:crossAx val="361930632"/>
         <c:crosses val="autoZero"/>
         <c:crossBetween val="between"/>
       </c:valAx>
@@ -3791,7 +3780,6 @@
     </c:plotArea>
     <c:legend>
       <c:legendPos val="b"/>
-      <c:layout/>
       <c:overlay val="0"/>
       <c:spPr>
         <a:noFill/>
@@ -4748,11 +4736,11 @@
           <c:showBubbleSize val="0"/>
         </c:dLbls>
         <c:smooth val="0"/>
-        <c:axId val="443733824"/>
-        <c:axId val="443727944"/>
+        <c:axId val="361928672"/>
+        <c:axId val="361931024"/>
       </c:lineChart>
       <c:catAx>
-        <c:axId val="443733824"/>
+        <c:axId val="361928672"/>
         <c:scaling>
           <c:orientation val="minMax"/>
         </c:scaling>
@@ -4799,7 +4787,7 @@
             <a:endParaRPr lang="es-ES"/>
           </a:p>
         </c:txPr>
-        <c:crossAx val="443727944"/>
+        <c:crossAx val="361931024"/>
         <c:crosses val="autoZero"/>
         <c:auto val="1"/>
         <c:lblAlgn val="ctr"/>
@@ -4807,7 +4795,7 @@
         <c:noMultiLvlLbl val="0"/>
       </c:catAx>
       <c:valAx>
-        <c:axId val="443727944"/>
+        <c:axId val="361931024"/>
         <c:scaling>
           <c:orientation val="minMax"/>
         </c:scaling>
@@ -4863,7 +4851,7 @@
             <a:endParaRPr lang="es-ES"/>
           </a:p>
         </c:txPr>
-        <c:crossAx val="443733824"/>
+        <c:crossAx val="361928672"/>
         <c:crosses val="autoZero"/>
         <c:crossBetween val="between"/>
       </c:valAx>
@@ -4974,12 +4962,54 @@
               </a:defRPr>
             </a:pPr>
             <a:r>
-              <a:rPr lang="es-ES" sz="1800" b="0" i="0" baseline="0">
+              <a:rPr lang="es-ES" sz="2800" b="0" i="0" baseline="0" dirty="0" err="1">
                 <a:effectLst/>
               </a:rPr>
-              <a:t>Graphic: Variation Time and Our Time (200, 500 and 1000 orders)</a:t>
-            </a:r>
-            <a:endParaRPr lang="es-ES">
+              <a:t>Graphic</a:t>
+            </a:r>
+            <a:r>
+              <a:rPr lang="es-ES" sz="2800" b="0" i="0" baseline="0" dirty="0">
+                <a:effectLst/>
+              </a:rPr>
+              <a:t>: </a:t>
+            </a:r>
+            <a:r>
+              <a:rPr lang="es-ES" sz="2800" b="0" i="0" baseline="0" dirty="0" err="1">
+                <a:effectLst/>
+              </a:rPr>
+              <a:t>Variation</a:t>
+            </a:r>
+            <a:r>
+              <a:rPr lang="es-ES" sz="2800" b="0" i="0" baseline="0" dirty="0">
+                <a:effectLst/>
+              </a:rPr>
+              <a:t> Time and </a:t>
+            </a:r>
+            <a:r>
+              <a:rPr lang="es-ES" sz="2800" b="0" i="0" baseline="0" dirty="0" err="1">
+                <a:effectLst/>
+              </a:rPr>
+              <a:t>Our</a:t>
+            </a:r>
+            <a:r>
+              <a:rPr lang="es-ES" sz="2800" b="0" i="0" baseline="0" dirty="0">
+                <a:effectLst/>
+              </a:rPr>
+              <a:t> Time (200, 500 and 1000 </a:t>
+            </a:r>
+            <a:r>
+              <a:rPr lang="es-ES" sz="2800" b="0" i="0" baseline="0" dirty="0" err="1">
+                <a:effectLst/>
+              </a:rPr>
+              <a:t>orders</a:t>
+            </a:r>
+            <a:r>
+              <a:rPr lang="es-ES" sz="2800" b="0" i="0" baseline="0" dirty="0">
+                <a:effectLst/>
+              </a:rPr>
+              <a:t>)</a:t>
+            </a:r>
+            <a:endParaRPr lang="es-ES" sz="2800" dirty="0">
               <a:effectLst/>
             </a:endParaRPr>
           </a:p>
@@ -5023,9 +5053,9 @@
           <c:xMode val="edge"/>
           <c:yMode val="edge"/>
           <c:x val="4.6332431102362202E-2"/>
-          <c:y val="7.7731554389034702E-2"/>
+          <c:y val="9.6250072907553219E-2"/>
           <c:w val="0.9391068733595801"/>
-          <c:h val="0.82953995333916597"/>
+          <c:h val="0.81102143482064737"/>
         </c:manualLayout>
       </c:layout>
       <c:lineChart>
@@ -5837,11 +5867,11 @@
           <c:showBubbleSize val="0"/>
         </c:dLbls>
         <c:smooth val="0"/>
-        <c:axId val="443732256"/>
-        <c:axId val="443728336"/>
+        <c:axId val="361925928"/>
+        <c:axId val="361926320"/>
       </c:lineChart>
       <c:catAx>
-        <c:axId val="443732256"/>
+        <c:axId val="361925928"/>
         <c:scaling>
           <c:orientation val="minMax"/>
         </c:scaling>
@@ -5888,7 +5918,7 @@
             <a:endParaRPr lang="es-ES"/>
           </a:p>
         </c:txPr>
-        <c:crossAx val="443728336"/>
+        <c:crossAx val="361926320"/>
         <c:crosses val="autoZero"/>
         <c:auto val="1"/>
         <c:lblAlgn val="ctr"/>
@@ -5896,7 +5926,7 @@
         <c:noMultiLvlLbl val="0"/>
       </c:catAx>
       <c:valAx>
-        <c:axId val="443728336"/>
+        <c:axId val="361926320"/>
         <c:scaling>
           <c:orientation val="minMax"/>
         </c:scaling>
@@ -5952,7 +5982,7 @@
             <a:endParaRPr lang="es-ES"/>
           </a:p>
         </c:txPr>
-        <c:crossAx val="443732256"/>
+        <c:crossAx val="361925928"/>
         <c:crosses val="autoZero"/>
         <c:crossBetween val="between"/>
       </c:valAx>
@@ -25184,7 +25214,7 @@
           <p:cNvPr id="8" name="Picture Placeholder 7">
             <a:extLst>
               <a:ext uri="{FF2B5EF4-FFF2-40B4-BE49-F238E27FC236}">
-                <a16:creationId xmlns:a16="http://schemas.microsoft.com/office/drawing/2014/main" xmlns="" id="{59D3FB41-A110-499A-B291-BBBB8318935F}"/>
+                <a16:creationId xmlns="" xmlns:a16="http://schemas.microsoft.com/office/drawing/2014/main" id="{59D3FB41-A110-499A-B291-BBBB8318935F}"/>
               </a:ext>
             </a:extLst>
           </p:cNvPr>
@@ -25264,7 +25294,7 @@
           <p:cNvPr id="4" name="Table 3">
             <a:extLst>
               <a:ext uri="{FF2B5EF4-FFF2-40B4-BE49-F238E27FC236}">
-                <a16:creationId xmlns="" xmlns:a16="http://schemas.microsoft.com/office/drawing/2014/main" id="{16CA9473-8F0D-4C48-BB9A-8EE40BF50D92}"/>
+                <a16:creationId xmlns:a16="http://schemas.microsoft.com/office/drawing/2014/main" xmlns="" id="{16CA9473-8F0D-4C48-BB9A-8EE40BF50D92}"/>
               </a:ext>
             </a:extLst>
           </p:cNvPr>
@@ -25293,63 +25323,63 @@
                 <a:gridCol w="1001021">
                   <a:extLst>
                     <a:ext uri="{9D8B030D-6E8A-4147-A177-3AD203B41FA5}">
-                      <a16:colId xmlns="" xmlns:a16="http://schemas.microsoft.com/office/drawing/2014/main" val="34760263"/>
+                      <a16:colId xmlns:a16="http://schemas.microsoft.com/office/drawing/2014/main" xmlns="" val="34760263"/>
                     </a:ext>
                   </a:extLst>
                 </a:gridCol>
                 <a:gridCol w="855273">
                   <a:extLst>
                     <a:ext uri="{9D8B030D-6E8A-4147-A177-3AD203B41FA5}">
-                      <a16:colId xmlns="" xmlns:a16="http://schemas.microsoft.com/office/drawing/2014/main" val="3812687379"/>
+                      <a16:colId xmlns:a16="http://schemas.microsoft.com/office/drawing/2014/main" xmlns="" val="3812687379"/>
                     </a:ext>
                   </a:extLst>
                 </a:gridCol>
                 <a:gridCol w="1315753">
                   <a:extLst>
                     <a:ext uri="{9D8B030D-6E8A-4147-A177-3AD203B41FA5}">
-                      <a16:colId xmlns="" xmlns:a16="http://schemas.microsoft.com/office/drawing/2014/main" val="1933821378"/>
+                      <a16:colId xmlns:a16="http://schemas.microsoft.com/office/drawing/2014/main" xmlns="" val="1933821378"/>
                     </a:ext>
                   </a:extLst>
                 </a:gridCol>
                 <a:gridCol w="1728370">
                   <a:extLst>
                     <a:ext uri="{9D8B030D-6E8A-4147-A177-3AD203B41FA5}">
-                      <a16:colId xmlns="" xmlns:a16="http://schemas.microsoft.com/office/drawing/2014/main" val="875010954"/>
+                      <a16:colId xmlns:a16="http://schemas.microsoft.com/office/drawing/2014/main" xmlns="" val="875010954"/>
                     </a:ext>
                   </a:extLst>
                 </a:gridCol>
                 <a:gridCol w="823913">
                   <a:extLst>
                     <a:ext uri="{9D8B030D-6E8A-4147-A177-3AD203B41FA5}">
-                      <a16:colId xmlns="" xmlns:a16="http://schemas.microsoft.com/office/drawing/2014/main" val="1078558424"/>
+                      <a16:colId xmlns:a16="http://schemas.microsoft.com/office/drawing/2014/main" xmlns="" val="1078558424"/>
                     </a:ext>
                   </a:extLst>
                 </a:gridCol>
                 <a:gridCol w="1246433">
                   <a:extLst>
                     <a:ext uri="{9D8B030D-6E8A-4147-A177-3AD203B41FA5}">
-                      <a16:colId xmlns="" xmlns:a16="http://schemas.microsoft.com/office/drawing/2014/main" val="112756927"/>
+                      <a16:colId xmlns:a16="http://schemas.microsoft.com/office/drawing/2014/main" xmlns="" val="112756927"/>
                     </a:ext>
                   </a:extLst>
                 </a:gridCol>
                 <a:gridCol w="1919824">
                   <a:extLst>
                     <a:ext uri="{9D8B030D-6E8A-4147-A177-3AD203B41FA5}">
-                      <a16:colId xmlns="" xmlns:a16="http://schemas.microsoft.com/office/drawing/2014/main" val="4050224548"/>
+                      <a16:colId xmlns:a16="http://schemas.microsoft.com/office/drawing/2014/main" xmlns="" val="4050224548"/>
                     </a:ext>
                   </a:extLst>
                 </a:gridCol>
                 <a:gridCol w="1774583">
                   <a:extLst>
                     <a:ext uri="{9D8B030D-6E8A-4147-A177-3AD203B41FA5}">
-                      <a16:colId xmlns="" xmlns:a16="http://schemas.microsoft.com/office/drawing/2014/main" val="1071222725"/>
+                      <a16:colId xmlns:a16="http://schemas.microsoft.com/office/drawing/2014/main" xmlns="" val="1071222725"/>
                     </a:ext>
                   </a:extLst>
                 </a:gridCol>
                 <a:gridCol w="1526833">
                   <a:extLst>
                     <a:ext uri="{9D8B030D-6E8A-4147-A177-3AD203B41FA5}">
-                      <a16:colId xmlns="" xmlns:a16="http://schemas.microsoft.com/office/drawing/2014/main" val="4215464752"/>
+                      <a16:colId xmlns:a16="http://schemas.microsoft.com/office/drawing/2014/main" xmlns="" val="4215464752"/>
                     </a:ext>
                   </a:extLst>
                 </a:gridCol>
@@ -25554,7 +25584,7 @@
                 </a:tc>
                 <a:extLst>
                   <a:ext uri="{0D108BD9-81ED-4DB2-BD59-A6C34878D82A}">
-                    <a16:rowId xmlns="" xmlns:a16="http://schemas.microsoft.com/office/drawing/2014/main" val="1745891069"/>
+                    <a16:rowId xmlns:a16="http://schemas.microsoft.com/office/drawing/2014/main" xmlns="" val="1745891069"/>
                   </a:ext>
                 </a:extLst>
               </a:tr>
@@ -25773,7 +25803,7 @@
                 </a:tc>
                 <a:extLst>
                   <a:ext uri="{0D108BD9-81ED-4DB2-BD59-A6C34878D82A}">
-                    <a16:rowId xmlns="" xmlns:a16="http://schemas.microsoft.com/office/drawing/2014/main" val="3307466219"/>
+                    <a16:rowId xmlns:a16="http://schemas.microsoft.com/office/drawing/2014/main" xmlns="" val="3307466219"/>
                   </a:ext>
                 </a:extLst>
               </a:tr>
@@ -25978,7 +26008,7 @@
                 </a:tc>
                 <a:extLst>
                   <a:ext uri="{0D108BD9-81ED-4DB2-BD59-A6C34878D82A}">
-                    <a16:rowId xmlns="" xmlns:a16="http://schemas.microsoft.com/office/drawing/2014/main" val="2430767203"/>
+                    <a16:rowId xmlns:a16="http://schemas.microsoft.com/office/drawing/2014/main" xmlns="" val="2430767203"/>
                   </a:ext>
                 </a:extLst>
               </a:tr>
@@ -26201,7 +26231,7 @@
                 </a:tc>
                 <a:extLst>
                   <a:ext uri="{0D108BD9-81ED-4DB2-BD59-A6C34878D82A}">
-                    <a16:rowId xmlns="" xmlns:a16="http://schemas.microsoft.com/office/drawing/2014/main" val="460563303"/>
+                    <a16:rowId xmlns:a16="http://schemas.microsoft.com/office/drawing/2014/main" xmlns="" val="460563303"/>
                   </a:ext>
                 </a:extLst>
               </a:tr>
@@ -26424,7 +26454,7 @@
                 </a:tc>
                 <a:extLst>
                   <a:ext uri="{0D108BD9-81ED-4DB2-BD59-A6C34878D82A}">
-                    <a16:rowId xmlns="" xmlns:a16="http://schemas.microsoft.com/office/drawing/2014/main" val="3260662345"/>
+                    <a16:rowId xmlns:a16="http://schemas.microsoft.com/office/drawing/2014/main" xmlns="" val="3260662345"/>
                   </a:ext>
                 </a:extLst>
               </a:tr>
@@ -26647,7 +26677,7 @@
                 </a:tc>
                 <a:extLst>
                   <a:ext uri="{0D108BD9-81ED-4DB2-BD59-A6C34878D82A}">
-                    <a16:rowId xmlns="" xmlns:a16="http://schemas.microsoft.com/office/drawing/2014/main" val="3181831911"/>
+                    <a16:rowId xmlns:a16="http://schemas.microsoft.com/office/drawing/2014/main" xmlns="" val="3181831911"/>
                   </a:ext>
                 </a:extLst>
               </a:tr>
@@ -26870,7 +26900,7 @@
                 </a:tc>
                 <a:extLst>
                   <a:ext uri="{0D108BD9-81ED-4DB2-BD59-A6C34878D82A}">
-                    <a16:rowId xmlns="" xmlns:a16="http://schemas.microsoft.com/office/drawing/2014/main" val="1027403434"/>
+                    <a16:rowId xmlns:a16="http://schemas.microsoft.com/office/drawing/2014/main" xmlns="" val="1027403434"/>
                   </a:ext>
                 </a:extLst>
               </a:tr>
@@ -27080,7 +27110,7 @@
                 </a:tc>
                 <a:extLst>
                   <a:ext uri="{0D108BD9-81ED-4DB2-BD59-A6C34878D82A}">
-                    <a16:rowId xmlns="" xmlns:a16="http://schemas.microsoft.com/office/drawing/2014/main" val="2611242976"/>
+                    <a16:rowId xmlns:a16="http://schemas.microsoft.com/office/drawing/2014/main" xmlns="" val="2611242976"/>
                   </a:ext>
                 </a:extLst>
               </a:tr>
@@ -27327,7 +27357,7 @@
                 </a:tc>
                 <a:extLst>
                   <a:ext uri="{0D108BD9-81ED-4DB2-BD59-A6C34878D82A}">
-                    <a16:rowId xmlns="" xmlns:a16="http://schemas.microsoft.com/office/drawing/2014/main" val="1376843330"/>
+                    <a16:rowId xmlns:a16="http://schemas.microsoft.com/office/drawing/2014/main" xmlns="" val="1376843330"/>
                   </a:ext>
                 </a:extLst>
               </a:tr>
@@ -27550,7 +27580,7 @@
                 </a:tc>
                 <a:extLst>
                   <a:ext uri="{0D108BD9-81ED-4DB2-BD59-A6C34878D82A}">
-                    <a16:rowId xmlns="" xmlns:a16="http://schemas.microsoft.com/office/drawing/2014/main" val="1592789948"/>
+                    <a16:rowId xmlns:a16="http://schemas.microsoft.com/office/drawing/2014/main" xmlns="" val="1592789948"/>
                   </a:ext>
                 </a:extLst>
               </a:tr>
@@ -28843,7 +28873,7 @@
           <p:nvPr>
             <p:extLst>
               <p:ext uri="{D42A27DB-BD31-4B8C-83A1-F6EECF244321}">
-                <p14:modId xmlns:p14="http://schemas.microsoft.com/office/powerpoint/2010/main" val="2181494846"/>
+                <p14:modId xmlns:p14="http://schemas.microsoft.com/office/powerpoint/2010/main" val="2950831101"/>
               </p:ext>
             </p:extLst>
           </p:nvPr>
@@ -29100,7 +29130,7 @@
           <p:cNvPr id="3" name="Picture 2">
             <a:extLst>
               <a:ext uri="{FF2B5EF4-FFF2-40B4-BE49-F238E27FC236}">
-                <a16:creationId xmlns:a16="http://schemas.microsoft.com/office/drawing/2014/main" xmlns="" id="{B4399C38-6E07-41DC-8DEC-6BF8481CD6F3}"/>
+                <a16:creationId xmlns="" xmlns:a16="http://schemas.microsoft.com/office/drawing/2014/main" id="{B4399C38-6E07-41DC-8DEC-6BF8481CD6F3}"/>
               </a:ext>
             </a:extLst>
           </p:cNvPr>
@@ -29216,7 +29246,7 @@
           <p:cNvPr id="63" name="Picture 62">
             <a:extLst>
               <a:ext uri="{FF2B5EF4-FFF2-40B4-BE49-F238E27FC236}">
-                <a16:creationId xmlns:a16="http://schemas.microsoft.com/office/drawing/2014/main" xmlns="" id="{5B15DD52-47DC-4412-A2E6-A60F6687A2AA}"/>
+                <a16:creationId xmlns="" xmlns:a16="http://schemas.microsoft.com/office/drawing/2014/main" id="{5B15DD52-47DC-4412-A2E6-A60F6687A2AA}"/>
               </a:ext>
             </a:extLst>
           </p:cNvPr>
@@ -29252,7 +29282,7 @@
           <p:cNvPr id="106" name="Picture 105">
             <a:extLst>
               <a:ext uri="{FF2B5EF4-FFF2-40B4-BE49-F238E27FC236}">
-                <a16:creationId xmlns:a16="http://schemas.microsoft.com/office/drawing/2014/main" xmlns="" id="{14F6968E-F8BC-4C9E-8B85-4F59E9B70028}"/>
+                <a16:creationId xmlns="" xmlns:a16="http://schemas.microsoft.com/office/drawing/2014/main" id="{14F6968E-F8BC-4C9E-8B85-4F59E9B70028}"/>
               </a:ext>
             </a:extLst>
           </p:cNvPr>
@@ -29294,7 +29324,7 @@
           <p:cNvPr id="126" name="Picture 125">
             <a:extLst>
               <a:ext uri="{FF2B5EF4-FFF2-40B4-BE49-F238E27FC236}">
-                <a16:creationId xmlns:a16="http://schemas.microsoft.com/office/drawing/2014/main" xmlns="" id="{2F2210B8-E2C2-4C34-B1D8-515E754290CB}"/>
+                <a16:creationId xmlns="" xmlns:a16="http://schemas.microsoft.com/office/drawing/2014/main" id="{2F2210B8-E2C2-4C34-B1D8-515E754290CB}"/>
               </a:ext>
             </a:extLst>
           </p:cNvPr>
@@ -29330,7 +29360,7 @@
           <p:cNvPr id="127" name="Callout: Bent Line 126">
             <a:extLst>
               <a:ext uri="{FF2B5EF4-FFF2-40B4-BE49-F238E27FC236}">
-                <a16:creationId xmlns:a16="http://schemas.microsoft.com/office/drawing/2014/main" xmlns="" id="{397CF055-B331-413D-B5BB-07280E8153FD}"/>
+                <a16:creationId xmlns="" xmlns:a16="http://schemas.microsoft.com/office/drawing/2014/main" id="{397CF055-B331-413D-B5BB-07280E8153FD}"/>
               </a:ext>
             </a:extLst>
           </p:cNvPr>
@@ -29393,7 +29423,7 @@
           <p:cNvPr id="130" name="Callout: Bent Line 129">
             <a:extLst>
               <a:ext uri="{FF2B5EF4-FFF2-40B4-BE49-F238E27FC236}">
-                <a16:creationId xmlns:a16="http://schemas.microsoft.com/office/drawing/2014/main" xmlns="" id="{96D68CA9-C290-42A1-A7D4-EE0D7EC09841}"/>
+                <a16:creationId xmlns="" xmlns:a16="http://schemas.microsoft.com/office/drawing/2014/main" id="{96D68CA9-C290-42A1-A7D4-EE0D7EC09841}"/>
               </a:ext>
             </a:extLst>
           </p:cNvPr>
@@ -29451,7 +29481,7 @@
           <p:cNvPr id="131" name="Callout: Bent Line 130">
             <a:extLst>
               <a:ext uri="{FF2B5EF4-FFF2-40B4-BE49-F238E27FC236}">
-                <a16:creationId xmlns:a16="http://schemas.microsoft.com/office/drawing/2014/main" xmlns="" id="{A802EC55-C5E1-49FD-A1D8-34D9EAFBC27C}"/>
+                <a16:creationId xmlns="" xmlns:a16="http://schemas.microsoft.com/office/drawing/2014/main" id="{A802EC55-C5E1-49FD-A1D8-34D9EAFBC27C}"/>
               </a:ext>
             </a:extLst>
           </p:cNvPr>
@@ -29513,7 +29543,7 @@
           <p:cNvPr id="133" name="Callout: Bent Line 132">
             <a:extLst>
               <a:ext uri="{FF2B5EF4-FFF2-40B4-BE49-F238E27FC236}">
-                <a16:creationId xmlns:a16="http://schemas.microsoft.com/office/drawing/2014/main" xmlns="" id="{494B9882-814D-47EA-BA74-F87861720779}"/>
+                <a16:creationId xmlns="" xmlns:a16="http://schemas.microsoft.com/office/drawing/2014/main" id="{494B9882-814D-47EA-BA74-F87861720779}"/>
               </a:ext>
             </a:extLst>
           </p:cNvPr>
@@ -29575,7 +29605,7 @@
           <p:cNvPr id="134" name="TextBox 133">
             <a:extLst>
               <a:ext uri="{FF2B5EF4-FFF2-40B4-BE49-F238E27FC236}">
-                <a16:creationId xmlns:a16="http://schemas.microsoft.com/office/drawing/2014/main" xmlns="" id="{D74BA1D6-760F-4BF0-B768-1F8E70ABD577}"/>
+                <a16:creationId xmlns="" xmlns:a16="http://schemas.microsoft.com/office/drawing/2014/main" id="{D74BA1D6-760F-4BF0-B768-1F8E70ABD577}"/>
               </a:ext>
             </a:extLst>
           </p:cNvPr>
@@ -29614,7 +29644,7 @@
           <p:cNvPr id="135" name="TextBox 134">
             <a:extLst>
               <a:ext uri="{FF2B5EF4-FFF2-40B4-BE49-F238E27FC236}">
-                <a16:creationId xmlns:a16="http://schemas.microsoft.com/office/drawing/2014/main" xmlns="" id="{75730175-D07F-45EB-8271-B044C4A63E00}"/>
+                <a16:creationId xmlns="" xmlns:a16="http://schemas.microsoft.com/office/drawing/2014/main" id="{75730175-D07F-45EB-8271-B044C4A63E00}"/>
               </a:ext>
             </a:extLst>
           </p:cNvPr>
@@ -29653,7 +29683,7 @@
           <p:cNvPr id="137" name="Callout: Bent Line 136">
             <a:extLst>
               <a:ext uri="{FF2B5EF4-FFF2-40B4-BE49-F238E27FC236}">
-                <a16:creationId xmlns:a16="http://schemas.microsoft.com/office/drawing/2014/main" xmlns="" id="{3C9663B5-0E20-499F-9430-0E655D044E15}"/>
+                <a16:creationId xmlns="" xmlns:a16="http://schemas.microsoft.com/office/drawing/2014/main" id="{3C9663B5-0E20-499F-9430-0E655D044E15}"/>
               </a:ext>
             </a:extLst>
           </p:cNvPr>
@@ -29715,7 +29745,7 @@
           <p:cNvPr id="48" name="Picture 47">
             <a:extLst>
               <a:ext uri="{FF2B5EF4-FFF2-40B4-BE49-F238E27FC236}">
-                <a16:creationId xmlns:a16="http://schemas.microsoft.com/office/drawing/2014/main" xmlns="" id="{970396B5-9118-42A9-904D-F72BD292492F}"/>
+                <a16:creationId xmlns="" xmlns:a16="http://schemas.microsoft.com/office/drawing/2014/main" id="{970396B5-9118-42A9-904D-F72BD292492F}"/>
               </a:ext>
             </a:extLst>
           </p:cNvPr>
@@ -29861,7 +29891,7 @@
           <p:cNvPr id="4" name="Picture 3">
             <a:extLst>
               <a:ext uri="{FF2B5EF4-FFF2-40B4-BE49-F238E27FC236}">
-                <a16:creationId xmlns:a16="http://schemas.microsoft.com/office/drawing/2014/main" xmlns="" id="{09B31EB0-88C9-4158-8CC2-885407DCC438}"/>
+                <a16:creationId xmlns="" xmlns:a16="http://schemas.microsoft.com/office/drawing/2014/main" id="{09B31EB0-88C9-4158-8CC2-885407DCC438}"/>
               </a:ext>
             </a:extLst>
           </p:cNvPr>
@@ -29897,7 +29927,7 @@
           <p:cNvPr id="6" name="Speech Bubble: Rectangle with Corners Rounded 5">
             <a:extLst>
               <a:ext uri="{FF2B5EF4-FFF2-40B4-BE49-F238E27FC236}">
-                <a16:creationId xmlns:a16="http://schemas.microsoft.com/office/drawing/2014/main" xmlns="" id="{D5C8FBE0-8128-4C4E-A630-4581C1986965}"/>
+                <a16:creationId xmlns="" xmlns:a16="http://schemas.microsoft.com/office/drawing/2014/main" id="{D5C8FBE0-8128-4C4E-A630-4581C1986965}"/>
               </a:ext>
             </a:extLst>
           </p:cNvPr>
@@ -29948,7 +29978,7 @@
           <p:cNvPr id="17" name="Speech Bubble: Rectangle with Corners Rounded 16">
             <a:extLst>
               <a:ext uri="{FF2B5EF4-FFF2-40B4-BE49-F238E27FC236}">
-                <a16:creationId xmlns:a16="http://schemas.microsoft.com/office/drawing/2014/main" xmlns="" id="{36BFF22C-8B6F-479C-9A8A-785260030205}"/>
+                <a16:creationId xmlns="" xmlns:a16="http://schemas.microsoft.com/office/drawing/2014/main" id="{36BFF22C-8B6F-479C-9A8A-785260030205}"/>
               </a:ext>
             </a:extLst>
           </p:cNvPr>
@@ -29999,7 +30029,7 @@
           <p:cNvPr id="16" name="TextBox 15">
             <a:extLst>
               <a:ext uri="{FF2B5EF4-FFF2-40B4-BE49-F238E27FC236}">
-                <a16:creationId xmlns:a16="http://schemas.microsoft.com/office/drawing/2014/main" xmlns="" id="{EF788542-589B-4D4F-B65A-ED8F88F99952}"/>
+                <a16:creationId xmlns="" xmlns:a16="http://schemas.microsoft.com/office/drawing/2014/main" id="{EF788542-589B-4D4F-B65A-ED8F88F99952}"/>
               </a:ext>
             </a:extLst>
           </p:cNvPr>
@@ -30055,7 +30085,7 @@
           <p:cNvPr id="7" name="TextBox 6">
             <a:extLst>
               <a:ext uri="{FF2B5EF4-FFF2-40B4-BE49-F238E27FC236}">
-                <a16:creationId xmlns:a16="http://schemas.microsoft.com/office/drawing/2014/main" xmlns="" id="{7B7DD44E-72F6-4785-B494-655ACE3CCE3D}"/>
+                <a16:creationId xmlns="" xmlns:a16="http://schemas.microsoft.com/office/drawing/2014/main" id="{7B7DD44E-72F6-4785-B494-655ACE3CCE3D}"/>
               </a:ext>
             </a:extLst>
           </p:cNvPr>
@@ -30108,7 +30138,7 @@
           <p:cNvPr id="19" name="Speech Bubble: Rectangle with Corners Rounded 18">
             <a:extLst>
               <a:ext uri="{FF2B5EF4-FFF2-40B4-BE49-F238E27FC236}">
-                <a16:creationId xmlns:a16="http://schemas.microsoft.com/office/drawing/2014/main" xmlns="" id="{866C2C8C-0C6C-417B-8EE9-78420CA3542B}"/>
+                <a16:creationId xmlns="" xmlns:a16="http://schemas.microsoft.com/office/drawing/2014/main" id="{866C2C8C-0C6C-417B-8EE9-78420CA3542B}"/>
               </a:ext>
             </a:extLst>
           </p:cNvPr>
@@ -30159,7 +30189,7 @@
           <p:cNvPr id="8" name="TextBox 7">
             <a:extLst>
               <a:ext uri="{FF2B5EF4-FFF2-40B4-BE49-F238E27FC236}">
-                <a16:creationId xmlns:a16="http://schemas.microsoft.com/office/drawing/2014/main" xmlns="" id="{E1997BCC-AC66-4279-A67A-C85CAC10E7F9}"/>
+                <a16:creationId xmlns="" xmlns:a16="http://schemas.microsoft.com/office/drawing/2014/main" id="{E1997BCC-AC66-4279-A67A-C85CAC10E7F9}"/>
               </a:ext>
             </a:extLst>
           </p:cNvPr>
@@ -30215,7 +30245,7 @@
           <p:cNvPr id="21" name="Speech Bubble: Rectangle with Corners Rounded 20">
             <a:extLst>
               <a:ext uri="{FF2B5EF4-FFF2-40B4-BE49-F238E27FC236}">
-                <a16:creationId xmlns:a16="http://schemas.microsoft.com/office/drawing/2014/main" xmlns="" id="{DD220F97-C522-4A0A-8410-A47E2F0DEDFF}"/>
+                <a16:creationId xmlns="" xmlns:a16="http://schemas.microsoft.com/office/drawing/2014/main" id="{DD220F97-C522-4A0A-8410-A47E2F0DEDFF}"/>
               </a:ext>
             </a:extLst>
           </p:cNvPr>
@@ -30266,7 +30296,7 @@
           <p:cNvPr id="10" name="TextBox 9">
             <a:extLst>
               <a:ext uri="{FF2B5EF4-FFF2-40B4-BE49-F238E27FC236}">
-                <a16:creationId xmlns:a16="http://schemas.microsoft.com/office/drawing/2014/main" xmlns="" id="{D7B58DCE-D84F-4A36-B35D-3526714DA155}"/>
+                <a16:creationId xmlns="" xmlns:a16="http://schemas.microsoft.com/office/drawing/2014/main" id="{D7B58DCE-D84F-4A36-B35D-3526714DA155}"/>
               </a:ext>
             </a:extLst>
           </p:cNvPr>
@@ -30314,7 +30344,7 @@
           <p:cNvPr id="14" name="Picture 13">
             <a:extLst>
               <a:ext uri="{FF2B5EF4-FFF2-40B4-BE49-F238E27FC236}">
-                <a16:creationId xmlns:a16="http://schemas.microsoft.com/office/drawing/2014/main" xmlns="" id="{DD1FBBBF-5DC7-4566-83B7-11724A262B7D}"/>
+                <a16:creationId xmlns="" xmlns:a16="http://schemas.microsoft.com/office/drawing/2014/main" id="{DD1FBBBF-5DC7-4566-83B7-11724A262B7D}"/>
               </a:ext>
             </a:extLst>
           </p:cNvPr>
@@ -30455,7 +30485,7 @@
           <p:cNvPr id="6" name="Picture 5">
             <a:extLst>
               <a:ext uri="{FF2B5EF4-FFF2-40B4-BE49-F238E27FC236}">
-                <a16:creationId xmlns:a16="http://schemas.microsoft.com/office/drawing/2014/main" xmlns="" id="{782A8D85-5ED8-43C3-BC0F-6BFC4EA00A62}"/>
+                <a16:creationId xmlns="" xmlns:a16="http://schemas.microsoft.com/office/drawing/2014/main" id="{782A8D85-5ED8-43C3-BC0F-6BFC4EA00A62}"/>
               </a:ext>
             </a:extLst>
           </p:cNvPr>
@@ -30493,7 +30523,7 @@
               <p:cNvPr id="13" name="TextBox 12">
                 <a:extLst>
                   <a:ext uri="{FF2B5EF4-FFF2-40B4-BE49-F238E27FC236}">
-                    <a16:creationId xmlns:a16="http://schemas.microsoft.com/office/drawing/2014/main" xmlns="" id="{B4966AAC-C7DE-4EAC-8440-706C54E5BE9B}"/>
+                    <a16:creationId xmlns="" xmlns:a16="http://schemas.microsoft.com/office/drawing/2014/main" id="{B4966AAC-C7DE-4EAC-8440-706C54E5BE9B}"/>
                   </a:ext>
                 </a:extLst>
               </p:cNvPr>
@@ -30767,7 +30797,7 @@
               <p:cNvPr id="15" name="TextBox 14">
                 <a:extLst>
                   <a:ext uri="{FF2B5EF4-FFF2-40B4-BE49-F238E27FC236}">
-                    <a16:creationId xmlns:a16="http://schemas.microsoft.com/office/drawing/2014/main" xmlns="" id="{370A66A4-B008-4BCF-8B8A-688563E19E48}"/>
+                    <a16:creationId xmlns="" xmlns:a16="http://schemas.microsoft.com/office/drawing/2014/main" id="{370A66A4-B008-4BCF-8B8A-688563E19E48}"/>
                   </a:ext>
                 </a:extLst>
               </p:cNvPr>
@@ -31090,7 +31120,7 @@
               <p:cNvPr id="16" name="TextBox 15">
                 <a:extLst>
                   <a:ext uri="{FF2B5EF4-FFF2-40B4-BE49-F238E27FC236}">
-                    <a16:creationId xmlns:a16="http://schemas.microsoft.com/office/drawing/2014/main" xmlns="" id="{9CA80DB1-7C6A-4B96-8FC5-0D3801EF5660}"/>
+                    <a16:creationId xmlns="" xmlns:a16="http://schemas.microsoft.com/office/drawing/2014/main" id="{9CA80DB1-7C6A-4B96-8FC5-0D3801EF5660}"/>
                   </a:ext>
                 </a:extLst>
               </p:cNvPr>
@@ -31334,7 +31364,7 @@
               <p:cNvPr id="17" name="TextBox 16">
                 <a:extLst>
                   <a:ext uri="{FF2B5EF4-FFF2-40B4-BE49-F238E27FC236}">
-                    <a16:creationId xmlns:a16="http://schemas.microsoft.com/office/drawing/2014/main" xmlns="" id="{5ED90BD9-546E-4CD3-93BE-10D2833E41BC}"/>
+                    <a16:creationId xmlns="" xmlns:a16="http://schemas.microsoft.com/office/drawing/2014/main" id="{5ED90BD9-546E-4CD3-93BE-10D2833E41BC}"/>
                   </a:ext>
                 </a:extLst>
               </p:cNvPr>
@@ -31578,7 +31608,7 @@
           <p:cNvPr id="19" name="Rectangle 18">
             <a:extLst>
               <a:ext uri="{FF2B5EF4-FFF2-40B4-BE49-F238E27FC236}">
-                <a16:creationId xmlns:a16="http://schemas.microsoft.com/office/drawing/2014/main" xmlns="" id="{B44EA830-46C1-44BE-A602-6A44AB9FC00D}"/>
+                <a16:creationId xmlns="" xmlns:a16="http://schemas.microsoft.com/office/drawing/2014/main" id="{B44EA830-46C1-44BE-A602-6A44AB9FC00D}"/>
               </a:ext>
             </a:extLst>
           </p:cNvPr>
@@ -31641,7 +31671,7 @@
               <p:cNvPr id="18" name="TextBox 17">
                 <a:extLst>
                   <a:ext uri="{FF2B5EF4-FFF2-40B4-BE49-F238E27FC236}">
-                    <a16:creationId xmlns:a16="http://schemas.microsoft.com/office/drawing/2014/main" xmlns="" id="{3418578F-786F-400C-954C-DB4CD28CB555}"/>
+                    <a16:creationId xmlns="" xmlns:a16="http://schemas.microsoft.com/office/drawing/2014/main" id="{3418578F-786F-400C-954C-DB4CD28CB555}"/>
                   </a:ext>
                 </a:extLst>
               </p:cNvPr>
@@ -31769,7 +31799,7 @@
           <p:cNvPr id="21" name="Rectangle 20">
             <a:extLst>
               <a:ext uri="{FF2B5EF4-FFF2-40B4-BE49-F238E27FC236}">
-                <a16:creationId xmlns:a16="http://schemas.microsoft.com/office/drawing/2014/main" xmlns="" id="{351BAECD-40B7-4D81-A0AE-E80772DDED46}"/>
+                <a16:creationId xmlns="" xmlns:a16="http://schemas.microsoft.com/office/drawing/2014/main" id="{351BAECD-40B7-4D81-A0AE-E80772DDED46}"/>
               </a:ext>
             </a:extLst>
           </p:cNvPr>
@@ -31830,7 +31860,7 @@
           <p:cNvPr id="22" name="Rectangle 21">
             <a:extLst>
               <a:ext uri="{FF2B5EF4-FFF2-40B4-BE49-F238E27FC236}">
-                <a16:creationId xmlns:a16="http://schemas.microsoft.com/office/drawing/2014/main" xmlns="" id="{B8926D9D-C051-41E4-BB0E-A3D001131A4D}"/>
+                <a16:creationId xmlns="" xmlns:a16="http://schemas.microsoft.com/office/drawing/2014/main" id="{B8926D9D-C051-41E4-BB0E-A3D001131A4D}"/>
               </a:ext>
             </a:extLst>
           </p:cNvPr>
@@ -31893,7 +31923,7 @@
               <p:cNvPr id="20" name="TextBox 19">
                 <a:extLst>
                   <a:ext uri="{FF2B5EF4-FFF2-40B4-BE49-F238E27FC236}">
-                    <a16:creationId xmlns:a16="http://schemas.microsoft.com/office/drawing/2014/main" xmlns="" id="{C632BA72-1FAD-4BBB-BE68-45268DED4DF5}"/>
+                    <a16:creationId xmlns="" xmlns:a16="http://schemas.microsoft.com/office/drawing/2014/main" id="{C632BA72-1FAD-4BBB-BE68-45268DED4DF5}"/>
                   </a:ext>
                 </a:extLst>
               </p:cNvPr>
@@ -32057,7 +32087,7 @@
           <p:cNvPr id="24" name="Rectangle 23">
             <a:extLst>
               <a:ext uri="{FF2B5EF4-FFF2-40B4-BE49-F238E27FC236}">
-                <a16:creationId xmlns:a16="http://schemas.microsoft.com/office/drawing/2014/main" xmlns="" id="{EF78FFFB-757F-4F2C-B5BC-8FBCAE428F0A}"/>
+                <a16:creationId xmlns="" xmlns:a16="http://schemas.microsoft.com/office/drawing/2014/main" id="{EF78FFFB-757F-4F2C-B5BC-8FBCAE428F0A}"/>
               </a:ext>
             </a:extLst>
           </p:cNvPr>
@@ -32120,7 +32150,7 @@
               <p:cNvPr id="23" name="TextBox 22">
                 <a:extLst>
                   <a:ext uri="{FF2B5EF4-FFF2-40B4-BE49-F238E27FC236}">
-                    <a16:creationId xmlns:a16="http://schemas.microsoft.com/office/drawing/2014/main" xmlns="" id="{7CBF62CC-10DC-45E3-89A6-5DB457CE75DD}"/>
+                    <a16:creationId xmlns="" xmlns:a16="http://schemas.microsoft.com/office/drawing/2014/main" id="{7CBF62CC-10DC-45E3-89A6-5DB457CE75DD}"/>
                   </a:ext>
                 </a:extLst>
               </p:cNvPr>
@@ -32241,7 +32271,7 @@
               <p:cNvPr id="25" name="TextBox 24">
                 <a:extLst>
                   <a:ext uri="{FF2B5EF4-FFF2-40B4-BE49-F238E27FC236}">
-                    <a16:creationId xmlns:a16="http://schemas.microsoft.com/office/drawing/2014/main" xmlns="" id="{E3EDA271-5D49-48B9-8197-719E2BCA1C06}"/>
+                    <a16:creationId xmlns="" xmlns:a16="http://schemas.microsoft.com/office/drawing/2014/main" id="{E3EDA271-5D49-48B9-8197-719E2BCA1C06}"/>
                   </a:ext>
                 </a:extLst>
               </p:cNvPr>
@@ -39403,15 +39433,6 @@
 </file>
 
 <file path=customXml/item1.xml><?xml version="1.0" encoding="utf-8"?>
-<?mso-contentType ?>
-<FormTemplates xmlns="http://schemas.microsoft.com/sharepoint/v3/contenttype/forms">
-  <Display>DocumentLibraryForm</Display>
-  <Edit>AssetEditForm</Edit>
-  <New>DocumentLibraryForm</New>
-</FormTemplates>
-</file>
-
-<file path=customXml/item2.xml><?xml version="1.0" encoding="utf-8"?>
 <p:properties xmlns:p="http://schemas.microsoft.com/office/2006/metadata/properties" xmlns:xsi="http://www.w3.org/2001/XMLSchema-instance" xmlns:pc="http://schemas.microsoft.com/office/infopath/2007/PartnerControls">
   <documentManagement>
     <APDescription xmlns="4873beb7-5857-4685-be1f-d57550cc96cc" xsi:nil="true"/>
@@ -39535,6 +39556,15 @@
     <UANotes xmlns="4873beb7-5857-4685-be1f-d57550cc96cc" xsi:nil="true"/>
   </documentManagement>
 </p:properties>
+</file>
+
+<file path=customXml/item2.xml><?xml version="1.0" encoding="utf-8"?>
+<?mso-contentType ?>
+<FormTemplates xmlns="http://schemas.microsoft.com/sharepoint/v3/contenttype/forms">
+  <Display>DocumentLibraryForm</Display>
+  <Edit>AssetEditForm</Edit>
+  <New>DocumentLibraryForm</New>
+</FormTemplates>
 </file>
 
 <file path=customXml/item3.xml><?xml version="1.0" encoding="utf-8"?>
@@ -40578,14 +40608,6 @@
 </file>
 
 <file path=customXml/itemProps1.xml><?xml version="1.0" encoding="utf-8"?>
-<ds:datastoreItem xmlns:ds="http://schemas.openxmlformats.org/officeDocument/2006/customXml" ds:itemID="{561E720F-F05D-4536-9C34-0CFCED65D3B7}">
-  <ds:schemaRefs>
-    <ds:schemaRef ds:uri="http://schemas.microsoft.com/sharepoint/v3/contenttype/forms"/>
-  </ds:schemaRefs>
-</ds:datastoreItem>
-</file>
-
-<file path=customXml/itemProps2.xml><?xml version="1.0" encoding="utf-8"?>
 <ds:datastoreItem xmlns:ds="http://schemas.openxmlformats.org/officeDocument/2006/customXml" ds:itemID="{8CDDBB83-77C1-4099-A0AA-289882E745E2}">
   <ds:schemaRefs>
     <ds:schemaRef ds:uri="http://schemas.microsoft.com/office/2006/metadata/properties"/>
@@ -40597,6 +40619,14 @@
     <ds:schemaRef ds:uri="http://purl.org/dc/dcmitype/"/>
     <ds:schemaRef ds:uri="http://purl.org/dc/terms/"/>
     <ds:schemaRef ds:uri="http://www.w3.org/XML/1998/namespace"/>
+  </ds:schemaRefs>
+</ds:datastoreItem>
+</file>
+
+<file path=customXml/itemProps2.xml><?xml version="1.0" encoding="utf-8"?>
+<ds:datastoreItem xmlns:ds="http://schemas.openxmlformats.org/officeDocument/2006/customXml" ds:itemID="{561E720F-F05D-4536-9C34-0CFCED65D3B7}">
+  <ds:schemaRefs>
+    <ds:schemaRef ds:uri="http://schemas.microsoft.com/sharepoint/v3/contenttype/forms"/>
   </ds:schemaRefs>
 </ds:datastoreItem>
 </file>

--- a/bpdmo_greedy.pptx
+++ b/bpdmo_greedy.pptx
@@ -571,11 +571,11 @@
           <c:showBubbleSize val="0"/>
         </c:dLbls>
         <c:smooth val="0"/>
-        <c:axId val="317276776"/>
-        <c:axId val="317272856"/>
+        <c:axId val="386291712"/>
+        <c:axId val="386287008"/>
       </c:lineChart>
       <c:catAx>
-        <c:axId val="317276776"/>
+        <c:axId val="386291712"/>
         <c:scaling>
           <c:orientation val="minMax"/>
         </c:scaling>
@@ -622,7 +622,7 @@
             <a:endParaRPr lang="es-ES"/>
           </a:p>
         </c:txPr>
-        <c:crossAx val="317272856"/>
+        <c:crossAx val="386287008"/>
         <c:crosses val="autoZero"/>
         <c:auto val="1"/>
         <c:lblAlgn val="ctr"/>
@@ -630,7 +630,7 @@
         <c:noMultiLvlLbl val="0"/>
       </c:catAx>
       <c:valAx>
-        <c:axId val="317272856"/>
+        <c:axId val="386287008"/>
         <c:scaling>
           <c:orientation val="minMax"/>
         </c:scaling>
@@ -686,7 +686,7 @@
             <a:endParaRPr lang="es-ES"/>
           </a:p>
         </c:txPr>
-        <c:crossAx val="317276776"/>
+        <c:crossAx val="386291712"/>
         <c:crosses val="autoZero"/>
         <c:crossBetween val="between"/>
       </c:valAx>
@@ -1176,11 +1176,11 @@
           <c:showBubbleSize val="0"/>
         </c:dLbls>
         <c:smooth val="0"/>
-        <c:axId val="359514464"/>
-        <c:axId val="359512504"/>
+        <c:axId val="386292104"/>
+        <c:axId val="386284656"/>
       </c:lineChart>
       <c:catAx>
-        <c:axId val="359514464"/>
+        <c:axId val="386292104"/>
         <c:scaling>
           <c:orientation val="minMax"/>
         </c:scaling>
@@ -1227,7 +1227,7 @@
             <a:endParaRPr lang="es-ES"/>
           </a:p>
         </c:txPr>
-        <c:crossAx val="359512504"/>
+        <c:crossAx val="386284656"/>
         <c:crosses val="autoZero"/>
         <c:auto val="1"/>
         <c:lblAlgn val="ctr"/>
@@ -1235,7 +1235,7 @@
         <c:noMultiLvlLbl val="0"/>
       </c:catAx>
       <c:valAx>
-        <c:axId val="359512504"/>
+        <c:axId val="386284656"/>
         <c:scaling>
           <c:orientation val="minMax"/>
         </c:scaling>
@@ -1291,7 +1291,7 @@
             <a:endParaRPr lang="es-ES"/>
           </a:p>
         </c:txPr>
-        <c:crossAx val="359514464"/>
+        <c:crossAx val="386292104"/>
         <c:crosses val="autoZero"/>
         <c:crossBetween val="between"/>
       </c:valAx>
@@ -1836,11 +1836,11 @@
           <c:showBubbleSize val="0"/>
         </c:dLbls>
         <c:smooth val="0"/>
-        <c:axId val="359511328"/>
-        <c:axId val="359513288"/>
+        <c:axId val="460327736"/>
+        <c:axId val="460756776"/>
       </c:lineChart>
       <c:catAx>
-        <c:axId val="359511328"/>
+        <c:axId val="460327736"/>
         <c:scaling>
           <c:orientation val="minMax"/>
         </c:scaling>
@@ -1887,7 +1887,7 @@
             <a:endParaRPr lang="es-ES"/>
           </a:p>
         </c:txPr>
-        <c:crossAx val="359513288"/>
+        <c:crossAx val="460756776"/>
         <c:crosses val="autoZero"/>
         <c:auto val="1"/>
         <c:lblAlgn val="ctr"/>
@@ -1895,7 +1895,7 @@
         <c:noMultiLvlLbl val="0"/>
       </c:catAx>
       <c:valAx>
-        <c:axId val="359513288"/>
+        <c:axId val="460756776"/>
         <c:scaling>
           <c:orientation val="minMax"/>
         </c:scaling>
@@ -1951,7 +1951,7 @@
             <a:endParaRPr lang="es-ES"/>
           </a:p>
         </c:txPr>
-        <c:crossAx val="359511328"/>
+        <c:crossAx val="460327736"/>
         <c:crosses val="autoZero"/>
         <c:crossBetween val="between"/>
       </c:valAx>
@@ -2443,11 +2443,11 @@
           <c:showBubbleSize val="0"/>
         </c:dLbls>
         <c:smooth val="0"/>
-        <c:axId val="361927888"/>
-        <c:axId val="361925536"/>
+        <c:axId val="460757560"/>
+        <c:axId val="460757168"/>
       </c:lineChart>
       <c:catAx>
-        <c:axId val="361927888"/>
+        <c:axId val="460757560"/>
         <c:scaling>
           <c:orientation val="minMax"/>
         </c:scaling>
@@ -2494,7 +2494,7 @@
             <a:endParaRPr lang="es-ES"/>
           </a:p>
         </c:txPr>
-        <c:crossAx val="361925536"/>
+        <c:crossAx val="460757168"/>
         <c:crosses val="autoZero"/>
         <c:auto val="1"/>
         <c:lblAlgn val="ctr"/>
@@ -2502,7 +2502,7 @@
         <c:noMultiLvlLbl val="0"/>
       </c:catAx>
       <c:valAx>
-        <c:axId val="361925536"/>
+        <c:axId val="460757168"/>
         <c:scaling>
           <c:orientation val="minMax"/>
         </c:scaling>
@@ -2558,7 +2558,7 @@
             <a:endParaRPr lang="es-ES"/>
           </a:p>
         </c:txPr>
-        <c:crossAx val="361927888"/>
+        <c:crossAx val="460757560"/>
         <c:crosses val="autoZero"/>
         <c:crossBetween val="between"/>
       </c:valAx>
@@ -3047,11 +3047,11 @@
           <c:showBubbleSize val="0"/>
         </c:dLbls>
         <c:smooth val="0"/>
-        <c:axId val="361928280"/>
-        <c:axId val="361931808"/>
+        <c:axId val="460752856"/>
+        <c:axId val="460755992"/>
       </c:lineChart>
       <c:catAx>
-        <c:axId val="361928280"/>
+        <c:axId val="460752856"/>
         <c:scaling>
           <c:orientation val="minMax"/>
         </c:scaling>
@@ -3098,7 +3098,7 @@
             <a:endParaRPr lang="es-ES"/>
           </a:p>
         </c:txPr>
-        <c:crossAx val="361931808"/>
+        <c:crossAx val="460755992"/>
         <c:crosses val="autoZero"/>
         <c:auto val="1"/>
         <c:lblAlgn val="ctr"/>
@@ -3106,7 +3106,7 @@
         <c:noMultiLvlLbl val="0"/>
       </c:catAx>
       <c:valAx>
-        <c:axId val="361931808"/>
+        <c:axId val="460755992"/>
         <c:scaling>
           <c:orientation val="minMax"/>
         </c:scaling>
@@ -3162,7 +3162,7 @@
             <a:endParaRPr lang="es-ES"/>
           </a:p>
         </c:txPr>
-        <c:crossAx val="361928280"/>
+        <c:crossAx val="460752856"/>
         <c:crosses val="autoZero"/>
         <c:crossBetween val="between"/>
       </c:valAx>
@@ -3651,11 +3651,11 @@
           <c:showBubbleSize val="0"/>
         </c:dLbls>
         <c:smooth val="0"/>
-        <c:axId val="361930632"/>
-        <c:axId val="361932200"/>
+        <c:axId val="460757952"/>
+        <c:axId val="460752072"/>
       </c:lineChart>
       <c:catAx>
-        <c:axId val="361930632"/>
+        <c:axId val="460757952"/>
         <c:scaling>
           <c:orientation val="minMax"/>
         </c:scaling>
@@ -3702,7 +3702,7 @@
             <a:endParaRPr lang="es-ES"/>
           </a:p>
         </c:txPr>
-        <c:crossAx val="361932200"/>
+        <c:crossAx val="460752072"/>
         <c:crosses val="autoZero"/>
         <c:auto val="1"/>
         <c:lblAlgn val="ctr"/>
@@ -3710,7 +3710,7 @@
         <c:noMultiLvlLbl val="0"/>
       </c:catAx>
       <c:valAx>
-        <c:axId val="361932200"/>
+        <c:axId val="460752072"/>
         <c:scaling>
           <c:orientation val="minMax"/>
         </c:scaling>
@@ -3766,7 +3766,7 @@
             <a:endParaRPr lang="es-ES"/>
           </a:p>
         </c:txPr>
-        <c:crossAx val="361930632"/>
+        <c:crossAx val="460757952"/>
         <c:crosses val="autoZero"/>
         <c:crossBetween val="between"/>
       </c:valAx>
@@ -3887,7 +3887,6 @@
           </a:p>
         </c:rich>
       </c:tx>
-      <c:layout/>
       <c:overlay val="0"/>
       <c:spPr>
         <a:noFill/>
@@ -4736,11 +4735,11 @@
           <c:showBubbleSize val="0"/>
         </c:dLbls>
         <c:smooth val="0"/>
-        <c:axId val="361928672"/>
-        <c:axId val="361931024"/>
+        <c:axId val="460758344"/>
+        <c:axId val="460756384"/>
       </c:lineChart>
       <c:catAx>
-        <c:axId val="361928672"/>
+        <c:axId val="460758344"/>
         <c:scaling>
           <c:orientation val="minMax"/>
         </c:scaling>
@@ -4787,7 +4786,7 @@
             <a:endParaRPr lang="es-ES"/>
           </a:p>
         </c:txPr>
-        <c:crossAx val="361931024"/>
+        <c:crossAx val="460756384"/>
         <c:crosses val="autoZero"/>
         <c:auto val="1"/>
         <c:lblAlgn val="ctr"/>
@@ -4795,7 +4794,7 @@
         <c:noMultiLvlLbl val="0"/>
       </c:catAx>
       <c:valAx>
-        <c:axId val="361931024"/>
+        <c:axId val="460756384"/>
         <c:scaling>
           <c:orientation val="minMax"/>
         </c:scaling>
@@ -4851,7 +4850,7 @@
             <a:endParaRPr lang="es-ES"/>
           </a:p>
         </c:txPr>
-        <c:crossAx val="361928672"/>
+        <c:crossAx val="460758344"/>
         <c:crosses val="autoZero"/>
         <c:crossBetween val="between"/>
       </c:valAx>
@@ -4865,7 +4864,6 @@
     </c:plotArea>
     <c:legend>
       <c:legendPos val="b"/>
-      <c:layout/>
       <c:overlay val="0"/>
       <c:spPr>
         <a:noFill/>
@@ -5015,7 +5013,6 @@
           </a:p>
         </c:rich>
       </c:tx>
-      <c:layout/>
       <c:overlay val="0"/>
       <c:spPr>
         <a:noFill/>
@@ -5867,11 +5864,11 @@
           <c:showBubbleSize val="0"/>
         </c:dLbls>
         <c:smooth val="0"/>
-        <c:axId val="361925928"/>
-        <c:axId val="361926320"/>
+        <c:axId val="460751288"/>
+        <c:axId val="460754424"/>
       </c:lineChart>
       <c:catAx>
-        <c:axId val="361925928"/>
+        <c:axId val="460751288"/>
         <c:scaling>
           <c:orientation val="minMax"/>
         </c:scaling>
@@ -5918,7 +5915,7 @@
             <a:endParaRPr lang="es-ES"/>
           </a:p>
         </c:txPr>
-        <c:crossAx val="361926320"/>
+        <c:crossAx val="460754424"/>
         <c:crosses val="autoZero"/>
         <c:auto val="1"/>
         <c:lblAlgn val="ctr"/>
@@ -5926,7 +5923,7 @@
         <c:noMultiLvlLbl val="0"/>
       </c:catAx>
       <c:valAx>
-        <c:axId val="361926320"/>
+        <c:axId val="460754424"/>
         <c:scaling>
           <c:orientation val="minMax"/>
         </c:scaling>
@@ -5982,7 +5979,7 @@
             <a:endParaRPr lang="es-ES"/>
           </a:p>
         </c:txPr>
-        <c:crossAx val="361925928"/>
+        <c:crossAx val="460751288"/>
         <c:crosses val="autoZero"/>
         <c:crossBetween val="between"/>
       </c:valAx>
@@ -5996,7 +5993,6 @@
     </c:plotArea>
     <c:legend>
       <c:legendPos val="b"/>
-      <c:layout/>
       <c:overlay val="0"/>
       <c:spPr>
         <a:noFill/>
@@ -11719,6 +11715,606 @@
       <dsp:cNvGrpSpPr/>
     </dsp:nvGrpSpPr>
     <dsp:grpSpPr/>
+    <dsp:sp modelId="{6B08AC4B-4CEC-41E5-AE19-47A4E2720563}">
+      <dsp:nvSpPr>
+        <dsp:cNvPr id="0" name=""/>
+        <dsp:cNvSpPr/>
+      </dsp:nvSpPr>
+      <dsp:spPr>
+        <a:xfrm>
+          <a:off x="155869" y="1151234"/>
+          <a:ext cx="1935105" cy="881104"/>
+        </a:xfrm>
+        <a:prstGeom prst="rect">
+          <a:avLst/>
+        </a:prstGeom>
+        <a:solidFill>
+          <a:schemeClr val="bg1">
+            <a:lumMod val="95000"/>
+            <a:alpha val="90000"/>
+          </a:schemeClr>
+        </a:solidFill>
+        <a:ln w="6350" cap="rnd" cmpd="sng" algn="ctr">
+          <a:solidFill>
+            <a:schemeClr val="accent1">
+              <a:alpha val="90000"/>
+              <a:tint val="40000"/>
+              <a:hueOff val="0"/>
+              <a:satOff val="0"/>
+              <a:lumOff val="0"/>
+              <a:alphaOff val="0"/>
+            </a:schemeClr>
+          </a:solidFill>
+          <a:prstDash val="solid"/>
+        </a:ln>
+        <a:effectLst/>
+      </dsp:spPr>
+      <dsp:style>
+        <a:lnRef idx="1">
+          <a:scrgbClr r="0" g="0" b="0"/>
+        </a:lnRef>
+        <a:fillRef idx="1">
+          <a:scrgbClr r="0" g="0" b="0"/>
+        </a:fillRef>
+        <a:effectRef idx="0">
+          <a:scrgbClr r="0" g="0" b="0"/>
+        </a:effectRef>
+        <a:fontRef idx="minor"/>
+      </dsp:style>
+    </dsp:sp>
+    <dsp:sp modelId="{FC7ED273-8CFD-43C2-9C05-44FADF3E0637}">
+      <dsp:nvSpPr>
+        <dsp:cNvPr id="0" name=""/>
+        <dsp:cNvSpPr/>
+      </dsp:nvSpPr>
+      <dsp:spPr>
+        <a:xfrm>
+          <a:off x="-79831" y="227644"/>
+          <a:ext cx="951647" cy="951647"/>
+        </a:xfrm>
+        <a:prstGeom prst="ellipse">
+          <a:avLst/>
+        </a:prstGeom>
+        <a:gradFill rotWithShape="0">
+          <a:gsLst>
+            <a:gs pos="0">
+              <a:schemeClr val="accent1">
+                <a:hueOff val="0"/>
+                <a:satOff val="0"/>
+                <a:lumOff val="0"/>
+                <a:alphaOff val="0"/>
+                <a:shade val="100000"/>
+                <a:satMod val="137000"/>
+              </a:schemeClr>
+            </a:gs>
+            <a:gs pos="71000">
+              <a:schemeClr val="accent1">
+                <a:hueOff val="0"/>
+                <a:satOff val="0"/>
+                <a:lumOff val="0"/>
+                <a:alphaOff val="0"/>
+                <a:shade val="98000"/>
+                <a:satMod val="137000"/>
+              </a:schemeClr>
+            </a:gs>
+            <a:gs pos="100000">
+              <a:schemeClr val="accent1">
+                <a:hueOff val="0"/>
+                <a:satOff val="0"/>
+                <a:lumOff val="0"/>
+                <a:alphaOff val="0"/>
+                <a:shade val="75000"/>
+                <a:satMod val="137000"/>
+              </a:schemeClr>
+            </a:gs>
+          </a:gsLst>
+          <a:path path="rect">
+            <a:fillToRect l="50000" t="50000" r="50000" b="50000"/>
+          </a:path>
+        </a:gradFill>
+        <a:ln>
+          <a:noFill/>
+        </a:ln>
+        <a:effectLst>
+          <a:outerShdw blurRad="39000" dist="25400" dir="5400000" rotWithShape="0">
+            <a:srgbClr val="000000">
+              <a:alpha val="38000"/>
+            </a:srgbClr>
+          </a:outerShdw>
+        </a:effectLst>
+      </dsp:spPr>
+      <dsp:style>
+        <a:lnRef idx="0">
+          <a:scrgbClr r="0" g="0" b="0"/>
+        </a:lnRef>
+        <a:fillRef idx="3">
+          <a:scrgbClr r="0" g="0" b="0"/>
+        </a:fillRef>
+        <a:effectRef idx="2">
+          <a:scrgbClr r="0" g="0" b="0"/>
+        </a:effectRef>
+        <a:fontRef idx="minor">
+          <a:schemeClr val="lt1"/>
+        </a:fontRef>
+      </dsp:style>
+      <dsp:txBody>
+        <a:bodyPr spcFirstLastPara="0" vert="horz" wrap="square" lIns="0" tIns="0" rIns="0" bIns="0" numCol="1" spcCol="1270" rtlCol="0" anchor="ctr" anchorCtr="0">
+          <a:noAutofit/>
+        </a:bodyPr>
+        <a:lstStyle/>
+        <a:p>
+          <a:pPr lvl="0" algn="ctr" defTabSz="1822450" rtl="0">
+            <a:lnSpc>
+              <a:spcPct val="90000"/>
+            </a:lnSpc>
+            <a:spcBef>
+              <a:spcPct val="0"/>
+            </a:spcBef>
+            <a:spcAft>
+              <a:spcPct val="35000"/>
+            </a:spcAft>
+          </a:pPr>
+          <a:r>
+            <a:rPr lang="es-ES" sz="4100" kern="1200" noProof="0" dirty="0"/>
+            <a:t>C1</a:t>
+          </a:r>
+        </a:p>
+      </dsp:txBody>
+      <dsp:txXfrm>
+        <a:off x="59534" y="367009"/>
+        <a:ext cx="672917" cy="672917"/>
+      </dsp:txXfrm>
+    </dsp:sp>
+    <dsp:sp modelId="{F660F4B9-35DB-4256-A868-A35C6DCCF6B2}">
+      <dsp:nvSpPr>
+        <dsp:cNvPr id="0" name=""/>
+        <dsp:cNvSpPr/>
+      </dsp:nvSpPr>
+      <dsp:spPr>
+        <a:xfrm>
+          <a:off x="2655135" y="1130668"/>
+          <a:ext cx="1957708" cy="914333"/>
+        </a:xfrm>
+        <a:prstGeom prst="rect">
+          <a:avLst/>
+        </a:prstGeom>
+        <a:solidFill>
+          <a:schemeClr val="bg1">
+            <a:lumMod val="95000"/>
+            <a:alpha val="90000"/>
+          </a:schemeClr>
+        </a:solidFill>
+        <a:ln w="6350" cap="rnd" cmpd="sng" algn="ctr">
+          <a:solidFill>
+            <a:schemeClr val="accent1">
+              <a:alpha val="90000"/>
+              <a:tint val="40000"/>
+              <a:hueOff val="0"/>
+              <a:satOff val="0"/>
+              <a:lumOff val="0"/>
+              <a:alphaOff val="0"/>
+            </a:schemeClr>
+          </a:solidFill>
+          <a:prstDash val="solid"/>
+        </a:ln>
+        <a:effectLst/>
+      </dsp:spPr>
+      <dsp:style>
+        <a:lnRef idx="1">
+          <a:scrgbClr r="0" g="0" b="0"/>
+        </a:lnRef>
+        <a:fillRef idx="1">
+          <a:scrgbClr r="0" g="0" b="0"/>
+        </a:fillRef>
+        <a:effectRef idx="0">
+          <a:scrgbClr r="0" g="0" b="0"/>
+        </a:effectRef>
+        <a:fontRef idx="minor"/>
+      </dsp:style>
+    </dsp:sp>
+    <dsp:sp modelId="{FD776C1E-557E-4553-9447-49B69EEC7907}">
+      <dsp:nvSpPr>
+        <dsp:cNvPr id="0" name=""/>
+        <dsp:cNvSpPr/>
+      </dsp:nvSpPr>
+      <dsp:spPr>
+        <a:xfrm>
+          <a:off x="2077218" y="254329"/>
+          <a:ext cx="951647" cy="951647"/>
+        </a:xfrm>
+        <a:prstGeom prst="ellipse">
+          <a:avLst/>
+        </a:prstGeom>
+        <a:gradFill rotWithShape="0">
+          <a:gsLst>
+            <a:gs pos="0">
+              <a:schemeClr val="accent1">
+                <a:hueOff val="0"/>
+                <a:satOff val="0"/>
+                <a:lumOff val="0"/>
+                <a:alphaOff val="0"/>
+                <a:shade val="100000"/>
+                <a:satMod val="137000"/>
+              </a:schemeClr>
+            </a:gs>
+            <a:gs pos="71000">
+              <a:schemeClr val="accent1">
+                <a:hueOff val="0"/>
+                <a:satOff val="0"/>
+                <a:lumOff val="0"/>
+                <a:alphaOff val="0"/>
+                <a:shade val="98000"/>
+                <a:satMod val="137000"/>
+              </a:schemeClr>
+            </a:gs>
+            <a:gs pos="100000">
+              <a:schemeClr val="accent1">
+                <a:hueOff val="0"/>
+                <a:satOff val="0"/>
+                <a:lumOff val="0"/>
+                <a:alphaOff val="0"/>
+                <a:shade val="75000"/>
+                <a:satMod val="137000"/>
+              </a:schemeClr>
+            </a:gs>
+          </a:gsLst>
+          <a:path path="rect">
+            <a:fillToRect l="50000" t="50000" r="50000" b="50000"/>
+          </a:path>
+        </a:gradFill>
+        <a:ln>
+          <a:noFill/>
+        </a:ln>
+        <a:effectLst>
+          <a:outerShdw blurRad="39000" dist="25400" dir="5400000" rotWithShape="0">
+            <a:srgbClr val="000000">
+              <a:alpha val="38000"/>
+            </a:srgbClr>
+          </a:outerShdw>
+        </a:effectLst>
+      </dsp:spPr>
+      <dsp:style>
+        <a:lnRef idx="0">
+          <a:scrgbClr r="0" g="0" b="0"/>
+        </a:lnRef>
+        <a:fillRef idx="3">
+          <a:scrgbClr r="0" g="0" b="0"/>
+        </a:fillRef>
+        <a:effectRef idx="2">
+          <a:scrgbClr r="0" g="0" b="0"/>
+        </a:effectRef>
+        <a:fontRef idx="minor">
+          <a:schemeClr val="lt1"/>
+        </a:fontRef>
+      </dsp:style>
+      <dsp:txBody>
+        <a:bodyPr spcFirstLastPara="0" vert="horz" wrap="square" lIns="0" tIns="0" rIns="0" bIns="0" numCol="1" spcCol="1270" rtlCol="0" anchor="ctr" anchorCtr="0">
+          <a:noAutofit/>
+        </a:bodyPr>
+        <a:lstStyle/>
+        <a:p>
+          <a:pPr lvl="0" algn="r" defTabSz="1822450" rtl="0">
+            <a:lnSpc>
+              <a:spcPct val="90000"/>
+            </a:lnSpc>
+            <a:spcBef>
+              <a:spcPct val="0"/>
+            </a:spcBef>
+            <a:spcAft>
+              <a:spcPct val="35000"/>
+            </a:spcAft>
+          </a:pPr>
+          <a:r>
+            <a:rPr lang="es-ES" sz="4100" kern="1200" noProof="0" dirty="0"/>
+            <a:t>C2</a:t>
+          </a:r>
+        </a:p>
+      </dsp:txBody>
+      <dsp:txXfrm>
+        <a:off x="2216583" y="393694"/>
+        <a:ext cx="672917" cy="672917"/>
+      </dsp:txXfrm>
+    </dsp:sp>
+    <dsp:sp modelId="{AD2806AC-6A03-4F05-9F4D-F72EA0E56FBF}">
+      <dsp:nvSpPr>
+        <dsp:cNvPr id="0" name=""/>
+        <dsp:cNvSpPr/>
+      </dsp:nvSpPr>
+      <dsp:spPr>
+        <a:xfrm>
+          <a:off x="5226455" y="1151330"/>
+          <a:ext cx="2010348" cy="882780"/>
+        </a:xfrm>
+        <a:prstGeom prst="rect">
+          <a:avLst/>
+        </a:prstGeom>
+        <a:solidFill>
+          <a:schemeClr val="bg1">
+            <a:lumMod val="95000"/>
+            <a:alpha val="90000"/>
+          </a:schemeClr>
+        </a:solidFill>
+        <a:ln w="6350" cap="rnd" cmpd="sng" algn="ctr">
+          <a:solidFill>
+            <a:schemeClr val="accent1">
+              <a:alpha val="90000"/>
+              <a:tint val="40000"/>
+              <a:hueOff val="0"/>
+              <a:satOff val="0"/>
+              <a:lumOff val="0"/>
+              <a:alphaOff val="0"/>
+            </a:schemeClr>
+          </a:solidFill>
+          <a:prstDash val="solid"/>
+        </a:ln>
+        <a:effectLst/>
+      </dsp:spPr>
+      <dsp:style>
+        <a:lnRef idx="1">
+          <a:scrgbClr r="0" g="0" b="0"/>
+        </a:lnRef>
+        <a:fillRef idx="1">
+          <a:scrgbClr r="0" g="0" b="0"/>
+        </a:fillRef>
+        <a:effectRef idx="0">
+          <a:scrgbClr r="0" g="0" b="0"/>
+        </a:effectRef>
+        <a:fontRef idx="minor"/>
+      </dsp:style>
+    </dsp:sp>
+    <dsp:sp modelId="{89E6DA6E-7A23-44BD-8A99-378091FF741D}">
+      <dsp:nvSpPr>
+        <dsp:cNvPr id="0" name=""/>
+        <dsp:cNvSpPr/>
+      </dsp:nvSpPr>
+      <dsp:spPr>
+        <a:xfrm>
+          <a:off x="4583780" y="292480"/>
+          <a:ext cx="951647" cy="951647"/>
+        </a:xfrm>
+        <a:prstGeom prst="ellipse">
+          <a:avLst/>
+        </a:prstGeom>
+        <a:gradFill rotWithShape="0">
+          <a:gsLst>
+            <a:gs pos="0">
+              <a:schemeClr val="accent1">
+                <a:hueOff val="0"/>
+                <a:satOff val="0"/>
+                <a:lumOff val="0"/>
+                <a:alphaOff val="0"/>
+                <a:shade val="100000"/>
+                <a:satMod val="137000"/>
+              </a:schemeClr>
+            </a:gs>
+            <a:gs pos="71000">
+              <a:schemeClr val="accent1">
+                <a:hueOff val="0"/>
+                <a:satOff val="0"/>
+                <a:lumOff val="0"/>
+                <a:alphaOff val="0"/>
+                <a:shade val="98000"/>
+                <a:satMod val="137000"/>
+              </a:schemeClr>
+            </a:gs>
+            <a:gs pos="100000">
+              <a:schemeClr val="accent1">
+                <a:hueOff val="0"/>
+                <a:satOff val="0"/>
+                <a:lumOff val="0"/>
+                <a:alphaOff val="0"/>
+                <a:shade val="75000"/>
+                <a:satMod val="137000"/>
+              </a:schemeClr>
+            </a:gs>
+          </a:gsLst>
+          <a:path path="rect">
+            <a:fillToRect l="50000" t="50000" r="50000" b="50000"/>
+          </a:path>
+        </a:gradFill>
+        <a:ln>
+          <a:noFill/>
+        </a:ln>
+        <a:effectLst>
+          <a:outerShdw blurRad="39000" dist="25400" dir="5400000" rotWithShape="0">
+            <a:srgbClr val="000000">
+              <a:alpha val="38000"/>
+            </a:srgbClr>
+          </a:outerShdw>
+        </a:effectLst>
+      </dsp:spPr>
+      <dsp:style>
+        <a:lnRef idx="0">
+          <a:scrgbClr r="0" g="0" b="0"/>
+        </a:lnRef>
+        <a:fillRef idx="3">
+          <a:scrgbClr r="0" g="0" b="0"/>
+        </a:fillRef>
+        <a:effectRef idx="2">
+          <a:scrgbClr r="0" g="0" b="0"/>
+        </a:effectRef>
+        <a:fontRef idx="minor">
+          <a:schemeClr val="lt1"/>
+        </a:fontRef>
+      </dsp:style>
+      <dsp:txBody>
+        <a:bodyPr spcFirstLastPara="0" vert="horz" wrap="square" lIns="0" tIns="0" rIns="0" bIns="0" numCol="1" spcCol="1270" rtlCol="0" anchor="ctr" anchorCtr="0">
+          <a:noAutofit/>
+        </a:bodyPr>
+        <a:lstStyle/>
+        <a:p>
+          <a:pPr lvl="0" algn="ctr" defTabSz="1822450" rtl="0">
+            <a:lnSpc>
+              <a:spcPct val="90000"/>
+            </a:lnSpc>
+            <a:spcBef>
+              <a:spcPct val="0"/>
+            </a:spcBef>
+            <a:spcAft>
+              <a:spcPct val="35000"/>
+            </a:spcAft>
+          </a:pPr>
+          <a:r>
+            <a:rPr lang="es-ES" sz="4100" kern="1200" noProof="0" dirty="0"/>
+            <a:t>C3</a:t>
+          </a:r>
+        </a:p>
+      </dsp:txBody>
+      <dsp:txXfrm>
+        <a:off x="4723145" y="431845"/>
+        <a:ext cx="672917" cy="672917"/>
+      </dsp:txXfrm>
+    </dsp:sp>
+    <dsp:sp modelId="{402C2C77-A32C-4D99-9940-12535E1181F2}">
+      <dsp:nvSpPr>
+        <dsp:cNvPr id="0" name=""/>
+        <dsp:cNvSpPr/>
+      </dsp:nvSpPr>
+      <dsp:spPr>
+        <a:xfrm>
+          <a:off x="7872141" y="1083310"/>
+          <a:ext cx="1994894" cy="950800"/>
+        </a:xfrm>
+        <a:prstGeom prst="rect">
+          <a:avLst/>
+        </a:prstGeom>
+        <a:solidFill>
+          <a:schemeClr val="bg1">
+            <a:lumMod val="95000"/>
+            <a:alpha val="90000"/>
+          </a:schemeClr>
+        </a:solidFill>
+        <a:ln w="6350" cap="rnd" cmpd="sng" algn="ctr">
+          <a:solidFill>
+            <a:schemeClr val="accent1">
+              <a:alpha val="90000"/>
+              <a:tint val="40000"/>
+              <a:hueOff val="0"/>
+              <a:satOff val="0"/>
+              <a:lumOff val="0"/>
+              <a:alphaOff val="0"/>
+            </a:schemeClr>
+          </a:solidFill>
+          <a:prstDash val="solid"/>
+        </a:ln>
+        <a:effectLst/>
+      </dsp:spPr>
+      <dsp:style>
+        <a:lnRef idx="1">
+          <a:scrgbClr r="0" g="0" b="0"/>
+        </a:lnRef>
+        <a:fillRef idx="1">
+          <a:scrgbClr r="0" g="0" b="0"/>
+        </a:fillRef>
+        <a:effectRef idx="0">
+          <a:scrgbClr r="0" g="0" b="0"/>
+        </a:effectRef>
+        <a:fontRef idx="minor"/>
+      </dsp:style>
+    </dsp:sp>
+    <dsp:sp modelId="{7453D9C8-CD6E-4AA4-8A19-7F6F667528F0}">
+      <dsp:nvSpPr>
+        <dsp:cNvPr id="0" name=""/>
+        <dsp:cNvSpPr/>
+      </dsp:nvSpPr>
+      <dsp:spPr>
+        <a:xfrm>
+          <a:off x="7107481" y="265054"/>
+          <a:ext cx="951647" cy="951647"/>
+        </a:xfrm>
+        <a:prstGeom prst="ellipse">
+          <a:avLst/>
+        </a:prstGeom>
+        <a:gradFill rotWithShape="0">
+          <a:gsLst>
+            <a:gs pos="0">
+              <a:schemeClr val="accent1">
+                <a:hueOff val="0"/>
+                <a:satOff val="0"/>
+                <a:lumOff val="0"/>
+                <a:alphaOff val="0"/>
+                <a:shade val="100000"/>
+                <a:satMod val="137000"/>
+              </a:schemeClr>
+            </a:gs>
+            <a:gs pos="71000">
+              <a:schemeClr val="accent1">
+                <a:hueOff val="0"/>
+                <a:satOff val="0"/>
+                <a:lumOff val="0"/>
+                <a:alphaOff val="0"/>
+                <a:shade val="98000"/>
+                <a:satMod val="137000"/>
+              </a:schemeClr>
+            </a:gs>
+            <a:gs pos="100000">
+              <a:schemeClr val="accent1">
+                <a:hueOff val="0"/>
+                <a:satOff val="0"/>
+                <a:lumOff val="0"/>
+                <a:alphaOff val="0"/>
+                <a:shade val="75000"/>
+                <a:satMod val="137000"/>
+              </a:schemeClr>
+            </a:gs>
+          </a:gsLst>
+          <a:path path="rect">
+            <a:fillToRect l="50000" t="50000" r="50000" b="50000"/>
+          </a:path>
+        </a:gradFill>
+        <a:ln>
+          <a:noFill/>
+        </a:ln>
+        <a:effectLst>
+          <a:outerShdw blurRad="39000" dist="25400" dir="5400000" rotWithShape="0">
+            <a:srgbClr val="000000">
+              <a:alpha val="38000"/>
+            </a:srgbClr>
+          </a:outerShdw>
+        </a:effectLst>
+      </dsp:spPr>
+      <dsp:style>
+        <a:lnRef idx="0">
+          <a:scrgbClr r="0" g="0" b="0"/>
+        </a:lnRef>
+        <a:fillRef idx="3">
+          <a:scrgbClr r="0" g="0" b="0"/>
+        </a:fillRef>
+        <a:effectRef idx="2">
+          <a:scrgbClr r="0" g="0" b="0"/>
+        </a:effectRef>
+        <a:fontRef idx="minor">
+          <a:schemeClr val="lt1"/>
+        </a:fontRef>
+      </dsp:style>
+      <dsp:txBody>
+        <a:bodyPr spcFirstLastPara="0" vert="horz" wrap="square" lIns="0" tIns="0" rIns="0" bIns="0" numCol="1" spcCol="1270" rtlCol="0" anchor="ctr" anchorCtr="0">
+          <a:noAutofit/>
+        </a:bodyPr>
+        <a:lstStyle/>
+        <a:p>
+          <a:pPr lvl="0" algn="ctr" defTabSz="1822450" rtl="0">
+            <a:lnSpc>
+              <a:spcPct val="90000"/>
+            </a:lnSpc>
+            <a:spcBef>
+              <a:spcPct val="0"/>
+            </a:spcBef>
+            <a:spcAft>
+              <a:spcPct val="35000"/>
+            </a:spcAft>
+          </a:pPr>
+          <a:r>
+            <a:rPr lang="es-ES" sz="4100" kern="1200" noProof="0" dirty="0"/>
+            <a:t>C4</a:t>
+          </a:r>
+        </a:p>
+      </dsp:txBody>
+      <dsp:txXfrm>
+        <a:off x="7246846" y="404419"/>
+        <a:ext cx="672917" cy="672917"/>
+      </dsp:txXfrm>
+    </dsp:sp>
   </dsp:spTree>
 </dsp:drawing>
 </file>
@@ -25214,7 +25810,7 @@
           <p:cNvPr id="8" name="Picture Placeholder 7">
             <a:extLst>
               <a:ext uri="{FF2B5EF4-FFF2-40B4-BE49-F238E27FC236}">
-                <a16:creationId xmlns="" xmlns:a16="http://schemas.microsoft.com/office/drawing/2014/main" id="{59D3FB41-A110-499A-B291-BBBB8318935F}"/>
+                <a16:creationId xmlns:a16="http://schemas.microsoft.com/office/drawing/2014/main" xmlns="" id="{59D3FB41-A110-499A-B291-BBBB8318935F}"/>
               </a:ext>
             </a:extLst>
           </p:cNvPr>
@@ -25294,7 +25890,7 @@
           <p:cNvPr id="4" name="Table 3">
             <a:extLst>
               <a:ext uri="{FF2B5EF4-FFF2-40B4-BE49-F238E27FC236}">
-                <a16:creationId xmlns:a16="http://schemas.microsoft.com/office/drawing/2014/main" xmlns="" id="{16CA9473-8F0D-4C48-BB9A-8EE40BF50D92}"/>
+                <a16:creationId xmlns="" xmlns:a16="http://schemas.microsoft.com/office/drawing/2014/main" id="{16CA9473-8F0D-4C48-BB9A-8EE40BF50D92}"/>
               </a:ext>
             </a:extLst>
           </p:cNvPr>
@@ -25323,63 +25919,63 @@
                 <a:gridCol w="1001021">
                   <a:extLst>
                     <a:ext uri="{9D8B030D-6E8A-4147-A177-3AD203B41FA5}">
-                      <a16:colId xmlns:a16="http://schemas.microsoft.com/office/drawing/2014/main" xmlns="" val="34760263"/>
+                      <a16:colId xmlns="" xmlns:a16="http://schemas.microsoft.com/office/drawing/2014/main" val="34760263"/>
                     </a:ext>
                   </a:extLst>
                 </a:gridCol>
                 <a:gridCol w="855273">
                   <a:extLst>
                     <a:ext uri="{9D8B030D-6E8A-4147-A177-3AD203B41FA5}">
-                      <a16:colId xmlns:a16="http://schemas.microsoft.com/office/drawing/2014/main" xmlns="" val="3812687379"/>
+                      <a16:colId xmlns="" xmlns:a16="http://schemas.microsoft.com/office/drawing/2014/main" val="3812687379"/>
                     </a:ext>
                   </a:extLst>
                 </a:gridCol>
                 <a:gridCol w="1315753">
                   <a:extLst>
                     <a:ext uri="{9D8B030D-6E8A-4147-A177-3AD203B41FA5}">
-                      <a16:colId xmlns:a16="http://schemas.microsoft.com/office/drawing/2014/main" xmlns="" val="1933821378"/>
+                      <a16:colId xmlns="" xmlns:a16="http://schemas.microsoft.com/office/drawing/2014/main" val="1933821378"/>
                     </a:ext>
                   </a:extLst>
                 </a:gridCol>
                 <a:gridCol w="1728370">
                   <a:extLst>
                     <a:ext uri="{9D8B030D-6E8A-4147-A177-3AD203B41FA5}">
-                      <a16:colId xmlns:a16="http://schemas.microsoft.com/office/drawing/2014/main" xmlns="" val="875010954"/>
+                      <a16:colId xmlns="" xmlns:a16="http://schemas.microsoft.com/office/drawing/2014/main" val="875010954"/>
                     </a:ext>
                   </a:extLst>
                 </a:gridCol>
                 <a:gridCol w="823913">
                   <a:extLst>
                     <a:ext uri="{9D8B030D-6E8A-4147-A177-3AD203B41FA5}">
-                      <a16:colId xmlns:a16="http://schemas.microsoft.com/office/drawing/2014/main" xmlns="" val="1078558424"/>
+                      <a16:colId xmlns="" xmlns:a16="http://schemas.microsoft.com/office/drawing/2014/main" val="1078558424"/>
                     </a:ext>
                   </a:extLst>
                 </a:gridCol>
                 <a:gridCol w="1246433">
                   <a:extLst>
                     <a:ext uri="{9D8B030D-6E8A-4147-A177-3AD203B41FA5}">
-                      <a16:colId xmlns:a16="http://schemas.microsoft.com/office/drawing/2014/main" xmlns="" val="112756927"/>
+                      <a16:colId xmlns="" xmlns:a16="http://schemas.microsoft.com/office/drawing/2014/main" val="112756927"/>
                     </a:ext>
                   </a:extLst>
                 </a:gridCol>
                 <a:gridCol w="1919824">
                   <a:extLst>
                     <a:ext uri="{9D8B030D-6E8A-4147-A177-3AD203B41FA5}">
-                      <a16:colId xmlns:a16="http://schemas.microsoft.com/office/drawing/2014/main" xmlns="" val="4050224548"/>
+                      <a16:colId xmlns="" xmlns:a16="http://schemas.microsoft.com/office/drawing/2014/main" val="4050224548"/>
                     </a:ext>
                   </a:extLst>
                 </a:gridCol>
                 <a:gridCol w="1774583">
                   <a:extLst>
                     <a:ext uri="{9D8B030D-6E8A-4147-A177-3AD203B41FA5}">
-                      <a16:colId xmlns:a16="http://schemas.microsoft.com/office/drawing/2014/main" xmlns="" val="1071222725"/>
+                      <a16:colId xmlns="" xmlns:a16="http://schemas.microsoft.com/office/drawing/2014/main" val="1071222725"/>
                     </a:ext>
                   </a:extLst>
                 </a:gridCol>
                 <a:gridCol w="1526833">
                   <a:extLst>
                     <a:ext uri="{9D8B030D-6E8A-4147-A177-3AD203B41FA5}">
-                      <a16:colId xmlns:a16="http://schemas.microsoft.com/office/drawing/2014/main" xmlns="" val="4215464752"/>
+                      <a16:colId xmlns="" xmlns:a16="http://schemas.microsoft.com/office/drawing/2014/main" val="4215464752"/>
                     </a:ext>
                   </a:extLst>
                 </a:gridCol>
@@ -25584,7 +26180,7 @@
                 </a:tc>
                 <a:extLst>
                   <a:ext uri="{0D108BD9-81ED-4DB2-BD59-A6C34878D82A}">
-                    <a16:rowId xmlns:a16="http://schemas.microsoft.com/office/drawing/2014/main" xmlns="" val="1745891069"/>
+                    <a16:rowId xmlns="" xmlns:a16="http://schemas.microsoft.com/office/drawing/2014/main" val="1745891069"/>
                   </a:ext>
                 </a:extLst>
               </a:tr>
@@ -25803,7 +26399,7 @@
                 </a:tc>
                 <a:extLst>
                   <a:ext uri="{0D108BD9-81ED-4DB2-BD59-A6C34878D82A}">
-                    <a16:rowId xmlns:a16="http://schemas.microsoft.com/office/drawing/2014/main" xmlns="" val="3307466219"/>
+                    <a16:rowId xmlns="" xmlns:a16="http://schemas.microsoft.com/office/drawing/2014/main" val="3307466219"/>
                   </a:ext>
                 </a:extLst>
               </a:tr>
@@ -26008,7 +26604,7 @@
                 </a:tc>
                 <a:extLst>
                   <a:ext uri="{0D108BD9-81ED-4DB2-BD59-A6C34878D82A}">
-                    <a16:rowId xmlns:a16="http://schemas.microsoft.com/office/drawing/2014/main" xmlns="" val="2430767203"/>
+                    <a16:rowId xmlns="" xmlns:a16="http://schemas.microsoft.com/office/drawing/2014/main" val="2430767203"/>
                   </a:ext>
                 </a:extLst>
               </a:tr>
@@ -26231,7 +26827,7 @@
                 </a:tc>
                 <a:extLst>
                   <a:ext uri="{0D108BD9-81ED-4DB2-BD59-A6C34878D82A}">
-                    <a16:rowId xmlns:a16="http://schemas.microsoft.com/office/drawing/2014/main" xmlns="" val="460563303"/>
+                    <a16:rowId xmlns="" xmlns:a16="http://schemas.microsoft.com/office/drawing/2014/main" val="460563303"/>
                   </a:ext>
                 </a:extLst>
               </a:tr>
@@ -26454,7 +27050,7 @@
                 </a:tc>
                 <a:extLst>
                   <a:ext uri="{0D108BD9-81ED-4DB2-BD59-A6C34878D82A}">
-                    <a16:rowId xmlns:a16="http://schemas.microsoft.com/office/drawing/2014/main" xmlns="" val="3260662345"/>
+                    <a16:rowId xmlns="" xmlns:a16="http://schemas.microsoft.com/office/drawing/2014/main" val="3260662345"/>
                   </a:ext>
                 </a:extLst>
               </a:tr>
@@ -26677,7 +27273,7 @@
                 </a:tc>
                 <a:extLst>
                   <a:ext uri="{0D108BD9-81ED-4DB2-BD59-A6C34878D82A}">
-                    <a16:rowId xmlns:a16="http://schemas.microsoft.com/office/drawing/2014/main" xmlns="" val="3181831911"/>
+                    <a16:rowId xmlns="" xmlns:a16="http://schemas.microsoft.com/office/drawing/2014/main" val="3181831911"/>
                   </a:ext>
                 </a:extLst>
               </a:tr>
@@ -26900,7 +27496,7 @@
                 </a:tc>
                 <a:extLst>
                   <a:ext uri="{0D108BD9-81ED-4DB2-BD59-A6C34878D82A}">
-                    <a16:rowId xmlns:a16="http://schemas.microsoft.com/office/drawing/2014/main" xmlns="" val="1027403434"/>
+                    <a16:rowId xmlns="" xmlns:a16="http://schemas.microsoft.com/office/drawing/2014/main" val="1027403434"/>
                   </a:ext>
                 </a:extLst>
               </a:tr>
@@ -27110,7 +27706,7 @@
                 </a:tc>
                 <a:extLst>
                   <a:ext uri="{0D108BD9-81ED-4DB2-BD59-A6C34878D82A}">
-                    <a16:rowId xmlns:a16="http://schemas.microsoft.com/office/drawing/2014/main" xmlns="" val="2611242976"/>
+                    <a16:rowId xmlns="" xmlns:a16="http://schemas.microsoft.com/office/drawing/2014/main" val="2611242976"/>
                   </a:ext>
                 </a:extLst>
               </a:tr>
@@ -27357,7 +27953,7 @@
                 </a:tc>
                 <a:extLst>
                   <a:ext uri="{0D108BD9-81ED-4DB2-BD59-A6C34878D82A}">
-                    <a16:rowId xmlns:a16="http://schemas.microsoft.com/office/drawing/2014/main" xmlns="" val="1376843330"/>
+                    <a16:rowId xmlns="" xmlns:a16="http://schemas.microsoft.com/office/drawing/2014/main" val="1376843330"/>
                   </a:ext>
                 </a:extLst>
               </a:tr>
@@ -27580,7 +28176,7 @@
                 </a:tc>
                 <a:extLst>
                   <a:ext uri="{0D108BD9-81ED-4DB2-BD59-A6C34878D82A}">
-                    <a16:rowId xmlns:a16="http://schemas.microsoft.com/office/drawing/2014/main" xmlns="" val="1592789948"/>
+                    <a16:rowId xmlns="" xmlns:a16="http://schemas.microsoft.com/office/drawing/2014/main" val="1592789948"/>
                   </a:ext>
                 </a:extLst>
               </a:tr>
@@ -29130,7 +29726,7 @@
           <p:cNvPr id="3" name="Picture 2">
             <a:extLst>
               <a:ext uri="{FF2B5EF4-FFF2-40B4-BE49-F238E27FC236}">
-                <a16:creationId xmlns="" xmlns:a16="http://schemas.microsoft.com/office/drawing/2014/main" id="{B4399C38-6E07-41DC-8DEC-6BF8481CD6F3}"/>
+                <a16:creationId xmlns:a16="http://schemas.microsoft.com/office/drawing/2014/main" xmlns="" id="{B4399C38-6E07-41DC-8DEC-6BF8481CD6F3}"/>
               </a:ext>
             </a:extLst>
           </p:cNvPr>
@@ -29246,7 +29842,7 @@
           <p:cNvPr id="63" name="Picture 62">
             <a:extLst>
               <a:ext uri="{FF2B5EF4-FFF2-40B4-BE49-F238E27FC236}">
-                <a16:creationId xmlns="" xmlns:a16="http://schemas.microsoft.com/office/drawing/2014/main" id="{5B15DD52-47DC-4412-A2E6-A60F6687A2AA}"/>
+                <a16:creationId xmlns:a16="http://schemas.microsoft.com/office/drawing/2014/main" xmlns="" id="{5B15DD52-47DC-4412-A2E6-A60F6687A2AA}"/>
               </a:ext>
             </a:extLst>
           </p:cNvPr>
@@ -29282,7 +29878,7 @@
           <p:cNvPr id="106" name="Picture 105">
             <a:extLst>
               <a:ext uri="{FF2B5EF4-FFF2-40B4-BE49-F238E27FC236}">
-                <a16:creationId xmlns="" xmlns:a16="http://schemas.microsoft.com/office/drawing/2014/main" id="{14F6968E-F8BC-4C9E-8B85-4F59E9B70028}"/>
+                <a16:creationId xmlns:a16="http://schemas.microsoft.com/office/drawing/2014/main" xmlns="" id="{14F6968E-F8BC-4C9E-8B85-4F59E9B70028}"/>
               </a:ext>
             </a:extLst>
           </p:cNvPr>
@@ -29324,7 +29920,7 @@
           <p:cNvPr id="126" name="Picture 125">
             <a:extLst>
               <a:ext uri="{FF2B5EF4-FFF2-40B4-BE49-F238E27FC236}">
-                <a16:creationId xmlns="" xmlns:a16="http://schemas.microsoft.com/office/drawing/2014/main" id="{2F2210B8-E2C2-4C34-B1D8-515E754290CB}"/>
+                <a16:creationId xmlns:a16="http://schemas.microsoft.com/office/drawing/2014/main" xmlns="" id="{2F2210B8-E2C2-4C34-B1D8-515E754290CB}"/>
               </a:ext>
             </a:extLst>
           </p:cNvPr>
@@ -29360,7 +29956,7 @@
           <p:cNvPr id="127" name="Callout: Bent Line 126">
             <a:extLst>
               <a:ext uri="{FF2B5EF4-FFF2-40B4-BE49-F238E27FC236}">
-                <a16:creationId xmlns="" xmlns:a16="http://schemas.microsoft.com/office/drawing/2014/main" id="{397CF055-B331-413D-B5BB-07280E8153FD}"/>
+                <a16:creationId xmlns:a16="http://schemas.microsoft.com/office/drawing/2014/main" xmlns="" id="{397CF055-B331-413D-B5BB-07280E8153FD}"/>
               </a:ext>
             </a:extLst>
           </p:cNvPr>
@@ -29423,7 +30019,7 @@
           <p:cNvPr id="130" name="Callout: Bent Line 129">
             <a:extLst>
               <a:ext uri="{FF2B5EF4-FFF2-40B4-BE49-F238E27FC236}">
-                <a16:creationId xmlns="" xmlns:a16="http://schemas.microsoft.com/office/drawing/2014/main" id="{96D68CA9-C290-42A1-A7D4-EE0D7EC09841}"/>
+                <a16:creationId xmlns:a16="http://schemas.microsoft.com/office/drawing/2014/main" xmlns="" id="{96D68CA9-C290-42A1-A7D4-EE0D7EC09841}"/>
               </a:ext>
             </a:extLst>
           </p:cNvPr>
@@ -29481,7 +30077,7 @@
           <p:cNvPr id="131" name="Callout: Bent Line 130">
             <a:extLst>
               <a:ext uri="{FF2B5EF4-FFF2-40B4-BE49-F238E27FC236}">
-                <a16:creationId xmlns="" xmlns:a16="http://schemas.microsoft.com/office/drawing/2014/main" id="{A802EC55-C5E1-49FD-A1D8-34D9EAFBC27C}"/>
+                <a16:creationId xmlns:a16="http://schemas.microsoft.com/office/drawing/2014/main" xmlns="" id="{A802EC55-C5E1-49FD-A1D8-34D9EAFBC27C}"/>
               </a:ext>
             </a:extLst>
           </p:cNvPr>
@@ -29543,7 +30139,7 @@
           <p:cNvPr id="133" name="Callout: Bent Line 132">
             <a:extLst>
               <a:ext uri="{FF2B5EF4-FFF2-40B4-BE49-F238E27FC236}">
-                <a16:creationId xmlns="" xmlns:a16="http://schemas.microsoft.com/office/drawing/2014/main" id="{494B9882-814D-47EA-BA74-F87861720779}"/>
+                <a16:creationId xmlns:a16="http://schemas.microsoft.com/office/drawing/2014/main" xmlns="" id="{494B9882-814D-47EA-BA74-F87861720779}"/>
               </a:ext>
             </a:extLst>
           </p:cNvPr>
@@ -29605,7 +30201,7 @@
           <p:cNvPr id="134" name="TextBox 133">
             <a:extLst>
               <a:ext uri="{FF2B5EF4-FFF2-40B4-BE49-F238E27FC236}">
-                <a16:creationId xmlns="" xmlns:a16="http://schemas.microsoft.com/office/drawing/2014/main" id="{D74BA1D6-760F-4BF0-B768-1F8E70ABD577}"/>
+                <a16:creationId xmlns:a16="http://schemas.microsoft.com/office/drawing/2014/main" xmlns="" id="{D74BA1D6-760F-4BF0-B768-1F8E70ABD577}"/>
               </a:ext>
             </a:extLst>
           </p:cNvPr>
@@ -29644,7 +30240,7 @@
           <p:cNvPr id="135" name="TextBox 134">
             <a:extLst>
               <a:ext uri="{FF2B5EF4-FFF2-40B4-BE49-F238E27FC236}">
-                <a16:creationId xmlns="" xmlns:a16="http://schemas.microsoft.com/office/drawing/2014/main" id="{75730175-D07F-45EB-8271-B044C4A63E00}"/>
+                <a16:creationId xmlns:a16="http://schemas.microsoft.com/office/drawing/2014/main" xmlns="" id="{75730175-D07F-45EB-8271-B044C4A63E00}"/>
               </a:ext>
             </a:extLst>
           </p:cNvPr>
@@ -29683,7 +30279,7 @@
           <p:cNvPr id="137" name="Callout: Bent Line 136">
             <a:extLst>
               <a:ext uri="{FF2B5EF4-FFF2-40B4-BE49-F238E27FC236}">
-                <a16:creationId xmlns="" xmlns:a16="http://schemas.microsoft.com/office/drawing/2014/main" id="{3C9663B5-0E20-499F-9430-0E655D044E15}"/>
+                <a16:creationId xmlns:a16="http://schemas.microsoft.com/office/drawing/2014/main" xmlns="" id="{3C9663B5-0E20-499F-9430-0E655D044E15}"/>
               </a:ext>
             </a:extLst>
           </p:cNvPr>
@@ -29745,7 +30341,7 @@
           <p:cNvPr id="48" name="Picture 47">
             <a:extLst>
               <a:ext uri="{FF2B5EF4-FFF2-40B4-BE49-F238E27FC236}">
-                <a16:creationId xmlns="" xmlns:a16="http://schemas.microsoft.com/office/drawing/2014/main" id="{970396B5-9118-42A9-904D-F72BD292492F}"/>
+                <a16:creationId xmlns:a16="http://schemas.microsoft.com/office/drawing/2014/main" xmlns="" id="{970396B5-9118-42A9-904D-F72BD292492F}"/>
               </a:ext>
             </a:extLst>
           </p:cNvPr>
@@ -29891,7 +30487,7 @@
           <p:cNvPr id="4" name="Picture 3">
             <a:extLst>
               <a:ext uri="{FF2B5EF4-FFF2-40B4-BE49-F238E27FC236}">
-                <a16:creationId xmlns="" xmlns:a16="http://schemas.microsoft.com/office/drawing/2014/main" id="{09B31EB0-88C9-4158-8CC2-885407DCC438}"/>
+                <a16:creationId xmlns:a16="http://schemas.microsoft.com/office/drawing/2014/main" xmlns="" id="{09B31EB0-88C9-4158-8CC2-885407DCC438}"/>
               </a:ext>
             </a:extLst>
           </p:cNvPr>
@@ -29927,7 +30523,7 @@
           <p:cNvPr id="6" name="Speech Bubble: Rectangle with Corners Rounded 5">
             <a:extLst>
               <a:ext uri="{FF2B5EF4-FFF2-40B4-BE49-F238E27FC236}">
-                <a16:creationId xmlns="" xmlns:a16="http://schemas.microsoft.com/office/drawing/2014/main" id="{D5C8FBE0-8128-4C4E-A630-4581C1986965}"/>
+                <a16:creationId xmlns:a16="http://schemas.microsoft.com/office/drawing/2014/main" xmlns="" id="{D5C8FBE0-8128-4C4E-A630-4581C1986965}"/>
               </a:ext>
             </a:extLst>
           </p:cNvPr>
@@ -29978,7 +30574,7 @@
           <p:cNvPr id="17" name="Speech Bubble: Rectangle with Corners Rounded 16">
             <a:extLst>
               <a:ext uri="{FF2B5EF4-FFF2-40B4-BE49-F238E27FC236}">
-                <a16:creationId xmlns="" xmlns:a16="http://schemas.microsoft.com/office/drawing/2014/main" id="{36BFF22C-8B6F-479C-9A8A-785260030205}"/>
+                <a16:creationId xmlns:a16="http://schemas.microsoft.com/office/drawing/2014/main" xmlns="" id="{36BFF22C-8B6F-479C-9A8A-785260030205}"/>
               </a:ext>
             </a:extLst>
           </p:cNvPr>
@@ -30029,7 +30625,7 @@
           <p:cNvPr id="16" name="TextBox 15">
             <a:extLst>
               <a:ext uri="{FF2B5EF4-FFF2-40B4-BE49-F238E27FC236}">
-                <a16:creationId xmlns="" xmlns:a16="http://schemas.microsoft.com/office/drawing/2014/main" id="{EF788542-589B-4D4F-B65A-ED8F88F99952}"/>
+                <a16:creationId xmlns:a16="http://schemas.microsoft.com/office/drawing/2014/main" xmlns="" id="{EF788542-589B-4D4F-B65A-ED8F88F99952}"/>
               </a:ext>
             </a:extLst>
           </p:cNvPr>
@@ -30085,7 +30681,7 @@
           <p:cNvPr id="7" name="TextBox 6">
             <a:extLst>
               <a:ext uri="{FF2B5EF4-FFF2-40B4-BE49-F238E27FC236}">
-                <a16:creationId xmlns="" xmlns:a16="http://schemas.microsoft.com/office/drawing/2014/main" id="{7B7DD44E-72F6-4785-B494-655ACE3CCE3D}"/>
+                <a16:creationId xmlns:a16="http://schemas.microsoft.com/office/drawing/2014/main" xmlns="" id="{7B7DD44E-72F6-4785-B494-655ACE3CCE3D}"/>
               </a:ext>
             </a:extLst>
           </p:cNvPr>
@@ -30138,7 +30734,7 @@
           <p:cNvPr id="19" name="Speech Bubble: Rectangle with Corners Rounded 18">
             <a:extLst>
               <a:ext uri="{FF2B5EF4-FFF2-40B4-BE49-F238E27FC236}">
-                <a16:creationId xmlns="" xmlns:a16="http://schemas.microsoft.com/office/drawing/2014/main" id="{866C2C8C-0C6C-417B-8EE9-78420CA3542B}"/>
+                <a16:creationId xmlns:a16="http://schemas.microsoft.com/office/drawing/2014/main" xmlns="" id="{866C2C8C-0C6C-417B-8EE9-78420CA3542B}"/>
               </a:ext>
             </a:extLst>
           </p:cNvPr>
@@ -30189,7 +30785,7 @@
           <p:cNvPr id="8" name="TextBox 7">
             <a:extLst>
               <a:ext uri="{FF2B5EF4-FFF2-40B4-BE49-F238E27FC236}">
-                <a16:creationId xmlns="" xmlns:a16="http://schemas.microsoft.com/office/drawing/2014/main" id="{E1997BCC-AC66-4279-A67A-C85CAC10E7F9}"/>
+                <a16:creationId xmlns:a16="http://schemas.microsoft.com/office/drawing/2014/main" xmlns="" id="{E1997BCC-AC66-4279-A67A-C85CAC10E7F9}"/>
               </a:ext>
             </a:extLst>
           </p:cNvPr>
@@ -30245,7 +30841,7 @@
           <p:cNvPr id="21" name="Speech Bubble: Rectangle with Corners Rounded 20">
             <a:extLst>
               <a:ext uri="{FF2B5EF4-FFF2-40B4-BE49-F238E27FC236}">
-                <a16:creationId xmlns="" xmlns:a16="http://schemas.microsoft.com/office/drawing/2014/main" id="{DD220F97-C522-4A0A-8410-A47E2F0DEDFF}"/>
+                <a16:creationId xmlns:a16="http://schemas.microsoft.com/office/drawing/2014/main" xmlns="" id="{DD220F97-C522-4A0A-8410-A47E2F0DEDFF}"/>
               </a:ext>
             </a:extLst>
           </p:cNvPr>
@@ -30296,7 +30892,7 @@
           <p:cNvPr id="10" name="TextBox 9">
             <a:extLst>
               <a:ext uri="{FF2B5EF4-FFF2-40B4-BE49-F238E27FC236}">
-                <a16:creationId xmlns="" xmlns:a16="http://schemas.microsoft.com/office/drawing/2014/main" id="{D7B58DCE-D84F-4A36-B35D-3526714DA155}"/>
+                <a16:creationId xmlns:a16="http://schemas.microsoft.com/office/drawing/2014/main" xmlns="" id="{D7B58DCE-D84F-4A36-B35D-3526714DA155}"/>
               </a:ext>
             </a:extLst>
           </p:cNvPr>
@@ -30344,7 +30940,7 @@
           <p:cNvPr id="14" name="Picture 13">
             <a:extLst>
               <a:ext uri="{FF2B5EF4-FFF2-40B4-BE49-F238E27FC236}">
-                <a16:creationId xmlns="" xmlns:a16="http://schemas.microsoft.com/office/drawing/2014/main" id="{DD1FBBBF-5DC7-4566-83B7-11724A262B7D}"/>
+                <a16:creationId xmlns:a16="http://schemas.microsoft.com/office/drawing/2014/main" xmlns="" id="{DD1FBBBF-5DC7-4566-83B7-11724A262B7D}"/>
               </a:ext>
             </a:extLst>
           </p:cNvPr>
@@ -30485,7 +31081,7 @@
           <p:cNvPr id="6" name="Picture 5">
             <a:extLst>
               <a:ext uri="{FF2B5EF4-FFF2-40B4-BE49-F238E27FC236}">
-                <a16:creationId xmlns="" xmlns:a16="http://schemas.microsoft.com/office/drawing/2014/main" id="{782A8D85-5ED8-43C3-BC0F-6BFC4EA00A62}"/>
+                <a16:creationId xmlns:a16="http://schemas.microsoft.com/office/drawing/2014/main" xmlns="" id="{782A8D85-5ED8-43C3-BC0F-6BFC4EA00A62}"/>
               </a:ext>
             </a:extLst>
           </p:cNvPr>
@@ -30523,7 +31119,7 @@
               <p:cNvPr id="13" name="TextBox 12">
                 <a:extLst>
                   <a:ext uri="{FF2B5EF4-FFF2-40B4-BE49-F238E27FC236}">
-                    <a16:creationId xmlns="" xmlns:a16="http://schemas.microsoft.com/office/drawing/2014/main" id="{B4966AAC-C7DE-4EAC-8440-706C54E5BE9B}"/>
+                    <a16:creationId xmlns:a16="http://schemas.microsoft.com/office/drawing/2014/main" xmlns="" id="{B4966AAC-C7DE-4EAC-8440-706C54E5BE9B}"/>
                   </a:ext>
                 </a:extLst>
               </p:cNvPr>
@@ -30797,7 +31393,7 @@
               <p:cNvPr id="15" name="TextBox 14">
                 <a:extLst>
                   <a:ext uri="{FF2B5EF4-FFF2-40B4-BE49-F238E27FC236}">
-                    <a16:creationId xmlns="" xmlns:a16="http://schemas.microsoft.com/office/drawing/2014/main" id="{370A66A4-B008-4BCF-8B8A-688563E19E48}"/>
+                    <a16:creationId xmlns:a16="http://schemas.microsoft.com/office/drawing/2014/main" xmlns="" id="{370A66A4-B008-4BCF-8B8A-688563E19E48}"/>
                   </a:ext>
                 </a:extLst>
               </p:cNvPr>
@@ -31120,7 +31716,7 @@
               <p:cNvPr id="16" name="TextBox 15">
                 <a:extLst>
                   <a:ext uri="{FF2B5EF4-FFF2-40B4-BE49-F238E27FC236}">
-                    <a16:creationId xmlns="" xmlns:a16="http://schemas.microsoft.com/office/drawing/2014/main" id="{9CA80DB1-7C6A-4B96-8FC5-0D3801EF5660}"/>
+                    <a16:creationId xmlns:a16="http://schemas.microsoft.com/office/drawing/2014/main" xmlns="" id="{9CA80DB1-7C6A-4B96-8FC5-0D3801EF5660}"/>
                   </a:ext>
                 </a:extLst>
               </p:cNvPr>
@@ -31364,7 +31960,7 @@
               <p:cNvPr id="17" name="TextBox 16">
                 <a:extLst>
                   <a:ext uri="{FF2B5EF4-FFF2-40B4-BE49-F238E27FC236}">
-                    <a16:creationId xmlns="" xmlns:a16="http://schemas.microsoft.com/office/drawing/2014/main" id="{5ED90BD9-546E-4CD3-93BE-10D2833E41BC}"/>
+                    <a16:creationId xmlns:a16="http://schemas.microsoft.com/office/drawing/2014/main" xmlns="" id="{5ED90BD9-546E-4CD3-93BE-10D2833E41BC}"/>
                   </a:ext>
                 </a:extLst>
               </p:cNvPr>
@@ -31608,7 +32204,7 @@
           <p:cNvPr id="19" name="Rectangle 18">
             <a:extLst>
               <a:ext uri="{FF2B5EF4-FFF2-40B4-BE49-F238E27FC236}">
-                <a16:creationId xmlns="" xmlns:a16="http://schemas.microsoft.com/office/drawing/2014/main" id="{B44EA830-46C1-44BE-A602-6A44AB9FC00D}"/>
+                <a16:creationId xmlns:a16="http://schemas.microsoft.com/office/drawing/2014/main" xmlns="" id="{B44EA830-46C1-44BE-A602-6A44AB9FC00D}"/>
               </a:ext>
             </a:extLst>
           </p:cNvPr>
@@ -31671,7 +32267,7 @@
               <p:cNvPr id="18" name="TextBox 17">
                 <a:extLst>
                   <a:ext uri="{FF2B5EF4-FFF2-40B4-BE49-F238E27FC236}">
-                    <a16:creationId xmlns="" xmlns:a16="http://schemas.microsoft.com/office/drawing/2014/main" id="{3418578F-786F-400C-954C-DB4CD28CB555}"/>
+                    <a16:creationId xmlns:a16="http://schemas.microsoft.com/office/drawing/2014/main" xmlns="" id="{3418578F-786F-400C-954C-DB4CD28CB555}"/>
                   </a:ext>
                 </a:extLst>
               </p:cNvPr>
@@ -31799,7 +32395,7 @@
           <p:cNvPr id="21" name="Rectangle 20">
             <a:extLst>
               <a:ext uri="{FF2B5EF4-FFF2-40B4-BE49-F238E27FC236}">
-                <a16:creationId xmlns="" xmlns:a16="http://schemas.microsoft.com/office/drawing/2014/main" id="{351BAECD-40B7-4D81-A0AE-E80772DDED46}"/>
+                <a16:creationId xmlns:a16="http://schemas.microsoft.com/office/drawing/2014/main" xmlns="" id="{351BAECD-40B7-4D81-A0AE-E80772DDED46}"/>
               </a:ext>
             </a:extLst>
           </p:cNvPr>
@@ -31860,7 +32456,7 @@
           <p:cNvPr id="22" name="Rectangle 21">
             <a:extLst>
               <a:ext uri="{FF2B5EF4-FFF2-40B4-BE49-F238E27FC236}">
-                <a16:creationId xmlns="" xmlns:a16="http://schemas.microsoft.com/office/drawing/2014/main" id="{B8926D9D-C051-41E4-BB0E-A3D001131A4D}"/>
+                <a16:creationId xmlns:a16="http://schemas.microsoft.com/office/drawing/2014/main" xmlns="" id="{B8926D9D-C051-41E4-BB0E-A3D001131A4D}"/>
               </a:ext>
             </a:extLst>
           </p:cNvPr>
@@ -31923,7 +32519,7 @@
               <p:cNvPr id="20" name="TextBox 19">
                 <a:extLst>
                   <a:ext uri="{FF2B5EF4-FFF2-40B4-BE49-F238E27FC236}">
-                    <a16:creationId xmlns="" xmlns:a16="http://schemas.microsoft.com/office/drawing/2014/main" id="{C632BA72-1FAD-4BBB-BE68-45268DED4DF5}"/>
+                    <a16:creationId xmlns:a16="http://schemas.microsoft.com/office/drawing/2014/main" xmlns="" id="{C632BA72-1FAD-4BBB-BE68-45268DED4DF5}"/>
                   </a:ext>
                 </a:extLst>
               </p:cNvPr>
@@ -32087,7 +32683,7 @@
           <p:cNvPr id="24" name="Rectangle 23">
             <a:extLst>
               <a:ext uri="{FF2B5EF4-FFF2-40B4-BE49-F238E27FC236}">
-                <a16:creationId xmlns="" xmlns:a16="http://schemas.microsoft.com/office/drawing/2014/main" id="{EF78FFFB-757F-4F2C-B5BC-8FBCAE428F0A}"/>
+                <a16:creationId xmlns:a16="http://schemas.microsoft.com/office/drawing/2014/main" xmlns="" id="{EF78FFFB-757F-4F2C-B5BC-8FBCAE428F0A}"/>
               </a:ext>
             </a:extLst>
           </p:cNvPr>
@@ -32150,7 +32746,7 @@
               <p:cNvPr id="23" name="TextBox 22">
                 <a:extLst>
                   <a:ext uri="{FF2B5EF4-FFF2-40B4-BE49-F238E27FC236}">
-                    <a16:creationId xmlns="" xmlns:a16="http://schemas.microsoft.com/office/drawing/2014/main" id="{7CBF62CC-10DC-45E3-89A6-5DB457CE75DD}"/>
+                    <a16:creationId xmlns:a16="http://schemas.microsoft.com/office/drawing/2014/main" xmlns="" id="{7CBF62CC-10DC-45E3-89A6-5DB457CE75DD}"/>
                   </a:ext>
                 </a:extLst>
               </p:cNvPr>
@@ -32271,7 +32867,7 @@
               <p:cNvPr id="25" name="TextBox 24">
                 <a:extLst>
                   <a:ext uri="{FF2B5EF4-FFF2-40B4-BE49-F238E27FC236}">
-                    <a16:creationId xmlns="" xmlns:a16="http://schemas.microsoft.com/office/drawing/2014/main" id="{E3EDA271-5D49-48B9-8197-719E2BCA1C06}"/>
+                    <a16:creationId xmlns:a16="http://schemas.microsoft.com/office/drawing/2014/main" xmlns="" id="{E3EDA271-5D49-48B9-8197-719E2BCA1C06}"/>
                   </a:ext>
                 </a:extLst>
               </p:cNvPr>
@@ -32924,7 +33520,39 @@
                   <a:schemeClr val="tx2"/>
                 </a:solidFill>
               </a:rPr>
-              <a:t> = 0</a:t>
+              <a:t> </a:t>
+            </a:r>
+            <a:r>
+              <a:rPr lang="en-US" sz="2800" dirty="0" smtClean="0">
+                <a:solidFill>
+                  <a:schemeClr val="tx2"/>
+                </a:solidFill>
+              </a:rPr>
+              <a:t>// </a:t>
+            </a:r>
+            <a:r>
+              <a:rPr lang="en-US" sz="2800" dirty="0" err="1" smtClean="0">
+                <a:solidFill>
+                  <a:schemeClr val="tx2"/>
+                </a:solidFill>
+              </a:rPr>
+              <a:t>inicial</a:t>
+            </a:r>
+            <a:r>
+              <a:rPr lang="en-US" sz="2800" dirty="0" smtClean="0">
+                <a:solidFill>
+                  <a:schemeClr val="tx2"/>
+                </a:solidFill>
+              </a:rPr>
+              <a:t> value = </a:t>
+            </a:r>
+            <a:r>
+              <a:rPr lang="en-US" sz="2800" dirty="0" smtClean="0">
+                <a:solidFill>
+                  <a:schemeClr val="tx2"/>
+                </a:solidFill>
+              </a:rPr>
+              <a:t>0</a:t>
             </a:r>
             <a:endParaRPr lang="en-US" sz="2800" dirty="0">
               <a:solidFill>
@@ -33408,7 +34036,7 @@
                   <a:schemeClr val="tx2"/>
                 </a:solidFill>
               </a:rPr>
-              <a:t>{time, value}: ordered </a:t>
+              <a:t> //ordered </a:t>
             </a:r>
             <a:r>
               <a:rPr lang="en-US" b="1" dirty="0" smtClean="0">
@@ -39433,6 +40061,15 @@
 </file>
 
 <file path=customXml/item1.xml><?xml version="1.0" encoding="utf-8"?>
+<?mso-contentType ?>
+<FormTemplates xmlns="http://schemas.microsoft.com/sharepoint/v3/contenttype/forms">
+  <Display>DocumentLibraryForm</Display>
+  <Edit>AssetEditForm</Edit>
+  <New>DocumentLibraryForm</New>
+</FormTemplates>
+</file>
+
+<file path=customXml/item2.xml><?xml version="1.0" encoding="utf-8"?>
 <p:properties xmlns:p="http://schemas.microsoft.com/office/2006/metadata/properties" xmlns:xsi="http://www.w3.org/2001/XMLSchema-instance" xmlns:pc="http://schemas.microsoft.com/office/infopath/2007/PartnerControls">
   <documentManagement>
     <APDescription xmlns="4873beb7-5857-4685-be1f-d57550cc96cc" xsi:nil="true"/>
@@ -39556,15 +40193,6 @@
     <UANotes xmlns="4873beb7-5857-4685-be1f-d57550cc96cc" xsi:nil="true"/>
   </documentManagement>
 </p:properties>
-</file>
-
-<file path=customXml/item2.xml><?xml version="1.0" encoding="utf-8"?>
-<?mso-contentType ?>
-<FormTemplates xmlns="http://schemas.microsoft.com/sharepoint/v3/contenttype/forms">
-  <Display>DocumentLibraryForm</Display>
-  <Edit>AssetEditForm</Edit>
-  <New>DocumentLibraryForm</New>
-</FormTemplates>
 </file>
 
 <file path=customXml/item3.xml><?xml version="1.0" encoding="utf-8"?>
@@ -40608,6 +41236,14 @@
 </file>
 
 <file path=customXml/itemProps1.xml><?xml version="1.0" encoding="utf-8"?>
+<ds:datastoreItem xmlns:ds="http://schemas.openxmlformats.org/officeDocument/2006/customXml" ds:itemID="{561E720F-F05D-4536-9C34-0CFCED65D3B7}">
+  <ds:schemaRefs>
+    <ds:schemaRef ds:uri="http://schemas.microsoft.com/sharepoint/v3/contenttype/forms"/>
+  </ds:schemaRefs>
+</ds:datastoreItem>
+</file>
+
+<file path=customXml/itemProps2.xml><?xml version="1.0" encoding="utf-8"?>
 <ds:datastoreItem xmlns:ds="http://schemas.openxmlformats.org/officeDocument/2006/customXml" ds:itemID="{8CDDBB83-77C1-4099-A0AA-289882E745E2}">
   <ds:schemaRefs>
     <ds:schemaRef ds:uri="http://schemas.microsoft.com/office/2006/metadata/properties"/>
@@ -40619,14 +41255,6 @@
     <ds:schemaRef ds:uri="http://purl.org/dc/dcmitype/"/>
     <ds:schemaRef ds:uri="http://purl.org/dc/terms/"/>
     <ds:schemaRef ds:uri="http://www.w3.org/XML/1998/namespace"/>
-  </ds:schemaRefs>
-</ds:datastoreItem>
-</file>
-
-<file path=customXml/itemProps2.xml><?xml version="1.0" encoding="utf-8"?>
-<ds:datastoreItem xmlns:ds="http://schemas.openxmlformats.org/officeDocument/2006/customXml" ds:itemID="{561E720F-F05D-4536-9C34-0CFCED65D3B7}">
-  <ds:schemaRefs>
-    <ds:schemaRef ds:uri="http://schemas.microsoft.com/sharepoint/v3/contenttype/forms"/>
   </ds:schemaRefs>
 </ds:datastoreItem>
 </file>
